--- a/Reactive programming.pptx
+++ b/Reactive programming.pptx
@@ -7,30 +7,35 @@
   <p:sldIdLst>
     <p:sldId id="256" r:id="rId2"/>
     <p:sldId id="265" r:id="rId3"/>
-    <p:sldId id="257" r:id="rId4"/>
-    <p:sldId id="258" r:id="rId5"/>
-    <p:sldId id="259" r:id="rId6"/>
-    <p:sldId id="260" r:id="rId7"/>
-    <p:sldId id="261" r:id="rId8"/>
-    <p:sldId id="262" r:id="rId9"/>
-    <p:sldId id="263" r:id="rId10"/>
-    <p:sldId id="264" r:id="rId11"/>
-    <p:sldId id="267" r:id="rId12"/>
-    <p:sldId id="266" r:id="rId13"/>
-    <p:sldId id="268" r:id="rId14"/>
-    <p:sldId id="269" r:id="rId15"/>
-    <p:sldId id="270" r:id="rId16"/>
-    <p:sldId id="271" r:id="rId17"/>
-    <p:sldId id="273" r:id="rId18"/>
-    <p:sldId id="272" r:id="rId19"/>
-    <p:sldId id="275" r:id="rId20"/>
-    <p:sldId id="274" r:id="rId21"/>
-    <p:sldId id="278" r:id="rId22"/>
-    <p:sldId id="279" r:id="rId23"/>
-    <p:sldId id="276" r:id="rId24"/>
-    <p:sldId id="280" r:id="rId25"/>
-    <p:sldId id="277" r:id="rId26"/>
-    <p:sldId id="281" r:id="rId27"/>
+    <p:sldId id="282" r:id="rId4"/>
+    <p:sldId id="283" r:id="rId5"/>
+    <p:sldId id="257" r:id="rId6"/>
+    <p:sldId id="258" r:id="rId7"/>
+    <p:sldId id="259" r:id="rId8"/>
+    <p:sldId id="260" r:id="rId9"/>
+    <p:sldId id="261" r:id="rId10"/>
+    <p:sldId id="262" r:id="rId11"/>
+    <p:sldId id="263" r:id="rId12"/>
+    <p:sldId id="264" r:id="rId13"/>
+    <p:sldId id="284" r:id="rId14"/>
+    <p:sldId id="266" r:id="rId15"/>
+    <p:sldId id="268" r:id="rId16"/>
+    <p:sldId id="269" r:id="rId17"/>
+    <p:sldId id="270" r:id="rId18"/>
+    <p:sldId id="271" r:id="rId19"/>
+    <p:sldId id="285" r:id="rId20"/>
+    <p:sldId id="272" r:id="rId21"/>
+    <p:sldId id="275" r:id="rId22"/>
+    <p:sldId id="274" r:id="rId23"/>
+    <p:sldId id="278" r:id="rId24"/>
+    <p:sldId id="279" r:id="rId25"/>
+    <p:sldId id="276" r:id="rId26"/>
+    <p:sldId id="280" r:id="rId27"/>
+    <p:sldId id="277" r:id="rId28"/>
+    <p:sldId id="281" r:id="rId29"/>
+    <p:sldId id="286" r:id="rId30"/>
+    <p:sldId id="287" r:id="rId31"/>
+    <p:sldId id="288" r:id="rId32"/>
   </p:sldIdLst>
   <p:sldSz cx="12192000" cy="6858000"/>
   <p:notesSz cx="6858000" cy="9144000"/>
@@ -130,6 +135,3655 @@
     </a:lvl9pPr>
   </p:defaultTextStyle>
 </p:presentation>
+</file>
+
+<file path=ppt/diagrams/colors1.xml><?xml version="1.0" encoding="utf-8"?>
+<dgm:colorsDef xmlns:dgm="http://schemas.openxmlformats.org/drawingml/2006/diagram" xmlns:a="http://schemas.openxmlformats.org/drawingml/2006/main" uniqueId="urn:microsoft.com/office/officeart/2005/8/colors/colorful2">
+  <dgm:title val=""/>
+  <dgm:desc val=""/>
+  <dgm:catLst>
+    <dgm:cat type="colorful" pri="10200"/>
+  </dgm:catLst>
+  <dgm:styleLbl name="node0">
+    <dgm:fillClrLst meth="repeat">
+      <a:schemeClr val="accent1"/>
+    </dgm:fillClrLst>
+    <dgm:linClrLst meth="repeat">
+      <a:schemeClr val="lt1"/>
+    </dgm:linClrLst>
+    <dgm:effectClrLst/>
+    <dgm:txLinClrLst/>
+    <dgm:txFillClrLst/>
+    <dgm:txEffectClrLst/>
+  </dgm:styleLbl>
+  <dgm:styleLbl name="node1">
+    <dgm:fillClrLst>
+      <a:schemeClr val="accent2"/>
+      <a:schemeClr val="accent3"/>
+    </dgm:fillClrLst>
+    <dgm:linClrLst meth="repeat">
+      <a:schemeClr val="lt1"/>
+    </dgm:linClrLst>
+    <dgm:effectClrLst/>
+    <dgm:txLinClrLst/>
+    <dgm:txFillClrLst/>
+    <dgm:txEffectClrLst/>
+  </dgm:styleLbl>
+  <dgm:styleLbl name="alignNode1">
+    <dgm:fillClrLst>
+      <a:schemeClr val="accent2"/>
+      <a:schemeClr val="accent3"/>
+    </dgm:fillClrLst>
+    <dgm:linClrLst>
+      <a:schemeClr val="accent2"/>
+      <a:schemeClr val="accent3"/>
+    </dgm:linClrLst>
+    <dgm:effectClrLst/>
+    <dgm:txLinClrLst/>
+    <dgm:txFillClrLst/>
+    <dgm:txEffectClrLst/>
+  </dgm:styleLbl>
+  <dgm:styleLbl name="lnNode1">
+    <dgm:fillClrLst>
+      <a:schemeClr val="accent2"/>
+      <a:schemeClr val="accent3"/>
+    </dgm:fillClrLst>
+    <dgm:linClrLst meth="repeat">
+      <a:schemeClr val="lt1"/>
+    </dgm:linClrLst>
+    <dgm:effectClrLst/>
+    <dgm:txLinClrLst/>
+    <dgm:txFillClrLst/>
+    <dgm:txEffectClrLst/>
+  </dgm:styleLbl>
+  <dgm:styleLbl name="vennNode1">
+    <dgm:fillClrLst>
+      <a:schemeClr val="accent2">
+        <a:alpha val="50000"/>
+      </a:schemeClr>
+      <a:schemeClr val="accent3">
+        <a:alpha val="50000"/>
+      </a:schemeClr>
+    </dgm:fillClrLst>
+    <dgm:linClrLst meth="repeat">
+      <a:schemeClr val="lt1"/>
+    </dgm:linClrLst>
+    <dgm:effectClrLst/>
+    <dgm:txLinClrLst/>
+    <dgm:txFillClrLst/>
+    <dgm:txEffectClrLst/>
+  </dgm:styleLbl>
+  <dgm:styleLbl name="node2">
+    <dgm:fillClrLst>
+      <a:schemeClr val="accent3"/>
+    </dgm:fillClrLst>
+    <dgm:linClrLst meth="repeat">
+      <a:schemeClr val="lt1"/>
+    </dgm:linClrLst>
+    <dgm:effectClrLst/>
+    <dgm:txLinClrLst/>
+    <dgm:txFillClrLst/>
+    <dgm:txEffectClrLst/>
+  </dgm:styleLbl>
+  <dgm:styleLbl name="node3">
+    <dgm:fillClrLst>
+      <a:schemeClr val="accent4"/>
+    </dgm:fillClrLst>
+    <dgm:linClrLst meth="repeat">
+      <a:schemeClr val="lt1"/>
+    </dgm:linClrLst>
+    <dgm:effectClrLst/>
+    <dgm:txLinClrLst/>
+    <dgm:txFillClrLst/>
+    <dgm:txEffectClrLst/>
+  </dgm:styleLbl>
+  <dgm:styleLbl name="node4">
+    <dgm:fillClrLst>
+      <a:schemeClr val="accent5"/>
+    </dgm:fillClrLst>
+    <dgm:linClrLst meth="repeat">
+      <a:schemeClr val="lt1"/>
+    </dgm:linClrLst>
+    <dgm:effectClrLst/>
+    <dgm:txLinClrLst/>
+    <dgm:txFillClrLst/>
+    <dgm:txEffectClrLst/>
+  </dgm:styleLbl>
+  <dgm:styleLbl name="fgImgPlace1">
+    <dgm:fillClrLst>
+      <a:schemeClr val="accent2">
+        <a:tint val="50000"/>
+      </a:schemeClr>
+      <a:schemeClr val="accent3">
+        <a:tint val="50000"/>
+      </a:schemeClr>
+    </dgm:fillClrLst>
+    <dgm:linClrLst meth="repeat">
+      <a:schemeClr val="lt1"/>
+    </dgm:linClrLst>
+    <dgm:effectClrLst/>
+    <dgm:txLinClrLst/>
+    <dgm:txFillClrLst meth="repeat">
+      <a:schemeClr val="lt1"/>
+    </dgm:txFillClrLst>
+    <dgm:txEffectClrLst/>
+  </dgm:styleLbl>
+  <dgm:styleLbl name="alignImgPlace1">
+    <dgm:fillClrLst>
+      <a:schemeClr val="accent2">
+        <a:tint val="50000"/>
+      </a:schemeClr>
+      <a:schemeClr val="accent3">
+        <a:tint val="20000"/>
+      </a:schemeClr>
+    </dgm:fillClrLst>
+    <dgm:linClrLst meth="repeat">
+      <a:schemeClr val="lt1"/>
+    </dgm:linClrLst>
+    <dgm:effectClrLst/>
+    <dgm:txLinClrLst/>
+    <dgm:txFillClrLst meth="repeat">
+      <a:schemeClr val="lt1"/>
+    </dgm:txFillClrLst>
+    <dgm:txEffectClrLst/>
+  </dgm:styleLbl>
+  <dgm:styleLbl name="bgImgPlace1">
+    <dgm:fillClrLst>
+      <a:schemeClr val="accent2">
+        <a:tint val="50000"/>
+      </a:schemeClr>
+      <a:schemeClr val="accent3">
+        <a:tint val="20000"/>
+      </a:schemeClr>
+    </dgm:fillClrLst>
+    <dgm:linClrLst meth="repeat">
+      <a:schemeClr val="lt1"/>
+    </dgm:linClrLst>
+    <dgm:effectClrLst/>
+    <dgm:txLinClrLst/>
+    <dgm:txFillClrLst meth="repeat">
+      <a:schemeClr val="lt1"/>
+    </dgm:txFillClrLst>
+    <dgm:txEffectClrLst/>
+  </dgm:styleLbl>
+  <dgm:styleLbl name="sibTrans2D1">
+    <dgm:fillClrLst>
+      <a:schemeClr val="accent2"/>
+      <a:schemeClr val="accent3"/>
+    </dgm:fillClrLst>
+    <dgm:linClrLst meth="repeat">
+      <a:schemeClr val="lt1"/>
+    </dgm:linClrLst>
+    <dgm:effectClrLst/>
+    <dgm:txLinClrLst/>
+    <dgm:txFillClrLst/>
+    <dgm:txEffectClrLst/>
+  </dgm:styleLbl>
+  <dgm:styleLbl name="fgSibTrans2D1">
+    <dgm:fillClrLst>
+      <a:schemeClr val="accent2"/>
+      <a:schemeClr val="accent3"/>
+    </dgm:fillClrLst>
+    <dgm:linClrLst meth="repeat">
+      <a:schemeClr val="lt1"/>
+    </dgm:linClrLst>
+    <dgm:effectClrLst/>
+    <dgm:txLinClrLst/>
+    <dgm:txFillClrLst meth="repeat">
+      <a:schemeClr val="lt1"/>
+    </dgm:txFillClrLst>
+    <dgm:txEffectClrLst/>
+  </dgm:styleLbl>
+  <dgm:styleLbl name="bgSibTrans2D1">
+    <dgm:fillClrLst>
+      <a:schemeClr val="accent2"/>
+      <a:schemeClr val="accent3"/>
+    </dgm:fillClrLst>
+    <dgm:linClrLst meth="repeat">
+      <a:schemeClr val="lt1"/>
+    </dgm:linClrLst>
+    <dgm:effectClrLst/>
+    <dgm:txLinClrLst/>
+    <dgm:txFillClrLst meth="repeat">
+      <a:schemeClr val="lt1"/>
+    </dgm:txFillClrLst>
+    <dgm:txEffectClrLst/>
+  </dgm:styleLbl>
+  <dgm:styleLbl name="sibTrans1D1">
+    <dgm:fillClrLst/>
+    <dgm:linClrLst>
+      <a:schemeClr val="accent2"/>
+      <a:schemeClr val="accent3"/>
+    </dgm:linClrLst>
+    <dgm:effectClrLst/>
+    <dgm:txLinClrLst/>
+    <dgm:txFillClrLst meth="repeat">
+      <a:schemeClr val="tx1"/>
+    </dgm:txFillClrLst>
+    <dgm:txEffectClrLst/>
+  </dgm:styleLbl>
+  <dgm:styleLbl name="callout">
+    <dgm:fillClrLst meth="repeat">
+      <a:schemeClr val="accent2"/>
+    </dgm:fillClrLst>
+    <dgm:linClrLst meth="repeat">
+      <a:schemeClr val="accent2">
+        <a:tint val="50000"/>
+      </a:schemeClr>
+    </dgm:linClrLst>
+    <dgm:effectClrLst/>
+    <dgm:txLinClrLst/>
+    <dgm:txFillClrLst meth="repeat">
+      <a:schemeClr val="tx1"/>
+    </dgm:txFillClrLst>
+    <dgm:txEffectClrLst/>
+  </dgm:styleLbl>
+  <dgm:styleLbl name="asst0">
+    <dgm:fillClrLst meth="repeat">
+      <a:schemeClr val="accent2"/>
+    </dgm:fillClrLst>
+    <dgm:linClrLst meth="repeat">
+      <a:schemeClr val="lt1">
+        <a:shade val="80000"/>
+      </a:schemeClr>
+    </dgm:linClrLst>
+    <dgm:effectClrLst/>
+    <dgm:txLinClrLst/>
+    <dgm:txFillClrLst/>
+    <dgm:txEffectClrLst/>
+  </dgm:styleLbl>
+  <dgm:styleLbl name="asst1">
+    <dgm:fillClrLst meth="repeat">
+      <a:schemeClr val="accent3"/>
+    </dgm:fillClrLst>
+    <dgm:linClrLst meth="repeat">
+      <a:schemeClr val="lt1">
+        <a:shade val="80000"/>
+      </a:schemeClr>
+    </dgm:linClrLst>
+    <dgm:effectClrLst/>
+    <dgm:txLinClrLst/>
+    <dgm:txFillClrLst/>
+    <dgm:txEffectClrLst/>
+  </dgm:styleLbl>
+  <dgm:styleLbl name="asst2">
+    <dgm:fillClrLst>
+      <a:schemeClr val="accent4"/>
+    </dgm:fillClrLst>
+    <dgm:linClrLst meth="repeat">
+      <a:schemeClr val="lt1"/>
+    </dgm:linClrLst>
+    <dgm:effectClrLst/>
+    <dgm:txLinClrLst/>
+    <dgm:txFillClrLst/>
+    <dgm:txEffectClrLst/>
+  </dgm:styleLbl>
+  <dgm:styleLbl name="asst3">
+    <dgm:fillClrLst>
+      <a:schemeClr val="accent5"/>
+    </dgm:fillClrLst>
+    <dgm:linClrLst meth="repeat">
+      <a:schemeClr val="lt1"/>
+    </dgm:linClrLst>
+    <dgm:effectClrLst/>
+    <dgm:txLinClrLst/>
+    <dgm:txFillClrLst/>
+    <dgm:txEffectClrLst/>
+  </dgm:styleLbl>
+  <dgm:styleLbl name="asst4">
+    <dgm:fillClrLst>
+      <a:schemeClr val="accent6"/>
+    </dgm:fillClrLst>
+    <dgm:linClrLst meth="repeat">
+      <a:schemeClr val="lt1"/>
+    </dgm:linClrLst>
+    <dgm:effectClrLst/>
+    <dgm:txLinClrLst/>
+    <dgm:txFillClrLst/>
+    <dgm:txEffectClrLst/>
+  </dgm:styleLbl>
+  <dgm:styleLbl name="parChTrans2D1">
+    <dgm:fillClrLst meth="repeat">
+      <a:schemeClr val="accent2"/>
+    </dgm:fillClrLst>
+    <dgm:linClrLst meth="repeat">
+      <a:schemeClr val="lt1"/>
+    </dgm:linClrLst>
+    <dgm:effectClrLst/>
+    <dgm:txLinClrLst/>
+    <dgm:txFillClrLst meth="repeat">
+      <a:schemeClr val="lt1"/>
+    </dgm:txFillClrLst>
+    <dgm:txEffectClrLst/>
+  </dgm:styleLbl>
+  <dgm:styleLbl name="parChTrans2D2">
+    <dgm:fillClrLst meth="repeat">
+      <a:schemeClr val="accent3"/>
+    </dgm:fillClrLst>
+    <dgm:linClrLst meth="repeat">
+      <a:schemeClr val="lt1"/>
+    </dgm:linClrLst>
+    <dgm:effectClrLst/>
+    <dgm:txLinClrLst/>
+    <dgm:txFillClrLst/>
+    <dgm:txEffectClrLst/>
+  </dgm:styleLbl>
+  <dgm:styleLbl name="parChTrans2D3">
+    <dgm:fillClrLst meth="repeat">
+      <a:schemeClr val="accent4"/>
+    </dgm:fillClrLst>
+    <dgm:linClrLst meth="repeat">
+      <a:schemeClr val="lt1"/>
+    </dgm:linClrLst>
+    <dgm:effectClrLst/>
+    <dgm:txLinClrLst/>
+    <dgm:txFillClrLst/>
+    <dgm:txEffectClrLst/>
+  </dgm:styleLbl>
+  <dgm:styleLbl name="parChTrans2D4">
+    <dgm:fillClrLst meth="repeat">
+      <a:schemeClr val="accent5"/>
+    </dgm:fillClrLst>
+    <dgm:linClrLst meth="repeat">
+      <a:schemeClr val="lt1"/>
+    </dgm:linClrLst>
+    <dgm:effectClrLst/>
+    <dgm:txLinClrLst/>
+    <dgm:txFillClrLst meth="repeat">
+      <a:schemeClr val="lt1"/>
+    </dgm:txFillClrLst>
+    <dgm:txEffectClrLst/>
+  </dgm:styleLbl>
+  <dgm:styleLbl name="parChTrans1D1">
+    <dgm:fillClrLst meth="repeat">
+      <a:schemeClr val="accent2"/>
+    </dgm:fillClrLst>
+    <dgm:linClrLst meth="repeat">
+      <a:schemeClr val="accent2"/>
+    </dgm:linClrLst>
+    <dgm:effectClrLst/>
+    <dgm:txLinClrLst/>
+    <dgm:txFillClrLst meth="repeat">
+      <a:schemeClr val="tx1"/>
+    </dgm:txFillClrLst>
+    <dgm:txEffectClrLst/>
+  </dgm:styleLbl>
+  <dgm:styleLbl name="parChTrans1D2">
+    <dgm:fillClrLst meth="repeat">
+      <a:schemeClr val="accent2">
+        <a:tint val="90000"/>
+      </a:schemeClr>
+    </dgm:fillClrLst>
+    <dgm:linClrLst meth="repeat">
+      <a:schemeClr val="accent3"/>
+    </dgm:linClrLst>
+    <dgm:effectClrLst/>
+    <dgm:txLinClrLst/>
+    <dgm:txFillClrLst meth="repeat">
+      <a:schemeClr val="tx1"/>
+    </dgm:txFillClrLst>
+    <dgm:txEffectClrLst/>
+  </dgm:styleLbl>
+  <dgm:styleLbl name="parChTrans1D3">
+    <dgm:fillClrLst meth="repeat">
+      <a:schemeClr val="accent2">
+        <a:tint val="70000"/>
+      </a:schemeClr>
+    </dgm:fillClrLst>
+    <dgm:linClrLst meth="repeat">
+      <a:schemeClr val="accent4"/>
+    </dgm:linClrLst>
+    <dgm:effectClrLst/>
+    <dgm:txLinClrLst/>
+    <dgm:txFillClrLst meth="repeat">
+      <a:schemeClr val="tx1"/>
+    </dgm:txFillClrLst>
+    <dgm:txEffectClrLst/>
+  </dgm:styleLbl>
+  <dgm:styleLbl name="parChTrans1D4">
+    <dgm:fillClrLst meth="repeat">
+      <a:schemeClr val="accent2">
+        <a:tint val="50000"/>
+      </a:schemeClr>
+    </dgm:fillClrLst>
+    <dgm:linClrLst meth="repeat">
+      <a:schemeClr val="accent5"/>
+    </dgm:linClrLst>
+    <dgm:effectClrLst/>
+    <dgm:txLinClrLst/>
+    <dgm:txFillClrLst meth="repeat">
+      <a:schemeClr val="tx1"/>
+    </dgm:txFillClrLst>
+    <dgm:txEffectClrLst/>
+  </dgm:styleLbl>
+  <dgm:styleLbl name="fgAcc1">
+    <dgm:fillClrLst meth="repeat">
+      <a:schemeClr val="lt1">
+        <a:alpha val="90000"/>
+      </a:schemeClr>
+    </dgm:fillClrLst>
+    <dgm:linClrLst>
+      <a:schemeClr val="accent2"/>
+      <a:schemeClr val="accent3"/>
+    </dgm:linClrLst>
+    <dgm:effectClrLst/>
+    <dgm:txLinClrLst/>
+    <dgm:txFillClrLst meth="repeat">
+      <a:schemeClr val="dk1"/>
+    </dgm:txFillClrLst>
+    <dgm:txEffectClrLst/>
+  </dgm:styleLbl>
+  <dgm:styleLbl name="conFgAcc1">
+    <dgm:fillClrLst meth="repeat">
+      <a:schemeClr val="lt1">
+        <a:alpha val="90000"/>
+      </a:schemeClr>
+    </dgm:fillClrLst>
+    <dgm:linClrLst>
+      <a:schemeClr val="accent2"/>
+      <a:schemeClr val="accent3"/>
+    </dgm:linClrLst>
+    <dgm:effectClrLst/>
+    <dgm:txLinClrLst/>
+    <dgm:txFillClrLst meth="repeat">
+      <a:schemeClr val="dk1"/>
+    </dgm:txFillClrLst>
+    <dgm:txEffectClrLst/>
+  </dgm:styleLbl>
+  <dgm:styleLbl name="alignAcc1">
+    <dgm:fillClrLst meth="repeat">
+      <a:schemeClr val="lt1">
+        <a:alpha val="90000"/>
+      </a:schemeClr>
+    </dgm:fillClrLst>
+    <dgm:linClrLst>
+      <a:schemeClr val="accent2"/>
+      <a:schemeClr val="accent3"/>
+    </dgm:linClrLst>
+    <dgm:effectClrLst/>
+    <dgm:txLinClrLst/>
+    <dgm:txFillClrLst meth="repeat">
+      <a:schemeClr val="dk1"/>
+    </dgm:txFillClrLst>
+    <dgm:txEffectClrLst/>
+  </dgm:styleLbl>
+  <dgm:styleLbl name="trAlignAcc1">
+    <dgm:fillClrLst meth="repeat">
+      <a:schemeClr val="lt1">
+        <a:alpha val="40000"/>
+      </a:schemeClr>
+    </dgm:fillClrLst>
+    <dgm:linClrLst meth="repeat">
+      <a:schemeClr val="accent2"/>
+    </dgm:linClrLst>
+    <dgm:effectClrLst/>
+    <dgm:txLinClrLst/>
+    <dgm:txFillClrLst meth="repeat">
+      <a:schemeClr val="dk1"/>
+    </dgm:txFillClrLst>
+    <dgm:txEffectClrLst/>
+  </dgm:styleLbl>
+  <dgm:styleLbl name="bgAcc1">
+    <dgm:fillClrLst meth="repeat">
+      <a:schemeClr val="lt1">
+        <a:alpha val="90000"/>
+      </a:schemeClr>
+    </dgm:fillClrLst>
+    <dgm:linClrLst>
+      <a:schemeClr val="accent2"/>
+      <a:schemeClr val="accent3"/>
+    </dgm:linClrLst>
+    <dgm:effectClrLst/>
+    <dgm:txLinClrLst/>
+    <dgm:txFillClrLst meth="repeat">
+      <a:schemeClr val="dk1"/>
+    </dgm:txFillClrLst>
+    <dgm:txEffectClrLst/>
+  </dgm:styleLbl>
+  <dgm:styleLbl name="solidFgAcc1">
+    <dgm:fillClrLst meth="repeat">
+      <a:schemeClr val="lt1"/>
+    </dgm:fillClrLst>
+    <dgm:linClrLst>
+      <a:schemeClr val="accent2"/>
+      <a:schemeClr val="accent3"/>
+    </dgm:linClrLst>
+    <dgm:effectClrLst/>
+    <dgm:txLinClrLst/>
+    <dgm:txFillClrLst meth="repeat">
+      <a:schemeClr val="dk1"/>
+    </dgm:txFillClrLst>
+    <dgm:txEffectClrLst/>
+  </dgm:styleLbl>
+  <dgm:styleLbl name="solidAlignAcc1">
+    <dgm:fillClrLst meth="repeat">
+      <a:schemeClr val="lt1"/>
+    </dgm:fillClrLst>
+    <dgm:linClrLst>
+      <a:schemeClr val="accent2"/>
+      <a:schemeClr val="accent3"/>
+    </dgm:linClrLst>
+    <dgm:effectClrLst/>
+    <dgm:txLinClrLst/>
+    <dgm:txFillClrLst meth="repeat">
+      <a:schemeClr val="dk1"/>
+    </dgm:txFillClrLst>
+    <dgm:txEffectClrLst/>
+  </dgm:styleLbl>
+  <dgm:styleLbl name="solidBgAcc1">
+    <dgm:fillClrLst meth="repeat">
+      <a:schemeClr val="lt1"/>
+    </dgm:fillClrLst>
+    <dgm:linClrLst>
+      <a:schemeClr val="accent2"/>
+      <a:schemeClr val="accent3"/>
+    </dgm:linClrLst>
+    <dgm:effectClrLst/>
+    <dgm:txLinClrLst/>
+    <dgm:txFillClrLst meth="repeat">
+      <a:schemeClr val="dk1"/>
+    </dgm:txFillClrLst>
+    <dgm:txEffectClrLst/>
+  </dgm:styleLbl>
+  <dgm:styleLbl name="fgAccFollowNode1">
+    <dgm:fillClrLst>
+      <a:schemeClr val="accent2">
+        <a:tint val="40000"/>
+        <a:alpha val="90000"/>
+      </a:schemeClr>
+      <a:schemeClr val="accent3">
+        <a:tint val="40000"/>
+        <a:alpha val="90000"/>
+      </a:schemeClr>
+    </dgm:fillClrLst>
+    <dgm:linClrLst>
+      <a:schemeClr val="accent2">
+        <a:tint val="40000"/>
+        <a:alpha val="90000"/>
+      </a:schemeClr>
+      <a:schemeClr val="accent3">
+        <a:tint val="40000"/>
+        <a:alpha val="90000"/>
+      </a:schemeClr>
+    </dgm:linClrLst>
+    <dgm:effectClrLst/>
+    <dgm:txLinClrLst/>
+    <dgm:txFillClrLst meth="repeat">
+      <a:schemeClr val="dk1"/>
+    </dgm:txFillClrLst>
+    <dgm:txEffectClrLst/>
+  </dgm:styleLbl>
+  <dgm:styleLbl name="alignAccFollowNode1">
+    <dgm:fillClrLst>
+      <a:schemeClr val="accent2">
+        <a:tint val="40000"/>
+        <a:alpha val="90000"/>
+      </a:schemeClr>
+      <a:schemeClr val="accent3">
+        <a:tint val="40000"/>
+        <a:alpha val="90000"/>
+      </a:schemeClr>
+    </dgm:fillClrLst>
+    <dgm:linClrLst>
+      <a:schemeClr val="accent2">
+        <a:tint val="40000"/>
+        <a:alpha val="90000"/>
+      </a:schemeClr>
+      <a:schemeClr val="accent3">
+        <a:tint val="40000"/>
+        <a:alpha val="90000"/>
+      </a:schemeClr>
+    </dgm:linClrLst>
+    <dgm:effectClrLst/>
+    <dgm:txLinClrLst/>
+    <dgm:txFillClrLst meth="repeat">
+      <a:schemeClr val="dk1"/>
+    </dgm:txFillClrLst>
+    <dgm:txEffectClrLst/>
+  </dgm:styleLbl>
+  <dgm:styleLbl name="bgAccFollowNode1">
+    <dgm:fillClrLst>
+      <a:schemeClr val="accent2">
+        <a:tint val="40000"/>
+        <a:alpha val="90000"/>
+      </a:schemeClr>
+      <a:schemeClr val="accent3">
+        <a:tint val="40000"/>
+        <a:alpha val="90000"/>
+      </a:schemeClr>
+    </dgm:fillClrLst>
+    <dgm:linClrLst>
+      <a:schemeClr val="accent2">
+        <a:tint val="40000"/>
+        <a:alpha val="90000"/>
+      </a:schemeClr>
+      <a:schemeClr val="accent3">
+        <a:tint val="40000"/>
+        <a:alpha val="90000"/>
+      </a:schemeClr>
+    </dgm:linClrLst>
+    <dgm:effectClrLst/>
+    <dgm:txLinClrLst/>
+    <dgm:txFillClrLst meth="repeat">
+      <a:schemeClr val="dk1"/>
+    </dgm:txFillClrLst>
+    <dgm:txEffectClrLst/>
+  </dgm:styleLbl>
+  <dgm:styleLbl name="fgAcc0">
+    <dgm:fillClrLst meth="repeat">
+      <a:schemeClr val="lt1">
+        <a:alpha val="90000"/>
+      </a:schemeClr>
+    </dgm:fillClrLst>
+    <dgm:linClrLst>
+      <a:schemeClr val="accent1"/>
+    </dgm:linClrLst>
+    <dgm:effectClrLst/>
+    <dgm:txLinClrLst/>
+    <dgm:txFillClrLst meth="repeat">
+      <a:schemeClr val="dk1"/>
+    </dgm:txFillClrLst>
+    <dgm:txEffectClrLst/>
+  </dgm:styleLbl>
+  <dgm:styleLbl name="fgAcc2">
+    <dgm:fillClrLst meth="repeat">
+      <a:schemeClr val="lt1">
+        <a:alpha val="90000"/>
+      </a:schemeClr>
+    </dgm:fillClrLst>
+    <dgm:linClrLst>
+      <a:schemeClr val="accent3"/>
+    </dgm:linClrLst>
+    <dgm:effectClrLst/>
+    <dgm:txLinClrLst/>
+    <dgm:txFillClrLst meth="repeat">
+      <a:schemeClr val="dk1"/>
+    </dgm:txFillClrLst>
+    <dgm:txEffectClrLst/>
+  </dgm:styleLbl>
+  <dgm:styleLbl name="fgAcc3">
+    <dgm:fillClrLst meth="repeat">
+      <a:schemeClr val="lt1">
+        <a:alpha val="90000"/>
+      </a:schemeClr>
+    </dgm:fillClrLst>
+    <dgm:linClrLst>
+      <a:schemeClr val="accent4"/>
+    </dgm:linClrLst>
+    <dgm:effectClrLst/>
+    <dgm:txLinClrLst/>
+    <dgm:txFillClrLst meth="repeat">
+      <a:schemeClr val="dk1"/>
+    </dgm:txFillClrLst>
+    <dgm:txEffectClrLst/>
+  </dgm:styleLbl>
+  <dgm:styleLbl name="fgAcc4">
+    <dgm:fillClrLst meth="repeat">
+      <a:schemeClr val="lt1">
+        <a:alpha val="90000"/>
+      </a:schemeClr>
+    </dgm:fillClrLst>
+    <dgm:linClrLst>
+      <a:schemeClr val="accent5"/>
+    </dgm:linClrLst>
+    <dgm:effectClrLst/>
+    <dgm:txLinClrLst/>
+    <dgm:txFillClrLst meth="repeat">
+      <a:schemeClr val="dk1"/>
+    </dgm:txFillClrLst>
+    <dgm:txEffectClrLst/>
+  </dgm:styleLbl>
+  <dgm:styleLbl name="bgShp">
+    <dgm:fillClrLst meth="repeat">
+      <a:schemeClr val="accent2">
+        <a:tint val="40000"/>
+      </a:schemeClr>
+    </dgm:fillClrLst>
+    <dgm:linClrLst meth="repeat">
+      <a:schemeClr val="dk1"/>
+    </dgm:linClrLst>
+    <dgm:effectClrLst/>
+    <dgm:txLinClrLst/>
+    <dgm:txFillClrLst meth="repeat">
+      <a:schemeClr val="dk1"/>
+    </dgm:txFillClrLst>
+    <dgm:txEffectClrLst/>
+  </dgm:styleLbl>
+  <dgm:styleLbl name="dkBgShp">
+    <dgm:fillClrLst meth="repeat">
+      <a:schemeClr val="accent2">
+        <a:shade val="90000"/>
+      </a:schemeClr>
+    </dgm:fillClrLst>
+    <dgm:linClrLst meth="repeat">
+      <a:schemeClr val="dk1"/>
+    </dgm:linClrLst>
+    <dgm:effectClrLst/>
+    <dgm:txLinClrLst/>
+    <dgm:txFillClrLst meth="repeat">
+      <a:schemeClr val="lt1"/>
+    </dgm:txFillClrLst>
+    <dgm:txEffectClrLst/>
+  </dgm:styleLbl>
+  <dgm:styleLbl name="trBgShp">
+    <dgm:fillClrLst meth="repeat">
+      <a:schemeClr val="accent2">
+        <a:tint val="50000"/>
+        <a:alpha val="40000"/>
+      </a:schemeClr>
+    </dgm:fillClrLst>
+    <dgm:linClrLst meth="repeat">
+      <a:schemeClr val="accent2"/>
+    </dgm:linClrLst>
+    <dgm:effectClrLst/>
+    <dgm:txLinClrLst/>
+    <dgm:txFillClrLst meth="repeat">
+      <a:schemeClr val="lt1"/>
+    </dgm:txFillClrLst>
+    <dgm:txEffectClrLst/>
+  </dgm:styleLbl>
+  <dgm:styleLbl name="fgShp">
+    <dgm:fillClrLst meth="repeat">
+      <a:schemeClr val="accent2">
+        <a:tint val="40000"/>
+      </a:schemeClr>
+    </dgm:fillClrLst>
+    <dgm:linClrLst meth="repeat">
+      <a:schemeClr val="lt1"/>
+    </dgm:linClrLst>
+    <dgm:effectClrLst/>
+    <dgm:txLinClrLst/>
+    <dgm:txFillClrLst meth="repeat">
+      <a:schemeClr val="dk1"/>
+    </dgm:txFillClrLst>
+    <dgm:txEffectClrLst/>
+  </dgm:styleLbl>
+  <dgm:styleLbl name="revTx">
+    <dgm:fillClrLst meth="repeat">
+      <a:schemeClr val="lt1">
+        <a:alpha val="0"/>
+      </a:schemeClr>
+    </dgm:fillClrLst>
+    <dgm:linClrLst meth="repeat">
+      <a:schemeClr val="dk1">
+        <a:alpha val="0"/>
+      </a:schemeClr>
+    </dgm:linClrLst>
+    <dgm:effectClrLst/>
+    <dgm:txLinClrLst/>
+    <dgm:txFillClrLst meth="repeat">
+      <a:schemeClr val="tx1"/>
+    </dgm:txFillClrLst>
+    <dgm:txEffectClrLst/>
+  </dgm:styleLbl>
+</dgm:colorsDef>
+</file>
+
+<file path=ppt/diagrams/data1.xml><?xml version="1.0" encoding="utf-8"?>
+<dgm:dataModel xmlns:dgm="http://schemas.openxmlformats.org/drawingml/2006/diagram" xmlns:a="http://schemas.openxmlformats.org/drawingml/2006/main">
+  <dgm:ptLst>
+    <dgm:pt modelId="{111D0ADC-E6AD-482B-98BD-8FC27421AEB3}" type="doc">
+      <dgm:prSet loTypeId="urn:microsoft.com/office/officeart/2016/7/layout/VerticalHollowActionList" loCatId="List" qsTypeId="urn:microsoft.com/office/officeart/2005/8/quickstyle/simple1" qsCatId="simple" csTypeId="urn:microsoft.com/office/officeart/2005/8/colors/colorful2" csCatId="colorful"/>
+      <dgm:spPr/>
+      <dgm:t>
+        <a:bodyPr/>
+        <a:lstStyle/>
+        <a:p>
+          <a:endParaRPr lang="en-US"/>
+        </a:p>
+      </dgm:t>
+    </dgm:pt>
+    <dgm:pt modelId="{C143C7B9-59FD-4DEC-BE35-8B93F8963E39}">
+      <dgm:prSet/>
+      <dgm:spPr/>
+      <dgm:t>
+        <a:bodyPr/>
+        <a:lstStyle/>
+        <a:p>
+          <a:r>
+            <a:rPr lang="en-US"/>
+            <a:t>Define</a:t>
+          </a:r>
+        </a:p>
+      </dgm:t>
+    </dgm:pt>
+    <dgm:pt modelId="{2F6B8077-4982-4C19-AFEA-40C90830E71F}" type="parTrans" cxnId="{8D9CE9FC-240D-48B3-B0D6-E198F8BAC58B}">
+      <dgm:prSet/>
+      <dgm:spPr/>
+      <dgm:t>
+        <a:bodyPr/>
+        <a:lstStyle/>
+        <a:p>
+          <a:endParaRPr lang="en-US"/>
+        </a:p>
+      </dgm:t>
+    </dgm:pt>
+    <dgm:pt modelId="{92C80D99-384E-40B1-A3FD-FC45DD9D44FC}" type="sibTrans" cxnId="{8D9CE9FC-240D-48B3-B0D6-E198F8BAC58B}">
+      <dgm:prSet/>
+      <dgm:spPr/>
+      <dgm:t>
+        <a:bodyPr/>
+        <a:lstStyle/>
+        <a:p>
+          <a:endParaRPr lang="en-US"/>
+        </a:p>
+      </dgm:t>
+    </dgm:pt>
+    <dgm:pt modelId="{6EA06D5A-F148-44CF-9EE4-2D854B566A68}">
+      <dgm:prSet/>
+      <dgm:spPr/>
+      <dgm:t>
+        <a:bodyPr/>
+        <a:lstStyle/>
+        <a:p>
+          <a:r>
+            <a:rPr lang="en-US"/>
+            <a:t>Define the relationships between commands and events using declarative programming</a:t>
+          </a:r>
+        </a:p>
+      </dgm:t>
+    </dgm:pt>
+    <dgm:pt modelId="{60247C46-E728-4833-9AC4-086449109BFD}" type="parTrans" cxnId="{EC618EB3-BC8D-44C7-AD22-F4CF6DA1A25C}">
+      <dgm:prSet/>
+      <dgm:spPr/>
+      <dgm:t>
+        <a:bodyPr/>
+        <a:lstStyle/>
+        <a:p>
+          <a:endParaRPr lang="en-US"/>
+        </a:p>
+      </dgm:t>
+    </dgm:pt>
+    <dgm:pt modelId="{692917D1-A082-48E3-8462-4644C28ACF3E}" type="sibTrans" cxnId="{EC618EB3-BC8D-44C7-AD22-F4CF6DA1A25C}">
+      <dgm:prSet/>
+      <dgm:spPr/>
+      <dgm:t>
+        <a:bodyPr/>
+        <a:lstStyle/>
+        <a:p>
+          <a:endParaRPr lang="en-US"/>
+        </a:p>
+      </dgm:t>
+    </dgm:pt>
+    <dgm:pt modelId="{0B5E576E-CC7B-484B-BF37-D47D30DF71BB}">
+      <dgm:prSet/>
+      <dgm:spPr/>
+      <dgm:t>
+        <a:bodyPr/>
+        <a:lstStyle/>
+        <a:p>
+          <a:r>
+            <a:rPr lang="en-US"/>
+            <a:t>Prefer</a:t>
+          </a:r>
+        </a:p>
+      </dgm:t>
+    </dgm:pt>
+    <dgm:pt modelId="{969ED983-01F9-42C6-AE18-9F7CBEE24FDD}" type="parTrans" cxnId="{46217621-F49E-4905-B403-C27E95CBBB6C}">
+      <dgm:prSet/>
+      <dgm:spPr/>
+      <dgm:t>
+        <a:bodyPr/>
+        <a:lstStyle/>
+        <a:p>
+          <a:endParaRPr lang="en-US"/>
+        </a:p>
+      </dgm:t>
+    </dgm:pt>
+    <dgm:pt modelId="{B5377B64-F019-42EC-A1CD-D1BE0078FF2F}" type="sibTrans" cxnId="{46217621-F49E-4905-B403-C27E95CBBB6C}">
+      <dgm:prSet/>
+      <dgm:spPr/>
+      <dgm:t>
+        <a:bodyPr/>
+        <a:lstStyle/>
+        <a:p>
+          <a:endParaRPr lang="en-US"/>
+        </a:p>
+      </dgm:t>
+    </dgm:pt>
+    <dgm:pt modelId="{C58AD610-9008-409D-B070-DB73AC37964C}">
+      <dgm:prSet/>
+      <dgm:spPr/>
+      <dgm:t>
+        <a:bodyPr/>
+        <a:lstStyle/>
+        <a:p>
+          <a:r>
+            <a:rPr lang="en-US"/>
+            <a:t>Prefer returning Observables instead of invoking a method that raises events</a:t>
+          </a:r>
+        </a:p>
+      </dgm:t>
+    </dgm:pt>
+    <dgm:pt modelId="{3384905D-B0D5-4347-A4B9-7B7ECFB44D0B}" type="parTrans" cxnId="{77535A33-A716-4B07-930C-4F2AC019E708}">
+      <dgm:prSet/>
+      <dgm:spPr/>
+      <dgm:t>
+        <a:bodyPr/>
+        <a:lstStyle/>
+        <a:p>
+          <a:endParaRPr lang="en-US"/>
+        </a:p>
+      </dgm:t>
+    </dgm:pt>
+    <dgm:pt modelId="{B361E462-7C34-4452-9617-B16D8F632C35}" type="sibTrans" cxnId="{77535A33-A716-4B07-930C-4F2AC019E708}">
+      <dgm:prSet/>
+      <dgm:spPr/>
+      <dgm:t>
+        <a:bodyPr/>
+        <a:lstStyle/>
+        <a:p>
+          <a:endParaRPr lang="en-US"/>
+        </a:p>
+      </dgm:t>
+    </dgm:pt>
+    <dgm:pt modelId="{1A9B37D6-3EAB-43BE-8DC3-C5F05891FC9D}">
+      <dgm:prSet/>
+      <dgm:spPr/>
+      <dgm:t>
+        <a:bodyPr/>
+        <a:lstStyle/>
+        <a:p>
+          <a:r>
+            <a:rPr lang="en-US"/>
+            <a:t>Don’t inject</a:t>
+          </a:r>
+        </a:p>
+      </dgm:t>
+    </dgm:pt>
+    <dgm:pt modelId="{5E2B02A5-06E5-4189-948A-1E7E2C44B562}" type="parTrans" cxnId="{D4D5033F-3C9A-4EA0-BBF7-1DB562749E6A}">
+      <dgm:prSet/>
+      <dgm:spPr/>
+      <dgm:t>
+        <a:bodyPr/>
+        <a:lstStyle/>
+        <a:p>
+          <a:endParaRPr lang="en-US"/>
+        </a:p>
+      </dgm:t>
+    </dgm:pt>
+    <dgm:pt modelId="{F9487867-EEC3-48A0-8669-49F8FDD1F576}" type="sibTrans" cxnId="{D4D5033F-3C9A-4EA0-BBF7-1DB562749E6A}">
+      <dgm:prSet/>
+      <dgm:spPr/>
+      <dgm:t>
+        <a:bodyPr/>
+        <a:lstStyle/>
+        <a:p>
+          <a:endParaRPr lang="en-US"/>
+        </a:p>
+      </dgm:t>
+    </dgm:pt>
+    <dgm:pt modelId="{EB45E260-41E4-4E4A-B553-A0B39116893B}">
+      <dgm:prSet/>
+      <dgm:spPr/>
+      <dgm:t>
+        <a:bodyPr/>
+        <a:lstStyle/>
+        <a:p>
+          <a:r>
+            <a:rPr lang="en-US"/>
+            <a:t>Don’t inject events directly into commands</a:t>
+          </a:r>
+        </a:p>
+      </dgm:t>
+    </dgm:pt>
+    <dgm:pt modelId="{4BD23A49-F0B3-4884-B8F1-FFFCA169049C}" type="parTrans" cxnId="{8EE37D76-CDFE-4B0A-AFD6-62EBEF8C671C}">
+      <dgm:prSet/>
+      <dgm:spPr/>
+      <dgm:t>
+        <a:bodyPr/>
+        <a:lstStyle/>
+        <a:p>
+          <a:endParaRPr lang="en-US"/>
+        </a:p>
+      </dgm:t>
+    </dgm:pt>
+    <dgm:pt modelId="{C1A1D035-4CD5-4FE2-AF8C-A8CB966CCD9C}" type="sibTrans" cxnId="{8EE37D76-CDFE-4B0A-AFD6-62EBEF8C671C}">
+      <dgm:prSet/>
+      <dgm:spPr/>
+      <dgm:t>
+        <a:bodyPr/>
+        <a:lstStyle/>
+        <a:p>
+          <a:endParaRPr lang="en-US"/>
+        </a:p>
+      </dgm:t>
+    </dgm:pt>
+    <dgm:pt modelId="{5EEE759F-FDE3-4CC4-875A-22326E6F4A5D}">
+      <dgm:prSet/>
+      <dgm:spPr/>
+      <dgm:t>
+        <a:bodyPr/>
+        <a:lstStyle/>
+        <a:p>
+          <a:r>
+            <a:rPr lang="en-US"/>
+            <a:t>Allow</a:t>
+          </a:r>
+        </a:p>
+      </dgm:t>
+    </dgm:pt>
+    <dgm:pt modelId="{363552C2-E8FB-473B-8562-38B57621884A}" type="parTrans" cxnId="{3C095EBF-E374-48A3-A852-C7FA8AACDC97}">
+      <dgm:prSet/>
+      <dgm:spPr/>
+      <dgm:t>
+        <a:bodyPr/>
+        <a:lstStyle/>
+        <a:p>
+          <a:endParaRPr lang="en-US"/>
+        </a:p>
+      </dgm:t>
+    </dgm:pt>
+    <dgm:pt modelId="{71B61CA1-E176-46CD-9AA2-D9A588DBF503}" type="sibTrans" cxnId="{3C095EBF-E374-48A3-A852-C7FA8AACDC97}">
+      <dgm:prSet/>
+      <dgm:spPr/>
+      <dgm:t>
+        <a:bodyPr/>
+        <a:lstStyle/>
+        <a:p>
+          <a:endParaRPr lang="en-US"/>
+        </a:p>
+      </dgm:t>
+    </dgm:pt>
+    <dgm:pt modelId="{000F3A0A-B270-4428-9A38-459760252E83}">
+      <dgm:prSet/>
+      <dgm:spPr/>
+      <dgm:t>
+        <a:bodyPr/>
+        <a:lstStyle/>
+        <a:p>
+          <a:r>
+            <a:rPr lang="en-US"/>
+            <a:t>Allow the registration of commands with specific names</a:t>
+          </a:r>
+        </a:p>
+      </dgm:t>
+    </dgm:pt>
+    <dgm:pt modelId="{D18B1968-529A-459F-8461-E237B2505C4D}" type="parTrans" cxnId="{1F102F88-1FFA-4EAB-8399-C6D2A2E3E26A}">
+      <dgm:prSet/>
+      <dgm:spPr/>
+      <dgm:t>
+        <a:bodyPr/>
+        <a:lstStyle/>
+        <a:p>
+          <a:endParaRPr lang="en-US"/>
+        </a:p>
+      </dgm:t>
+    </dgm:pt>
+    <dgm:pt modelId="{70328B0B-8493-471F-A857-DDEF4C9EE6CB}" type="sibTrans" cxnId="{1F102F88-1FFA-4EAB-8399-C6D2A2E3E26A}">
+      <dgm:prSet/>
+      <dgm:spPr/>
+      <dgm:t>
+        <a:bodyPr/>
+        <a:lstStyle/>
+        <a:p>
+          <a:endParaRPr lang="en-US"/>
+        </a:p>
+      </dgm:t>
+    </dgm:pt>
+    <dgm:pt modelId="{2FC26169-369C-4960-9CCC-C09FA3009FF6}">
+      <dgm:prSet/>
+      <dgm:spPr/>
+      <dgm:t>
+        <a:bodyPr/>
+        <a:lstStyle/>
+        <a:p>
+          <a:r>
+            <a:rPr lang="en-US"/>
+            <a:t>Allow</a:t>
+          </a:r>
+        </a:p>
+      </dgm:t>
+    </dgm:pt>
+    <dgm:pt modelId="{6BD614F7-A90B-4A2A-B9D5-BCB81559D8C4}" type="parTrans" cxnId="{BDCDB7E9-BA4C-491B-A57F-D920C13BAF64}">
+      <dgm:prSet/>
+      <dgm:spPr/>
+      <dgm:t>
+        <a:bodyPr/>
+        <a:lstStyle/>
+        <a:p>
+          <a:endParaRPr lang="en-US"/>
+        </a:p>
+      </dgm:t>
+    </dgm:pt>
+    <dgm:pt modelId="{FF6D58DC-0D5E-42B3-BE84-2DFB97BB04BC}" type="sibTrans" cxnId="{BDCDB7E9-BA4C-491B-A57F-D920C13BAF64}">
+      <dgm:prSet/>
+      <dgm:spPr/>
+      <dgm:t>
+        <a:bodyPr/>
+        <a:lstStyle/>
+        <a:p>
+          <a:endParaRPr lang="en-US"/>
+        </a:p>
+      </dgm:t>
+    </dgm:pt>
+    <dgm:pt modelId="{576393ED-DDEB-4B25-8870-3DAA8231758F}">
+      <dgm:prSet/>
+      <dgm:spPr/>
+      <dgm:t>
+        <a:bodyPr/>
+        <a:lstStyle/>
+        <a:p>
+          <a:r>
+            <a:rPr lang="en-US"/>
+            <a:t>Allow the creation of aggregate commands for easier reuse</a:t>
+          </a:r>
+        </a:p>
+      </dgm:t>
+    </dgm:pt>
+    <dgm:pt modelId="{C5636828-D1EA-4407-A730-16369EF807E3}" type="parTrans" cxnId="{A4DDC574-33DD-40D9-A939-272D04320688}">
+      <dgm:prSet/>
+      <dgm:spPr/>
+      <dgm:t>
+        <a:bodyPr/>
+        <a:lstStyle/>
+        <a:p>
+          <a:endParaRPr lang="en-US"/>
+        </a:p>
+      </dgm:t>
+    </dgm:pt>
+    <dgm:pt modelId="{9CC643F6-D82D-42AC-A48B-E12CF936B799}" type="sibTrans" cxnId="{A4DDC574-33DD-40D9-A939-272D04320688}">
+      <dgm:prSet/>
+      <dgm:spPr/>
+      <dgm:t>
+        <a:bodyPr/>
+        <a:lstStyle/>
+        <a:p>
+          <a:endParaRPr lang="en-US"/>
+        </a:p>
+      </dgm:t>
+    </dgm:pt>
+    <dgm:pt modelId="{5ED0821A-49B8-4464-BE5C-A4CC20968701}">
+      <dgm:prSet/>
+      <dgm:spPr/>
+      <dgm:t>
+        <a:bodyPr/>
+        <a:lstStyle/>
+        <a:p>
+          <a:r>
+            <a:rPr lang="en-US"/>
+            <a:t>Make</a:t>
+          </a:r>
+        </a:p>
+      </dgm:t>
+    </dgm:pt>
+    <dgm:pt modelId="{FBB8921D-1F5B-49C0-9A0F-F65E9453FEC4}" type="parTrans" cxnId="{5D5DDC58-8701-42A0-9D9F-3AABC0811AE1}">
+      <dgm:prSet/>
+      <dgm:spPr/>
+      <dgm:t>
+        <a:bodyPr/>
+        <a:lstStyle/>
+        <a:p>
+          <a:endParaRPr lang="en-US"/>
+        </a:p>
+      </dgm:t>
+    </dgm:pt>
+    <dgm:pt modelId="{AA5A655F-E7BC-4D0A-8A3F-7ED30F32DBBC}" type="sibTrans" cxnId="{5D5DDC58-8701-42A0-9D9F-3AABC0811AE1}">
+      <dgm:prSet/>
+      <dgm:spPr/>
+      <dgm:t>
+        <a:bodyPr/>
+        <a:lstStyle/>
+        <a:p>
+          <a:endParaRPr lang="en-US"/>
+        </a:p>
+      </dgm:t>
+    </dgm:pt>
+    <dgm:pt modelId="{9AE7EAA4-1F99-41B1-BE39-4C620E186F05}">
+      <dgm:prSet/>
+      <dgm:spPr/>
+      <dgm:t>
+        <a:bodyPr/>
+        <a:lstStyle/>
+        <a:p>
+          <a:r>
+            <a:rPr lang="en-US"/>
+            <a:t>Make Abstract commands for specific situations (SingleEventCommand)</a:t>
+          </a:r>
+        </a:p>
+      </dgm:t>
+    </dgm:pt>
+    <dgm:pt modelId="{51C2CA6C-A21F-4DEC-A9E7-4197DBDC5A5B}" type="parTrans" cxnId="{5D5EA017-4E87-4DF4-9EA2-9DE6516A3EC7}">
+      <dgm:prSet/>
+      <dgm:spPr/>
+      <dgm:t>
+        <a:bodyPr/>
+        <a:lstStyle/>
+        <a:p>
+          <a:endParaRPr lang="en-US"/>
+        </a:p>
+      </dgm:t>
+    </dgm:pt>
+    <dgm:pt modelId="{F290FC2B-5026-4DA3-9ED4-7F5337A62239}" type="sibTrans" cxnId="{5D5EA017-4E87-4DF4-9EA2-9DE6516A3EC7}">
+      <dgm:prSet/>
+      <dgm:spPr/>
+      <dgm:t>
+        <a:bodyPr/>
+        <a:lstStyle/>
+        <a:p>
+          <a:endParaRPr lang="en-US"/>
+        </a:p>
+      </dgm:t>
+    </dgm:pt>
+    <dgm:pt modelId="{C792BD51-102A-47FD-BC1B-BB6275A9388E}" type="pres">
+      <dgm:prSet presAssocID="{111D0ADC-E6AD-482B-98BD-8FC27421AEB3}" presName="Name0" presStyleCnt="0">
+        <dgm:presLayoutVars>
+          <dgm:dir/>
+          <dgm:animLvl val="lvl"/>
+          <dgm:resizeHandles val="exact"/>
+        </dgm:presLayoutVars>
+      </dgm:prSet>
+      <dgm:spPr/>
+    </dgm:pt>
+    <dgm:pt modelId="{F2DF9B81-6307-4F0C-84BC-FC8107544B96}" type="pres">
+      <dgm:prSet presAssocID="{C143C7B9-59FD-4DEC-BE35-8B93F8963E39}" presName="linNode" presStyleCnt="0"/>
+      <dgm:spPr/>
+    </dgm:pt>
+    <dgm:pt modelId="{1014B0E1-8BD5-489D-A26A-EC6D18CC6A79}" type="pres">
+      <dgm:prSet presAssocID="{C143C7B9-59FD-4DEC-BE35-8B93F8963E39}" presName="parentText" presStyleLbl="solidFgAcc1" presStyleIdx="0" presStyleCnt="6">
+        <dgm:presLayoutVars>
+          <dgm:chMax val="1"/>
+          <dgm:bulletEnabled/>
+        </dgm:presLayoutVars>
+      </dgm:prSet>
+      <dgm:spPr/>
+    </dgm:pt>
+    <dgm:pt modelId="{DA89CC0B-1D25-45E1-B520-C00B43B1ED74}" type="pres">
+      <dgm:prSet presAssocID="{C143C7B9-59FD-4DEC-BE35-8B93F8963E39}" presName="descendantText" presStyleLbl="alignNode1" presStyleIdx="0" presStyleCnt="6">
+        <dgm:presLayoutVars>
+          <dgm:bulletEnabled/>
+        </dgm:presLayoutVars>
+      </dgm:prSet>
+      <dgm:spPr/>
+    </dgm:pt>
+    <dgm:pt modelId="{73346B38-6F51-4218-B0A1-88F6C9AB49C5}" type="pres">
+      <dgm:prSet presAssocID="{92C80D99-384E-40B1-A3FD-FC45DD9D44FC}" presName="sp" presStyleCnt="0"/>
+      <dgm:spPr/>
+    </dgm:pt>
+    <dgm:pt modelId="{85CCF0AD-6EC3-4144-9CF8-C5FEBBE97D0D}" type="pres">
+      <dgm:prSet presAssocID="{0B5E576E-CC7B-484B-BF37-D47D30DF71BB}" presName="linNode" presStyleCnt="0"/>
+      <dgm:spPr/>
+    </dgm:pt>
+    <dgm:pt modelId="{89F76288-3793-4A34-AC29-A9AA8A267FDB}" type="pres">
+      <dgm:prSet presAssocID="{0B5E576E-CC7B-484B-BF37-D47D30DF71BB}" presName="parentText" presStyleLbl="solidFgAcc1" presStyleIdx="1" presStyleCnt="6">
+        <dgm:presLayoutVars>
+          <dgm:chMax val="1"/>
+          <dgm:bulletEnabled/>
+        </dgm:presLayoutVars>
+      </dgm:prSet>
+      <dgm:spPr/>
+    </dgm:pt>
+    <dgm:pt modelId="{416FFB76-C555-4E4A-AE84-B2DEFA8F28F2}" type="pres">
+      <dgm:prSet presAssocID="{0B5E576E-CC7B-484B-BF37-D47D30DF71BB}" presName="descendantText" presStyleLbl="alignNode1" presStyleIdx="1" presStyleCnt="6">
+        <dgm:presLayoutVars>
+          <dgm:bulletEnabled/>
+        </dgm:presLayoutVars>
+      </dgm:prSet>
+      <dgm:spPr/>
+    </dgm:pt>
+    <dgm:pt modelId="{86F518A7-FAE1-49AD-BA2B-42EDBB5FEECB}" type="pres">
+      <dgm:prSet presAssocID="{B5377B64-F019-42EC-A1CD-D1BE0078FF2F}" presName="sp" presStyleCnt="0"/>
+      <dgm:spPr/>
+    </dgm:pt>
+    <dgm:pt modelId="{E6A7E65E-7E88-44C4-9D24-2989CD3E6F34}" type="pres">
+      <dgm:prSet presAssocID="{1A9B37D6-3EAB-43BE-8DC3-C5F05891FC9D}" presName="linNode" presStyleCnt="0"/>
+      <dgm:spPr/>
+    </dgm:pt>
+    <dgm:pt modelId="{C3C60FA1-6B3F-471F-97B6-13DE0AABF6A5}" type="pres">
+      <dgm:prSet presAssocID="{1A9B37D6-3EAB-43BE-8DC3-C5F05891FC9D}" presName="parentText" presStyleLbl="solidFgAcc1" presStyleIdx="2" presStyleCnt="6">
+        <dgm:presLayoutVars>
+          <dgm:chMax val="1"/>
+          <dgm:bulletEnabled/>
+        </dgm:presLayoutVars>
+      </dgm:prSet>
+      <dgm:spPr/>
+    </dgm:pt>
+    <dgm:pt modelId="{0E5B2C0E-EB7D-49C6-B5E4-45B28F1B3AC7}" type="pres">
+      <dgm:prSet presAssocID="{1A9B37D6-3EAB-43BE-8DC3-C5F05891FC9D}" presName="descendantText" presStyleLbl="alignNode1" presStyleIdx="2" presStyleCnt="6">
+        <dgm:presLayoutVars>
+          <dgm:bulletEnabled/>
+        </dgm:presLayoutVars>
+      </dgm:prSet>
+      <dgm:spPr/>
+    </dgm:pt>
+    <dgm:pt modelId="{84E21F77-1058-45B1-9FE3-F3F8F3A813CA}" type="pres">
+      <dgm:prSet presAssocID="{F9487867-EEC3-48A0-8669-49F8FDD1F576}" presName="sp" presStyleCnt="0"/>
+      <dgm:spPr/>
+    </dgm:pt>
+    <dgm:pt modelId="{8B76FCD5-FE4E-4733-829D-943A023EB8FE}" type="pres">
+      <dgm:prSet presAssocID="{5EEE759F-FDE3-4CC4-875A-22326E6F4A5D}" presName="linNode" presStyleCnt="0"/>
+      <dgm:spPr/>
+    </dgm:pt>
+    <dgm:pt modelId="{52E4DF43-0BCF-4E2D-87A3-D5AED9C2DAED}" type="pres">
+      <dgm:prSet presAssocID="{5EEE759F-FDE3-4CC4-875A-22326E6F4A5D}" presName="parentText" presStyleLbl="solidFgAcc1" presStyleIdx="3" presStyleCnt="6">
+        <dgm:presLayoutVars>
+          <dgm:chMax val="1"/>
+          <dgm:bulletEnabled/>
+        </dgm:presLayoutVars>
+      </dgm:prSet>
+      <dgm:spPr/>
+    </dgm:pt>
+    <dgm:pt modelId="{AE95AAB3-EA95-4113-A3B6-B8F578E2299A}" type="pres">
+      <dgm:prSet presAssocID="{5EEE759F-FDE3-4CC4-875A-22326E6F4A5D}" presName="descendantText" presStyleLbl="alignNode1" presStyleIdx="3" presStyleCnt="6">
+        <dgm:presLayoutVars>
+          <dgm:bulletEnabled/>
+        </dgm:presLayoutVars>
+      </dgm:prSet>
+      <dgm:spPr/>
+    </dgm:pt>
+    <dgm:pt modelId="{164E31BD-4C45-4793-B1FC-75FBBEA389E5}" type="pres">
+      <dgm:prSet presAssocID="{71B61CA1-E176-46CD-9AA2-D9A588DBF503}" presName="sp" presStyleCnt="0"/>
+      <dgm:spPr/>
+    </dgm:pt>
+    <dgm:pt modelId="{9CBA4532-A5D9-44FD-ADDA-EEEE68944AE7}" type="pres">
+      <dgm:prSet presAssocID="{2FC26169-369C-4960-9CCC-C09FA3009FF6}" presName="linNode" presStyleCnt="0"/>
+      <dgm:spPr/>
+    </dgm:pt>
+    <dgm:pt modelId="{4A155D48-D66F-446E-A3EB-A371855C78DD}" type="pres">
+      <dgm:prSet presAssocID="{2FC26169-369C-4960-9CCC-C09FA3009FF6}" presName="parentText" presStyleLbl="solidFgAcc1" presStyleIdx="4" presStyleCnt="6">
+        <dgm:presLayoutVars>
+          <dgm:chMax val="1"/>
+          <dgm:bulletEnabled/>
+        </dgm:presLayoutVars>
+      </dgm:prSet>
+      <dgm:spPr/>
+    </dgm:pt>
+    <dgm:pt modelId="{B155FC08-06C0-40DB-B6A7-CF5FCC896370}" type="pres">
+      <dgm:prSet presAssocID="{2FC26169-369C-4960-9CCC-C09FA3009FF6}" presName="descendantText" presStyleLbl="alignNode1" presStyleIdx="4" presStyleCnt="6">
+        <dgm:presLayoutVars>
+          <dgm:bulletEnabled/>
+        </dgm:presLayoutVars>
+      </dgm:prSet>
+      <dgm:spPr/>
+    </dgm:pt>
+    <dgm:pt modelId="{F8BB84E7-4F49-4285-87AB-D5B17D413D7A}" type="pres">
+      <dgm:prSet presAssocID="{FF6D58DC-0D5E-42B3-BE84-2DFB97BB04BC}" presName="sp" presStyleCnt="0"/>
+      <dgm:spPr/>
+    </dgm:pt>
+    <dgm:pt modelId="{0C8A9340-161A-4167-B557-9EE110CB450C}" type="pres">
+      <dgm:prSet presAssocID="{5ED0821A-49B8-4464-BE5C-A4CC20968701}" presName="linNode" presStyleCnt="0"/>
+      <dgm:spPr/>
+    </dgm:pt>
+    <dgm:pt modelId="{BBD63FE6-9F47-4663-880F-F785B03E4E26}" type="pres">
+      <dgm:prSet presAssocID="{5ED0821A-49B8-4464-BE5C-A4CC20968701}" presName="parentText" presStyleLbl="solidFgAcc1" presStyleIdx="5" presStyleCnt="6">
+        <dgm:presLayoutVars>
+          <dgm:chMax val="1"/>
+          <dgm:bulletEnabled/>
+        </dgm:presLayoutVars>
+      </dgm:prSet>
+      <dgm:spPr/>
+    </dgm:pt>
+    <dgm:pt modelId="{5C90F4B7-C419-476D-88A7-A45C4CC4A42E}" type="pres">
+      <dgm:prSet presAssocID="{5ED0821A-49B8-4464-BE5C-A4CC20968701}" presName="descendantText" presStyleLbl="alignNode1" presStyleIdx="5" presStyleCnt="6">
+        <dgm:presLayoutVars>
+          <dgm:bulletEnabled/>
+        </dgm:presLayoutVars>
+      </dgm:prSet>
+      <dgm:spPr/>
+    </dgm:pt>
+  </dgm:ptLst>
+  <dgm:cxnLst>
+    <dgm:cxn modelId="{C2464D0B-6E06-45B2-B273-E8C4DB4BE4CF}" type="presOf" srcId="{6EA06D5A-F148-44CF-9EE4-2D854B566A68}" destId="{DA89CC0B-1D25-45E1-B520-C00B43B1ED74}" srcOrd="0" destOrd="0" presId="urn:microsoft.com/office/officeart/2016/7/layout/VerticalHollowActionList"/>
+    <dgm:cxn modelId="{5D5EA017-4E87-4DF4-9EA2-9DE6516A3EC7}" srcId="{5ED0821A-49B8-4464-BE5C-A4CC20968701}" destId="{9AE7EAA4-1F99-41B1-BE39-4C620E186F05}" srcOrd="0" destOrd="0" parTransId="{51C2CA6C-A21F-4DEC-A9E7-4197DBDC5A5B}" sibTransId="{F290FC2B-5026-4DA3-9ED4-7F5337A62239}"/>
+    <dgm:cxn modelId="{56D4541F-663F-45C5-B6ED-E75AE22989FF}" type="presOf" srcId="{C58AD610-9008-409D-B070-DB73AC37964C}" destId="{416FFB76-C555-4E4A-AE84-B2DEFA8F28F2}" srcOrd="0" destOrd="0" presId="urn:microsoft.com/office/officeart/2016/7/layout/VerticalHollowActionList"/>
+    <dgm:cxn modelId="{46217621-F49E-4905-B403-C27E95CBBB6C}" srcId="{111D0ADC-E6AD-482B-98BD-8FC27421AEB3}" destId="{0B5E576E-CC7B-484B-BF37-D47D30DF71BB}" srcOrd="1" destOrd="0" parTransId="{969ED983-01F9-42C6-AE18-9F7CBEE24FDD}" sibTransId="{B5377B64-F019-42EC-A1CD-D1BE0078FF2F}"/>
+    <dgm:cxn modelId="{77535A33-A716-4B07-930C-4F2AC019E708}" srcId="{0B5E576E-CC7B-484B-BF37-D47D30DF71BB}" destId="{C58AD610-9008-409D-B070-DB73AC37964C}" srcOrd="0" destOrd="0" parTransId="{3384905D-B0D5-4347-A4B9-7B7ECFB44D0B}" sibTransId="{B361E462-7C34-4452-9617-B16D8F632C35}"/>
+    <dgm:cxn modelId="{D4D5033F-3C9A-4EA0-BBF7-1DB562749E6A}" srcId="{111D0ADC-E6AD-482B-98BD-8FC27421AEB3}" destId="{1A9B37D6-3EAB-43BE-8DC3-C5F05891FC9D}" srcOrd="2" destOrd="0" parTransId="{5E2B02A5-06E5-4189-948A-1E7E2C44B562}" sibTransId="{F9487867-EEC3-48A0-8669-49F8FDD1F576}"/>
+    <dgm:cxn modelId="{E8DB425F-055B-4AC7-98B8-2B5E07616D9D}" type="presOf" srcId="{5ED0821A-49B8-4464-BE5C-A4CC20968701}" destId="{BBD63FE6-9F47-4663-880F-F785B03E4E26}" srcOrd="0" destOrd="0" presId="urn:microsoft.com/office/officeart/2016/7/layout/VerticalHollowActionList"/>
+    <dgm:cxn modelId="{E2842F65-5302-40D8-9663-3E481B83281F}" type="presOf" srcId="{2FC26169-369C-4960-9CCC-C09FA3009FF6}" destId="{4A155D48-D66F-446E-A3EB-A371855C78DD}" srcOrd="0" destOrd="0" presId="urn:microsoft.com/office/officeart/2016/7/layout/VerticalHollowActionList"/>
+    <dgm:cxn modelId="{5FCCFD48-D739-4DE0-BCCB-E5497403947E}" type="presOf" srcId="{1A9B37D6-3EAB-43BE-8DC3-C5F05891FC9D}" destId="{C3C60FA1-6B3F-471F-97B6-13DE0AABF6A5}" srcOrd="0" destOrd="0" presId="urn:microsoft.com/office/officeart/2016/7/layout/VerticalHollowActionList"/>
+    <dgm:cxn modelId="{380A8E71-BC1B-4486-961F-37ADAFF9F18E}" type="presOf" srcId="{111D0ADC-E6AD-482B-98BD-8FC27421AEB3}" destId="{C792BD51-102A-47FD-BC1B-BB6275A9388E}" srcOrd="0" destOrd="0" presId="urn:microsoft.com/office/officeart/2016/7/layout/VerticalHollowActionList"/>
+    <dgm:cxn modelId="{A4DDC574-33DD-40D9-A939-272D04320688}" srcId="{2FC26169-369C-4960-9CCC-C09FA3009FF6}" destId="{576393ED-DDEB-4B25-8870-3DAA8231758F}" srcOrd="0" destOrd="0" parTransId="{C5636828-D1EA-4407-A730-16369EF807E3}" sibTransId="{9CC643F6-D82D-42AC-A48B-E12CF936B799}"/>
+    <dgm:cxn modelId="{8EE37D76-CDFE-4B0A-AFD6-62EBEF8C671C}" srcId="{1A9B37D6-3EAB-43BE-8DC3-C5F05891FC9D}" destId="{EB45E260-41E4-4E4A-B553-A0B39116893B}" srcOrd="0" destOrd="0" parTransId="{4BD23A49-F0B3-4884-B8F1-FFFCA169049C}" sibTransId="{C1A1D035-4CD5-4FE2-AF8C-A8CB966CCD9C}"/>
+    <dgm:cxn modelId="{D9DD6F77-7C5F-4B82-97E1-15A3D928C72A}" type="presOf" srcId="{EB45E260-41E4-4E4A-B553-A0B39116893B}" destId="{0E5B2C0E-EB7D-49C6-B5E4-45B28F1B3AC7}" srcOrd="0" destOrd="0" presId="urn:microsoft.com/office/officeart/2016/7/layout/VerticalHollowActionList"/>
+    <dgm:cxn modelId="{5D5DDC58-8701-42A0-9D9F-3AABC0811AE1}" srcId="{111D0ADC-E6AD-482B-98BD-8FC27421AEB3}" destId="{5ED0821A-49B8-4464-BE5C-A4CC20968701}" srcOrd="5" destOrd="0" parTransId="{FBB8921D-1F5B-49C0-9A0F-F65E9453FEC4}" sibTransId="{AA5A655F-E7BC-4D0A-8A3F-7ED30F32DBBC}"/>
+    <dgm:cxn modelId="{1F102F88-1FFA-4EAB-8399-C6D2A2E3E26A}" srcId="{5EEE759F-FDE3-4CC4-875A-22326E6F4A5D}" destId="{000F3A0A-B270-4428-9A38-459760252E83}" srcOrd="0" destOrd="0" parTransId="{D18B1968-529A-459F-8461-E237B2505C4D}" sibTransId="{70328B0B-8493-471F-A857-DDEF4C9EE6CB}"/>
+    <dgm:cxn modelId="{540CD48A-622F-4DE0-9464-44EB704C8C57}" type="presOf" srcId="{0B5E576E-CC7B-484B-BF37-D47D30DF71BB}" destId="{89F76288-3793-4A34-AC29-A9AA8A267FDB}" srcOrd="0" destOrd="0" presId="urn:microsoft.com/office/officeart/2016/7/layout/VerticalHollowActionList"/>
+    <dgm:cxn modelId="{2D477F92-E237-4409-8CF8-46A3F6F7F682}" type="presOf" srcId="{5EEE759F-FDE3-4CC4-875A-22326E6F4A5D}" destId="{52E4DF43-0BCF-4E2D-87A3-D5AED9C2DAED}" srcOrd="0" destOrd="0" presId="urn:microsoft.com/office/officeart/2016/7/layout/VerticalHollowActionList"/>
+    <dgm:cxn modelId="{BED22893-27D2-4C3D-A45C-565BA9550FD4}" type="presOf" srcId="{C143C7B9-59FD-4DEC-BE35-8B93F8963E39}" destId="{1014B0E1-8BD5-489D-A26A-EC6D18CC6A79}" srcOrd="0" destOrd="0" presId="urn:microsoft.com/office/officeart/2016/7/layout/VerticalHollowActionList"/>
+    <dgm:cxn modelId="{1EBB1B9D-3D91-4D30-8422-377A1FE9069E}" type="presOf" srcId="{000F3A0A-B270-4428-9A38-459760252E83}" destId="{AE95AAB3-EA95-4113-A3B6-B8F578E2299A}" srcOrd="0" destOrd="0" presId="urn:microsoft.com/office/officeart/2016/7/layout/VerticalHollowActionList"/>
+    <dgm:cxn modelId="{EC618EB3-BC8D-44C7-AD22-F4CF6DA1A25C}" srcId="{C143C7B9-59FD-4DEC-BE35-8B93F8963E39}" destId="{6EA06D5A-F148-44CF-9EE4-2D854B566A68}" srcOrd="0" destOrd="0" parTransId="{60247C46-E728-4833-9AC4-086449109BFD}" sibTransId="{692917D1-A082-48E3-8462-4644C28ACF3E}"/>
+    <dgm:cxn modelId="{3C095EBF-E374-48A3-A852-C7FA8AACDC97}" srcId="{111D0ADC-E6AD-482B-98BD-8FC27421AEB3}" destId="{5EEE759F-FDE3-4CC4-875A-22326E6F4A5D}" srcOrd="3" destOrd="0" parTransId="{363552C2-E8FB-473B-8562-38B57621884A}" sibTransId="{71B61CA1-E176-46CD-9AA2-D9A588DBF503}"/>
+    <dgm:cxn modelId="{23E4B0D9-9D94-4C63-9BE8-E3DC8029E2A5}" type="presOf" srcId="{9AE7EAA4-1F99-41B1-BE39-4C620E186F05}" destId="{5C90F4B7-C419-476D-88A7-A45C4CC4A42E}" srcOrd="0" destOrd="0" presId="urn:microsoft.com/office/officeart/2016/7/layout/VerticalHollowActionList"/>
+    <dgm:cxn modelId="{BDCDB7E9-BA4C-491B-A57F-D920C13BAF64}" srcId="{111D0ADC-E6AD-482B-98BD-8FC27421AEB3}" destId="{2FC26169-369C-4960-9CCC-C09FA3009FF6}" srcOrd="4" destOrd="0" parTransId="{6BD614F7-A90B-4A2A-B9D5-BCB81559D8C4}" sibTransId="{FF6D58DC-0D5E-42B3-BE84-2DFB97BB04BC}"/>
+    <dgm:cxn modelId="{59D20EF8-988C-42A9-BF82-FBB1D3FD9C77}" type="presOf" srcId="{576393ED-DDEB-4B25-8870-3DAA8231758F}" destId="{B155FC08-06C0-40DB-B6A7-CF5FCC896370}" srcOrd="0" destOrd="0" presId="urn:microsoft.com/office/officeart/2016/7/layout/VerticalHollowActionList"/>
+    <dgm:cxn modelId="{8D9CE9FC-240D-48B3-B0D6-E198F8BAC58B}" srcId="{111D0ADC-E6AD-482B-98BD-8FC27421AEB3}" destId="{C143C7B9-59FD-4DEC-BE35-8B93F8963E39}" srcOrd="0" destOrd="0" parTransId="{2F6B8077-4982-4C19-AFEA-40C90830E71F}" sibTransId="{92C80D99-384E-40B1-A3FD-FC45DD9D44FC}"/>
+    <dgm:cxn modelId="{C180617B-E402-4E66-B9E0-F3CC6B75F429}" type="presParOf" srcId="{C792BD51-102A-47FD-BC1B-BB6275A9388E}" destId="{F2DF9B81-6307-4F0C-84BC-FC8107544B96}" srcOrd="0" destOrd="0" presId="urn:microsoft.com/office/officeart/2016/7/layout/VerticalHollowActionList"/>
+    <dgm:cxn modelId="{A8423F65-2F46-4FD3-A6EC-8CBFB56A29DB}" type="presParOf" srcId="{F2DF9B81-6307-4F0C-84BC-FC8107544B96}" destId="{1014B0E1-8BD5-489D-A26A-EC6D18CC6A79}" srcOrd="0" destOrd="0" presId="urn:microsoft.com/office/officeart/2016/7/layout/VerticalHollowActionList"/>
+    <dgm:cxn modelId="{81382FFC-5AB8-4824-B25E-38917714411D}" type="presParOf" srcId="{F2DF9B81-6307-4F0C-84BC-FC8107544B96}" destId="{DA89CC0B-1D25-45E1-B520-C00B43B1ED74}" srcOrd="1" destOrd="0" presId="urn:microsoft.com/office/officeart/2016/7/layout/VerticalHollowActionList"/>
+    <dgm:cxn modelId="{49DAA684-B5E5-4DC3-91A7-1F1AA127DBA6}" type="presParOf" srcId="{C792BD51-102A-47FD-BC1B-BB6275A9388E}" destId="{73346B38-6F51-4218-B0A1-88F6C9AB49C5}" srcOrd="1" destOrd="0" presId="urn:microsoft.com/office/officeart/2016/7/layout/VerticalHollowActionList"/>
+    <dgm:cxn modelId="{0DE380D9-A67C-4D8D-AB79-1EE06A0A430B}" type="presParOf" srcId="{C792BD51-102A-47FD-BC1B-BB6275A9388E}" destId="{85CCF0AD-6EC3-4144-9CF8-C5FEBBE97D0D}" srcOrd="2" destOrd="0" presId="urn:microsoft.com/office/officeart/2016/7/layout/VerticalHollowActionList"/>
+    <dgm:cxn modelId="{83001B17-57B6-4966-A61D-A8D0039241B6}" type="presParOf" srcId="{85CCF0AD-6EC3-4144-9CF8-C5FEBBE97D0D}" destId="{89F76288-3793-4A34-AC29-A9AA8A267FDB}" srcOrd="0" destOrd="0" presId="urn:microsoft.com/office/officeart/2016/7/layout/VerticalHollowActionList"/>
+    <dgm:cxn modelId="{4AE6031F-BA9D-4209-BFC6-57E1BC680548}" type="presParOf" srcId="{85CCF0AD-6EC3-4144-9CF8-C5FEBBE97D0D}" destId="{416FFB76-C555-4E4A-AE84-B2DEFA8F28F2}" srcOrd="1" destOrd="0" presId="urn:microsoft.com/office/officeart/2016/7/layout/VerticalHollowActionList"/>
+    <dgm:cxn modelId="{A060DDCA-F1D2-4AA3-B4A8-F28465C03AA8}" type="presParOf" srcId="{C792BD51-102A-47FD-BC1B-BB6275A9388E}" destId="{86F518A7-FAE1-49AD-BA2B-42EDBB5FEECB}" srcOrd="3" destOrd="0" presId="urn:microsoft.com/office/officeart/2016/7/layout/VerticalHollowActionList"/>
+    <dgm:cxn modelId="{2A1BA655-838A-4B09-B3AE-0427D7FF4DFC}" type="presParOf" srcId="{C792BD51-102A-47FD-BC1B-BB6275A9388E}" destId="{E6A7E65E-7E88-44C4-9D24-2989CD3E6F34}" srcOrd="4" destOrd="0" presId="urn:microsoft.com/office/officeart/2016/7/layout/VerticalHollowActionList"/>
+    <dgm:cxn modelId="{4F3AAE6E-4EB8-4AE1-B7EC-9DFEA38F6C1D}" type="presParOf" srcId="{E6A7E65E-7E88-44C4-9D24-2989CD3E6F34}" destId="{C3C60FA1-6B3F-471F-97B6-13DE0AABF6A5}" srcOrd="0" destOrd="0" presId="urn:microsoft.com/office/officeart/2016/7/layout/VerticalHollowActionList"/>
+    <dgm:cxn modelId="{1DAC15E1-63FB-4B76-AB5E-ED3BB5C8625D}" type="presParOf" srcId="{E6A7E65E-7E88-44C4-9D24-2989CD3E6F34}" destId="{0E5B2C0E-EB7D-49C6-B5E4-45B28F1B3AC7}" srcOrd="1" destOrd="0" presId="urn:microsoft.com/office/officeart/2016/7/layout/VerticalHollowActionList"/>
+    <dgm:cxn modelId="{5176CDBC-D57A-47B6-A305-9D55ED6EF091}" type="presParOf" srcId="{C792BD51-102A-47FD-BC1B-BB6275A9388E}" destId="{84E21F77-1058-45B1-9FE3-F3F8F3A813CA}" srcOrd="5" destOrd="0" presId="urn:microsoft.com/office/officeart/2016/7/layout/VerticalHollowActionList"/>
+    <dgm:cxn modelId="{700EFB34-0127-4B5B-9F3F-052A5D5013DA}" type="presParOf" srcId="{C792BD51-102A-47FD-BC1B-BB6275A9388E}" destId="{8B76FCD5-FE4E-4733-829D-943A023EB8FE}" srcOrd="6" destOrd="0" presId="urn:microsoft.com/office/officeart/2016/7/layout/VerticalHollowActionList"/>
+    <dgm:cxn modelId="{D72C7A65-4509-4F6E-AB62-D4DEAFB2F7A9}" type="presParOf" srcId="{8B76FCD5-FE4E-4733-829D-943A023EB8FE}" destId="{52E4DF43-0BCF-4E2D-87A3-D5AED9C2DAED}" srcOrd="0" destOrd="0" presId="urn:microsoft.com/office/officeart/2016/7/layout/VerticalHollowActionList"/>
+    <dgm:cxn modelId="{F6B91E29-3B83-4B88-B47E-D2863551B978}" type="presParOf" srcId="{8B76FCD5-FE4E-4733-829D-943A023EB8FE}" destId="{AE95AAB3-EA95-4113-A3B6-B8F578E2299A}" srcOrd="1" destOrd="0" presId="urn:microsoft.com/office/officeart/2016/7/layout/VerticalHollowActionList"/>
+    <dgm:cxn modelId="{D38E7550-6FA5-4A34-B7E5-25E8A447C335}" type="presParOf" srcId="{C792BD51-102A-47FD-BC1B-BB6275A9388E}" destId="{164E31BD-4C45-4793-B1FC-75FBBEA389E5}" srcOrd="7" destOrd="0" presId="urn:microsoft.com/office/officeart/2016/7/layout/VerticalHollowActionList"/>
+    <dgm:cxn modelId="{F2D1572D-DCF2-43E7-A21A-14EFCB94C1BC}" type="presParOf" srcId="{C792BD51-102A-47FD-BC1B-BB6275A9388E}" destId="{9CBA4532-A5D9-44FD-ADDA-EEEE68944AE7}" srcOrd="8" destOrd="0" presId="urn:microsoft.com/office/officeart/2016/7/layout/VerticalHollowActionList"/>
+    <dgm:cxn modelId="{6F02AD95-CF65-4724-AE42-E4864E3AC895}" type="presParOf" srcId="{9CBA4532-A5D9-44FD-ADDA-EEEE68944AE7}" destId="{4A155D48-D66F-446E-A3EB-A371855C78DD}" srcOrd="0" destOrd="0" presId="urn:microsoft.com/office/officeart/2016/7/layout/VerticalHollowActionList"/>
+    <dgm:cxn modelId="{5A076258-F606-4D21-8A27-D57F1AC5C19F}" type="presParOf" srcId="{9CBA4532-A5D9-44FD-ADDA-EEEE68944AE7}" destId="{B155FC08-06C0-40DB-B6A7-CF5FCC896370}" srcOrd="1" destOrd="0" presId="urn:microsoft.com/office/officeart/2016/7/layout/VerticalHollowActionList"/>
+    <dgm:cxn modelId="{E7FBE845-36AC-4C1B-A417-34A26FC43882}" type="presParOf" srcId="{C792BD51-102A-47FD-BC1B-BB6275A9388E}" destId="{F8BB84E7-4F49-4285-87AB-D5B17D413D7A}" srcOrd="9" destOrd="0" presId="urn:microsoft.com/office/officeart/2016/7/layout/VerticalHollowActionList"/>
+    <dgm:cxn modelId="{F9C99CEB-C459-4250-AB0E-961BAEAF3E5A}" type="presParOf" srcId="{C792BD51-102A-47FD-BC1B-BB6275A9388E}" destId="{0C8A9340-161A-4167-B557-9EE110CB450C}" srcOrd="10" destOrd="0" presId="urn:microsoft.com/office/officeart/2016/7/layout/VerticalHollowActionList"/>
+    <dgm:cxn modelId="{F26CAEB8-55B4-4A32-94CC-CFFB1EC248EB}" type="presParOf" srcId="{0C8A9340-161A-4167-B557-9EE110CB450C}" destId="{BBD63FE6-9F47-4663-880F-F785B03E4E26}" srcOrd="0" destOrd="0" presId="urn:microsoft.com/office/officeart/2016/7/layout/VerticalHollowActionList"/>
+    <dgm:cxn modelId="{5E0234C3-0B8F-467F-83BE-76ACE29BB1D6}" type="presParOf" srcId="{0C8A9340-161A-4167-B557-9EE110CB450C}" destId="{5C90F4B7-C419-476D-88A7-A45C4CC4A42E}" srcOrd="1" destOrd="0" presId="urn:microsoft.com/office/officeart/2016/7/layout/VerticalHollowActionList"/>
+  </dgm:cxnLst>
+  <dgm:bg/>
+  <dgm:whole/>
+  <dgm:extLst>
+    <a:ext uri="http://schemas.microsoft.com/office/drawing/2008/diagram">
+      <dsp:dataModelExt xmlns:dsp="http://schemas.microsoft.com/office/drawing/2008/diagram" relId="rId6" minVer="http://schemas.openxmlformats.org/drawingml/2006/diagram"/>
+    </a:ext>
+  </dgm:extLst>
+</dgm:dataModel>
+</file>
+
+<file path=ppt/diagrams/drawing1.xml><?xml version="1.0" encoding="utf-8"?>
+<dsp:drawing xmlns:dgm="http://schemas.openxmlformats.org/drawingml/2006/diagram" xmlns:dsp="http://schemas.microsoft.com/office/drawing/2008/diagram" xmlns:a="http://schemas.openxmlformats.org/drawingml/2006/main">
+  <dsp:spTree>
+    <dsp:nvGrpSpPr>
+      <dsp:cNvPr id="0" name=""/>
+      <dsp:cNvGrpSpPr/>
+    </dsp:nvGrpSpPr>
+    <dsp:grpSpPr/>
+    <dsp:sp modelId="{DA89CC0B-1D25-45E1-B520-C00B43B1ED74}">
+      <dsp:nvSpPr>
+        <dsp:cNvPr id="0" name=""/>
+        <dsp:cNvSpPr/>
+      </dsp:nvSpPr>
+      <dsp:spPr>
+        <a:xfrm>
+          <a:off x="2103120" y="498"/>
+          <a:ext cx="8412480" cy="647615"/>
+        </a:xfrm>
+        <a:prstGeom prst="rect">
+          <a:avLst/>
+        </a:prstGeom>
+        <a:solidFill>
+          <a:schemeClr val="accent2">
+            <a:hueOff val="0"/>
+            <a:satOff val="0"/>
+            <a:lumOff val="0"/>
+            <a:alphaOff val="0"/>
+          </a:schemeClr>
+        </a:solidFill>
+        <a:ln w="12700" cap="flat" cmpd="sng" algn="ctr">
+          <a:solidFill>
+            <a:schemeClr val="accent2">
+              <a:hueOff val="0"/>
+              <a:satOff val="0"/>
+              <a:lumOff val="0"/>
+              <a:alphaOff val="0"/>
+            </a:schemeClr>
+          </a:solidFill>
+          <a:prstDash val="solid"/>
+          <a:miter lim="800000"/>
+        </a:ln>
+        <a:effectLst/>
+      </dsp:spPr>
+      <dsp:style>
+        <a:lnRef idx="2">
+          <a:scrgbClr r="0" g="0" b="0"/>
+        </a:lnRef>
+        <a:fillRef idx="1">
+          <a:scrgbClr r="0" g="0" b="0"/>
+        </a:fillRef>
+        <a:effectRef idx="0">
+          <a:scrgbClr r="0" g="0" b="0"/>
+        </a:effectRef>
+        <a:fontRef idx="minor">
+          <a:schemeClr val="lt1"/>
+        </a:fontRef>
+      </dsp:style>
+      <dsp:txBody>
+        <a:bodyPr spcFirstLastPara="0" vert="horz" wrap="square" lIns="163225" tIns="164494" rIns="163225" bIns="164494" numCol="1" spcCol="1270" anchor="ctr" anchorCtr="0">
+          <a:noAutofit/>
+        </a:bodyPr>
+        <a:lstStyle/>
+        <a:p>
+          <a:pPr marL="0" lvl="0" indent="0" algn="l" defTabSz="755650">
+            <a:lnSpc>
+              <a:spcPct val="90000"/>
+            </a:lnSpc>
+            <a:spcBef>
+              <a:spcPct val="0"/>
+            </a:spcBef>
+            <a:spcAft>
+              <a:spcPct val="35000"/>
+            </a:spcAft>
+            <a:buNone/>
+          </a:pPr>
+          <a:r>
+            <a:rPr lang="en-US" sz="1700" kern="1200"/>
+            <a:t>Define the relationships between commands and events using declarative programming</a:t>
+          </a:r>
+        </a:p>
+      </dsp:txBody>
+      <dsp:txXfrm>
+        <a:off x="2103120" y="498"/>
+        <a:ext cx="8412480" cy="647615"/>
+      </dsp:txXfrm>
+    </dsp:sp>
+    <dsp:sp modelId="{1014B0E1-8BD5-489D-A26A-EC6D18CC6A79}">
+      <dsp:nvSpPr>
+        <dsp:cNvPr id="0" name=""/>
+        <dsp:cNvSpPr/>
+      </dsp:nvSpPr>
+      <dsp:spPr>
+        <a:xfrm>
+          <a:off x="0" y="498"/>
+          <a:ext cx="2103120" cy="647615"/>
+        </a:xfrm>
+        <a:prstGeom prst="rect">
+          <a:avLst/>
+        </a:prstGeom>
+        <a:solidFill>
+          <a:schemeClr val="lt1">
+            <a:hueOff val="0"/>
+            <a:satOff val="0"/>
+            <a:lumOff val="0"/>
+            <a:alphaOff val="0"/>
+          </a:schemeClr>
+        </a:solidFill>
+        <a:ln w="12700" cap="flat" cmpd="sng" algn="ctr">
+          <a:solidFill>
+            <a:schemeClr val="accent2">
+              <a:hueOff val="0"/>
+              <a:satOff val="0"/>
+              <a:lumOff val="0"/>
+              <a:alphaOff val="0"/>
+            </a:schemeClr>
+          </a:solidFill>
+          <a:prstDash val="solid"/>
+          <a:miter lim="800000"/>
+        </a:ln>
+        <a:effectLst/>
+      </dsp:spPr>
+      <dsp:style>
+        <a:lnRef idx="2">
+          <a:scrgbClr r="0" g="0" b="0"/>
+        </a:lnRef>
+        <a:fillRef idx="1">
+          <a:scrgbClr r="0" g="0" b="0"/>
+        </a:fillRef>
+        <a:effectRef idx="0">
+          <a:scrgbClr r="0" g="0" b="0"/>
+        </a:effectRef>
+        <a:fontRef idx="minor"/>
+      </dsp:style>
+      <dsp:txBody>
+        <a:bodyPr spcFirstLastPara="0" vert="horz" wrap="square" lIns="111290" tIns="63970" rIns="111290" bIns="63970" numCol="1" spcCol="1270" anchor="ctr" anchorCtr="0">
+          <a:noAutofit/>
+        </a:bodyPr>
+        <a:lstStyle/>
+        <a:p>
+          <a:pPr marL="0" lvl="0" indent="0" algn="ctr" defTabSz="933450">
+            <a:lnSpc>
+              <a:spcPct val="90000"/>
+            </a:lnSpc>
+            <a:spcBef>
+              <a:spcPct val="0"/>
+            </a:spcBef>
+            <a:spcAft>
+              <a:spcPct val="35000"/>
+            </a:spcAft>
+            <a:buNone/>
+          </a:pPr>
+          <a:r>
+            <a:rPr lang="en-US" sz="2100" kern="1200"/>
+            <a:t>Define</a:t>
+          </a:r>
+        </a:p>
+      </dsp:txBody>
+      <dsp:txXfrm>
+        <a:off x="0" y="498"/>
+        <a:ext cx="2103120" cy="647615"/>
+      </dsp:txXfrm>
+    </dsp:sp>
+    <dsp:sp modelId="{416FFB76-C555-4E4A-AE84-B2DEFA8F28F2}">
+      <dsp:nvSpPr>
+        <dsp:cNvPr id="0" name=""/>
+        <dsp:cNvSpPr/>
+      </dsp:nvSpPr>
+      <dsp:spPr>
+        <a:xfrm>
+          <a:off x="2103120" y="686970"/>
+          <a:ext cx="8412480" cy="647615"/>
+        </a:xfrm>
+        <a:prstGeom prst="rect">
+          <a:avLst/>
+        </a:prstGeom>
+        <a:solidFill>
+          <a:schemeClr val="accent2">
+            <a:hueOff val="-291073"/>
+            <a:satOff val="-16786"/>
+            <a:lumOff val="1726"/>
+            <a:alphaOff val="0"/>
+          </a:schemeClr>
+        </a:solidFill>
+        <a:ln w="12700" cap="flat" cmpd="sng" algn="ctr">
+          <a:solidFill>
+            <a:schemeClr val="accent2">
+              <a:hueOff val="-291073"/>
+              <a:satOff val="-16786"/>
+              <a:lumOff val="1726"/>
+              <a:alphaOff val="0"/>
+            </a:schemeClr>
+          </a:solidFill>
+          <a:prstDash val="solid"/>
+          <a:miter lim="800000"/>
+        </a:ln>
+        <a:effectLst/>
+      </dsp:spPr>
+      <dsp:style>
+        <a:lnRef idx="2">
+          <a:scrgbClr r="0" g="0" b="0"/>
+        </a:lnRef>
+        <a:fillRef idx="1">
+          <a:scrgbClr r="0" g="0" b="0"/>
+        </a:fillRef>
+        <a:effectRef idx="0">
+          <a:scrgbClr r="0" g="0" b="0"/>
+        </a:effectRef>
+        <a:fontRef idx="minor">
+          <a:schemeClr val="lt1"/>
+        </a:fontRef>
+      </dsp:style>
+      <dsp:txBody>
+        <a:bodyPr spcFirstLastPara="0" vert="horz" wrap="square" lIns="163225" tIns="164494" rIns="163225" bIns="164494" numCol="1" spcCol="1270" anchor="ctr" anchorCtr="0">
+          <a:noAutofit/>
+        </a:bodyPr>
+        <a:lstStyle/>
+        <a:p>
+          <a:pPr marL="0" lvl="0" indent="0" algn="l" defTabSz="755650">
+            <a:lnSpc>
+              <a:spcPct val="90000"/>
+            </a:lnSpc>
+            <a:spcBef>
+              <a:spcPct val="0"/>
+            </a:spcBef>
+            <a:spcAft>
+              <a:spcPct val="35000"/>
+            </a:spcAft>
+            <a:buNone/>
+          </a:pPr>
+          <a:r>
+            <a:rPr lang="en-US" sz="1700" kern="1200"/>
+            <a:t>Prefer returning Observables instead of invoking a method that raises events</a:t>
+          </a:r>
+        </a:p>
+      </dsp:txBody>
+      <dsp:txXfrm>
+        <a:off x="2103120" y="686970"/>
+        <a:ext cx="8412480" cy="647615"/>
+      </dsp:txXfrm>
+    </dsp:sp>
+    <dsp:sp modelId="{89F76288-3793-4A34-AC29-A9AA8A267FDB}">
+      <dsp:nvSpPr>
+        <dsp:cNvPr id="0" name=""/>
+        <dsp:cNvSpPr/>
+      </dsp:nvSpPr>
+      <dsp:spPr>
+        <a:xfrm>
+          <a:off x="0" y="686970"/>
+          <a:ext cx="2103120" cy="647615"/>
+        </a:xfrm>
+        <a:prstGeom prst="rect">
+          <a:avLst/>
+        </a:prstGeom>
+        <a:solidFill>
+          <a:schemeClr val="lt1">
+            <a:hueOff val="0"/>
+            <a:satOff val="0"/>
+            <a:lumOff val="0"/>
+            <a:alphaOff val="0"/>
+          </a:schemeClr>
+        </a:solidFill>
+        <a:ln w="12700" cap="flat" cmpd="sng" algn="ctr">
+          <a:solidFill>
+            <a:schemeClr val="accent2">
+              <a:hueOff val="-291073"/>
+              <a:satOff val="-16786"/>
+              <a:lumOff val="1726"/>
+              <a:alphaOff val="0"/>
+            </a:schemeClr>
+          </a:solidFill>
+          <a:prstDash val="solid"/>
+          <a:miter lim="800000"/>
+        </a:ln>
+        <a:effectLst/>
+      </dsp:spPr>
+      <dsp:style>
+        <a:lnRef idx="2">
+          <a:scrgbClr r="0" g="0" b="0"/>
+        </a:lnRef>
+        <a:fillRef idx="1">
+          <a:scrgbClr r="0" g="0" b="0"/>
+        </a:fillRef>
+        <a:effectRef idx="0">
+          <a:scrgbClr r="0" g="0" b="0"/>
+        </a:effectRef>
+        <a:fontRef idx="minor"/>
+      </dsp:style>
+      <dsp:txBody>
+        <a:bodyPr spcFirstLastPara="0" vert="horz" wrap="square" lIns="111290" tIns="63970" rIns="111290" bIns="63970" numCol="1" spcCol="1270" anchor="ctr" anchorCtr="0">
+          <a:noAutofit/>
+        </a:bodyPr>
+        <a:lstStyle/>
+        <a:p>
+          <a:pPr marL="0" lvl="0" indent="0" algn="ctr" defTabSz="933450">
+            <a:lnSpc>
+              <a:spcPct val="90000"/>
+            </a:lnSpc>
+            <a:spcBef>
+              <a:spcPct val="0"/>
+            </a:spcBef>
+            <a:spcAft>
+              <a:spcPct val="35000"/>
+            </a:spcAft>
+            <a:buNone/>
+          </a:pPr>
+          <a:r>
+            <a:rPr lang="en-US" sz="2100" kern="1200"/>
+            <a:t>Prefer</a:t>
+          </a:r>
+        </a:p>
+      </dsp:txBody>
+      <dsp:txXfrm>
+        <a:off x="0" y="686970"/>
+        <a:ext cx="2103120" cy="647615"/>
+      </dsp:txXfrm>
+    </dsp:sp>
+    <dsp:sp modelId="{0E5B2C0E-EB7D-49C6-B5E4-45B28F1B3AC7}">
+      <dsp:nvSpPr>
+        <dsp:cNvPr id="0" name=""/>
+        <dsp:cNvSpPr/>
+      </dsp:nvSpPr>
+      <dsp:spPr>
+        <a:xfrm>
+          <a:off x="2103120" y="1373443"/>
+          <a:ext cx="8412480" cy="647615"/>
+        </a:xfrm>
+        <a:prstGeom prst="rect">
+          <a:avLst/>
+        </a:prstGeom>
+        <a:solidFill>
+          <a:schemeClr val="accent2">
+            <a:hueOff val="-582145"/>
+            <a:satOff val="-33571"/>
+            <a:lumOff val="3451"/>
+            <a:alphaOff val="0"/>
+          </a:schemeClr>
+        </a:solidFill>
+        <a:ln w="12700" cap="flat" cmpd="sng" algn="ctr">
+          <a:solidFill>
+            <a:schemeClr val="accent2">
+              <a:hueOff val="-582145"/>
+              <a:satOff val="-33571"/>
+              <a:lumOff val="3451"/>
+              <a:alphaOff val="0"/>
+            </a:schemeClr>
+          </a:solidFill>
+          <a:prstDash val="solid"/>
+          <a:miter lim="800000"/>
+        </a:ln>
+        <a:effectLst/>
+      </dsp:spPr>
+      <dsp:style>
+        <a:lnRef idx="2">
+          <a:scrgbClr r="0" g="0" b="0"/>
+        </a:lnRef>
+        <a:fillRef idx="1">
+          <a:scrgbClr r="0" g="0" b="0"/>
+        </a:fillRef>
+        <a:effectRef idx="0">
+          <a:scrgbClr r="0" g="0" b="0"/>
+        </a:effectRef>
+        <a:fontRef idx="minor">
+          <a:schemeClr val="lt1"/>
+        </a:fontRef>
+      </dsp:style>
+      <dsp:txBody>
+        <a:bodyPr spcFirstLastPara="0" vert="horz" wrap="square" lIns="163225" tIns="164494" rIns="163225" bIns="164494" numCol="1" spcCol="1270" anchor="ctr" anchorCtr="0">
+          <a:noAutofit/>
+        </a:bodyPr>
+        <a:lstStyle/>
+        <a:p>
+          <a:pPr marL="0" lvl="0" indent="0" algn="l" defTabSz="755650">
+            <a:lnSpc>
+              <a:spcPct val="90000"/>
+            </a:lnSpc>
+            <a:spcBef>
+              <a:spcPct val="0"/>
+            </a:spcBef>
+            <a:spcAft>
+              <a:spcPct val="35000"/>
+            </a:spcAft>
+            <a:buNone/>
+          </a:pPr>
+          <a:r>
+            <a:rPr lang="en-US" sz="1700" kern="1200"/>
+            <a:t>Don’t inject events directly into commands</a:t>
+          </a:r>
+        </a:p>
+      </dsp:txBody>
+      <dsp:txXfrm>
+        <a:off x="2103120" y="1373443"/>
+        <a:ext cx="8412480" cy="647615"/>
+      </dsp:txXfrm>
+    </dsp:sp>
+    <dsp:sp modelId="{C3C60FA1-6B3F-471F-97B6-13DE0AABF6A5}">
+      <dsp:nvSpPr>
+        <dsp:cNvPr id="0" name=""/>
+        <dsp:cNvSpPr/>
+      </dsp:nvSpPr>
+      <dsp:spPr>
+        <a:xfrm>
+          <a:off x="0" y="1373443"/>
+          <a:ext cx="2103120" cy="647615"/>
+        </a:xfrm>
+        <a:prstGeom prst="rect">
+          <a:avLst/>
+        </a:prstGeom>
+        <a:solidFill>
+          <a:schemeClr val="lt1">
+            <a:hueOff val="0"/>
+            <a:satOff val="0"/>
+            <a:lumOff val="0"/>
+            <a:alphaOff val="0"/>
+          </a:schemeClr>
+        </a:solidFill>
+        <a:ln w="12700" cap="flat" cmpd="sng" algn="ctr">
+          <a:solidFill>
+            <a:schemeClr val="accent2">
+              <a:hueOff val="-582145"/>
+              <a:satOff val="-33571"/>
+              <a:lumOff val="3451"/>
+              <a:alphaOff val="0"/>
+            </a:schemeClr>
+          </a:solidFill>
+          <a:prstDash val="solid"/>
+          <a:miter lim="800000"/>
+        </a:ln>
+        <a:effectLst/>
+      </dsp:spPr>
+      <dsp:style>
+        <a:lnRef idx="2">
+          <a:scrgbClr r="0" g="0" b="0"/>
+        </a:lnRef>
+        <a:fillRef idx="1">
+          <a:scrgbClr r="0" g="0" b="0"/>
+        </a:fillRef>
+        <a:effectRef idx="0">
+          <a:scrgbClr r="0" g="0" b="0"/>
+        </a:effectRef>
+        <a:fontRef idx="minor"/>
+      </dsp:style>
+      <dsp:txBody>
+        <a:bodyPr spcFirstLastPara="0" vert="horz" wrap="square" lIns="111290" tIns="63970" rIns="111290" bIns="63970" numCol="1" spcCol="1270" anchor="ctr" anchorCtr="0">
+          <a:noAutofit/>
+        </a:bodyPr>
+        <a:lstStyle/>
+        <a:p>
+          <a:pPr marL="0" lvl="0" indent="0" algn="ctr" defTabSz="933450">
+            <a:lnSpc>
+              <a:spcPct val="90000"/>
+            </a:lnSpc>
+            <a:spcBef>
+              <a:spcPct val="0"/>
+            </a:spcBef>
+            <a:spcAft>
+              <a:spcPct val="35000"/>
+            </a:spcAft>
+            <a:buNone/>
+          </a:pPr>
+          <a:r>
+            <a:rPr lang="en-US" sz="2100" kern="1200"/>
+            <a:t>Don’t inject</a:t>
+          </a:r>
+        </a:p>
+      </dsp:txBody>
+      <dsp:txXfrm>
+        <a:off x="0" y="1373443"/>
+        <a:ext cx="2103120" cy="647615"/>
+      </dsp:txXfrm>
+    </dsp:sp>
+    <dsp:sp modelId="{AE95AAB3-EA95-4113-A3B6-B8F578E2299A}">
+      <dsp:nvSpPr>
+        <dsp:cNvPr id="0" name=""/>
+        <dsp:cNvSpPr/>
+      </dsp:nvSpPr>
+      <dsp:spPr>
+        <a:xfrm>
+          <a:off x="2103120" y="2059915"/>
+          <a:ext cx="8412480" cy="647615"/>
+        </a:xfrm>
+        <a:prstGeom prst="rect">
+          <a:avLst/>
+        </a:prstGeom>
+        <a:solidFill>
+          <a:schemeClr val="accent2">
+            <a:hueOff val="-873218"/>
+            <a:satOff val="-50357"/>
+            <a:lumOff val="5177"/>
+            <a:alphaOff val="0"/>
+          </a:schemeClr>
+        </a:solidFill>
+        <a:ln w="12700" cap="flat" cmpd="sng" algn="ctr">
+          <a:solidFill>
+            <a:schemeClr val="accent2">
+              <a:hueOff val="-873218"/>
+              <a:satOff val="-50357"/>
+              <a:lumOff val="5177"/>
+              <a:alphaOff val="0"/>
+            </a:schemeClr>
+          </a:solidFill>
+          <a:prstDash val="solid"/>
+          <a:miter lim="800000"/>
+        </a:ln>
+        <a:effectLst/>
+      </dsp:spPr>
+      <dsp:style>
+        <a:lnRef idx="2">
+          <a:scrgbClr r="0" g="0" b="0"/>
+        </a:lnRef>
+        <a:fillRef idx="1">
+          <a:scrgbClr r="0" g="0" b="0"/>
+        </a:fillRef>
+        <a:effectRef idx="0">
+          <a:scrgbClr r="0" g="0" b="0"/>
+        </a:effectRef>
+        <a:fontRef idx="minor">
+          <a:schemeClr val="lt1"/>
+        </a:fontRef>
+      </dsp:style>
+      <dsp:txBody>
+        <a:bodyPr spcFirstLastPara="0" vert="horz" wrap="square" lIns="163225" tIns="164494" rIns="163225" bIns="164494" numCol="1" spcCol="1270" anchor="ctr" anchorCtr="0">
+          <a:noAutofit/>
+        </a:bodyPr>
+        <a:lstStyle/>
+        <a:p>
+          <a:pPr marL="0" lvl="0" indent="0" algn="l" defTabSz="755650">
+            <a:lnSpc>
+              <a:spcPct val="90000"/>
+            </a:lnSpc>
+            <a:spcBef>
+              <a:spcPct val="0"/>
+            </a:spcBef>
+            <a:spcAft>
+              <a:spcPct val="35000"/>
+            </a:spcAft>
+            <a:buNone/>
+          </a:pPr>
+          <a:r>
+            <a:rPr lang="en-US" sz="1700" kern="1200"/>
+            <a:t>Allow the registration of commands with specific names</a:t>
+          </a:r>
+        </a:p>
+      </dsp:txBody>
+      <dsp:txXfrm>
+        <a:off x="2103120" y="2059915"/>
+        <a:ext cx="8412480" cy="647615"/>
+      </dsp:txXfrm>
+    </dsp:sp>
+    <dsp:sp modelId="{52E4DF43-0BCF-4E2D-87A3-D5AED9C2DAED}">
+      <dsp:nvSpPr>
+        <dsp:cNvPr id="0" name=""/>
+        <dsp:cNvSpPr/>
+      </dsp:nvSpPr>
+      <dsp:spPr>
+        <a:xfrm>
+          <a:off x="0" y="2059915"/>
+          <a:ext cx="2103120" cy="647615"/>
+        </a:xfrm>
+        <a:prstGeom prst="rect">
+          <a:avLst/>
+        </a:prstGeom>
+        <a:solidFill>
+          <a:schemeClr val="lt1">
+            <a:hueOff val="0"/>
+            <a:satOff val="0"/>
+            <a:lumOff val="0"/>
+            <a:alphaOff val="0"/>
+          </a:schemeClr>
+        </a:solidFill>
+        <a:ln w="12700" cap="flat" cmpd="sng" algn="ctr">
+          <a:solidFill>
+            <a:schemeClr val="accent2">
+              <a:hueOff val="-873218"/>
+              <a:satOff val="-50357"/>
+              <a:lumOff val="5177"/>
+              <a:alphaOff val="0"/>
+            </a:schemeClr>
+          </a:solidFill>
+          <a:prstDash val="solid"/>
+          <a:miter lim="800000"/>
+        </a:ln>
+        <a:effectLst/>
+      </dsp:spPr>
+      <dsp:style>
+        <a:lnRef idx="2">
+          <a:scrgbClr r="0" g="0" b="0"/>
+        </a:lnRef>
+        <a:fillRef idx="1">
+          <a:scrgbClr r="0" g="0" b="0"/>
+        </a:fillRef>
+        <a:effectRef idx="0">
+          <a:scrgbClr r="0" g="0" b="0"/>
+        </a:effectRef>
+        <a:fontRef idx="minor"/>
+      </dsp:style>
+      <dsp:txBody>
+        <a:bodyPr spcFirstLastPara="0" vert="horz" wrap="square" lIns="111290" tIns="63970" rIns="111290" bIns="63970" numCol="1" spcCol="1270" anchor="ctr" anchorCtr="0">
+          <a:noAutofit/>
+        </a:bodyPr>
+        <a:lstStyle/>
+        <a:p>
+          <a:pPr marL="0" lvl="0" indent="0" algn="ctr" defTabSz="933450">
+            <a:lnSpc>
+              <a:spcPct val="90000"/>
+            </a:lnSpc>
+            <a:spcBef>
+              <a:spcPct val="0"/>
+            </a:spcBef>
+            <a:spcAft>
+              <a:spcPct val="35000"/>
+            </a:spcAft>
+            <a:buNone/>
+          </a:pPr>
+          <a:r>
+            <a:rPr lang="en-US" sz="2100" kern="1200"/>
+            <a:t>Allow</a:t>
+          </a:r>
+        </a:p>
+      </dsp:txBody>
+      <dsp:txXfrm>
+        <a:off x="0" y="2059915"/>
+        <a:ext cx="2103120" cy="647615"/>
+      </dsp:txXfrm>
+    </dsp:sp>
+    <dsp:sp modelId="{B155FC08-06C0-40DB-B6A7-CF5FCC896370}">
+      <dsp:nvSpPr>
+        <dsp:cNvPr id="0" name=""/>
+        <dsp:cNvSpPr/>
+      </dsp:nvSpPr>
+      <dsp:spPr>
+        <a:xfrm>
+          <a:off x="2103120" y="2746387"/>
+          <a:ext cx="8412480" cy="647615"/>
+        </a:xfrm>
+        <a:prstGeom prst="rect">
+          <a:avLst/>
+        </a:prstGeom>
+        <a:solidFill>
+          <a:schemeClr val="accent2">
+            <a:hueOff val="-1164290"/>
+            <a:satOff val="-67142"/>
+            <a:lumOff val="6902"/>
+            <a:alphaOff val="0"/>
+          </a:schemeClr>
+        </a:solidFill>
+        <a:ln w="12700" cap="flat" cmpd="sng" algn="ctr">
+          <a:solidFill>
+            <a:schemeClr val="accent2">
+              <a:hueOff val="-1164290"/>
+              <a:satOff val="-67142"/>
+              <a:lumOff val="6902"/>
+              <a:alphaOff val="0"/>
+            </a:schemeClr>
+          </a:solidFill>
+          <a:prstDash val="solid"/>
+          <a:miter lim="800000"/>
+        </a:ln>
+        <a:effectLst/>
+      </dsp:spPr>
+      <dsp:style>
+        <a:lnRef idx="2">
+          <a:scrgbClr r="0" g="0" b="0"/>
+        </a:lnRef>
+        <a:fillRef idx="1">
+          <a:scrgbClr r="0" g="0" b="0"/>
+        </a:fillRef>
+        <a:effectRef idx="0">
+          <a:scrgbClr r="0" g="0" b="0"/>
+        </a:effectRef>
+        <a:fontRef idx="minor">
+          <a:schemeClr val="lt1"/>
+        </a:fontRef>
+      </dsp:style>
+      <dsp:txBody>
+        <a:bodyPr spcFirstLastPara="0" vert="horz" wrap="square" lIns="163225" tIns="164494" rIns="163225" bIns="164494" numCol="1" spcCol="1270" anchor="ctr" anchorCtr="0">
+          <a:noAutofit/>
+        </a:bodyPr>
+        <a:lstStyle/>
+        <a:p>
+          <a:pPr marL="0" lvl="0" indent="0" algn="l" defTabSz="755650">
+            <a:lnSpc>
+              <a:spcPct val="90000"/>
+            </a:lnSpc>
+            <a:spcBef>
+              <a:spcPct val="0"/>
+            </a:spcBef>
+            <a:spcAft>
+              <a:spcPct val="35000"/>
+            </a:spcAft>
+            <a:buNone/>
+          </a:pPr>
+          <a:r>
+            <a:rPr lang="en-US" sz="1700" kern="1200"/>
+            <a:t>Allow the creation of aggregate commands for easier reuse</a:t>
+          </a:r>
+        </a:p>
+      </dsp:txBody>
+      <dsp:txXfrm>
+        <a:off x="2103120" y="2746387"/>
+        <a:ext cx="8412480" cy="647615"/>
+      </dsp:txXfrm>
+    </dsp:sp>
+    <dsp:sp modelId="{4A155D48-D66F-446E-A3EB-A371855C78DD}">
+      <dsp:nvSpPr>
+        <dsp:cNvPr id="0" name=""/>
+        <dsp:cNvSpPr/>
+      </dsp:nvSpPr>
+      <dsp:spPr>
+        <a:xfrm>
+          <a:off x="0" y="2746387"/>
+          <a:ext cx="2103120" cy="647615"/>
+        </a:xfrm>
+        <a:prstGeom prst="rect">
+          <a:avLst/>
+        </a:prstGeom>
+        <a:solidFill>
+          <a:schemeClr val="lt1">
+            <a:hueOff val="0"/>
+            <a:satOff val="0"/>
+            <a:lumOff val="0"/>
+            <a:alphaOff val="0"/>
+          </a:schemeClr>
+        </a:solidFill>
+        <a:ln w="12700" cap="flat" cmpd="sng" algn="ctr">
+          <a:solidFill>
+            <a:schemeClr val="accent2">
+              <a:hueOff val="-1164290"/>
+              <a:satOff val="-67142"/>
+              <a:lumOff val="6902"/>
+              <a:alphaOff val="0"/>
+            </a:schemeClr>
+          </a:solidFill>
+          <a:prstDash val="solid"/>
+          <a:miter lim="800000"/>
+        </a:ln>
+        <a:effectLst/>
+      </dsp:spPr>
+      <dsp:style>
+        <a:lnRef idx="2">
+          <a:scrgbClr r="0" g="0" b="0"/>
+        </a:lnRef>
+        <a:fillRef idx="1">
+          <a:scrgbClr r="0" g="0" b="0"/>
+        </a:fillRef>
+        <a:effectRef idx="0">
+          <a:scrgbClr r="0" g="0" b="0"/>
+        </a:effectRef>
+        <a:fontRef idx="minor"/>
+      </dsp:style>
+      <dsp:txBody>
+        <a:bodyPr spcFirstLastPara="0" vert="horz" wrap="square" lIns="111290" tIns="63970" rIns="111290" bIns="63970" numCol="1" spcCol="1270" anchor="ctr" anchorCtr="0">
+          <a:noAutofit/>
+        </a:bodyPr>
+        <a:lstStyle/>
+        <a:p>
+          <a:pPr marL="0" lvl="0" indent="0" algn="ctr" defTabSz="933450">
+            <a:lnSpc>
+              <a:spcPct val="90000"/>
+            </a:lnSpc>
+            <a:spcBef>
+              <a:spcPct val="0"/>
+            </a:spcBef>
+            <a:spcAft>
+              <a:spcPct val="35000"/>
+            </a:spcAft>
+            <a:buNone/>
+          </a:pPr>
+          <a:r>
+            <a:rPr lang="en-US" sz="2100" kern="1200"/>
+            <a:t>Allow</a:t>
+          </a:r>
+        </a:p>
+      </dsp:txBody>
+      <dsp:txXfrm>
+        <a:off x="0" y="2746387"/>
+        <a:ext cx="2103120" cy="647615"/>
+      </dsp:txXfrm>
+    </dsp:sp>
+    <dsp:sp modelId="{5C90F4B7-C419-476D-88A7-A45C4CC4A42E}">
+      <dsp:nvSpPr>
+        <dsp:cNvPr id="0" name=""/>
+        <dsp:cNvSpPr/>
+      </dsp:nvSpPr>
+      <dsp:spPr>
+        <a:xfrm>
+          <a:off x="2103120" y="3432860"/>
+          <a:ext cx="8412480" cy="647615"/>
+        </a:xfrm>
+        <a:prstGeom prst="rect">
+          <a:avLst/>
+        </a:prstGeom>
+        <a:solidFill>
+          <a:schemeClr val="accent2">
+            <a:hueOff val="-1455363"/>
+            <a:satOff val="-83928"/>
+            <a:lumOff val="8628"/>
+            <a:alphaOff val="0"/>
+          </a:schemeClr>
+        </a:solidFill>
+        <a:ln w="12700" cap="flat" cmpd="sng" algn="ctr">
+          <a:solidFill>
+            <a:schemeClr val="accent2">
+              <a:hueOff val="-1455363"/>
+              <a:satOff val="-83928"/>
+              <a:lumOff val="8628"/>
+              <a:alphaOff val="0"/>
+            </a:schemeClr>
+          </a:solidFill>
+          <a:prstDash val="solid"/>
+          <a:miter lim="800000"/>
+        </a:ln>
+        <a:effectLst/>
+      </dsp:spPr>
+      <dsp:style>
+        <a:lnRef idx="2">
+          <a:scrgbClr r="0" g="0" b="0"/>
+        </a:lnRef>
+        <a:fillRef idx="1">
+          <a:scrgbClr r="0" g="0" b="0"/>
+        </a:fillRef>
+        <a:effectRef idx="0">
+          <a:scrgbClr r="0" g="0" b="0"/>
+        </a:effectRef>
+        <a:fontRef idx="minor">
+          <a:schemeClr val="lt1"/>
+        </a:fontRef>
+      </dsp:style>
+      <dsp:txBody>
+        <a:bodyPr spcFirstLastPara="0" vert="horz" wrap="square" lIns="163225" tIns="164494" rIns="163225" bIns="164494" numCol="1" spcCol="1270" anchor="ctr" anchorCtr="0">
+          <a:noAutofit/>
+        </a:bodyPr>
+        <a:lstStyle/>
+        <a:p>
+          <a:pPr marL="0" lvl="0" indent="0" algn="l" defTabSz="755650">
+            <a:lnSpc>
+              <a:spcPct val="90000"/>
+            </a:lnSpc>
+            <a:spcBef>
+              <a:spcPct val="0"/>
+            </a:spcBef>
+            <a:spcAft>
+              <a:spcPct val="35000"/>
+            </a:spcAft>
+            <a:buNone/>
+          </a:pPr>
+          <a:r>
+            <a:rPr lang="en-US" sz="1700" kern="1200"/>
+            <a:t>Make Abstract commands for specific situations (SingleEventCommand)</a:t>
+          </a:r>
+        </a:p>
+      </dsp:txBody>
+      <dsp:txXfrm>
+        <a:off x="2103120" y="3432860"/>
+        <a:ext cx="8412480" cy="647615"/>
+      </dsp:txXfrm>
+    </dsp:sp>
+    <dsp:sp modelId="{BBD63FE6-9F47-4663-880F-F785B03E4E26}">
+      <dsp:nvSpPr>
+        <dsp:cNvPr id="0" name=""/>
+        <dsp:cNvSpPr/>
+      </dsp:nvSpPr>
+      <dsp:spPr>
+        <a:xfrm>
+          <a:off x="0" y="3432860"/>
+          <a:ext cx="2103120" cy="647615"/>
+        </a:xfrm>
+        <a:prstGeom prst="rect">
+          <a:avLst/>
+        </a:prstGeom>
+        <a:solidFill>
+          <a:schemeClr val="lt1">
+            <a:hueOff val="0"/>
+            <a:satOff val="0"/>
+            <a:lumOff val="0"/>
+            <a:alphaOff val="0"/>
+          </a:schemeClr>
+        </a:solidFill>
+        <a:ln w="12700" cap="flat" cmpd="sng" algn="ctr">
+          <a:solidFill>
+            <a:schemeClr val="accent2">
+              <a:hueOff val="-1455363"/>
+              <a:satOff val="-83928"/>
+              <a:lumOff val="8628"/>
+              <a:alphaOff val="0"/>
+            </a:schemeClr>
+          </a:solidFill>
+          <a:prstDash val="solid"/>
+          <a:miter lim="800000"/>
+        </a:ln>
+        <a:effectLst/>
+      </dsp:spPr>
+      <dsp:style>
+        <a:lnRef idx="2">
+          <a:scrgbClr r="0" g="0" b="0"/>
+        </a:lnRef>
+        <a:fillRef idx="1">
+          <a:scrgbClr r="0" g="0" b="0"/>
+        </a:fillRef>
+        <a:effectRef idx="0">
+          <a:scrgbClr r="0" g="0" b="0"/>
+        </a:effectRef>
+        <a:fontRef idx="minor"/>
+      </dsp:style>
+      <dsp:txBody>
+        <a:bodyPr spcFirstLastPara="0" vert="horz" wrap="square" lIns="111290" tIns="63970" rIns="111290" bIns="63970" numCol="1" spcCol="1270" anchor="ctr" anchorCtr="0">
+          <a:noAutofit/>
+        </a:bodyPr>
+        <a:lstStyle/>
+        <a:p>
+          <a:pPr marL="0" lvl="0" indent="0" algn="ctr" defTabSz="933450">
+            <a:lnSpc>
+              <a:spcPct val="90000"/>
+            </a:lnSpc>
+            <a:spcBef>
+              <a:spcPct val="0"/>
+            </a:spcBef>
+            <a:spcAft>
+              <a:spcPct val="35000"/>
+            </a:spcAft>
+            <a:buNone/>
+          </a:pPr>
+          <a:r>
+            <a:rPr lang="en-US" sz="2100" kern="1200"/>
+            <a:t>Make</a:t>
+          </a:r>
+        </a:p>
+      </dsp:txBody>
+      <dsp:txXfrm>
+        <a:off x="0" y="3432860"/>
+        <a:ext cx="2103120" cy="647615"/>
+      </dsp:txXfrm>
+    </dsp:sp>
+  </dsp:spTree>
+</dsp:drawing>
+</file>
+
+<file path=ppt/diagrams/layout1.xml><?xml version="1.0" encoding="utf-8"?>
+<dgm:layoutDef xmlns:dgm="http://schemas.openxmlformats.org/drawingml/2006/diagram" xmlns:a="http://schemas.openxmlformats.org/drawingml/2006/main" uniqueId="urn:microsoft.com/office/officeart/2016/7/layout/VerticalHollowActionList">
+  <dgm:title val="Vertical Hollow Action List"/>
+  <dgm:desc val="Use to show non-sequential or grouped lists of information. Works well with large amounts of text. All text has the same level of emphasis, and direction is not implied."/>
+  <dgm:catLst>
+    <dgm:cat type="list" pri="500"/>
+  </dgm:catLst>
+  <dgm:sampData>
+    <dgm:dataModel>
+      <dgm:ptLst>
+        <dgm:pt modelId="0" type="doc"/>
+        <dgm:pt modelId="1">
+          <dgm:prSet phldr="1"/>
+        </dgm:pt>
+        <dgm:pt modelId="11">
+          <dgm:prSet phldr="1"/>
+        </dgm:pt>
+        <dgm:pt modelId="2">
+          <dgm:prSet phldr="1"/>
+        </dgm:pt>
+        <dgm:pt modelId="21">
+          <dgm:prSet phldr="1"/>
+        </dgm:pt>
+        <dgm:pt modelId="3">
+          <dgm:prSet phldr="1"/>
+        </dgm:pt>
+        <dgm:pt modelId="31">
+          <dgm:prSet phldr="1"/>
+        </dgm:pt>
+        <dgm:pt modelId="4">
+          <dgm:prSet phldr="1"/>
+        </dgm:pt>
+        <dgm:pt modelId="41">
+          <dgm:prSet phldr="1"/>
+        </dgm:pt>
+        <dgm:pt modelId="5">
+          <dgm:prSet phldr="1"/>
+        </dgm:pt>
+        <dgm:pt modelId="51">
+          <dgm:prSet phldr="1"/>
+        </dgm:pt>
+      </dgm:ptLst>
+      <dgm:cxnLst>
+        <dgm:cxn modelId="4" srcId="0" destId="1" srcOrd="0" destOrd="0"/>
+        <dgm:cxn modelId="5" srcId="0" destId="2" srcOrd="1" destOrd="0"/>
+        <dgm:cxn modelId="6" srcId="0" destId="3" srcOrd="2" destOrd="0"/>
+        <dgm:cxn modelId="7" srcId="0" destId="4" srcOrd="3" destOrd="0"/>
+        <dgm:cxn modelId="8" srcId="0" destId="5" srcOrd="4" destOrd="0"/>
+        <dgm:cxn modelId="13" srcId="1" destId="11" srcOrd="0" destOrd="0"/>
+        <dgm:cxn modelId="23" srcId="2" destId="21" srcOrd="0" destOrd="0"/>
+        <dgm:cxn modelId="33" srcId="3" destId="31" srcOrd="0" destOrd="0"/>
+        <dgm:cxn modelId="43" srcId="4" destId="41" srcOrd="0" destOrd="0"/>
+        <dgm:cxn modelId="53" srcId="5" destId="51" srcOrd="0" destOrd="0"/>
+      </dgm:cxnLst>
+      <dgm:bg/>
+      <dgm:whole/>
+    </dgm:dataModel>
+  </dgm:sampData>
+  <dgm:styleData>
+    <dgm:dataModel>
+      <dgm:ptLst>
+        <dgm:pt modelId="0" type="doc"/>
+        <dgm:pt modelId="1"/>
+        <dgm:pt modelId="11"/>
+        <dgm:pt modelId="2"/>
+        <dgm:pt modelId="21"/>
+      </dgm:ptLst>
+      <dgm:cxnLst>
+        <dgm:cxn modelId="4" srcId="0" destId="1" srcOrd="0" destOrd="0"/>
+        <dgm:cxn modelId="5" srcId="0" destId="2" srcOrd="1" destOrd="0"/>
+        <dgm:cxn modelId="13" srcId="1" destId="11" srcOrd="0" destOrd="0"/>
+        <dgm:cxn modelId="23" srcId="2" destId="21" srcOrd="0" destOrd="0"/>
+      </dgm:cxnLst>
+      <dgm:bg/>
+      <dgm:whole/>
+    </dgm:dataModel>
+  </dgm:styleData>
+  <dgm:clrData>
+    <dgm:dataModel>
+      <dgm:ptLst>
+        <dgm:pt modelId="0" type="doc"/>
+        <dgm:pt modelId="1"/>
+        <dgm:pt modelId="11"/>
+        <dgm:pt modelId="2"/>
+        <dgm:pt modelId="21"/>
+        <dgm:pt modelId="3"/>
+        <dgm:pt modelId="31"/>
+        <dgm:pt modelId="4"/>
+        <dgm:pt modelId="41"/>
+      </dgm:ptLst>
+      <dgm:cxnLst>
+        <dgm:cxn modelId="5" srcId="0" destId="1" srcOrd="0" destOrd="0"/>
+        <dgm:cxn modelId="6" srcId="0" destId="2" srcOrd="1" destOrd="0"/>
+        <dgm:cxn modelId="7" srcId="0" destId="3" srcOrd="2" destOrd="0"/>
+        <dgm:cxn modelId="8" srcId="0" destId="4" srcOrd="3" destOrd="0"/>
+        <dgm:cxn modelId="13" srcId="1" destId="11" srcOrd="0" destOrd="0"/>
+        <dgm:cxn modelId="23" srcId="2" destId="21" srcOrd="0" destOrd="0"/>
+        <dgm:cxn modelId="33" srcId="3" destId="31" srcOrd="0" destOrd="0"/>
+        <dgm:cxn modelId="43" srcId="4" destId="41" srcOrd="0" destOrd="0"/>
+      </dgm:cxnLst>
+      <dgm:bg/>
+      <dgm:whole/>
+    </dgm:dataModel>
+  </dgm:clrData>
+  <dgm:layoutNode name="Name0">
+    <dgm:varLst>
+      <dgm:dir/>
+      <dgm:animLvl val="lvl"/>
+      <dgm:resizeHandles val="exact"/>
+    </dgm:varLst>
+    <dgm:choose name="Name1">
+      <dgm:if name="Name2" func="var" arg="dir" op="equ" val="norm">
+        <dgm:alg type="lin">
+          <dgm:param type="linDir" val="fromT"/>
+          <dgm:param type="nodeHorzAlign" val="l"/>
+        </dgm:alg>
+      </dgm:if>
+      <dgm:else name="Name3">
+        <dgm:alg type="lin">
+          <dgm:param type="linDir" val="fromT"/>
+          <dgm:param type="nodeHorzAlign" val="r"/>
+        </dgm:alg>
+      </dgm:else>
+    </dgm:choose>
+    <dgm:shape xmlns:r="http://schemas.openxmlformats.org/officeDocument/2006/relationships" r:blip="">
+      <dgm:adjLst/>
+    </dgm:shape>
+    <dgm:presOf/>
+    <dgm:constrLst>
+      <dgm:constr type="h" for="ch" forName="linNode" refType="h"/>
+      <dgm:constr type="w" for="ch" forName="linNode" refType="w"/>
+      <dgm:constr type="h" for="ch" forName="sp" refType="h" fact="0.06"/>
+      <dgm:constr type="primFontSz" for="des" forName="parentText" op="equ" val="28"/>
+      <dgm:constr type="primFontSz" for="des" forName="descendantText" refType="primFontSz" refFor="des" refForName="parentText" op="lte" fact="0.82"/>
+      <dgm:constr type="primFontSz" for="des" forName="parentText" refType="primFontSz" refFor="des" refForName="descendantText" op="lte" fact="1.25"/>
+    </dgm:constrLst>
+    <dgm:ruleLst/>
+    <dgm:forEach name="Name4" axis="ch" ptType="node">
+      <dgm:layoutNode name="linNode">
+        <dgm:choose name="Name5">
+          <dgm:if name="Name6" func="var" arg="dir" op="equ" val="norm">
+            <dgm:alg type="lin">
+              <dgm:param type="linDir" val="fromL"/>
+            </dgm:alg>
+          </dgm:if>
+          <dgm:else name="Name7">
+            <dgm:alg type="lin">
+              <dgm:param type="linDir" val="fromR"/>
+            </dgm:alg>
+          </dgm:else>
+        </dgm:choose>
+        <dgm:shape xmlns:r="http://schemas.openxmlformats.org/officeDocument/2006/relationships" r:blip="">
+          <dgm:adjLst/>
+        </dgm:shape>
+        <dgm:presOf/>
+        <dgm:constrLst>
+          <dgm:constr type="w" for="ch" forName="parentText" refType="w" fact="0.2"/>
+          <dgm:constr type="w" for="ch" forName="descendantText" refType="w" fact="0.8"/>
+          <dgm:constr type="h" for="ch" forName="parentText" refType="h"/>
+          <dgm:constr type="h" for="ch" forName="descendantText" refType="h" refFor="ch" refForName="parentText"/>
+        </dgm:constrLst>
+        <dgm:ruleLst/>
+        <dgm:layoutNode name="parentText" styleLbl="solidFgAcc1">
+          <dgm:varLst>
+            <dgm:chMax val="1"/>
+            <dgm:bulletEnabled/>
+          </dgm:varLst>
+          <dgm:alg type="tx"/>
+          <dgm:shape xmlns:r="http://schemas.openxmlformats.org/officeDocument/2006/relationships" type="rect" r:blip="" zOrderOff="3">
+            <dgm:adjLst/>
+          </dgm:shape>
+          <dgm:presOf axis="self" ptType="node"/>
+          <dgm:constrLst>
+            <dgm:constr type="tMarg" refType="h" fact="0.28"/>
+            <dgm:constr type="bMarg" refType="h" fact="0.28"/>
+            <dgm:constr type="lMarg" refType="w" fact="0.15"/>
+            <dgm:constr type="rMarg" refType="w" fact="0.15"/>
+          </dgm:constrLst>
+          <dgm:ruleLst>
+            <dgm:rule type="primFontSz" val="15" fact="NaN" max="NaN"/>
+          </dgm:ruleLst>
+        </dgm:layoutNode>
+        <dgm:layoutNode name="descendantText" styleLbl="alignNode1">
+          <dgm:varLst>
+            <dgm:bulletEnabled/>
+          </dgm:varLst>
+          <dgm:alg type="tx">
+            <dgm:param type="stBulletLvl" val="0"/>
+            <dgm:param type="parTxLTRAlign" val="l"/>
+            <dgm:param type="shpTxLTRAlignCh" val="l"/>
+            <dgm:param type="parTxRTLAlign" val="r"/>
+            <dgm:param type="shpTxRTLAlignCh" val="r"/>
+          </dgm:alg>
+          <dgm:choose name="Name10">
+            <dgm:if name="Name11" func="var" arg="dir" op="equ" val="norm">
+              <dgm:shape xmlns:r="http://schemas.openxmlformats.org/officeDocument/2006/relationships" type="rect" r:blip="">
+                <dgm:adjLst/>
+              </dgm:shape>
+            </dgm:if>
+            <dgm:else name="Name12">
+              <dgm:shape xmlns:r="http://schemas.openxmlformats.org/officeDocument/2006/relationships" type="rect" r:blip="">
+                <dgm:adjLst/>
+              </dgm:shape>
+            </dgm:else>
+          </dgm:choose>
+          <dgm:presOf axis="des" ptType="node"/>
+          <dgm:constrLst>
+            <dgm:constr type="primFontSz" val="24"/>
+            <dgm:constr type="lMarg" refType="w" fact="0.055"/>
+            <dgm:constr type="rMarg" refType="w" fact="0.055"/>
+            <dgm:constr type="tMarg" refType="h" fact="0.72"/>
+            <dgm:constr type="bMarg" refType="h" fact="0.72"/>
+          </dgm:constrLst>
+          <dgm:ruleLst>
+            <dgm:rule type="primFontSz" val="11" fact="NaN" max="NaN"/>
+          </dgm:ruleLst>
+        </dgm:layoutNode>
+      </dgm:layoutNode>
+      <dgm:forEach name="Name14" axis="followSib" ptType="sibTrans" cnt="1">
+        <dgm:layoutNode name="sp">
+          <dgm:alg type="sp"/>
+          <dgm:shape xmlns:r="http://schemas.openxmlformats.org/officeDocument/2006/relationships" r:blip="">
+            <dgm:adjLst/>
+          </dgm:shape>
+          <dgm:presOf/>
+          <dgm:constrLst/>
+          <dgm:ruleLst/>
+        </dgm:layoutNode>
+      </dgm:forEach>
+    </dgm:forEach>
+  </dgm:layoutNode>
+</dgm:layoutDef>
+</file>
+
+<file path=ppt/diagrams/quickStyle1.xml><?xml version="1.0" encoding="utf-8"?>
+<dgm:styleDef xmlns:dgm="http://schemas.openxmlformats.org/drawingml/2006/diagram" xmlns:a="http://schemas.openxmlformats.org/drawingml/2006/main" uniqueId="urn:microsoft.com/office/officeart/2005/8/quickstyle/simple1">
+  <dgm:title val=""/>
+  <dgm:desc val=""/>
+  <dgm:catLst>
+    <dgm:cat type="simple" pri="10100"/>
+  </dgm:catLst>
+  <dgm:scene3d>
+    <a:camera prst="orthographicFront"/>
+    <a:lightRig rig="threePt" dir="t"/>
+  </dgm:scene3d>
+  <dgm:styleLbl name="node0">
+    <dgm:scene3d>
+      <a:camera prst="orthographicFront"/>
+      <a:lightRig rig="threePt" dir="t"/>
+    </dgm:scene3d>
+    <dgm:sp3d/>
+    <dgm:txPr/>
+    <dgm:style>
+      <a:lnRef idx="2">
+        <a:scrgbClr r="0" g="0" b="0"/>
+      </a:lnRef>
+      <a:fillRef idx="1">
+        <a:scrgbClr r="0" g="0" b="0"/>
+      </a:fillRef>
+      <a:effectRef idx="0">
+        <a:scrgbClr r="0" g="0" b="0"/>
+      </a:effectRef>
+      <a:fontRef idx="minor">
+        <a:schemeClr val="lt1"/>
+      </a:fontRef>
+    </dgm:style>
+  </dgm:styleLbl>
+  <dgm:styleLbl name="lnNode1">
+    <dgm:scene3d>
+      <a:camera prst="orthographicFront"/>
+      <a:lightRig rig="threePt" dir="t"/>
+    </dgm:scene3d>
+    <dgm:sp3d/>
+    <dgm:txPr/>
+    <dgm:style>
+      <a:lnRef idx="2">
+        <a:scrgbClr r="0" g="0" b="0"/>
+      </a:lnRef>
+      <a:fillRef idx="1">
+        <a:scrgbClr r="0" g="0" b="0"/>
+      </a:fillRef>
+      <a:effectRef idx="0">
+        <a:scrgbClr r="0" g="0" b="0"/>
+      </a:effectRef>
+      <a:fontRef idx="minor">
+        <a:schemeClr val="lt1"/>
+      </a:fontRef>
+    </dgm:style>
+  </dgm:styleLbl>
+  <dgm:styleLbl name="vennNode1">
+    <dgm:scene3d>
+      <a:camera prst="orthographicFront"/>
+      <a:lightRig rig="threePt" dir="t"/>
+    </dgm:scene3d>
+    <dgm:sp3d/>
+    <dgm:txPr/>
+    <dgm:style>
+      <a:lnRef idx="2">
+        <a:scrgbClr r="0" g="0" b="0"/>
+      </a:lnRef>
+      <a:fillRef idx="1">
+        <a:scrgbClr r="0" g="0" b="0"/>
+      </a:fillRef>
+      <a:effectRef idx="0">
+        <a:scrgbClr r="0" g="0" b="0"/>
+      </a:effectRef>
+      <a:fontRef idx="minor">
+        <a:schemeClr val="tx1"/>
+      </a:fontRef>
+    </dgm:style>
+  </dgm:styleLbl>
+  <dgm:styleLbl name="alignNode1">
+    <dgm:scene3d>
+      <a:camera prst="orthographicFront"/>
+      <a:lightRig rig="threePt" dir="t"/>
+    </dgm:scene3d>
+    <dgm:sp3d/>
+    <dgm:txPr/>
+    <dgm:style>
+      <a:lnRef idx="2">
+        <a:scrgbClr r="0" g="0" b="0"/>
+      </a:lnRef>
+      <a:fillRef idx="1">
+        <a:scrgbClr r="0" g="0" b="0"/>
+      </a:fillRef>
+      <a:effectRef idx="0">
+        <a:scrgbClr r="0" g="0" b="0"/>
+      </a:effectRef>
+      <a:fontRef idx="minor">
+        <a:schemeClr val="lt1"/>
+      </a:fontRef>
+    </dgm:style>
+  </dgm:styleLbl>
+  <dgm:styleLbl name="node1">
+    <dgm:scene3d>
+      <a:camera prst="orthographicFront"/>
+      <a:lightRig rig="threePt" dir="t"/>
+    </dgm:scene3d>
+    <dgm:sp3d/>
+    <dgm:txPr/>
+    <dgm:style>
+      <a:lnRef idx="2">
+        <a:scrgbClr r="0" g="0" b="0"/>
+      </a:lnRef>
+      <a:fillRef idx="1">
+        <a:scrgbClr r="0" g="0" b="0"/>
+      </a:fillRef>
+      <a:effectRef idx="0">
+        <a:scrgbClr r="0" g="0" b="0"/>
+      </a:effectRef>
+      <a:fontRef idx="minor">
+        <a:schemeClr val="lt1"/>
+      </a:fontRef>
+    </dgm:style>
+  </dgm:styleLbl>
+  <dgm:styleLbl name="node2">
+    <dgm:scene3d>
+      <a:camera prst="orthographicFront"/>
+      <a:lightRig rig="threePt" dir="t"/>
+    </dgm:scene3d>
+    <dgm:sp3d/>
+    <dgm:txPr/>
+    <dgm:style>
+      <a:lnRef idx="2">
+        <a:scrgbClr r="0" g="0" b="0"/>
+      </a:lnRef>
+      <a:fillRef idx="1">
+        <a:scrgbClr r="0" g="0" b="0"/>
+      </a:fillRef>
+      <a:effectRef idx="0">
+        <a:scrgbClr r="0" g="0" b="0"/>
+      </a:effectRef>
+      <a:fontRef idx="minor">
+        <a:schemeClr val="lt1"/>
+      </a:fontRef>
+    </dgm:style>
+  </dgm:styleLbl>
+  <dgm:styleLbl name="node3">
+    <dgm:scene3d>
+      <a:camera prst="orthographicFront"/>
+      <a:lightRig rig="threePt" dir="t"/>
+    </dgm:scene3d>
+    <dgm:sp3d/>
+    <dgm:txPr/>
+    <dgm:style>
+      <a:lnRef idx="2">
+        <a:scrgbClr r="0" g="0" b="0"/>
+      </a:lnRef>
+      <a:fillRef idx="1">
+        <a:scrgbClr r="0" g="0" b="0"/>
+      </a:fillRef>
+      <a:effectRef idx="0">
+        <a:scrgbClr r="0" g="0" b="0"/>
+      </a:effectRef>
+      <a:fontRef idx="minor">
+        <a:schemeClr val="lt1"/>
+      </a:fontRef>
+    </dgm:style>
+  </dgm:styleLbl>
+  <dgm:styleLbl name="node4">
+    <dgm:scene3d>
+      <a:camera prst="orthographicFront"/>
+      <a:lightRig rig="threePt" dir="t"/>
+    </dgm:scene3d>
+    <dgm:sp3d/>
+    <dgm:txPr/>
+    <dgm:style>
+      <a:lnRef idx="2">
+        <a:scrgbClr r="0" g="0" b="0"/>
+      </a:lnRef>
+      <a:fillRef idx="1">
+        <a:scrgbClr r="0" g="0" b="0"/>
+      </a:fillRef>
+      <a:effectRef idx="0">
+        <a:scrgbClr r="0" g="0" b="0"/>
+      </a:effectRef>
+      <a:fontRef idx="minor">
+        <a:schemeClr val="lt1"/>
+      </a:fontRef>
+    </dgm:style>
+  </dgm:styleLbl>
+  <dgm:styleLbl name="fgImgPlace1">
+    <dgm:scene3d>
+      <a:camera prst="orthographicFront"/>
+      <a:lightRig rig="threePt" dir="t"/>
+    </dgm:scene3d>
+    <dgm:sp3d/>
+    <dgm:txPr/>
+    <dgm:style>
+      <a:lnRef idx="2">
+        <a:scrgbClr r="0" g="0" b="0"/>
+      </a:lnRef>
+      <a:fillRef idx="1">
+        <a:scrgbClr r="0" g="0" b="0"/>
+      </a:fillRef>
+      <a:effectRef idx="0">
+        <a:scrgbClr r="0" g="0" b="0"/>
+      </a:effectRef>
+      <a:fontRef idx="minor"/>
+    </dgm:style>
+  </dgm:styleLbl>
+  <dgm:styleLbl name="alignImgPlace1">
+    <dgm:scene3d>
+      <a:camera prst="orthographicFront"/>
+      <a:lightRig rig="threePt" dir="t"/>
+    </dgm:scene3d>
+    <dgm:sp3d/>
+    <dgm:txPr/>
+    <dgm:style>
+      <a:lnRef idx="2">
+        <a:scrgbClr r="0" g="0" b="0"/>
+      </a:lnRef>
+      <a:fillRef idx="1">
+        <a:scrgbClr r="0" g="0" b="0"/>
+      </a:fillRef>
+      <a:effectRef idx="0">
+        <a:scrgbClr r="0" g="0" b="0"/>
+      </a:effectRef>
+      <a:fontRef idx="minor"/>
+    </dgm:style>
+  </dgm:styleLbl>
+  <dgm:styleLbl name="bgImgPlace1">
+    <dgm:scene3d>
+      <a:camera prst="orthographicFront"/>
+      <a:lightRig rig="threePt" dir="t"/>
+    </dgm:scene3d>
+    <dgm:sp3d/>
+    <dgm:txPr/>
+    <dgm:style>
+      <a:lnRef idx="2">
+        <a:scrgbClr r="0" g="0" b="0"/>
+      </a:lnRef>
+      <a:fillRef idx="1">
+        <a:scrgbClr r="0" g="0" b="0"/>
+      </a:fillRef>
+      <a:effectRef idx="0">
+        <a:scrgbClr r="0" g="0" b="0"/>
+      </a:effectRef>
+      <a:fontRef idx="minor"/>
+    </dgm:style>
+  </dgm:styleLbl>
+  <dgm:styleLbl name="sibTrans2D1">
+    <dgm:scene3d>
+      <a:camera prst="orthographicFront"/>
+      <a:lightRig rig="threePt" dir="t"/>
+    </dgm:scene3d>
+    <dgm:sp3d/>
+    <dgm:txPr/>
+    <dgm:style>
+      <a:lnRef idx="0">
+        <a:scrgbClr r="0" g="0" b="0"/>
+      </a:lnRef>
+      <a:fillRef idx="1">
+        <a:scrgbClr r="0" g="0" b="0"/>
+      </a:fillRef>
+      <a:effectRef idx="0">
+        <a:scrgbClr r="0" g="0" b="0"/>
+      </a:effectRef>
+      <a:fontRef idx="minor">
+        <a:schemeClr val="lt1"/>
+      </a:fontRef>
+    </dgm:style>
+  </dgm:styleLbl>
+  <dgm:styleLbl name="fgSibTrans2D1">
+    <dgm:scene3d>
+      <a:camera prst="orthographicFront"/>
+      <a:lightRig rig="threePt" dir="t"/>
+    </dgm:scene3d>
+    <dgm:sp3d/>
+    <dgm:txPr/>
+    <dgm:style>
+      <a:lnRef idx="0">
+        <a:scrgbClr r="0" g="0" b="0"/>
+      </a:lnRef>
+      <a:fillRef idx="1">
+        <a:scrgbClr r="0" g="0" b="0"/>
+      </a:fillRef>
+      <a:effectRef idx="0">
+        <a:scrgbClr r="0" g="0" b="0"/>
+      </a:effectRef>
+      <a:fontRef idx="minor">
+        <a:schemeClr val="lt1"/>
+      </a:fontRef>
+    </dgm:style>
+  </dgm:styleLbl>
+  <dgm:styleLbl name="bgSibTrans2D1">
+    <dgm:scene3d>
+      <a:camera prst="orthographicFront"/>
+      <a:lightRig rig="threePt" dir="t"/>
+    </dgm:scene3d>
+    <dgm:sp3d/>
+    <dgm:txPr/>
+    <dgm:style>
+      <a:lnRef idx="0">
+        <a:scrgbClr r="0" g="0" b="0"/>
+      </a:lnRef>
+      <a:fillRef idx="1">
+        <a:scrgbClr r="0" g="0" b="0"/>
+      </a:fillRef>
+      <a:effectRef idx="0">
+        <a:scrgbClr r="0" g="0" b="0"/>
+      </a:effectRef>
+      <a:fontRef idx="minor">
+        <a:schemeClr val="lt1"/>
+      </a:fontRef>
+    </dgm:style>
+  </dgm:styleLbl>
+  <dgm:styleLbl name="sibTrans1D1">
+    <dgm:scene3d>
+      <a:camera prst="orthographicFront"/>
+      <a:lightRig rig="threePt" dir="t"/>
+    </dgm:scene3d>
+    <dgm:sp3d/>
+    <dgm:txPr/>
+    <dgm:style>
+      <a:lnRef idx="1">
+        <a:scrgbClr r="0" g="0" b="0"/>
+      </a:lnRef>
+      <a:fillRef idx="0">
+        <a:scrgbClr r="0" g="0" b="0"/>
+      </a:fillRef>
+      <a:effectRef idx="0">
+        <a:scrgbClr r="0" g="0" b="0"/>
+      </a:effectRef>
+      <a:fontRef idx="minor"/>
+    </dgm:style>
+  </dgm:styleLbl>
+  <dgm:styleLbl name="callout">
+    <dgm:scene3d>
+      <a:camera prst="orthographicFront"/>
+      <a:lightRig rig="threePt" dir="t"/>
+    </dgm:scene3d>
+    <dgm:sp3d/>
+    <dgm:txPr/>
+    <dgm:style>
+      <a:lnRef idx="2">
+        <a:scrgbClr r="0" g="0" b="0"/>
+      </a:lnRef>
+      <a:fillRef idx="1">
+        <a:scrgbClr r="0" g="0" b="0"/>
+      </a:fillRef>
+      <a:effectRef idx="0">
+        <a:scrgbClr r="0" g="0" b="0"/>
+      </a:effectRef>
+      <a:fontRef idx="minor"/>
+    </dgm:style>
+  </dgm:styleLbl>
+  <dgm:styleLbl name="asst0">
+    <dgm:scene3d>
+      <a:camera prst="orthographicFront"/>
+      <a:lightRig rig="threePt" dir="t"/>
+    </dgm:scene3d>
+    <dgm:sp3d/>
+    <dgm:txPr/>
+    <dgm:style>
+      <a:lnRef idx="2">
+        <a:scrgbClr r="0" g="0" b="0"/>
+      </a:lnRef>
+      <a:fillRef idx="1">
+        <a:scrgbClr r="0" g="0" b="0"/>
+      </a:fillRef>
+      <a:effectRef idx="0">
+        <a:scrgbClr r="0" g="0" b="0"/>
+      </a:effectRef>
+      <a:fontRef idx="minor">
+        <a:schemeClr val="lt1"/>
+      </a:fontRef>
+    </dgm:style>
+  </dgm:styleLbl>
+  <dgm:styleLbl name="asst1">
+    <dgm:scene3d>
+      <a:camera prst="orthographicFront"/>
+      <a:lightRig rig="threePt" dir="t"/>
+    </dgm:scene3d>
+    <dgm:sp3d/>
+    <dgm:txPr/>
+    <dgm:style>
+      <a:lnRef idx="2">
+        <a:scrgbClr r="0" g="0" b="0"/>
+      </a:lnRef>
+      <a:fillRef idx="1">
+        <a:scrgbClr r="0" g="0" b="0"/>
+      </a:fillRef>
+      <a:effectRef idx="0">
+        <a:scrgbClr r="0" g="0" b="0"/>
+      </a:effectRef>
+      <a:fontRef idx="minor">
+        <a:schemeClr val="lt1"/>
+      </a:fontRef>
+    </dgm:style>
+  </dgm:styleLbl>
+  <dgm:styleLbl name="asst2">
+    <dgm:scene3d>
+      <a:camera prst="orthographicFront"/>
+      <a:lightRig rig="threePt" dir="t"/>
+    </dgm:scene3d>
+    <dgm:sp3d/>
+    <dgm:txPr/>
+    <dgm:style>
+      <a:lnRef idx="2">
+        <a:scrgbClr r="0" g="0" b="0"/>
+      </a:lnRef>
+      <a:fillRef idx="1">
+        <a:scrgbClr r="0" g="0" b="0"/>
+      </a:fillRef>
+      <a:effectRef idx="0">
+        <a:scrgbClr r="0" g="0" b="0"/>
+      </a:effectRef>
+      <a:fontRef idx="minor">
+        <a:schemeClr val="lt1"/>
+      </a:fontRef>
+    </dgm:style>
+  </dgm:styleLbl>
+  <dgm:styleLbl name="asst3">
+    <dgm:scene3d>
+      <a:camera prst="orthographicFront"/>
+      <a:lightRig rig="threePt" dir="t"/>
+    </dgm:scene3d>
+    <dgm:sp3d/>
+    <dgm:txPr/>
+    <dgm:style>
+      <a:lnRef idx="2">
+        <a:scrgbClr r="0" g="0" b="0"/>
+      </a:lnRef>
+      <a:fillRef idx="1">
+        <a:scrgbClr r="0" g="0" b="0"/>
+      </a:fillRef>
+      <a:effectRef idx="0">
+        <a:scrgbClr r="0" g="0" b="0"/>
+      </a:effectRef>
+      <a:fontRef idx="minor">
+        <a:schemeClr val="lt1"/>
+      </a:fontRef>
+    </dgm:style>
+  </dgm:styleLbl>
+  <dgm:styleLbl name="asst4">
+    <dgm:scene3d>
+      <a:camera prst="orthographicFront"/>
+      <a:lightRig rig="threePt" dir="t"/>
+    </dgm:scene3d>
+    <dgm:sp3d/>
+    <dgm:txPr/>
+    <dgm:style>
+      <a:lnRef idx="2">
+        <a:scrgbClr r="0" g="0" b="0"/>
+      </a:lnRef>
+      <a:fillRef idx="1">
+        <a:scrgbClr r="0" g="0" b="0"/>
+      </a:fillRef>
+      <a:effectRef idx="0">
+        <a:scrgbClr r="0" g="0" b="0"/>
+      </a:effectRef>
+      <a:fontRef idx="minor">
+        <a:schemeClr val="lt1"/>
+      </a:fontRef>
+    </dgm:style>
+  </dgm:styleLbl>
+  <dgm:styleLbl name="parChTrans2D1">
+    <dgm:scene3d>
+      <a:camera prst="orthographicFront"/>
+      <a:lightRig rig="threePt" dir="t"/>
+    </dgm:scene3d>
+    <dgm:sp3d/>
+    <dgm:txPr/>
+    <dgm:style>
+      <a:lnRef idx="2">
+        <a:scrgbClr r="0" g="0" b="0"/>
+      </a:lnRef>
+      <a:fillRef idx="1">
+        <a:scrgbClr r="0" g="0" b="0"/>
+      </a:fillRef>
+      <a:effectRef idx="0">
+        <a:scrgbClr r="0" g="0" b="0"/>
+      </a:effectRef>
+      <a:fontRef idx="minor">
+        <a:schemeClr val="lt1"/>
+      </a:fontRef>
+    </dgm:style>
+  </dgm:styleLbl>
+  <dgm:styleLbl name="parChTrans2D2">
+    <dgm:scene3d>
+      <a:camera prst="orthographicFront"/>
+      <a:lightRig rig="threePt" dir="t"/>
+    </dgm:scene3d>
+    <dgm:sp3d/>
+    <dgm:txPr/>
+    <dgm:style>
+      <a:lnRef idx="2">
+        <a:scrgbClr r="0" g="0" b="0"/>
+      </a:lnRef>
+      <a:fillRef idx="1">
+        <a:scrgbClr r="0" g="0" b="0"/>
+      </a:fillRef>
+      <a:effectRef idx="0">
+        <a:scrgbClr r="0" g="0" b="0"/>
+      </a:effectRef>
+      <a:fontRef idx="minor">
+        <a:schemeClr val="lt1"/>
+      </a:fontRef>
+    </dgm:style>
+  </dgm:styleLbl>
+  <dgm:styleLbl name="parChTrans2D3">
+    <dgm:scene3d>
+      <a:camera prst="orthographicFront"/>
+      <a:lightRig rig="threePt" dir="t"/>
+    </dgm:scene3d>
+    <dgm:sp3d/>
+    <dgm:txPr/>
+    <dgm:style>
+      <a:lnRef idx="2">
+        <a:scrgbClr r="0" g="0" b="0"/>
+      </a:lnRef>
+      <a:fillRef idx="1">
+        <a:scrgbClr r="0" g="0" b="0"/>
+      </a:fillRef>
+      <a:effectRef idx="0">
+        <a:scrgbClr r="0" g="0" b="0"/>
+      </a:effectRef>
+      <a:fontRef idx="minor">
+        <a:schemeClr val="lt1"/>
+      </a:fontRef>
+    </dgm:style>
+  </dgm:styleLbl>
+  <dgm:styleLbl name="parChTrans2D4">
+    <dgm:scene3d>
+      <a:camera prst="orthographicFront"/>
+      <a:lightRig rig="threePt" dir="t"/>
+    </dgm:scene3d>
+    <dgm:sp3d/>
+    <dgm:txPr/>
+    <dgm:style>
+      <a:lnRef idx="2">
+        <a:scrgbClr r="0" g="0" b="0"/>
+      </a:lnRef>
+      <a:fillRef idx="1">
+        <a:scrgbClr r="0" g="0" b="0"/>
+      </a:fillRef>
+      <a:effectRef idx="0">
+        <a:scrgbClr r="0" g="0" b="0"/>
+      </a:effectRef>
+      <a:fontRef idx="minor">
+        <a:schemeClr val="lt1"/>
+      </a:fontRef>
+    </dgm:style>
+  </dgm:styleLbl>
+  <dgm:styleLbl name="parChTrans1D1">
+    <dgm:scene3d>
+      <a:camera prst="orthographicFront"/>
+      <a:lightRig rig="threePt" dir="t"/>
+    </dgm:scene3d>
+    <dgm:sp3d/>
+    <dgm:txPr/>
+    <dgm:style>
+      <a:lnRef idx="2">
+        <a:scrgbClr r="0" g="0" b="0"/>
+      </a:lnRef>
+      <a:fillRef idx="0">
+        <a:scrgbClr r="0" g="0" b="0"/>
+      </a:fillRef>
+      <a:effectRef idx="0">
+        <a:scrgbClr r="0" g="0" b="0"/>
+      </a:effectRef>
+      <a:fontRef idx="minor"/>
+    </dgm:style>
+  </dgm:styleLbl>
+  <dgm:styleLbl name="parChTrans1D2">
+    <dgm:scene3d>
+      <a:camera prst="orthographicFront"/>
+      <a:lightRig rig="threePt" dir="t"/>
+    </dgm:scene3d>
+    <dgm:sp3d/>
+    <dgm:txPr/>
+    <dgm:style>
+      <a:lnRef idx="2">
+        <a:scrgbClr r="0" g="0" b="0"/>
+      </a:lnRef>
+      <a:fillRef idx="0">
+        <a:scrgbClr r="0" g="0" b="0"/>
+      </a:fillRef>
+      <a:effectRef idx="0">
+        <a:scrgbClr r="0" g="0" b="0"/>
+      </a:effectRef>
+      <a:fontRef idx="minor"/>
+    </dgm:style>
+  </dgm:styleLbl>
+  <dgm:styleLbl name="parChTrans1D3">
+    <dgm:scene3d>
+      <a:camera prst="orthographicFront"/>
+      <a:lightRig rig="threePt" dir="t"/>
+    </dgm:scene3d>
+    <dgm:sp3d/>
+    <dgm:txPr/>
+    <dgm:style>
+      <a:lnRef idx="2">
+        <a:scrgbClr r="0" g="0" b="0"/>
+      </a:lnRef>
+      <a:fillRef idx="0">
+        <a:scrgbClr r="0" g="0" b="0"/>
+      </a:fillRef>
+      <a:effectRef idx="0">
+        <a:scrgbClr r="0" g="0" b="0"/>
+      </a:effectRef>
+      <a:fontRef idx="minor"/>
+    </dgm:style>
+  </dgm:styleLbl>
+  <dgm:styleLbl name="parChTrans1D4">
+    <dgm:scene3d>
+      <a:camera prst="orthographicFront"/>
+      <a:lightRig rig="threePt" dir="t"/>
+    </dgm:scene3d>
+    <dgm:sp3d/>
+    <dgm:txPr/>
+    <dgm:style>
+      <a:lnRef idx="2">
+        <a:scrgbClr r="0" g="0" b="0"/>
+      </a:lnRef>
+      <a:fillRef idx="0">
+        <a:scrgbClr r="0" g="0" b="0"/>
+      </a:fillRef>
+      <a:effectRef idx="0">
+        <a:scrgbClr r="0" g="0" b="0"/>
+      </a:effectRef>
+      <a:fontRef idx="minor"/>
+    </dgm:style>
+  </dgm:styleLbl>
+  <dgm:styleLbl name="fgAcc1">
+    <dgm:scene3d>
+      <a:camera prst="orthographicFront"/>
+      <a:lightRig rig="threePt" dir="t"/>
+    </dgm:scene3d>
+    <dgm:sp3d/>
+    <dgm:txPr/>
+    <dgm:style>
+      <a:lnRef idx="2">
+        <a:scrgbClr r="0" g="0" b="0"/>
+      </a:lnRef>
+      <a:fillRef idx="1">
+        <a:scrgbClr r="0" g="0" b="0"/>
+      </a:fillRef>
+      <a:effectRef idx="0">
+        <a:scrgbClr r="0" g="0" b="0"/>
+      </a:effectRef>
+      <a:fontRef idx="minor"/>
+    </dgm:style>
+  </dgm:styleLbl>
+  <dgm:styleLbl name="conFgAcc1">
+    <dgm:scene3d>
+      <a:camera prst="orthographicFront"/>
+      <a:lightRig rig="threePt" dir="t"/>
+    </dgm:scene3d>
+    <dgm:sp3d/>
+    <dgm:txPr/>
+    <dgm:style>
+      <a:lnRef idx="2">
+        <a:scrgbClr r="0" g="0" b="0"/>
+      </a:lnRef>
+      <a:fillRef idx="1">
+        <a:scrgbClr r="0" g="0" b="0"/>
+      </a:fillRef>
+      <a:effectRef idx="0">
+        <a:scrgbClr r="0" g="0" b="0"/>
+      </a:effectRef>
+      <a:fontRef idx="minor"/>
+    </dgm:style>
+  </dgm:styleLbl>
+  <dgm:styleLbl name="alignAcc1">
+    <dgm:scene3d>
+      <a:camera prst="orthographicFront"/>
+      <a:lightRig rig="threePt" dir="t"/>
+    </dgm:scene3d>
+    <dgm:sp3d/>
+    <dgm:txPr/>
+    <dgm:style>
+      <a:lnRef idx="2">
+        <a:scrgbClr r="0" g="0" b="0"/>
+      </a:lnRef>
+      <a:fillRef idx="1">
+        <a:scrgbClr r="0" g="0" b="0"/>
+      </a:fillRef>
+      <a:effectRef idx="0">
+        <a:scrgbClr r="0" g="0" b="0"/>
+      </a:effectRef>
+      <a:fontRef idx="minor"/>
+    </dgm:style>
+  </dgm:styleLbl>
+  <dgm:styleLbl name="trAlignAcc1">
+    <dgm:scene3d>
+      <a:camera prst="orthographicFront"/>
+      <a:lightRig rig="threePt" dir="t"/>
+    </dgm:scene3d>
+    <dgm:sp3d/>
+    <dgm:txPr/>
+    <dgm:style>
+      <a:lnRef idx="1">
+        <a:scrgbClr r="0" g="0" b="0"/>
+      </a:lnRef>
+      <a:fillRef idx="1">
+        <a:scrgbClr r="0" g="0" b="0"/>
+      </a:fillRef>
+      <a:effectRef idx="0">
+        <a:scrgbClr r="0" g="0" b="0"/>
+      </a:effectRef>
+      <a:fontRef idx="minor"/>
+    </dgm:style>
+  </dgm:styleLbl>
+  <dgm:styleLbl name="bgAcc1">
+    <dgm:scene3d>
+      <a:camera prst="orthographicFront"/>
+      <a:lightRig rig="threePt" dir="t"/>
+    </dgm:scene3d>
+    <dgm:sp3d/>
+    <dgm:txPr/>
+    <dgm:style>
+      <a:lnRef idx="2">
+        <a:scrgbClr r="0" g="0" b="0"/>
+      </a:lnRef>
+      <a:fillRef idx="1">
+        <a:scrgbClr r="0" g="0" b="0"/>
+      </a:fillRef>
+      <a:effectRef idx="0">
+        <a:scrgbClr r="0" g="0" b="0"/>
+      </a:effectRef>
+      <a:fontRef idx="minor"/>
+    </dgm:style>
+  </dgm:styleLbl>
+  <dgm:styleLbl name="solidFgAcc1">
+    <dgm:scene3d>
+      <a:camera prst="orthographicFront"/>
+      <a:lightRig rig="threePt" dir="t"/>
+    </dgm:scene3d>
+    <dgm:sp3d/>
+    <dgm:txPr/>
+    <dgm:style>
+      <a:lnRef idx="2">
+        <a:scrgbClr r="0" g="0" b="0"/>
+      </a:lnRef>
+      <a:fillRef idx="1">
+        <a:scrgbClr r="0" g="0" b="0"/>
+      </a:fillRef>
+      <a:effectRef idx="0">
+        <a:scrgbClr r="0" g="0" b="0"/>
+      </a:effectRef>
+      <a:fontRef idx="minor"/>
+    </dgm:style>
+  </dgm:styleLbl>
+  <dgm:styleLbl name="solidAlignAcc1">
+    <dgm:scene3d>
+      <a:camera prst="orthographicFront"/>
+      <a:lightRig rig="threePt" dir="t"/>
+    </dgm:scene3d>
+    <dgm:sp3d/>
+    <dgm:txPr/>
+    <dgm:style>
+      <a:lnRef idx="2">
+        <a:scrgbClr r="0" g="0" b="0"/>
+      </a:lnRef>
+      <a:fillRef idx="1">
+        <a:scrgbClr r="0" g="0" b="0"/>
+      </a:fillRef>
+      <a:effectRef idx="0">
+        <a:scrgbClr r="0" g="0" b="0"/>
+      </a:effectRef>
+      <a:fontRef idx="minor"/>
+    </dgm:style>
+  </dgm:styleLbl>
+  <dgm:styleLbl name="solidBgAcc1">
+    <dgm:scene3d>
+      <a:camera prst="orthographicFront"/>
+      <a:lightRig rig="threePt" dir="t"/>
+    </dgm:scene3d>
+    <dgm:sp3d/>
+    <dgm:txPr/>
+    <dgm:style>
+      <a:lnRef idx="2">
+        <a:scrgbClr r="0" g="0" b="0"/>
+      </a:lnRef>
+      <a:fillRef idx="1">
+        <a:scrgbClr r="0" g="0" b="0"/>
+      </a:fillRef>
+      <a:effectRef idx="0">
+        <a:scrgbClr r="0" g="0" b="0"/>
+      </a:effectRef>
+      <a:fontRef idx="minor"/>
+    </dgm:style>
+  </dgm:styleLbl>
+  <dgm:styleLbl name="fgAccFollowNode1">
+    <dgm:scene3d>
+      <a:camera prst="orthographicFront"/>
+      <a:lightRig rig="threePt" dir="t"/>
+    </dgm:scene3d>
+    <dgm:sp3d/>
+    <dgm:txPr/>
+    <dgm:style>
+      <a:lnRef idx="2">
+        <a:scrgbClr r="0" g="0" b="0"/>
+      </a:lnRef>
+      <a:fillRef idx="1">
+        <a:scrgbClr r="0" g="0" b="0"/>
+      </a:fillRef>
+      <a:effectRef idx="0">
+        <a:scrgbClr r="0" g="0" b="0"/>
+      </a:effectRef>
+      <a:fontRef idx="minor"/>
+    </dgm:style>
+  </dgm:styleLbl>
+  <dgm:styleLbl name="alignAccFollowNode1">
+    <dgm:scene3d>
+      <a:camera prst="orthographicFront"/>
+      <a:lightRig rig="threePt" dir="t"/>
+    </dgm:scene3d>
+    <dgm:sp3d/>
+    <dgm:txPr/>
+    <dgm:style>
+      <a:lnRef idx="2">
+        <a:scrgbClr r="0" g="0" b="0"/>
+      </a:lnRef>
+      <a:fillRef idx="1">
+        <a:scrgbClr r="0" g="0" b="0"/>
+      </a:fillRef>
+      <a:effectRef idx="0">
+        <a:scrgbClr r="0" g="0" b="0"/>
+      </a:effectRef>
+      <a:fontRef idx="minor"/>
+    </dgm:style>
+  </dgm:styleLbl>
+  <dgm:styleLbl name="bgAccFollowNode1">
+    <dgm:scene3d>
+      <a:camera prst="orthographicFront"/>
+      <a:lightRig rig="threePt" dir="t"/>
+    </dgm:scene3d>
+    <dgm:sp3d/>
+    <dgm:txPr/>
+    <dgm:style>
+      <a:lnRef idx="2">
+        <a:scrgbClr r="0" g="0" b="0"/>
+      </a:lnRef>
+      <a:fillRef idx="1">
+        <a:scrgbClr r="0" g="0" b="0"/>
+      </a:fillRef>
+      <a:effectRef idx="0">
+        <a:scrgbClr r="0" g="0" b="0"/>
+      </a:effectRef>
+      <a:fontRef idx="minor"/>
+    </dgm:style>
+  </dgm:styleLbl>
+  <dgm:styleLbl name="fgAcc0">
+    <dgm:scene3d>
+      <a:camera prst="orthographicFront"/>
+      <a:lightRig rig="threePt" dir="t"/>
+    </dgm:scene3d>
+    <dgm:sp3d/>
+    <dgm:txPr/>
+    <dgm:style>
+      <a:lnRef idx="2">
+        <a:scrgbClr r="0" g="0" b="0"/>
+      </a:lnRef>
+      <a:fillRef idx="1">
+        <a:scrgbClr r="0" g="0" b="0"/>
+      </a:fillRef>
+      <a:effectRef idx="0">
+        <a:scrgbClr r="0" g="0" b="0"/>
+      </a:effectRef>
+      <a:fontRef idx="minor"/>
+    </dgm:style>
+  </dgm:styleLbl>
+  <dgm:styleLbl name="fgAcc2">
+    <dgm:scene3d>
+      <a:camera prst="orthographicFront"/>
+      <a:lightRig rig="threePt" dir="t"/>
+    </dgm:scene3d>
+    <dgm:sp3d/>
+    <dgm:txPr/>
+    <dgm:style>
+      <a:lnRef idx="2">
+        <a:scrgbClr r="0" g="0" b="0"/>
+      </a:lnRef>
+      <a:fillRef idx="1">
+        <a:scrgbClr r="0" g="0" b="0"/>
+      </a:fillRef>
+      <a:effectRef idx="0">
+        <a:scrgbClr r="0" g="0" b="0"/>
+      </a:effectRef>
+      <a:fontRef idx="minor"/>
+    </dgm:style>
+  </dgm:styleLbl>
+  <dgm:styleLbl name="fgAcc3">
+    <dgm:scene3d>
+      <a:camera prst="orthographicFront"/>
+      <a:lightRig rig="threePt" dir="t"/>
+    </dgm:scene3d>
+    <dgm:sp3d/>
+    <dgm:txPr/>
+    <dgm:style>
+      <a:lnRef idx="2">
+        <a:scrgbClr r="0" g="0" b="0"/>
+      </a:lnRef>
+      <a:fillRef idx="1">
+        <a:scrgbClr r="0" g="0" b="0"/>
+      </a:fillRef>
+      <a:effectRef idx="0">
+        <a:scrgbClr r="0" g="0" b="0"/>
+      </a:effectRef>
+      <a:fontRef idx="minor"/>
+    </dgm:style>
+  </dgm:styleLbl>
+  <dgm:styleLbl name="fgAcc4">
+    <dgm:scene3d>
+      <a:camera prst="orthographicFront"/>
+      <a:lightRig rig="threePt" dir="t"/>
+    </dgm:scene3d>
+    <dgm:sp3d/>
+    <dgm:txPr/>
+    <dgm:style>
+      <a:lnRef idx="2">
+        <a:scrgbClr r="0" g="0" b="0"/>
+      </a:lnRef>
+      <a:fillRef idx="1">
+        <a:scrgbClr r="0" g="0" b="0"/>
+      </a:fillRef>
+      <a:effectRef idx="0">
+        <a:scrgbClr r="0" g="0" b="0"/>
+      </a:effectRef>
+      <a:fontRef idx="minor"/>
+    </dgm:style>
+  </dgm:styleLbl>
+  <dgm:styleLbl name="bgShp">
+    <dgm:scene3d>
+      <a:camera prst="orthographicFront"/>
+      <a:lightRig rig="threePt" dir="t"/>
+    </dgm:scene3d>
+    <dgm:sp3d/>
+    <dgm:txPr/>
+    <dgm:style>
+      <a:lnRef idx="0">
+        <a:scrgbClr r="0" g="0" b="0"/>
+      </a:lnRef>
+      <a:fillRef idx="1">
+        <a:scrgbClr r="0" g="0" b="0"/>
+      </a:fillRef>
+      <a:effectRef idx="0">
+        <a:scrgbClr r="0" g="0" b="0"/>
+      </a:effectRef>
+      <a:fontRef idx="minor"/>
+    </dgm:style>
+  </dgm:styleLbl>
+  <dgm:styleLbl name="dkBgShp">
+    <dgm:scene3d>
+      <a:camera prst="orthographicFront"/>
+      <a:lightRig rig="threePt" dir="t"/>
+    </dgm:scene3d>
+    <dgm:sp3d/>
+    <dgm:txPr/>
+    <dgm:style>
+      <a:lnRef idx="0">
+        <a:scrgbClr r="0" g="0" b="0"/>
+      </a:lnRef>
+      <a:fillRef idx="1">
+        <a:scrgbClr r="0" g="0" b="0"/>
+      </a:fillRef>
+      <a:effectRef idx="0">
+        <a:scrgbClr r="0" g="0" b="0"/>
+      </a:effectRef>
+      <a:fontRef idx="minor"/>
+    </dgm:style>
+  </dgm:styleLbl>
+  <dgm:styleLbl name="trBgShp">
+    <dgm:scene3d>
+      <a:camera prst="orthographicFront"/>
+      <a:lightRig rig="threePt" dir="t"/>
+    </dgm:scene3d>
+    <dgm:sp3d/>
+    <dgm:txPr/>
+    <dgm:style>
+      <a:lnRef idx="0">
+        <a:scrgbClr r="0" g="0" b="0"/>
+      </a:lnRef>
+      <a:fillRef idx="1">
+        <a:scrgbClr r="0" g="0" b="0"/>
+      </a:fillRef>
+      <a:effectRef idx="0">
+        <a:scrgbClr r="0" g="0" b="0"/>
+      </a:effectRef>
+      <a:fontRef idx="minor"/>
+    </dgm:style>
+  </dgm:styleLbl>
+  <dgm:styleLbl name="fgShp">
+    <dgm:scene3d>
+      <a:camera prst="orthographicFront"/>
+      <a:lightRig rig="threePt" dir="t"/>
+    </dgm:scene3d>
+    <dgm:sp3d/>
+    <dgm:txPr/>
+    <dgm:style>
+      <a:lnRef idx="2">
+        <a:scrgbClr r="0" g="0" b="0"/>
+      </a:lnRef>
+      <a:fillRef idx="1">
+        <a:scrgbClr r="0" g="0" b="0"/>
+      </a:fillRef>
+      <a:effectRef idx="0">
+        <a:scrgbClr r="0" g="0" b="0"/>
+      </a:effectRef>
+      <a:fontRef idx="minor"/>
+    </dgm:style>
+  </dgm:styleLbl>
+  <dgm:styleLbl name="revTx">
+    <dgm:scene3d>
+      <a:camera prst="orthographicFront"/>
+      <a:lightRig rig="threePt" dir="t"/>
+    </dgm:scene3d>
+    <dgm:sp3d/>
+    <dgm:txPr/>
+    <dgm:style>
+      <a:lnRef idx="0">
+        <a:scrgbClr r="0" g="0" b="0"/>
+      </a:lnRef>
+      <a:fillRef idx="0">
+        <a:scrgbClr r="0" g="0" b="0"/>
+      </a:fillRef>
+      <a:effectRef idx="0">
+        <a:scrgbClr r="0" g="0" b="0"/>
+      </a:effectRef>
+      <a:fontRef idx="minor"/>
+    </dgm:style>
+  </dgm:styleLbl>
+</dgm:styleDef>
 </file>
 
 <file path=ppt/slideLayouts/slideLayout1.xml><?xml version="1.0" encoding="utf-8"?>
@@ -3077,7 +6731,7 @@
           <a:p>
             <a:r>
               <a:rPr lang="en-US" dirty="0"/>
-              <a:t>Long running flows</a:t>
+              <a:t>Documentation of the application</a:t>
             </a:r>
           </a:p>
         </p:txBody>
@@ -3099,7 +6753,13 @@
           <a:p>
             <a:r>
               <a:rPr lang="en-US" dirty="0"/>
-              <a:t>How easy it is to write long running  flows and track the progress of some requests?</a:t>
+              <a:t>Using the code documentation you can see description of some methods</a:t>
+            </a:r>
+          </a:p>
+          <a:p>
+            <a:r>
+              <a:rPr lang="en-US" dirty="0"/>
+              <a:t>There is no way to automatically generate activity diagrams from the code</a:t>
             </a:r>
           </a:p>
         </p:txBody>
@@ -3107,7 +6767,7 @@
     </p:spTree>
     <p:extLst>
       <p:ext uri="{BB962C8B-B14F-4D97-AF65-F5344CB8AC3E}">
-        <p14:creationId xmlns:p14="http://schemas.microsoft.com/office/powerpoint/2010/main" val="1181480811"/>
+        <p14:creationId xmlns:p14="http://schemas.microsoft.com/office/powerpoint/2010/main" val="4224353952"/>
       </p:ext>
     </p:extLst>
   </p:cSld>
@@ -3151,7 +6811,7 @@
           <a:p>
             <a:r>
               <a:rPr lang="en-US" dirty="0"/>
-              <a:t>Presentation</a:t>
+              <a:t>Modifying the app</a:t>
             </a:r>
           </a:p>
         </p:txBody>
@@ -3173,33 +6833,45 @@
           <a:p>
             <a:r>
               <a:rPr lang="en-US" dirty="0"/>
-              <a:t>Motivation</a:t>
-            </a:r>
-          </a:p>
-          <a:p>
-            <a:r>
-              <a:rPr lang="en-US" b="1" dirty="0"/>
-              <a:t>Solution</a:t>
-            </a:r>
-          </a:p>
-          <a:p>
-            <a:r>
-              <a:rPr lang="en-US" dirty="0"/>
-              <a:t>Possible Mistakes</a:t>
-            </a:r>
-          </a:p>
-          <a:p>
-            <a:r>
-              <a:rPr lang="en-US" dirty="0"/>
-              <a:t>End advices</a:t>
-            </a:r>
+              <a:t>Adding an extra steps, always requiring modifying an existing unit</a:t>
+            </a:r>
+          </a:p>
+          <a:p>
+            <a:pPr lvl="1"/>
+            <a:r>
+              <a:rPr lang="en-US" dirty="0"/>
+              <a:t>Breaks Open/closed principle - </a:t>
+            </a:r>
+            <a:r>
+              <a:rPr lang="en-US" dirty="0"/>
+              <a:t>“software entities … should be open for extension, but closed for modification.”</a:t>
+            </a:r>
+          </a:p>
+          <a:p>
+            <a:pPr lvl="2"/>
+            <a:r>
+              <a:rPr lang="en-US" dirty="0"/>
+              <a:t>This breaks the unit’s unit tests, as extra steps are added</a:t>
+            </a:r>
+          </a:p>
+          <a:p>
+            <a:pPr lvl="2"/>
+            <a:endParaRPr lang="en-US" dirty="0"/>
+          </a:p>
+          <a:p>
+            <a:pPr lvl="2"/>
+            <a:endParaRPr lang="en-US" dirty="0"/>
+          </a:p>
+          <a:p>
+            <a:pPr lvl="1"/>
+            <a:endParaRPr lang="en-US" dirty="0"/>
           </a:p>
         </p:txBody>
       </p:sp>
     </p:spTree>
     <p:extLst>
       <p:ext uri="{BB962C8B-B14F-4D97-AF65-F5344CB8AC3E}">
-        <p14:creationId xmlns:p14="http://schemas.microsoft.com/office/powerpoint/2010/main" val="3991586885"/>
+        <p14:creationId xmlns:p14="http://schemas.microsoft.com/office/powerpoint/2010/main" val="1881225381"/>
       </p:ext>
     </p:extLst>
   </p:cSld>
@@ -3243,6 +6915,178 @@
           <a:p>
             <a:r>
               <a:rPr lang="en-US" dirty="0"/>
+              <a:t>Long running flows</a:t>
+            </a:r>
+          </a:p>
+        </p:txBody>
+      </p:sp>
+      <p:sp>
+        <p:nvSpPr>
+          <p:cNvPr id="3" name="Content Placeholder 2"/>
+          <p:cNvSpPr>
+            <a:spLocks noGrp="1"/>
+          </p:cNvSpPr>
+          <p:nvPr>
+            <p:ph idx="1"/>
+          </p:nvPr>
+        </p:nvSpPr>
+        <p:spPr/>
+        <p:txBody>
+          <a:bodyPr/>
+          <a:lstStyle/>
+          <a:p>
+            <a:r>
+              <a:rPr lang="en-US" dirty="0"/>
+              <a:t>How easy it is to write long running  flows and track the progress of some requests?</a:t>
+            </a:r>
+          </a:p>
+        </p:txBody>
+      </p:sp>
+    </p:spTree>
+    <p:extLst>
+      <p:ext uri="{BB962C8B-B14F-4D97-AF65-F5344CB8AC3E}">
+        <p14:creationId xmlns:p14="http://schemas.microsoft.com/office/powerpoint/2010/main" val="1181480811"/>
+      </p:ext>
+    </p:extLst>
+  </p:cSld>
+  <p:clrMapOvr>
+    <a:masterClrMapping/>
+  </p:clrMapOvr>
+</p:sld>
+</file>
+
+<file path=ppt/slides/slide13.xml><?xml version="1.0" encoding="utf-8"?>
+<p:sld xmlns:a="http://schemas.openxmlformats.org/drawingml/2006/main" xmlns:r="http://schemas.openxmlformats.org/officeDocument/2006/relationships" xmlns:p="http://schemas.openxmlformats.org/presentationml/2006/main">
+  <p:cSld>
+    <p:spTree>
+      <p:nvGrpSpPr>
+        <p:cNvPr id="1" name=""/>
+        <p:cNvGrpSpPr/>
+        <p:nvPr/>
+      </p:nvGrpSpPr>
+      <p:grpSpPr>
+        <a:xfrm>
+          <a:off x="0" y="0"/>
+          <a:ext cx="0" cy="0"/>
+          <a:chOff x="0" y="0"/>
+          <a:chExt cx="0" cy="0"/>
+        </a:xfrm>
+      </p:grpSpPr>
+      <p:sp>
+        <p:nvSpPr>
+          <p:cNvPr id="2" name="Title 1"/>
+          <p:cNvSpPr>
+            <a:spLocks noGrp="1"/>
+          </p:cNvSpPr>
+          <p:nvPr>
+            <p:ph type="title"/>
+          </p:nvPr>
+        </p:nvSpPr>
+        <p:spPr/>
+        <p:txBody>
+          <a:bodyPr/>
+          <a:lstStyle/>
+          <a:p>
+            <a:r>
+              <a:rPr lang="en-US" dirty="0"/>
+              <a:t>Presentation</a:t>
+            </a:r>
+          </a:p>
+        </p:txBody>
+      </p:sp>
+      <p:sp>
+        <p:nvSpPr>
+          <p:cNvPr id="3" name="Content Placeholder 2"/>
+          <p:cNvSpPr>
+            <a:spLocks noGrp="1"/>
+          </p:cNvSpPr>
+          <p:nvPr>
+            <p:ph idx="1"/>
+          </p:nvPr>
+        </p:nvSpPr>
+        <p:spPr/>
+        <p:txBody>
+          <a:bodyPr/>
+          <a:lstStyle/>
+          <a:p>
+            <a:r>
+              <a:rPr lang="en-US" dirty="0"/>
+              <a:t>What are reactive apps?</a:t>
+            </a:r>
+          </a:p>
+          <a:p>
+            <a:r>
+              <a:rPr lang="en-US" dirty="0"/>
+              <a:t>Motivation</a:t>
+            </a:r>
+          </a:p>
+          <a:p>
+            <a:r>
+              <a:rPr lang="en-US" b="1" dirty="0"/>
+              <a:t>Solution</a:t>
+            </a:r>
+          </a:p>
+          <a:p>
+            <a:r>
+              <a:rPr lang="en-US" dirty="0"/>
+              <a:t>Problems that we encountered</a:t>
+            </a:r>
+          </a:p>
+          <a:p>
+            <a:r>
+              <a:rPr lang="en-US" dirty="0"/>
+              <a:t>End advices</a:t>
+            </a:r>
+          </a:p>
+        </p:txBody>
+      </p:sp>
+    </p:spTree>
+    <p:extLst>
+      <p:ext uri="{BB962C8B-B14F-4D97-AF65-F5344CB8AC3E}">
+        <p14:creationId xmlns:p14="http://schemas.microsoft.com/office/powerpoint/2010/main" val="78229689"/>
+      </p:ext>
+    </p:extLst>
+  </p:cSld>
+  <p:clrMapOvr>
+    <a:masterClrMapping/>
+  </p:clrMapOvr>
+</p:sld>
+</file>
+
+<file path=ppt/slides/slide14.xml><?xml version="1.0" encoding="utf-8"?>
+<p:sld xmlns:a="http://schemas.openxmlformats.org/drawingml/2006/main" xmlns:r="http://schemas.openxmlformats.org/officeDocument/2006/relationships" xmlns:p="http://schemas.openxmlformats.org/presentationml/2006/main">
+  <p:cSld>
+    <p:spTree>
+      <p:nvGrpSpPr>
+        <p:cNvPr id="1" name=""/>
+        <p:cNvGrpSpPr/>
+        <p:nvPr/>
+      </p:nvGrpSpPr>
+      <p:grpSpPr>
+        <a:xfrm>
+          <a:off x="0" y="0"/>
+          <a:ext cx="0" cy="0"/>
+          <a:chOff x="0" y="0"/>
+          <a:chExt cx="0" cy="0"/>
+        </a:xfrm>
+      </p:grpSpPr>
+      <p:sp>
+        <p:nvSpPr>
+          <p:cNvPr id="2" name="Title 1"/>
+          <p:cNvSpPr>
+            <a:spLocks noGrp="1"/>
+          </p:cNvSpPr>
+          <p:nvPr>
+            <p:ph type="title"/>
+          </p:nvPr>
+        </p:nvSpPr>
+        <p:spPr/>
+        <p:txBody>
+          <a:bodyPr/>
+          <a:lstStyle/>
+          <a:p>
+            <a:r>
+              <a:rPr lang="en-US" dirty="0"/>
               <a:t>Event-driven architecture (EDA)</a:t>
             </a:r>
           </a:p>
@@ -3267,14 +7111,19 @@
           <a:p>
             <a:r>
               <a:rPr lang="en-US" dirty="0"/>
-              <a:t>Have the application define a clear list of commands and possible transitions between them</a:t>
-            </a:r>
-          </a:p>
-          <a:p>
-            <a:r>
-              <a:rPr lang="en-US" dirty="0"/>
-              <a:t>Have a list of commands/transitions readable through reflection so that we can document them</a:t>
-            </a:r>
+              <a:t>Have the application define a clear list of commands and possible transitions between them (Declarative programming)</a:t>
+            </a:r>
+          </a:p>
+          <a:p>
+            <a:r>
+              <a:rPr lang="en-US" dirty="0"/>
+              <a:t>Have a list of commands/transitions readable through reflection so that we can document them </a:t>
+            </a:r>
+            <a:r>
+              <a:rPr lang="en-US" dirty="0"/>
+              <a:t>(Declarative programming)</a:t>
+            </a:r>
+            <a:endParaRPr lang="en-US" dirty="0"/>
           </a:p>
           <a:p>
             <a:r>
@@ -3323,7 +7172,7 @@
 </p:sld>
 </file>
 
-<file path=ppt/slides/slide13.xml><?xml version="1.0" encoding="utf-8"?>
+<file path=ppt/slides/slide15.xml><?xml version="1.0" encoding="utf-8"?>
 <p:sld xmlns:a="http://schemas.openxmlformats.org/drawingml/2006/main" xmlns:r="http://schemas.openxmlformats.org/officeDocument/2006/relationships" xmlns:p="http://schemas.openxmlformats.org/presentationml/2006/main">
   <p:cSld>
     <p:spTree>
@@ -3423,7 +7272,7 @@
 </p:sld>
 </file>
 
-<file path=ppt/slides/slide14.xml><?xml version="1.0" encoding="utf-8"?>
+<file path=ppt/slides/slide16.xml><?xml version="1.0" encoding="utf-8"?>
 <p:sld xmlns:a="http://schemas.openxmlformats.org/drawingml/2006/main" xmlns:r="http://schemas.openxmlformats.org/officeDocument/2006/relationships" xmlns:p="http://schemas.openxmlformats.org/presentationml/2006/main">
   <p:cSld>
     <p:spTree>
@@ -3523,178 +7372,6 @@
 </p:sld>
 </file>
 
-<file path=ppt/slides/slide15.xml><?xml version="1.0" encoding="utf-8"?>
-<p:sld xmlns:a="http://schemas.openxmlformats.org/drawingml/2006/main" xmlns:r="http://schemas.openxmlformats.org/officeDocument/2006/relationships" xmlns:p="http://schemas.openxmlformats.org/presentationml/2006/main">
-  <p:cSld>
-    <p:spTree>
-      <p:nvGrpSpPr>
-        <p:cNvPr id="1" name=""/>
-        <p:cNvGrpSpPr/>
-        <p:nvPr/>
-      </p:nvGrpSpPr>
-      <p:grpSpPr>
-        <a:xfrm>
-          <a:off x="0" y="0"/>
-          <a:ext cx="0" cy="0"/>
-          <a:chOff x="0" y="0"/>
-          <a:chExt cx="0" cy="0"/>
-        </a:xfrm>
-      </p:grpSpPr>
-      <p:sp>
-        <p:nvSpPr>
-          <p:cNvPr id="2" name="Title 1"/>
-          <p:cNvSpPr>
-            <a:spLocks noGrp="1"/>
-          </p:cNvSpPr>
-          <p:nvPr>
-            <p:ph type="title"/>
-          </p:nvPr>
-        </p:nvSpPr>
-        <p:spPr/>
-        <p:txBody>
-          <a:bodyPr/>
-          <a:lstStyle/>
-          <a:p>
-            <a:r>
-              <a:rPr lang="en-US" dirty="0"/>
-              <a:t>Advantages (Expected)</a:t>
-            </a:r>
-          </a:p>
-        </p:txBody>
-      </p:sp>
-      <p:sp>
-        <p:nvSpPr>
-          <p:cNvPr id="3" name="Content Placeholder 2"/>
-          <p:cNvSpPr>
-            <a:spLocks noGrp="1"/>
-          </p:cNvSpPr>
-          <p:nvPr>
-            <p:ph idx="1"/>
-          </p:nvPr>
-        </p:nvSpPr>
-        <p:spPr/>
-        <p:txBody>
-          <a:bodyPr/>
-          <a:lstStyle/>
-          <a:p>
-            <a:r>
-              <a:rPr lang="en-US" dirty="0"/>
-              <a:t>Ubiquitous language – start talking in the terms of events and commands. (Did not happen)</a:t>
-            </a:r>
-          </a:p>
-          <a:p>
-            <a:r>
-              <a:rPr lang="en-US" dirty="0"/>
-              <a:t>Components(commands) are decoupled – easy unit testing close to functional specs </a:t>
-            </a:r>
-          </a:p>
-          <a:p>
-            <a:r>
-              <a:rPr lang="en-US" dirty="0"/>
-              <a:t>Easy to extend – add features by registering new events/commands without modifying existing code.</a:t>
-            </a:r>
-          </a:p>
-          <a:p>
-            <a:r>
-              <a:rPr lang="en-US" dirty="0"/>
-              <a:t>Logging – easy to add statistics/performance.</a:t>
-            </a:r>
-          </a:p>
-          <a:p>
-            <a:r>
-              <a:rPr lang="en-US" dirty="0"/>
-              <a:t>Documentation – automatically generated documentation.</a:t>
-            </a:r>
-          </a:p>
-          <a:p>
-            <a:endParaRPr lang="en-US" dirty="0"/>
-          </a:p>
-        </p:txBody>
-      </p:sp>
-    </p:spTree>
-    <p:extLst>
-      <p:ext uri="{BB962C8B-B14F-4D97-AF65-F5344CB8AC3E}">
-        <p14:creationId xmlns:p14="http://schemas.microsoft.com/office/powerpoint/2010/main" val="563485568"/>
-      </p:ext>
-    </p:extLst>
-  </p:cSld>
-  <p:clrMapOvr>
-    <a:masterClrMapping/>
-  </p:clrMapOvr>
-</p:sld>
-</file>
-
-<file path=ppt/slides/slide16.xml><?xml version="1.0" encoding="utf-8"?>
-<p:sld xmlns:a="http://schemas.openxmlformats.org/drawingml/2006/main" xmlns:r="http://schemas.openxmlformats.org/officeDocument/2006/relationships" xmlns:p="http://schemas.openxmlformats.org/presentationml/2006/main">
-  <p:cSld>
-    <p:spTree>
-      <p:nvGrpSpPr>
-        <p:cNvPr id="1" name=""/>
-        <p:cNvGrpSpPr/>
-        <p:nvPr/>
-      </p:nvGrpSpPr>
-      <p:grpSpPr>
-        <a:xfrm>
-          <a:off x="0" y="0"/>
-          <a:ext cx="0" cy="0"/>
-          <a:chOff x="0" y="0"/>
-          <a:chExt cx="0" cy="0"/>
-        </a:xfrm>
-      </p:grpSpPr>
-      <p:sp>
-        <p:nvSpPr>
-          <p:cNvPr id="2" name="Title 1"/>
-          <p:cNvSpPr>
-            <a:spLocks noGrp="1"/>
-          </p:cNvSpPr>
-          <p:nvPr>
-            <p:ph type="title"/>
-          </p:nvPr>
-        </p:nvSpPr>
-        <p:spPr/>
-        <p:txBody>
-          <a:bodyPr/>
-          <a:lstStyle/>
-          <a:p>
-            <a:r>
-              <a:rPr lang="en-US" dirty="0"/>
-              <a:t>Lets see code :D</a:t>
-            </a:r>
-          </a:p>
-        </p:txBody>
-      </p:sp>
-      <p:sp>
-        <p:nvSpPr>
-          <p:cNvPr id="3" name="Content Placeholder 2"/>
-          <p:cNvSpPr>
-            <a:spLocks noGrp="1"/>
-          </p:cNvSpPr>
-          <p:nvPr>
-            <p:ph idx="1"/>
-          </p:nvPr>
-        </p:nvSpPr>
-        <p:spPr/>
-        <p:txBody>
-          <a:bodyPr/>
-          <a:lstStyle/>
-          <a:p>
-            <a:endParaRPr lang="en-US" dirty="0"/>
-          </a:p>
-        </p:txBody>
-      </p:sp>
-    </p:spTree>
-    <p:extLst>
-      <p:ext uri="{BB962C8B-B14F-4D97-AF65-F5344CB8AC3E}">
-        <p14:creationId xmlns:p14="http://schemas.microsoft.com/office/powerpoint/2010/main" val="2833802059"/>
-      </p:ext>
-    </p:extLst>
-  </p:cSld>
-  <p:clrMapOvr>
-    <a:masterClrMapping/>
-  </p:clrMapOvr>
-</p:sld>
-</file>
-
 <file path=ppt/slides/slide17.xml><?xml version="1.0" encoding="utf-8"?>
 <p:sld xmlns:a="http://schemas.openxmlformats.org/drawingml/2006/main" xmlns:r="http://schemas.openxmlformats.org/officeDocument/2006/relationships" xmlns:p="http://schemas.openxmlformats.org/presentationml/2006/main">
   <p:cSld>
@@ -3729,7 +7406,7 @@
           <a:p>
             <a:r>
               <a:rPr lang="en-US" dirty="0"/>
-              <a:t>Presentation</a:t>
+              <a:t>Advantages (Expected)</a:t>
             </a:r>
           </a:p>
         </p:txBody>
@@ -3751,33 +7428,42 @@
           <a:p>
             <a:r>
               <a:rPr lang="en-US" dirty="0"/>
-              <a:t>Motivation</a:t>
-            </a:r>
-          </a:p>
-          <a:p>
-            <a:r>
-              <a:rPr lang="en-US" dirty="0"/>
-              <a:t>Solution</a:t>
-            </a:r>
-          </a:p>
-          <a:p>
-            <a:r>
-              <a:rPr lang="en-US" b="1" dirty="0"/>
-              <a:t>Possible Mistakes</a:t>
-            </a:r>
-          </a:p>
-          <a:p>
-            <a:r>
-              <a:rPr lang="en-US" dirty="0"/>
-              <a:t>End advices</a:t>
-            </a:r>
+              <a:t>Ubiquitous language – start talking in the terms of events and commands. (Did not happen)</a:t>
+            </a:r>
+          </a:p>
+          <a:p>
+            <a:r>
+              <a:rPr lang="en-US" dirty="0"/>
+              <a:t>Components(commands) are decoupled – easy unit testing close to functional specs </a:t>
+            </a:r>
+          </a:p>
+          <a:p>
+            <a:r>
+              <a:rPr lang="en-US" dirty="0"/>
+              <a:t>Easy to extend – add features by registering new events/commands without modifying existing code.</a:t>
+            </a:r>
+          </a:p>
+          <a:p>
+            <a:r>
+              <a:rPr lang="en-US" dirty="0"/>
+              <a:t>Logging – easy to add statistics/performance.</a:t>
+            </a:r>
+          </a:p>
+          <a:p>
+            <a:r>
+              <a:rPr lang="en-US" dirty="0"/>
+              <a:t>Documentation – automatically generated documentation.</a:t>
+            </a:r>
+          </a:p>
+          <a:p>
+            <a:endParaRPr lang="en-US" dirty="0"/>
           </a:p>
         </p:txBody>
       </p:sp>
     </p:spTree>
     <p:extLst>
       <p:ext uri="{BB962C8B-B14F-4D97-AF65-F5344CB8AC3E}">
-        <p14:creationId xmlns:p14="http://schemas.microsoft.com/office/powerpoint/2010/main" val="3095962200"/>
+        <p14:creationId xmlns:p14="http://schemas.microsoft.com/office/powerpoint/2010/main" val="563485568"/>
       </p:ext>
     </p:extLst>
   </p:cSld>
@@ -3788,6 +7474,273 @@
 </file>
 
 <file path=ppt/slides/slide18.xml><?xml version="1.0" encoding="utf-8"?>
+<p:sld xmlns:a="http://schemas.openxmlformats.org/drawingml/2006/main" xmlns:r="http://schemas.openxmlformats.org/officeDocument/2006/relationships" xmlns:p="http://schemas.openxmlformats.org/presentationml/2006/main">
+  <p:cSld>
+    <p:spTree>
+      <p:nvGrpSpPr>
+        <p:cNvPr id="1" name=""/>
+        <p:cNvGrpSpPr/>
+        <p:nvPr/>
+      </p:nvGrpSpPr>
+      <p:grpSpPr>
+        <a:xfrm>
+          <a:off x="0" y="0"/>
+          <a:ext cx="0" cy="0"/>
+          <a:chOff x="0" y="0"/>
+          <a:chExt cx="0" cy="0"/>
+        </a:xfrm>
+      </p:grpSpPr>
+      <p:sp>
+        <p:nvSpPr>
+          <p:cNvPr id="2" name="Title 1"/>
+          <p:cNvSpPr>
+            <a:spLocks noGrp="1"/>
+          </p:cNvSpPr>
+          <p:nvPr>
+            <p:ph type="title"/>
+          </p:nvPr>
+        </p:nvSpPr>
+        <p:spPr/>
+        <p:txBody>
+          <a:bodyPr/>
+          <a:lstStyle/>
+          <a:p>
+            <a:r>
+              <a:rPr lang="en-US" dirty="0"/>
+              <a:t>Lets see code :D</a:t>
+            </a:r>
+          </a:p>
+        </p:txBody>
+      </p:sp>
+      <p:sp>
+        <p:nvSpPr>
+          <p:cNvPr id="3" name="Content Placeholder 2"/>
+          <p:cNvSpPr>
+            <a:spLocks noGrp="1"/>
+          </p:cNvSpPr>
+          <p:nvPr>
+            <p:ph idx="1"/>
+          </p:nvPr>
+        </p:nvSpPr>
+        <p:spPr/>
+        <p:txBody>
+          <a:bodyPr/>
+          <a:lstStyle/>
+          <a:p>
+            <a:endParaRPr lang="en-US" dirty="0"/>
+          </a:p>
+        </p:txBody>
+      </p:sp>
+    </p:spTree>
+    <p:extLst>
+      <p:ext uri="{BB962C8B-B14F-4D97-AF65-F5344CB8AC3E}">
+        <p14:creationId xmlns:p14="http://schemas.microsoft.com/office/powerpoint/2010/main" val="2833802059"/>
+      </p:ext>
+    </p:extLst>
+  </p:cSld>
+  <p:clrMapOvr>
+    <a:masterClrMapping/>
+  </p:clrMapOvr>
+</p:sld>
+</file>
+
+<file path=ppt/slides/slide19.xml><?xml version="1.0" encoding="utf-8"?>
+<p:sld xmlns:a="http://schemas.openxmlformats.org/drawingml/2006/main" xmlns:r="http://schemas.openxmlformats.org/officeDocument/2006/relationships" xmlns:p="http://schemas.openxmlformats.org/presentationml/2006/main">
+  <p:cSld>
+    <p:spTree>
+      <p:nvGrpSpPr>
+        <p:cNvPr id="1" name=""/>
+        <p:cNvGrpSpPr/>
+        <p:nvPr/>
+      </p:nvGrpSpPr>
+      <p:grpSpPr>
+        <a:xfrm>
+          <a:off x="0" y="0"/>
+          <a:ext cx="0" cy="0"/>
+          <a:chOff x="0" y="0"/>
+          <a:chExt cx="0" cy="0"/>
+        </a:xfrm>
+      </p:grpSpPr>
+      <p:sp>
+        <p:nvSpPr>
+          <p:cNvPr id="2" name="Title 1"/>
+          <p:cNvSpPr>
+            <a:spLocks noGrp="1"/>
+          </p:cNvSpPr>
+          <p:nvPr>
+            <p:ph type="title"/>
+          </p:nvPr>
+        </p:nvSpPr>
+        <p:spPr/>
+        <p:txBody>
+          <a:bodyPr/>
+          <a:lstStyle/>
+          <a:p>
+            <a:r>
+              <a:rPr lang="en-US" dirty="0"/>
+              <a:t>Presentation</a:t>
+            </a:r>
+          </a:p>
+        </p:txBody>
+      </p:sp>
+      <p:sp>
+        <p:nvSpPr>
+          <p:cNvPr id="3" name="Content Placeholder 2"/>
+          <p:cNvSpPr>
+            <a:spLocks noGrp="1"/>
+          </p:cNvSpPr>
+          <p:nvPr>
+            <p:ph idx="1"/>
+          </p:nvPr>
+        </p:nvSpPr>
+        <p:spPr/>
+        <p:txBody>
+          <a:bodyPr/>
+          <a:lstStyle/>
+          <a:p>
+            <a:r>
+              <a:rPr lang="en-US" dirty="0"/>
+              <a:t>What are reactive apps?</a:t>
+            </a:r>
+          </a:p>
+          <a:p>
+            <a:r>
+              <a:rPr lang="en-US" dirty="0"/>
+              <a:t>Motivation</a:t>
+            </a:r>
+          </a:p>
+          <a:p>
+            <a:r>
+              <a:rPr lang="en-US" dirty="0"/>
+              <a:t>Solution</a:t>
+            </a:r>
+          </a:p>
+          <a:p>
+            <a:r>
+              <a:rPr lang="en-US" b="1" dirty="0"/>
+              <a:t>Problems that we encountered</a:t>
+            </a:r>
+          </a:p>
+          <a:p>
+            <a:r>
+              <a:rPr lang="en-US" dirty="0"/>
+              <a:t>End advices</a:t>
+            </a:r>
+          </a:p>
+        </p:txBody>
+      </p:sp>
+    </p:spTree>
+    <p:extLst>
+      <p:ext uri="{BB962C8B-B14F-4D97-AF65-F5344CB8AC3E}">
+        <p14:creationId xmlns:p14="http://schemas.microsoft.com/office/powerpoint/2010/main" val="1193431847"/>
+      </p:ext>
+    </p:extLst>
+  </p:cSld>
+  <p:clrMapOvr>
+    <a:masterClrMapping/>
+  </p:clrMapOvr>
+</p:sld>
+</file>
+
+<file path=ppt/slides/slide2.xml><?xml version="1.0" encoding="utf-8"?>
+<p:sld xmlns:a="http://schemas.openxmlformats.org/drawingml/2006/main" xmlns:r="http://schemas.openxmlformats.org/officeDocument/2006/relationships" xmlns:p="http://schemas.openxmlformats.org/presentationml/2006/main">
+  <p:cSld>
+    <p:spTree>
+      <p:nvGrpSpPr>
+        <p:cNvPr id="1" name=""/>
+        <p:cNvGrpSpPr/>
+        <p:nvPr/>
+      </p:nvGrpSpPr>
+      <p:grpSpPr>
+        <a:xfrm>
+          <a:off x="0" y="0"/>
+          <a:ext cx="0" cy="0"/>
+          <a:chOff x="0" y="0"/>
+          <a:chExt cx="0" cy="0"/>
+        </a:xfrm>
+      </p:grpSpPr>
+      <p:sp>
+        <p:nvSpPr>
+          <p:cNvPr id="2" name="Title 1"/>
+          <p:cNvSpPr>
+            <a:spLocks noGrp="1"/>
+          </p:cNvSpPr>
+          <p:nvPr>
+            <p:ph type="title"/>
+          </p:nvPr>
+        </p:nvSpPr>
+        <p:spPr/>
+        <p:txBody>
+          <a:bodyPr/>
+          <a:lstStyle/>
+          <a:p>
+            <a:r>
+              <a:rPr lang="en-US" dirty="0"/>
+              <a:t>Presentation</a:t>
+            </a:r>
+          </a:p>
+        </p:txBody>
+      </p:sp>
+      <p:sp>
+        <p:nvSpPr>
+          <p:cNvPr id="3" name="Content Placeholder 2"/>
+          <p:cNvSpPr>
+            <a:spLocks noGrp="1"/>
+          </p:cNvSpPr>
+          <p:nvPr>
+            <p:ph idx="1"/>
+          </p:nvPr>
+        </p:nvSpPr>
+        <p:spPr/>
+        <p:txBody>
+          <a:bodyPr/>
+          <a:lstStyle/>
+          <a:p>
+            <a:r>
+              <a:rPr lang="en-US" b="1" dirty="0"/>
+              <a:t>What are reactive apps?</a:t>
+            </a:r>
+          </a:p>
+          <a:p>
+            <a:r>
+              <a:rPr lang="en-US" dirty="0"/>
+              <a:t>Motivation</a:t>
+            </a:r>
+          </a:p>
+          <a:p>
+            <a:r>
+              <a:rPr lang="en-US" dirty="0"/>
+              <a:t>Solution</a:t>
+            </a:r>
+          </a:p>
+          <a:p>
+            <a:r>
+              <a:rPr lang="en-US" dirty="0"/>
+              <a:t>Problems that we encountered</a:t>
+            </a:r>
+          </a:p>
+          <a:p>
+            <a:r>
+              <a:rPr lang="en-US" dirty="0"/>
+              <a:t>End advices</a:t>
+            </a:r>
+          </a:p>
+        </p:txBody>
+      </p:sp>
+    </p:spTree>
+    <p:extLst>
+      <p:ext uri="{BB962C8B-B14F-4D97-AF65-F5344CB8AC3E}">
+        <p14:creationId xmlns:p14="http://schemas.microsoft.com/office/powerpoint/2010/main" val="156357488"/>
+      </p:ext>
+    </p:extLst>
+  </p:cSld>
+  <p:clrMapOvr>
+    <a:masterClrMapping/>
+  </p:clrMapOvr>
+</p:sld>
+</file>
+
+<file path=ppt/slides/slide20.xml><?xml version="1.0" encoding="utf-8"?>
 <p:sld xmlns:a="http://schemas.openxmlformats.org/drawingml/2006/main" xmlns:r="http://schemas.openxmlformats.org/officeDocument/2006/relationships" xmlns:p="http://schemas.openxmlformats.org/presentationml/2006/main">
   <p:cSld>
     <p:spTree>
@@ -3865,299 +7818,6 @@
 </p:sld>
 </file>
 
-<file path=ppt/slides/slide19.xml><?xml version="1.0" encoding="utf-8"?>
-<p:sld xmlns:a="http://schemas.openxmlformats.org/drawingml/2006/main" xmlns:r="http://schemas.openxmlformats.org/officeDocument/2006/relationships" xmlns:p="http://schemas.openxmlformats.org/presentationml/2006/main">
-  <p:cSld>
-    <p:spTree>
-      <p:nvGrpSpPr>
-        <p:cNvPr id="1" name=""/>
-        <p:cNvGrpSpPr/>
-        <p:nvPr/>
-      </p:nvGrpSpPr>
-      <p:grpSpPr>
-        <a:xfrm>
-          <a:off x="0" y="0"/>
-          <a:ext cx="0" cy="0"/>
-          <a:chOff x="0" y="0"/>
-          <a:chExt cx="0" cy="0"/>
-        </a:xfrm>
-      </p:grpSpPr>
-      <p:sp>
-        <p:nvSpPr>
-          <p:cNvPr id="2" name="Title 1"/>
-          <p:cNvSpPr>
-            <a:spLocks noGrp="1"/>
-          </p:cNvSpPr>
-          <p:nvPr>
-            <p:ph type="title"/>
-          </p:nvPr>
-        </p:nvSpPr>
-        <p:spPr/>
-        <p:txBody>
-          <a:bodyPr/>
-          <a:lstStyle/>
-          <a:p>
-            <a:r>
-              <a:rPr lang="en-US" dirty="0"/>
-              <a:t>Why bad?</a:t>
-            </a:r>
-          </a:p>
-        </p:txBody>
-      </p:sp>
-      <p:sp>
-        <p:nvSpPr>
-          <p:cNvPr id="3" name="Content Placeholder 2"/>
-          <p:cNvSpPr>
-            <a:spLocks noGrp="1"/>
-          </p:cNvSpPr>
-          <p:nvPr>
-            <p:ph idx="1"/>
-          </p:nvPr>
-        </p:nvSpPr>
-        <p:spPr/>
-        <p:txBody>
-          <a:bodyPr/>
-          <a:lstStyle/>
-          <a:p>
-            <a:r>
-              <a:rPr lang="en-US" dirty="0"/>
-              <a:t>We should return a promise/Task/</a:t>
-            </a:r>
-            <a:r>
-              <a:rPr lang="en-US" dirty="0" err="1"/>
-              <a:t>CompletableFuture</a:t>
-            </a:r>
-            <a:r>
-              <a:rPr lang="en-US" dirty="0"/>
-              <a:t> from the command so that we know the command finished</a:t>
-            </a:r>
-          </a:p>
-          <a:p>
-            <a:r>
-              <a:rPr lang="en-US" dirty="0"/>
-              <a:t>Hard to unit test, as we need to mock </a:t>
-            </a:r>
-            <a:r>
-              <a:rPr lang="en-US" dirty="0" err="1"/>
-              <a:t>IEventRaiser</a:t>
-            </a:r>
-            <a:r>
-              <a:rPr lang="en-US" dirty="0"/>
-              <a:t>, and have the assertion on the parameter </a:t>
-            </a:r>
-          </a:p>
-          <a:p>
-            <a:r>
-              <a:rPr lang="en-US" dirty="0" err="1"/>
-              <a:t>Nunit</a:t>
-            </a:r>
-            <a:r>
-              <a:rPr lang="en-US" dirty="0"/>
-              <a:t>/Junit are not happy with tests that are returning Task/</a:t>
-            </a:r>
-            <a:r>
-              <a:rPr lang="en-US" dirty="0" err="1"/>
-              <a:t>CompletableFuture</a:t>
-            </a:r>
-            <a:endParaRPr lang="en-US" dirty="0"/>
-          </a:p>
-          <a:p>
-            <a:r>
-              <a:rPr lang="en-US" dirty="0"/>
-              <a:t>Always need to test also that we invoke it X number of times the dependency</a:t>
-            </a:r>
-          </a:p>
-        </p:txBody>
-      </p:sp>
-    </p:spTree>
-    <p:extLst>
-      <p:ext uri="{BB962C8B-B14F-4D97-AF65-F5344CB8AC3E}">
-        <p14:creationId xmlns:p14="http://schemas.microsoft.com/office/powerpoint/2010/main" val="391423647"/>
-      </p:ext>
-    </p:extLst>
-  </p:cSld>
-  <p:clrMapOvr>
-    <a:masterClrMapping/>
-  </p:clrMapOvr>
-</p:sld>
-</file>
-
-<file path=ppt/slides/slide2.xml><?xml version="1.0" encoding="utf-8"?>
-<p:sld xmlns:a="http://schemas.openxmlformats.org/drawingml/2006/main" xmlns:r="http://schemas.openxmlformats.org/officeDocument/2006/relationships" xmlns:p="http://schemas.openxmlformats.org/presentationml/2006/main">
-  <p:cSld>
-    <p:spTree>
-      <p:nvGrpSpPr>
-        <p:cNvPr id="1" name=""/>
-        <p:cNvGrpSpPr/>
-        <p:nvPr/>
-      </p:nvGrpSpPr>
-      <p:grpSpPr>
-        <a:xfrm>
-          <a:off x="0" y="0"/>
-          <a:ext cx="0" cy="0"/>
-          <a:chOff x="0" y="0"/>
-          <a:chExt cx="0" cy="0"/>
-        </a:xfrm>
-      </p:grpSpPr>
-      <p:sp>
-        <p:nvSpPr>
-          <p:cNvPr id="2" name="Title 1"/>
-          <p:cNvSpPr>
-            <a:spLocks noGrp="1"/>
-          </p:cNvSpPr>
-          <p:nvPr>
-            <p:ph type="title"/>
-          </p:nvPr>
-        </p:nvSpPr>
-        <p:spPr/>
-        <p:txBody>
-          <a:bodyPr/>
-          <a:lstStyle/>
-          <a:p>
-            <a:r>
-              <a:rPr lang="en-US" dirty="0"/>
-              <a:t>Presentation</a:t>
-            </a:r>
-          </a:p>
-        </p:txBody>
-      </p:sp>
-      <p:sp>
-        <p:nvSpPr>
-          <p:cNvPr id="3" name="Content Placeholder 2"/>
-          <p:cNvSpPr>
-            <a:spLocks noGrp="1"/>
-          </p:cNvSpPr>
-          <p:nvPr>
-            <p:ph idx="1"/>
-          </p:nvPr>
-        </p:nvSpPr>
-        <p:spPr/>
-        <p:txBody>
-          <a:bodyPr/>
-          <a:lstStyle/>
-          <a:p>
-            <a:r>
-              <a:rPr lang="en-US" b="1" dirty="0"/>
-              <a:t>Motivation</a:t>
-            </a:r>
-          </a:p>
-          <a:p>
-            <a:r>
-              <a:rPr lang="en-US" dirty="0"/>
-              <a:t>Solution</a:t>
-            </a:r>
-          </a:p>
-          <a:p>
-            <a:r>
-              <a:rPr lang="en-US" dirty="0"/>
-              <a:t>Problems that we encountered</a:t>
-            </a:r>
-          </a:p>
-          <a:p>
-            <a:r>
-              <a:rPr lang="en-US" dirty="0"/>
-              <a:t>End advices</a:t>
-            </a:r>
-          </a:p>
-        </p:txBody>
-      </p:sp>
-    </p:spTree>
-    <p:extLst>
-      <p:ext uri="{BB962C8B-B14F-4D97-AF65-F5344CB8AC3E}">
-        <p14:creationId xmlns:p14="http://schemas.microsoft.com/office/powerpoint/2010/main" val="156357488"/>
-      </p:ext>
-    </p:extLst>
-  </p:cSld>
-  <p:clrMapOvr>
-    <a:masterClrMapping/>
-  </p:clrMapOvr>
-</p:sld>
-</file>
-
-<file path=ppt/slides/slide20.xml><?xml version="1.0" encoding="utf-8"?>
-<p:sld xmlns:a="http://schemas.openxmlformats.org/drawingml/2006/main" xmlns:r="http://schemas.openxmlformats.org/officeDocument/2006/relationships" xmlns:p="http://schemas.openxmlformats.org/presentationml/2006/main">
-  <p:cSld>
-    <p:spTree>
-      <p:nvGrpSpPr>
-        <p:cNvPr id="1" name=""/>
-        <p:cNvGrpSpPr/>
-        <p:nvPr/>
-      </p:nvGrpSpPr>
-      <p:grpSpPr>
-        <a:xfrm>
-          <a:off x="0" y="0"/>
-          <a:ext cx="0" cy="0"/>
-          <a:chOff x="0" y="0"/>
-          <a:chExt cx="0" cy="0"/>
-        </a:xfrm>
-      </p:grpSpPr>
-      <p:sp>
-        <p:nvSpPr>
-          <p:cNvPr id="2" name="Title 1"/>
-          <p:cNvSpPr>
-            <a:spLocks noGrp="1"/>
-          </p:cNvSpPr>
-          <p:nvPr>
-            <p:ph type="title"/>
-          </p:nvPr>
-        </p:nvSpPr>
-        <p:spPr/>
-        <p:txBody>
-          <a:bodyPr>
-            <a:normAutofit/>
-          </a:bodyPr>
-          <a:lstStyle/>
-          <a:p>
-            <a:r>
-              <a:rPr lang="en-US" sz="4000" dirty="0"/>
-              <a:t>[Bad] Return an </a:t>
-            </a:r>
-            <a:r>
-              <a:rPr lang="en-US" sz="4000" dirty="0" err="1"/>
-              <a:t>Iterable</a:t>
-            </a:r>
-            <a:r>
-              <a:rPr lang="en-US" sz="4000" dirty="0"/>
-              <a:t>/Enumerable list of events</a:t>
-            </a:r>
-          </a:p>
-        </p:txBody>
-      </p:sp>
-      <p:sp>
-        <p:nvSpPr>
-          <p:cNvPr id="3" name="Content Placeholder 2"/>
-          <p:cNvSpPr>
-            <a:spLocks noGrp="1"/>
-          </p:cNvSpPr>
-          <p:nvPr>
-            <p:ph idx="1"/>
-          </p:nvPr>
-        </p:nvSpPr>
-        <p:spPr/>
-        <p:txBody>
-          <a:bodyPr/>
-          <a:lstStyle/>
-          <a:p>
-            <a:r>
-              <a:rPr lang="en-US" dirty="0"/>
-              <a:t>Processing</a:t>
-            </a:r>
-          </a:p>
-        </p:txBody>
-      </p:sp>
-    </p:spTree>
-    <p:extLst>
-      <p:ext uri="{BB962C8B-B14F-4D97-AF65-F5344CB8AC3E}">
-        <p14:creationId xmlns:p14="http://schemas.microsoft.com/office/powerpoint/2010/main" val="2482434516"/>
-      </p:ext>
-    </p:extLst>
-  </p:cSld>
-  <p:clrMapOvr>
-    <a:masterClrMapping/>
-  </p:clrMapOvr>
-</p:sld>
-</file>
-
 <file path=ppt/slides/slide21.xml><?xml version="1.0" encoding="utf-8"?>
 <p:sld xmlns:a="http://schemas.openxmlformats.org/drawingml/2006/main" xmlns:r="http://schemas.openxmlformats.org/officeDocument/2006/relationships" xmlns:p="http://schemas.openxmlformats.org/presentationml/2006/main">
   <p:cSld>
@@ -4192,6 +7852,224 @@
           <a:p>
             <a:r>
               <a:rPr lang="en-US" dirty="0"/>
+              <a:t>Why bad?</a:t>
+            </a:r>
+          </a:p>
+        </p:txBody>
+      </p:sp>
+      <p:sp>
+        <p:nvSpPr>
+          <p:cNvPr id="3" name="Content Placeholder 2"/>
+          <p:cNvSpPr>
+            <a:spLocks noGrp="1"/>
+          </p:cNvSpPr>
+          <p:nvPr>
+            <p:ph idx="1"/>
+          </p:nvPr>
+        </p:nvSpPr>
+        <p:spPr/>
+        <p:txBody>
+          <a:bodyPr/>
+          <a:lstStyle/>
+          <a:p>
+            <a:r>
+              <a:rPr lang="en-US" dirty="0"/>
+              <a:t>We should return a promise/Task/</a:t>
+            </a:r>
+            <a:r>
+              <a:rPr lang="en-US" dirty="0" err="1"/>
+              <a:t>CompletableFuture</a:t>
+            </a:r>
+            <a:r>
+              <a:rPr lang="en-US" dirty="0"/>
+              <a:t> from the command so that we know the command finished</a:t>
+            </a:r>
+          </a:p>
+          <a:p>
+            <a:r>
+              <a:rPr lang="en-US" dirty="0"/>
+              <a:t>Hard to unit test, as we need to mock </a:t>
+            </a:r>
+            <a:r>
+              <a:rPr lang="en-US" dirty="0" err="1"/>
+              <a:t>IEventRaiser</a:t>
+            </a:r>
+            <a:r>
+              <a:rPr lang="en-US" dirty="0"/>
+              <a:t>, and have the assertion on the parameter </a:t>
+            </a:r>
+          </a:p>
+          <a:p>
+            <a:r>
+              <a:rPr lang="en-US" dirty="0" err="1"/>
+              <a:t>Nunit</a:t>
+            </a:r>
+            <a:r>
+              <a:rPr lang="en-US" dirty="0"/>
+              <a:t>/Junit are not happy with tests that are returning Task/</a:t>
+            </a:r>
+            <a:r>
+              <a:rPr lang="en-US" dirty="0" err="1"/>
+              <a:t>CompletableFuture</a:t>
+            </a:r>
+            <a:endParaRPr lang="en-US" dirty="0"/>
+          </a:p>
+          <a:p>
+            <a:r>
+              <a:rPr lang="en-US" dirty="0"/>
+              <a:t>Always need to test also that we invoke it X number of times the dependency</a:t>
+            </a:r>
+          </a:p>
+        </p:txBody>
+      </p:sp>
+    </p:spTree>
+    <p:extLst>
+      <p:ext uri="{BB962C8B-B14F-4D97-AF65-F5344CB8AC3E}">
+        <p14:creationId xmlns:p14="http://schemas.microsoft.com/office/powerpoint/2010/main" val="391423647"/>
+      </p:ext>
+    </p:extLst>
+  </p:cSld>
+  <p:clrMapOvr>
+    <a:masterClrMapping/>
+  </p:clrMapOvr>
+</p:sld>
+</file>
+
+<file path=ppt/slides/slide22.xml><?xml version="1.0" encoding="utf-8"?>
+<p:sld xmlns:a="http://schemas.openxmlformats.org/drawingml/2006/main" xmlns:r="http://schemas.openxmlformats.org/officeDocument/2006/relationships" xmlns:p="http://schemas.openxmlformats.org/presentationml/2006/main">
+  <p:cSld>
+    <p:spTree>
+      <p:nvGrpSpPr>
+        <p:cNvPr id="1" name=""/>
+        <p:cNvGrpSpPr/>
+        <p:nvPr/>
+      </p:nvGrpSpPr>
+      <p:grpSpPr>
+        <a:xfrm>
+          <a:off x="0" y="0"/>
+          <a:ext cx="0" cy="0"/>
+          <a:chOff x="0" y="0"/>
+          <a:chExt cx="0" cy="0"/>
+        </a:xfrm>
+      </p:grpSpPr>
+      <p:sp>
+        <p:nvSpPr>
+          <p:cNvPr id="2" name="Title 1"/>
+          <p:cNvSpPr>
+            <a:spLocks noGrp="1"/>
+          </p:cNvSpPr>
+          <p:nvPr>
+            <p:ph type="title"/>
+          </p:nvPr>
+        </p:nvSpPr>
+        <p:spPr/>
+        <p:txBody>
+          <a:bodyPr>
+            <a:normAutofit/>
+          </a:bodyPr>
+          <a:lstStyle/>
+          <a:p>
+            <a:r>
+              <a:rPr lang="en-US" sz="4000" dirty="0"/>
+              <a:t>[Bad] Return an </a:t>
+            </a:r>
+            <a:r>
+              <a:rPr lang="en-US" sz="4000" dirty="0" err="1"/>
+              <a:t>Iterable</a:t>
+            </a:r>
+            <a:r>
+              <a:rPr lang="en-US" sz="4000" dirty="0"/>
+              <a:t>/Enumerable list of events</a:t>
+            </a:r>
+          </a:p>
+        </p:txBody>
+      </p:sp>
+      <p:sp>
+        <p:nvSpPr>
+          <p:cNvPr id="3" name="Content Placeholder 2"/>
+          <p:cNvSpPr>
+            <a:spLocks noGrp="1"/>
+          </p:cNvSpPr>
+          <p:nvPr>
+            <p:ph idx="1"/>
+          </p:nvPr>
+        </p:nvSpPr>
+        <p:spPr/>
+        <p:txBody>
+          <a:bodyPr/>
+          <a:lstStyle/>
+          <a:p>
+            <a:r>
+              <a:rPr lang="en-US" dirty="0"/>
+              <a:t>You can see that an enumerable is done, only after you go through all of the records</a:t>
+            </a:r>
+          </a:p>
+          <a:p>
+            <a:r>
+              <a:rPr lang="en-US" dirty="0"/>
+              <a:t>In case you add new data every X minutes, you will have a thread blocked for that period waiting in a </a:t>
+            </a:r>
+            <a:r>
+              <a:rPr lang="en-US" dirty="0" err="1"/>
+              <a:t>foreach</a:t>
+            </a:r>
+            <a:endParaRPr lang="en-US" dirty="0"/>
+          </a:p>
+          <a:p>
+            <a:r>
+              <a:rPr lang="en-US" dirty="0"/>
+              <a:t>Also hard to know when the command finished work</a:t>
+            </a:r>
+          </a:p>
+        </p:txBody>
+      </p:sp>
+    </p:spTree>
+    <p:extLst>
+      <p:ext uri="{BB962C8B-B14F-4D97-AF65-F5344CB8AC3E}">
+        <p14:creationId xmlns:p14="http://schemas.microsoft.com/office/powerpoint/2010/main" val="2482434516"/>
+      </p:ext>
+    </p:extLst>
+  </p:cSld>
+  <p:clrMapOvr>
+    <a:masterClrMapping/>
+  </p:clrMapOvr>
+</p:sld>
+</file>
+
+<file path=ppt/slides/slide23.xml><?xml version="1.0" encoding="utf-8"?>
+<p:sld xmlns:a="http://schemas.openxmlformats.org/drawingml/2006/main" xmlns:r="http://schemas.openxmlformats.org/officeDocument/2006/relationships" xmlns:p="http://schemas.openxmlformats.org/presentationml/2006/main">
+  <p:cSld>
+    <p:spTree>
+      <p:nvGrpSpPr>
+        <p:cNvPr id="1" name=""/>
+        <p:cNvGrpSpPr/>
+        <p:nvPr/>
+      </p:nvGrpSpPr>
+      <p:grpSpPr>
+        <a:xfrm>
+          <a:off x="0" y="0"/>
+          <a:ext cx="0" cy="0"/>
+          <a:chOff x="0" y="0"/>
+          <a:chExt cx="0" cy="0"/>
+        </a:xfrm>
+      </p:grpSpPr>
+      <p:sp>
+        <p:nvSpPr>
+          <p:cNvPr id="2" name="Title 1"/>
+          <p:cNvSpPr>
+            <a:spLocks noGrp="1"/>
+          </p:cNvSpPr>
+          <p:nvPr>
+            <p:ph type="title"/>
+          </p:nvPr>
+        </p:nvSpPr>
+        <p:spPr/>
+        <p:txBody>
+          <a:bodyPr/>
+          <a:lstStyle/>
+          <a:p>
+            <a:r>
+              <a:rPr lang="en-US" dirty="0"/>
               <a:t>[Good] Return Observables</a:t>
             </a:r>
           </a:p>
@@ -4258,7 +8136,7 @@
 </p:sld>
 </file>
 
-<file path=ppt/slides/slide22.xml><?xml version="1.0" encoding="utf-8"?>
+<file path=ppt/slides/slide24.xml><?xml version="1.0" encoding="utf-8"?>
 <p:sld xmlns:a="http://schemas.openxmlformats.org/drawingml/2006/main" xmlns:r="http://schemas.openxmlformats.org/officeDocument/2006/relationships" xmlns:p="http://schemas.openxmlformats.org/presentationml/2006/main">
   <p:cSld>
     <p:spTree>
@@ -4336,151 +8214,6 @@
 </p:sld>
 </file>
 
-<file path=ppt/slides/slide23.xml><?xml version="1.0" encoding="utf-8"?>
-<p:sld xmlns:a="http://schemas.openxmlformats.org/drawingml/2006/main" xmlns:r="http://schemas.openxmlformats.org/officeDocument/2006/relationships" xmlns:p="http://schemas.openxmlformats.org/presentationml/2006/main">
-  <p:cSld>
-    <p:spTree>
-      <p:nvGrpSpPr>
-        <p:cNvPr id="1" name=""/>
-        <p:cNvGrpSpPr/>
-        <p:nvPr/>
-      </p:nvGrpSpPr>
-      <p:grpSpPr>
-        <a:xfrm>
-          <a:off x="0" y="0"/>
-          <a:ext cx="0" cy="0"/>
-          <a:chOff x="0" y="0"/>
-          <a:chExt cx="0" cy="0"/>
-        </a:xfrm>
-      </p:grpSpPr>
-      <p:sp>
-        <p:nvSpPr>
-          <p:cNvPr id="2" name="Title 1"/>
-          <p:cNvSpPr>
-            <a:spLocks noGrp="1"/>
-          </p:cNvSpPr>
-          <p:nvPr>
-            <p:ph type="title"/>
-          </p:nvPr>
-        </p:nvSpPr>
-        <p:spPr/>
-        <p:txBody>
-          <a:bodyPr/>
-          <a:lstStyle/>
-          <a:p>
-            <a:r>
-              <a:rPr lang="en-US" dirty="0"/>
-              <a:t>[Bad] Link only based on event’s class</a:t>
-            </a:r>
-          </a:p>
-        </p:txBody>
-      </p:sp>
-      <p:sp>
-        <p:nvSpPr>
-          <p:cNvPr id="3" name="Content Placeholder 2"/>
-          <p:cNvSpPr>
-            <a:spLocks noGrp="1"/>
-          </p:cNvSpPr>
-          <p:nvPr>
-            <p:ph idx="1"/>
-          </p:nvPr>
-        </p:nvSpPr>
-        <p:spPr/>
-        <p:txBody>
-          <a:bodyPr/>
-          <a:lstStyle/>
-          <a:p>
-            <a:r>
-              <a:rPr lang="en-US" dirty="0"/>
-              <a:t>You will never be able to use the command twice in the same flow</a:t>
-            </a:r>
-          </a:p>
-        </p:txBody>
-      </p:sp>
-    </p:spTree>
-    <p:extLst>
-      <p:ext uri="{BB962C8B-B14F-4D97-AF65-F5344CB8AC3E}">
-        <p14:creationId xmlns:p14="http://schemas.microsoft.com/office/powerpoint/2010/main" val="2662474700"/>
-      </p:ext>
-    </p:extLst>
-  </p:cSld>
-  <p:clrMapOvr>
-    <a:masterClrMapping/>
-  </p:clrMapOvr>
-</p:sld>
-</file>
-
-<file path=ppt/slides/slide24.xml><?xml version="1.0" encoding="utf-8"?>
-<p:sld xmlns:a="http://schemas.openxmlformats.org/drawingml/2006/main" xmlns:r="http://schemas.openxmlformats.org/officeDocument/2006/relationships" xmlns:p="http://schemas.openxmlformats.org/presentationml/2006/main">
-  <p:cSld>
-    <p:spTree>
-      <p:nvGrpSpPr>
-        <p:cNvPr id="1" name=""/>
-        <p:cNvGrpSpPr/>
-        <p:nvPr/>
-      </p:nvGrpSpPr>
-      <p:grpSpPr>
-        <a:xfrm>
-          <a:off x="0" y="0"/>
-          <a:ext cx="0" cy="0"/>
-          <a:chOff x="0" y="0"/>
-          <a:chExt cx="0" cy="0"/>
-        </a:xfrm>
-      </p:grpSpPr>
-      <p:sp>
-        <p:nvSpPr>
-          <p:cNvPr id="2" name="Title 1"/>
-          <p:cNvSpPr>
-            <a:spLocks noGrp="1"/>
-          </p:cNvSpPr>
-          <p:nvPr>
-            <p:ph type="title"/>
-          </p:nvPr>
-        </p:nvSpPr>
-        <p:spPr/>
-        <p:txBody>
-          <a:bodyPr/>
-          <a:lstStyle/>
-          <a:p>
-            <a:r>
-              <a:rPr lang="en-US" dirty="0"/>
-              <a:t>[Good] Have links based on class and name of event</a:t>
-            </a:r>
-          </a:p>
-        </p:txBody>
-      </p:sp>
-      <p:sp>
-        <p:nvSpPr>
-          <p:cNvPr id="3" name="Content Placeholder 2"/>
-          <p:cNvSpPr>
-            <a:spLocks noGrp="1"/>
-          </p:cNvSpPr>
-          <p:nvPr>
-            <p:ph idx="1"/>
-          </p:nvPr>
-        </p:nvSpPr>
-        <p:spPr/>
-        <p:txBody>
-          <a:bodyPr/>
-          <a:lstStyle/>
-          <a:p>
-            <a:endParaRPr lang="en-US" dirty="0"/>
-          </a:p>
-        </p:txBody>
-      </p:sp>
-    </p:spTree>
-    <p:extLst>
-      <p:ext uri="{BB962C8B-B14F-4D97-AF65-F5344CB8AC3E}">
-        <p14:creationId xmlns:p14="http://schemas.microsoft.com/office/powerpoint/2010/main" val="2810069299"/>
-      </p:ext>
-    </p:extLst>
-  </p:cSld>
-  <p:clrMapOvr>
-    <a:masterClrMapping/>
-  </p:clrMapOvr>
-</p:sld>
-</file>
-
 <file path=ppt/slides/slide25.xml><?xml version="1.0" encoding="utf-8"?>
 <p:sld xmlns:a="http://schemas.openxmlformats.org/drawingml/2006/main" xmlns:r="http://schemas.openxmlformats.org/officeDocument/2006/relationships" xmlns:p="http://schemas.openxmlformats.org/presentationml/2006/main">
   <p:cSld>
@@ -4515,7 +8248,7 @@
           <a:p>
             <a:r>
               <a:rPr lang="en-US" dirty="0"/>
-              <a:t>[Bad] Copy paste links from a different flow</a:t>
+              <a:t>[Bad] Link only based on event’s class</a:t>
             </a:r>
           </a:p>
         </p:txBody>
@@ -4535,14 +8268,17 @@
           <a:bodyPr/>
           <a:lstStyle/>
           <a:p>
-            <a:endParaRPr lang="en-US" dirty="0"/>
+            <a:r>
+              <a:rPr lang="en-US" dirty="0"/>
+              <a:t>You will never be able to use the command twice in the same flow</a:t>
+            </a:r>
           </a:p>
         </p:txBody>
       </p:sp>
     </p:spTree>
     <p:extLst>
       <p:ext uri="{BB962C8B-B14F-4D97-AF65-F5344CB8AC3E}">
-        <p14:creationId xmlns:p14="http://schemas.microsoft.com/office/powerpoint/2010/main" val="3511268381"/>
+        <p14:creationId xmlns:p14="http://schemas.microsoft.com/office/powerpoint/2010/main" val="2662474700"/>
       </p:ext>
     </p:extLst>
   </p:cSld>
@@ -4586,6 +8322,155 @@
           <a:p>
             <a:r>
               <a:rPr lang="en-US" dirty="0"/>
+              <a:t>[Good] Have links based on class and name of event</a:t>
+            </a:r>
+          </a:p>
+        </p:txBody>
+      </p:sp>
+      <p:pic>
+        <p:nvPicPr>
+          <p:cNvPr id="4" name="Content Placeholder 3"/>
+          <p:cNvPicPr>
+            <a:picLocks noGrp="1" noChangeAspect="1"/>
+          </p:cNvPicPr>
+          <p:nvPr>
+            <p:ph idx="1"/>
+          </p:nvPr>
+        </p:nvPicPr>
+        <p:blipFill>
+          <a:blip r:embed="rId2"/>
+          <a:stretch>
+            <a:fillRect/>
+          </a:stretch>
+        </p:blipFill>
+        <p:spPr>
+          <a:xfrm>
+            <a:off x="265933" y="1690688"/>
+            <a:ext cx="11810304" cy="3804948"/>
+          </a:xfrm>
+          <a:prstGeom prst="rect">
+            <a:avLst/>
+          </a:prstGeom>
+        </p:spPr>
+      </p:pic>
+    </p:spTree>
+    <p:extLst>
+      <p:ext uri="{BB962C8B-B14F-4D97-AF65-F5344CB8AC3E}">
+        <p14:creationId xmlns:p14="http://schemas.microsoft.com/office/powerpoint/2010/main" val="2810069299"/>
+      </p:ext>
+    </p:extLst>
+  </p:cSld>
+  <p:clrMapOvr>
+    <a:masterClrMapping/>
+  </p:clrMapOvr>
+</p:sld>
+</file>
+
+<file path=ppt/slides/slide27.xml><?xml version="1.0" encoding="utf-8"?>
+<p:sld xmlns:a="http://schemas.openxmlformats.org/drawingml/2006/main" xmlns:r="http://schemas.openxmlformats.org/officeDocument/2006/relationships" xmlns:p="http://schemas.openxmlformats.org/presentationml/2006/main">
+  <p:cSld>
+    <p:spTree>
+      <p:nvGrpSpPr>
+        <p:cNvPr id="1" name=""/>
+        <p:cNvGrpSpPr/>
+        <p:nvPr/>
+      </p:nvGrpSpPr>
+      <p:grpSpPr>
+        <a:xfrm>
+          <a:off x="0" y="0"/>
+          <a:ext cx="0" cy="0"/>
+          <a:chOff x="0" y="0"/>
+          <a:chExt cx="0" cy="0"/>
+        </a:xfrm>
+      </p:grpSpPr>
+      <p:sp>
+        <p:nvSpPr>
+          <p:cNvPr id="2" name="Title 1"/>
+          <p:cNvSpPr>
+            <a:spLocks noGrp="1"/>
+          </p:cNvSpPr>
+          <p:nvPr>
+            <p:ph type="title"/>
+          </p:nvPr>
+        </p:nvSpPr>
+        <p:spPr/>
+        <p:txBody>
+          <a:bodyPr/>
+          <a:lstStyle/>
+          <a:p>
+            <a:r>
+              <a:rPr lang="en-US" dirty="0"/>
+              <a:t>[Bad] Copy paste links from a different flow</a:t>
+            </a:r>
+          </a:p>
+        </p:txBody>
+      </p:sp>
+      <p:sp>
+        <p:nvSpPr>
+          <p:cNvPr id="3" name="Content Placeholder 2"/>
+          <p:cNvSpPr>
+            <a:spLocks noGrp="1"/>
+          </p:cNvSpPr>
+          <p:nvPr>
+            <p:ph idx="1"/>
+          </p:nvPr>
+        </p:nvSpPr>
+        <p:spPr/>
+        <p:txBody>
+          <a:bodyPr/>
+          <a:lstStyle/>
+          <a:p>
+            <a:endParaRPr lang="en-US" dirty="0"/>
+          </a:p>
+        </p:txBody>
+      </p:sp>
+    </p:spTree>
+    <p:extLst>
+      <p:ext uri="{BB962C8B-B14F-4D97-AF65-F5344CB8AC3E}">
+        <p14:creationId xmlns:p14="http://schemas.microsoft.com/office/powerpoint/2010/main" val="3511268381"/>
+      </p:ext>
+    </p:extLst>
+  </p:cSld>
+  <p:clrMapOvr>
+    <a:masterClrMapping/>
+  </p:clrMapOvr>
+</p:sld>
+</file>
+
+<file path=ppt/slides/slide28.xml><?xml version="1.0" encoding="utf-8"?>
+<p:sld xmlns:a="http://schemas.openxmlformats.org/drawingml/2006/main" xmlns:r="http://schemas.openxmlformats.org/officeDocument/2006/relationships" xmlns:p="http://schemas.openxmlformats.org/presentationml/2006/main">
+  <p:cSld>
+    <p:spTree>
+      <p:nvGrpSpPr>
+        <p:cNvPr id="1" name=""/>
+        <p:cNvGrpSpPr/>
+        <p:nvPr/>
+      </p:nvGrpSpPr>
+      <p:grpSpPr>
+        <a:xfrm>
+          <a:off x="0" y="0"/>
+          <a:ext cx="0" cy="0"/>
+          <a:chOff x="0" y="0"/>
+          <a:chExt cx="0" cy="0"/>
+        </a:xfrm>
+      </p:grpSpPr>
+      <p:sp>
+        <p:nvSpPr>
+          <p:cNvPr id="2" name="Title 1"/>
+          <p:cNvSpPr>
+            <a:spLocks noGrp="1"/>
+          </p:cNvSpPr>
+          <p:nvPr>
+            <p:ph type="title"/>
+          </p:nvPr>
+        </p:nvSpPr>
+        <p:spPr/>
+        <p:txBody>
+          <a:bodyPr/>
+          <a:lstStyle/>
+          <a:p>
+            <a:r>
+              <a:rPr lang="en-US" dirty="0"/>
               <a:t>[Good] Have aggregate commands</a:t>
             </a:r>
           </a:p>
@@ -4614,6 +8499,104 @@
     <p:extLst>
       <p:ext uri="{BB962C8B-B14F-4D97-AF65-F5344CB8AC3E}">
         <p14:creationId xmlns:p14="http://schemas.microsoft.com/office/powerpoint/2010/main" val="3435437884"/>
+      </p:ext>
+    </p:extLst>
+  </p:cSld>
+  <p:clrMapOvr>
+    <a:masterClrMapping/>
+  </p:clrMapOvr>
+</p:sld>
+</file>
+
+<file path=ppt/slides/slide29.xml><?xml version="1.0" encoding="utf-8"?>
+<p:sld xmlns:a="http://schemas.openxmlformats.org/drawingml/2006/main" xmlns:r="http://schemas.openxmlformats.org/officeDocument/2006/relationships" xmlns:p="http://schemas.openxmlformats.org/presentationml/2006/main">
+  <p:cSld>
+    <p:spTree>
+      <p:nvGrpSpPr>
+        <p:cNvPr id="1" name=""/>
+        <p:cNvGrpSpPr/>
+        <p:nvPr/>
+      </p:nvGrpSpPr>
+      <p:grpSpPr>
+        <a:xfrm>
+          <a:off x="0" y="0"/>
+          <a:ext cx="0" cy="0"/>
+          <a:chOff x="0" y="0"/>
+          <a:chExt cx="0" cy="0"/>
+        </a:xfrm>
+      </p:grpSpPr>
+      <p:sp>
+        <p:nvSpPr>
+          <p:cNvPr id="2" name="Title 1"/>
+          <p:cNvSpPr>
+            <a:spLocks noGrp="1"/>
+          </p:cNvSpPr>
+          <p:nvPr>
+            <p:ph type="title"/>
+          </p:nvPr>
+        </p:nvSpPr>
+        <p:spPr/>
+        <p:txBody>
+          <a:bodyPr/>
+          <a:lstStyle/>
+          <a:p>
+            <a:r>
+              <a:rPr lang="en-US" dirty="0"/>
+              <a:t>Presentation</a:t>
+            </a:r>
+          </a:p>
+        </p:txBody>
+      </p:sp>
+      <p:sp>
+        <p:nvSpPr>
+          <p:cNvPr id="3" name="Content Placeholder 2"/>
+          <p:cNvSpPr>
+            <a:spLocks noGrp="1"/>
+          </p:cNvSpPr>
+          <p:nvPr>
+            <p:ph idx="1"/>
+          </p:nvPr>
+        </p:nvSpPr>
+        <p:spPr/>
+        <p:txBody>
+          <a:bodyPr/>
+          <a:lstStyle/>
+          <a:p>
+            <a:r>
+              <a:rPr lang="en-US" dirty="0"/>
+              <a:t>What are reactive apps?</a:t>
+            </a:r>
+          </a:p>
+          <a:p>
+            <a:r>
+              <a:rPr lang="en-US" dirty="0"/>
+              <a:t>Motivation</a:t>
+            </a:r>
+          </a:p>
+          <a:p>
+            <a:r>
+              <a:rPr lang="en-US" dirty="0"/>
+              <a:t>Solution</a:t>
+            </a:r>
+          </a:p>
+          <a:p>
+            <a:r>
+              <a:rPr lang="en-US" dirty="0"/>
+              <a:t>Problems that we encountered</a:t>
+            </a:r>
+          </a:p>
+          <a:p>
+            <a:r>
+              <a:rPr lang="en-US" b="1" dirty="0"/>
+              <a:t>End advices</a:t>
+            </a:r>
+          </a:p>
+        </p:txBody>
+      </p:sp>
+    </p:spTree>
+    <p:extLst>
+      <p:ext uri="{BB962C8B-B14F-4D97-AF65-F5344CB8AC3E}">
+        <p14:creationId xmlns:p14="http://schemas.microsoft.com/office/powerpoint/2010/main" val="1533761733"/>
       </p:ext>
     </p:extLst>
   </p:cSld>
@@ -4657,6 +8640,659 @@
           <a:p>
             <a:r>
               <a:rPr lang="en-US" dirty="0"/>
+              <a:t>What is a reactive app?</a:t>
+            </a:r>
+          </a:p>
+        </p:txBody>
+      </p:sp>
+      <p:sp>
+        <p:nvSpPr>
+          <p:cNvPr id="3" name="Content Placeholder 2"/>
+          <p:cNvSpPr>
+            <a:spLocks noGrp="1"/>
+          </p:cNvSpPr>
+          <p:nvPr>
+            <p:ph idx="1"/>
+          </p:nvPr>
+        </p:nvSpPr>
+        <p:spPr/>
+        <p:txBody>
+          <a:bodyPr/>
+          <a:lstStyle/>
+          <a:p>
+            <a:r>
+              <a:rPr lang="en-US" dirty="0"/>
+              <a:t>A reactive app is an app that is build as a stream of components that react to new data</a:t>
+            </a:r>
+          </a:p>
+          <a:p>
+            <a:r>
+              <a:rPr lang="en-US" dirty="0"/>
+              <a:t>In </a:t>
+            </a:r>
+            <a:r>
+              <a:rPr lang="en-US" dirty="0">
+                <a:hlinkClick r:id="rId2" tooltip="Computing"/>
+              </a:rPr>
+              <a:t>computing</a:t>
+            </a:r>
+            <a:r>
+              <a:rPr lang="en-US" dirty="0"/>
+              <a:t>, </a:t>
+            </a:r>
+            <a:r>
+              <a:rPr lang="en-US" b="1" dirty="0"/>
+              <a:t>reactive programming</a:t>
+            </a:r>
+            <a:r>
+              <a:rPr lang="en-US" dirty="0"/>
+              <a:t> is an asynchronous </a:t>
+            </a:r>
+            <a:r>
+              <a:rPr lang="en-US" dirty="0">
+                <a:hlinkClick r:id="rId3" tooltip="Programming paradigm"/>
+              </a:rPr>
+              <a:t>programming paradigm</a:t>
+            </a:r>
+            <a:r>
+              <a:rPr lang="en-US" dirty="0"/>
+              <a:t> concerned with </a:t>
+            </a:r>
+            <a:r>
+              <a:rPr lang="en-US" dirty="0">
+                <a:hlinkClick r:id="rId4" tooltip="Dataflow programming"/>
+              </a:rPr>
+              <a:t>data streams</a:t>
+            </a:r>
+            <a:r>
+              <a:rPr lang="en-US" dirty="0"/>
+              <a:t> and the propagation of change. This means that it becomes possible to express static (e.g. arrays) or dynamic (e.g. event emitters) </a:t>
+            </a:r>
+            <a:r>
+              <a:rPr lang="en-US" i="1" dirty="0"/>
+              <a:t>data streams</a:t>
+            </a:r>
+            <a:r>
+              <a:rPr lang="en-US" dirty="0"/>
+              <a:t> with ease via the employed programming language(s), and that an inferred dependency within the associated </a:t>
+            </a:r>
+            <a:r>
+              <a:rPr lang="en-US" i="1" dirty="0"/>
+              <a:t>execution model</a:t>
+            </a:r>
+            <a:r>
+              <a:rPr lang="en-US" dirty="0"/>
+              <a:t> exists, which facilitates the automatic propagation of the change involved with data flow.</a:t>
+            </a:r>
+            <a:endParaRPr lang="en-US" dirty="0"/>
+          </a:p>
+          <a:p>
+            <a:endParaRPr lang="en-US" dirty="0"/>
+          </a:p>
+        </p:txBody>
+      </p:sp>
+    </p:spTree>
+    <p:extLst>
+      <p:ext uri="{BB962C8B-B14F-4D97-AF65-F5344CB8AC3E}">
+        <p14:creationId xmlns:p14="http://schemas.microsoft.com/office/powerpoint/2010/main" val="1447901599"/>
+      </p:ext>
+    </p:extLst>
+  </p:cSld>
+  <p:clrMapOvr>
+    <a:masterClrMapping/>
+  </p:clrMapOvr>
+</p:sld>
+</file>
+
+<file path=ppt/slides/slide30.xml><?xml version="1.0" encoding="utf-8"?>
+<p:sld xmlns:a="http://schemas.openxmlformats.org/drawingml/2006/main" xmlns:r="http://schemas.openxmlformats.org/officeDocument/2006/relationships" xmlns:p="http://schemas.openxmlformats.org/presentationml/2006/main">
+  <p:cSld>
+    <p:spTree>
+      <p:nvGrpSpPr>
+        <p:cNvPr id="1" name=""/>
+        <p:cNvGrpSpPr/>
+        <p:nvPr/>
+      </p:nvGrpSpPr>
+      <p:grpSpPr>
+        <a:xfrm>
+          <a:off x="0" y="0"/>
+          <a:ext cx="0" cy="0"/>
+          <a:chOff x="0" y="0"/>
+          <a:chExt cx="0" cy="0"/>
+        </a:xfrm>
+      </p:grpSpPr>
+      <p:sp>
+        <p:nvSpPr>
+          <p:cNvPr id="19" name="Freeform: Shape 18"/>
+          <p:cNvSpPr>
+            <a:spLocks noGrp="1" noRot="1" noChangeAspect="1" noMove="1" noResize="1" noEditPoints="1" noAdjustHandles="1" noChangeArrowheads="1" noChangeShapeType="1" noTextEdit="1"/>
+          </p:cNvSpPr>
+          <p:nvPr>
+            <p:extLst>
+              <p:ext uri="{386F3935-93C4-4BCD-93E2-E3B085C9AB24}">
+                <p16:designElem xmlns:p16="http://schemas.microsoft.com/office/powerpoint/2015/main" val="1"/>
+              </p:ext>
+            </p:extLst>
+          </p:nvPr>
+        </p:nvSpPr>
+        <p:spPr>
+          <a:xfrm rot="10800000">
+            <a:off x="9016005" y="5367908"/>
+            <a:ext cx="3175996" cy="1490093"/>
+          </a:xfrm>
+          <a:custGeom>
+            <a:avLst/>
+            <a:gdLst>
+              <a:gd name="connsiteX0" fmla="*/ 2485888 w 3175996"/>
+              <a:gd name="connsiteY0" fmla="*/ 1490093 h 1490093"/>
+              <a:gd name="connsiteX1" fmla="*/ 0 w 3175996"/>
+              <a:gd name="connsiteY1" fmla="*/ 1490093 h 1490093"/>
+              <a:gd name="connsiteX2" fmla="*/ 0 w 3175996"/>
+              <a:gd name="connsiteY2" fmla="*/ 0 h 1490093"/>
+              <a:gd name="connsiteX3" fmla="*/ 3175996 w 3175996"/>
+              <a:gd name="connsiteY3" fmla="*/ 0 h 1490093"/>
+            </a:gdLst>
+            <a:ahLst/>
+            <a:cxnLst>
+              <a:cxn ang="0">
+                <a:pos x="connsiteX0" y="connsiteY0"/>
+              </a:cxn>
+              <a:cxn ang="0">
+                <a:pos x="connsiteX1" y="connsiteY1"/>
+              </a:cxn>
+              <a:cxn ang="0">
+                <a:pos x="connsiteX2" y="connsiteY2"/>
+              </a:cxn>
+              <a:cxn ang="0">
+                <a:pos x="connsiteX3" y="connsiteY3"/>
+              </a:cxn>
+            </a:cxnLst>
+            <a:rect l="l" t="t" r="r" b="b"/>
+            <a:pathLst>
+              <a:path w="3175996" h="1490093">
+                <a:moveTo>
+                  <a:pt x="2485888" y="1490093"/>
+                </a:moveTo>
+                <a:lnTo>
+                  <a:pt x="0" y="1490093"/>
+                </a:lnTo>
+                <a:lnTo>
+                  <a:pt x="0" y="0"/>
+                </a:lnTo>
+                <a:lnTo>
+                  <a:pt x="3175996" y="0"/>
+                </a:lnTo>
+                <a:close/>
+              </a:path>
+            </a:pathLst>
+          </a:custGeom>
+          <a:solidFill>
+            <a:schemeClr val="bg1">
+              <a:lumMod val="95000"/>
+            </a:schemeClr>
+          </a:solidFill>
+          <a:ln>
+            <a:noFill/>
+          </a:ln>
+        </p:spPr>
+        <p:style>
+          <a:lnRef idx="2">
+            <a:schemeClr val="accent1">
+              <a:shade val="50000"/>
+            </a:schemeClr>
+          </a:lnRef>
+          <a:fillRef idx="1">
+            <a:schemeClr val="accent1"/>
+          </a:fillRef>
+          <a:effectRef idx="0">
+            <a:schemeClr val="accent1"/>
+          </a:effectRef>
+          <a:fontRef idx="minor">
+            <a:schemeClr val="lt1"/>
+          </a:fontRef>
+        </p:style>
+        <p:txBody>
+          <a:bodyPr rot="0" spcFirstLastPara="0" vertOverflow="overflow" horzOverflow="overflow" vert="horz" wrap="square" lIns="91440" tIns="45720" rIns="91440" bIns="45720" numCol="1" spcCol="0" rtlCol="0" fromWordArt="0" anchor="ctr" anchorCtr="0" forceAA="0" compatLnSpc="1">
+            <a:prstTxWarp prst="textNoShape">
+              <a:avLst/>
+            </a:prstTxWarp>
+            <a:noAutofit/>
+          </a:bodyPr>
+          <a:lstStyle/>
+          <a:p>
+            <a:pPr algn="ctr"/>
+            <a:endParaRPr lang="en-US"/>
+          </a:p>
+        </p:txBody>
+      </p:sp>
+      <p:sp>
+        <p:nvSpPr>
+          <p:cNvPr id="21" name="Freeform: Shape 20"/>
+          <p:cNvSpPr>
+            <a:spLocks noGrp="1" noRot="1" noChangeAspect="1" noMove="1" noResize="1" noEditPoints="1" noAdjustHandles="1" noChangeArrowheads="1" noChangeShapeType="1" noTextEdit="1"/>
+          </p:cNvSpPr>
+          <p:nvPr>
+            <p:extLst>
+              <p:ext uri="{386F3935-93C4-4BCD-93E2-E3B085C9AB24}">
+                <p16:designElem xmlns:p16="http://schemas.microsoft.com/office/powerpoint/2015/main" val="1"/>
+              </p:ext>
+            </p:extLst>
+          </p:nvPr>
+        </p:nvSpPr>
+        <p:spPr>
+          <a:xfrm>
+            <a:off x="-17262" y="5367908"/>
+            <a:ext cx="9566296" cy="1490093"/>
+          </a:xfrm>
+          <a:custGeom>
+            <a:avLst/>
+            <a:gdLst>
+              <a:gd name="connsiteX0" fmla="*/ 0 w 9566296"/>
+              <a:gd name="connsiteY0" fmla="*/ 0 h 1490093"/>
+              <a:gd name="connsiteX1" fmla="*/ 405267 w 9566296"/>
+              <a:gd name="connsiteY1" fmla="*/ 0 h 1490093"/>
+              <a:gd name="connsiteX2" fmla="*/ 631857 w 9566296"/>
+              <a:gd name="connsiteY2" fmla="*/ 0 h 1490093"/>
+              <a:gd name="connsiteX3" fmla="*/ 2451761 w 9566296"/>
+              <a:gd name="connsiteY3" fmla="*/ 0 h 1490093"/>
+              <a:gd name="connsiteX4" fmla="*/ 2901880 w 9566296"/>
+              <a:gd name="connsiteY4" fmla="*/ 0 h 1490093"/>
+              <a:gd name="connsiteX5" fmla="*/ 3641106 w 9566296"/>
+              <a:gd name="connsiteY5" fmla="*/ 0 h 1490093"/>
+              <a:gd name="connsiteX6" fmla="*/ 9566296 w 9566296"/>
+              <a:gd name="connsiteY6" fmla="*/ 0 h 1490093"/>
+              <a:gd name="connsiteX7" fmla="*/ 8876188 w 9566296"/>
+              <a:gd name="connsiteY7" fmla="*/ 1490093 h 1490093"/>
+              <a:gd name="connsiteX8" fmla="*/ 631857 w 9566296"/>
+              <a:gd name="connsiteY8" fmla="*/ 1490093 h 1490093"/>
+              <a:gd name="connsiteX9" fmla="*/ 405267 w 9566296"/>
+              <a:gd name="connsiteY9" fmla="*/ 1490093 h 1490093"/>
+              <a:gd name="connsiteX10" fmla="*/ 0 w 9566296"/>
+              <a:gd name="connsiteY10" fmla="*/ 1490093 h 1490093"/>
+            </a:gdLst>
+            <a:ahLst/>
+            <a:cxnLst>
+              <a:cxn ang="0">
+                <a:pos x="connsiteX0" y="connsiteY0"/>
+              </a:cxn>
+              <a:cxn ang="0">
+                <a:pos x="connsiteX1" y="connsiteY1"/>
+              </a:cxn>
+              <a:cxn ang="0">
+                <a:pos x="connsiteX2" y="connsiteY2"/>
+              </a:cxn>
+              <a:cxn ang="0">
+                <a:pos x="connsiteX3" y="connsiteY3"/>
+              </a:cxn>
+              <a:cxn ang="0">
+                <a:pos x="connsiteX4" y="connsiteY4"/>
+              </a:cxn>
+              <a:cxn ang="0">
+                <a:pos x="connsiteX5" y="connsiteY5"/>
+              </a:cxn>
+              <a:cxn ang="0">
+                <a:pos x="connsiteX6" y="connsiteY6"/>
+              </a:cxn>
+              <a:cxn ang="0">
+                <a:pos x="connsiteX7" y="connsiteY7"/>
+              </a:cxn>
+              <a:cxn ang="0">
+                <a:pos x="connsiteX8" y="connsiteY8"/>
+              </a:cxn>
+              <a:cxn ang="0">
+                <a:pos x="connsiteX9" y="connsiteY9"/>
+              </a:cxn>
+              <a:cxn ang="0">
+                <a:pos x="connsiteX10" y="connsiteY10"/>
+              </a:cxn>
+            </a:cxnLst>
+            <a:rect l="l" t="t" r="r" b="b"/>
+            <a:pathLst>
+              <a:path w="9566296" h="1490093">
+                <a:moveTo>
+                  <a:pt x="0" y="0"/>
+                </a:moveTo>
+                <a:lnTo>
+                  <a:pt x="405267" y="0"/>
+                </a:lnTo>
+                <a:lnTo>
+                  <a:pt x="631857" y="0"/>
+                </a:lnTo>
+                <a:lnTo>
+                  <a:pt x="2451761" y="0"/>
+                </a:lnTo>
+                <a:lnTo>
+                  <a:pt x="2901880" y="0"/>
+                </a:lnTo>
+                <a:lnTo>
+                  <a:pt x="3641106" y="0"/>
+                </a:lnTo>
+                <a:lnTo>
+                  <a:pt x="9566296" y="0"/>
+                </a:lnTo>
+                <a:lnTo>
+                  <a:pt x="8876188" y="1490093"/>
+                </a:lnTo>
+                <a:lnTo>
+                  <a:pt x="631857" y="1490093"/>
+                </a:lnTo>
+                <a:lnTo>
+                  <a:pt x="405267" y="1490093"/>
+                </a:lnTo>
+                <a:lnTo>
+                  <a:pt x="0" y="1490093"/>
+                </a:lnTo>
+                <a:close/>
+              </a:path>
+            </a:pathLst>
+          </a:custGeom>
+          <a:solidFill>
+            <a:schemeClr val="bg2"/>
+          </a:solidFill>
+          <a:ln>
+            <a:noFill/>
+          </a:ln>
+        </p:spPr>
+        <p:style>
+          <a:lnRef idx="2">
+            <a:schemeClr val="accent1">
+              <a:shade val="50000"/>
+            </a:schemeClr>
+          </a:lnRef>
+          <a:fillRef idx="1">
+            <a:schemeClr val="accent1"/>
+          </a:fillRef>
+          <a:effectRef idx="0">
+            <a:schemeClr val="accent1"/>
+          </a:effectRef>
+          <a:fontRef idx="minor">
+            <a:schemeClr val="lt1"/>
+          </a:fontRef>
+        </p:style>
+        <p:txBody>
+          <a:bodyPr rot="0" spcFirstLastPara="0" vertOverflow="overflow" horzOverflow="overflow" vert="horz" wrap="square" lIns="91440" tIns="45720" rIns="91440" bIns="45720" numCol="1" spcCol="0" rtlCol="0" fromWordArt="0" anchor="ctr" anchorCtr="0" forceAA="0" compatLnSpc="1">
+            <a:prstTxWarp prst="textNoShape">
+              <a:avLst/>
+            </a:prstTxWarp>
+            <a:noAutofit/>
+          </a:bodyPr>
+          <a:lstStyle/>
+          <a:p>
+            <a:pPr algn="ctr"/>
+            <a:endParaRPr lang="en-US"/>
+          </a:p>
+        </p:txBody>
+      </p:sp>
+      <p:sp>
+        <p:nvSpPr>
+          <p:cNvPr id="2" name="Title 1"/>
+          <p:cNvSpPr>
+            <a:spLocks noGrp="1"/>
+          </p:cNvSpPr>
+          <p:nvPr>
+            <p:ph type="title"/>
+          </p:nvPr>
+        </p:nvSpPr>
+        <p:spPr>
+          <a:xfrm>
+            <a:off x="838200" y="5529884"/>
+            <a:ext cx="8078342" cy="1096331"/>
+          </a:xfrm>
+        </p:spPr>
+        <p:txBody>
+          <a:bodyPr>
+            <a:normAutofit/>
+          </a:bodyPr>
+          <a:lstStyle/>
+          <a:p>
+            <a:r>
+              <a:rPr lang="en-US" dirty="0"/>
+              <a:t>Advices</a:t>
+            </a:r>
+          </a:p>
+        </p:txBody>
+      </p:sp>
+      <p:graphicFrame>
+        <p:nvGraphicFramePr>
+          <p:cNvPr id="7" name="Content Placeholder 2"/>
+          <p:cNvGraphicFramePr>
+            <a:graphicFrameLocks noGrp="1"/>
+          </p:cNvGraphicFramePr>
+          <p:nvPr>
+            <p:ph idx="1"/>
+            <p:extLst>
+              <p:ext uri="{D42A27DB-BD31-4B8C-83A1-F6EECF244321}">
+                <p14:modId xmlns:p14="http://schemas.microsoft.com/office/powerpoint/2010/main" val="764718670"/>
+              </p:ext>
+            </p:extLst>
+          </p:nvPr>
+        </p:nvGraphicFramePr>
+        <p:xfrm>
+          <a:off x="838200" y="643467"/>
+          <a:ext cx="10515600" cy="4080974"/>
+        </p:xfrm>
+        <a:graphic>
+          <a:graphicData uri="http://schemas.openxmlformats.org/drawingml/2006/diagram">
+            <dgm:relIds xmlns:dgm="http://schemas.openxmlformats.org/drawingml/2006/diagram" xmlns:r="http://schemas.openxmlformats.org/officeDocument/2006/relationships" r:dm="rId2" r:lo="rId3" r:qs="rId4" r:cs="rId5"/>
+          </a:graphicData>
+        </a:graphic>
+      </p:graphicFrame>
+    </p:spTree>
+    <p:extLst>
+      <p:ext uri="{BB962C8B-B14F-4D97-AF65-F5344CB8AC3E}">
+        <p14:creationId xmlns:p14="http://schemas.microsoft.com/office/powerpoint/2010/main" val="3667821914"/>
+      </p:ext>
+    </p:extLst>
+  </p:cSld>
+  <p:clrMapOvr>
+    <a:masterClrMapping/>
+  </p:clrMapOvr>
+</p:sld>
+</file>
+
+<file path=ppt/slides/slide31.xml><?xml version="1.0" encoding="utf-8"?>
+<p:sld xmlns:a="http://schemas.openxmlformats.org/drawingml/2006/main" xmlns:r="http://schemas.openxmlformats.org/officeDocument/2006/relationships" xmlns:p="http://schemas.openxmlformats.org/presentationml/2006/main">
+  <p:cSld>
+    <p:spTree>
+      <p:nvGrpSpPr>
+        <p:cNvPr id="1" name=""/>
+        <p:cNvGrpSpPr/>
+        <p:nvPr/>
+      </p:nvGrpSpPr>
+      <p:grpSpPr>
+        <a:xfrm>
+          <a:off x="0" y="0"/>
+          <a:ext cx="0" cy="0"/>
+          <a:chOff x="0" y="0"/>
+          <a:chExt cx="0" cy="0"/>
+        </a:xfrm>
+      </p:grpSpPr>
+      <p:sp>
+        <p:nvSpPr>
+          <p:cNvPr id="2" name="Title 1"/>
+          <p:cNvSpPr>
+            <a:spLocks noGrp="1"/>
+          </p:cNvSpPr>
+          <p:nvPr>
+            <p:ph type="title"/>
+          </p:nvPr>
+        </p:nvSpPr>
+        <p:spPr/>
+        <p:txBody>
+          <a:bodyPr/>
+          <a:lstStyle/>
+          <a:p>
+            <a:r>
+              <a:rPr lang="en-US" dirty="0"/>
+              <a:t>Questions?</a:t>
+            </a:r>
+          </a:p>
+        </p:txBody>
+      </p:sp>
+      <p:sp>
+        <p:nvSpPr>
+          <p:cNvPr id="3" name="Content Placeholder 2"/>
+          <p:cNvSpPr>
+            <a:spLocks noGrp="1"/>
+          </p:cNvSpPr>
+          <p:nvPr>
+            <p:ph idx="1"/>
+          </p:nvPr>
+        </p:nvSpPr>
+        <p:spPr/>
+        <p:txBody>
+          <a:bodyPr/>
+          <a:lstStyle/>
+          <a:p>
+            <a:endParaRPr lang="en-US"/>
+          </a:p>
+        </p:txBody>
+      </p:sp>
+    </p:spTree>
+    <p:extLst>
+      <p:ext uri="{BB962C8B-B14F-4D97-AF65-F5344CB8AC3E}">
+        <p14:creationId xmlns:p14="http://schemas.microsoft.com/office/powerpoint/2010/main" val="2492929004"/>
+      </p:ext>
+    </p:extLst>
+  </p:cSld>
+  <p:clrMapOvr>
+    <a:masterClrMapping/>
+  </p:clrMapOvr>
+</p:sld>
+</file>
+
+<file path=ppt/slides/slide4.xml><?xml version="1.0" encoding="utf-8"?>
+<p:sld xmlns:a="http://schemas.openxmlformats.org/drawingml/2006/main" xmlns:r="http://schemas.openxmlformats.org/officeDocument/2006/relationships" xmlns:p="http://schemas.openxmlformats.org/presentationml/2006/main">
+  <p:cSld>
+    <p:spTree>
+      <p:nvGrpSpPr>
+        <p:cNvPr id="1" name=""/>
+        <p:cNvGrpSpPr/>
+        <p:nvPr/>
+      </p:nvGrpSpPr>
+      <p:grpSpPr>
+        <a:xfrm>
+          <a:off x="0" y="0"/>
+          <a:ext cx="0" cy="0"/>
+          <a:chOff x="0" y="0"/>
+          <a:chExt cx="0" cy="0"/>
+        </a:xfrm>
+      </p:grpSpPr>
+      <p:sp>
+        <p:nvSpPr>
+          <p:cNvPr id="2" name="Title 1"/>
+          <p:cNvSpPr>
+            <a:spLocks noGrp="1"/>
+          </p:cNvSpPr>
+          <p:nvPr>
+            <p:ph type="title"/>
+          </p:nvPr>
+        </p:nvSpPr>
+        <p:spPr/>
+        <p:txBody>
+          <a:bodyPr/>
+          <a:lstStyle/>
+          <a:p>
+            <a:r>
+              <a:rPr lang="en-US" dirty="0"/>
+              <a:t>Presentation</a:t>
+            </a:r>
+          </a:p>
+        </p:txBody>
+      </p:sp>
+      <p:sp>
+        <p:nvSpPr>
+          <p:cNvPr id="3" name="Content Placeholder 2"/>
+          <p:cNvSpPr>
+            <a:spLocks noGrp="1"/>
+          </p:cNvSpPr>
+          <p:nvPr>
+            <p:ph idx="1"/>
+          </p:nvPr>
+        </p:nvSpPr>
+        <p:spPr/>
+        <p:txBody>
+          <a:bodyPr/>
+          <a:lstStyle/>
+          <a:p>
+            <a:r>
+              <a:rPr lang="en-US" dirty="0"/>
+              <a:t>What are reactive apps?</a:t>
+            </a:r>
+          </a:p>
+          <a:p>
+            <a:r>
+              <a:rPr lang="en-US" b="1" dirty="0"/>
+              <a:t>Motivation</a:t>
+            </a:r>
+          </a:p>
+          <a:p>
+            <a:r>
+              <a:rPr lang="en-US" dirty="0"/>
+              <a:t>Solution</a:t>
+            </a:r>
+          </a:p>
+          <a:p>
+            <a:r>
+              <a:rPr lang="en-US" dirty="0"/>
+              <a:t>Problems that we encountered</a:t>
+            </a:r>
+          </a:p>
+          <a:p>
+            <a:r>
+              <a:rPr lang="en-US" dirty="0"/>
+              <a:t>End advices</a:t>
+            </a:r>
+          </a:p>
+        </p:txBody>
+      </p:sp>
+    </p:spTree>
+    <p:extLst>
+      <p:ext uri="{BB962C8B-B14F-4D97-AF65-F5344CB8AC3E}">
+        <p14:creationId xmlns:p14="http://schemas.microsoft.com/office/powerpoint/2010/main" val="4093028804"/>
+      </p:ext>
+    </p:extLst>
+  </p:cSld>
+  <p:clrMapOvr>
+    <a:masterClrMapping/>
+  </p:clrMapOvr>
+</p:sld>
+</file>
+
+<file path=ppt/slides/slide5.xml><?xml version="1.0" encoding="utf-8"?>
+<p:sld xmlns:a="http://schemas.openxmlformats.org/drawingml/2006/main" xmlns:r="http://schemas.openxmlformats.org/officeDocument/2006/relationships" xmlns:p="http://schemas.openxmlformats.org/presentationml/2006/main">
+  <p:cSld>
+    <p:spTree>
+      <p:nvGrpSpPr>
+        <p:cNvPr id="1" name=""/>
+        <p:cNvGrpSpPr/>
+        <p:nvPr/>
+      </p:nvGrpSpPr>
+      <p:grpSpPr>
+        <a:xfrm>
+          <a:off x="0" y="0"/>
+          <a:ext cx="0" cy="0"/>
+          <a:chOff x="0" y="0"/>
+          <a:chExt cx="0" cy="0"/>
+        </a:xfrm>
+      </p:grpSpPr>
+      <p:sp>
+        <p:nvSpPr>
+          <p:cNvPr id="2" name="Title 1"/>
+          <p:cNvSpPr>
+            <a:spLocks noGrp="1"/>
+          </p:cNvSpPr>
+          <p:nvPr>
+            <p:ph type="title"/>
+          </p:nvPr>
+        </p:nvSpPr>
+        <p:spPr/>
+        <p:txBody>
+          <a:bodyPr/>
+          <a:lstStyle/>
+          <a:p>
+            <a:r>
+              <a:rPr lang="en-US" dirty="0"/>
               <a:t>What problem do we want to solve?</a:t>
             </a:r>
           </a:p>
@@ -4725,7 +9361,7 @@
 </p:sld>
 </file>
 
-<file path=ppt/slides/slide4.xml><?xml version="1.0" encoding="utf-8"?>
+<file path=ppt/slides/slide6.xml><?xml version="1.0" encoding="utf-8"?>
 <p:sld xmlns:a="http://schemas.openxmlformats.org/drawingml/2006/main" xmlns:r="http://schemas.openxmlformats.org/officeDocument/2006/relationships" xmlns:p="http://schemas.openxmlformats.org/presentationml/2006/main">
   <p:cSld>
     <p:spTree>
@@ -4779,387 +9415,6 @@
 </p:sld>
 </file>
 
-<file path=ppt/slides/slide5.xml><?xml version="1.0" encoding="utf-8"?>
-<p:sld xmlns:a="http://schemas.openxmlformats.org/drawingml/2006/main" xmlns:r="http://schemas.openxmlformats.org/officeDocument/2006/relationships" xmlns:p="http://schemas.openxmlformats.org/presentationml/2006/main">
-  <p:cSld>
-    <p:spTree>
-      <p:nvGrpSpPr>
-        <p:cNvPr id="1" name=""/>
-        <p:cNvGrpSpPr/>
-        <p:nvPr/>
-      </p:nvGrpSpPr>
-      <p:grpSpPr>
-        <a:xfrm>
-          <a:off x="0" y="0"/>
-          <a:ext cx="0" cy="0"/>
-          <a:chOff x="0" y="0"/>
-          <a:chExt cx="0" cy="0"/>
-        </a:xfrm>
-      </p:grpSpPr>
-      <p:sp>
-        <p:nvSpPr>
-          <p:cNvPr id="2" name="Title 1"/>
-          <p:cNvSpPr>
-            <a:spLocks noGrp="1"/>
-          </p:cNvSpPr>
-          <p:nvPr>
-            <p:ph type="title"/>
-          </p:nvPr>
-        </p:nvSpPr>
-        <p:spPr/>
-        <p:txBody>
-          <a:bodyPr/>
-          <a:lstStyle/>
-          <a:p>
-            <a:r>
-              <a:rPr lang="en-US" dirty="0"/>
-              <a:t>Class length</a:t>
-            </a:r>
-          </a:p>
-        </p:txBody>
-      </p:sp>
-      <p:sp>
-        <p:nvSpPr>
-          <p:cNvPr id="3" name="Content Placeholder 2"/>
-          <p:cNvSpPr>
-            <a:spLocks noGrp="1"/>
-          </p:cNvSpPr>
-          <p:nvPr>
-            <p:ph idx="1"/>
-          </p:nvPr>
-        </p:nvSpPr>
-        <p:spPr/>
-        <p:txBody>
-          <a:bodyPr/>
-          <a:lstStyle/>
-          <a:p>
-            <a:r>
-              <a:rPr lang="en-US" dirty="0" err="1"/>
-              <a:t>SignInManager</a:t>
-            </a:r>
-            <a:r>
-              <a:rPr lang="en-US" dirty="0"/>
-              <a:t> – 800 </a:t>
-            </a:r>
-            <a:r>
-              <a:rPr lang="en-US" dirty="0"/>
-              <a:t>lines</a:t>
-            </a:r>
-            <a:endParaRPr lang="en-US" dirty="0"/>
-          </a:p>
-          <a:p>
-            <a:r>
-              <a:rPr lang="en-US" dirty="0" err="1"/>
-              <a:t>UserManager</a:t>
-            </a:r>
-            <a:r>
-              <a:rPr lang="en-US" dirty="0"/>
-              <a:t> – 2500 lines</a:t>
-            </a:r>
-          </a:p>
-          <a:p>
-            <a:r>
-              <a:rPr lang="en-US" dirty="0" err="1"/>
-              <a:t>UserStore</a:t>
-            </a:r>
-            <a:r>
-              <a:rPr lang="en-US" dirty="0"/>
-              <a:t> – 1500 lines</a:t>
-            </a:r>
-            <a:endParaRPr lang="en-US" dirty="0"/>
-          </a:p>
-        </p:txBody>
-      </p:sp>
-    </p:spTree>
-    <p:extLst>
-      <p:ext uri="{BB962C8B-B14F-4D97-AF65-F5344CB8AC3E}">
-        <p14:creationId xmlns:p14="http://schemas.microsoft.com/office/powerpoint/2010/main" val="3712767126"/>
-      </p:ext>
-    </p:extLst>
-  </p:cSld>
-  <p:clrMapOvr>
-    <a:masterClrMapping/>
-  </p:clrMapOvr>
-</p:sld>
-</file>
-
-<file path=ppt/slides/slide6.xml><?xml version="1.0" encoding="utf-8"?>
-<p:sld xmlns:a="http://schemas.openxmlformats.org/drawingml/2006/main" xmlns:r="http://schemas.openxmlformats.org/officeDocument/2006/relationships" xmlns:p="http://schemas.openxmlformats.org/presentationml/2006/main">
-  <p:cSld>
-    <p:spTree>
-      <p:nvGrpSpPr>
-        <p:cNvPr id="1" name=""/>
-        <p:cNvGrpSpPr/>
-        <p:nvPr/>
-      </p:nvGrpSpPr>
-      <p:grpSpPr>
-        <a:xfrm>
-          <a:off x="0" y="0"/>
-          <a:ext cx="0" cy="0"/>
-          <a:chOff x="0" y="0"/>
-          <a:chExt cx="0" cy="0"/>
-        </a:xfrm>
-      </p:grpSpPr>
-      <p:sp>
-        <p:nvSpPr>
-          <p:cNvPr id="2" name="Title 1"/>
-          <p:cNvSpPr>
-            <a:spLocks noGrp="1"/>
-          </p:cNvSpPr>
-          <p:nvPr>
-            <p:ph type="title"/>
-          </p:nvPr>
-        </p:nvSpPr>
-        <p:spPr/>
-        <p:txBody>
-          <a:bodyPr/>
-          <a:lstStyle/>
-          <a:p>
-            <a:r>
-              <a:rPr lang="en-US" dirty="0" err="1"/>
-              <a:t>UserManager</a:t>
-            </a:r>
-            <a:r>
-              <a:rPr lang="en-US" dirty="0"/>
-              <a:t> Dependencies</a:t>
-            </a:r>
-          </a:p>
-        </p:txBody>
-      </p:sp>
-      <p:sp>
-        <p:nvSpPr>
-          <p:cNvPr id="6" name="Content Placeholder 5"/>
-          <p:cNvSpPr>
-            <a:spLocks noGrp="1"/>
-          </p:cNvSpPr>
-          <p:nvPr>
-            <p:ph idx="1"/>
-          </p:nvPr>
-        </p:nvSpPr>
-        <p:spPr/>
-        <p:txBody>
-          <a:bodyPr>
-            <a:normAutofit lnSpcReduction="10000"/>
-          </a:bodyPr>
-          <a:lstStyle/>
-          <a:p>
-            <a:r>
-              <a:rPr lang="en-US" dirty="0" err="1"/>
-              <a:t>IUserStore</a:t>
-            </a:r>
-            <a:r>
-              <a:rPr lang="en-US" dirty="0"/>
-              <a:t>&lt;</a:t>
-            </a:r>
-            <a:r>
-              <a:rPr lang="en-US" dirty="0" err="1"/>
-              <a:t>TUser</a:t>
-            </a:r>
-            <a:r>
-              <a:rPr lang="en-US" dirty="0"/>
-              <a:t>&gt; store,</a:t>
-            </a:r>
-          </a:p>
-          <a:p>
-            <a:r>
-              <a:rPr lang="en-US" dirty="0" err="1"/>
-              <a:t>IOptions</a:t>
-            </a:r>
-            <a:r>
-              <a:rPr lang="en-US" dirty="0"/>
-              <a:t>&lt;</a:t>
-            </a:r>
-            <a:r>
-              <a:rPr lang="en-US" dirty="0" err="1"/>
-              <a:t>IdentityOptions</a:t>
-            </a:r>
-            <a:r>
-              <a:rPr lang="en-US" dirty="0"/>
-              <a:t>&gt; </a:t>
-            </a:r>
-            <a:r>
-              <a:rPr lang="en-US" dirty="0" err="1"/>
-              <a:t>optionsAccessor</a:t>
-            </a:r>
-            <a:r>
-              <a:rPr lang="en-US" dirty="0"/>
-              <a:t>,</a:t>
-            </a:r>
-          </a:p>
-          <a:p>
-            <a:r>
-              <a:rPr lang="en-US" dirty="0" err="1"/>
-              <a:t>IPasswordHasher</a:t>
-            </a:r>
-            <a:r>
-              <a:rPr lang="en-US" dirty="0"/>
-              <a:t>&lt;</a:t>
-            </a:r>
-            <a:r>
-              <a:rPr lang="en-US" dirty="0" err="1"/>
-              <a:t>TUser</a:t>
-            </a:r>
-            <a:r>
-              <a:rPr lang="en-US" dirty="0"/>
-              <a:t>&gt; </a:t>
-            </a:r>
-            <a:r>
-              <a:rPr lang="en-US" dirty="0" err="1"/>
-              <a:t>passwordHasher</a:t>
-            </a:r>
-            <a:r>
-              <a:rPr lang="en-US" dirty="0"/>
-              <a:t>,</a:t>
-            </a:r>
-          </a:p>
-          <a:p>
-            <a:r>
-              <a:rPr lang="en-US" dirty="0" err="1"/>
-              <a:t>IEnumerable</a:t>
-            </a:r>
-            <a:r>
-              <a:rPr lang="en-US" dirty="0"/>
-              <a:t>&lt;</a:t>
-            </a:r>
-            <a:r>
-              <a:rPr lang="en-US" dirty="0" err="1"/>
-              <a:t>IUserValidator</a:t>
-            </a:r>
-            <a:r>
-              <a:rPr lang="en-US" dirty="0"/>
-              <a:t>&lt;</a:t>
-            </a:r>
-            <a:r>
-              <a:rPr lang="en-US" dirty="0" err="1"/>
-              <a:t>TUser</a:t>
-            </a:r>
-            <a:r>
-              <a:rPr lang="en-US" dirty="0"/>
-              <a:t>&gt;&gt; </a:t>
-            </a:r>
-            <a:r>
-              <a:rPr lang="en-US" dirty="0" err="1"/>
-              <a:t>userValidators</a:t>
-            </a:r>
-            <a:r>
-              <a:rPr lang="en-US" dirty="0"/>
-              <a:t>,</a:t>
-            </a:r>
-          </a:p>
-          <a:p>
-            <a:r>
-              <a:rPr lang="en-US" dirty="0" err="1"/>
-              <a:t>IEnumerable</a:t>
-            </a:r>
-            <a:r>
-              <a:rPr lang="en-US" dirty="0"/>
-              <a:t>&lt;</a:t>
-            </a:r>
-            <a:r>
-              <a:rPr lang="en-US" dirty="0" err="1"/>
-              <a:t>IPasswordValidator</a:t>
-            </a:r>
-            <a:r>
-              <a:rPr lang="en-US" dirty="0"/>
-              <a:t>&lt;</a:t>
-            </a:r>
-            <a:r>
-              <a:rPr lang="en-US" dirty="0" err="1"/>
-              <a:t>TUser</a:t>
-            </a:r>
-            <a:r>
-              <a:rPr lang="en-US" dirty="0"/>
-              <a:t>&gt;&gt; </a:t>
-            </a:r>
-            <a:r>
-              <a:rPr lang="en-US" dirty="0" err="1"/>
-              <a:t>passwordValidators</a:t>
-            </a:r>
-            <a:r>
-              <a:rPr lang="en-US" dirty="0"/>
-              <a:t>,</a:t>
-            </a:r>
-          </a:p>
-          <a:p>
-            <a:r>
-              <a:rPr lang="en-US" dirty="0" err="1"/>
-              <a:t>ILookupNormalizer</a:t>
-            </a:r>
-            <a:r>
-              <a:rPr lang="en-US" dirty="0"/>
-              <a:t> </a:t>
-            </a:r>
-            <a:r>
-              <a:rPr lang="en-US" dirty="0" err="1"/>
-              <a:t>keyNormalizer</a:t>
-            </a:r>
-            <a:r>
-              <a:rPr lang="en-US" dirty="0"/>
-              <a:t>,</a:t>
-            </a:r>
-          </a:p>
-          <a:p>
-            <a:r>
-              <a:rPr lang="en-US" dirty="0" err="1"/>
-              <a:t>IdentityErrorDescriber</a:t>
-            </a:r>
-            <a:r>
-              <a:rPr lang="en-US" dirty="0"/>
-              <a:t> errors,</a:t>
-            </a:r>
-          </a:p>
-          <a:p>
-            <a:r>
-              <a:rPr lang="en-US" dirty="0" err="1"/>
-              <a:t>IServiceProvider</a:t>
-            </a:r>
-            <a:r>
-              <a:rPr lang="en-US" dirty="0"/>
-              <a:t> services,</a:t>
-            </a:r>
-          </a:p>
-          <a:p>
-            <a:r>
-              <a:rPr lang="en-US" dirty="0" err="1"/>
-              <a:t>ILogger</a:t>
-            </a:r>
-            <a:r>
-              <a:rPr lang="en-US" dirty="0"/>
-              <a:t>&lt;</a:t>
-            </a:r>
-            <a:r>
-              <a:rPr lang="en-US" dirty="0" err="1"/>
-              <a:t>UserManager</a:t>
-            </a:r>
-            <a:r>
-              <a:rPr lang="en-US" dirty="0"/>
-              <a:t>&lt;</a:t>
-            </a:r>
-            <a:r>
-              <a:rPr lang="en-US" dirty="0" err="1"/>
-              <a:t>TUser</a:t>
-            </a:r>
-            <a:r>
-              <a:rPr lang="en-US" dirty="0"/>
-              <a:t>&gt;&gt; logger</a:t>
-            </a:r>
-            <a:endParaRPr lang="en-US" dirty="0"/>
-          </a:p>
-        </p:txBody>
-      </p:sp>
-    </p:spTree>
-    <p:extLst>
-      <p:ext uri="{BB962C8B-B14F-4D97-AF65-F5344CB8AC3E}">
-        <p14:creationId xmlns:p14="http://schemas.microsoft.com/office/powerpoint/2010/main" val="2531465040"/>
-      </p:ext>
-    </p:extLst>
-  </p:cSld>
-  <p:clrMapOvr>
-    <a:masterClrMapping/>
-  </p:clrMapOvr>
-</p:sld>
-</file>
-
 <file path=ppt/slides/slide7.xml><?xml version="1.0" encoding="utf-8"?>
 <p:sld xmlns:a="http://schemas.openxmlformats.org/drawingml/2006/main" xmlns:r="http://schemas.openxmlformats.org/officeDocument/2006/relationships" xmlns:p="http://schemas.openxmlformats.org/presentationml/2006/main">
   <p:cSld>
@@ -5194,7 +9449,7 @@
           <a:p>
             <a:r>
               <a:rPr lang="en-US" dirty="0"/>
-              <a:t>Testing the application</a:t>
+              <a:t>Class length</a:t>
             </a:r>
           </a:p>
         </p:txBody>
@@ -5214,121 +9469,39 @@
           <a:bodyPr/>
           <a:lstStyle/>
           <a:p>
-            <a:r>
-              <a:rPr lang="en-US" b="1" dirty="0"/>
-              <a:t>Unit Tests</a:t>
-            </a:r>
-          </a:p>
-          <a:p>
-            <a:pPr lvl="1"/>
-            <a:r>
-              <a:rPr lang="en-US" dirty="0"/>
-              <a:t>Tests on </a:t>
-            </a:r>
-            <a:r>
-              <a:rPr lang="en-US" dirty="0" err="1"/>
-              <a:t>AccountController</a:t>
-            </a:r>
-            <a:r>
-              <a:rPr lang="en-US" dirty="0"/>
-              <a:t> where you mock </a:t>
-            </a:r>
             <a:r>
               <a:rPr lang="en-US" dirty="0" err="1"/>
               <a:t>SignInManager</a:t>
             </a:r>
+            <a:r>
+              <a:rPr lang="en-US" dirty="0"/>
+              <a:t> – 800 </a:t>
+            </a:r>
+            <a:r>
+              <a:rPr lang="en-US" dirty="0"/>
+              <a:t>lines</a:t>
+            </a:r>
             <a:endParaRPr lang="en-US" dirty="0"/>
           </a:p>
           <a:p>
-            <a:pPr lvl="1"/>
-            <a:r>
-              <a:rPr lang="en-US" dirty="0"/>
-              <a:t>Tests on </a:t>
-            </a:r>
-            <a:r>
-              <a:rPr lang="en-US" dirty="0" err="1"/>
-              <a:t>SignInManager</a:t>
-            </a:r>
-            <a:r>
-              <a:rPr lang="en-US" dirty="0"/>
-              <a:t> where you mock </a:t>
-            </a:r>
             <a:r>
               <a:rPr lang="en-US" dirty="0" err="1"/>
               <a:t>UserManager</a:t>
             </a:r>
-            <a:endParaRPr lang="en-US" dirty="0"/>
-          </a:p>
-          <a:p>
-            <a:pPr lvl="1"/>
-            <a:r>
-              <a:rPr lang="en-US" dirty="0"/>
-              <a:t>Tests on </a:t>
-            </a:r>
-            <a:r>
-              <a:rPr lang="en-US" dirty="0" err="1"/>
-              <a:t>UserManager</a:t>
-            </a:r>
-            <a:r>
-              <a:rPr lang="en-US" dirty="0"/>
-              <a:t> where you mock </a:t>
-            </a:r>
+            <a:r>
+              <a:rPr lang="en-US" dirty="0"/>
+              <a:t> – 2500 lines</a:t>
+            </a:r>
+          </a:p>
+          <a:p>
             <a:r>
               <a:rPr lang="en-US" dirty="0" err="1"/>
               <a:t>UserStore</a:t>
             </a:r>
-            <a:endParaRPr lang="en-US" dirty="0"/>
-          </a:p>
-          <a:p>
-            <a:pPr lvl="1"/>
-            <a:r>
-              <a:rPr lang="en-US" dirty="0"/>
-              <a:t>Tests on </a:t>
-            </a:r>
-            <a:r>
-              <a:rPr lang="en-US" dirty="0" err="1"/>
-              <a:t>UserStore</a:t>
-            </a:r>
-            <a:r>
-              <a:rPr lang="en-US" dirty="0"/>
-              <a:t> where you mock </a:t>
-            </a:r>
-            <a:r>
-              <a:rPr lang="en-US" dirty="0" err="1"/>
-              <a:t>DbContext</a:t>
-            </a:r>
-            <a:endParaRPr lang="en-US" dirty="0"/>
-          </a:p>
-          <a:p>
-            <a:r>
-              <a:rPr lang="en-US" dirty="0"/>
-              <a:t>With every mock we assume that the mocked components will work as we expect.</a:t>
-            </a:r>
-          </a:p>
-          <a:p>
-            <a:r>
-              <a:rPr lang="en-US" dirty="0"/>
-              <a:t>To be a successful </a:t>
-            </a:r>
-            <a:r>
-              <a:rPr lang="en-US" dirty="0" err="1"/>
-              <a:t>mockist</a:t>
-            </a:r>
-            <a:r>
-              <a:rPr lang="en-US" dirty="0"/>
-              <a:t>, you must dislike mocks.</a:t>
-            </a:r>
-          </a:p>
-          <a:p>
-            <a:r>
-              <a:rPr lang="en-US" b="1" dirty="0"/>
-              <a:t>Where is the bottleneck? – performance tests?</a:t>
-            </a:r>
-          </a:p>
-          <a:p>
-            <a:pPr marL="0" indent="0">
-              <a:buNone/>
-            </a:pPr>
+            <a:r>
+              <a:rPr lang="en-US" dirty="0"/>
+              <a:t> – 1500 lines</a:t>
+            </a:r>
             <a:endParaRPr lang="en-US" dirty="0"/>
           </a:p>
         </p:txBody>
@@ -5336,7 +9509,7 @@
     </p:spTree>
     <p:extLst>
       <p:ext uri="{BB962C8B-B14F-4D97-AF65-F5344CB8AC3E}">
-        <p14:creationId xmlns:p14="http://schemas.microsoft.com/office/powerpoint/2010/main" val="1764933248"/>
+        <p14:creationId xmlns:p14="http://schemas.microsoft.com/office/powerpoint/2010/main" val="3712767126"/>
       </p:ext>
     </p:extLst>
   </p:cSld>
@@ -5379,15 +9552,19 @@
           <a:lstStyle/>
           <a:p>
             <a:r>
-              <a:rPr lang="en-US" dirty="0"/>
-              <a:t>Documentation of the application</a:t>
-            </a:r>
-          </a:p>
-        </p:txBody>
-      </p:sp>
-      <p:sp>
-        <p:nvSpPr>
-          <p:cNvPr id="3" name="Content Placeholder 2"/>
+              <a:rPr lang="en-US" dirty="0" err="1"/>
+              <a:t>UserManager</a:t>
+            </a:r>
+            <a:r>
+              <a:rPr lang="en-US" dirty="0"/>
+              <a:t> Dependencies</a:t>
+            </a:r>
+          </a:p>
+        </p:txBody>
+      </p:sp>
+      <p:sp>
+        <p:nvSpPr>
+          <p:cNvPr id="6" name="Content Placeholder 5"/>
           <p:cNvSpPr>
             <a:spLocks noGrp="1"/>
           </p:cNvSpPr>
@@ -5397,26 +9574,219 @@
         </p:nvSpPr>
         <p:spPr/>
         <p:txBody>
-          <a:bodyPr/>
-          <a:lstStyle/>
-          <a:p>
-            <a:r>
-              <a:rPr lang="en-US" dirty="0"/>
-              <a:t>Using the code documentation you can see description of some methods</a:t>
-            </a:r>
-          </a:p>
-          <a:p>
-            <a:r>
-              <a:rPr lang="en-US" dirty="0"/>
-              <a:t>There is no way to automatically generate activity diagrams from the code</a:t>
-            </a:r>
+          <a:bodyPr>
+            <a:normAutofit lnSpcReduction="10000"/>
+          </a:bodyPr>
+          <a:lstStyle/>
+          <a:p>
+            <a:r>
+              <a:rPr lang="en-US" dirty="0" err="1"/>
+              <a:t>IUserStore</a:t>
+            </a:r>
+            <a:r>
+              <a:rPr lang="en-US" dirty="0"/>
+              <a:t>&lt;</a:t>
+            </a:r>
+            <a:r>
+              <a:rPr lang="en-US" dirty="0" err="1"/>
+              <a:t>TUser</a:t>
+            </a:r>
+            <a:r>
+              <a:rPr lang="en-US" dirty="0"/>
+              <a:t>&gt; store,</a:t>
+            </a:r>
+          </a:p>
+          <a:p>
+            <a:r>
+              <a:rPr lang="en-US" dirty="0" err="1"/>
+              <a:t>IOptions</a:t>
+            </a:r>
+            <a:r>
+              <a:rPr lang="en-US" dirty="0"/>
+              <a:t>&lt;</a:t>
+            </a:r>
+            <a:r>
+              <a:rPr lang="en-US" dirty="0" err="1"/>
+              <a:t>IdentityOptions</a:t>
+            </a:r>
+            <a:r>
+              <a:rPr lang="en-US" dirty="0"/>
+              <a:t>&gt; </a:t>
+            </a:r>
+            <a:r>
+              <a:rPr lang="en-US" dirty="0" err="1"/>
+              <a:t>optionsAccessor</a:t>
+            </a:r>
+            <a:r>
+              <a:rPr lang="en-US" dirty="0"/>
+              <a:t>,</a:t>
+            </a:r>
+          </a:p>
+          <a:p>
+            <a:r>
+              <a:rPr lang="en-US" dirty="0" err="1"/>
+              <a:t>IPasswordHasher</a:t>
+            </a:r>
+            <a:r>
+              <a:rPr lang="en-US" dirty="0"/>
+              <a:t>&lt;</a:t>
+            </a:r>
+            <a:r>
+              <a:rPr lang="en-US" dirty="0" err="1"/>
+              <a:t>TUser</a:t>
+            </a:r>
+            <a:r>
+              <a:rPr lang="en-US" dirty="0"/>
+              <a:t>&gt; </a:t>
+            </a:r>
+            <a:r>
+              <a:rPr lang="en-US" dirty="0" err="1"/>
+              <a:t>passwordHasher</a:t>
+            </a:r>
+            <a:r>
+              <a:rPr lang="en-US" dirty="0"/>
+              <a:t>,</a:t>
+            </a:r>
+          </a:p>
+          <a:p>
+            <a:r>
+              <a:rPr lang="en-US" dirty="0" err="1"/>
+              <a:t>IEnumerable</a:t>
+            </a:r>
+            <a:r>
+              <a:rPr lang="en-US" dirty="0"/>
+              <a:t>&lt;</a:t>
+            </a:r>
+            <a:r>
+              <a:rPr lang="en-US" dirty="0" err="1"/>
+              <a:t>IUserValidator</a:t>
+            </a:r>
+            <a:r>
+              <a:rPr lang="en-US" dirty="0"/>
+              <a:t>&lt;</a:t>
+            </a:r>
+            <a:r>
+              <a:rPr lang="en-US" dirty="0" err="1"/>
+              <a:t>TUser</a:t>
+            </a:r>
+            <a:r>
+              <a:rPr lang="en-US" dirty="0"/>
+              <a:t>&gt;&gt; </a:t>
+            </a:r>
+            <a:r>
+              <a:rPr lang="en-US" dirty="0" err="1"/>
+              <a:t>userValidators</a:t>
+            </a:r>
+            <a:r>
+              <a:rPr lang="en-US" dirty="0"/>
+              <a:t>,</a:t>
+            </a:r>
+          </a:p>
+          <a:p>
+            <a:r>
+              <a:rPr lang="en-US" dirty="0" err="1"/>
+              <a:t>IEnumerable</a:t>
+            </a:r>
+            <a:r>
+              <a:rPr lang="en-US" dirty="0"/>
+              <a:t>&lt;</a:t>
+            </a:r>
+            <a:r>
+              <a:rPr lang="en-US" dirty="0" err="1"/>
+              <a:t>IPasswordValidator</a:t>
+            </a:r>
+            <a:r>
+              <a:rPr lang="en-US" dirty="0"/>
+              <a:t>&lt;</a:t>
+            </a:r>
+            <a:r>
+              <a:rPr lang="en-US" dirty="0" err="1"/>
+              <a:t>TUser</a:t>
+            </a:r>
+            <a:r>
+              <a:rPr lang="en-US" dirty="0"/>
+              <a:t>&gt;&gt; </a:t>
+            </a:r>
+            <a:r>
+              <a:rPr lang="en-US" dirty="0" err="1"/>
+              <a:t>passwordValidators</a:t>
+            </a:r>
+            <a:r>
+              <a:rPr lang="en-US" dirty="0"/>
+              <a:t>,</a:t>
+            </a:r>
+          </a:p>
+          <a:p>
+            <a:r>
+              <a:rPr lang="en-US" dirty="0" err="1"/>
+              <a:t>ILookupNormalizer</a:t>
+            </a:r>
+            <a:r>
+              <a:rPr lang="en-US" dirty="0"/>
+              <a:t> </a:t>
+            </a:r>
+            <a:r>
+              <a:rPr lang="en-US" dirty="0" err="1"/>
+              <a:t>keyNormalizer</a:t>
+            </a:r>
+            <a:r>
+              <a:rPr lang="en-US" dirty="0"/>
+              <a:t>,</a:t>
+            </a:r>
+          </a:p>
+          <a:p>
+            <a:r>
+              <a:rPr lang="en-US" dirty="0" err="1"/>
+              <a:t>IdentityErrorDescriber</a:t>
+            </a:r>
+            <a:r>
+              <a:rPr lang="en-US" dirty="0"/>
+              <a:t> errors,</a:t>
+            </a:r>
+          </a:p>
+          <a:p>
+            <a:r>
+              <a:rPr lang="en-US" dirty="0" err="1"/>
+              <a:t>IServiceProvider</a:t>
+            </a:r>
+            <a:r>
+              <a:rPr lang="en-US" dirty="0"/>
+              <a:t> services,</a:t>
+            </a:r>
+          </a:p>
+          <a:p>
+            <a:r>
+              <a:rPr lang="en-US" dirty="0" err="1"/>
+              <a:t>ILogger</a:t>
+            </a:r>
+            <a:r>
+              <a:rPr lang="en-US" dirty="0"/>
+              <a:t>&lt;</a:t>
+            </a:r>
+            <a:r>
+              <a:rPr lang="en-US" dirty="0" err="1"/>
+              <a:t>UserManager</a:t>
+            </a:r>
+            <a:r>
+              <a:rPr lang="en-US" dirty="0"/>
+              <a:t>&lt;</a:t>
+            </a:r>
+            <a:r>
+              <a:rPr lang="en-US" dirty="0" err="1"/>
+              <a:t>TUser</a:t>
+            </a:r>
+            <a:r>
+              <a:rPr lang="en-US" dirty="0"/>
+              <a:t>&gt;&gt; logger</a:t>
+            </a:r>
+            <a:endParaRPr lang="en-US" dirty="0"/>
           </a:p>
         </p:txBody>
       </p:sp>
     </p:spTree>
     <p:extLst>
       <p:ext uri="{BB962C8B-B14F-4D97-AF65-F5344CB8AC3E}">
-        <p14:creationId xmlns:p14="http://schemas.microsoft.com/office/powerpoint/2010/main" val="4224353952"/>
+        <p14:creationId xmlns:p14="http://schemas.microsoft.com/office/powerpoint/2010/main" val="2531465040"/>
       </p:ext>
     </p:extLst>
   </p:cSld>
@@ -5460,7 +9830,7 @@
           <a:p>
             <a:r>
               <a:rPr lang="en-US" dirty="0"/>
-              <a:t>Modifying the app</a:t>
+              <a:t>Testing the application</a:t>
             </a:r>
           </a:p>
         </p:txBody>
@@ -5481,38 +9851,120 @@
           <a:lstStyle/>
           <a:p>
             <a:r>
-              <a:rPr lang="en-US" dirty="0"/>
-              <a:t>Adding an extra steps, always requiring modifying an existing unit</a:t>
+              <a:rPr lang="en-US" b="1" dirty="0"/>
+              <a:t>Unit Tests</a:t>
             </a:r>
           </a:p>
           <a:p>
             <a:pPr lvl="1"/>
             <a:r>
               <a:rPr lang="en-US" dirty="0"/>
-              <a:t>Breaks Open/closed principle - </a:t>
-            </a:r>
-            <a:r>
-              <a:rPr lang="en-US" dirty="0"/>
-              <a:t>“software entities … should be open for extension, but closed for modification.”</a:t>
-            </a:r>
-          </a:p>
-          <a:p>
-            <a:pPr lvl="2"/>
-            <a:r>
-              <a:rPr lang="en-US" dirty="0"/>
-              <a:t>This breaks the unit’s unit tests, as extra steps are added</a:t>
-            </a:r>
-          </a:p>
-          <a:p>
-            <a:pPr lvl="2"/>
+              <a:t>Tests on </a:t>
+            </a:r>
+            <a:r>
+              <a:rPr lang="en-US" dirty="0" err="1"/>
+              <a:t>AccountController</a:t>
+            </a:r>
+            <a:r>
+              <a:rPr lang="en-US" dirty="0"/>
+              <a:t> where you mock </a:t>
+            </a:r>
+            <a:r>
+              <a:rPr lang="en-US" dirty="0" err="1"/>
+              <a:t>SignInManager</a:t>
+            </a:r>
             <a:endParaRPr lang="en-US" dirty="0"/>
           </a:p>
           <a:p>
-            <a:pPr lvl="2"/>
+            <a:pPr lvl="1"/>
+            <a:r>
+              <a:rPr lang="en-US" dirty="0"/>
+              <a:t>Tests on </a:t>
+            </a:r>
+            <a:r>
+              <a:rPr lang="en-US" dirty="0" err="1"/>
+              <a:t>SignInManager</a:t>
+            </a:r>
+            <a:r>
+              <a:rPr lang="en-US" dirty="0"/>
+              <a:t> where you mock </a:t>
+            </a:r>
+            <a:r>
+              <a:rPr lang="en-US" dirty="0" err="1"/>
+              <a:t>UserManager</a:t>
+            </a:r>
             <a:endParaRPr lang="en-US" dirty="0"/>
           </a:p>
           <a:p>
             <a:pPr lvl="1"/>
+            <a:r>
+              <a:rPr lang="en-US" dirty="0"/>
+              <a:t>Tests on </a:t>
+            </a:r>
+            <a:r>
+              <a:rPr lang="en-US" dirty="0" err="1"/>
+              <a:t>UserManager</a:t>
+            </a:r>
+            <a:r>
+              <a:rPr lang="en-US" dirty="0"/>
+              <a:t> where you mock </a:t>
+            </a:r>
+            <a:r>
+              <a:rPr lang="en-US" dirty="0" err="1"/>
+              <a:t>UserStore</a:t>
+            </a:r>
+            <a:endParaRPr lang="en-US" dirty="0"/>
+          </a:p>
+          <a:p>
+            <a:pPr lvl="1"/>
+            <a:r>
+              <a:rPr lang="en-US" dirty="0"/>
+              <a:t>Tests on </a:t>
+            </a:r>
+            <a:r>
+              <a:rPr lang="en-US" dirty="0" err="1"/>
+              <a:t>UserStore</a:t>
+            </a:r>
+            <a:r>
+              <a:rPr lang="en-US" dirty="0"/>
+              <a:t> where you mock </a:t>
+            </a:r>
+            <a:r>
+              <a:rPr lang="en-US" dirty="0" err="1"/>
+              <a:t>DbContext</a:t>
+            </a:r>
+            <a:endParaRPr lang="en-US" dirty="0"/>
+          </a:p>
+          <a:p>
+            <a:r>
+              <a:rPr lang="en-US" dirty="0"/>
+              <a:t>With every mock we assume that the mocked components will work as we expect.</a:t>
+            </a:r>
+          </a:p>
+          <a:p>
+            <a:r>
+              <a:rPr lang="en-US" dirty="0"/>
+              <a:t>To be a successful </a:t>
+            </a:r>
+            <a:r>
+              <a:rPr lang="en-US" dirty="0" err="1"/>
+              <a:t>mockist</a:t>
+            </a:r>
+            <a:r>
+              <a:rPr lang="en-US" dirty="0"/>
+              <a:t>, you must dislike mocks.</a:t>
+            </a:r>
+          </a:p>
+          <a:p>
+            <a:r>
+              <a:rPr lang="en-US" b="1" dirty="0"/>
+              <a:t>Where is the bottleneck? – performance tests?</a:t>
+            </a:r>
+          </a:p>
+          <a:p>
+            <a:pPr marL="0" indent="0">
+              <a:buNone/>
+            </a:pPr>
             <a:endParaRPr lang="en-US" dirty="0"/>
           </a:p>
         </p:txBody>
@@ -5520,7 +9972,7 @@
     </p:spTree>
     <p:extLst>
       <p:ext uri="{BB962C8B-B14F-4D97-AF65-F5344CB8AC3E}">
-        <p14:creationId xmlns:p14="http://schemas.microsoft.com/office/powerpoint/2010/main" val="1881225381"/>
+        <p14:creationId xmlns:p14="http://schemas.microsoft.com/office/powerpoint/2010/main" val="1764933248"/>
       </p:ext>
     </p:extLst>
   </p:cSld>

--- a/Reactive programming.pptx
+++ b/Reactive programming.pptx
@@ -14,28 +14,35 @@
     <p:sldId id="259" r:id="rId8"/>
     <p:sldId id="260" r:id="rId9"/>
     <p:sldId id="261" r:id="rId10"/>
-    <p:sldId id="262" r:id="rId11"/>
-    <p:sldId id="263" r:id="rId12"/>
-    <p:sldId id="264" r:id="rId13"/>
-    <p:sldId id="284" r:id="rId14"/>
-    <p:sldId id="266" r:id="rId15"/>
-    <p:sldId id="268" r:id="rId16"/>
-    <p:sldId id="269" r:id="rId17"/>
-    <p:sldId id="270" r:id="rId18"/>
-    <p:sldId id="271" r:id="rId19"/>
-    <p:sldId id="285" r:id="rId20"/>
-    <p:sldId id="272" r:id="rId21"/>
-    <p:sldId id="275" r:id="rId22"/>
-    <p:sldId id="274" r:id="rId23"/>
-    <p:sldId id="278" r:id="rId24"/>
-    <p:sldId id="279" r:id="rId25"/>
-    <p:sldId id="276" r:id="rId26"/>
-    <p:sldId id="280" r:id="rId27"/>
-    <p:sldId id="277" r:id="rId28"/>
-    <p:sldId id="281" r:id="rId29"/>
-    <p:sldId id="286" r:id="rId30"/>
-    <p:sldId id="287" r:id="rId31"/>
-    <p:sldId id="288" r:id="rId32"/>
+    <p:sldId id="292" r:id="rId11"/>
+    <p:sldId id="293" r:id="rId12"/>
+    <p:sldId id="294" r:id="rId13"/>
+    <p:sldId id="262" r:id="rId14"/>
+    <p:sldId id="295" r:id="rId15"/>
+    <p:sldId id="263" r:id="rId16"/>
+    <p:sldId id="264" r:id="rId17"/>
+    <p:sldId id="284" r:id="rId18"/>
+    <p:sldId id="266" r:id="rId19"/>
+    <p:sldId id="289" r:id="rId20"/>
+    <p:sldId id="268" r:id="rId21"/>
+    <p:sldId id="269" r:id="rId22"/>
+    <p:sldId id="270" r:id="rId23"/>
+    <p:sldId id="271" r:id="rId24"/>
+    <p:sldId id="285" r:id="rId25"/>
+    <p:sldId id="272" r:id="rId26"/>
+    <p:sldId id="291" r:id="rId27"/>
+    <p:sldId id="275" r:id="rId28"/>
+    <p:sldId id="274" r:id="rId29"/>
+    <p:sldId id="278" r:id="rId30"/>
+    <p:sldId id="290" r:id="rId31"/>
+    <p:sldId id="279" r:id="rId32"/>
+    <p:sldId id="276" r:id="rId33"/>
+    <p:sldId id="280" r:id="rId34"/>
+    <p:sldId id="277" r:id="rId35"/>
+    <p:sldId id="281" r:id="rId36"/>
+    <p:sldId id="286" r:id="rId37"/>
+    <p:sldId id="287" r:id="rId38"/>
+    <p:sldId id="288" r:id="rId39"/>
   </p:sldIdLst>
   <p:sldSz cx="12192000" cy="6858000"/>
   <p:notesSz cx="6858000" cy="9144000"/>
@@ -1049,7 +1056,7 @@
         <a:lstStyle/>
         <a:p>
           <a:r>
-            <a:rPr lang="en-US"/>
+            <a:rPr lang="en-US" dirty="0"/>
             <a:t>Prefer returning Observables instead of invoking a method that raises events</a:t>
           </a:r>
         </a:p>
@@ -1121,7 +1128,7 @@
         <a:lstStyle/>
         <a:p>
           <a:r>
-            <a:rPr lang="en-US"/>
+            <a:rPr lang="en-US" dirty="0"/>
             <a:t>Don’t inject events directly into commands</a:t>
           </a:r>
         </a:p>
@@ -1597,8 +1604,8 @@
       </dsp:nvSpPr>
       <dsp:spPr>
         <a:xfrm>
-          <a:off x="2103120" y="498"/>
-          <a:ext cx="8412480" cy="647615"/>
+          <a:off x="2103120" y="448"/>
+          <a:ext cx="8412480" cy="583456"/>
         </a:xfrm>
         <a:prstGeom prst="rect">
           <a:avLst/>
@@ -1640,7 +1647,7 @@
         </a:fontRef>
       </dsp:style>
       <dsp:txBody>
-        <a:bodyPr spcFirstLastPara="0" vert="horz" wrap="square" lIns="163225" tIns="164494" rIns="163225" bIns="164494" numCol="1" spcCol="1270" anchor="ctr" anchorCtr="0">
+        <a:bodyPr spcFirstLastPara="0" vert="horz" wrap="square" lIns="163225" tIns="148198" rIns="163225" bIns="148198" numCol="1" spcCol="1270" anchor="ctr" anchorCtr="0">
           <a:noAutofit/>
         </a:bodyPr>
         <a:lstStyle/>
@@ -1664,8 +1671,8 @@
         </a:p>
       </dsp:txBody>
       <dsp:txXfrm>
-        <a:off x="2103120" y="498"/>
-        <a:ext cx="8412480" cy="647615"/>
+        <a:off x="2103120" y="448"/>
+        <a:ext cx="8412480" cy="583456"/>
       </dsp:txXfrm>
     </dsp:sp>
     <dsp:sp modelId="{1014B0E1-8BD5-489D-A26A-EC6D18CC6A79}">
@@ -1675,8 +1682,8 @@
       </dsp:nvSpPr>
       <dsp:spPr>
         <a:xfrm>
-          <a:off x="0" y="498"/>
-          <a:ext cx="2103120" cy="647615"/>
+          <a:off x="0" y="448"/>
+          <a:ext cx="2103120" cy="583456"/>
         </a:xfrm>
         <a:prstGeom prst="rect">
           <a:avLst/>
@@ -1716,7 +1723,7 @@
         <a:fontRef idx="minor"/>
       </dsp:style>
       <dsp:txBody>
-        <a:bodyPr spcFirstLastPara="0" vert="horz" wrap="square" lIns="111290" tIns="63970" rIns="111290" bIns="63970" numCol="1" spcCol="1270" anchor="ctr" anchorCtr="0">
+        <a:bodyPr spcFirstLastPara="0" vert="horz" wrap="square" lIns="111290" tIns="57632" rIns="111290" bIns="57632" numCol="1" spcCol="1270" anchor="ctr" anchorCtr="0">
           <a:noAutofit/>
         </a:bodyPr>
         <a:lstStyle/>
@@ -1740,8 +1747,8 @@
         </a:p>
       </dsp:txBody>
       <dsp:txXfrm>
-        <a:off x="0" y="498"/>
-        <a:ext cx="2103120" cy="647615"/>
+        <a:off x="0" y="448"/>
+        <a:ext cx="2103120" cy="583456"/>
       </dsp:txXfrm>
     </dsp:sp>
     <dsp:sp modelId="{416FFB76-C555-4E4A-AE84-B2DEFA8F28F2}">
@@ -1751,8 +1758,8 @@
       </dsp:nvSpPr>
       <dsp:spPr>
         <a:xfrm>
-          <a:off x="2103120" y="686970"/>
-          <a:ext cx="8412480" cy="647615"/>
+          <a:off x="2103120" y="618912"/>
+          <a:ext cx="8412480" cy="583456"/>
         </a:xfrm>
         <a:prstGeom prst="rect">
           <a:avLst/>
@@ -1794,7 +1801,7 @@
         </a:fontRef>
       </dsp:style>
       <dsp:txBody>
-        <a:bodyPr spcFirstLastPara="0" vert="horz" wrap="square" lIns="163225" tIns="164494" rIns="163225" bIns="164494" numCol="1" spcCol="1270" anchor="ctr" anchorCtr="0">
+        <a:bodyPr spcFirstLastPara="0" vert="horz" wrap="square" lIns="163225" tIns="148198" rIns="163225" bIns="148198" numCol="1" spcCol="1270" anchor="ctr" anchorCtr="0">
           <a:noAutofit/>
         </a:bodyPr>
         <a:lstStyle/>
@@ -1812,14 +1819,14 @@
             <a:buNone/>
           </a:pPr>
           <a:r>
-            <a:rPr lang="en-US" sz="1700" kern="1200"/>
+            <a:rPr lang="en-US" sz="1700" kern="1200" dirty="0"/>
             <a:t>Prefer returning Observables instead of invoking a method that raises events</a:t>
           </a:r>
         </a:p>
       </dsp:txBody>
       <dsp:txXfrm>
-        <a:off x="2103120" y="686970"/>
-        <a:ext cx="8412480" cy="647615"/>
+        <a:off x="2103120" y="618912"/>
+        <a:ext cx="8412480" cy="583456"/>
       </dsp:txXfrm>
     </dsp:sp>
     <dsp:sp modelId="{89F76288-3793-4A34-AC29-A9AA8A267FDB}">
@@ -1829,8 +1836,8 @@
       </dsp:nvSpPr>
       <dsp:spPr>
         <a:xfrm>
-          <a:off x="0" y="686970"/>
-          <a:ext cx="2103120" cy="647615"/>
+          <a:off x="0" y="618912"/>
+          <a:ext cx="2103120" cy="583456"/>
         </a:xfrm>
         <a:prstGeom prst="rect">
           <a:avLst/>
@@ -1870,7 +1877,7 @@
         <a:fontRef idx="minor"/>
       </dsp:style>
       <dsp:txBody>
-        <a:bodyPr spcFirstLastPara="0" vert="horz" wrap="square" lIns="111290" tIns="63970" rIns="111290" bIns="63970" numCol="1" spcCol="1270" anchor="ctr" anchorCtr="0">
+        <a:bodyPr spcFirstLastPara="0" vert="horz" wrap="square" lIns="111290" tIns="57632" rIns="111290" bIns="57632" numCol="1" spcCol="1270" anchor="ctr" anchorCtr="0">
           <a:noAutofit/>
         </a:bodyPr>
         <a:lstStyle/>
@@ -1894,8 +1901,8 @@
         </a:p>
       </dsp:txBody>
       <dsp:txXfrm>
-        <a:off x="0" y="686970"/>
-        <a:ext cx="2103120" cy="647615"/>
+        <a:off x="0" y="618912"/>
+        <a:ext cx="2103120" cy="583456"/>
       </dsp:txXfrm>
     </dsp:sp>
     <dsp:sp modelId="{0E5B2C0E-EB7D-49C6-B5E4-45B28F1B3AC7}">
@@ -1905,8 +1912,8 @@
       </dsp:nvSpPr>
       <dsp:spPr>
         <a:xfrm>
-          <a:off x="2103120" y="1373443"/>
-          <a:ext cx="8412480" cy="647615"/>
+          <a:off x="2103120" y="1237375"/>
+          <a:ext cx="8412480" cy="583456"/>
         </a:xfrm>
         <a:prstGeom prst="rect">
           <a:avLst/>
@@ -1948,7 +1955,7 @@
         </a:fontRef>
       </dsp:style>
       <dsp:txBody>
-        <a:bodyPr spcFirstLastPara="0" vert="horz" wrap="square" lIns="163225" tIns="164494" rIns="163225" bIns="164494" numCol="1" spcCol="1270" anchor="ctr" anchorCtr="0">
+        <a:bodyPr spcFirstLastPara="0" vert="horz" wrap="square" lIns="163225" tIns="148198" rIns="163225" bIns="148198" numCol="1" spcCol="1270" anchor="ctr" anchorCtr="0">
           <a:noAutofit/>
         </a:bodyPr>
         <a:lstStyle/>
@@ -1966,14 +1973,14 @@
             <a:buNone/>
           </a:pPr>
           <a:r>
-            <a:rPr lang="en-US" sz="1700" kern="1200"/>
+            <a:rPr lang="en-US" sz="1700" kern="1200" dirty="0"/>
             <a:t>Don’t inject events directly into commands</a:t>
           </a:r>
         </a:p>
       </dsp:txBody>
       <dsp:txXfrm>
-        <a:off x="2103120" y="1373443"/>
-        <a:ext cx="8412480" cy="647615"/>
+        <a:off x="2103120" y="1237375"/>
+        <a:ext cx="8412480" cy="583456"/>
       </dsp:txXfrm>
     </dsp:sp>
     <dsp:sp modelId="{C3C60FA1-6B3F-471F-97B6-13DE0AABF6A5}">
@@ -1983,8 +1990,8 @@
       </dsp:nvSpPr>
       <dsp:spPr>
         <a:xfrm>
-          <a:off x="0" y="1373443"/>
-          <a:ext cx="2103120" cy="647615"/>
+          <a:off x="0" y="1237375"/>
+          <a:ext cx="2103120" cy="583456"/>
         </a:xfrm>
         <a:prstGeom prst="rect">
           <a:avLst/>
@@ -2024,7 +2031,7 @@
         <a:fontRef idx="minor"/>
       </dsp:style>
       <dsp:txBody>
-        <a:bodyPr spcFirstLastPara="0" vert="horz" wrap="square" lIns="111290" tIns="63970" rIns="111290" bIns="63970" numCol="1" spcCol="1270" anchor="ctr" anchorCtr="0">
+        <a:bodyPr spcFirstLastPara="0" vert="horz" wrap="square" lIns="111290" tIns="57632" rIns="111290" bIns="57632" numCol="1" spcCol="1270" anchor="ctr" anchorCtr="0">
           <a:noAutofit/>
         </a:bodyPr>
         <a:lstStyle/>
@@ -2048,8 +2055,8 @@
         </a:p>
       </dsp:txBody>
       <dsp:txXfrm>
-        <a:off x="0" y="1373443"/>
-        <a:ext cx="2103120" cy="647615"/>
+        <a:off x="0" y="1237375"/>
+        <a:ext cx="2103120" cy="583456"/>
       </dsp:txXfrm>
     </dsp:sp>
     <dsp:sp modelId="{AE95AAB3-EA95-4113-A3B6-B8F578E2299A}">
@@ -2059,8 +2066,8 @@
       </dsp:nvSpPr>
       <dsp:spPr>
         <a:xfrm>
-          <a:off x="2103120" y="2059915"/>
-          <a:ext cx="8412480" cy="647615"/>
+          <a:off x="2103120" y="1855839"/>
+          <a:ext cx="8412480" cy="583456"/>
         </a:xfrm>
         <a:prstGeom prst="rect">
           <a:avLst/>
@@ -2102,7 +2109,7 @@
         </a:fontRef>
       </dsp:style>
       <dsp:txBody>
-        <a:bodyPr spcFirstLastPara="0" vert="horz" wrap="square" lIns="163225" tIns="164494" rIns="163225" bIns="164494" numCol="1" spcCol="1270" anchor="ctr" anchorCtr="0">
+        <a:bodyPr spcFirstLastPara="0" vert="horz" wrap="square" lIns="163225" tIns="148198" rIns="163225" bIns="148198" numCol="1" spcCol="1270" anchor="ctr" anchorCtr="0">
           <a:noAutofit/>
         </a:bodyPr>
         <a:lstStyle/>
@@ -2126,8 +2133,8 @@
         </a:p>
       </dsp:txBody>
       <dsp:txXfrm>
-        <a:off x="2103120" y="2059915"/>
-        <a:ext cx="8412480" cy="647615"/>
+        <a:off x="2103120" y="1855839"/>
+        <a:ext cx="8412480" cy="583456"/>
       </dsp:txXfrm>
     </dsp:sp>
     <dsp:sp modelId="{52E4DF43-0BCF-4E2D-87A3-D5AED9C2DAED}">
@@ -2137,8 +2144,8 @@
       </dsp:nvSpPr>
       <dsp:spPr>
         <a:xfrm>
-          <a:off x="0" y="2059915"/>
-          <a:ext cx="2103120" cy="647615"/>
+          <a:off x="0" y="1855839"/>
+          <a:ext cx="2103120" cy="583456"/>
         </a:xfrm>
         <a:prstGeom prst="rect">
           <a:avLst/>
@@ -2178,7 +2185,7 @@
         <a:fontRef idx="minor"/>
       </dsp:style>
       <dsp:txBody>
-        <a:bodyPr spcFirstLastPara="0" vert="horz" wrap="square" lIns="111290" tIns="63970" rIns="111290" bIns="63970" numCol="1" spcCol="1270" anchor="ctr" anchorCtr="0">
+        <a:bodyPr spcFirstLastPara="0" vert="horz" wrap="square" lIns="111290" tIns="57632" rIns="111290" bIns="57632" numCol="1" spcCol="1270" anchor="ctr" anchorCtr="0">
           <a:noAutofit/>
         </a:bodyPr>
         <a:lstStyle/>
@@ -2202,8 +2209,8 @@
         </a:p>
       </dsp:txBody>
       <dsp:txXfrm>
-        <a:off x="0" y="2059915"/>
-        <a:ext cx="2103120" cy="647615"/>
+        <a:off x="0" y="1855839"/>
+        <a:ext cx="2103120" cy="583456"/>
       </dsp:txXfrm>
     </dsp:sp>
     <dsp:sp modelId="{B155FC08-06C0-40DB-B6A7-CF5FCC896370}">
@@ -2213,8 +2220,8 @@
       </dsp:nvSpPr>
       <dsp:spPr>
         <a:xfrm>
-          <a:off x="2103120" y="2746387"/>
-          <a:ext cx="8412480" cy="647615"/>
+          <a:off x="2103120" y="2474302"/>
+          <a:ext cx="8412480" cy="583456"/>
         </a:xfrm>
         <a:prstGeom prst="rect">
           <a:avLst/>
@@ -2256,7 +2263,7 @@
         </a:fontRef>
       </dsp:style>
       <dsp:txBody>
-        <a:bodyPr spcFirstLastPara="0" vert="horz" wrap="square" lIns="163225" tIns="164494" rIns="163225" bIns="164494" numCol="1" spcCol="1270" anchor="ctr" anchorCtr="0">
+        <a:bodyPr spcFirstLastPara="0" vert="horz" wrap="square" lIns="163225" tIns="148198" rIns="163225" bIns="148198" numCol="1" spcCol="1270" anchor="ctr" anchorCtr="0">
           <a:noAutofit/>
         </a:bodyPr>
         <a:lstStyle/>
@@ -2280,8 +2287,8 @@
         </a:p>
       </dsp:txBody>
       <dsp:txXfrm>
-        <a:off x="2103120" y="2746387"/>
-        <a:ext cx="8412480" cy="647615"/>
+        <a:off x="2103120" y="2474302"/>
+        <a:ext cx="8412480" cy="583456"/>
       </dsp:txXfrm>
     </dsp:sp>
     <dsp:sp modelId="{4A155D48-D66F-446E-A3EB-A371855C78DD}">
@@ -2291,8 +2298,8 @@
       </dsp:nvSpPr>
       <dsp:spPr>
         <a:xfrm>
-          <a:off x="0" y="2746387"/>
-          <a:ext cx="2103120" cy="647615"/>
+          <a:off x="0" y="2474302"/>
+          <a:ext cx="2103120" cy="583456"/>
         </a:xfrm>
         <a:prstGeom prst="rect">
           <a:avLst/>
@@ -2332,7 +2339,7 @@
         <a:fontRef idx="minor"/>
       </dsp:style>
       <dsp:txBody>
-        <a:bodyPr spcFirstLastPara="0" vert="horz" wrap="square" lIns="111290" tIns="63970" rIns="111290" bIns="63970" numCol="1" spcCol="1270" anchor="ctr" anchorCtr="0">
+        <a:bodyPr spcFirstLastPara="0" vert="horz" wrap="square" lIns="111290" tIns="57632" rIns="111290" bIns="57632" numCol="1" spcCol="1270" anchor="ctr" anchorCtr="0">
           <a:noAutofit/>
         </a:bodyPr>
         <a:lstStyle/>
@@ -2356,8 +2363,8 @@
         </a:p>
       </dsp:txBody>
       <dsp:txXfrm>
-        <a:off x="0" y="2746387"/>
-        <a:ext cx="2103120" cy="647615"/>
+        <a:off x="0" y="2474302"/>
+        <a:ext cx="2103120" cy="583456"/>
       </dsp:txXfrm>
     </dsp:sp>
     <dsp:sp modelId="{5C90F4B7-C419-476D-88A7-A45C4CC4A42E}">
@@ -2367,8 +2374,8 @@
       </dsp:nvSpPr>
       <dsp:spPr>
         <a:xfrm>
-          <a:off x="2103120" y="3432860"/>
-          <a:ext cx="8412480" cy="647615"/>
+          <a:off x="2103120" y="3092766"/>
+          <a:ext cx="8412480" cy="583456"/>
         </a:xfrm>
         <a:prstGeom prst="rect">
           <a:avLst/>
@@ -2410,7 +2417,7 @@
         </a:fontRef>
       </dsp:style>
       <dsp:txBody>
-        <a:bodyPr spcFirstLastPara="0" vert="horz" wrap="square" lIns="163225" tIns="164494" rIns="163225" bIns="164494" numCol="1" spcCol="1270" anchor="ctr" anchorCtr="0">
+        <a:bodyPr spcFirstLastPara="0" vert="horz" wrap="square" lIns="163225" tIns="148198" rIns="163225" bIns="148198" numCol="1" spcCol="1270" anchor="ctr" anchorCtr="0">
           <a:noAutofit/>
         </a:bodyPr>
         <a:lstStyle/>
@@ -2434,8 +2441,8 @@
         </a:p>
       </dsp:txBody>
       <dsp:txXfrm>
-        <a:off x="2103120" y="3432860"/>
-        <a:ext cx="8412480" cy="647615"/>
+        <a:off x="2103120" y="3092766"/>
+        <a:ext cx="8412480" cy="583456"/>
       </dsp:txXfrm>
     </dsp:sp>
     <dsp:sp modelId="{BBD63FE6-9F47-4663-880F-F785B03E4E26}">
@@ -2445,8 +2452,8 @@
       </dsp:nvSpPr>
       <dsp:spPr>
         <a:xfrm>
-          <a:off x="0" y="3432860"/>
-          <a:ext cx="2103120" cy="647615"/>
+          <a:off x="0" y="3092766"/>
+          <a:ext cx="2103120" cy="583456"/>
         </a:xfrm>
         <a:prstGeom prst="rect">
           <a:avLst/>
@@ -2486,7 +2493,7 @@
         <a:fontRef idx="minor"/>
       </dsp:style>
       <dsp:txBody>
-        <a:bodyPr spcFirstLastPara="0" vert="horz" wrap="square" lIns="111290" tIns="63970" rIns="111290" bIns="63970" numCol="1" spcCol="1270" anchor="ctr" anchorCtr="0">
+        <a:bodyPr spcFirstLastPara="0" vert="horz" wrap="square" lIns="111290" tIns="57632" rIns="111290" bIns="57632" numCol="1" spcCol="1270" anchor="ctr" anchorCtr="0">
           <a:noAutofit/>
         </a:bodyPr>
         <a:lstStyle/>
@@ -2510,8 +2517,8 @@
         </a:p>
       </dsp:txBody>
       <dsp:txXfrm>
-        <a:off x="0" y="3432860"/>
-        <a:ext cx="2103120" cy="647615"/>
+        <a:off x="0" y="3092766"/>
+        <a:ext cx="2103120" cy="583456"/>
       </dsp:txXfrm>
     </dsp:sp>
   </dsp:spTree>
@@ -6645,6 +6652,102 @@
       </p:grpSpPr>
       <p:sp>
         <p:nvSpPr>
+          <p:cNvPr id="137" name="Rectangle 136"/>
+          <p:cNvSpPr>
+            <a:spLocks noGrp="1" noRot="1" noChangeAspect="1" noMove="1" noResize="1" noEditPoints="1" noAdjustHandles="1" noChangeArrowheads="1" noChangeShapeType="1" noTextEdit="1"/>
+          </p:cNvSpPr>
+          <p:nvPr>
+            <p:extLst>
+              <p:ext uri="{386F3935-93C4-4BCD-93E2-E3B085C9AB24}">
+                <p16:designElem xmlns:p16="http://schemas.microsoft.com/office/powerpoint/2015/main" val="1"/>
+              </p:ext>
+            </p:extLst>
+          </p:nvPr>
+        </p:nvSpPr>
+        <p:spPr>
+          <a:xfrm>
+            <a:off x="0" y="4242816"/>
+            <a:ext cx="12192000" cy="2615184"/>
+          </a:xfrm>
+          <a:prstGeom prst="rect">
+            <a:avLst/>
+          </a:prstGeom>
+          <a:solidFill>
+            <a:schemeClr val="tx1">
+              <a:lumMod val="75000"/>
+              <a:lumOff val="25000"/>
+            </a:schemeClr>
+          </a:solidFill>
+          <a:ln>
+            <a:noFill/>
+          </a:ln>
+        </p:spPr>
+        <p:style>
+          <a:lnRef idx="2">
+            <a:schemeClr val="accent1">
+              <a:shade val="50000"/>
+            </a:schemeClr>
+          </a:lnRef>
+          <a:fillRef idx="1">
+            <a:schemeClr val="accent1"/>
+          </a:fillRef>
+          <a:effectRef idx="0">
+            <a:schemeClr val="accent1"/>
+          </a:effectRef>
+          <a:fontRef idx="minor">
+            <a:schemeClr val="lt1"/>
+          </a:fontRef>
+        </p:style>
+        <p:txBody>
+          <a:bodyPr rtlCol="0" anchor="ctr"/>
+          <a:lstStyle/>
+          <a:p>
+            <a:pPr algn="ctr"/>
+            <a:endParaRPr lang="en-US"/>
+          </a:p>
+        </p:txBody>
+      </p:sp>
+      <p:pic>
+        <p:nvPicPr>
+          <p:cNvPr id="2050" name="Picture 2" descr="http://codepb.com/wp-content/uploads/2013/11/Rx_Logo.png"/>
+          <p:cNvPicPr>
+            <a:picLocks noChangeAspect="1" noChangeArrowheads="1"/>
+          </p:cNvPicPr>
+          <p:nvPr/>
+        </p:nvPicPr>
+        <p:blipFill rotWithShape="1">
+          <a:blip r:embed="rId2">
+            <a:extLst>
+              <a:ext uri="{28A0092B-C50C-407E-A947-70E740481C1C}">
+                <a14:useLocalDpi xmlns:a14="http://schemas.microsoft.com/office/drawing/2010/main" val="0"/>
+              </a:ext>
+            </a:extLst>
+          </a:blip>
+          <a:srcRect/>
+          <a:stretch/>
+        </p:blipFill>
+        <p:spPr bwMode="auto">
+          <a:xfrm>
+            <a:off x="1247882" y="643464"/>
+            <a:ext cx="9706605" cy="3275978"/>
+          </a:xfrm>
+          <a:prstGeom prst="rect">
+            <a:avLst/>
+          </a:prstGeom>
+          <a:noFill/>
+          <a:extLst>
+            <a:ext uri="{909E8E84-426E-40DD-AFC4-6F175D3DCCD1}">
+              <a14:hiddenFill xmlns:a14="http://schemas.microsoft.com/office/drawing/2010/main">
+                <a:solidFill>
+                  <a:srgbClr val="FFFFFF"/>
+                </a:solidFill>
+              </a14:hiddenFill>
+            </a:ext>
+          </a:extLst>
+        </p:spPr>
+      </p:pic>
+      <p:sp>
+        <p:nvSpPr>
           <p:cNvPr id="2" name="Title 1"/>
           <p:cNvSpPr>
             <a:spLocks noGrp="1"/>
@@ -6653,13 +6756,24 @@
             <p:ph type="ctrTitle"/>
           </p:nvPr>
         </p:nvSpPr>
-        <p:spPr/>
-        <p:txBody>
-          <a:bodyPr/>
-          <a:lstStyle/>
-          <a:p>
-            <a:r>
-              <a:rPr lang="en-US" dirty="0"/>
+        <p:spPr>
+          <a:xfrm>
+            <a:off x="707011" y="4502330"/>
+            <a:ext cx="10765410" cy="1207269"/>
+          </a:xfrm>
+        </p:spPr>
+        <p:txBody>
+          <a:bodyPr>
+            <a:normAutofit/>
+          </a:bodyPr>
+          <a:lstStyle/>
+          <a:p>
+            <a:r>
+              <a:rPr lang="en-US">
+                <a:solidFill>
+                  <a:schemeClr val="bg1"/>
+                </a:solidFill>
+              </a:rPr>
               <a:t>Reactive programming</a:t>
             </a:r>
           </a:p>
@@ -6675,12 +6789,26 @@
             <p:ph type="subTitle" idx="1"/>
           </p:nvPr>
         </p:nvSpPr>
-        <p:spPr/>
-        <p:txBody>
-          <a:bodyPr/>
-          <a:lstStyle/>
-          <a:p>
-            <a:endParaRPr lang="en-US"/>
+        <p:spPr>
+          <a:xfrm>
+            <a:off x="1376313" y="5665510"/>
+            <a:ext cx="9426806" cy="719122"/>
+          </a:xfrm>
+        </p:spPr>
+        <p:txBody>
+          <a:bodyPr>
+            <a:normAutofit/>
+          </a:bodyPr>
+          <a:lstStyle/>
+          <a:p>
+            <a:r>
+              <a:rPr lang="en-US">
+                <a:solidFill>
+                  <a:schemeClr val="bg2"/>
+                </a:solidFill>
+              </a:rPr>
+              <a:t>By Petrutiu Mihai</a:t>
+            </a:r>
           </a:p>
         </p:txBody>
       </p:sp>
@@ -6716,6 +6844,250 @@
       </p:grpSpPr>
       <p:sp>
         <p:nvSpPr>
+          <p:cNvPr id="74" name="Freeform 28"/>
+          <p:cNvSpPr>
+            <a:spLocks noGrp="1" noRot="1" noChangeAspect="1" noMove="1" noResize="1" noEditPoints="1" noAdjustHandles="1" noChangeArrowheads="1" noChangeShapeType="1" noTextEdit="1"/>
+          </p:cNvSpPr>
+          <p:nvPr>
+            <p:extLst>
+              <p:ext uri="{386F3935-93C4-4BCD-93E2-E3B085C9AB24}">
+                <p16:designElem xmlns:p16="http://schemas.microsoft.com/office/powerpoint/2015/main" val="1"/>
+              </p:ext>
+            </p:extLst>
+          </p:nvPr>
+        </p:nvSpPr>
+        <p:spPr>
+          <a:xfrm flipH="1" flipV="1">
+            <a:off x="960120" y="0"/>
+            <a:ext cx="11218661" cy="6858000"/>
+          </a:xfrm>
+          <a:custGeom>
+            <a:avLst/>
+            <a:gdLst>
+              <a:gd name="connsiteX0" fmla="*/ 0 w 11218661"/>
+              <a:gd name="connsiteY0" fmla="*/ 0 h 6858000"/>
+              <a:gd name="connsiteX1" fmla="*/ 8042507 w 11218661"/>
+              <a:gd name="connsiteY1" fmla="*/ 0 h 6858000"/>
+              <a:gd name="connsiteX2" fmla="*/ 11218661 w 11218661"/>
+              <a:gd name="connsiteY2" fmla="*/ 6858000 h 6858000"/>
+              <a:gd name="connsiteX3" fmla="*/ 0 w 11218661"/>
+              <a:gd name="connsiteY3" fmla="*/ 6858000 h 6858000"/>
+            </a:gdLst>
+            <a:ahLst/>
+            <a:cxnLst>
+              <a:cxn ang="0">
+                <a:pos x="connsiteX0" y="connsiteY0"/>
+              </a:cxn>
+              <a:cxn ang="0">
+                <a:pos x="connsiteX1" y="connsiteY1"/>
+              </a:cxn>
+              <a:cxn ang="0">
+                <a:pos x="connsiteX2" y="connsiteY2"/>
+              </a:cxn>
+              <a:cxn ang="0">
+                <a:pos x="connsiteX3" y="connsiteY3"/>
+              </a:cxn>
+            </a:cxnLst>
+            <a:rect l="l" t="t" r="r" b="b"/>
+            <a:pathLst>
+              <a:path w="11218661" h="6858000">
+                <a:moveTo>
+                  <a:pt x="0" y="0"/>
+                </a:moveTo>
+                <a:lnTo>
+                  <a:pt x="8042507" y="0"/>
+                </a:lnTo>
+                <a:lnTo>
+                  <a:pt x="11218661" y="6858000"/>
+                </a:lnTo>
+                <a:lnTo>
+                  <a:pt x="0" y="6858000"/>
+                </a:lnTo>
+                <a:close/>
+              </a:path>
+            </a:pathLst>
+          </a:custGeom>
+          <a:solidFill>
+            <a:schemeClr val="tx1">
+              <a:lumMod val="85000"/>
+              <a:lumOff val="15000"/>
+              <a:alpha val="70000"/>
+            </a:schemeClr>
+          </a:solidFill>
+          <a:ln>
+            <a:noFill/>
+          </a:ln>
+        </p:spPr>
+        <p:style>
+          <a:lnRef idx="2">
+            <a:schemeClr val="accent1">
+              <a:shade val="50000"/>
+            </a:schemeClr>
+          </a:lnRef>
+          <a:fillRef idx="1">
+            <a:schemeClr val="accent1"/>
+          </a:fillRef>
+          <a:effectRef idx="0">
+            <a:schemeClr val="accent1"/>
+          </a:effectRef>
+          <a:fontRef idx="minor">
+            <a:schemeClr val="lt1"/>
+          </a:fontRef>
+        </p:style>
+        <p:txBody>
+          <a:bodyPr wrap="square" rtlCol="0" anchor="ctr">
+            <a:noAutofit/>
+          </a:bodyPr>
+          <a:lstStyle/>
+          <a:p>
+            <a:pPr algn="ctr"/>
+            <a:endParaRPr lang="en-US"/>
+          </a:p>
+        </p:txBody>
+      </p:sp>
+      <p:sp>
+        <p:nvSpPr>
+          <p:cNvPr id="76" name="Freeform 26"/>
+          <p:cNvSpPr>
+            <a:spLocks noGrp="1" noRot="1" noChangeAspect="1" noMove="1" noResize="1" noEditPoints="1" noAdjustHandles="1" noChangeArrowheads="1" noChangeShapeType="1" noTextEdit="1"/>
+          </p:cNvSpPr>
+          <p:nvPr>
+            <p:extLst>
+              <p:ext uri="{386F3935-93C4-4BCD-93E2-E3B085C9AB24}">
+                <p16:designElem xmlns:p16="http://schemas.microsoft.com/office/powerpoint/2015/main" val="1"/>
+              </p:ext>
+            </p:extLst>
+          </p:nvPr>
+        </p:nvSpPr>
+        <p:spPr>
+          <a:xfrm flipH="1" flipV="1">
+            <a:off x="1407030" y="0"/>
+            <a:ext cx="10771752" cy="6858000"/>
+          </a:xfrm>
+          <a:custGeom>
+            <a:avLst/>
+            <a:gdLst>
+              <a:gd name="connsiteX0" fmla="*/ 0 w 10771752"/>
+              <a:gd name="connsiteY0" fmla="*/ 0 h 6858000"/>
+              <a:gd name="connsiteX1" fmla="*/ 7595598 w 10771752"/>
+              <a:gd name="connsiteY1" fmla="*/ 0 h 6858000"/>
+              <a:gd name="connsiteX2" fmla="*/ 10771752 w 10771752"/>
+              <a:gd name="connsiteY2" fmla="*/ 6858000 h 6858000"/>
+              <a:gd name="connsiteX3" fmla="*/ 0 w 10771752"/>
+              <a:gd name="connsiteY3" fmla="*/ 6858000 h 6858000"/>
+            </a:gdLst>
+            <a:ahLst/>
+            <a:cxnLst>
+              <a:cxn ang="0">
+                <a:pos x="connsiteX0" y="connsiteY0"/>
+              </a:cxn>
+              <a:cxn ang="0">
+                <a:pos x="connsiteX1" y="connsiteY1"/>
+              </a:cxn>
+              <a:cxn ang="0">
+                <a:pos x="connsiteX2" y="connsiteY2"/>
+              </a:cxn>
+              <a:cxn ang="0">
+                <a:pos x="connsiteX3" y="connsiteY3"/>
+              </a:cxn>
+            </a:cxnLst>
+            <a:rect l="l" t="t" r="r" b="b"/>
+            <a:pathLst>
+              <a:path w="10771752" h="6858000">
+                <a:moveTo>
+                  <a:pt x="0" y="0"/>
+                </a:moveTo>
+                <a:lnTo>
+                  <a:pt x="7595598" y="0"/>
+                </a:lnTo>
+                <a:lnTo>
+                  <a:pt x="10771752" y="6858000"/>
+                </a:lnTo>
+                <a:lnTo>
+                  <a:pt x="0" y="6858000"/>
+                </a:lnTo>
+                <a:close/>
+              </a:path>
+            </a:pathLst>
+          </a:custGeom>
+          <a:solidFill>
+            <a:schemeClr val="tx1">
+              <a:lumMod val="85000"/>
+              <a:lumOff val="15000"/>
+            </a:schemeClr>
+          </a:solidFill>
+          <a:ln>
+            <a:noFill/>
+          </a:ln>
+        </p:spPr>
+        <p:style>
+          <a:lnRef idx="2">
+            <a:schemeClr val="accent1">
+              <a:shade val="50000"/>
+            </a:schemeClr>
+          </a:lnRef>
+          <a:fillRef idx="1">
+            <a:schemeClr val="accent1"/>
+          </a:fillRef>
+          <a:effectRef idx="0">
+            <a:schemeClr val="accent1"/>
+          </a:effectRef>
+          <a:fontRef idx="minor">
+            <a:schemeClr val="lt1"/>
+          </a:fontRef>
+        </p:style>
+        <p:txBody>
+          <a:bodyPr wrap="square" rtlCol="0" anchor="ctr">
+            <a:noAutofit/>
+          </a:bodyPr>
+          <a:lstStyle/>
+          <a:p>
+            <a:pPr algn="ctr"/>
+            <a:endParaRPr lang="en-US"/>
+          </a:p>
+        </p:txBody>
+      </p:sp>
+      <p:pic>
+        <p:nvPicPr>
+          <p:cNvPr id="4" name="Picture 4" descr="X All The Y Meme | MOCK ALL THE LAYERS | image tagged in memes,x all the y | made w/ Imgflip meme maker"/>
+          <p:cNvPicPr>
+            <a:picLocks noChangeAspect="1" noChangeArrowheads="1"/>
+          </p:cNvPicPr>
+          <p:nvPr/>
+        </p:nvPicPr>
+        <p:blipFill rotWithShape="1">
+          <a:blip r:embed="rId2">
+            <a:extLst>
+              <a:ext uri="{28A0092B-C50C-407E-A947-70E740481C1C}">
+                <a14:useLocalDpi xmlns:a14="http://schemas.microsoft.com/office/drawing/2010/main" val="0"/>
+              </a:ext>
+            </a:extLst>
+          </a:blip>
+          <a:srcRect/>
+          <a:stretch/>
+        </p:blipFill>
+        <p:spPr bwMode="auto">
+          <a:xfrm>
+            <a:off x="0" y="4650377"/>
+            <a:ext cx="3109329" cy="2207623"/>
+          </a:xfrm>
+          <a:prstGeom prst="rect">
+            <a:avLst/>
+          </a:prstGeom>
+          <a:noFill/>
+          <a:extLst>
+            <a:ext uri="{909E8E84-426E-40DD-AFC4-6F175D3DCCD1}">
+              <a14:hiddenFill xmlns:a14="http://schemas.microsoft.com/office/drawing/2010/main">
+                <a:solidFill>
+                  <a:srgbClr val="FFFFFF"/>
+                </a:solidFill>
+              </a14:hiddenFill>
+            </a:ext>
+          </a:extLst>
+        </p:spPr>
+      </p:pic>
+      <p:sp>
+        <p:nvSpPr>
           <p:cNvPr id="2" name="Title 1"/>
           <p:cNvSpPr>
             <a:spLocks noGrp="1"/>
@@ -6724,14 +7096,25 @@
             <p:ph type="title"/>
           </p:nvPr>
         </p:nvSpPr>
-        <p:spPr/>
-        <p:txBody>
-          <a:bodyPr/>
-          <a:lstStyle/>
-          <a:p>
-            <a:r>
-              <a:rPr lang="en-US" dirty="0"/>
-              <a:t>Documentation of the application</a:t>
+        <p:spPr>
+          <a:xfrm>
+            <a:off x="4384039" y="365125"/>
+            <a:ext cx="7164493" cy="1325563"/>
+          </a:xfrm>
+        </p:spPr>
+        <p:txBody>
+          <a:bodyPr>
+            <a:normAutofit/>
+          </a:bodyPr>
+          <a:lstStyle/>
+          <a:p>
+            <a:r>
+              <a:rPr lang="en-US">
+                <a:solidFill>
+                  <a:schemeClr val="bg1"/>
+                </a:solidFill>
+              </a:rPr>
+              <a:t>Testing the application</a:t>
             </a:r>
           </a:p>
         </p:txBody>
@@ -6746,28 +7129,92 @@
             <p:ph idx="1"/>
           </p:nvPr>
         </p:nvSpPr>
-        <p:spPr/>
-        <p:txBody>
-          <a:bodyPr/>
-          <a:lstStyle/>
-          <a:p>
-            <a:r>
-              <a:rPr lang="en-US" dirty="0"/>
-              <a:t>Using the code documentation you can see description of some methods</a:t>
-            </a:r>
-          </a:p>
-          <a:p>
-            <a:r>
-              <a:rPr lang="en-US" dirty="0"/>
-              <a:t>There is no way to automatically generate activity diagrams from the code</a:t>
-            </a:r>
+        <p:spPr>
+          <a:xfrm>
+            <a:off x="3757267" y="2055813"/>
+            <a:ext cx="8434734" cy="4154361"/>
+          </a:xfrm>
+        </p:spPr>
+        <p:txBody>
+          <a:bodyPr>
+            <a:normAutofit/>
+          </a:bodyPr>
+          <a:lstStyle/>
+          <a:p>
+            <a:endParaRPr lang="en-US" sz="3000" dirty="0">
+              <a:solidFill>
+                <a:schemeClr val="bg1"/>
+              </a:solidFill>
+            </a:endParaRPr>
+          </a:p>
+          <a:p>
+            <a:r>
+              <a:rPr lang="en-US" sz="3000" dirty="0">
+                <a:solidFill>
+                  <a:schemeClr val="bg1"/>
+                </a:solidFill>
+              </a:rPr>
+              <a:t>Every mock is an expectation</a:t>
+            </a:r>
+          </a:p>
+          <a:p>
+            <a:r>
+              <a:rPr lang="en-US" sz="3000" dirty="0">
+                <a:solidFill>
+                  <a:schemeClr val="bg1"/>
+                </a:solidFill>
+              </a:rPr>
+              <a:t>To be a successful </a:t>
+            </a:r>
+            <a:r>
+              <a:rPr lang="en-US" sz="3000" dirty="0" err="1">
+                <a:solidFill>
+                  <a:schemeClr val="bg1"/>
+                </a:solidFill>
+              </a:rPr>
+              <a:t>mockist</a:t>
+            </a:r>
+            <a:r>
+              <a:rPr lang="en-US" sz="3000" dirty="0">
+                <a:solidFill>
+                  <a:schemeClr val="bg1"/>
+                </a:solidFill>
+              </a:rPr>
+              <a:t>, you must </a:t>
+            </a:r>
+            <a:r>
+              <a:rPr lang="en-US" sz="3000" b="1" dirty="0">
+                <a:solidFill>
+                  <a:schemeClr val="bg1"/>
+                </a:solidFill>
+              </a:rPr>
+              <a:t>dislike mocks</a:t>
+            </a:r>
+            <a:r>
+              <a:rPr lang="en-US" sz="3000" dirty="0">
+                <a:solidFill>
+                  <a:schemeClr val="bg1"/>
+                </a:solidFill>
+              </a:rPr>
+              <a:t>.</a:t>
+            </a:r>
+          </a:p>
+          <a:p>
+            <a:pPr marL="0" indent="0">
+              <a:buNone/>
+            </a:pPr>
+            <a:endParaRPr lang="en-US" sz="3000" dirty="0">
+              <a:solidFill>
+                <a:schemeClr val="bg1"/>
+              </a:solidFill>
+            </a:endParaRPr>
           </a:p>
         </p:txBody>
       </p:sp>
     </p:spTree>
     <p:extLst>
       <p:ext uri="{BB962C8B-B14F-4D97-AF65-F5344CB8AC3E}">
-        <p14:creationId xmlns:p14="http://schemas.microsoft.com/office/powerpoint/2010/main" val="4224353952"/>
+        <p14:creationId xmlns:p14="http://schemas.microsoft.com/office/powerpoint/2010/main" val="3591534004"/>
       </p:ext>
     </p:extLst>
   </p:cSld>
@@ -6796,6 +7243,138 @@
       </p:grpSpPr>
       <p:sp>
         <p:nvSpPr>
+          <p:cNvPr id="8202" name="Rectangle 8201"/>
+          <p:cNvSpPr>
+            <a:spLocks noGrp="1" noRot="1" noChangeAspect="1" noMove="1" noResize="1" noEditPoints="1" noAdjustHandles="1" noChangeArrowheads="1" noChangeShapeType="1" noTextEdit="1"/>
+          </p:cNvSpPr>
+          <p:nvPr>
+            <p:extLst>
+              <p:ext uri="{386F3935-93C4-4BCD-93E2-E3B085C9AB24}">
+                <p16:designElem xmlns:p16="http://schemas.microsoft.com/office/powerpoint/2015/main" val="1"/>
+              </p:ext>
+            </p:extLst>
+          </p:nvPr>
+        </p:nvSpPr>
+        <p:spPr bwMode="white">
+          <a:xfrm>
+            <a:off x="0" y="0"/>
+            <a:ext cx="12192000" cy="6858000"/>
+          </a:xfrm>
+          <a:prstGeom prst="rect">
+            <a:avLst/>
+          </a:prstGeom>
+          <a:solidFill>
+            <a:schemeClr val="bg1"/>
+          </a:solidFill>
+          <a:ln>
+            <a:noFill/>
+          </a:ln>
+          <a:effectLst/>
+        </p:spPr>
+      </p:sp>
+      <p:pic>
+        <p:nvPicPr>
+          <p:cNvPr id="8199" name="Picture 4" descr="http://dothethings.com/wp-content/uploads/2016/01/bottleneck.jpg"/>
+          <p:cNvPicPr>
+            <a:picLocks noGrp="1" noChangeAspect="1" noChangeArrowheads="1"/>
+          </p:cNvPicPr>
+          <p:nvPr>
+            <p:ph idx="1"/>
+          </p:nvPr>
+        </p:nvPicPr>
+        <p:blipFill rotWithShape="1">
+          <a:blip r:embed="rId2">
+            <a:extLst>
+              <a:ext uri="{28A0092B-C50C-407E-A947-70E740481C1C}">
+                <a14:useLocalDpi xmlns:a14="http://schemas.microsoft.com/office/drawing/2010/main" val="0"/>
+              </a:ext>
+            </a:extLst>
+          </a:blip>
+          <a:srcRect r="1334"/>
+          <a:stretch/>
+        </p:blipFill>
+        <p:spPr bwMode="auto">
+          <a:xfrm>
+            <a:off x="20" y="10"/>
+            <a:ext cx="12191980" cy="6857990"/>
+          </a:xfrm>
+          <a:prstGeom prst="rect">
+            <a:avLst/>
+          </a:prstGeom>
+          <a:noFill/>
+          <a:extLst>
+            <a:ext uri="{909E8E84-426E-40DD-AFC4-6F175D3DCCD1}">
+              <a14:hiddenFill xmlns:a14="http://schemas.microsoft.com/office/drawing/2010/main">
+                <a:solidFill>
+                  <a:srgbClr val="FFFFFF"/>
+                </a:solidFill>
+              </a14:hiddenFill>
+            </a:ext>
+          </a:extLst>
+        </p:spPr>
+      </p:pic>
+      <p:sp>
+        <p:nvSpPr>
+          <p:cNvPr id="140" name="Down Arrow 7"/>
+          <p:cNvSpPr>
+            <a:spLocks noGrp="1" noRot="1" noChangeAspect="1" noMove="1" noResize="1" noEditPoints="1" noAdjustHandles="1" noChangeArrowheads="1" noChangeShapeType="1" noTextEdit="1"/>
+          </p:cNvSpPr>
+          <p:nvPr>
+            <p:extLst>
+              <p:ext uri="{386F3935-93C4-4BCD-93E2-E3B085C9AB24}">
+                <p16:designElem xmlns:p16="http://schemas.microsoft.com/office/powerpoint/2015/main" val="1"/>
+              </p:ext>
+            </p:extLst>
+          </p:nvPr>
+        </p:nvSpPr>
+        <p:spPr>
+          <a:xfrm>
+            <a:off x="800100" y="-4763"/>
+            <a:ext cx="3333749" cy="3338514"/>
+          </a:xfrm>
+          <a:prstGeom prst="downArrow">
+            <a:avLst>
+              <a:gd name="adj1" fmla="val 100000"/>
+              <a:gd name="adj2" fmla="val 26890"/>
+            </a:avLst>
+          </a:prstGeom>
+          <a:solidFill>
+            <a:schemeClr val="tx1">
+              <a:lumMod val="85000"/>
+              <a:lumOff val="15000"/>
+            </a:schemeClr>
+          </a:solidFill>
+          <a:ln w="53975">
+            <a:noFill/>
+          </a:ln>
+        </p:spPr>
+        <p:style>
+          <a:lnRef idx="2">
+            <a:schemeClr val="accent1">
+              <a:shade val="50000"/>
+            </a:schemeClr>
+          </a:lnRef>
+          <a:fillRef idx="1">
+            <a:schemeClr val="accent1"/>
+          </a:fillRef>
+          <a:effectRef idx="0">
+            <a:schemeClr val="accent1"/>
+          </a:effectRef>
+          <a:fontRef idx="minor">
+            <a:schemeClr val="lt1"/>
+          </a:fontRef>
+        </p:style>
+        <p:txBody>
+          <a:bodyPr rtlCol="0" anchor="ctr"/>
+          <a:lstStyle/>
+          <a:p>
+            <a:pPr algn="ctr"/>
+            <a:endParaRPr lang="en-US"/>
+          </a:p>
+        </p:txBody>
+      </p:sp>
+      <p:sp>
+        <p:nvSpPr>
           <p:cNvPr id="2" name="Title 1"/>
           <p:cNvSpPr>
             <a:spLocks noGrp="1"/>
@@ -6804,74 +7383,35 @@
             <p:ph type="title"/>
           </p:nvPr>
         </p:nvSpPr>
-        <p:spPr/>
-        <p:txBody>
-          <a:bodyPr/>
-          <a:lstStyle/>
-          <a:p>
-            <a:r>
-              <a:rPr lang="en-US" dirty="0"/>
-              <a:t>Modifying the app</a:t>
-            </a:r>
-          </a:p>
-        </p:txBody>
-      </p:sp>
-      <p:sp>
-        <p:nvSpPr>
-          <p:cNvPr id="3" name="Content Placeholder 2"/>
-          <p:cNvSpPr>
-            <a:spLocks noGrp="1"/>
-          </p:cNvSpPr>
-          <p:nvPr>
-            <p:ph idx="1"/>
-          </p:nvPr>
-        </p:nvSpPr>
-        <p:spPr/>
-        <p:txBody>
-          <a:bodyPr/>
-          <a:lstStyle/>
-          <a:p>
-            <a:r>
-              <a:rPr lang="en-US" dirty="0"/>
-              <a:t>Adding an extra steps, always requiring modifying an existing unit</a:t>
-            </a:r>
-          </a:p>
-          <a:p>
-            <a:pPr lvl="1"/>
-            <a:r>
-              <a:rPr lang="en-US" dirty="0"/>
-              <a:t>Breaks Open/closed principle - </a:t>
-            </a:r>
-            <a:r>
-              <a:rPr lang="en-US" dirty="0"/>
-              <a:t>“software entities … should be open for extension, but closed for modification.”</a:t>
-            </a:r>
-          </a:p>
-          <a:p>
-            <a:pPr lvl="2"/>
-            <a:r>
-              <a:rPr lang="en-US" dirty="0"/>
-              <a:t>This breaks the unit’s unit tests, as extra steps are added</a:t>
-            </a:r>
-          </a:p>
-          <a:p>
-            <a:pPr lvl="2"/>
-            <a:endParaRPr lang="en-US" dirty="0"/>
-          </a:p>
-          <a:p>
-            <a:pPr lvl="2"/>
-            <a:endParaRPr lang="en-US" dirty="0"/>
-          </a:p>
-          <a:p>
-            <a:pPr lvl="1"/>
-            <a:endParaRPr lang="en-US" dirty="0"/>
+        <p:spPr>
+          <a:xfrm>
+            <a:off x="1028700" y="190501"/>
+            <a:ext cx="2886075" cy="2486024"/>
+          </a:xfrm>
+          <a:noFill/>
+        </p:spPr>
+        <p:txBody>
+          <a:bodyPr vert="horz" lIns="91440" tIns="45720" rIns="91440" bIns="45720" rtlCol="0" anchor="ctr">
+            <a:normAutofit/>
+          </a:bodyPr>
+          <a:lstStyle/>
+          <a:p>
+            <a:pPr algn="ctr"/>
+            <a:r>
+              <a:rPr lang="en-US" sz="3600">
+                <a:solidFill>
+                  <a:schemeClr val="bg1"/>
+                </a:solidFill>
+              </a:rPr>
+              <a:t>Performance testing</a:t>
+            </a:r>
           </a:p>
         </p:txBody>
       </p:sp>
     </p:spTree>
     <p:extLst>
       <p:ext uri="{BB962C8B-B14F-4D97-AF65-F5344CB8AC3E}">
-        <p14:creationId xmlns:p14="http://schemas.microsoft.com/office/powerpoint/2010/main" val="1881225381"/>
+        <p14:creationId xmlns:p14="http://schemas.microsoft.com/office/powerpoint/2010/main" val="1145341344"/>
       </p:ext>
     </p:extLst>
   </p:cSld>
@@ -6900,6 +7440,135 @@
       </p:grpSpPr>
       <p:sp>
         <p:nvSpPr>
+          <p:cNvPr id="9" name="Rectangle 8"/>
+          <p:cNvSpPr>
+            <a:spLocks noGrp="1" noRot="1" noChangeAspect="1" noMove="1" noResize="1" noEditPoints="1" noAdjustHandles="1" noChangeArrowheads="1" noChangeShapeType="1" noTextEdit="1"/>
+          </p:cNvSpPr>
+          <p:nvPr>
+            <p:extLst>
+              <p:ext uri="{386F3935-93C4-4BCD-93E2-E3B085C9AB24}">
+                <p16:designElem xmlns:p16="http://schemas.microsoft.com/office/powerpoint/2015/main" val="1"/>
+              </p:ext>
+            </p:extLst>
+          </p:nvPr>
+        </p:nvSpPr>
+        <p:spPr bwMode="white">
+          <a:xfrm>
+            <a:off x="0" y="0"/>
+            <a:ext cx="12192000" cy="6858000"/>
+          </a:xfrm>
+          <a:prstGeom prst="rect">
+            <a:avLst/>
+          </a:prstGeom>
+          <a:solidFill>
+            <a:schemeClr val="bg1"/>
+          </a:solidFill>
+          <a:ln>
+            <a:noFill/>
+          </a:ln>
+          <a:effectLst/>
+        </p:spPr>
+      </p:sp>
+      <p:sp>
+        <p:nvSpPr>
+          <p:cNvPr id="11" name="Rectangle 10"/>
+          <p:cNvSpPr>
+            <a:spLocks noGrp="1" noRot="1" noChangeAspect="1" noMove="1" noResize="1" noEditPoints="1" noAdjustHandles="1" noChangeArrowheads="1" noChangeShapeType="1" noTextEdit="1"/>
+          </p:cNvSpPr>
+          <p:nvPr>
+            <p:extLst>
+              <p:ext uri="{386F3935-93C4-4BCD-93E2-E3B085C9AB24}">
+                <p16:designElem xmlns:p16="http://schemas.microsoft.com/office/powerpoint/2015/main" val="1"/>
+              </p:ext>
+            </p:extLst>
+          </p:nvPr>
+        </p:nvSpPr>
+        <p:spPr>
+          <a:xfrm>
+            <a:off x="0" y="4242816"/>
+            <a:ext cx="12192000" cy="2615184"/>
+          </a:xfrm>
+          <a:prstGeom prst="rect">
+            <a:avLst/>
+          </a:prstGeom>
+          <a:solidFill>
+            <a:schemeClr val="tx1">
+              <a:lumMod val="75000"/>
+              <a:lumOff val="25000"/>
+            </a:schemeClr>
+          </a:solidFill>
+          <a:ln>
+            <a:noFill/>
+          </a:ln>
+        </p:spPr>
+        <p:style>
+          <a:lnRef idx="2">
+            <a:schemeClr val="accent1">
+              <a:shade val="50000"/>
+            </a:schemeClr>
+          </a:lnRef>
+          <a:fillRef idx="1">
+            <a:schemeClr val="accent1"/>
+          </a:fillRef>
+          <a:effectRef idx="0">
+            <a:schemeClr val="accent1"/>
+          </a:effectRef>
+          <a:fontRef idx="minor">
+            <a:schemeClr val="lt1"/>
+          </a:fontRef>
+        </p:style>
+        <p:txBody>
+          <a:bodyPr rtlCol="0" anchor="ctr"/>
+          <a:lstStyle/>
+          <a:p>
+            <a:pPr algn="ctr"/>
+            <a:endParaRPr lang="en-US"/>
+          </a:p>
+        </p:txBody>
+      </p:sp>
+      <p:pic>
+        <p:nvPicPr>
+          <p:cNvPr id="4" name="Picture 2" descr="https://stfalcon.com/uploads/images/55c8bcff18b94.png"/>
+          <p:cNvPicPr>
+            <a:picLocks noGrp="1" noChangeAspect="1" noChangeArrowheads="1"/>
+          </p:cNvPicPr>
+          <p:nvPr>
+            <p:ph idx="1"/>
+          </p:nvPr>
+        </p:nvPicPr>
+        <p:blipFill rotWithShape="1">
+          <a:blip r:embed="rId2">
+            <a:extLst>
+              <a:ext uri="{28A0092B-C50C-407E-A947-70E740481C1C}">
+                <a14:useLocalDpi xmlns:a14="http://schemas.microsoft.com/office/drawing/2010/main" val="0"/>
+              </a:ext>
+            </a:extLst>
+          </a:blip>
+          <a:srcRect/>
+          <a:stretch/>
+        </p:blipFill>
+        <p:spPr bwMode="auto">
+          <a:xfrm>
+            <a:off x="859619" y="643464"/>
+            <a:ext cx="10483131" cy="3275978"/>
+          </a:xfrm>
+          <a:prstGeom prst="rect">
+            <a:avLst/>
+          </a:prstGeom>
+          <a:noFill/>
+          <a:extLst>
+            <a:ext uri="{909E8E84-426E-40DD-AFC4-6F175D3DCCD1}">
+              <a14:hiddenFill xmlns:a14="http://schemas.microsoft.com/office/drawing/2010/main">
+                <a:solidFill>
+                  <a:srgbClr val="FFFFFF"/>
+                </a:solidFill>
+              </a14:hiddenFill>
+            </a:ext>
+          </a:extLst>
+        </p:spPr>
+      </p:pic>
+      <p:sp>
+        <p:nvSpPr>
           <p:cNvPr id="2" name="Title 1"/>
           <p:cNvSpPr>
             <a:spLocks noGrp="1"/>
@@ -6908,36 +7577,29 @@
             <p:ph type="title"/>
           </p:nvPr>
         </p:nvSpPr>
-        <p:spPr/>
-        <p:txBody>
-          <a:bodyPr/>
-          <a:lstStyle/>
-          <a:p>
-            <a:r>
-              <a:rPr lang="en-US" dirty="0"/>
-              <a:t>Long running flows</a:t>
-            </a:r>
-          </a:p>
-        </p:txBody>
-      </p:sp>
-      <p:sp>
-        <p:nvSpPr>
-          <p:cNvPr id="3" name="Content Placeholder 2"/>
-          <p:cNvSpPr>
-            <a:spLocks noGrp="1"/>
-          </p:cNvSpPr>
-          <p:nvPr>
-            <p:ph idx="1"/>
-          </p:nvPr>
-        </p:nvSpPr>
-        <p:spPr/>
-        <p:txBody>
-          <a:bodyPr/>
-          <a:lstStyle/>
-          <a:p>
-            <a:r>
-              <a:rPr lang="en-US" dirty="0"/>
-              <a:t>How easy it is to write long running  flows and track the progress of some requests?</a:t>
+        <p:spPr>
+          <a:xfrm>
+            <a:off x="707011" y="4502330"/>
+            <a:ext cx="10765410" cy="1207269"/>
+          </a:xfrm>
+        </p:spPr>
+        <p:txBody>
+          <a:bodyPr vert="horz" lIns="91440" tIns="45720" rIns="91440" bIns="45720" rtlCol="0" anchor="b">
+            <a:normAutofit/>
+          </a:bodyPr>
+          <a:lstStyle/>
+          <a:p>
+            <a:pPr algn="ctr"/>
+            <a:r>
+              <a:rPr lang="en-US" sz="6000" kern="1200">
+                <a:solidFill>
+                  <a:schemeClr val="bg1"/>
+                </a:solidFill>
+                <a:latin typeface="+mj-lt"/>
+                <a:ea typeface="+mj-ea"/>
+                <a:cs typeface="+mj-cs"/>
+              </a:rPr>
+              <a:t>Documentation</a:t>
             </a:r>
           </a:p>
         </p:txBody>
@@ -6945,7 +7607,7 @@
     </p:spTree>
     <p:extLst>
       <p:ext uri="{BB962C8B-B14F-4D97-AF65-F5344CB8AC3E}">
-        <p14:creationId xmlns:p14="http://schemas.microsoft.com/office/powerpoint/2010/main" val="1181480811"/>
+        <p14:creationId xmlns:p14="http://schemas.microsoft.com/office/powerpoint/2010/main" val="869974331"/>
       </p:ext>
     </p:extLst>
   </p:cSld>
@@ -6972,6 +7634,250 @@
           <a:chExt cx="0" cy="0"/>
         </a:xfrm>
       </p:grpSpPr>
+      <p:pic>
+        <p:nvPicPr>
+          <p:cNvPr id="9222" name="Picture 6" descr="http://www.enhancequality.com/wp-content/uploads/2013/07/photodune-2657929-important-documentation-xs.jpg"/>
+          <p:cNvPicPr>
+            <a:picLocks noChangeAspect="1" noChangeArrowheads="1"/>
+          </p:cNvPicPr>
+          <p:nvPr/>
+        </p:nvPicPr>
+        <p:blipFill rotWithShape="1">
+          <a:blip r:embed="rId2">
+            <a:extLst>
+              <a:ext uri="{28A0092B-C50C-407E-A947-70E740481C1C}">
+                <a14:useLocalDpi xmlns:a14="http://schemas.microsoft.com/office/drawing/2010/main" val="0"/>
+              </a:ext>
+            </a:extLst>
+          </a:blip>
+          <a:srcRect/>
+          <a:stretch/>
+        </p:blipFill>
+        <p:spPr bwMode="auto">
+          <a:xfrm>
+            <a:off x="7092985" y="1974317"/>
+            <a:ext cx="4260814" cy="3728212"/>
+          </a:xfrm>
+          <a:prstGeom prst="rect">
+            <a:avLst/>
+          </a:prstGeom>
+          <a:noFill/>
+          <a:extLst>
+            <a:ext uri="{909E8E84-426E-40DD-AFC4-6F175D3DCCD1}">
+              <a14:hiddenFill xmlns:a14="http://schemas.microsoft.com/office/drawing/2010/main">
+                <a:solidFill>
+                  <a:srgbClr val="FFFFFF"/>
+                </a:solidFill>
+              </a14:hiddenFill>
+            </a:ext>
+          </a:extLst>
+        </p:spPr>
+      </p:pic>
+      <p:sp>
+        <p:nvSpPr>
+          <p:cNvPr id="80" name="Freeform: Shape 79"/>
+          <p:cNvSpPr>
+            <a:spLocks noGrp="1" noRot="1" noChangeAspect="1" noMove="1" noResize="1" noEditPoints="1" noAdjustHandles="1" noChangeArrowheads="1" noChangeShapeType="1" noTextEdit="1"/>
+          </p:cNvSpPr>
+          <p:nvPr>
+            <p:extLst>
+              <p:ext uri="{386F3935-93C4-4BCD-93E2-E3B085C9AB24}">
+                <p16:designElem xmlns:p16="http://schemas.microsoft.com/office/powerpoint/2015/main" val="1"/>
+              </p:ext>
+            </p:extLst>
+          </p:nvPr>
+        </p:nvSpPr>
+        <p:spPr>
+          <a:xfrm flipV="1">
+            <a:off x="1" y="0"/>
+            <a:ext cx="7539895" cy="6858000"/>
+          </a:xfrm>
+          <a:custGeom>
+            <a:avLst/>
+            <a:gdLst>
+              <a:gd name="connsiteX0" fmla="*/ 7539895 w 7539895"/>
+              <a:gd name="connsiteY0" fmla="*/ 6858000 h 6858000"/>
+              <a:gd name="connsiteX1" fmla="*/ 0 w 7539895"/>
+              <a:gd name="connsiteY1" fmla="*/ 6858000 h 6858000"/>
+              <a:gd name="connsiteX2" fmla="*/ 0 w 7539895"/>
+              <a:gd name="connsiteY2" fmla="*/ 0 h 6858000"/>
+              <a:gd name="connsiteX3" fmla="*/ 4363741 w 7539895"/>
+              <a:gd name="connsiteY3" fmla="*/ 0 h 6858000"/>
+            </a:gdLst>
+            <a:ahLst/>
+            <a:cxnLst>
+              <a:cxn ang="0">
+                <a:pos x="connsiteX0" y="connsiteY0"/>
+              </a:cxn>
+              <a:cxn ang="0">
+                <a:pos x="connsiteX1" y="connsiteY1"/>
+              </a:cxn>
+              <a:cxn ang="0">
+                <a:pos x="connsiteX2" y="connsiteY2"/>
+              </a:cxn>
+              <a:cxn ang="0">
+                <a:pos x="connsiteX3" y="connsiteY3"/>
+              </a:cxn>
+            </a:cxnLst>
+            <a:rect l="l" t="t" r="r" b="b"/>
+            <a:pathLst>
+              <a:path w="7539895" h="6858000">
+                <a:moveTo>
+                  <a:pt x="7539895" y="6858000"/>
+                </a:moveTo>
+                <a:lnTo>
+                  <a:pt x="0" y="6858000"/>
+                </a:lnTo>
+                <a:lnTo>
+                  <a:pt x="0" y="0"/>
+                </a:lnTo>
+                <a:lnTo>
+                  <a:pt x="4363741" y="0"/>
+                </a:lnTo>
+                <a:close/>
+              </a:path>
+            </a:pathLst>
+          </a:custGeom>
+          <a:solidFill>
+            <a:schemeClr val="tx1">
+              <a:lumMod val="85000"/>
+              <a:lumOff val="15000"/>
+              <a:alpha val="70000"/>
+            </a:schemeClr>
+          </a:solidFill>
+          <a:ln>
+            <a:noFill/>
+          </a:ln>
+        </p:spPr>
+        <p:style>
+          <a:lnRef idx="2">
+            <a:schemeClr val="accent1">
+              <a:shade val="50000"/>
+            </a:schemeClr>
+          </a:lnRef>
+          <a:fillRef idx="1">
+            <a:schemeClr val="accent1"/>
+          </a:fillRef>
+          <a:effectRef idx="0">
+            <a:schemeClr val="accent1"/>
+          </a:effectRef>
+          <a:fontRef idx="minor">
+            <a:schemeClr val="lt1"/>
+          </a:fontRef>
+        </p:style>
+        <p:txBody>
+          <a:bodyPr wrap="square" rtlCol="0" anchor="ctr">
+            <a:noAutofit/>
+          </a:bodyPr>
+          <a:lstStyle/>
+          <a:p>
+            <a:pPr algn="ctr"/>
+            <a:endParaRPr lang="en-US"/>
+          </a:p>
+        </p:txBody>
+      </p:sp>
+      <p:sp>
+        <p:nvSpPr>
+          <p:cNvPr id="82" name="Freeform: Shape 81"/>
+          <p:cNvSpPr>
+            <a:spLocks noGrp="1" noRot="1" noChangeAspect="1" noMove="1" noResize="1" noEditPoints="1" noAdjustHandles="1" noChangeArrowheads="1" noChangeShapeType="1" noTextEdit="1"/>
+          </p:cNvSpPr>
+          <p:nvPr>
+            <p:extLst>
+              <p:ext uri="{386F3935-93C4-4BCD-93E2-E3B085C9AB24}">
+                <p16:designElem xmlns:p16="http://schemas.microsoft.com/office/powerpoint/2015/main" val="1"/>
+              </p:ext>
+            </p:extLst>
+          </p:nvPr>
+        </p:nvSpPr>
+        <p:spPr>
+          <a:xfrm flipV="1">
+            <a:off x="0" y="0"/>
+            <a:ext cx="7092985" cy="6858000"/>
+          </a:xfrm>
+          <a:custGeom>
+            <a:avLst/>
+            <a:gdLst>
+              <a:gd name="connsiteX0" fmla="*/ 7092985 w 7092985"/>
+              <a:gd name="connsiteY0" fmla="*/ 6858000 h 6858000"/>
+              <a:gd name="connsiteX1" fmla="*/ 0 w 7092985"/>
+              <a:gd name="connsiteY1" fmla="*/ 6858000 h 6858000"/>
+              <a:gd name="connsiteX2" fmla="*/ 0 w 7092985"/>
+              <a:gd name="connsiteY2" fmla="*/ 0 h 6858000"/>
+              <a:gd name="connsiteX3" fmla="*/ 3916831 w 7092985"/>
+              <a:gd name="connsiteY3" fmla="*/ 0 h 6858000"/>
+            </a:gdLst>
+            <a:ahLst/>
+            <a:cxnLst>
+              <a:cxn ang="0">
+                <a:pos x="connsiteX0" y="connsiteY0"/>
+              </a:cxn>
+              <a:cxn ang="0">
+                <a:pos x="connsiteX1" y="connsiteY1"/>
+              </a:cxn>
+              <a:cxn ang="0">
+                <a:pos x="connsiteX2" y="connsiteY2"/>
+              </a:cxn>
+              <a:cxn ang="0">
+                <a:pos x="connsiteX3" y="connsiteY3"/>
+              </a:cxn>
+            </a:cxnLst>
+            <a:rect l="l" t="t" r="r" b="b"/>
+            <a:pathLst>
+              <a:path w="7092985" h="6858000">
+                <a:moveTo>
+                  <a:pt x="7092985" y="6858000"/>
+                </a:moveTo>
+                <a:lnTo>
+                  <a:pt x="0" y="6858000"/>
+                </a:lnTo>
+                <a:lnTo>
+                  <a:pt x="0" y="0"/>
+                </a:lnTo>
+                <a:lnTo>
+                  <a:pt x="3916831" y="0"/>
+                </a:lnTo>
+                <a:close/>
+              </a:path>
+            </a:pathLst>
+          </a:custGeom>
+          <a:solidFill>
+            <a:schemeClr val="tx1">
+              <a:lumMod val="85000"/>
+              <a:lumOff val="15000"/>
+            </a:schemeClr>
+          </a:solidFill>
+          <a:ln>
+            <a:noFill/>
+          </a:ln>
+        </p:spPr>
+        <p:style>
+          <a:lnRef idx="2">
+            <a:schemeClr val="accent1">
+              <a:shade val="50000"/>
+            </a:schemeClr>
+          </a:lnRef>
+          <a:fillRef idx="1">
+            <a:schemeClr val="accent1"/>
+          </a:fillRef>
+          <a:effectRef idx="0">
+            <a:schemeClr val="accent1"/>
+          </a:effectRef>
+          <a:fontRef idx="minor">
+            <a:schemeClr val="lt1"/>
+          </a:fontRef>
+        </p:style>
+        <p:txBody>
+          <a:bodyPr wrap="square" rtlCol="0" anchor="ctr">
+            <a:noAutofit/>
+          </a:bodyPr>
+          <a:lstStyle/>
+          <a:p>
+            <a:pPr algn="ctr"/>
+            <a:endParaRPr lang="en-US"/>
+          </a:p>
+        </p:txBody>
+      </p:sp>
       <p:sp>
         <p:nvSpPr>
           <p:cNvPr id="2" name="Title 1"/>
@@ -6982,14 +7888,25 @@
             <p:ph type="title"/>
           </p:nvPr>
         </p:nvSpPr>
-        <p:spPr/>
-        <p:txBody>
-          <a:bodyPr/>
-          <a:lstStyle/>
-          <a:p>
-            <a:r>
-              <a:rPr lang="en-US" dirty="0"/>
-              <a:t>Presentation</a:t>
+        <p:spPr>
+          <a:xfrm>
+            <a:off x="838199" y="365125"/>
+            <a:ext cx="5529943" cy="1325563"/>
+          </a:xfrm>
+        </p:spPr>
+        <p:txBody>
+          <a:bodyPr>
+            <a:normAutofit/>
+          </a:bodyPr>
+          <a:lstStyle/>
+          <a:p>
+            <a:r>
+              <a:rPr lang="en-US" dirty="0">
+                <a:solidFill>
+                  <a:schemeClr val="bg1"/>
+                </a:solidFill>
+              </a:rPr>
+              <a:t>What we have?</a:t>
             </a:r>
           </a:p>
         </p:txBody>
@@ -7004,38 +7921,25 @@
             <p:ph idx="1"/>
           </p:nvPr>
         </p:nvSpPr>
-        <p:spPr/>
-        <p:txBody>
-          <a:bodyPr/>
-          <a:lstStyle/>
-          <a:p>
-            <a:r>
-              <a:rPr lang="en-US" dirty="0"/>
-              <a:t>What are reactive apps?</a:t>
-            </a:r>
-          </a:p>
-          <a:p>
-            <a:r>
-              <a:rPr lang="en-US" dirty="0"/>
-              <a:t>Motivation</a:t>
-            </a:r>
-          </a:p>
-          <a:p>
-            <a:r>
-              <a:rPr lang="en-US" b="1" dirty="0"/>
-              <a:t>Solution</a:t>
-            </a:r>
-          </a:p>
-          <a:p>
-            <a:r>
-              <a:rPr lang="en-US" dirty="0"/>
-              <a:t>Problems that we encountered</a:t>
-            </a:r>
-          </a:p>
-          <a:p>
-            <a:r>
-              <a:rPr lang="en-US" dirty="0"/>
-              <a:t>End advices</a:t>
+        <p:spPr>
+          <a:xfrm>
+            <a:off x="838199" y="1825625"/>
+            <a:ext cx="4979127" cy="3399518"/>
+          </a:xfrm>
+        </p:spPr>
+        <p:txBody>
+          <a:bodyPr>
+            <a:normAutofit/>
+          </a:bodyPr>
+          <a:lstStyle/>
+          <a:p>
+            <a:r>
+              <a:rPr lang="en-US" sz="3000" dirty="0">
+                <a:solidFill>
+                  <a:schemeClr val="bg1"/>
+                </a:solidFill>
+              </a:rPr>
+              <a:t>Description of some methods</a:t>
             </a:r>
           </a:p>
         </p:txBody>
@@ -7043,7 +7947,7 @@
     </p:spTree>
     <p:extLst>
       <p:ext uri="{BB962C8B-B14F-4D97-AF65-F5344CB8AC3E}">
-        <p14:creationId xmlns:p14="http://schemas.microsoft.com/office/powerpoint/2010/main" val="78229689"/>
+        <p14:creationId xmlns:p14="http://schemas.microsoft.com/office/powerpoint/2010/main" val="4224353952"/>
       </p:ext>
     </p:extLst>
   </p:cSld>
@@ -7072,6 +7976,850 @@
       </p:grpSpPr>
       <p:sp>
         <p:nvSpPr>
+          <p:cNvPr id="11273" name="Rectangle 11272"/>
+          <p:cNvSpPr>
+            <a:spLocks noGrp="1" noRot="1" noChangeAspect="1" noMove="1" noResize="1" noEditPoints="1" noAdjustHandles="1" noChangeArrowheads="1" noChangeShapeType="1" noTextEdit="1"/>
+          </p:cNvSpPr>
+          <p:nvPr>
+            <p:extLst>
+              <p:ext uri="{386F3935-93C4-4BCD-93E2-E3B085C9AB24}">
+                <p16:designElem xmlns:p16="http://schemas.microsoft.com/office/powerpoint/2015/main" val="1"/>
+              </p:ext>
+            </p:extLst>
+          </p:nvPr>
+        </p:nvSpPr>
+        <p:spPr bwMode="white">
+          <a:xfrm>
+            <a:off x="0" y="0"/>
+            <a:ext cx="12192000" cy="6858000"/>
+          </a:xfrm>
+          <a:prstGeom prst="rect">
+            <a:avLst/>
+          </a:prstGeom>
+          <a:solidFill>
+            <a:schemeClr val="bg1"/>
+          </a:solidFill>
+          <a:ln>
+            <a:noFill/>
+          </a:ln>
+          <a:effectLst/>
+        </p:spPr>
+      </p:sp>
+      <p:sp>
+        <p:nvSpPr>
+          <p:cNvPr id="77" name="Rectangle 76"/>
+          <p:cNvSpPr>
+            <a:spLocks noGrp="1" noRot="1" noChangeAspect="1" noMove="1" noResize="1" noEditPoints="1" noAdjustHandles="1" noChangeArrowheads="1" noChangeShapeType="1" noTextEdit="1"/>
+          </p:cNvSpPr>
+          <p:nvPr>
+            <p:extLst>
+              <p:ext uri="{386F3935-93C4-4BCD-93E2-E3B085C9AB24}">
+                <p16:designElem xmlns:p16="http://schemas.microsoft.com/office/powerpoint/2015/main" val="1"/>
+              </p:ext>
+            </p:extLst>
+          </p:nvPr>
+        </p:nvSpPr>
+        <p:spPr>
+          <a:xfrm>
+            <a:off x="0" y="651752"/>
+            <a:ext cx="12192000" cy="736551"/>
+          </a:xfrm>
+          <a:prstGeom prst="rect">
+            <a:avLst/>
+          </a:prstGeom>
+          <a:solidFill>
+            <a:schemeClr val="tx1">
+              <a:alpha val="75000"/>
+            </a:schemeClr>
+          </a:solidFill>
+          <a:ln>
+            <a:noFill/>
+          </a:ln>
+        </p:spPr>
+        <p:style>
+          <a:lnRef idx="2">
+            <a:schemeClr val="accent1">
+              <a:shade val="50000"/>
+            </a:schemeClr>
+          </a:lnRef>
+          <a:fillRef idx="1">
+            <a:schemeClr val="accent1"/>
+          </a:fillRef>
+          <a:effectRef idx="0">
+            <a:schemeClr val="accent1"/>
+          </a:effectRef>
+          <a:fontRef idx="minor">
+            <a:schemeClr val="lt1"/>
+          </a:fontRef>
+        </p:style>
+        <p:txBody>
+          <a:bodyPr rtlCol="0" anchor="ctr"/>
+          <a:lstStyle/>
+          <a:p>
+            <a:pPr algn="ctr"/>
+            <a:endParaRPr lang="en-US"/>
+          </a:p>
+        </p:txBody>
+      </p:sp>
+      <p:pic>
+        <p:nvPicPr>
+          <p:cNvPr id="11268" name="Picture 4" descr="http://cdn.ariscommunity.com/info_site/flowchart.png"/>
+          <p:cNvPicPr>
+            <a:picLocks noChangeAspect="1" noChangeArrowheads="1"/>
+          </p:cNvPicPr>
+          <p:nvPr/>
+        </p:nvPicPr>
+        <p:blipFill rotWithShape="1">
+          <a:blip r:embed="rId2">
+            <a:extLst>
+              <a:ext uri="{28A0092B-C50C-407E-A947-70E740481C1C}">
+                <a14:useLocalDpi xmlns:a14="http://schemas.microsoft.com/office/drawing/2010/main" val="0"/>
+              </a:ext>
+            </a:extLst>
+          </a:blip>
+          <a:srcRect/>
+          <a:stretch/>
+        </p:blipFill>
+        <p:spPr bwMode="auto">
+          <a:xfrm>
+            <a:off x="4261422" y="1675227"/>
+            <a:ext cx="3669155" cy="4394199"/>
+          </a:xfrm>
+          <a:prstGeom prst="rect">
+            <a:avLst/>
+          </a:prstGeom>
+          <a:noFill/>
+          <a:extLst>
+            <a:ext uri="{909E8E84-426E-40DD-AFC4-6F175D3DCCD1}">
+              <a14:hiddenFill xmlns:a14="http://schemas.microsoft.com/office/drawing/2010/main">
+                <a:solidFill>
+                  <a:srgbClr val="FFFFFF"/>
+                </a:solidFill>
+              </a14:hiddenFill>
+            </a:ext>
+          </a:extLst>
+        </p:spPr>
+      </p:pic>
+      <p:sp>
+        <p:nvSpPr>
+          <p:cNvPr id="2" name="Title 1"/>
+          <p:cNvSpPr>
+            <a:spLocks noGrp="1"/>
+          </p:cNvSpPr>
+          <p:nvPr>
+            <p:ph type="title"/>
+          </p:nvPr>
+        </p:nvSpPr>
+        <p:spPr>
+          <a:xfrm>
+            <a:off x="556532" y="643467"/>
+            <a:ext cx="11210925" cy="744836"/>
+          </a:xfrm>
+        </p:spPr>
+        <p:txBody>
+          <a:bodyPr vert="horz" lIns="91440" tIns="45720" rIns="91440" bIns="45720" rtlCol="0" anchor="ctr">
+            <a:normAutofit/>
+          </a:bodyPr>
+          <a:lstStyle/>
+          <a:p>
+            <a:pPr algn="ctr"/>
+            <a:r>
+              <a:rPr lang="en-US" sz="3200" kern="1200">
+                <a:solidFill>
+                  <a:schemeClr val="bg1"/>
+                </a:solidFill>
+                <a:latin typeface="+mj-lt"/>
+                <a:ea typeface="+mj-ea"/>
+                <a:cs typeface="+mj-cs"/>
+              </a:rPr>
+              <a:t>What we want?</a:t>
+            </a:r>
+          </a:p>
+        </p:txBody>
+      </p:sp>
+    </p:spTree>
+    <p:extLst>
+      <p:ext uri="{BB962C8B-B14F-4D97-AF65-F5344CB8AC3E}">
+        <p14:creationId xmlns:p14="http://schemas.microsoft.com/office/powerpoint/2010/main" val="4010231789"/>
+      </p:ext>
+    </p:extLst>
+  </p:cSld>
+  <p:clrMapOvr>
+    <a:masterClrMapping/>
+  </p:clrMapOvr>
+</p:sld>
+</file>
+
+<file path=ppt/slides/slide15.xml><?xml version="1.0" encoding="utf-8"?>
+<p:sld xmlns:a="http://schemas.openxmlformats.org/drawingml/2006/main" xmlns:r="http://schemas.openxmlformats.org/officeDocument/2006/relationships" xmlns:p="http://schemas.openxmlformats.org/presentationml/2006/main">
+  <p:cSld>
+    <p:spTree>
+      <p:nvGrpSpPr>
+        <p:cNvPr id="1" name=""/>
+        <p:cNvGrpSpPr/>
+        <p:nvPr/>
+      </p:nvGrpSpPr>
+      <p:grpSpPr>
+        <a:xfrm>
+          <a:off x="0" y="0"/>
+          <a:ext cx="0" cy="0"/>
+          <a:chOff x="0" y="0"/>
+          <a:chExt cx="0" cy="0"/>
+        </a:xfrm>
+      </p:grpSpPr>
+      <p:pic>
+        <p:nvPicPr>
+          <p:cNvPr id="12290" name="Picture 2" descr="https://jamesmccaffrey.files.wordpress.com/2016/08/worshipme.png?w=300&amp;h=246"/>
+          <p:cNvPicPr>
+            <a:picLocks noChangeAspect="1" noChangeArrowheads="1"/>
+          </p:cNvPicPr>
+          <p:nvPr/>
+        </p:nvPicPr>
+        <p:blipFill rotWithShape="1">
+          <a:blip r:embed="rId2">
+            <a:extLst>
+              <a:ext uri="{28A0092B-C50C-407E-A947-70E740481C1C}">
+                <a14:useLocalDpi xmlns:a14="http://schemas.microsoft.com/office/drawing/2010/main" val="0"/>
+              </a:ext>
+            </a:extLst>
+          </a:blip>
+          <a:srcRect/>
+          <a:stretch/>
+        </p:blipFill>
+        <p:spPr bwMode="auto">
+          <a:xfrm>
+            <a:off x="7092985" y="2091490"/>
+            <a:ext cx="4260814" cy="3493867"/>
+          </a:xfrm>
+          <a:prstGeom prst="rect">
+            <a:avLst/>
+          </a:prstGeom>
+          <a:noFill/>
+          <a:extLst>
+            <a:ext uri="{909E8E84-426E-40DD-AFC4-6F175D3DCCD1}">
+              <a14:hiddenFill xmlns:a14="http://schemas.microsoft.com/office/drawing/2010/main">
+                <a:solidFill>
+                  <a:srgbClr val="FFFFFF"/>
+                </a:solidFill>
+              </a14:hiddenFill>
+            </a:ext>
+          </a:extLst>
+        </p:spPr>
+      </p:pic>
+      <p:sp>
+        <p:nvSpPr>
+          <p:cNvPr id="71" name="Freeform: Shape 70"/>
+          <p:cNvSpPr>
+            <a:spLocks noGrp="1" noRot="1" noChangeAspect="1" noMove="1" noResize="1" noEditPoints="1" noAdjustHandles="1" noChangeArrowheads="1" noChangeShapeType="1" noTextEdit="1"/>
+          </p:cNvSpPr>
+          <p:nvPr>
+            <p:extLst>
+              <p:ext uri="{386F3935-93C4-4BCD-93E2-E3B085C9AB24}">
+                <p16:designElem xmlns:p16="http://schemas.microsoft.com/office/powerpoint/2015/main" val="1"/>
+              </p:ext>
+            </p:extLst>
+          </p:nvPr>
+        </p:nvSpPr>
+        <p:spPr>
+          <a:xfrm flipV="1">
+            <a:off x="1" y="0"/>
+            <a:ext cx="7539895" cy="6858000"/>
+          </a:xfrm>
+          <a:custGeom>
+            <a:avLst/>
+            <a:gdLst>
+              <a:gd name="connsiteX0" fmla="*/ 7539895 w 7539895"/>
+              <a:gd name="connsiteY0" fmla="*/ 6858000 h 6858000"/>
+              <a:gd name="connsiteX1" fmla="*/ 0 w 7539895"/>
+              <a:gd name="connsiteY1" fmla="*/ 6858000 h 6858000"/>
+              <a:gd name="connsiteX2" fmla="*/ 0 w 7539895"/>
+              <a:gd name="connsiteY2" fmla="*/ 0 h 6858000"/>
+              <a:gd name="connsiteX3" fmla="*/ 4363741 w 7539895"/>
+              <a:gd name="connsiteY3" fmla="*/ 0 h 6858000"/>
+            </a:gdLst>
+            <a:ahLst/>
+            <a:cxnLst>
+              <a:cxn ang="0">
+                <a:pos x="connsiteX0" y="connsiteY0"/>
+              </a:cxn>
+              <a:cxn ang="0">
+                <a:pos x="connsiteX1" y="connsiteY1"/>
+              </a:cxn>
+              <a:cxn ang="0">
+                <a:pos x="connsiteX2" y="connsiteY2"/>
+              </a:cxn>
+              <a:cxn ang="0">
+                <a:pos x="connsiteX3" y="connsiteY3"/>
+              </a:cxn>
+            </a:cxnLst>
+            <a:rect l="l" t="t" r="r" b="b"/>
+            <a:pathLst>
+              <a:path w="7539895" h="6858000">
+                <a:moveTo>
+                  <a:pt x="7539895" y="6858000"/>
+                </a:moveTo>
+                <a:lnTo>
+                  <a:pt x="0" y="6858000"/>
+                </a:lnTo>
+                <a:lnTo>
+                  <a:pt x="0" y="0"/>
+                </a:lnTo>
+                <a:lnTo>
+                  <a:pt x="4363741" y="0"/>
+                </a:lnTo>
+                <a:close/>
+              </a:path>
+            </a:pathLst>
+          </a:custGeom>
+          <a:solidFill>
+            <a:schemeClr val="tx1">
+              <a:lumMod val="85000"/>
+              <a:lumOff val="15000"/>
+              <a:alpha val="70000"/>
+            </a:schemeClr>
+          </a:solidFill>
+          <a:ln>
+            <a:noFill/>
+          </a:ln>
+        </p:spPr>
+        <p:style>
+          <a:lnRef idx="2">
+            <a:schemeClr val="accent1">
+              <a:shade val="50000"/>
+            </a:schemeClr>
+          </a:lnRef>
+          <a:fillRef idx="1">
+            <a:schemeClr val="accent1"/>
+          </a:fillRef>
+          <a:effectRef idx="0">
+            <a:schemeClr val="accent1"/>
+          </a:effectRef>
+          <a:fontRef idx="minor">
+            <a:schemeClr val="lt1"/>
+          </a:fontRef>
+        </p:style>
+        <p:txBody>
+          <a:bodyPr wrap="square" rtlCol="0" anchor="ctr">
+            <a:noAutofit/>
+          </a:bodyPr>
+          <a:lstStyle/>
+          <a:p>
+            <a:pPr algn="ctr"/>
+            <a:endParaRPr lang="en-US"/>
+          </a:p>
+        </p:txBody>
+      </p:sp>
+      <p:sp>
+        <p:nvSpPr>
+          <p:cNvPr id="73" name="Freeform: Shape 72"/>
+          <p:cNvSpPr>
+            <a:spLocks noGrp="1" noRot="1" noChangeAspect="1" noMove="1" noResize="1" noEditPoints="1" noAdjustHandles="1" noChangeArrowheads="1" noChangeShapeType="1" noTextEdit="1"/>
+          </p:cNvSpPr>
+          <p:nvPr>
+            <p:extLst>
+              <p:ext uri="{386F3935-93C4-4BCD-93E2-E3B085C9AB24}">
+                <p16:designElem xmlns:p16="http://schemas.microsoft.com/office/powerpoint/2015/main" val="1"/>
+              </p:ext>
+            </p:extLst>
+          </p:nvPr>
+        </p:nvSpPr>
+        <p:spPr>
+          <a:xfrm flipV="1">
+            <a:off x="0" y="0"/>
+            <a:ext cx="7092985" cy="6858000"/>
+          </a:xfrm>
+          <a:custGeom>
+            <a:avLst/>
+            <a:gdLst>
+              <a:gd name="connsiteX0" fmla="*/ 7092985 w 7092985"/>
+              <a:gd name="connsiteY0" fmla="*/ 6858000 h 6858000"/>
+              <a:gd name="connsiteX1" fmla="*/ 0 w 7092985"/>
+              <a:gd name="connsiteY1" fmla="*/ 6858000 h 6858000"/>
+              <a:gd name="connsiteX2" fmla="*/ 0 w 7092985"/>
+              <a:gd name="connsiteY2" fmla="*/ 0 h 6858000"/>
+              <a:gd name="connsiteX3" fmla="*/ 3916831 w 7092985"/>
+              <a:gd name="connsiteY3" fmla="*/ 0 h 6858000"/>
+            </a:gdLst>
+            <a:ahLst/>
+            <a:cxnLst>
+              <a:cxn ang="0">
+                <a:pos x="connsiteX0" y="connsiteY0"/>
+              </a:cxn>
+              <a:cxn ang="0">
+                <a:pos x="connsiteX1" y="connsiteY1"/>
+              </a:cxn>
+              <a:cxn ang="0">
+                <a:pos x="connsiteX2" y="connsiteY2"/>
+              </a:cxn>
+              <a:cxn ang="0">
+                <a:pos x="connsiteX3" y="connsiteY3"/>
+              </a:cxn>
+            </a:cxnLst>
+            <a:rect l="l" t="t" r="r" b="b"/>
+            <a:pathLst>
+              <a:path w="7092985" h="6858000">
+                <a:moveTo>
+                  <a:pt x="7092985" y="6858000"/>
+                </a:moveTo>
+                <a:lnTo>
+                  <a:pt x="0" y="6858000"/>
+                </a:lnTo>
+                <a:lnTo>
+                  <a:pt x="0" y="0"/>
+                </a:lnTo>
+                <a:lnTo>
+                  <a:pt x="3916831" y="0"/>
+                </a:lnTo>
+                <a:close/>
+              </a:path>
+            </a:pathLst>
+          </a:custGeom>
+          <a:solidFill>
+            <a:schemeClr val="tx1">
+              <a:lumMod val="85000"/>
+              <a:lumOff val="15000"/>
+            </a:schemeClr>
+          </a:solidFill>
+          <a:ln>
+            <a:noFill/>
+          </a:ln>
+        </p:spPr>
+        <p:style>
+          <a:lnRef idx="2">
+            <a:schemeClr val="accent1">
+              <a:shade val="50000"/>
+            </a:schemeClr>
+          </a:lnRef>
+          <a:fillRef idx="1">
+            <a:schemeClr val="accent1"/>
+          </a:fillRef>
+          <a:effectRef idx="0">
+            <a:schemeClr val="accent1"/>
+          </a:effectRef>
+          <a:fontRef idx="minor">
+            <a:schemeClr val="lt1"/>
+          </a:fontRef>
+        </p:style>
+        <p:txBody>
+          <a:bodyPr wrap="square" rtlCol="0" anchor="ctr">
+            <a:noAutofit/>
+          </a:bodyPr>
+          <a:lstStyle/>
+          <a:p>
+            <a:pPr algn="ctr"/>
+            <a:endParaRPr lang="en-US"/>
+          </a:p>
+        </p:txBody>
+      </p:sp>
+      <p:sp>
+        <p:nvSpPr>
+          <p:cNvPr id="2" name="Title 1"/>
+          <p:cNvSpPr>
+            <a:spLocks noGrp="1"/>
+          </p:cNvSpPr>
+          <p:nvPr>
+            <p:ph type="title"/>
+          </p:nvPr>
+        </p:nvSpPr>
+        <p:spPr>
+          <a:xfrm>
+            <a:off x="838199" y="365125"/>
+            <a:ext cx="5529943" cy="1325563"/>
+          </a:xfrm>
+        </p:spPr>
+        <p:txBody>
+          <a:bodyPr>
+            <a:normAutofit/>
+          </a:bodyPr>
+          <a:lstStyle/>
+          <a:p>
+            <a:r>
+              <a:rPr lang="en-US" dirty="0">
+                <a:solidFill>
+                  <a:schemeClr val="bg1"/>
+                </a:solidFill>
+              </a:rPr>
+              <a:t>Modifying the app</a:t>
+            </a:r>
+          </a:p>
+        </p:txBody>
+      </p:sp>
+      <p:sp>
+        <p:nvSpPr>
+          <p:cNvPr id="3" name="Content Placeholder 2"/>
+          <p:cNvSpPr>
+            <a:spLocks noGrp="1"/>
+          </p:cNvSpPr>
+          <p:nvPr>
+            <p:ph idx="1"/>
+          </p:nvPr>
+        </p:nvSpPr>
+        <p:spPr>
+          <a:xfrm>
+            <a:off x="129309" y="1825625"/>
+            <a:ext cx="5837382" cy="3399518"/>
+          </a:xfrm>
+        </p:spPr>
+        <p:txBody>
+          <a:bodyPr>
+            <a:normAutofit/>
+          </a:bodyPr>
+          <a:lstStyle/>
+          <a:p>
+            <a:r>
+              <a:rPr lang="en-US" sz="3000" dirty="0">
+                <a:solidFill>
+                  <a:schemeClr val="bg1"/>
+                </a:solidFill>
+              </a:rPr>
+              <a:t>Add steps without breaking open closed principle</a:t>
+            </a:r>
+          </a:p>
+          <a:p>
+            <a:r>
+              <a:rPr lang="en-US" sz="3000" dirty="0">
+                <a:solidFill>
+                  <a:schemeClr val="bg1"/>
+                </a:solidFill>
+              </a:rPr>
+              <a:t>Have no unit modified</a:t>
+            </a:r>
+          </a:p>
+          <a:p>
+            <a:r>
+              <a:rPr lang="en-US" sz="3000" dirty="0">
+                <a:solidFill>
+                  <a:schemeClr val="bg1"/>
+                </a:solidFill>
+              </a:rPr>
+              <a:t>Respect Open/Closed principle</a:t>
+            </a:r>
+          </a:p>
+          <a:p>
+            <a:pPr lvl="2"/>
+            <a:endParaRPr lang="en-US" dirty="0">
+              <a:solidFill>
+                <a:schemeClr val="bg1"/>
+              </a:solidFill>
+            </a:endParaRPr>
+          </a:p>
+          <a:p>
+            <a:pPr lvl="1"/>
+            <a:endParaRPr lang="en-US" sz="2000" dirty="0">
+              <a:solidFill>
+                <a:schemeClr val="bg1"/>
+              </a:solidFill>
+            </a:endParaRPr>
+          </a:p>
+        </p:txBody>
+      </p:sp>
+    </p:spTree>
+    <p:extLst>
+      <p:ext uri="{BB962C8B-B14F-4D97-AF65-F5344CB8AC3E}">
+        <p14:creationId xmlns:p14="http://schemas.microsoft.com/office/powerpoint/2010/main" val="1881225381"/>
+      </p:ext>
+    </p:extLst>
+  </p:cSld>
+  <p:clrMapOvr>
+    <a:masterClrMapping/>
+  </p:clrMapOvr>
+</p:sld>
+</file>
+
+<file path=ppt/slides/slide16.xml><?xml version="1.0" encoding="utf-8"?>
+<p:sld xmlns:a="http://schemas.openxmlformats.org/drawingml/2006/main" xmlns:r="http://schemas.openxmlformats.org/officeDocument/2006/relationships" xmlns:p="http://schemas.openxmlformats.org/presentationml/2006/main">
+  <p:cSld>
+    <p:spTree>
+      <p:nvGrpSpPr>
+        <p:cNvPr id="1" name=""/>
+        <p:cNvGrpSpPr/>
+        <p:nvPr/>
+      </p:nvGrpSpPr>
+      <p:grpSpPr>
+        <a:xfrm>
+          <a:off x="0" y="0"/>
+          <a:ext cx="0" cy="0"/>
+          <a:chOff x="0" y="0"/>
+          <a:chExt cx="0" cy="0"/>
+        </a:xfrm>
+      </p:grpSpPr>
+      <p:sp>
+        <p:nvSpPr>
+          <p:cNvPr id="2" name="Title 1"/>
+          <p:cNvSpPr>
+            <a:spLocks noGrp="1"/>
+          </p:cNvSpPr>
+          <p:nvPr>
+            <p:ph type="title"/>
+          </p:nvPr>
+        </p:nvSpPr>
+        <p:spPr/>
+        <p:txBody>
+          <a:bodyPr/>
+          <a:lstStyle/>
+          <a:p>
+            <a:r>
+              <a:rPr lang="en-US" dirty="0"/>
+              <a:t>Long running flows</a:t>
+            </a:r>
+          </a:p>
+        </p:txBody>
+      </p:sp>
+      <p:sp>
+        <p:nvSpPr>
+          <p:cNvPr id="3" name="Content Placeholder 2"/>
+          <p:cNvSpPr>
+            <a:spLocks noGrp="1"/>
+          </p:cNvSpPr>
+          <p:nvPr>
+            <p:ph idx="1"/>
+          </p:nvPr>
+        </p:nvSpPr>
+        <p:spPr/>
+        <p:txBody>
+          <a:bodyPr/>
+          <a:lstStyle/>
+          <a:p>
+            <a:r>
+              <a:rPr lang="en-US" dirty="0"/>
+              <a:t>How easy it is to write long running  flows and track the progress of some requests?</a:t>
+            </a:r>
+          </a:p>
+        </p:txBody>
+      </p:sp>
+    </p:spTree>
+    <p:extLst>
+      <p:ext uri="{BB962C8B-B14F-4D97-AF65-F5344CB8AC3E}">
+        <p14:creationId xmlns:p14="http://schemas.microsoft.com/office/powerpoint/2010/main" val="1181480811"/>
+      </p:ext>
+    </p:extLst>
+  </p:cSld>
+  <p:clrMapOvr>
+    <a:masterClrMapping/>
+  </p:clrMapOvr>
+</p:sld>
+</file>
+
+<file path=ppt/slides/slide17.xml><?xml version="1.0" encoding="utf-8"?>
+<p:sld xmlns:a="http://schemas.openxmlformats.org/drawingml/2006/main" xmlns:r="http://schemas.openxmlformats.org/officeDocument/2006/relationships" xmlns:p="http://schemas.openxmlformats.org/presentationml/2006/main">
+  <p:cSld>
+    <p:spTree>
+      <p:nvGrpSpPr>
+        <p:cNvPr id="1" name=""/>
+        <p:cNvGrpSpPr/>
+        <p:nvPr/>
+      </p:nvGrpSpPr>
+      <p:grpSpPr>
+        <a:xfrm>
+          <a:off x="0" y="0"/>
+          <a:ext cx="0" cy="0"/>
+          <a:chOff x="0" y="0"/>
+          <a:chExt cx="0" cy="0"/>
+        </a:xfrm>
+      </p:grpSpPr>
+      <p:sp>
+        <p:nvSpPr>
+          <p:cNvPr id="8" name="Rectangle 7"/>
+          <p:cNvSpPr>
+            <a:spLocks noGrp="1" noRot="1" noChangeAspect="1" noMove="1" noResize="1" noEditPoints="1" noAdjustHandles="1" noChangeArrowheads="1" noChangeShapeType="1" noTextEdit="1"/>
+          </p:cNvSpPr>
+          <p:nvPr>
+            <p:extLst>
+              <p:ext uri="{386F3935-93C4-4BCD-93E2-E3B085C9AB24}">
+                <p16:designElem xmlns:p16="http://schemas.microsoft.com/office/powerpoint/2015/main" val="1"/>
+              </p:ext>
+            </p:extLst>
+          </p:nvPr>
+        </p:nvSpPr>
+        <p:spPr>
+          <a:xfrm>
+            <a:off x="5315061" y="-2"/>
+            <a:ext cx="6876939" cy="6858002"/>
+          </a:xfrm>
+          <a:prstGeom prst="rect">
+            <a:avLst/>
+          </a:prstGeom>
+          <a:solidFill>
+            <a:schemeClr val="tx1">
+              <a:lumMod val="85000"/>
+              <a:lumOff val="15000"/>
+            </a:schemeClr>
+          </a:solidFill>
+          <a:ln>
+            <a:noFill/>
+          </a:ln>
+        </p:spPr>
+        <p:style>
+          <a:lnRef idx="2">
+            <a:schemeClr val="accent1">
+              <a:shade val="50000"/>
+            </a:schemeClr>
+          </a:lnRef>
+          <a:fillRef idx="1">
+            <a:schemeClr val="accent1"/>
+          </a:fillRef>
+          <a:effectRef idx="0">
+            <a:schemeClr val="accent1"/>
+          </a:effectRef>
+          <a:fontRef idx="minor">
+            <a:schemeClr val="lt1"/>
+          </a:fontRef>
+        </p:style>
+        <p:txBody>
+          <a:bodyPr rtlCol="0" anchor="ctr"/>
+          <a:lstStyle/>
+          <a:p>
+            <a:pPr algn="ctr"/>
+            <a:endParaRPr lang="en-US"/>
+          </a:p>
+        </p:txBody>
+      </p:sp>
+      <p:sp>
+        <p:nvSpPr>
+          <p:cNvPr id="2" name="Title 1"/>
+          <p:cNvSpPr>
+            <a:spLocks noGrp="1"/>
+          </p:cNvSpPr>
+          <p:nvPr>
+            <p:ph type="title"/>
+          </p:nvPr>
+        </p:nvSpPr>
+        <p:spPr>
+          <a:xfrm>
+            <a:off x="829781" y="2745736"/>
+            <a:ext cx="3698803" cy="1366528"/>
+          </a:xfrm>
+          <a:solidFill>
+            <a:schemeClr val="bg1">
+              <a:alpha val="50000"/>
+            </a:schemeClr>
+          </a:solidFill>
+          <a:ln w="25400" cap="sq">
+            <a:solidFill>
+              <a:schemeClr val="tx1"/>
+            </a:solidFill>
+            <a:miter lim="800000"/>
+          </a:ln>
+        </p:spPr>
+        <p:txBody>
+          <a:bodyPr>
+            <a:normAutofit/>
+          </a:bodyPr>
+          <a:lstStyle/>
+          <a:p>
+            <a:pPr algn="ctr"/>
+            <a:r>
+              <a:rPr lang="en-US" sz="3200"/>
+              <a:t>Presentation</a:t>
+            </a:r>
+          </a:p>
+        </p:txBody>
+      </p:sp>
+      <p:sp>
+        <p:nvSpPr>
+          <p:cNvPr id="3" name="Content Placeholder 2"/>
+          <p:cNvSpPr>
+            <a:spLocks noGrp="1"/>
+          </p:cNvSpPr>
+          <p:nvPr>
+            <p:ph idx="1"/>
+          </p:nvPr>
+        </p:nvSpPr>
+        <p:spPr>
+          <a:xfrm>
+            <a:off x="6049182" y="802638"/>
+            <a:ext cx="5408696" cy="5252722"/>
+          </a:xfrm>
+        </p:spPr>
+        <p:txBody>
+          <a:bodyPr anchor="ctr">
+            <a:normAutofit/>
+          </a:bodyPr>
+          <a:lstStyle/>
+          <a:p>
+            <a:r>
+              <a:rPr lang="en-US" sz="2400">
+                <a:solidFill>
+                  <a:schemeClr val="bg1"/>
+                </a:solidFill>
+              </a:rPr>
+              <a:t>What are reactive apps?</a:t>
+            </a:r>
+          </a:p>
+          <a:p>
+            <a:r>
+              <a:rPr lang="en-US" sz="2400">
+                <a:solidFill>
+                  <a:schemeClr val="bg1"/>
+                </a:solidFill>
+              </a:rPr>
+              <a:t>Motivation</a:t>
+            </a:r>
+          </a:p>
+          <a:p>
+            <a:r>
+              <a:rPr lang="en-US" sz="2400" b="1">
+                <a:solidFill>
+                  <a:schemeClr val="bg1"/>
+                </a:solidFill>
+              </a:rPr>
+              <a:t>Solution</a:t>
+            </a:r>
+          </a:p>
+          <a:p>
+            <a:r>
+              <a:rPr lang="en-US" sz="2400">
+                <a:solidFill>
+                  <a:schemeClr val="bg1"/>
+                </a:solidFill>
+              </a:rPr>
+              <a:t>Problems that we encountered</a:t>
+            </a:r>
+          </a:p>
+          <a:p>
+            <a:r>
+              <a:rPr lang="en-US" sz="2400">
+                <a:solidFill>
+                  <a:schemeClr val="bg1"/>
+                </a:solidFill>
+              </a:rPr>
+              <a:t>End advices</a:t>
+            </a:r>
+          </a:p>
+        </p:txBody>
+      </p:sp>
+    </p:spTree>
+    <p:extLst>
+      <p:ext uri="{BB962C8B-B14F-4D97-AF65-F5344CB8AC3E}">
+        <p14:creationId xmlns:p14="http://schemas.microsoft.com/office/powerpoint/2010/main" val="78229689"/>
+      </p:ext>
+    </p:extLst>
+  </p:cSld>
+  <p:clrMapOvr>
+    <a:masterClrMapping/>
+  </p:clrMapOvr>
+</p:sld>
+</file>
+
+<file path=ppt/slides/slide18.xml><?xml version="1.0" encoding="utf-8"?>
+<p:sld xmlns:a="http://schemas.openxmlformats.org/drawingml/2006/main" xmlns:r="http://schemas.openxmlformats.org/officeDocument/2006/relationships" xmlns:p="http://schemas.openxmlformats.org/presentationml/2006/main">
+  <p:cSld>
+    <p:spTree>
+      <p:nvGrpSpPr>
+        <p:cNvPr id="1" name=""/>
+        <p:cNvGrpSpPr/>
+        <p:nvPr/>
+      </p:nvGrpSpPr>
+      <p:grpSpPr>
+        <a:xfrm>
+          <a:off x="0" y="0"/>
+          <a:ext cx="0" cy="0"/>
+          <a:chOff x="0" y="0"/>
+          <a:chExt cx="0" cy="0"/>
+        </a:xfrm>
+      </p:grpSpPr>
+      <p:sp>
+        <p:nvSpPr>
           <p:cNvPr id="2" name="Title 1"/>
           <p:cNvSpPr>
             <a:spLocks noGrp="1"/>
@@ -7105,7 +8853,7 @@
         <p:spPr/>
         <p:txBody>
           <a:bodyPr>
-            <a:normAutofit lnSpcReduction="10000"/>
+            <a:normAutofit/>
           </a:bodyPr>
           <a:lstStyle/>
           <a:p>
@@ -7129,32 +8877,6 @@
             <a:r>
               <a:rPr lang="en-US" dirty="0"/>
               <a:t>The transitions are done through events</a:t>
-            </a:r>
-          </a:p>
-          <a:p>
-            <a:pPr lvl="1"/>
-            <a:r>
-              <a:rPr lang="en-US" dirty="0"/>
-              <a:t>We defined what command should be invoked for what event using attributes</a:t>
-            </a:r>
-          </a:p>
-          <a:p>
-            <a:pPr lvl="1"/>
-            <a:r>
-              <a:rPr lang="en-US" dirty="0"/>
-              <a:t>On each command we define what events it may raise</a:t>
-            </a:r>
-          </a:p>
-          <a:p>
-            <a:r>
-              <a:rPr lang="en-US" dirty="0"/>
-              <a:t>Have commands and events well known by business/QA also</a:t>
-            </a:r>
-          </a:p>
-          <a:p>
-            <a:r>
-              <a:rPr lang="en-US" dirty="0"/>
-              <a:t>Show in documentation all the possibilities that a worker has through a tree</a:t>
             </a:r>
           </a:p>
         </p:txBody>
@@ -7172,7 +8894,291 @@
 </p:sld>
 </file>
 
-<file path=ppt/slides/slide15.xml><?xml version="1.0" encoding="utf-8"?>
+<file path=ppt/slides/slide19.xml><?xml version="1.0" encoding="utf-8"?>
+<p:sld xmlns:a="http://schemas.openxmlformats.org/drawingml/2006/main" xmlns:r="http://schemas.openxmlformats.org/officeDocument/2006/relationships" xmlns:p="http://schemas.openxmlformats.org/presentationml/2006/main">
+  <p:cSld>
+    <p:spTree>
+      <p:nvGrpSpPr>
+        <p:cNvPr id="1" name=""/>
+        <p:cNvGrpSpPr/>
+        <p:nvPr/>
+      </p:nvGrpSpPr>
+      <p:grpSpPr>
+        <a:xfrm>
+          <a:off x="0" y="0"/>
+          <a:ext cx="0" cy="0"/>
+          <a:chOff x="0" y="0"/>
+          <a:chExt cx="0" cy="0"/>
+        </a:xfrm>
+      </p:grpSpPr>
+      <p:sp>
+        <p:nvSpPr>
+          <p:cNvPr id="2" name="Title 1"/>
+          <p:cNvSpPr>
+            <a:spLocks noGrp="1"/>
+          </p:cNvSpPr>
+          <p:nvPr>
+            <p:ph type="title"/>
+          </p:nvPr>
+        </p:nvSpPr>
+        <p:spPr/>
+        <p:txBody>
+          <a:bodyPr/>
+          <a:lstStyle/>
+          <a:p>
+            <a:r>
+              <a:rPr lang="en-US" dirty="0"/>
+              <a:t>Event-driven architecture II (EDA)</a:t>
+            </a:r>
+          </a:p>
+        </p:txBody>
+      </p:sp>
+      <p:sp>
+        <p:nvSpPr>
+          <p:cNvPr id="3" name="Content Placeholder 2"/>
+          <p:cNvSpPr>
+            <a:spLocks noGrp="1"/>
+          </p:cNvSpPr>
+          <p:nvPr>
+            <p:ph idx="1"/>
+          </p:nvPr>
+        </p:nvSpPr>
+        <p:spPr/>
+        <p:txBody>
+          <a:bodyPr/>
+          <a:lstStyle/>
+          <a:p>
+            <a:r>
+              <a:rPr lang="en-US" dirty="0"/>
+              <a:t>Have commands and events well known by business/QA also</a:t>
+            </a:r>
+          </a:p>
+          <a:p>
+            <a:r>
+              <a:rPr lang="en-US" dirty="0"/>
+              <a:t>Show in documentation all the possibilities that an app has through a tree</a:t>
+            </a:r>
+          </a:p>
+          <a:p>
+            <a:endParaRPr lang="en-US" dirty="0"/>
+          </a:p>
+        </p:txBody>
+      </p:sp>
+    </p:spTree>
+    <p:extLst>
+      <p:ext uri="{BB962C8B-B14F-4D97-AF65-F5344CB8AC3E}">
+        <p14:creationId xmlns:p14="http://schemas.microsoft.com/office/powerpoint/2010/main" val="1786703210"/>
+      </p:ext>
+    </p:extLst>
+  </p:cSld>
+  <p:clrMapOvr>
+    <a:masterClrMapping/>
+  </p:clrMapOvr>
+</p:sld>
+</file>
+
+<file path=ppt/slides/slide2.xml><?xml version="1.0" encoding="utf-8"?>
+<p:sld xmlns:a="http://schemas.openxmlformats.org/drawingml/2006/main" xmlns:r="http://schemas.openxmlformats.org/officeDocument/2006/relationships" xmlns:p="http://schemas.openxmlformats.org/presentationml/2006/main">
+  <p:cSld>
+    <p:spTree>
+      <p:nvGrpSpPr>
+        <p:cNvPr id="1" name=""/>
+        <p:cNvGrpSpPr/>
+        <p:nvPr/>
+      </p:nvGrpSpPr>
+      <p:grpSpPr>
+        <a:xfrm>
+          <a:off x="0" y="0"/>
+          <a:ext cx="0" cy="0"/>
+          <a:chOff x="0" y="0"/>
+          <a:chExt cx="0" cy="0"/>
+        </a:xfrm>
+      </p:grpSpPr>
+      <p:sp>
+        <p:nvSpPr>
+          <p:cNvPr id="8" name="Rectangle 7"/>
+          <p:cNvSpPr>
+            <a:spLocks noGrp="1" noRot="1" noChangeAspect="1" noMove="1" noResize="1" noEditPoints="1" noAdjustHandles="1" noChangeArrowheads="1" noChangeShapeType="1" noTextEdit="1"/>
+          </p:cNvSpPr>
+          <p:nvPr>
+            <p:extLst>
+              <p:ext uri="{386F3935-93C4-4BCD-93E2-E3B085C9AB24}">
+                <p16:designElem xmlns:p16="http://schemas.microsoft.com/office/powerpoint/2015/main" val="1"/>
+              </p:ext>
+            </p:extLst>
+          </p:nvPr>
+        </p:nvSpPr>
+        <p:spPr>
+          <a:xfrm>
+            <a:off x="5315061" y="-2"/>
+            <a:ext cx="6876939" cy="6858002"/>
+          </a:xfrm>
+          <a:prstGeom prst="rect">
+            <a:avLst/>
+          </a:prstGeom>
+          <a:solidFill>
+            <a:schemeClr val="tx1">
+              <a:lumMod val="85000"/>
+              <a:lumOff val="15000"/>
+            </a:schemeClr>
+          </a:solidFill>
+          <a:ln>
+            <a:noFill/>
+          </a:ln>
+        </p:spPr>
+        <p:style>
+          <a:lnRef idx="2">
+            <a:schemeClr val="accent1">
+              <a:shade val="50000"/>
+            </a:schemeClr>
+          </a:lnRef>
+          <a:fillRef idx="1">
+            <a:schemeClr val="accent1"/>
+          </a:fillRef>
+          <a:effectRef idx="0">
+            <a:schemeClr val="accent1"/>
+          </a:effectRef>
+          <a:fontRef idx="minor">
+            <a:schemeClr val="lt1"/>
+          </a:fontRef>
+        </p:style>
+        <p:txBody>
+          <a:bodyPr rtlCol="0" anchor="ctr"/>
+          <a:lstStyle/>
+          <a:p>
+            <a:pPr algn="ctr"/>
+            <a:endParaRPr lang="en-US"/>
+          </a:p>
+        </p:txBody>
+      </p:sp>
+      <p:sp>
+        <p:nvSpPr>
+          <p:cNvPr id="2" name="Title 1"/>
+          <p:cNvSpPr>
+            <a:spLocks noGrp="1"/>
+          </p:cNvSpPr>
+          <p:nvPr>
+            <p:ph type="title"/>
+          </p:nvPr>
+        </p:nvSpPr>
+        <p:spPr>
+          <a:xfrm>
+            <a:off x="829781" y="2745736"/>
+            <a:ext cx="3698803" cy="1366528"/>
+          </a:xfrm>
+          <a:solidFill>
+            <a:schemeClr val="bg1">
+              <a:alpha val="50000"/>
+            </a:schemeClr>
+          </a:solidFill>
+          <a:ln w="25400" cap="sq">
+            <a:solidFill>
+              <a:schemeClr val="tx1"/>
+            </a:solidFill>
+            <a:miter lim="800000"/>
+          </a:ln>
+        </p:spPr>
+        <p:txBody>
+          <a:bodyPr>
+            <a:normAutofit/>
+          </a:bodyPr>
+          <a:lstStyle/>
+          <a:p>
+            <a:pPr algn="ctr"/>
+            <a:r>
+              <a:rPr lang="en-US" sz="3200"/>
+              <a:t>Presentation</a:t>
+            </a:r>
+          </a:p>
+        </p:txBody>
+      </p:sp>
+      <p:sp>
+        <p:nvSpPr>
+          <p:cNvPr id="3" name="Content Placeholder 2"/>
+          <p:cNvSpPr>
+            <a:spLocks noGrp="1"/>
+          </p:cNvSpPr>
+          <p:nvPr>
+            <p:ph idx="1"/>
+          </p:nvPr>
+        </p:nvSpPr>
+        <p:spPr>
+          <a:xfrm>
+            <a:off x="6049182" y="802638"/>
+            <a:ext cx="5408696" cy="5252722"/>
+          </a:xfrm>
+        </p:spPr>
+        <p:txBody>
+          <a:bodyPr anchor="ctr">
+            <a:normAutofit/>
+          </a:bodyPr>
+          <a:lstStyle/>
+          <a:p>
+            <a:r>
+              <a:rPr lang="en-US" sz="2400" b="1">
+                <a:solidFill>
+                  <a:schemeClr val="bg1"/>
+                </a:solidFill>
+              </a:rPr>
+              <a:t>What are reactive apps?</a:t>
+            </a:r>
+          </a:p>
+          <a:p>
+            <a:r>
+              <a:rPr lang="en-US" sz="2400">
+                <a:solidFill>
+                  <a:schemeClr val="bg1"/>
+                </a:solidFill>
+              </a:rPr>
+              <a:t>Motivation</a:t>
+            </a:r>
+          </a:p>
+          <a:p>
+            <a:r>
+              <a:rPr lang="en-US" sz="2400">
+                <a:solidFill>
+                  <a:schemeClr val="bg1"/>
+                </a:solidFill>
+              </a:rPr>
+              <a:t>Solution</a:t>
+            </a:r>
+          </a:p>
+          <a:p>
+            <a:r>
+              <a:rPr lang="en-US" sz="2400">
+                <a:solidFill>
+                  <a:schemeClr val="bg1"/>
+                </a:solidFill>
+              </a:rPr>
+              <a:t>Problems that we encountered</a:t>
+            </a:r>
+          </a:p>
+          <a:p>
+            <a:r>
+              <a:rPr lang="en-US" sz="2400">
+                <a:solidFill>
+                  <a:schemeClr val="bg1"/>
+                </a:solidFill>
+              </a:rPr>
+              <a:t>End advices</a:t>
+            </a:r>
+          </a:p>
+        </p:txBody>
+      </p:sp>
+    </p:spTree>
+    <p:extLst>
+      <p:ext uri="{BB962C8B-B14F-4D97-AF65-F5344CB8AC3E}">
+        <p14:creationId xmlns:p14="http://schemas.microsoft.com/office/powerpoint/2010/main" val="156357488"/>
+      </p:ext>
+    </p:extLst>
+  </p:cSld>
+  <p:clrMapOvr>
+    <a:masterClrMapping/>
+  </p:clrMapOvr>
+</p:sld>
+</file>
+
+<file path=ppt/slides/slide20.xml><?xml version="1.0" encoding="utf-8"?>
 <p:sld xmlns:a="http://schemas.openxmlformats.org/drawingml/2006/main" xmlns:r="http://schemas.openxmlformats.org/officeDocument/2006/relationships" xmlns:p="http://schemas.openxmlformats.org/presentationml/2006/main">
   <p:cSld>
     <p:spTree>
@@ -7272,7 +9278,7 @@
 </p:sld>
 </file>
 
-<file path=ppt/slides/slide16.xml><?xml version="1.0" encoding="utf-8"?>
+<file path=ppt/slides/slide21.xml><?xml version="1.0" encoding="utf-8"?>
 <p:sld xmlns:a="http://schemas.openxmlformats.org/drawingml/2006/main" xmlns:r="http://schemas.openxmlformats.org/officeDocument/2006/relationships" xmlns:p="http://schemas.openxmlformats.org/presentationml/2006/main">
   <p:cSld>
     <p:spTree>
@@ -7372,7 +9378,7 @@
 </p:sld>
 </file>
 
-<file path=ppt/slides/slide17.xml><?xml version="1.0" encoding="utf-8"?>
+<file path=ppt/slides/slide22.xml><?xml version="1.0" encoding="utf-8"?>
 <p:sld xmlns:a="http://schemas.openxmlformats.org/drawingml/2006/main" xmlns:r="http://schemas.openxmlformats.org/officeDocument/2006/relationships" xmlns:p="http://schemas.openxmlformats.org/presentationml/2006/main">
   <p:cSld>
     <p:spTree>
@@ -7434,28 +9440,26 @@
           <a:p>
             <a:r>
               <a:rPr lang="en-US" dirty="0"/>
-              <a:t>Components(commands) are decoupled – easy unit testing close to functional specs </a:t>
+              <a:t>Components(commands) are decoupled</a:t>
             </a:r>
           </a:p>
           <a:p>
             <a:r>
               <a:rPr lang="en-US" dirty="0"/>
-              <a:t>Easy to extend – add features by registering new events/commands without modifying existing code.</a:t>
+              <a:t>Easy to extend </a:t>
             </a:r>
           </a:p>
           <a:p>
             <a:r>
               <a:rPr lang="en-US" dirty="0"/>
-              <a:t>Logging – easy to add statistics/performance.</a:t>
+              <a:t>Easy statistics/performance Logging</a:t>
             </a:r>
           </a:p>
           <a:p>
             <a:r>
               <a:rPr lang="en-US" dirty="0"/>
-              <a:t>Documentation – automatically generated documentation.</a:t>
-            </a:r>
-          </a:p>
-          <a:p>
+              <a:t>Good documentation</a:t>
+            </a:r>
             <a:endParaRPr lang="en-US" dirty="0"/>
           </a:p>
         </p:txBody>
@@ -7473,7 +9477,7 @@
 </p:sld>
 </file>
 
-<file path=ppt/slides/slide18.xml><?xml version="1.0" encoding="utf-8"?>
+<file path=ppt/slides/slide23.xml><?xml version="1.0" encoding="utf-8"?>
 <p:sld xmlns:a="http://schemas.openxmlformats.org/drawingml/2006/main" xmlns:r="http://schemas.openxmlformats.org/officeDocument/2006/relationships" xmlns:p="http://schemas.openxmlformats.org/presentationml/2006/main">
   <p:cSld>
     <p:spTree>
@@ -7544,7 +9548,7 @@
 </p:sld>
 </file>
 
-<file path=ppt/slides/slide19.xml><?xml version="1.0" encoding="utf-8"?>
+<file path=ppt/slides/slide24.xml><?xml version="1.0" encoding="utf-8"?>
 <p:sld xmlns:a="http://schemas.openxmlformats.org/drawingml/2006/main" xmlns:r="http://schemas.openxmlformats.org/officeDocument/2006/relationships" xmlns:p="http://schemas.openxmlformats.org/presentationml/2006/main">
   <p:cSld>
     <p:spTree>
@@ -7563,6 +9567,63 @@
       </p:grpSpPr>
       <p:sp>
         <p:nvSpPr>
+          <p:cNvPr id="8" name="Rectangle 7"/>
+          <p:cNvSpPr>
+            <a:spLocks noGrp="1" noRot="1" noChangeAspect="1" noMove="1" noResize="1" noEditPoints="1" noAdjustHandles="1" noChangeArrowheads="1" noChangeShapeType="1" noTextEdit="1"/>
+          </p:cNvSpPr>
+          <p:nvPr>
+            <p:extLst>
+              <p:ext uri="{386F3935-93C4-4BCD-93E2-E3B085C9AB24}">
+                <p16:designElem xmlns:p16="http://schemas.microsoft.com/office/powerpoint/2015/main" val="1"/>
+              </p:ext>
+            </p:extLst>
+          </p:nvPr>
+        </p:nvSpPr>
+        <p:spPr>
+          <a:xfrm>
+            <a:off x="5315061" y="-2"/>
+            <a:ext cx="6876939" cy="6858002"/>
+          </a:xfrm>
+          <a:prstGeom prst="rect">
+            <a:avLst/>
+          </a:prstGeom>
+          <a:solidFill>
+            <a:schemeClr val="tx1">
+              <a:lumMod val="85000"/>
+              <a:lumOff val="15000"/>
+            </a:schemeClr>
+          </a:solidFill>
+          <a:ln>
+            <a:noFill/>
+          </a:ln>
+        </p:spPr>
+        <p:style>
+          <a:lnRef idx="2">
+            <a:schemeClr val="accent1">
+              <a:shade val="50000"/>
+            </a:schemeClr>
+          </a:lnRef>
+          <a:fillRef idx="1">
+            <a:schemeClr val="accent1"/>
+          </a:fillRef>
+          <a:effectRef idx="0">
+            <a:schemeClr val="accent1"/>
+          </a:effectRef>
+          <a:fontRef idx="minor">
+            <a:schemeClr val="lt1"/>
+          </a:fontRef>
+        </p:style>
+        <p:txBody>
+          <a:bodyPr rtlCol="0" anchor="ctr"/>
+          <a:lstStyle/>
+          <a:p>
+            <a:pPr algn="ctr"/>
+            <a:endParaRPr lang="en-US"/>
+          </a:p>
+        </p:txBody>
+      </p:sp>
+      <p:sp>
+        <p:nvSpPr>
           <p:cNvPr id="2" name="Title 1"/>
           <p:cNvSpPr>
             <a:spLocks noGrp="1"/>
@@ -7571,13 +9632,32 @@
             <p:ph type="title"/>
           </p:nvPr>
         </p:nvSpPr>
-        <p:spPr/>
-        <p:txBody>
-          <a:bodyPr/>
-          <a:lstStyle/>
-          <a:p>
-            <a:r>
-              <a:rPr lang="en-US" dirty="0"/>
+        <p:spPr>
+          <a:xfrm>
+            <a:off x="829781" y="2745736"/>
+            <a:ext cx="3698803" cy="1366528"/>
+          </a:xfrm>
+          <a:solidFill>
+            <a:schemeClr val="bg1">
+              <a:alpha val="50000"/>
+            </a:schemeClr>
+          </a:solidFill>
+          <a:ln w="25400" cap="sq">
+            <a:solidFill>
+              <a:schemeClr val="tx1"/>
+            </a:solidFill>
+            <a:miter lim="800000"/>
+          </a:ln>
+        </p:spPr>
+        <p:txBody>
+          <a:bodyPr>
+            <a:normAutofit/>
+          </a:bodyPr>
+          <a:lstStyle/>
+          <a:p>
+            <a:pPr algn="ctr"/>
+            <a:r>
+              <a:rPr lang="en-US" sz="3200"/>
               <a:t>Presentation</a:t>
             </a:r>
           </a:p>
@@ -7593,37 +9673,64 @@
             <p:ph idx="1"/>
           </p:nvPr>
         </p:nvSpPr>
-        <p:spPr/>
-        <p:txBody>
-          <a:bodyPr/>
-          <a:lstStyle/>
-          <a:p>
-            <a:r>
-              <a:rPr lang="en-US" dirty="0"/>
+        <p:spPr>
+          <a:xfrm>
+            <a:off x="6049182" y="802638"/>
+            <a:ext cx="5408696" cy="5252722"/>
+          </a:xfrm>
+        </p:spPr>
+        <p:txBody>
+          <a:bodyPr anchor="ctr">
+            <a:normAutofit/>
+          </a:bodyPr>
+          <a:lstStyle/>
+          <a:p>
+            <a:r>
+              <a:rPr lang="en-US" sz="2400">
+                <a:solidFill>
+                  <a:schemeClr val="bg1"/>
+                </a:solidFill>
+              </a:rPr>
               <a:t>What are reactive apps?</a:t>
             </a:r>
           </a:p>
           <a:p>
             <a:r>
-              <a:rPr lang="en-US" dirty="0"/>
+              <a:rPr lang="en-US" sz="2400">
+                <a:solidFill>
+                  <a:schemeClr val="bg1"/>
+                </a:solidFill>
+              </a:rPr>
               <a:t>Motivation</a:t>
             </a:r>
           </a:p>
           <a:p>
             <a:r>
-              <a:rPr lang="en-US" dirty="0"/>
+              <a:rPr lang="en-US" sz="2400">
+                <a:solidFill>
+                  <a:schemeClr val="bg1"/>
+                </a:solidFill>
+              </a:rPr>
               <a:t>Solution</a:t>
             </a:r>
           </a:p>
           <a:p>
             <a:r>
-              <a:rPr lang="en-US" b="1" dirty="0"/>
+              <a:rPr lang="en-US" sz="2400" b="1">
+                <a:solidFill>
+                  <a:schemeClr val="bg1"/>
+                </a:solidFill>
+              </a:rPr>
               <a:t>Problems that we encountered</a:t>
             </a:r>
           </a:p>
           <a:p>
             <a:r>
-              <a:rPr lang="en-US" dirty="0"/>
+              <a:rPr lang="en-US" sz="2400">
+                <a:solidFill>
+                  <a:schemeClr val="bg1"/>
+                </a:solidFill>
+              </a:rPr>
               <a:t>End advices</a:t>
             </a:r>
           </a:p>
@@ -7642,105 +9749,7 @@
 </p:sld>
 </file>
 
-<file path=ppt/slides/slide2.xml><?xml version="1.0" encoding="utf-8"?>
-<p:sld xmlns:a="http://schemas.openxmlformats.org/drawingml/2006/main" xmlns:r="http://schemas.openxmlformats.org/officeDocument/2006/relationships" xmlns:p="http://schemas.openxmlformats.org/presentationml/2006/main">
-  <p:cSld>
-    <p:spTree>
-      <p:nvGrpSpPr>
-        <p:cNvPr id="1" name=""/>
-        <p:cNvGrpSpPr/>
-        <p:nvPr/>
-      </p:nvGrpSpPr>
-      <p:grpSpPr>
-        <a:xfrm>
-          <a:off x="0" y="0"/>
-          <a:ext cx="0" cy="0"/>
-          <a:chOff x="0" y="0"/>
-          <a:chExt cx="0" cy="0"/>
-        </a:xfrm>
-      </p:grpSpPr>
-      <p:sp>
-        <p:nvSpPr>
-          <p:cNvPr id="2" name="Title 1"/>
-          <p:cNvSpPr>
-            <a:spLocks noGrp="1"/>
-          </p:cNvSpPr>
-          <p:nvPr>
-            <p:ph type="title"/>
-          </p:nvPr>
-        </p:nvSpPr>
-        <p:spPr/>
-        <p:txBody>
-          <a:bodyPr/>
-          <a:lstStyle/>
-          <a:p>
-            <a:r>
-              <a:rPr lang="en-US" dirty="0"/>
-              <a:t>Presentation</a:t>
-            </a:r>
-          </a:p>
-        </p:txBody>
-      </p:sp>
-      <p:sp>
-        <p:nvSpPr>
-          <p:cNvPr id="3" name="Content Placeholder 2"/>
-          <p:cNvSpPr>
-            <a:spLocks noGrp="1"/>
-          </p:cNvSpPr>
-          <p:nvPr>
-            <p:ph idx="1"/>
-          </p:nvPr>
-        </p:nvSpPr>
-        <p:spPr/>
-        <p:txBody>
-          <a:bodyPr/>
-          <a:lstStyle/>
-          <a:p>
-            <a:r>
-              <a:rPr lang="en-US" b="1" dirty="0"/>
-              <a:t>What are reactive apps?</a:t>
-            </a:r>
-          </a:p>
-          <a:p>
-            <a:r>
-              <a:rPr lang="en-US" dirty="0"/>
-              <a:t>Motivation</a:t>
-            </a:r>
-          </a:p>
-          <a:p>
-            <a:r>
-              <a:rPr lang="en-US" dirty="0"/>
-              <a:t>Solution</a:t>
-            </a:r>
-          </a:p>
-          <a:p>
-            <a:r>
-              <a:rPr lang="en-US" dirty="0"/>
-              <a:t>Problems that we encountered</a:t>
-            </a:r>
-          </a:p>
-          <a:p>
-            <a:r>
-              <a:rPr lang="en-US" dirty="0"/>
-              <a:t>End advices</a:t>
-            </a:r>
-          </a:p>
-        </p:txBody>
-      </p:sp>
-    </p:spTree>
-    <p:extLst>
-      <p:ext uri="{BB962C8B-B14F-4D97-AF65-F5344CB8AC3E}">
-        <p14:creationId xmlns:p14="http://schemas.microsoft.com/office/powerpoint/2010/main" val="156357488"/>
-      </p:ext>
-    </p:extLst>
-  </p:cSld>
-  <p:clrMapOvr>
-    <a:masterClrMapping/>
-  </p:clrMapOvr>
-</p:sld>
-</file>
-
-<file path=ppt/slides/slide20.xml><?xml version="1.0" encoding="utf-8"?>
+<file path=ppt/slides/slide25.xml><?xml version="1.0" encoding="utf-8"?>
 <p:sld xmlns:a="http://schemas.openxmlformats.org/drawingml/2006/main" xmlns:r="http://schemas.openxmlformats.org/officeDocument/2006/relationships" xmlns:p="http://schemas.openxmlformats.org/presentationml/2006/main">
   <p:cSld>
     <p:spTree>
@@ -7818,7 +9827,7 @@
 </p:sld>
 </file>
 
-<file path=ppt/slides/slide21.xml><?xml version="1.0" encoding="utf-8"?>
+<file path=ppt/slides/slide26.xml><?xml version="1.0" encoding="utf-8"?>
 <p:sld xmlns:a="http://schemas.openxmlformats.org/drawingml/2006/main" xmlns:r="http://schemas.openxmlformats.org/officeDocument/2006/relationships" xmlns:p="http://schemas.openxmlformats.org/presentationml/2006/main">
   <p:cSld>
     <p:spTree>
@@ -7852,80 +9861,58 @@
           <a:p>
             <a:r>
               <a:rPr lang="en-US" dirty="0"/>
-              <a:t>Why bad?</a:t>
-            </a:r>
-          </a:p>
-        </p:txBody>
-      </p:sp>
-      <p:sp>
-        <p:nvSpPr>
-          <p:cNvPr id="3" name="Content Placeholder 2"/>
-          <p:cNvSpPr>
-            <a:spLocks noGrp="1"/>
-          </p:cNvSpPr>
+              <a:t>[Bad] Dependency for raising events</a:t>
+            </a:r>
+          </a:p>
+        </p:txBody>
+      </p:sp>
+      <p:pic>
+        <p:nvPicPr>
+          <p:cNvPr id="4098" name="Picture 2" descr="https://benbiddington.files.wordpress.com/2009/09/mocks-and-stubs.png"/>
+          <p:cNvPicPr>
+            <a:picLocks noGrp="1" noChangeAspect="1" noChangeArrowheads="1"/>
+          </p:cNvPicPr>
           <p:nvPr>
             <p:ph idx="1"/>
           </p:nvPr>
-        </p:nvSpPr>
-        <p:spPr/>
-        <p:txBody>
-          <a:bodyPr/>
-          <a:lstStyle/>
-          <a:p>
-            <a:r>
-              <a:rPr lang="en-US" dirty="0"/>
-              <a:t>We should return a promise/Task/</a:t>
-            </a:r>
-            <a:r>
-              <a:rPr lang="en-US" dirty="0" err="1"/>
-              <a:t>CompletableFuture</a:t>
-            </a:r>
-            <a:r>
-              <a:rPr lang="en-US" dirty="0"/>
-              <a:t> from the command so that we know the command finished</a:t>
-            </a:r>
-          </a:p>
-          <a:p>
-            <a:r>
-              <a:rPr lang="en-US" dirty="0"/>
-              <a:t>Hard to unit test, as we need to mock </a:t>
-            </a:r>
-            <a:r>
-              <a:rPr lang="en-US" dirty="0" err="1"/>
-              <a:t>IEventRaiser</a:t>
-            </a:r>
-            <a:r>
-              <a:rPr lang="en-US" dirty="0"/>
-              <a:t>, and have the assertion on the parameter </a:t>
-            </a:r>
-          </a:p>
-          <a:p>
-            <a:r>
-              <a:rPr lang="en-US" dirty="0" err="1"/>
-              <a:t>Nunit</a:t>
-            </a:r>
-            <a:r>
-              <a:rPr lang="en-US" dirty="0"/>
-              <a:t>/Junit are not happy with tests that are returning Task/</a:t>
-            </a:r>
-            <a:r>
-              <a:rPr lang="en-US" dirty="0" err="1"/>
-              <a:t>CompletableFuture</a:t>
-            </a:r>
-            <a:endParaRPr lang="en-US" dirty="0"/>
-          </a:p>
-          <a:p>
-            <a:r>
-              <a:rPr lang="en-US" dirty="0"/>
-              <a:t>Always need to test also that we invoke it X number of times the dependency</a:t>
-            </a:r>
-          </a:p>
-        </p:txBody>
-      </p:sp>
+        </p:nvPicPr>
+        <p:blipFill>
+          <a:blip r:embed="rId2">
+            <a:extLst>
+              <a:ext uri="{28A0092B-C50C-407E-A947-70E740481C1C}">
+                <a14:useLocalDpi xmlns:a14="http://schemas.microsoft.com/office/drawing/2010/main" val="0"/>
+              </a:ext>
+            </a:extLst>
+          </a:blip>
+          <a:srcRect/>
+          <a:stretch>
+            <a:fillRect/>
+          </a:stretch>
+        </p:blipFill>
+        <p:spPr bwMode="auto">
+          <a:xfrm>
+            <a:off x="3270238" y="2032000"/>
+            <a:ext cx="6113907" cy="4260825"/>
+          </a:xfrm>
+          <a:prstGeom prst="rect">
+            <a:avLst/>
+          </a:prstGeom>
+          <a:noFill/>
+          <a:extLst>
+            <a:ext uri="{909E8E84-426E-40DD-AFC4-6F175D3DCCD1}">
+              <a14:hiddenFill xmlns:a14="http://schemas.microsoft.com/office/drawing/2010/main">
+                <a:solidFill>
+                  <a:srgbClr val="FFFFFF"/>
+                </a:solidFill>
+              </a14:hiddenFill>
+            </a:ext>
+          </a:extLst>
+        </p:spPr>
+      </p:pic>
     </p:spTree>
     <p:extLst>
       <p:ext uri="{BB962C8B-B14F-4D97-AF65-F5344CB8AC3E}">
-        <p14:creationId xmlns:p14="http://schemas.microsoft.com/office/powerpoint/2010/main" val="391423647"/>
+        <p14:creationId xmlns:p14="http://schemas.microsoft.com/office/powerpoint/2010/main" val="1336481023"/>
       </p:ext>
     </p:extLst>
   </p:cSld>
@@ -7935,7 +9922,7 @@
 </p:sld>
 </file>
 
-<file path=ppt/slides/slide22.xml><?xml version="1.0" encoding="utf-8"?>
+<file path=ppt/slides/slide27.xml><?xml version="1.0" encoding="utf-8"?>
 <p:sld xmlns:a="http://schemas.openxmlformats.org/drawingml/2006/main" xmlns:r="http://schemas.openxmlformats.org/officeDocument/2006/relationships" xmlns:p="http://schemas.openxmlformats.org/presentationml/2006/main">
   <p:cSld>
     <p:spTree>
@@ -7964,22 +9951,12 @@
         </p:nvSpPr>
         <p:spPr/>
         <p:txBody>
-          <a:bodyPr>
-            <a:normAutofit/>
-          </a:bodyPr>
-          <a:lstStyle/>
-          <a:p>
-            <a:r>
-              <a:rPr lang="en-US" sz="4000" dirty="0"/>
-              <a:t>[Bad] Return an </a:t>
-            </a:r>
-            <a:r>
-              <a:rPr lang="en-US" sz="4000" dirty="0" err="1"/>
-              <a:t>Iterable</a:t>
-            </a:r>
-            <a:r>
-              <a:rPr lang="en-US" sz="4000" dirty="0"/>
-              <a:t>/Enumerable list of events</a:t>
+          <a:bodyPr/>
+          <a:lstStyle/>
+          <a:p>
+            <a:r>
+              <a:rPr lang="en-US" dirty="0"/>
+              <a:t>Why bad?</a:t>
             </a:r>
           </a:p>
         </p:txBody>
@@ -8001,24 +9978,45 @@
           <a:p>
             <a:r>
               <a:rPr lang="en-US" dirty="0"/>
-              <a:t>You can see that an enumerable is done, only after you go through all of the records</a:t>
-            </a:r>
-          </a:p>
-          <a:p>
+              <a:t>We should return a promise/Task/</a:t>
+            </a:r>
+            <a:r>
+              <a:rPr lang="en-US" dirty="0" err="1"/>
+              <a:t>CompletableFuture</a:t>
+            </a:r>
             <a:r>
               <a:rPr lang="en-US" dirty="0"/>
-              <a:t>In case you add new data every X minutes, you will have a thread blocked for that period waiting in a </a:t>
-            </a:r>
+              <a:t> from the command so that we know the command finished</a:t>
+            </a:r>
+          </a:p>
+          <a:p>
+            <a:r>
+              <a:rPr lang="en-US" dirty="0"/>
+              <a:t>Hard to unit test</a:t>
+            </a:r>
+          </a:p>
+          <a:p>
             <a:r>
               <a:rPr lang="en-US" dirty="0" err="1"/>
-              <a:t>foreach</a:t>
-            </a:r>
-            <a:endParaRPr lang="en-US" dirty="0"/>
-          </a:p>
-          <a:p>
+              <a:t>Nunit</a:t>
+            </a:r>
             <a:r>
               <a:rPr lang="en-US" dirty="0"/>
-              <a:t>Also hard to know when the command finished work</a:t>
+              <a:t>/Junit are not happy with </a:t>
+            </a:r>
+            <a:r>
+              <a:rPr lang="en-US" dirty="0" err="1"/>
+              <a:t>async</a:t>
+            </a:r>
+            <a:r>
+              <a:rPr lang="en-US" dirty="0"/>
+              <a:t> tests</a:t>
+            </a:r>
+          </a:p>
+          <a:p>
+            <a:r>
+              <a:rPr lang="en-US" dirty="0"/>
+              <a:t>Always need to test also that we invoke it X number of times the dependency</a:t>
             </a:r>
           </a:p>
         </p:txBody>
@@ -8026,7 +10024,7 @@
     </p:spTree>
     <p:extLst>
       <p:ext uri="{BB962C8B-B14F-4D97-AF65-F5344CB8AC3E}">
-        <p14:creationId xmlns:p14="http://schemas.microsoft.com/office/powerpoint/2010/main" val="2482434516"/>
+        <p14:creationId xmlns:p14="http://schemas.microsoft.com/office/powerpoint/2010/main" val="391423647"/>
       </p:ext>
     </p:extLst>
   </p:cSld>
@@ -8036,7 +10034,7 @@
 </p:sld>
 </file>
 
-<file path=ppt/slides/slide23.xml><?xml version="1.0" encoding="utf-8"?>
+<file path=ppt/slides/slide28.xml><?xml version="1.0" encoding="utf-8"?>
 <p:sld xmlns:a="http://schemas.openxmlformats.org/drawingml/2006/main" xmlns:r="http://schemas.openxmlformats.org/officeDocument/2006/relationships" xmlns:p="http://schemas.openxmlformats.org/presentationml/2006/main">
   <p:cSld>
     <p:spTree>
@@ -8065,6 +10063,107 @@
         </p:nvSpPr>
         <p:spPr/>
         <p:txBody>
+          <a:bodyPr>
+            <a:normAutofit/>
+          </a:bodyPr>
+          <a:lstStyle/>
+          <a:p>
+            <a:r>
+              <a:rPr lang="en-US" sz="4000" dirty="0"/>
+              <a:t>[Bad] Return an </a:t>
+            </a:r>
+            <a:r>
+              <a:rPr lang="en-US" sz="4000" dirty="0" err="1"/>
+              <a:t>Iterable</a:t>
+            </a:r>
+            <a:r>
+              <a:rPr lang="en-US" sz="4000" dirty="0"/>
+              <a:t>/Enumerable list of events</a:t>
+            </a:r>
+          </a:p>
+        </p:txBody>
+      </p:sp>
+      <p:sp>
+        <p:nvSpPr>
+          <p:cNvPr id="3" name="Content Placeholder 2"/>
+          <p:cNvSpPr>
+            <a:spLocks noGrp="1"/>
+          </p:cNvSpPr>
+          <p:nvPr>
+            <p:ph idx="1"/>
+          </p:nvPr>
+        </p:nvSpPr>
+        <p:spPr/>
+        <p:txBody>
+          <a:bodyPr/>
+          <a:lstStyle/>
+          <a:p>
+            <a:r>
+              <a:rPr lang="en-US" dirty="0"/>
+              <a:t>You can see that an enumerable is done, only after you go through all of the records</a:t>
+            </a:r>
+          </a:p>
+          <a:p>
+            <a:r>
+              <a:rPr lang="en-US" dirty="0"/>
+              <a:t>In case you add new data every X minutes, you will have a thread blocked for that period waiting in a </a:t>
+            </a:r>
+            <a:r>
+              <a:rPr lang="en-US" dirty="0" err="1"/>
+              <a:t>foreach</a:t>
+            </a:r>
+            <a:endParaRPr lang="en-US" dirty="0"/>
+          </a:p>
+          <a:p>
+            <a:r>
+              <a:rPr lang="en-US" dirty="0"/>
+              <a:t>Also hard to know when the command finished work</a:t>
+            </a:r>
+          </a:p>
+        </p:txBody>
+      </p:sp>
+    </p:spTree>
+    <p:extLst>
+      <p:ext uri="{BB962C8B-B14F-4D97-AF65-F5344CB8AC3E}">
+        <p14:creationId xmlns:p14="http://schemas.microsoft.com/office/powerpoint/2010/main" val="2482434516"/>
+      </p:ext>
+    </p:extLst>
+  </p:cSld>
+  <p:clrMapOvr>
+    <a:masterClrMapping/>
+  </p:clrMapOvr>
+</p:sld>
+</file>
+
+<file path=ppt/slides/slide29.xml><?xml version="1.0" encoding="utf-8"?>
+<p:sld xmlns:a="http://schemas.openxmlformats.org/drawingml/2006/main" xmlns:r="http://schemas.openxmlformats.org/officeDocument/2006/relationships" xmlns:p="http://schemas.openxmlformats.org/presentationml/2006/main">
+  <p:cSld>
+    <p:spTree>
+      <p:nvGrpSpPr>
+        <p:cNvPr id="1" name=""/>
+        <p:cNvGrpSpPr/>
+        <p:nvPr/>
+      </p:nvGrpSpPr>
+      <p:grpSpPr>
+        <a:xfrm>
+          <a:off x="0" y="0"/>
+          <a:ext cx="0" cy="0"/>
+          <a:chOff x="0" y="0"/>
+          <a:chExt cx="0" cy="0"/>
+        </a:xfrm>
+      </p:grpSpPr>
+      <p:sp>
+        <p:nvSpPr>
+          <p:cNvPr id="2" name="Title 1"/>
+          <p:cNvSpPr>
+            <a:spLocks noGrp="1"/>
+          </p:cNvSpPr>
+          <p:nvPr>
+            <p:ph type="title"/>
+          </p:nvPr>
+        </p:nvSpPr>
+        <p:spPr/>
+        <p:txBody>
           <a:bodyPr/>
           <a:lstStyle/>
           <a:p>
@@ -8098,7 +10197,7 @@
           <a:p>
             <a:r>
               <a:rPr lang="en-US" dirty="0"/>
-              <a:t>No thread blocked when events are generated only from time to time</a:t>
+              <a:t>No thread blocked waiting for events</a:t>
             </a:r>
           </a:p>
           <a:p>
@@ -8114,7 +10213,23 @@
             </a:r>
             <a:r>
               <a:rPr lang="en-US" dirty="0"/>
-              <a:t> has implementation in a lot of programming languages</a:t>
+              <a:t> has implementation in a lot of programming languages (</a:t>
+            </a:r>
+            <a:r>
+              <a:rPr lang="en-US" dirty="0" err="1"/>
+              <a:t>JavaRx</a:t>
+            </a:r>
+            <a:r>
+              <a:rPr lang="en-US" dirty="0"/>
+              <a:t>, </a:t>
+            </a:r>
+            <a:r>
+              <a:rPr lang="en-US" dirty="0" err="1"/>
+              <a:t>RxJs</a:t>
+            </a:r>
+            <a:r>
+              <a:rPr lang="en-US" dirty="0"/>
+              <a:t>, …)</a:t>
             </a:r>
           </a:p>
           <a:p>
@@ -8136,7 +10251,514 @@
 </p:sld>
 </file>
 
-<file path=ppt/slides/slide24.xml><?xml version="1.0" encoding="utf-8"?>
+<file path=ppt/slides/slide3.xml><?xml version="1.0" encoding="utf-8"?>
+<p:sld xmlns:a="http://schemas.openxmlformats.org/drawingml/2006/main" xmlns:r="http://schemas.openxmlformats.org/officeDocument/2006/relationships" xmlns:p="http://schemas.openxmlformats.org/presentationml/2006/main">
+  <p:cSld>
+    <p:spTree>
+      <p:nvGrpSpPr>
+        <p:cNvPr id="1" name=""/>
+        <p:cNvGrpSpPr/>
+        <p:nvPr/>
+      </p:nvGrpSpPr>
+      <p:grpSpPr>
+        <a:xfrm>
+          <a:off x="0" y="0"/>
+          <a:ext cx="0" cy="0"/>
+          <a:chOff x="0" y="0"/>
+          <a:chExt cx="0" cy="0"/>
+        </a:xfrm>
+      </p:grpSpPr>
+      <p:sp>
+        <p:nvSpPr>
+          <p:cNvPr id="71" name="Freeform 12"/>
+          <p:cNvSpPr>
+            <a:spLocks noGrp="1" noRot="1" noChangeAspect="1" noMove="1" noResize="1" noEditPoints="1" noAdjustHandles="1" noChangeArrowheads="1" noChangeShapeType="1" noTextEdit="1"/>
+          </p:cNvSpPr>
+          <p:nvPr>
+            <p:extLst>
+              <p:ext uri="{386F3935-93C4-4BCD-93E2-E3B085C9AB24}">
+                <p16:designElem xmlns:p16="http://schemas.microsoft.com/office/powerpoint/2015/main" val="1"/>
+              </p:ext>
+            </p:extLst>
+          </p:nvPr>
+        </p:nvSpPr>
+        <p:spPr>
+          <a:xfrm>
+            <a:off x="4948518" y="1690688"/>
+            <a:ext cx="7243482" cy="5167312"/>
+          </a:xfrm>
+          <a:custGeom>
+            <a:avLst/>
+            <a:gdLst>
+              <a:gd name="connsiteX0" fmla="*/ 0 w 7243482"/>
+              <a:gd name="connsiteY0" fmla="*/ 0 h 5167312"/>
+              <a:gd name="connsiteX1" fmla="*/ 7243482 w 7243482"/>
+              <a:gd name="connsiteY1" fmla="*/ 0 h 5167312"/>
+              <a:gd name="connsiteX2" fmla="*/ 7243482 w 7243482"/>
+              <a:gd name="connsiteY2" fmla="*/ 5167312 h 5167312"/>
+              <a:gd name="connsiteX3" fmla="*/ 221324 w 7243482"/>
+              <a:gd name="connsiteY3" fmla="*/ 5167312 h 5167312"/>
+              <a:gd name="connsiteX4" fmla="*/ 2615203 w 7243482"/>
+              <a:gd name="connsiteY4" fmla="*/ 952 h 5167312"/>
+              <a:gd name="connsiteX5" fmla="*/ 0 w 7243482"/>
+              <a:gd name="connsiteY5" fmla="*/ 952 h 5167312"/>
+            </a:gdLst>
+            <a:ahLst/>
+            <a:cxnLst>
+              <a:cxn ang="0">
+                <a:pos x="connsiteX0" y="connsiteY0"/>
+              </a:cxn>
+              <a:cxn ang="0">
+                <a:pos x="connsiteX1" y="connsiteY1"/>
+              </a:cxn>
+              <a:cxn ang="0">
+                <a:pos x="connsiteX2" y="connsiteY2"/>
+              </a:cxn>
+              <a:cxn ang="0">
+                <a:pos x="connsiteX3" y="connsiteY3"/>
+              </a:cxn>
+              <a:cxn ang="0">
+                <a:pos x="connsiteX4" y="connsiteY4"/>
+              </a:cxn>
+              <a:cxn ang="0">
+                <a:pos x="connsiteX5" y="connsiteY5"/>
+              </a:cxn>
+            </a:cxnLst>
+            <a:rect l="l" t="t" r="r" b="b"/>
+            <a:pathLst>
+              <a:path w="7243482" h="5167312">
+                <a:moveTo>
+                  <a:pt x="0" y="0"/>
+                </a:moveTo>
+                <a:lnTo>
+                  <a:pt x="7243482" y="0"/>
+                </a:lnTo>
+                <a:lnTo>
+                  <a:pt x="7243482" y="5167312"/>
+                </a:lnTo>
+                <a:lnTo>
+                  <a:pt x="221324" y="5167312"/>
+                </a:lnTo>
+                <a:lnTo>
+                  <a:pt x="2615203" y="952"/>
+                </a:lnTo>
+                <a:lnTo>
+                  <a:pt x="0" y="952"/>
+                </a:lnTo>
+                <a:close/>
+              </a:path>
+            </a:pathLst>
+          </a:custGeom>
+          <a:solidFill>
+            <a:schemeClr val="bg2"/>
+          </a:solidFill>
+          <a:ln>
+            <a:noFill/>
+          </a:ln>
+        </p:spPr>
+        <p:style>
+          <a:lnRef idx="2">
+            <a:schemeClr val="accent1">
+              <a:shade val="50000"/>
+            </a:schemeClr>
+          </a:lnRef>
+          <a:fillRef idx="1">
+            <a:schemeClr val="accent1"/>
+          </a:fillRef>
+          <a:effectRef idx="0">
+            <a:schemeClr val="accent1"/>
+          </a:effectRef>
+          <a:fontRef idx="minor">
+            <a:schemeClr val="lt1"/>
+          </a:fontRef>
+        </p:style>
+        <p:txBody>
+          <a:bodyPr wrap="square" rtlCol="0" anchor="ctr">
+            <a:noAutofit/>
+          </a:bodyPr>
+          <a:lstStyle/>
+          <a:p>
+            <a:pPr algn="ctr"/>
+            <a:endParaRPr lang="en-US"/>
+          </a:p>
+        </p:txBody>
+      </p:sp>
+      <p:sp>
+        <p:nvSpPr>
+          <p:cNvPr id="73" name="Freeform 11"/>
+          <p:cNvSpPr>
+            <a:spLocks noGrp="1" noRot="1" noChangeAspect="1" noMove="1" noResize="1" noEditPoints="1" noAdjustHandles="1" noChangeArrowheads="1" noChangeShapeType="1" noTextEdit="1"/>
+          </p:cNvSpPr>
+          <p:nvPr>
+            <p:extLst>
+              <p:ext uri="{386F3935-93C4-4BCD-93E2-E3B085C9AB24}">
+                <p16:designElem xmlns:p16="http://schemas.microsoft.com/office/powerpoint/2015/main" val="1"/>
+              </p:ext>
+            </p:extLst>
+          </p:nvPr>
+        </p:nvSpPr>
+        <p:spPr>
+          <a:xfrm>
+            <a:off x="0" y="1691640"/>
+            <a:ext cx="7399176" cy="5166360"/>
+          </a:xfrm>
+          <a:custGeom>
+            <a:avLst/>
+            <a:gdLst>
+              <a:gd name="connsiteX0" fmla="*/ 0 w 7399176"/>
+              <a:gd name="connsiteY0" fmla="*/ 0 h 5166360"/>
+              <a:gd name="connsiteX1" fmla="*/ 7399176 w 7399176"/>
+              <a:gd name="connsiteY1" fmla="*/ 0 h 5166360"/>
+              <a:gd name="connsiteX2" fmla="*/ 5005297 w 7399176"/>
+              <a:gd name="connsiteY2" fmla="*/ 5166360 h 5166360"/>
+              <a:gd name="connsiteX3" fmla="*/ 0 w 7399176"/>
+              <a:gd name="connsiteY3" fmla="*/ 5166360 h 5166360"/>
+            </a:gdLst>
+            <a:ahLst/>
+            <a:cxnLst>
+              <a:cxn ang="0">
+                <a:pos x="connsiteX0" y="connsiteY0"/>
+              </a:cxn>
+              <a:cxn ang="0">
+                <a:pos x="connsiteX1" y="connsiteY1"/>
+              </a:cxn>
+              <a:cxn ang="0">
+                <a:pos x="connsiteX2" y="connsiteY2"/>
+              </a:cxn>
+              <a:cxn ang="0">
+                <a:pos x="connsiteX3" y="connsiteY3"/>
+              </a:cxn>
+            </a:cxnLst>
+            <a:rect l="l" t="t" r="r" b="b"/>
+            <a:pathLst>
+              <a:path w="7399176" h="5166360">
+                <a:moveTo>
+                  <a:pt x="0" y="0"/>
+                </a:moveTo>
+                <a:lnTo>
+                  <a:pt x="7399176" y="0"/>
+                </a:lnTo>
+                <a:lnTo>
+                  <a:pt x="5005297" y="5166360"/>
+                </a:lnTo>
+                <a:lnTo>
+                  <a:pt x="0" y="5166360"/>
+                </a:lnTo>
+                <a:close/>
+              </a:path>
+            </a:pathLst>
+          </a:custGeom>
+          <a:solidFill>
+            <a:schemeClr val="tx1">
+              <a:alpha val="85000"/>
+            </a:schemeClr>
+          </a:solidFill>
+          <a:ln>
+            <a:noFill/>
+          </a:ln>
+        </p:spPr>
+        <p:style>
+          <a:lnRef idx="2">
+            <a:schemeClr val="accent1">
+              <a:shade val="50000"/>
+            </a:schemeClr>
+          </a:lnRef>
+          <a:fillRef idx="1">
+            <a:schemeClr val="accent1"/>
+          </a:fillRef>
+          <a:effectRef idx="0">
+            <a:schemeClr val="accent1"/>
+          </a:effectRef>
+          <a:fontRef idx="minor">
+            <a:schemeClr val="lt1"/>
+          </a:fontRef>
+        </p:style>
+        <p:txBody>
+          <a:bodyPr rtlCol="0" anchor="ctr"/>
+          <a:lstStyle/>
+          <a:p>
+            <a:pPr algn="ctr"/>
+            <a:endParaRPr lang="en-US"/>
+          </a:p>
+        </p:txBody>
+      </p:sp>
+      <p:pic>
+        <p:nvPicPr>
+          <p:cNvPr id="5122" name="Picture 2" descr="http://i1.wp.com/daprlabs.com/blog/wp-content/uploads/2014/06/50337205.jpg"/>
+          <p:cNvPicPr>
+            <a:picLocks noChangeAspect="1" noChangeArrowheads="1"/>
+          </p:cNvPicPr>
+          <p:nvPr/>
+        </p:nvPicPr>
+        <p:blipFill rotWithShape="1">
+          <a:blip r:embed="rId2">
+            <a:extLst>
+              <a:ext uri="{28A0092B-C50C-407E-A947-70E740481C1C}">
+                <a14:useLocalDpi xmlns:a14="http://schemas.microsoft.com/office/drawing/2010/main" val="0"/>
+              </a:ext>
+            </a:extLst>
+          </a:blip>
+          <a:srcRect/>
+          <a:stretch/>
+        </p:blipFill>
+        <p:spPr bwMode="auto">
+          <a:xfrm>
+            <a:off x="7563721" y="2483695"/>
+            <a:ext cx="4296585" cy="3222438"/>
+          </a:xfrm>
+          <a:custGeom>
+            <a:avLst/>
+            <a:gdLst>
+              <a:gd name="connsiteX0" fmla="*/ 0 w 4636009"/>
+              <a:gd name="connsiteY0" fmla="*/ 0 h 5032375"/>
+              <a:gd name="connsiteX1" fmla="*/ 4636009 w 4636009"/>
+              <a:gd name="connsiteY1" fmla="*/ 0 h 5032375"/>
+              <a:gd name="connsiteX2" fmla="*/ 4636009 w 4636009"/>
+              <a:gd name="connsiteY2" fmla="*/ 5032375 h 5032375"/>
+              <a:gd name="connsiteX3" fmla="*/ 0 w 4636009"/>
+              <a:gd name="connsiteY3" fmla="*/ 5032375 h 5032375"/>
+            </a:gdLst>
+            <a:ahLst/>
+            <a:cxnLst>
+              <a:cxn ang="0">
+                <a:pos x="connsiteX0" y="connsiteY0"/>
+              </a:cxn>
+              <a:cxn ang="0">
+                <a:pos x="connsiteX1" y="connsiteY1"/>
+              </a:cxn>
+              <a:cxn ang="0">
+                <a:pos x="connsiteX2" y="connsiteY2"/>
+              </a:cxn>
+              <a:cxn ang="0">
+                <a:pos x="connsiteX3" y="connsiteY3"/>
+              </a:cxn>
+            </a:cxnLst>
+            <a:rect l="l" t="t" r="r" b="b"/>
+            <a:pathLst>
+              <a:path w="4636009" h="5032375">
+                <a:moveTo>
+                  <a:pt x="0" y="0"/>
+                </a:moveTo>
+                <a:lnTo>
+                  <a:pt x="4636009" y="0"/>
+                </a:lnTo>
+                <a:lnTo>
+                  <a:pt x="4636009" y="5032375"/>
+                </a:lnTo>
+                <a:lnTo>
+                  <a:pt x="0" y="5032375"/>
+                </a:lnTo>
+                <a:close/>
+              </a:path>
+            </a:pathLst>
+          </a:custGeom>
+          <a:noFill/>
+          <a:extLst>
+            <a:ext uri="{909E8E84-426E-40DD-AFC4-6F175D3DCCD1}">
+              <a14:hiddenFill xmlns:a14="http://schemas.microsoft.com/office/drawing/2010/main">
+                <a:solidFill>
+                  <a:srgbClr val="FFFFFF"/>
+                </a:solidFill>
+              </a14:hiddenFill>
+            </a:ext>
+          </a:extLst>
+        </p:spPr>
+      </p:pic>
+      <p:sp>
+        <p:nvSpPr>
+          <p:cNvPr id="2" name="Title 1"/>
+          <p:cNvSpPr>
+            <a:spLocks noGrp="1"/>
+          </p:cNvSpPr>
+          <p:nvPr>
+            <p:ph type="title"/>
+          </p:nvPr>
+        </p:nvSpPr>
+        <p:spPr>
+          <a:xfrm>
+            <a:off x="838200" y="365125"/>
+            <a:ext cx="10515600" cy="1325563"/>
+          </a:xfrm>
+        </p:spPr>
+        <p:txBody>
+          <a:bodyPr>
+            <a:normAutofit/>
+          </a:bodyPr>
+          <a:lstStyle/>
+          <a:p>
+            <a:r>
+              <a:rPr lang="en-US"/>
+              <a:t>What is a reactive app?</a:t>
+            </a:r>
+            <a:endParaRPr lang="en-US" dirty="0"/>
+          </a:p>
+        </p:txBody>
+      </p:sp>
+      <p:sp>
+        <p:nvSpPr>
+          <p:cNvPr id="3" name="Content Placeholder 2"/>
+          <p:cNvSpPr>
+            <a:spLocks noGrp="1"/>
+          </p:cNvSpPr>
+          <p:nvPr>
+            <p:ph idx="1"/>
+          </p:nvPr>
+        </p:nvSpPr>
+        <p:spPr>
+          <a:xfrm>
+            <a:off x="838200" y="2012865"/>
+            <a:ext cx="4317322" cy="4164098"/>
+          </a:xfrm>
+        </p:spPr>
+        <p:txBody>
+          <a:bodyPr anchor="ctr">
+            <a:normAutofit/>
+          </a:bodyPr>
+          <a:lstStyle/>
+          <a:p>
+            <a:r>
+              <a:rPr lang="en-US" sz="3000" dirty="0">
+                <a:solidFill>
+                  <a:schemeClr val="bg1"/>
+                </a:solidFill>
+              </a:rPr>
+              <a:t>A </a:t>
+            </a:r>
+            <a:r>
+              <a:rPr lang="en-US" sz="3000" b="1" dirty="0">
+                <a:solidFill>
+                  <a:schemeClr val="bg1"/>
+                </a:solidFill>
+              </a:rPr>
+              <a:t>reactive</a:t>
+            </a:r>
+            <a:r>
+              <a:rPr lang="en-US" sz="3000" dirty="0">
+                <a:solidFill>
+                  <a:schemeClr val="bg1"/>
+                </a:solidFill>
+              </a:rPr>
+              <a:t> app is an app that is build as a stream of components that react to new data</a:t>
+            </a:r>
+          </a:p>
+          <a:p>
+            <a:endParaRPr lang="en-US" sz="3000" dirty="0">
+              <a:solidFill>
+                <a:schemeClr val="bg1"/>
+              </a:solidFill>
+            </a:endParaRPr>
+          </a:p>
+        </p:txBody>
+      </p:sp>
+    </p:spTree>
+    <p:extLst>
+      <p:ext uri="{BB962C8B-B14F-4D97-AF65-F5344CB8AC3E}">
+        <p14:creationId xmlns:p14="http://schemas.microsoft.com/office/powerpoint/2010/main" val="1447901599"/>
+      </p:ext>
+    </p:extLst>
+  </p:cSld>
+  <p:clrMapOvr>
+    <a:masterClrMapping/>
+  </p:clrMapOvr>
+</p:sld>
+</file>
+
+<file path=ppt/slides/slide30.xml><?xml version="1.0" encoding="utf-8"?>
+<p:sld xmlns:a="http://schemas.openxmlformats.org/drawingml/2006/main" xmlns:r="http://schemas.openxmlformats.org/officeDocument/2006/relationships" xmlns:p="http://schemas.openxmlformats.org/presentationml/2006/main">
+  <p:cSld>
+    <p:spTree>
+      <p:nvGrpSpPr>
+        <p:cNvPr id="1" name=""/>
+        <p:cNvGrpSpPr/>
+        <p:nvPr/>
+      </p:nvGrpSpPr>
+      <p:grpSpPr>
+        <a:xfrm>
+          <a:off x="0" y="0"/>
+          <a:ext cx="0" cy="0"/>
+          <a:chOff x="0" y="0"/>
+          <a:chExt cx="0" cy="0"/>
+        </a:xfrm>
+      </p:grpSpPr>
+      <p:sp>
+        <p:nvSpPr>
+          <p:cNvPr id="2" name="Title 1"/>
+          <p:cNvSpPr>
+            <a:spLocks noGrp="1"/>
+          </p:cNvSpPr>
+          <p:nvPr>
+            <p:ph type="title"/>
+          </p:nvPr>
+        </p:nvSpPr>
+        <p:spPr/>
+        <p:txBody>
+          <a:bodyPr/>
+          <a:lstStyle/>
+          <a:p>
+            <a:r>
+              <a:rPr lang="en-US" dirty="0"/>
+              <a:t>[Bad] Inject events in command constructor</a:t>
+            </a:r>
+          </a:p>
+        </p:txBody>
+      </p:sp>
+      <p:pic>
+        <p:nvPicPr>
+          <p:cNvPr id="3074" name="Picture 2" descr="Image result for demeter's law"/>
+          <p:cNvPicPr>
+            <a:picLocks noGrp="1" noChangeAspect="1" noChangeArrowheads="1"/>
+          </p:cNvPicPr>
+          <p:nvPr>
+            <p:ph idx="1"/>
+          </p:nvPr>
+        </p:nvPicPr>
+        <p:blipFill>
+          <a:blip r:embed="rId2">
+            <a:extLst>
+              <a:ext uri="{28A0092B-C50C-407E-A947-70E740481C1C}">
+                <a14:useLocalDpi xmlns:a14="http://schemas.microsoft.com/office/drawing/2010/main" val="0"/>
+              </a:ext>
+            </a:extLst>
+          </a:blip>
+          <a:srcRect/>
+          <a:stretch>
+            <a:fillRect/>
+          </a:stretch>
+        </p:blipFill>
+        <p:spPr bwMode="auto">
+          <a:xfrm>
+            <a:off x="3211630" y="1570183"/>
+            <a:ext cx="5884657" cy="4959926"/>
+          </a:xfrm>
+          <a:prstGeom prst="rect">
+            <a:avLst/>
+          </a:prstGeom>
+          <a:noFill/>
+          <a:extLst>
+            <a:ext uri="{909E8E84-426E-40DD-AFC4-6F175D3DCCD1}">
+              <a14:hiddenFill xmlns:a14="http://schemas.microsoft.com/office/drawing/2010/main">
+                <a:solidFill>
+                  <a:srgbClr val="FFFFFF"/>
+                </a:solidFill>
+              </a14:hiddenFill>
+            </a:ext>
+          </a:extLst>
+        </p:spPr>
+      </p:pic>
+    </p:spTree>
+    <p:extLst>
+      <p:ext uri="{BB962C8B-B14F-4D97-AF65-F5344CB8AC3E}">
+        <p14:creationId xmlns:p14="http://schemas.microsoft.com/office/powerpoint/2010/main" val="3659058797"/>
+      </p:ext>
+    </p:extLst>
+  </p:cSld>
+  <p:clrMapOvr>
+    <a:masterClrMapping/>
+  </p:clrMapOvr>
+</p:sld>
+</file>
+
+<file path=ppt/slides/slide31.xml><?xml version="1.0" encoding="utf-8"?>
 <p:sld xmlns:a="http://schemas.openxmlformats.org/drawingml/2006/main" xmlns:r="http://schemas.openxmlformats.org/officeDocument/2006/relationships" xmlns:p="http://schemas.openxmlformats.org/presentationml/2006/main">
   <p:cSld>
     <p:spTree>
@@ -8214,7 +10836,7 @@
 </p:sld>
 </file>
 
-<file path=ppt/slides/slide25.xml><?xml version="1.0" encoding="utf-8"?>
+<file path=ppt/slides/slide32.xml><?xml version="1.0" encoding="utf-8"?>
 <p:sld xmlns:a="http://schemas.openxmlformats.org/drawingml/2006/main" xmlns:r="http://schemas.openxmlformats.org/officeDocument/2006/relationships" xmlns:p="http://schemas.openxmlformats.org/presentationml/2006/main">
   <p:cSld>
     <p:spTree>
@@ -8288,7 +10910,7 @@
 </p:sld>
 </file>
 
-<file path=ppt/slides/slide26.xml><?xml version="1.0" encoding="utf-8"?>
+<file path=ppt/slides/slide33.xml><?xml version="1.0" encoding="utf-8"?>
 <p:sld xmlns:a="http://schemas.openxmlformats.org/drawingml/2006/main" xmlns:r="http://schemas.openxmlformats.org/officeDocument/2006/relationships" xmlns:p="http://schemas.openxmlformats.org/presentationml/2006/main">
   <p:cSld>
     <p:spTree>
@@ -8366,7 +10988,7 @@
 </p:sld>
 </file>
 
-<file path=ppt/slides/slide27.xml><?xml version="1.0" encoding="utf-8"?>
+<file path=ppt/slides/slide34.xml><?xml version="1.0" encoding="utf-8"?>
 <p:sld xmlns:a="http://schemas.openxmlformats.org/drawingml/2006/main" xmlns:r="http://schemas.openxmlformats.org/officeDocument/2006/relationships" xmlns:p="http://schemas.openxmlformats.org/presentationml/2006/main">
   <p:cSld>
     <p:spTree>
@@ -8437,7 +11059,7 @@
 </p:sld>
 </file>
 
-<file path=ppt/slides/slide28.xml><?xml version="1.0" encoding="utf-8"?>
+<file path=ppt/slides/slide35.xml><?xml version="1.0" encoding="utf-8"?>
 <p:sld xmlns:a="http://schemas.openxmlformats.org/drawingml/2006/main" xmlns:r="http://schemas.openxmlformats.org/officeDocument/2006/relationships" xmlns:p="http://schemas.openxmlformats.org/presentationml/2006/main">
   <p:cSld>
     <p:spTree>
@@ -8508,7 +11130,7 @@
 </p:sld>
 </file>
 
-<file path=ppt/slides/slide29.xml><?xml version="1.0" encoding="utf-8"?>
+<file path=ppt/slides/slide36.xml><?xml version="1.0" encoding="utf-8"?>
 <p:sld xmlns:a="http://schemas.openxmlformats.org/drawingml/2006/main" xmlns:r="http://schemas.openxmlformats.org/officeDocument/2006/relationships" xmlns:p="http://schemas.openxmlformats.org/presentationml/2006/main">
   <p:cSld>
     <p:spTree>
@@ -8527,243 +11149,7 @@
       </p:grpSpPr>
       <p:sp>
         <p:nvSpPr>
-          <p:cNvPr id="2" name="Title 1"/>
-          <p:cNvSpPr>
-            <a:spLocks noGrp="1"/>
-          </p:cNvSpPr>
-          <p:nvPr>
-            <p:ph type="title"/>
-          </p:nvPr>
-        </p:nvSpPr>
-        <p:spPr/>
-        <p:txBody>
-          <a:bodyPr/>
-          <a:lstStyle/>
-          <a:p>
-            <a:r>
-              <a:rPr lang="en-US" dirty="0"/>
-              <a:t>Presentation</a:t>
-            </a:r>
-          </a:p>
-        </p:txBody>
-      </p:sp>
-      <p:sp>
-        <p:nvSpPr>
-          <p:cNvPr id="3" name="Content Placeholder 2"/>
-          <p:cNvSpPr>
-            <a:spLocks noGrp="1"/>
-          </p:cNvSpPr>
-          <p:nvPr>
-            <p:ph idx="1"/>
-          </p:nvPr>
-        </p:nvSpPr>
-        <p:spPr/>
-        <p:txBody>
-          <a:bodyPr/>
-          <a:lstStyle/>
-          <a:p>
-            <a:r>
-              <a:rPr lang="en-US" dirty="0"/>
-              <a:t>What are reactive apps?</a:t>
-            </a:r>
-          </a:p>
-          <a:p>
-            <a:r>
-              <a:rPr lang="en-US" dirty="0"/>
-              <a:t>Motivation</a:t>
-            </a:r>
-          </a:p>
-          <a:p>
-            <a:r>
-              <a:rPr lang="en-US" dirty="0"/>
-              <a:t>Solution</a:t>
-            </a:r>
-          </a:p>
-          <a:p>
-            <a:r>
-              <a:rPr lang="en-US" dirty="0"/>
-              <a:t>Problems that we encountered</a:t>
-            </a:r>
-          </a:p>
-          <a:p>
-            <a:r>
-              <a:rPr lang="en-US" b="1" dirty="0"/>
-              <a:t>End advices</a:t>
-            </a:r>
-          </a:p>
-        </p:txBody>
-      </p:sp>
-    </p:spTree>
-    <p:extLst>
-      <p:ext uri="{BB962C8B-B14F-4D97-AF65-F5344CB8AC3E}">
-        <p14:creationId xmlns:p14="http://schemas.microsoft.com/office/powerpoint/2010/main" val="1533761733"/>
-      </p:ext>
-    </p:extLst>
-  </p:cSld>
-  <p:clrMapOvr>
-    <a:masterClrMapping/>
-  </p:clrMapOvr>
-</p:sld>
-</file>
-
-<file path=ppt/slides/slide3.xml><?xml version="1.0" encoding="utf-8"?>
-<p:sld xmlns:a="http://schemas.openxmlformats.org/drawingml/2006/main" xmlns:r="http://schemas.openxmlformats.org/officeDocument/2006/relationships" xmlns:p="http://schemas.openxmlformats.org/presentationml/2006/main">
-  <p:cSld>
-    <p:spTree>
-      <p:nvGrpSpPr>
-        <p:cNvPr id="1" name=""/>
-        <p:cNvGrpSpPr/>
-        <p:nvPr/>
-      </p:nvGrpSpPr>
-      <p:grpSpPr>
-        <a:xfrm>
-          <a:off x="0" y="0"/>
-          <a:ext cx="0" cy="0"/>
-          <a:chOff x="0" y="0"/>
-          <a:chExt cx="0" cy="0"/>
-        </a:xfrm>
-      </p:grpSpPr>
-      <p:sp>
-        <p:nvSpPr>
-          <p:cNvPr id="2" name="Title 1"/>
-          <p:cNvSpPr>
-            <a:spLocks noGrp="1"/>
-          </p:cNvSpPr>
-          <p:nvPr>
-            <p:ph type="title"/>
-          </p:nvPr>
-        </p:nvSpPr>
-        <p:spPr/>
-        <p:txBody>
-          <a:bodyPr/>
-          <a:lstStyle/>
-          <a:p>
-            <a:r>
-              <a:rPr lang="en-US" dirty="0"/>
-              <a:t>What is a reactive app?</a:t>
-            </a:r>
-          </a:p>
-        </p:txBody>
-      </p:sp>
-      <p:sp>
-        <p:nvSpPr>
-          <p:cNvPr id="3" name="Content Placeholder 2"/>
-          <p:cNvSpPr>
-            <a:spLocks noGrp="1"/>
-          </p:cNvSpPr>
-          <p:nvPr>
-            <p:ph idx="1"/>
-          </p:nvPr>
-        </p:nvSpPr>
-        <p:spPr/>
-        <p:txBody>
-          <a:bodyPr/>
-          <a:lstStyle/>
-          <a:p>
-            <a:r>
-              <a:rPr lang="en-US" dirty="0"/>
-              <a:t>A reactive app is an app that is build as a stream of components that react to new data</a:t>
-            </a:r>
-          </a:p>
-          <a:p>
-            <a:r>
-              <a:rPr lang="en-US" dirty="0"/>
-              <a:t>In </a:t>
-            </a:r>
-            <a:r>
-              <a:rPr lang="en-US" dirty="0">
-                <a:hlinkClick r:id="rId2" tooltip="Computing"/>
-              </a:rPr>
-              <a:t>computing</a:t>
-            </a:r>
-            <a:r>
-              <a:rPr lang="en-US" dirty="0"/>
-              <a:t>, </a:t>
-            </a:r>
-            <a:r>
-              <a:rPr lang="en-US" b="1" dirty="0"/>
-              <a:t>reactive programming</a:t>
-            </a:r>
-            <a:r>
-              <a:rPr lang="en-US" dirty="0"/>
-              <a:t> is an asynchronous </a:t>
-            </a:r>
-            <a:r>
-              <a:rPr lang="en-US" dirty="0">
-                <a:hlinkClick r:id="rId3" tooltip="Programming paradigm"/>
-              </a:rPr>
-              <a:t>programming paradigm</a:t>
-            </a:r>
-            <a:r>
-              <a:rPr lang="en-US" dirty="0"/>
-              <a:t> concerned with </a:t>
-            </a:r>
-            <a:r>
-              <a:rPr lang="en-US" dirty="0">
-                <a:hlinkClick r:id="rId4" tooltip="Dataflow programming"/>
-              </a:rPr>
-              <a:t>data streams</a:t>
-            </a:r>
-            <a:r>
-              <a:rPr lang="en-US" dirty="0"/>
-              <a:t> and the propagation of change. This means that it becomes possible to express static (e.g. arrays) or dynamic (e.g. event emitters) </a:t>
-            </a:r>
-            <a:r>
-              <a:rPr lang="en-US" i="1" dirty="0"/>
-              <a:t>data streams</a:t>
-            </a:r>
-            <a:r>
-              <a:rPr lang="en-US" dirty="0"/>
-              <a:t> with ease via the employed programming language(s), and that an inferred dependency within the associated </a:t>
-            </a:r>
-            <a:r>
-              <a:rPr lang="en-US" i="1" dirty="0"/>
-              <a:t>execution model</a:t>
-            </a:r>
-            <a:r>
-              <a:rPr lang="en-US" dirty="0"/>
-              <a:t> exists, which facilitates the automatic propagation of the change involved with data flow.</a:t>
-            </a:r>
-            <a:endParaRPr lang="en-US" dirty="0"/>
-          </a:p>
-          <a:p>
-            <a:endParaRPr lang="en-US" dirty="0"/>
-          </a:p>
-        </p:txBody>
-      </p:sp>
-    </p:spTree>
-    <p:extLst>
-      <p:ext uri="{BB962C8B-B14F-4D97-AF65-F5344CB8AC3E}">
-        <p14:creationId xmlns:p14="http://schemas.microsoft.com/office/powerpoint/2010/main" val="1447901599"/>
-      </p:ext>
-    </p:extLst>
-  </p:cSld>
-  <p:clrMapOvr>
-    <a:masterClrMapping/>
-  </p:clrMapOvr>
-</p:sld>
-</file>
-
-<file path=ppt/slides/slide30.xml><?xml version="1.0" encoding="utf-8"?>
-<p:sld xmlns:a="http://schemas.openxmlformats.org/drawingml/2006/main" xmlns:r="http://schemas.openxmlformats.org/officeDocument/2006/relationships" xmlns:p="http://schemas.openxmlformats.org/presentationml/2006/main">
-  <p:cSld>
-    <p:spTree>
-      <p:nvGrpSpPr>
-        <p:cNvPr id="1" name=""/>
-        <p:cNvGrpSpPr/>
-        <p:nvPr/>
-      </p:nvGrpSpPr>
-      <p:grpSpPr>
-        <a:xfrm>
-          <a:off x="0" y="0"/>
-          <a:ext cx="0" cy="0"/>
-          <a:chOff x="0" y="0"/>
-          <a:chExt cx="0" cy="0"/>
-        </a:xfrm>
-      </p:grpSpPr>
-      <p:sp>
-        <p:nvSpPr>
-          <p:cNvPr id="19" name="Freeform: Shape 18"/>
+          <p:cNvPr id="8" name="Rectangle 7"/>
           <p:cNvSpPr>
             <a:spLocks noGrp="1" noRot="1" noChangeAspect="1" noMove="1" noResize="1" noEditPoints="1" noAdjustHandles="1" noChangeArrowheads="1" noChangeShapeType="1" noTextEdit="1"/>
           </p:cNvSpPr>
@@ -8776,59 +11162,17 @@
           </p:nvPr>
         </p:nvSpPr>
         <p:spPr>
-          <a:xfrm rot="10800000">
-            <a:off x="9016005" y="5367908"/>
-            <a:ext cx="3175996" cy="1490093"/>
+          <a:xfrm>
+            <a:off x="5315061" y="-2"/>
+            <a:ext cx="6876939" cy="6858002"/>
           </a:xfrm>
-          <a:custGeom>
+          <a:prstGeom prst="rect">
             <a:avLst/>
-            <a:gdLst>
-              <a:gd name="connsiteX0" fmla="*/ 2485888 w 3175996"/>
-              <a:gd name="connsiteY0" fmla="*/ 1490093 h 1490093"/>
-              <a:gd name="connsiteX1" fmla="*/ 0 w 3175996"/>
-              <a:gd name="connsiteY1" fmla="*/ 1490093 h 1490093"/>
-              <a:gd name="connsiteX2" fmla="*/ 0 w 3175996"/>
-              <a:gd name="connsiteY2" fmla="*/ 0 h 1490093"/>
-              <a:gd name="connsiteX3" fmla="*/ 3175996 w 3175996"/>
-              <a:gd name="connsiteY3" fmla="*/ 0 h 1490093"/>
-            </a:gdLst>
-            <a:ahLst/>
-            <a:cxnLst>
-              <a:cxn ang="0">
-                <a:pos x="connsiteX0" y="connsiteY0"/>
-              </a:cxn>
-              <a:cxn ang="0">
-                <a:pos x="connsiteX1" y="connsiteY1"/>
-              </a:cxn>
-              <a:cxn ang="0">
-                <a:pos x="connsiteX2" y="connsiteY2"/>
-              </a:cxn>
-              <a:cxn ang="0">
-                <a:pos x="connsiteX3" y="connsiteY3"/>
-              </a:cxn>
-            </a:cxnLst>
-            <a:rect l="l" t="t" r="r" b="b"/>
-            <a:pathLst>
-              <a:path w="3175996" h="1490093">
-                <a:moveTo>
-                  <a:pt x="2485888" y="1490093"/>
-                </a:moveTo>
-                <a:lnTo>
-                  <a:pt x="0" y="1490093"/>
-                </a:lnTo>
-                <a:lnTo>
-                  <a:pt x="0" y="0"/>
-                </a:lnTo>
-                <a:lnTo>
-                  <a:pt x="3175996" y="0"/>
-                </a:lnTo>
-                <a:close/>
-              </a:path>
-            </a:pathLst>
-          </a:custGeom>
+          </a:prstGeom>
           <a:solidFill>
-            <a:schemeClr val="bg1">
-              <a:lumMod val="95000"/>
+            <a:schemeClr val="tx1">
+              <a:lumMod val="85000"/>
+              <a:lumOff val="15000"/>
             </a:schemeClr>
           </a:solidFill>
           <a:ln>
@@ -8852,12 +11196,7 @@
           </a:fontRef>
         </p:style>
         <p:txBody>
-          <a:bodyPr rot="0" spcFirstLastPara="0" vertOverflow="overflow" horzOverflow="overflow" vert="horz" wrap="square" lIns="91440" tIns="45720" rIns="91440" bIns="45720" numCol="1" spcCol="0" rtlCol="0" fromWordArt="0" anchor="ctr" anchorCtr="0" forceAA="0" compatLnSpc="1">
-            <a:prstTxWarp prst="textNoShape">
-              <a:avLst/>
-            </a:prstTxWarp>
-            <a:noAutofit/>
-          </a:bodyPr>
+          <a:bodyPr rtlCol="0" anchor="ctr"/>
           <a:lstStyle/>
           <a:p>
             <a:pPr algn="ctr"/>
@@ -8867,7 +11206,151 @@
       </p:sp>
       <p:sp>
         <p:nvSpPr>
-          <p:cNvPr id="21" name="Freeform: Shape 20"/>
+          <p:cNvPr id="2" name="Title 1"/>
+          <p:cNvSpPr>
+            <a:spLocks noGrp="1"/>
+          </p:cNvSpPr>
+          <p:nvPr>
+            <p:ph type="title"/>
+          </p:nvPr>
+        </p:nvSpPr>
+        <p:spPr>
+          <a:xfrm>
+            <a:off x="829781" y="2745736"/>
+            <a:ext cx="3698803" cy="1366528"/>
+          </a:xfrm>
+          <a:solidFill>
+            <a:schemeClr val="bg1">
+              <a:alpha val="50000"/>
+            </a:schemeClr>
+          </a:solidFill>
+          <a:ln w="25400" cap="sq">
+            <a:solidFill>
+              <a:schemeClr val="tx1"/>
+            </a:solidFill>
+            <a:miter lim="800000"/>
+          </a:ln>
+        </p:spPr>
+        <p:txBody>
+          <a:bodyPr>
+            <a:normAutofit/>
+          </a:bodyPr>
+          <a:lstStyle/>
+          <a:p>
+            <a:pPr algn="ctr"/>
+            <a:r>
+              <a:rPr lang="en-US" sz="3200"/>
+              <a:t>Presentation</a:t>
+            </a:r>
+          </a:p>
+        </p:txBody>
+      </p:sp>
+      <p:sp>
+        <p:nvSpPr>
+          <p:cNvPr id="3" name="Content Placeholder 2"/>
+          <p:cNvSpPr>
+            <a:spLocks noGrp="1"/>
+          </p:cNvSpPr>
+          <p:nvPr>
+            <p:ph idx="1"/>
+          </p:nvPr>
+        </p:nvSpPr>
+        <p:spPr>
+          <a:xfrm>
+            <a:off x="6049182" y="802638"/>
+            <a:ext cx="5408696" cy="5252722"/>
+          </a:xfrm>
+        </p:spPr>
+        <p:txBody>
+          <a:bodyPr anchor="ctr">
+            <a:normAutofit/>
+          </a:bodyPr>
+          <a:lstStyle/>
+          <a:p>
+            <a:r>
+              <a:rPr lang="en-US" sz="2400">
+                <a:solidFill>
+                  <a:schemeClr val="bg1"/>
+                </a:solidFill>
+              </a:rPr>
+              <a:t>What are reactive apps?</a:t>
+            </a:r>
+          </a:p>
+          <a:p>
+            <a:r>
+              <a:rPr lang="en-US" sz="2400">
+                <a:solidFill>
+                  <a:schemeClr val="bg1"/>
+                </a:solidFill>
+              </a:rPr>
+              <a:t>Motivation</a:t>
+            </a:r>
+          </a:p>
+          <a:p>
+            <a:r>
+              <a:rPr lang="en-US" sz="2400">
+                <a:solidFill>
+                  <a:schemeClr val="bg1"/>
+                </a:solidFill>
+              </a:rPr>
+              <a:t>Solution</a:t>
+            </a:r>
+          </a:p>
+          <a:p>
+            <a:r>
+              <a:rPr lang="en-US" sz="2400">
+                <a:solidFill>
+                  <a:schemeClr val="bg1"/>
+                </a:solidFill>
+              </a:rPr>
+              <a:t>Problems that we encountered</a:t>
+            </a:r>
+          </a:p>
+          <a:p>
+            <a:r>
+              <a:rPr lang="en-US" sz="2400" b="1">
+                <a:solidFill>
+                  <a:schemeClr val="bg1"/>
+                </a:solidFill>
+              </a:rPr>
+              <a:t>End advices</a:t>
+            </a:r>
+          </a:p>
+        </p:txBody>
+      </p:sp>
+    </p:spTree>
+    <p:extLst>
+      <p:ext uri="{BB962C8B-B14F-4D97-AF65-F5344CB8AC3E}">
+        <p14:creationId xmlns:p14="http://schemas.microsoft.com/office/powerpoint/2010/main" val="1533761733"/>
+      </p:ext>
+    </p:extLst>
+  </p:cSld>
+  <p:clrMapOvr>
+    <a:masterClrMapping/>
+  </p:clrMapOvr>
+</p:sld>
+</file>
+
+<file path=ppt/slides/slide37.xml><?xml version="1.0" encoding="utf-8"?>
+<p:sld xmlns:a="http://schemas.openxmlformats.org/drawingml/2006/main" xmlns:r="http://schemas.openxmlformats.org/officeDocument/2006/relationships" xmlns:p="http://schemas.openxmlformats.org/presentationml/2006/main">
+  <p:cSld>
+    <p:spTree>
+      <p:nvGrpSpPr>
+        <p:cNvPr id="1" name=""/>
+        <p:cNvGrpSpPr/>
+        <p:nvPr/>
+      </p:nvGrpSpPr>
+      <p:grpSpPr>
+        <a:xfrm>
+          <a:off x="0" y="0"/>
+          <a:ext cx="0" cy="0"/>
+          <a:chOff x="0" y="0"/>
+          <a:chExt cx="0" cy="0"/>
+        </a:xfrm>
+      </p:grpSpPr>
+      <p:sp>
+        <p:nvSpPr>
+          <p:cNvPr id="26" name="Rectangle 25"/>
           <p:cNvSpPr>
             <a:spLocks noGrp="1" noRot="1" noChangeAspect="1" noMove="1" noResize="1" noEditPoints="1" noAdjustHandles="1" noChangeArrowheads="1" noChangeShapeType="1" noTextEdit="1"/>
           </p:cNvSpPr>
@@ -8881,113 +11364,17 @@
         </p:nvSpPr>
         <p:spPr>
           <a:xfrm>
-            <a:off x="-17262" y="5367908"/>
-            <a:ext cx="9566296" cy="1490093"/>
+            <a:off x="-1" y="-4573"/>
+            <a:ext cx="12192000" cy="1855871"/>
           </a:xfrm>
-          <a:custGeom>
+          <a:prstGeom prst="rect">
             <a:avLst/>
-            <a:gdLst>
-              <a:gd name="connsiteX0" fmla="*/ 0 w 9566296"/>
-              <a:gd name="connsiteY0" fmla="*/ 0 h 1490093"/>
-              <a:gd name="connsiteX1" fmla="*/ 405267 w 9566296"/>
-              <a:gd name="connsiteY1" fmla="*/ 0 h 1490093"/>
-              <a:gd name="connsiteX2" fmla="*/ 631857 w 9566296"/>
-              <a:gd name="connsiteY2" fmla="*/ 0 h 1490093"/>
-              <a:gd name="connsiteX3" fmla="*/ 2451761 w 9566296"/>
-              <a:gd name="connsiteY3" fmla="*/ 0 h 1490093"/>
-              <a:gd name="connsiteX4" fmla="*/ 2901880 w 9566296"/>
-              <a:gd name="connsiteY4" fmla="*/ 0 h 1490093"/>
-              <a:gd name="connsiteX5" fmla="*/ 3641106 w 9566296"/>
-              <a:gd name="connsiteY5" fmla="*/ 0 h 1490093"/>
-              <a:gd name="connsiteX6" fmla="*/ 9566296 w 9566296"/>
-              <a:gd name="connsiteY6" fmla="*/ 0 h 1490093"/>
-              <a:gd name="connsiteX7" fmla="*/ 8876188 w 9566296"/>
-              <a:gd name="connsiteY7" fmla="*/ 1490093 h 1490093"/>
-              <a:gd name="connsiteX8" fmla="*/ 631857 w 9566296"/>
-              <a:gd name="connsiteY8" fmla="*/ 1490093 h 1490093"/>
-              <a:gd name="connsiteX9" fmla="*/ 405267 w 9566296"/>
-              <a:gd name="connsiteY9" fmla="*/ 1490093 h 1490093"/>
-              <a:gd name="connsiteX10" fmla="*/ 0 w 9566296"/>
-              <a:gd name="connsiteY10" fmla="*/ 1490093 h 1490093"/>
-            </a:gdLst>
-            <a:ahLst/>
-            <a:cxnLst>
-              <a:cxn ang="0">
-                <a:pos x="connsiteX0" y="connsiteY0"/>
-              </a:cxn>
-              <a:cxn ang="0">
-                <a:pos x="connsiteX1" y="connsiteY1"/>
-              </a:cxn>
-              <a:cxn ang="0">
-                <a:pos x="connsiteX2" y="connsiteY2"/>
-              </a:cxn>
-              <a:cxn ang="0">
-                <a:pos x="connsiteX3" y="connsiteY3"/>
-              </a:cxn>
-              <a:cxn ang="0">
-                <a:pos x="connsiteX4" y="connsiteY4"/>
-              </a:cxn>
-              <a:cxn ang="0">
-                <a:pos x="connsiteX5" y="connsiteY5"/>
-              </a:cxn>
-              <a:cxn ang="0">
-                <a:pos x="connsiteX6" y="connsiteY6"/>
-              </a:cxn>
-              <a:cxn ang="0">
-                <a:pos x="connsiteX7" y="connsiteY7"/>
-              </a:cxn>
-              <a:cxn ang="0">
-                <a:pos x="connsiteX8" y="connsiteY8"/>
-              </a:cxn>
-              <a:cxn ang="0">
-                <a:pos x="connsiteX9" y="connsiteY9"/>
-              </a:cxn>
-              <a:cxn ang="0">
-                <a:pos x="connsiteX10" y="connsiteY10"/>
-              </a:cxn>
-            </a:cxnLst>
-            <a:rect l="l" t="t" r="r" b="b"/>
-            <a:pathLst>
-              <a:path w="9566296" h="1490093">
-                <a:moveTo>
-                  <a:pt x="0" y="0"/>
-                </a:moveTo>
-                <a:lnTo>
-                  <a:pt x="405267" y="0"/>
-                </a:lnTo>
-                <a:lnTo>
-                  <a:pt x="631857" y="0"/>
-                </a:lnTo>
-                <a:lnTo>
-                  <a:pt x="2451761" y="0"/>
-                </a:lnTo>
-                <a:lnTo>
-                  <a:pt x="2901880" y="0"/>
-                </a:lnTo>
-                <a:lnTo>
-                  <a:pt x="3641106" y="0"/>
-                </a:lnTo>
-                <a:lnTo>
-                  <a:pt x="9566296" y="0"/>
-                </a:lnTo>
-                <a:lnTo>
-                  <a:pt x="8876188" y="1490093"/>
-                </a:lnTo>
-                <a:lnTo>
-                  <a:pt x="631857" y="1490093"/>
-                </a:lnTo>
-                <a:lnTo>
-                  <a:pt x="405267" y="1490093"/>
-                </a:lnTo>
-                <a:lnTo>
-                  <a:pt x="0" y="1490093"/>
-                </a:lnTo>
-                <a:close/>
-              </a:path>
-            </a:pathLst>
-          </a:custGeom>
+          </a:prstGeom>
           <a:solidFill>
-            <a:schemeClr val="bg2"/>
+            <a:schemeClr val="tx1">
+              <a:lumMod val="85000"/>
+              <a:lumOff val="15000"/>
+            </a:schemeClr>
           </a:solidFill>
           <a:ln>
             <a:noFill/>
@@ -9010,12 +11397,7 @@
           </a:fontRef>
         </p:style>
         <p:txBody>
-          <a:bodyPr rot="0" spcFirstLastPara="0" vertOverflow="overflow" horzOverflow="overflow" vert="horz" wrap="square" lIns="91440" tIns="45720" rIns="91440" bIns="45720" numCol="1" spcCol="0" rtlCol="0" fromWordArt="0" anchor="ctr" anchorCtr="0" forceAA="0" compatLnSpc="1">
-            <a:prstTxWarp prst="textNoShape">
-              <a:avLst/>
-            </a:prstTxWarp>
-            <a:noAutofit/>
-          </a:bodyPr>
+          <a:bodyPr rtlCol="0" anchor="ctr"/>
           <a:lstStyle/>
           <a:p>
             <a:pPr algn="ctr"/>
@@ -9035,8 +11417,8 @@
         </p:nvSpPr>
         <p:spPr>
           <a:xfrm>
-            <a:off x="838200" y="5529884"/>
-            <a:ext cx="8078342" cy="1096331"/>
+            <a:off x="838200" y="365125"/>
+            <a:ext cx="10515600" cy="1325563"/>
           </a:xfrm>
         </p:spPr>
         <p:txBody>
@@ -9046,7 +11428,11 @@
           <a:lstStyle/>
           <a:p>
             <a:r>
-              <a:rPr lang="en-US" dirty="0"/>
+              <a:rPr lang="en-US">
+                <a:solidFill>
+                  <a:schemeClr val="bg1"/>
+                </a:solidFill>
+              </a:rPr>
               <a:t>Advices</a:t>
             </a:r>
           </a:p>
@@ -9062,14 +11448,14 @@
             <p:ph idx="1"/>
             <p:extLst>
               <p:ext uri="{D42A27DB-BD31-4B8C-83A1-F6EECF244321}">
-                <p14:modId xmlns:p14="http://schemas.microsoft.com/office/powerpoint/2010/main" val="764718670"/>
+                <p14:modId xmlns:p14="http://schemas.microsoft.com/office/powerpoint/2010/main" val="2696012821"/>
               </p:ext>
             </p:extLst>
           </p:nvPr>
         </p:nvGraphicFramePr>
         <p:xfrm>
-          <a:off x="838200" y="643467"/>
-          <a:ext cx="10515600" cy="4080974"/>
+          <a:off x="838200" y="2500291"/>
+          <a:ext cx="10515600" cy="3676671"/>
         </p:xfrm>
         <a:graphic>
           <a:graphicData uri="http://schemas.openxmlformats.org/drawingml/2006/diagram">
@@ -9085,12 +11471,12 @@
     </p:extLst>
   </p:cSld>
   <p:clrMapOvr>
-    <a:masterClrMapping/>
+    <a:overrideClrMapping bg1="dk1" tx1="lt1" bg2="dk2" tx2="lt2" accent1="accent1" accent2="accent2" accent3="accent3" accent4="accent4" accent5="accent5" accent6="accent6" hlink="hlink" folHlink="folHlink"/>
   </p:clrMapOvr>
 </p:sld>
 </file>
 
-<file path=ppt/slides/slide31.xml><?xml version="1.0" encoding="utf-8"?>
+<file path=ppt/slides/slide38.xml><?xml version="1.0" encoding="utf-8"?>
 <p:sld xmlns:a="http://schemas.openxmlformats.org/drawingml/2006/main" xmlns:r="http://schemas.openxmlformats.org/officeDocument/2006/relationships" xmlns:p="http://schemas.openxmlformats.org/presentationml/2006/main">
   <p:cSld>
     <p:spTree>
@@ -9180,6 +11566,63 @@
       </p:grpSpPr>
       <p:sp>
         <p:nvSpPr>
+          <p:cNvPr id="5" name="Rectangle 7"/>
+          <p:cNvSpPr>
+            <a:spLocks noGrp="1" noRot="1" noChangeAspect="1" noMove="1" noResize="1" noEditPoints="1" noAdjustHandles="1" noChangeArrowheads="1" noChangeShapeType="1" noTextEdit="1"/>
+          </p:cNvSpPr>
+          <p:nvPr>
+            <p:extLst>
+              <p:ext uri="{386F3935-93C4-4BCD-93E2-E3B085C9AB24}">
+                <p16:designElem xmlns:p16="http://schemas.microsoft.com/office/powerpoint/2015/main" val="1"/>
+              </p:ext>
+            </p:extLst>
+          </p:nvPr>
+        </p:nvSpPr>
+        <p:spPr>
+          <a:xfrm>
+            <a:off x="5315061" y="-2"/>
+            <a:ext cx="6876939" cy="6858002"/>
+          </a:xfrm>
+          <a:prstGeom prst="rect">
+            <a:avLst/>
+          </a:prstGeom>
+          <a:solidFill>
+            <a:schemeClr val="tx1">
+              <a:lumMod val="85000"/>
+              <a:lumOff val="15000"/>
+            </a:schemeClr>
+          </a:solidFill>
+          <a:ln>
+            <a:noFill/>
+          </a:ln>
+        </p:spPr>
+        <p:style>
+          <a:lnRef idx="2">
+            <a:schemeClr val="accent1">
+              <a:shade val="50000"/>
+            </a:schemeClr>
+          </a:lnRef>
+          <a:fillRef idx="1">
+            <a:schemeClr val="accent1"/>
+          </a:fillRef>
+          <a:effectRef idx="0">
+            <a:schemeClr val="accent1"/>
+          </a:effectRef>
+          <a:fontRef idx="minor">
+            <a:schemeClr val="lt1"/>
+          </a:fontRef>
+        </p:style>
+        <p:txBody>
+          <a:bodyPr rtlCol="0" anchor="ctr"/>
+          <a:lstStyle/>
+          <a:p>
+            <a:pPr algn="ctr"/>
+            <a:endParaRPr lang="en-US"/>
+          </a:p>
+        </p:txBody>
+      </p:sp>
+      <p:sp>
+        <p:nvSpPr>
           <p:cNvPr id="2" name="Title 1"/>
           <p:cNvSpPr>
             <a:spLocks noGrp="1"/>
@@ -9188,13 +11631,32 @@
             <p:ph type="title"/>
           </p:nvPr>
         </p:nvSpPr>
-        <p:spPr/>
-        <p:txBody>
-          <a:bodyPr/>
-          <a:lstStyle/>
-          <a:p>
-            <a:r>
-              <a:rPr lang="en-US" dirty="0"/>
+        <p:spPr>
+          <a:xfrm>
+            <a:off x="829781" y="2745736"/>
+            <a:ext cx="3698803" cy="1366528"/>
+          </a:xfrm>
+          <a:solidFill>
+            <a:schemeClr val="bg1">
+              <a:alpha val="50000"/>
+            </a:schemeClr>
+          </a:solidFill>
+          <a:ln w="25400" cap="sq">
+            <a:solidFill>
+              <a:schemeClr val="tx1"/>
+            </a:solidFill>
+            <a:miter lim="800000"/>
+          </a:ln>
+        </p:spPr>
+        <p:txBody>
+          <a:bodyPr>
+            <a:normAutofit/>
+          </a:bodyPr>
+          <a:lstStyle/>
+          <a:p>
+            <a:pPr algn="ctr"/>
+            <a:r>
+              <a:rPr lang="en-US" sz="3200"/>
               <a:t>Presentation</a:t>
             </a:r>
           </a:p>
@@ -9210,37 +11672,64 @@
             <p:ph idx="1"/>
           </p:nvPr>
         </p:nvSpPr>
-        <p:spPr/>
-        <p:txBody>
-          <a:bodyPr/>
-          <a:lstStyle/>
-          <a:p>
-            <a:r>
-              <a:rPr lang="en-US" dirty="0"/>
+        <p:spPr>
+          <a:xfrm>
+            <a:off x="6049182" y="802638"/>
+            <a:ext cx="5408696" cy="5252722"/>
+          </a:xfrm>
+        </p:spPr>
+        <p:txBody>
+          <a:bodyPr anchor="ctr">
+            <a:normAutofit/>
+          </a:bodyPr>
+          <a:lstStyle/>
+          <a:p>
+            <a:r>
+              <a:rPr lang="en-US" sz="2400">
+                <a:solidFill>
+                  <a:schemeClr val="bg1"/>
+                </a:solidFill>
+              </a:rPr>
               <a:t>What are reactive apps?</a:t>
             </a:r>
           </a:p>
           <a:p>
             <a:r>
-              <a:rPr lang="en-US" b="1" dirty="0"/>
+              <a:rPr lang="en-US" sz="2400" b="1">
+                <a:solidFill>
+                  <a:schemeClr val="bg1"/>
+                </a:solidFill>
+              </a:rPr>
               <a:t>Motivation</a:t>
             </a:r>
           </a:p>
           <a:p>
             <a:r>
-              <a:rPr lang="en-US" dirty="0"/>
+              <a:rPr lang="en-US" sz="2400">
+                <a:solidFill>
+                  <a:schemeClr val="bg1"/>
+                </a:solidFill>
+              </a:rPr>
               <a:t>Solution</a:t>
             </a:r>
           </a:p>
           <a:p>
             <a:r>
-              <a:rPr lang="en-US" dirty="0"/>
+              <a:rPr lang="en-US" sz="2400">
+                <a:solidFill>
+                  <a:schemeClr val="bg1"/>
+                </a:solidFill>
+              </a:rPr>
               <a:t>Problems that we encountered</a:t>
             </a:r>
           </a:p>
           <a:p>
             <a:r>
-              <a:rPr lang="en-US" dirty="0"/>
+              <a:rPr lang="en-US" sz="2400">
+                <a:solidFill>
+                  <a:schemeClr val="bg1"/>
+                </a:solidFill>
+              </a:rPr>
               <a:t>End advices</a:t>
             </a:r>
           </a:p>
@@ -9278,6 +11767,302 @@
       </p:grpSpPr>
       <p:sp>
         <p:nvSpPr>
+          <p:cNvPr id="6148" name="Freeform 12"/>
+          <p:cNvSpPr>
+            <a:spLocks noGrp="1" noRot="1" noChangeAspect="1" noMove="1" noResize="1" noEditPoints="1" noAdjustHandles="1" noChangeArrowheads="1" noChangeShapeType="1" noTextEdit="1"/>
+          </p:cNvSpPr>
+          <p:nvPr>
+            <p:extLst>
+              <p:ext uri="{386F3935-93C4-4BCD-93E2-E3B085C9AB24}">
+                <p16:designElem xmlns:p16="http://schemas.microsoft.com/office/powerpoint/2015/main" val="1"/>
+              </p:ext>
+            </p:extLst>
+          </p:nvPr>
+        </p:nvSpPr>
+        <p:spPr>
+          <a:xfrm>
+            <a:off x="4948518" y="1690688"/>
+            <a:ext cx="7243482" cy="5167312"/>
+          </a:xfrm>
+          <a:custGeom>
+            <a:avLst/>
+            <a:gdLst>
+              <a:gd name="connsiteX0" fmla="*/ 0 w 7243482"/>
+              <a:gd name="connsiteY0" fmla="*/ 0 h 5167312"/>
+              <a:gd name="connsiteX1" fmla="*/ 7243482 w 7243482"/>
+              <a:gd name="connsiteY1" fmla="*/ 0 h 5167312"/>
+              <a:gd name="connsiteX2" fmla="*/ 7243482 w 7243482"/>
+              <a:gd name="connsiteY2" fmla="*/ 5167312 h 5167312"/>
+              <a:gd name="connsiteX3" fmla="*/ 221324 w 7243482"/>
+              <a:gd name="connsiteY3" fmla="*/ 5167312 h 5167312"/>
+              <a:gd name="connsiteX4" fmla="*/ 2615203 w 7243482"/>
+              <a:gd name="connsiteY4" fmla="*/ 952 h 5167312"/>
+              <a:gd name="connsiteX5" fmla="*/ 0 w 7243482"/>
+              <a:gd name="connsiteY5" fmla="*/ 952 h 5167312"/>
+            </a:gdLst>
+            <a:ahLst/>
+            <a:cxnLst>
+              <a:cxn ang="0">
+                <a:pos x="connsiteX0" y="connsiteY0"/>
+              </a:cxn>
+              <a:cxn ang="0">
+                <a:pos x="connsiteX1" y="connsiteY1"/>
+              </a:cxn>
+              <a:cxn ang="0">
+                <a:pos x="connsiteX2" y="connsiteY2"/>
+              </a:cxn>
+              <a:cxn ang="0">
+                <a:pos x="connsiteX3" y="connsiteY3"/>
+              </a:cxn>
+              <a:cxn ang="0">
+                <a:pos x="connsiteX4" y="connsiteY4"/>
+              </a:cxn>
+              <a:cxn ang="0">
+                <a:pos x="connsiteX5" y="connsiteY5"/>
+              </a:cxn>
+            </a:cxnLst>
+            <a:rect l="l" t="t" r="r" b="b"/>
+            <a:pathLst>
+              <a:path w="7243482" h="5167312">
+                <a:moveTo>
+                  <a:pt x="0" y="0"/>
+                </a:moveTo>
+                <a:lnTo>
+                  <a:pt x="7243482" y="0"/>
+                </a:lnTo>
+                <a:lnTo>
+                  <a:pt x="7243482" y="5167312"/>
+                </a:lnTo>
+                <a:lnTo>
+                  <a:pt x="221324" y="5167312"/>
+                </a:lnTo>
+                <a:lnTo>
+                  <a:pt x="2615203" y="952"/>
+                </a:lnTo>
+                <a:lnTo>
+                  <a:pt x="0" y="952"/>
+                </a:lnTo>
+                <a:close/>
+              </a:path>
+            </a:pathLst>
+          </a:custGeom>
+          <a:solidFill>
+            <a:schemeClr val="bg2"/>
+          </a:solidFill>
+          <a:ln>
+            <a:noFill/>
+          </a:ln>
+        </p:spPr>
+        <p:style>
+          <a:lnRef idx="2">
+            <a:schemeClr val="accent1">
+              <a:shade val="50000"/>
+            </a:schemeClr>
+          </a:lnRef>
+          <a:fillRef idx="1">
+            <a:schemeClr val="accent1"/>
+          </a:fillRef>
+          <a:effectRef idx="0">
+            <a:schemeClr val="accent1"/>
+          </a:effectRef>
+          <a:fontRef idx="minor">
+            <a:schemeClr val="lt1"/>
+          </a:fontRef>
+        </p:style>
+        <p:txBody>
+          <a:bodyPr wrap="square" rtlCol="0" anchor="ctr">
+            <a:noAutofit/>
+          </a:bodyPr>
+          <a:lstStyle/>
+          <a:p>
+            <a:pPr algn="ctr"/>
+            <a:endParaRPr lang="en-US"/>
+          </a:p>
+        </p:txBody>
+      </p:sp>
+      <p:sp>
+        <p:nvSpPr>
+          <p:cNvPr id="6149" name="Freeform 11"/>
+          <p:cNvSpPr>
+            <a:spLocks noGrp="1" noRot="1" noChangeAspect="1" noMove="1" noResize="1" noEditPoints="1" noAdjustHandles="1" noChangeArrowheads="1" noChangeShapeType="1" noTextEdit="1"/>
+          </p:cNvSpPr>
+          <p:nvPr>
+            <p:extLst>
+              <p:ext uri="{386F3935-93C4-4BCD-93E2-E3B085C9AB24}">
+                <p16:designElem xmlns:p16="http://schemas.microsoft.com/office/powerpoint/2015/main" val="1"/>
+              </p:ext>
+            </p:extLst>
+          </p:nvPr>
+        </p:nvSpPr>
+        <p:spPr>
+          <a:xfrm>
+            <a:off x="0" y="1691640"/>
+            <a:ext cx="7399176" cy="5166360"/>
+          </a:xfrm>
+          <a:custGeom>
+            <a:avLst/>
+            <a:gdLst>
+              <a:gd name="connsiteX0" fmla="*/ 0 w 7399176"/>
+              <a:gd name="connsiteY0" fmla="*/ 0 h 5166360"/>
+              <a:gd name="connsiteX1" fmla="*/ 7399176 w 7399176"/>
+              <a:gd name="connsiteY1" fmla="*/ 0 h 5166360"/>
+              <a:gd name="connsiteX2" fmla="*/ 5005297 w 7399176"/>
+              <a:gd name="connsiteY2" fmla="*/ 5166360 h 5166360"/>
+              <a:gd name="connsiteX3" fmla="*/ 0 w 7399176"/>
+              <a:gd name="connsiteY3" fmla="*/ 5166360 h 5166360"/>
+            </a:gdLst>
+            <a:ahLst/>
+            <a:cxnLst>
+              <a:cxn ang="0">
+                <a:pos x="connsiteX0" y="connsiteY0"/>
+              </a:cxn>
+              <a:cxn ang="0">
+                <a:pos x="connsiteX1" y="connsiteY1"/>
+              </a:cxn>
+              <a:cxn ang="0">
+                <a:pos x="connsiteX2" y="connsiteY2"/>
+              </a:cxn>
+              <a:cxn ang="0">
+                <a:pos x="connsiteX3" y="connsiteY3"/>
+              </a:cxn>
+            </a:cxnLst>
+            <a:rect l="l" t="t" r="r" b="b"/>
+            <a:pathLst>
+              <a:path w="7399176" h="5166360">
+                <a:moveTo>
+                  <a:pt x="0" y="0"/>
+                </a:moveTo>
+                <a:lnTo>
+                  <a:pt x="7399176" y="0"/>
+                </a:lnTo>
+                <a:lnTo>
+                  <a:pt x="5005297" y="5166360"/>
+                </a:lnTo>
+                <a:lnTo>
+                  <a:pt x="0" y="5166360"/>
+                </a:lnTo>
+                <a:close/>
+              </a:path>
+            </a:pathLst>
+          </a:custGeom>
+          <a:solidFill>
+            <a:schemeClr val="tx1">
+              <a:alpha val="85000"/>
+            </a:schemeClr>
+          </a:solidFill>
+          <a:ln>
+            <a:noFill/>
+          </a:ln>
+        </p:spPr>
+        <p:style>
+          <a:lnRef idx="2">
+            <a:schemeClr val="accent1">
+              <a:shade val="50000"/>
+            </a:schemeClr>
+          </a:lnRef>
+          <a:fillRef idx="1">
+            <a:schemeClr val="accent1"/>
+          </a:fillRef>
+          <a:effectRef idx="0">
+            <a:schemeClr val="accent1"/>
+          </a:effectRef>
+          <a:fontRef idx="minor">
+            <a:schemeClr val="lt1"/>
+          </a:fontRef>
+        </p:style>
+        <p:txBody>
+          <a:bodyPr rtlCol="0" anchor="ctr"/>
+          <a:lstStyle/>
+          <a:p>
+            <a:pPr algn="ctr"/>
+            <a:endParaRPr lang="en-US"/>
+          </a:p>
+        </p:txBody>
+      </p:sp>
+      <p:pic>
+        <p:nvPicPr>
+          <p:cNvPr id="6146" name="Picture 2" descr="https://cdn.meme.am/cache/instances/folder617/500x/65225617.jpg"/>
+          <p:cNvPicPr>
+            <a:picLocks noChangeAspect="1" noChangeArrowheads="1"/>
+          </p:cNvPicPr>
+          <p:nvPr/>
+        </p:nvPicPr>
+        <p:blipFill rotWithShape="1">
+          <a:blip r:embed="rId2">
+            <a:extLst>
+              <a:ext uri="{28A0092B-C50C-407E-A947-70E740481C1C}">
+                <a14:useLocalDpi xmlns:a14="http://schemas.microsoft.com/office/drawing/2010/main" val="0"/>
+              </a:ext>
+            </a:extLst>
+          </a:blip>
+          <a:srcRect/>
+          <a:stretch/>
+        </p:blipFill>
+        <p:spPr bwMode="auto">
+          <a:xfrm>
+            <a:off x="7629964" y="2012865"/>
+            <a:ext cx="4164098" cy="4164098"/>
+          </a:xfrm>
+          <a:custGeom>
+            <a:avLst/>
+            <a:gdLst>
+              <a:gd name="connsiteX0" fmla="*/ 0 w 4636009"/>
+              <a:gd name="connsiteY0" fmla="*/ 0 h 5032375"/>
+              <a:gd name="connsiteX1" fmla="*/ 4636009 w 4636009"/>
+              <a:gd name="connsiteY1" fmla="*/ 0 h 5032375"/>
+              <a:gd name="connsiteX2" fmla="*/ 4636009 w 4636009"/>
+              <a:gd name="connsiteY2" fmla="*/ 5032375 h 5032375"/>
+              <a:gd name="connsiteX3" fmla="*/ 0 w 4636009"/>
+              <a:gd name="connsiteY3" fmla="*/ 5032375 h 5032375"/>
+            </a:gdLst>
+            <a:ahLst/>
+            <a:cxnLst>
+              <a:cxn ang="0">
+                <a:pos x="connsiteX0" y="connsiteY0"/>
+              </a:cxn>
+              <a:cxn ang="0">
+                <a:pos x="connsiteX1" y="connsiteY1"/>
+              </a:cxn>
+              <a:cxn ang="0">
+                <a:pos x="connsiteX2" y="connsiteY2"/>
+              </a:cxn>
+              <a:cxn ang="0">
+                <a:pos x="connsiteX3" y="connsiteY3"/>
+              </a:cxn>
+            </a:cxnLst>
+            <a:rect l="l" t="t" r="r" b="b"/>
+            <a:pathLst>
+              <a:path w="4636009" h="5032375">
+                <a:moveTo>
+                  <a:pt x="0" y="0"/>
+                </a:moveTo>
+                <a:lnTo>
+                  <a:pt x="4636009" y="0"/>
+                </a:lnTo>
+                <a:lnTo>
+                  <a:pt x="4636009" y="5032375"/>
+                </a:lnTo>
+                <a:lnTo>
+                  <a:pt x="0" y="5032375"/>
+                </a:lnTo>
+                <a:close/>
+              </a:path>
+            </a:pathLst>
+          </a:custGeom>
+          <a:noFill/>
+          <a:extLst>
+            <a:ext uri="{909E8E84-426E-40DD-AFC4-6F175D3DCCD1}">
+              <a14:hiddenFill xmlns:a14="http://schemas.microsoft.com/office/drawing/2010/main">
+                <a:solidFill>
+                  <a:srgbClr val="FFFFFF"/>
+                </a:solidFill>
+              </a14:hiddenFill>
+            </a:ext>
+          </a:extLst>
+        </p:spPr>
+      </p:pic>
+      <p:sp>
+        <p:nvSpPr>
           <p:cNvPr id="2" name="Title 1"/>
           <p:cNvSpPr>
             <a:spLocks noGrp="1"/>
@@ -9286,15 +12071,23 @@
             <p:ph type="title"/>
           </p:nvPr>
         </p:nvSpPr>
-        <p:spPr/>
-        <p:txBody>
-          <a:bodyPr/>
-          <a:lstStyle/>
-          <a:p>
-            <a:r>
-              <a:rPr lang="en-US" dirty="0"/>
+        <p:spPr>
+          <a:xfrm>
+            <a:off x="838200" y="365125"/>
+            <a:ext cx="10515600" cy="1325563"/>
+          </a:xfrm>
+        </p:spPr>
+        <p:txBody>
+          <a:bodyPr>
+            <a:normAutofit/>
+          </a:bodyPr>
+          <a:lstStyle/>
+          <a:p>
+            <a:r>
+              <a:rPr lang="en-US"/>
               <a:t>What problem do we want to solve?</a:t>
             </a:r>
+            <a:endParaRPr lang="en-US" dirty="0"/>
           </a:p>
         </p:txBody>
       </p:sp>
@@ -9308,43 +12101,85 @@
             <p:ph idx="1"/>
           </p:nvPr>
         </p:nvSpPr>
-        <p:spPr/>
-        <p:txBody>
-          <a:bodyPr/>
-          <a:lstStyle/>
-          <a:p>
-            <a:r>
-              <a:rPr lang="en-US" dirty="0"/>
+        <p:spPr>
+          <a:xfrm>
+            <a:off x="539931" y="2012865"/>
+            <a:ext cx="5216435" cy="4164098"/>
+          </a:xfrm>
+        </p:spPr>
+        <p:txBody>
+          <a:bodyPr anchor="ctr">
+            <a:normAutofit/>
+          </a:bodyPr>
+          <a:lstStyle/>
+          <a:p>
+            <a:r>
+              <a:rPr lang="en-US" sz="3200" dirty="0">
+                <a:solidFill>
+                  <a:schemeClr val="bg1"/>
+                </a:solidFill>
+              </a:rPr>
               <a:t>Have complex apps </a:t>
             </a:r>
           </a:p>
           <a:p>
             <a:pPr lvl="1"/>
             <a:r>
-              <a:rPr lang="en-US" dirty="0"/>
+              <a:rPr lang="en-US" sz="3200" dirty="0">
+                <a:solidFill>
+                  <a:schemeClr val="bg1"/>
+                </a:solidFill>
+              </a:rPr>
               <a:t>Easy to modify</a:t>
             </a:r>
           </a:p>
           <a:p>
             <a:pPr lvl="1"/>
             <a:r>
-              <a:rPr lang="en-US" dirty="0"/>
+              <a:rPr lang="en-US" sz="3200" dirty="0">
+                <a:solidFill>
+                  <a:schemeClr val="bg1"/>
+                </a:solidFill>
+              </a:rPr>
               <a:t>Easy to understand</a:t>
             </a:r>
           </a:p>
           <a:p>
             <a:pPr lvl="1"/>
             <a:r>
-              <a:rPr lang="en-US" dirty="0"/>
+              <a:rPr lang="en-US" sz="3200" dirty="0">
+                <a:solidFill>
+                  <a:schemeClr val="bg1"/>
+                </a:solidFill>
+              </a:rPr>
               <a:t>Easy to test performance</a:t>
             </a:r>
           </a:p>
           <a:p>
             <a:pPr lvl="1"/>
-            <a:endParaRPr lang="en-US" dirty="0"/>
-          </a:p>
-          <a:p>
-            <a:endParaRPr lang="en-US" dirty="0"/>
+            <a:r>
+              <a:rPr lang="en-US" sz="3200" dirty="0">
+                <a:solidFill>
+                  <a:schemeClr val="bg1"/>
+                </a:solidFill>
+              </a:rPr>
+              <a:t>Easy to unit test</a:t>
+            </a:r>
+          </a:p>
+          <a:p>
+            <a:pPr lvl="1"/>
+            <a:endParaRPr lang="en-US" sz="2000" dirty="0">
+              <a:solidFill>
+                <a:schemeClr val="bg1"/>
+              </a:solidFill>
+            </a:endParaRPr>
+          </a:p>
+          <a:p>
+            <a:endParaRPr lang="en-US" sz="2000" dirty="0">
+              <a:solidFill>
+                <a:schemeClr val="bg1"/>
+              </a:solidFill>
+            </a:endParaRPr>
           </a:p>
         </p:txBody>
       </p:sp>
@@ -9823,15 +12658,21 @@
             <p:ph type="title"/>
           </p:nvPr>
         </p:nvSpPr>
-        <p:spPr/>
+        <p:spPr>
+          <a:xfrm>
+            <a:off x="838200" y="365125"/>
+            <a:ext cx="10515600" cy="1325563"/>
+          </a:xfrm>
+        </p:spPr>
         <p:txBody>
           <a:bodyPr/>
           <a:lstStyle/>
           <a:p>
             <a:r>
-              <a:rPr lang="en-US" dirty="0"/>
+              <a:rPr lang="en-US"/>
               <a:t>Testing the application</a:t>
             </a:r>
+            <a:endParaRPr lang="en-US" dirty="0"/>
           </a:p>
         </p:txBody>
       </p:sp>
@@ -9845,126 +12686,48 @@
             <p:ph idx="1"/>
           </p:nvPr>
         </p:nvSpPr>
-        <p:spPr/>
+        <p:spPr>
+          <a:xfrm>
+            <a:off x="838200" y="1825625"/>
+            <a:ext cx="10515600" cy="4351338"/>
+          </a:xfrm>
+        </p:spPr>
         <p:txBody>
           <a:bodyPr/>
           <a:lstStyle/>
           <a:p>
             <a:r>
-              <a:rPr lang="en-US" b="1" dirty="0"/>
+              <a:rPr lang="en-US" b="1"/>
               <a:t>Unit Tests</a:t>
             </a:r>
           </a:p>
           <a:p>
             <a:pPr lvl="1"/>
             <a:r>
-              <a:rPr lang="en-US" dirty="0"/>
-              <a:t>Tests on </a:t>
-            </a:r>
-            <a:r>
-              <a:rPr lang="en-US" dirty="0" err="1"/>
-              <a:t>AccountController</a:t>
-            </a:r>
-            <a:r>
-              <a:rPr lang="en-US" dirty="0"/>
-              <a:t> where you mock </a:t>
-            </a:r>
-            <a:r>
-              <a:rPr lang="en-US" dirty="0" err="1"/>
-              <a:t>SignInManager</a:t>
-            </a:r>
-            <a:endParaRPr lang="en-US" dirty="0"/>
+              <a:rPr lang="en-US"/>
+              <a:t>Tests on AccountController where you mock SignInManager</a:t>
+            </a:r>
           </a:p>
           <a:p>
             <a:pPr lvl="1"/>
             <a:r>
-              <a:rPr lang="en-US" dirty="0"/>
-              <a:t>Tests on </a:t>
-            </a:r>
-            <a:r>
-              <a:rPr lang="en-US" dirty="0" err="1"/>
-              <a:t>SignInManager</a:t>
-            </a:r>
-            <a:r>
-              <a:rPr lang="en-US" dirty="0"/>
-              <a:t> where you mock </a:t>
-            </a:r>
-            <a:r>
-              <a:rPr lang="en-US" dirty="0" err="1"/>
-              <a:t>UserManager</a:t>
-            </a:r>
-            <a:endParaRPr lang="en-US" dirty="0"/>
+              <a:rPr lang="en-US"/>
+              <a:t>Tests on SignInManager where you mock UserManager</a:t>
+            </a:r>
           </a:p>
           <a:p>
             <a:pPr lvl="1"/>
             <a:r>
-              <a:rPr lang="en-US" dirty="0"/>
-              <a:t>Tests on </a:t>
-            </a:r>
-            <a:r>
-              <a:rPr lang="en-US" dirty="0" err="1"/>
-              <a:t>UserManager</a:t>
-            </a:r>
-            <a:r>
-              <a:rPr lang="en-US" dirty="0"/>
-              <a:t> where you mock </a:t>
-            </a:r>
-            <a:r>
-              <a:rPr lang="en-US" dirty="0" err="1"/>
-              <a:t>UserStore</a:t>
-            </a:r>
-            <a:endParaRPr lang="en-US" dirty="0"/>
+              <a:rPr lang="en-US"/>
+              <a:t>Tests on UserManager where you mock UserStore</a:t>
+            </a:r>
           </a:p>
           <a:p>
             <a:pPr lvl="1"/>
             <a:r>
-              <a:rPr lang="en-US" dirty="0"/>
-              <a:t>Tests on </a:t>
-            </a:r>
-            <a:r>
-              <a:rPr lang="en-US" dirty="0" err="1"/>
-              <a:t>UserStore</a:t>
-            </a:r>
-            <a:r>
-              <a:rPr lang="en-US" dirty="0"/>
-              <a:t> where you mock </a:t>
-            </a:r>
-            <a:r>
-              <a:rPr lang="en-US" dirty="0" err="1"/>
-              <a:t>DbContext</a:t>
-            </a:r>
-            <a:endParaRPr lang="en-US" dirty="0"/>
-          </a:p>
-          <a:p>
-            <a:r>
-              <a:rPr lang="en-US" dirty="0"/>
-              <a:t>With every mock we assume that the mocked components will work as we expect.</a:t>
-            </a:r>
-          </a:p>
-          <a:p>
-            <a:r>
-              <a:rPr lang="en-US" dirty="0"/>
-              <a:t>To be a successful </a:t>
-            </a:r>
-            <a:r>
-              <a:rPr lang="en-US" dirty="0" err="1"/>
-              <a:t>mockist</a:t>
-            </a:r>
-            <a:r>
-              <a:rPr lang="en-US" dirty="0"/>
-              <a:t>, you must dislike mocks.</a:t>
-            </a:r>
-          </a:p>
-          <a:p>
-            <a:r>
-              <a:rPr lang="en-US" b="1" dirty="0"/>
-              <a:t>Where is the bottleneck? – performance tests?</a:t>
-            </a:r>
-          </a:p>
-          <a:p>
-            <a:pPr marL="0" indent="0">
-              <a:buNone/>
-            </a:pPr>
+              <a:rPr lang="en-US"/>
+              <a:t>Tests on UserStore where you mock DbContext</a:t>
+            </a:r>
             <a:endParaRPr lang="en-US" dirty="0"/>
           </a:p>
         </p:txBody>

--- a/Reactive programming.pptx
+++ b/Reactive programming.pptx
@@ -6,43 +6,46 @@
   </p:sldMasterIdLst>
   <p:sldIdLst>
     <p:sldId id="256" r:id="rId2"/>
-    <p:sldId id="265" r:id="rId3"/>
-    <p:sldId id="282" r:id="rId4"/>
-    <p:sldId id="283" r:id="rId5"/>
-    <p:sldId id="257" r:id="rId6"/>
-    <p:sldId id="258" r:id="rId7"/>
-    <p:sldId id="259" r:id="rId8"/>
-    <p:sldId id="260" r:id="rId9"/>
-    <p:sldId id="261" r:id="rId10"/>
-    <p:sldId id="292" r:id="rId11"/>
-    <p:sldId id="293" r:id="rId12"/>
-    <p:sldId id="294" r:id="rId13"/>
-    <p:sldId id="262" r:id="rId14"/>
-    <p:sldId id="295" r:id="rId15"/>
-    <p:sldId id="263" r:id="rId16"/>
-    <p:sldId id="264" r:id="rId17"/>
-    <p:sldId id="284" r:id="rId18"/>
-    <p:sldId id="266" r:id="rId19"/>
-    <p:sldId id="289" r:id="rId20"/>
-    <p:sldId id="268" r:id="rId21"/>
-    <p:sldId id="269" r:id="rId22"/>
-    <p:sldId id="270" r:id="rId23"/>
-    <p:sldId id="271" r:id="rId24"/>
-    <p:sldId id="285" r:id="rId25"/>
-    <p:sldId id="272" r:id="rId26"/>
-    <p:sldId id="291" r:id="rId27"/>
-    <p:sldId id="275" r:id="rId28"/>
-    <p:sldId id="274" r:id="rId29"/>
-    <p:sldId id="278" r:id="rId30"/>
-    <p:sldId id="290" r:id="rId31"/>
-    <p:sldId id="279" r:id="rId32"/>
-    <p:sldId id="276" r:id="rId33"/>
-    <p:sldId id="280" r:id="rId34"/>
-    <p:sldId id="277" r:id="rId35"/>
-    <p:sldId id="281" r:id="rId36"/>
-    <p:sldId id="286" r:id="rId37"/>
-    <p:sldId id="287" r:id="rId38"/>
-    <p:sldId id="288" r:id="rId39"/>
+    <p:sldId id="296" r:id="rId3"/>
+    <p:sldId id="265" r:id="rId4"/>
+    <p:sldId id="282" r:id="rId5"/>
+    <p:sldId id="283" r:id="rId6"/>
+    <p:sldId id="257" r:id="rId7"/>
+    <p:sldId id="258" r:id="rId8"/>
+    <p:sldId id="259" r:id="rId9"/>
+    <p:sldId id="260" r:id="rId10"/>
+    <p:sldId id="261" r:id="rId11"/>
+    <p:sldId id="292" r:id="rId12"/>
+    <p:sldId id="293" r:id="rId13"/>
+    <p:sldId id="294" r:id="rId14"/>
+    <p:sldId id="262" r:id="rId15"/>
+    <p:sldId id="295" r:id="rId16"/>
+    <p:sldId id="263" r:id="rId17"/>
+    <p:sldId id="264" r:id="rId18"/>
+    <p:sldId id="284" r:id="rId19"/>
+    <p:sldId id="266" r:id="rId20"/>
+    <p:sldId id="289" r:id="rId21"/>
+    <p:sldId id="268" r:id="rId22"/>
+    <p:sldId id="269" r:id="rId23"/>
+    <p:sldId id="270" r:id="rId24"/>
+    <p:sldId id="271" r:id="rId25"/>
+    <p:sldId id="285" r:id="rId26"/>
+    <p:sldId id="272" r:id="rId27"/>
+    <p:sldId id="291" r:id="rId28"/>
+    <p:sldId id="275" r:id="rId29"/>
+    <p:sldId id="274" r:id="rId30"/>
+    <p:sldId id="278" r:id="rId31"/>
+    <p:sldId id="290" r:id="rId32"/>
+    <p:sldId id="279" r:id="rId33"/>
+    <p:sldId id="276" r:id="rId34"/>
+    <p:sldId id="280" r:id="rId35"/>
+    <p:sldId id="277" r:id="rId36"/>
+    <p:sldId id="281" r:id="rId37"/>
+    <p:sldId id="286" r:id="rId38"/>
+    <p:sldId id="287" r:id="rId39"/>
+    <p:sldId id="297" r:id="rId40"/>
+    <p:sldId id="298" r:id="rId41"/>
+    <p:sldId id="288" r:id="rId42"/>
   </p:sldIdLst>
   <p:sldSz cx="12192000" cy="6858000"/>
   <p:notesSz cx="6858000" cy="9144000"/>
@@ -141,7 +144,16 @@
       </a:defRPr>
     </a:lvl9pPr>
   </p:defaultTextStyle>
+  <p:extLst>
+    <p:ext uri="{EFAFB233-063F-42B5-8137-9DF3F51BA10A}">
+      <p15:sldGuideLst xmlns:p15="http://schemas.microsoft.com/office/powerpoint/2012/main"/>
+    </p:ext>
+  </p:extLst>
 </p:presentation>
+</file>
+
+<file path=ppt/revisionInfo.xml><?xml version="1.0" encoding="utf-8"?>
+<p1510:revInfo xmlns:a="http://schemas.openxmlformats.org/drawingml/2006/main" xmlns:r="http://schemas.openxmlformats.org/officeDocument/2006/relationships" xmlns:p1510="http://schemas.microsoft.com/office/powerpoint/2015/10/main"/>
 </file>
 
 <file path=ppt/diagrams/colors1.xml><?xml version="1.0" encoding="utf-8"?>
@@ -3838,7 +3850,6 @@
               <a:rPr lang="en-US"/>
               <a:t>Click to edit Master title style</a:t>
             </a:r>
-            <a:endParaRPr lang="en-US"/>
           </a:p>
         </p:txBody>
       </p:sp>
@@ -3903,7 +3914,6 @@
               <a:rPr lang="en-US"/>
               <a:t>Click to edit Master subtitle style</a:t>
             </a:r>
-            <a:endParaRPr lang="en-US"/>
           </a:p>
         </p:txBody>
       </p:sp>
@@ -3924,7 +3934,7 @@
           <a:p>
             <a:fld id="{2C5A0CED-3E17-448F-B843-F42AC7A0A3D9}" type="datetimeFigureOut">
               <a:rPr lang="en-US" smtClean="0"/>
-              <a:t>5/22/2017</a:t>
+              <a:t>5/24/2017</a:t>
             </a:fld>
             <a:endParaRPr lang="en-US"/>
           </a:p>
@@ -4021,7 +4031,6 @@
               <a:rPr lang="en-US"/>
               <a:t>Click to edit Master title style</a:t>
             </a:r>
-            <a:endParaRPr lang="en-US"/>
           </a:p>
         </p:txBody>
       </p:sp>
@@ -4073,7 +4082,6 @@
               <a:rPr lang="en-US"/>
               <a:t>Fifth level</a:t>
             </a:r>
-            <a:endParaRPr lang="en-US"/>
           </a:p>
         </p:txBody>
       </p:sp>
@@ -4094,7 +4102,7 @@
           <a:p>
             <a:fld id="{2C5A0CED-3E17-448F-B843-F42AC7A0A3D9}" type="datetimeFigureOut">
               <a:rPr lang="en-US" smtClean="0"/>
-              <a:t>5/22/2017</a:t>
+              <a:t>5/24/2017</a:t>
             </a:fld>
             <a:endParaRPr lang="en-US"/>
           </a:p>
@@ -4196,7 +4204,6 @@
               <a:rPr lang="en-US"/>
               <a:t>Click to edit Master title style</a:t>
             </a:r>
-            <a:endParaRPr lang="en-US"/>
           </a:p>
         </p:txBody>
       </p:sp>
@@ -4253,7 +4260,6 @@
               <a:rPr lang="en-US"/>
               <a:t>Fifth level</a:t>
             </a:r>
-            <a:endParaRPr lang="en-US"/>
           </a:p>
         </p:txBody>
       </p:sp>
@@ -4274,7 +4280,7 @@
           <a:p>
             <a:fld id="{2C5A0CED-3E17-448F-B843-F42AC7A0A3D9}" type="datetimeFigureOut">
               <a:rPr lang="en-US" smtClean="0"/>
-              <a:t>5/22/2017</a:t>
+              <a:t>5/24/2017</a:t>
             </a:fld>
             <a:endParaRPr lang="en-US"/>
           </a:p>
@@ -4371,7 +4377,6 @@
               <a:rPr lang="en-US"/>
               <a:t>Click to edit Master title style</a:t>
             </a:r>
-            <a:endParaRPr lang="en-US"/>
           </a:p>
         </p:txBody>
       </p:sp>
@@ -4423,7 +4428,6 @@
               <a:rPr lang="en-US"/>
               <a:t>Fifth level</a:t>
             </a:r>
-            <a:endParaRPr lang="en-US"/>
           </a:p>
         </p:txBody>
       </p:sp>
@@ -4444,7 +4448,7 @@
           <a:p>
             <a:fld id="{2C5A0CED-3E17-448F-B843-F42AC7A0A3D9}" type="datetimeFigureOut">
               <a:rPr lang="en-US" smtClean="0"/>
-              <a:t>5/22/2017</a:t>
+              <a:t>5/24/2017</a:t>
             </a:fld>
             <a:endParaRPr lang="en-US"/>
           </a:p>
@@ -4550,7 +4554,6 @@
               <a:rPr lang="en-US"/>
               <a:t>Click to edit Master title style</a:t>
             </a:r>
-            <a:endParaRPr lang="en-US"/>
           </a:p>
         </p:txBody>
       </p:sp>
@@ -4690,7 +4693,7 @@
           <a:p>
             <a:fld id="{2C5A0CED-3E17-448F-B843-F42AC7A0A3D9}" type="datetimeFigureOut">
               <a:rPr lang="en-US" smtClean="0"/>
-              <a:t>5/22/2017</a:t>
+              <a:t>5/24/2017</a:t>
             </a:fld>
             <a:endParaRPr lang="en-US"/>
           </a:p>
@@ -4787,7 +4790,6 @@
               <a:rPr lang="en-US"/>
               <a:t>Click to edit Master title style</a:t>
             </a:r>
-            <a:endParaRPr lang="en-US"/>
           </a:p>
         </p:txBody>
       </p:sp>
@@ -4844,7 +4846,6 @@
               <a:rPr lang="en-US"/>
               <a:t>Fifth level</a:t>
             </a:r>
-            <a:endParaRPr lang="en-US"/>
           </a:p>
         </p:txBody>
       </p:sp>
@@ -4901,7 +4902,6 @@
               <a:rPr lang="en-US"/>
               <a:t>Fifth level</a:t>
             </a:r>
-            <a:endParaRPr lang="en-US"/>
           </a:p>
         </p:txBody>
       </p:sp>
@@ -4922,7 +4922,7 @@
           <a:p>
             <a:fld id="{2C5A0CED-3E17-448F-B843-F42AC7A0A3D9}" type="datetimeFigureOut">
               <a:rPr lang="en-US" smtClean="0"/>
-              <a:t>5/22/2017</a:t>
+              <a:t>5/24/2017</a:t>
             </a:fld>
             <a:endParaRPr lang="en-US"/>
           </a:p>
@@ -5024,7 +5024,6 @@
               <a:rPr lang="en-US"/>
               <a:t>Click to edit Master title style</a:t>
             </a:r>
-            <a:endParaRPr lang="en-US"/>
           </a:p>
         </p:txBody>
       </p:sp>
@@ -5146,7 +5145,6 @@
               <a:rPr lang="en-US"/>
               <a:t>Fifth level</a:t>
             </a:r>
-            <a:endParaRPr lang="en-US"/>
           </a:p>
         </p:txBody>
       </p:sp>
@@ -5268,7 +5266,6 @@
               <a:rPr lang="en-US"/>
               <a:t>Fifth level</a:t>
             </a:r>
-            <a:endParaRPr lang="en-US"/>
           </a:p>
         </p:txBody>
       </p:sp>
@@ -5289,7 +5286,7 @@
           <a:p>
             <a:fld id="{2C5A0CED-3E17-448F-B843-F42AC7A0A3D9}" type="datetimeFigureOut">
               <a:rPr lang="en-US" smtClean="0"/>
-              <a:t>5/22/2017</a:t>
+              <a:t>5/24/2017</a:t>
             </a:fld>
             <a:endParaRPr lang="en-US"/>
           </a:p>
@@ -5386,7 +5383,6 @@
               <a:rPr lang="en-US"/>
               <a:t>Click to edit Master title style</a:t>
             </a:r>
-            <a:endParaRPr lang="en-US"/>
           </a:p>
         </p:txBody>
       </p:sp>
@@ -5407,7 +5403,7 @@
           <a:p>
             <a:fld id="{2C5A0CED-3E17-448F-B843-F42AC7A0A3D9}" type="datetimeFigureOut">
               <a:rPr lang="en-US" smtClean="0"/>
-              <a:t>5/22/2017</a:t>
+              <a:t>5/24/2017</a:t>
             </a:fld>
             <a:endParaRPr lang="en-US"/>
           </a:p>
@@ -5502,7 +5498,7 @@
           <a:p>
             <a:fld id="{2C5A0CED-3E17-448F-B843-F42AC7A0A3D9}" type="datetimeFigureOut">
               <a:rPr lang="en-US" smtClean="0"/>
-              <a:t>5/22/2017</a:t>
+              <a:t>5/24/2017</a:t>
             </a:fld>
             <a:endParaRPr lang="en-US"/>
           </a:p>
@@ -5608,7 +5604,6 @@
               <a:rPr lang="en-US"/>
               <a:t>Click to edit Master title style</a:t>
             </a:r>
-            <a:endParaRPr lang="en-US"/>
           </a:p>
         </p:txBody>
       </p:sp>
@@ -5693,7 +5688,6 @@
               <a:rPr lang="en-US"/>
               <a:t>Fifth level</a:t>
             </a:r>
-            <a:endParaRPr lang="en-US"/>
           </a:p>
         </p:txBody>
       </p:sp>
@@ -5779,7 +5773,7 @@
           <a:p>
             <a:fld id="{2C5A0CED-3E17-448F-B843-F42AC7A0A3D9}" type="datetimeFigureOut">
               <a:rPr lang="en-US" smtClean="0"/>
-              <a:t>5/22/2017</a:t>
+              <a:t>5/24/2017</a:t>
             </a:fld>
             <a:endParaRPr lang="en-US"/>
           </a:p>
@@ -5885,7 +5879,6 @@
               <a:rPr lang="en-US"/>
               <a:t>Click to edit Master title style</a:t>
             </a:r>
-            <a:endParaRPr lang="en-US"/>
           </a:p>
         </p:txBody>
       </p:sp>
@@ -6032,7 +6025,7 @@
           <a:p>
             <a:fld id="{2C5A0CED-3E17-448F-B843-F42AC7A0A3D9}" type="datetimeFigureOut">
               <a:rPr lang="en-US" smtClean="0"/>
-              <a:t>5/22/2017</a:t>
+              <a:t>5/24/2017</a:t>
             </a:fld>
             <a:endParaRPr lang="en-US"/>
           </a:p>
@@ -6144,7 +6137,6 @@
               <a:rPr lang="en-US"/>
               <a:t>Click to edit Master title style</a:t>
             </a:r>
-            <a:endParaRPr lang="en-US"/>
           </a:p>
         </p:txBody>
       </p:sp>
@@ -6206,7 +6198,6 @@
               <a:rPr lang="en-US"/>
               <a:t>Fifth level</a:t>
             </a:r>
-            <a:endParaRPr lang="en-US"/>
           </a:p>
         </p:txBody>
       </p:sp>
@@ -6245,7 +6236,7 @@
           <a:p>
             <a:fld id="{2C5A0CED-3E17-448F-B843-F42AC7A0A3D9}" type="datetimeFigureOut">
               <a:rPr lang="en-US" smtClean="0"/>
-              <a:t>5/22/2017</a:t>
+              <a:t>5/24/2017</a:t>
             </a:fld>
             <a:endParaRPr lang="en-US"/>
           </a:p>
@@ -6844,6 +6835,120 @@
       </p:grpSpPr>
       <p:sp>
         <p:nvSpPr>
+          <p:cNvPr id="2" name="Title 1"/>
+          <p:cNvSpPr>
+            <a:spLocks noGrp="1"/>
+          </p:cNvSpPr>
+          <p:nvPr>
+            <p:ph type="title"/>
+          </p:nvPr>
+        </p:nvSpPr>
+        <p:spPr>
+          <a:xfrm>
+            <a:off x="838200" y="365125"/>
+            <a:ext cx="10515600" cy="1325563"/>
+          </a:xfrm>
+        </p:spPr>
+        <p:txBody>
+          <a:bodyPr/>
+          <a:lstStyle/>
+          <a:p>
+            <a:r>
+              <a:rPr lang="en-US"/>
+              <a:t>Testing the application</a:t>
+            </a:r>
+            <a:endParaRPr lang="en-US" dirty="0"/>
+          </a:p>
+        </p:txBody>
+      </p:sp>
+      <p:sp>
+        <p:nvSpPr>
+          <p:cNvPr id="3" name="Content Placeholder 2"/>
+          <p:cNvSpPr>
+            <a:spLocks noGrp="1"/>
+          </p:cNvSpPr>
+          <p:nvPr>
+            <p:ph idx="1"/>
+          </p:nvPr>
+        </p:nvSpPr>
+        <p:spPr>
+          <a:xfrm>
+            <a:off x="838200" y="1825625"/>
+            <a:ext cx="10515600" cy="4351338"/>
+          </a:xfrm>
+        </p:spPr>
+        <p:txBody>
+          <a:bodyPr/>
+          <a:lstStyle/>
+          <a:p>
+            <a:r>
+              <a:rPr lang="en-US" b="1"/>
+              <a:t>Unit Tests</a:t>
+            </a:r>
+          </a:p>
+          <a:p>
+            <a:pPr lvl="1"/>
+            <a:r>
+              <a:rPr lang="en-US"/>
+              <a:t>Tests on AccountController where you mock SignInManager</a:t>
+            </a:r>
+          </a:p>
+          <a:p>
+            <a:pPr lvl="1"/>
+            <a:r>
+              <a:rPr lang="en-US"/>
+              <a:t>Tests on SignInManager where you mock UserManager</a:t>
+            </a:r>
+          </a:p>
+          <a:p>
+            <a:pPr lvl="1"/>
+            <a:r>
+              <a:rPr lang="en-US"/>
+              <a:t>Tests on UserManager where you mock UserStore</a:t>
+            </a:r>
+          </a:p>
+          <a:p>
+            <a:pPr lvl="1"/>
+            <a:r>
+              <a:rPr lang="en-US"/>
+              <a:t>Tests on UserStore where you mock DbContext</a:t>
+            </a:r>
+            <a:endParaRPr lang="en-US" dirty="0"/>
+          </a:p>
+        </p:txBody>
+      </p:sp>
+    </p:spTree>
+    <p:extLst>
+      <p:ext uri="{BB962C8B-B14F-4D97-AF65-F5344CB8AC3E}">
+        <p14:creationId xmlns:p14="http://schemas.microsoft.com/office/powerpoint/2010/main" val="1764933248"/>
+      </p:ext>
+    </p:extLst>
+  </p:cSld>
+  <p:clrMapOvr>
+    <a:masterClrMapping/>
+  </p:clrMapOvr>
+</p:sld>
+</file>
+
+<file path=ppt/slides/slide11.xml><?xml version="1.0" encoding="utf-8"?>
+<p:sld xmlns:a="http://schemas.openxmlformats.org/drawingml/2006/main" xmlns:r="http://schemas.openxmlformats.org/officeDocument/2006/relationships" xmlns:p="http://schemas.openxmlformats.org/presentationml/2006/main">
+  <p:cSld>
+    <p:spTree>
+      <p:nvGrpSpPr>
+        <p:cNvPr id="1" name=""/>
+        <p:cNvGrpSpPr/>
+        <p:nvPr/>
+      </p:nvGrpSpPr>
+      <p:grpSpPr>
+        <a:xfrm>
+          <a:off x="0" y="0"/>
+          <a:ext cx="0" cy="0"/>
+          <a:chOff x="0" y="0"/>
+          <a:chExt cx="0" cy="0"/>
+        </a:xfrm>
+      </p:grpSpPr>
+      <p:sp>
+        <p:nvSpPr>
           <p:cNvPr id="74" name="Freeform 28"/>
           <p:cNvSpPr>
             <a:spLocks noGrp="1" noRot="1" noChangeAspect="1" noMove="1" noResize="1" noEditPoints="1" noAdjustHandles="1" noChangeArrowheads="1" noChangeShapeType="1" noTextEdit="1"/>
@@ -7221,10 +7326,89 @@
   <p:clrMapOvr>
     <a:masterClrMapping/>
   </p:clrMapOvr>
+  <p:timing>
+    <p:tnLst>
+      <p:par>
+        <p:cTn id="1" dur="indefinite" restart="never" nodeType="tmRoot">
+          <p:childTnLst>
+            <p:seq concurrent="1" nextAc="seek">
+              <p:cTn id="2" dur="indefinite" nodeType="mainSeq">
+                <p:childTnLst>
+                  <p:par>
+                    <p:cTn id="3" fill="hold">
+                      <p:stCondLst>
+                        <p:cond delay="indefinite"/>
+                      </p:stCondLst>
+                      <p:childTnLst>
+                        <p:par>
+                          <p:cTn id="4" fill="hold">
+                            <p:stCondLst>
+                              <p:cond delay="0"/>
+                            </p:stCondLst>
+                            <p:childTnLst>
+                              <p:par>
+                                <p:cTn id="5" presetID="1" presetClass="entr" presetSubtype="0" fill="hold" nodeType="clickEffect">
+                                  <p:stCondLst>
+                                    <p:cond delay="0"/>
+                                  </p:stCondLst>
+                                  <p:childTnLst>
+                                    <p:set>
+                                      <p:cBhvr>
+                                        <p:cTn id="6" dur="1" fill="hold">
+                                          <p:stCondLst>
+                                            <p:cond delay="0"/>
+                                          </p:stCondLst>
+                                        </p:cTn>
+                                        <p:tgtEl>
+                                          <p:spTgt spid="3">
+                                            <p:txEl>
+                                              <p:pRg st="2" end="2"/>
+                                            </p:txEl>
+                                          </p:spTgt>
+                                        </p:tgtEl>
+                                        <p:attrNameLst>
+                                          <p:attrName>style.visibility</p:attrName>
+                                        </p:attrNameLst>
+                                      </p:cBhvr>
+                                      <p:to>
+                                        <p:strVal val="visible"/>
+                                      </p:to>
+                                    </p:set>
+                                  </p:childTnLst>
+                                </p:cTn>
+                              </p:par>
+                            </p:childTnLst>
+                          </p:cTn>
+                        </p:par>
+                      </p:childTnLst>
+                    </p:cTn>
+                  </p:par>
+                </p:childTnLst>
+              </p:cTn>
+              <p:prevCondLst>
+                <p:cond evt="onPrev" delay="0">
+                  <p:tgtEl>
+                    <p:sldTgt/>
+                  </p:tgtEl>
+                </p:cond>
+              </p:prevCondLst>
+              <p:nextCondLst>
+                <p:cond evt="onNext" delay="0">
+                  <p:tgtEl>
+                    <p:sldTgt/>
+                  </p:tgtEl>
+                </p:cond>
+              </p:nextCondLst>
+            </p:seq>
+          </p:childTnLst>
+        </p:cTn>
+      </p:par>
+    </p:tnLst>
+  </p:timing>
 </p:sld>
 </file>
 
-<file path=ppt/slides/slide11.xml><?xml version="1.0" encoding="utf-8"?>
+<file path=ppt/slides/slide12.xml><?xml version="1.0" encoding="utf-8"?>
 <p:sld xmlns:a="http://schemas.openxmlformats.org/drawingml/2006/main" xmlns:r="http://schemas.openxmlformats.org/officeDocument/2006/relationships" xmlns:p="http://schemas.openxmlformats.org/presentationml/2006/main">
   <p:cSld>
     <p:spTree>
@@ -7421,7 +7605,7 @@
 </p:sld>
 </file>
 
-<file path=ppt/slides/slide12.xml><?xml version="1.0" encoding="utf-8"?>
+<file path=ppt/slides/slide13.xml><?xml version="1.0" encoding="utf-8"?>
 <p:sld xmlns:a="http://schemas.openxmlformats.org/drawingml/2006/main" xmlns:r="http://schemas.openxmlformats.org/officeDocument/2006/relationships" xmlns:p="http://schemas.openxmlformats.org/presentationml/2006/main">
   <p:cSld>
     <p:spTree>
@@ -7617,7 +7801,7 @@
 </p:sld>
 </file>
 
-<file path=ppt/slides/slide13.xml><?xml version="1.0" encoding="utf-8"?>
+<file path=ppt/slides/slide14.xml><?xml version="1.0" encoding="utf-8"?>
 <p:sld xmlns:a="http://schemas.openxmlformats.org/drawingml/2006/main" xmlns:r="http://schemas.openxmlformats.org/officeDocument/2006/relationships" xmlns:p="http://schemas.openxmlformats.org/presentationml/2006/main">
   <p:cSld>
     <p:spTree>
@@ -7957,7 +8141,7 @@
 </p:sld>
 </file>
 
-<file path=ppt/slides/slide14.xml><?xml version="1.0" encoding="utf-8"?>
+<file path=ppt/slides/slide15.xml><?xml version="1.0" encoding="utf-8"?>
 <p:sld xmlns:a="http://schemas.openxmlformats.org/drawingml/2006/main" xmlns:r="http://schemas.openxmlformats.org/officeDocument/2006/relationships" xmlns:p="http://schemas.openxmlformats.org/presentationml/2006/main">
   <p:cSld>
     <p:spTree>
@@ -8150,7 +8334,7 @@
 </p:sld>
 </file>
 
-<file path=ppt/slides/slide15.xml><?xml version="1.0" encoding="utf-8"?>
+<file path=ppt/slides/slide16.xml><?xml version="1.0" encoding="utf-8"?>
 <p:sld xmlns:a="http://schemas.openxmlformats.org/drawingml/2006/main" xmlns:r="http://schemas.openxmlformats.org/officeDocument/2006/relationships" xmlns:p="http://schemas.openxmlformats.org/presentationml/2006/main">
   <p:cSld>
     <p:spTree>
@@ -8484,19 +8668,6 @@
               </a:rPr>
               <a:t>Have no unit modified</a:t>
             </a:r>
-          </a:p>
-          <a:p>
-            <a:r>
-              <a:rPr lang="en-US" sz="3000" dirty="0">
-                <a:solidFill>
-                  <a:schemeClr val="bg1"/>
-                </a:solidFill>
-              </a:rPr>
-              <a:t>Respect Open/Closed principle</a:t>
-            </a:r>
-          </a:p>
-          <a:p>
-            <a:pPr lvl="2"/>
             <a:endParaRPr lang="en-US" dirty="0">
               <a:solidFill>
                 <a:schemeClr val="bg1"/>
@@ -8526,7 +8697,7 @@
 </p:sld>
 </file>
 
-<file path=ppt/slides/slide16.xml><?xml version="1.0" encoding="utf-8"?>
+<file path=ppt/slides/slide17.xml><?xml version="1.0" encoding="utf-8"?>
 <p:sld xmlns:a="http://schemas.openxmlformats.org/drawingml/2006/main" xmlns:r="http://schemas.openxmlformats.org/officeDocument/2006/relationships" xmlns:p="http://schemas.openxmlformats.org/presentationml/2006/main">
   <p:cSld>
     <p:spTree>
@@ -8600,7 +8771,7 @@
 </p:sld>
 </file>
 
-<file path=ppt/slides/slide17.xml><?xml version="1.0" encoding="utf-8"?>
+<file path=ppt/slides/slide18.xml><?xml version="1.0" encoding="utf-8"?>
 <p:sld xmlns:a="http://schemas.openxmlformats.org/drawingml/2006/main" xmlns:r="http://schemas.openxmlformats.org/officeDocument/2006/relationships" xmlns:p="http://schemas.openxmlformats.org/presentationml/2006/main">
   <p:cSld>
     <p:spTree>
@@ -8801,99 +8972,6 @@
 </p:sld>
 </file>
 
-<file path=ppt/slides/slide18.xml><?xml version="1.0" encoding="utf-8"?>
-<p:sld xmlns:a="http://schemas.openxmlformats.org/drawingml/2006/main" xmlns:r="http://schemas.openxmlformats.org/officeDocument/2006/relationships" xmlns:p="http://schemas.openxmlformats.org/presentationml/2006/main">
-  <p:cSld>
-    <p:spTree>
-      <p:nvGrpSpPr>
-        <p:cNvPr id="1" name=""/>
-        <p:cNvGrpSpPr/>
-        <p:nvPr/>
-      </p:nvGrpSpPr>
-      <p:grpSpPr>
-        <a:xfrm>
-          <a:off x="0" y="0"/>
-          <a:ext cx="0" cy="0"/>
-          <a:chOff x="0" y="0"/>
-          <a:chExt cx="0" cy="0"/>
-        </a:xfrm>
-      </p:grpSpPr>
-      <p:sp>
-        <p:nvSpPr>
-          <p:cNvPr id="2" name="Title 1"/>
-          <p:cNvSpPr>
-            <a:spLocks noGrp="1"/>
-          </p:cNvSpPr>
-          <p:nvPr>
-            <p:ph type="title"/>
-          </p:nvPr>
-        </p:nvSpPr>
-        <p:spPr/>
-        <p:txBody>
-          <a:bodyPr/>
-          <a:lstStyle/>
-          <a:p>
-            <a:r>
-              <a:rPr lang="en-US" dirty="0"/>
-              <a:t>Event-driven architecture (EDA)</a:t>
-            </a:r>
-          </a:p>
-        </p:txBody>
-      </p:sp>
-      <p:sp>
-        <p:nvSpPr>
-          <p:cNvPr id="3" name="Content Placeholder 2"/>
-          <p:cNvSpPr>
-            <a:spLocks noGrp="1"/>
-          </p:cNvSpPr>
-          <p:nvPr>
-            <p:ph idx="1"/>
-          </p:nvPr>
-        </p:nvSpPr>
-        <p:spPr/>
-        <p:txBody>
-          <a:bodyPr>
-            <a:normAutofit/>
-          </a:bodyPr>
-          <a:lstStyle/>
-          <a:p>
-            <a:r>
-              <a:rPr lang="en-US" dirty="0"/>
-              <a:t>Have the application define a clear list of commands and possible transitions between them (Declarative programming)</a:t>
-            </a:r>
-          </a:p>
-          <a:p>
-            <a:r>
-              <a:rPr lang="en-US" dirty="0"/>
-              <a:t>Have a list of commands/transitions readable through reflection so that we can document them </a:t>
-            </a:r>
-            <a:r>
-              <a:rPr lang="en-US" dirty="0"/>
-              <a:t>(Declarative programming)</a:t>
-            </a:r>
-            <a:endParaRPr lang="en-US" dirty="0"/>
-          </a:p>
-          <a:p>
-            <a:r>
-              <a:rPr lang="en-US" dirty="0"/>
-              <a:t>The transitions are done through events</a:t>
-            </a:r>
-          </a:p>
-        </p:txBody>
-      </p:sp>
-    </p:spTree>
-    <p:extLst>
-      <p:ext uri="{BB962C8B-B14F-4D97-AF65-F5344CB8AC3E}">
-        <p14:creationId xmlns:p14="http://schemas.microsoft.com/office/powerpoint/2010/main" val="250507031"/>
-      </p:ext>
-    </p:extLst>
-  </p:cSld>
-  <p:clrMapOvr>
-    <a:masterClrMapping/>
-  </p:clrMapOvr>
-</p:sld>
-</file>
-
 <file path=ppt/slides/slide19.xml><?xml version="1.0" encoding="utf-8"?>
 <p:sld xmlns:a="http://schemas.openxmlformats.org/drawingml/2006/main" xmlns:r="http://schemas.openxmlformats.org/officeDocument/2006/relationships" xmlns:p="http://schemas.openxmlformats.org/presentationml/2006/main">
   <p:cSld>
@@ -8928,7 +9006,7 @@
           <a:p>
             <a:r>
               <a:rPr lang="en-US" dirty="0"/>
-              <a:t>Event-driven architecture II (EDA)</a:t>
+              <a:t>Event-driven architecture (EDA)</a:t>
             </a:r>
           </a:p>
         </p:txBody>
@@ -8945,35 +9023,168 @@
         </p:nvSpPr>
         <p:spPr/>
         <p:txBody>
-          <a:bodyPr/>
+          <a:bodyPr>
+            <a:normAutofit/>
+          </a:bodyPr>
           <a:lstStyle/>
           <a:p>
             <a:r>
               <a:rPr lang="en-US" dirty="0"/>
-              <a:t>Have commands and events well known by business/QA also</a:t>
+              <a:t>Have the application define a clear list of commands and possible transitions between them (Declarative programming)</a:t>
             </a:r>
           </a:p>
           <a:p>
             <a:r>
               <a:rPr lang="en-US" dirty="0"/>
-              <a:t>Show in documentation all the possibilities that an app has through a tree</a:t>
-            </a:r>
-          </a:p>
-          <a:p>
-            <a:endParaRPr lang="en-US" dirty="0"/>
+              <a:t>Have a list of commands/transitions readable through reflection so that we can document them (Declarative programming)</a:t>
+            </a:r>
+          </a:p>
+          <a:p>
+            <a:r>
+              <a:rPr lang="en-US" dirty="0"/>
+              <a:t>The transitions are done through events</a:t>
+            </a:r>
           </a:p>
         </p:txBody>
       </p:sp>
     </p:spTree>
     <p:extLst>
       <p:ext uri="{BB962C8B-B14F-4D97-AF65-F5344CB8AC3E}">
-        <p14:creationId xmlns:p14="http://schemas.microsoft.com/office/powerpoint/2010/main" val="1786703210"/>
+        <p14:creationId xmlns:p14="http://schemas.microsoft.com/office/powerpoint/2010/main" val="250507031"/>
       </p:ext>
     </p:extLst>
   </p:cSld>
   <p:clrMapOvr>
     <a:masterClrMapping/>
   </p:clrMapOvr>
+  <p:timing>
+    <p:tnLst>
+      <p:par>
+        <p:cTn id="1" dur="indefinite" restart="never" nodeType="tmRoot">
+          <p:childTnLst>
+            <p:seq concurrent="1" nextAc="seek">
+              <p:cTn id="2" dur="indefinite" nodeType="mainSeq">
+                <p:childTnLst>
+                  <p:par>
+                    <p:cTn id="3" fill="hold">
+                      <p:stCondLst>
+                        <p:cond delay="indefinite"/>
+                      </p:stCondLst>
+                      <p:childTnLst>
+                        <p:par>
+                          <p:cTn id="4" fill="hold">
+                            <p:stCondLst>
+                              <p:cond delay="0"/>
+                            </p:stCondLst>
+                            <p:childTnLst>
+                              <p:par>
+                                <p:cTn id="5" presetID="1" presetClass="entr" presetSubtype="0" fill="hold" nodeType="clickEffect">
+                                  <p:stCondLst>
+                                    <p:cond delay="0"/>
+                                  </p:stCondLst>
+                                  <p:childTnLst>
+                                    <p:set>
+                                      <p:cBhvr>
+                                        <p:cTn id="6" dur="1" fill="hold">
+                                          <p:stCondLst>
+                                            <p:cond delay="0"/>
+                                          </p:stCondLst>
+                                        </p:cTn>
+                                        <p:tgtEl>
+                                          <p:spTgt spid="3">
+                                            <p:txEl>
+                                              <p:pRg st="1" end="1"/>
+                                            </p:txEl>
+                                          </p:spTgt>
+                                        </p:tgtEl>
+                                        <p:attrNameLst>
+                                          <p:attrName>style.visibility</p:attrName>
+                                        </p:attrNameLst>
+                                      </p:cBhvr>
+                                      <p:to>
+                                        <p:strVal val="visible"/>
+                                      </p:to>
+                                    </p:set>
+                                  </p:childTnLst>
+                                </p:cTn>
+                              </p:par>
+                            </p:childTnLst>
+                          </p:cTn>
+                        </p:par>
+                      </p:childTnLst>
+                    </p:cTn>
+                  </p:par>
+                  <p:par>
+                    <p:cTn id="7" fill="hold">
+                      <p:stCondLst>
+                        <p:cond delay="indefinite"/>
+                      </p:stCondLst>
+                      <p:childTnLst>
+                        <p:par>
+                          <p:cTn id="8" fill="hold">
+                            <p:stCondLst>
+                              <p:cond delay="0"/>
+                            </p:stCondLst>
+                            <p:childTnLst>
+                              <p:par>
+                                <p:cTn id="9" presetID="1" presetClass="entr" presetSubtype="0" fill="hold" nodeType="clickEffect">
+                                  <p:stCondLst>
+                                    <p:cond delay="0"/>
+                                  </p:stCondLst>
+                                  <p:childTnLst>
+                                    <p:set>
+                                      <p:cBhvr>
+                                        <p:cTn id="10" dur="1" fill="hold">
+                                          <p:stCondLst>
+                                            <p:cond delay="0"/>
+                                          </p:stCondLst>
+                                        </p:cTn>
+                                        <p:tgtEl>
+                                          <p:spTgt spid="3">
+                                            <p:txEl>
+                                              <p:pRg st="2" end="2"/>
+                                            </p:txEl>
+                                          </p:spTgt>
+                                        </p:tgtEl>
+                                        <p:attrNameLst>
+                                          <p:attrName>style.visibility</p:attrName>
+                                        </p:attrNameLst>
+                                      </p:cBhvr>
+                                      <p:to>
+                                        <p:strVal val="visible"/>
+                                      </p:to>
+                                    </p:set>
+                                  </p:childTnLst>
+                                </p:cTn>
+                              </p:par>
+                            </p:childTnLst>
+                          </p:cTn>
+                        </p:par>
+                      </p:childTnLst>
+                    </p:cTn>
+                  </p:par>
+                </p:childTnLst>
+              </p:cTn>
+              <p:prevCondLst>
+                <p:cond evt="onPrev" delay="0">
+                  <p:tgtEl>
+                    <p:sldTgt/>
+                  </p:tgtEl>
+                </p:cond>
+              </p:prevCondLst>
+              <p:nextCondLst>
+                <p:cond evt="onNext" delay="0">
+                  <p:tgtEl>
+                    <p:sldTgt/>
+                  </p:tgtEl>
+                </p:cond>
+              </p:nextCondLst>
+            </p:seq>
+          </p:childTnLst>
+        </p:cTn>
+      </p:par>
+    </p:tnLst>
+  </p:timing>
 </p:sld>
 </file>
 
@@ -8996,7 +9207,7 @@
       </p:grpSpPr>
       <p:sp>
         <p:nvSpPr>
-          <p:cNvPr id="8" name="Rectangle 7"/>
+          <p:cNvPr id="17" name="Rectangle 12"/>
           <p:cNvSpPr>
             <a:spLocks noGrp="1" noRot="1" noChangeAspect="1" noMove="1" noResize="1" noEditPoints="1" noAdjustHandles="1" noChangeArrowheads="1" noChangeShapeType="1" noTextEdit="1"/>
           </p:cNvSpPr>
@@ -9087,7 +9298,7 @@
             <a:pPr algn="ctr"/>
             <a:r>
               <a:rPr lang="en-US" sz="3200"/>
-              <a:t>Presentation</a:t>
+              <a:t>About me</a:t>
             </a:r>
           </a:p>
         </p:txBody>
@@ -9104,8 +9315,8 @@
         </p:nvSpPr>
         <p:spPr>
           <a:xfrm>
-            <a:off x="6049182" y="802638"/>
-            <a:ext cx="5408696" cy="5252722"/>
+            <a:off x="5519057" y="802638"/>
+            <a:ext cx="6411686" cy="5252722"/>
           </a:xfrm>
         </p:spPr>
         <p:txBody>
@@ -9115,60 +9326,87 @@
           <a:lstStyle/>
           <a:p>
             <a:r>
-              <a:rPr lang="en-US" sz="2400" b="1">
+              <a:rPr lang="en-US" sz="2400" dirty="0">
                 <a:solidFill>
                   <a:schemeClr val="bg1"/>
                 </a:solidFill>
               </a:rPr>
-              <a:t>What are reactive apps?</a:t>
-            </a:r>
-          </a:p>
-          <a:p>
-            <a:r>
-              <a:rPr lang="en-US" sz="2400">
+              <a:t>Dev</a:t>
+            </a:r>
+          </a:p>
+          <a:p>
+            <a:r>
+              <a:rPr lang="en-US" sz="2400" dirty="0">
                 <a:solidFill>
                   <a:schemeClr val="bg1"/>
                 </a:solidFill>
               </a:rPr>
-              <a:t>Motivation</a:t>
-            </a:r>
-          </a:p>
-          <a:p>
-            <a:r>
-              <a:rPr lang="en-US" sz="2400">
+              <a:t>Know a lot of programming languages</a:t>
+            </a:r>
+          </a:p>
+          <a:p>
+            <a:r>
+              <a:rPr lang="en-US" sz="2400" dirty="0">
                 <a:solidFill>
                   <a:schemeClr val="bg1"/>
                 </a:solidFill>
               </a:rPr>
-              <a:t>Solution</a:t>
-            </a:r>
-          </a:p>
-          <a:p>
-            <a:r>
-              <a:rPr lang="en-US" sz="2400">
+              <a:t>Mainly Java/C#/JavaScript</a:t>
+            </a:r>
+          </a:p>
+          <a:p>
+            <a:r>
+              <a:rPr lang="en-US" sz="2400" dirty="0">
                 <a:solidFill>
                   <a:schemeClr val="bg1"/>
                 </a:solidFill>
               </a:rPr>
-              <a:t>Problems that we encountered</a:t>
-            </a:r>
-          </a:p>
-          <a:p>
-            <a:r>
-              <a:rPr lang="en-US" sz="2400">
+              <a:t>Started to work more seriously on Python, Scala</a:t>
+            </a:r>
+          </a:p>
+          <a:p>
+            <a:r>
+              <a:rPr lang="en-US" sz="2400" dirty="0">
                 <a:solidFill>
                   <a:schemeClr val="bg1"/>
                 </a:solidFill>
               </a:rPr>
-              <a:t>End advices</a:t>
-            </a:r>
+              <a:t>Did a lot of architecture proposals</a:t>
+            </a:r>
+          </a:p>
+          <a:p>
+            <a:r>
+              <a:rPr lang="en-US" sz="2400" dirty="0">
+                <a:solidFill>
+                  <a:schemeClr val="bg1"/>
+                </a:solidFill>
+              </a:rPr>
+              <a:t>Worked for a lot of clients</a:t>
+            </a:r>
+          </a:p>
+          <a:p>
+            <a:r>
+              <a:rPr lang="en-US" sz="2400" dirty="0">
+                <a:solidFill>
+                  <a:schemeClr val="bg1"/>
+                </a:solidFill>
+              </a:rPr>
+              <a:t>Have less and less time for coding</a:t>
+            </a:r>
+          </a:p>
+          <a:p>
+            <a:endParaRPr lang="en-US" sz="2400" dirty="0">
+              <a:solidFill>
+                <a:schemeClr val="bg1"/>
+              </a:solidFill>
+            </a:endParaRPr>
           </a:p>
         </p:txBody>
       </p:sp>
     </p:spTree>
     <p:extLst>
       <p:ext uri="{BB962C8B-B14F-4D97-AF65-F5344CB8AC3E}">
-        <p14:creationId xmlns:p14="http://schemas.microsoft.com/office/powerpoint/2010/main" val="156357488"/>
+        <p14:creationId xmlns:p14="http://schemas.microsoft.com/office/powerpoint/2010/main" val="2420394303"/>
       </p:ext>
     </p:extLst>
   </p:cSld>
@@ -9179,6 +9417,217 @@
 </file>
 
 <file path=ppt/slides/slide20.xml><?xml version="1.0" encoding="utf-8"?>
+<p:sld xmlns:a="http://schemas.openxmlformats.org/drawingml/2006/main" xmlns:r="http://schemas.openxmlformats.org/officeDocument/2006/relationships" xmlns:p="http://schemas.openxmlformats.org/presentationml/2006/main">
+  <p:cSld>
+    <p:spTree>
+      <p:nvGrpSpPr>
+        <p:cNvPr id="1" name=""/>
+        <p:cNvGrpSpPr/>
+        <p:nvPr/>
+      </p:nvGrpSpPr>
+      <p:grpSpPr>
+        <a:xfrm>
+          <a:off x="0" y="0"/>
+          <a:ext cx="0" cy="0"/>
+          <a:chOff x="0" y="0"/>
+          <a:chExt cx="0" cy="0"/>
+        </a:xfrm>
+      </p:grpSpPr>
+      <p:sp>
+        <p:nvSpPr>
+          <p:cNvPr id="2" name="Title 1"/>
+          <p:cNvSpPr>
+            <a:spLocks noGrp="1"/>
+          </p:cNvSpPr>
+          <p:nvPr>
+            <p:ph type="title"/>
+          </p:nvPr>
+        </p:nvSpPr>
+        <p:spPr/>
+        <p:txBody>
+          <a:bodyPr/>
+          <a:lstStyle/>
+          <a:p>
+            <a:r>
+              <a:rPr lang="en-US" dirty="0"/>
+              <a:t>Event-driven architecture II (EDA)</a:t>
+            </a:r>
+          </a:p>
+        </p:txBody>
+      </p:sp>
+      <p:sp>
+        <p:nvSpPr>
+          <p:cNvPr id="3" name="Content Placeholder 2"/>
+          <p:cNvSpPr>
+            <a:spLocks noGrp="1"/>
+          </p:cNvSpPr>
+          <p:nvPr>
+            <p:ph idx="1"/>
+          </p:nvPr>
+        </p:nvSpPr>
+        <p:spPr/>
+        <p:txBody>
+          <a:bodyPr/>
+          <a:lstStyle/>
+          <a:p>
+            <a:r>
+              <a:rPr lang="en-US" dirty="0"/>
+              <a:t>Have commands and events well known by business/QA also</a:t>
+            </a:r>
+          </a:p>
+          <a:p>
+            <a:r>
+              <a:rPr lang="en-US" dirty="0"/>
+              <a:t>Show in documentation all the possibilities that an app has through a tree</a:t>
+            </a:r>
+          </a:p>
+          <a:p>
+            <a:endParaRPr lang="en-US" dirty="0"/>
+          </a:p>
+        </p:txBody>
+      </p:sp>
+    </p:spTree>
+    <p:extLst>
+      <p:ext uri="{BB962C8B-B14F-4D97-AF65-F5344CB8AC3E}">
+        <p14:creationId xmlns:p14="http://schemas.microsoft.com/office/powerpoint/2010/main" val="1786703210"/>
+      </p:ext>
+    </p:extLst>
+  </p:cSld>
+  <p:clrMapOvr>
+    <a:masterClrMapping/>
+  </p:clrMapOvr>
+  <p:timing>
+    <p:tnLst>
+      <p:par>
+        <p:cTn id="1" dur="indefinite" restart="never" nodeType="tmRoot">
+          <p:childTnLst>
+            <p:seq concurrent="1" nextAc="seek">
+              <p:cTn id="2" dur="indefinite" nodeType="mainSeq">
+                <p:childTnLst>
+                  <p:par>
+                    <p:cTn id="3" fill="hold">
+                      <p:stCondLst>
+                        <p:cond delay="indefinite"/>
+                      </p:stCondLst>
+                      <p:childTnLst>
+                        <p:par>
+                          <p:cTn id="4" fill="hold">
+                            <p:stCondLst>
+                              <p:cond delay="0"/>
+                            </p:stCondLst>
+                            <p:childTnLst>
+                              <p:par>
+                                <p:cTn id="5" presetID="1" presetClass="entr" presetSubtype="0" fill="hold" nodeType="clickEffect">
+                                  <p:stCondLst>
+                                    <p:cond delay="0"/>
+                                  </p:stCondLst>
+                                  <p:childTnLst>
+                                    <p:set>
+                                      <p:cBhvr>
+                                        <p:cTn id="6" dur="1" fill="hold">
+                                          <p:stCondLst>
+                                            <p:cond delay="0"/>
+                                          </p:stCondLst>
+                                        </p:cTn>
+                                        <p:tgtEl>
+                                          <p:spTgt spid="3">
+                                            <p:txEl>
+                                              <p:pRg st="0" end="0"/>
+                                            </p:txEl>
+                                          </p:spTgt>
+                                        </p:tgtEl>
+                                        <p:attrNameLst>
+                                          <p:attrName>style.visibility</p:attrName>
+                                        </p:attrNameLst>
+                                      </p:cBhvr>
+                                      <p:to>
+                                        <p:strVal val="visible"/>
+                                      </p:to>
+                                    </p:set>
+                                  </p:childTnLst>
+                                </p:cTn>
+                              </p:par>
+                            </p:childTnLst>
+                          </p:cTn>
+                        </p:par>
+                      </p:childTnLst>
+                    </p:cTn>
+                  </p:par>
+                  <p:par>
+                    <p:cTn id="7" fill="hold">
+                      <p:stCondLst>
+                        <p:cond delay="indefinite"/>
+                      </p:stCondLst>
+                      <p:childTnLst>
+                        <p:par>
+                          <p:cTn id="8" fill="hold">
+                            <p:stCondLst>
+                              <p:cond delay="0"/>
+                            </p:stCondLst>
+                            <p:childTnLst>
+                              <p:par>
+                                <p:cTn id="9" presetID="1" presetClass="entr" presetSubtype="0" fill="hold" nodeType="clickEffect">
+                                  <p:stCondLst>
+                                    <p:cond delay="0"/>
+                                  </p:stCondLst>
+                                  <p:childTnLst>
+                                    <p:set>
+                                      <p:cBhvr>
+                                        <p:cTn id="10" dur="1" fill="hold">
+                                          <p:stCondLst>
+                                            <p:cond delay="0"/>
+                                          </p:stCondLst>
+                                        </p:cTn>
+                                        <p:tgtEl>
+                                          <p:spTgt spid="3">
+                                            <p:txEl>
+                                              <p:pRg st="1" end="1"/>
+                                            </p:txEl>
+                                          </p:spTgt>
+                                        </p:tgtEl>
+                                        <p:attrNameLst>
+                                          <p:attrName>style.visibility</p:attrName>
+                                        </p:attrNameLst>
+                                      </p:cBhvr>
+                                      <p:to>
+                                        <p:strVal val="visible"/>
+                                      </p:to>
+                                    </p:set>
+                                  </p:childTnLst>
+                                </p:cTn>
+                              </p:par>
+                            </p:childTnLst>
+                          </p:cTn>
+                        </p:par>
+                      </p:childTnLst>
+                    </p:cTn>
+                  </p:par>
+                </p:childTnLst>
+              </p:cTn>
+              <p:prevCondLst>
+                <p:cond evt="onPrev" delay="0">
+                  <p:tgtEl>
+                    <p:sldTgt/>
+                  </p:tgtEl>
+                </p:cond>
+              </p:prevCondLst>
+              <p:nextCondLst>
+                <p:cond evt="onNext" delay="0">
+                  <p:tgtEl>
+                    <p:sldTgt/>
+                  </p:tgtEl>
+                </p:cond>
+              </p:nextCondLst>
+            </p:seq>
+          </p:childTnLst>
+        </p:cTn>
+      </p:par>
+    </p:tnLst>
+  </p:timing>
+</p:sld>
+</file>
+
+<file path=ppt/slides/slide21.xml><?xml version="1.0" encoding="utf-8"?>
 <p:sld xmlns:a="http://schemas.openxmlformats.org/drawingml/2006/main" xmlns:r="http://schemas.openxmlformats.org/officeDocument/2006/relationships" xmlns:p="http://schemas.openxmlformats.org/presentationml/2006/main">
   <p:cSld>
     <p:spTree>
@@ -9278,7 +9727,7 @@
 </p:sld>
 </file>
 
-<file path=ppt/slides/slide21.xml><?xml version="1.0" encoding="utf-8"?>
+<file path=ppt/slides/slide22.xml><?xml version="1.0" encoding="utf-8"?>
 <p:sld xmlns:a="http://schemas.openxmlformats.org/drawingml/2006/main" xmlns:r="http://schemas.openxmlformats.org/officeDocument/2006/relationships" xmlns:p="http://schemas.openxmlformats.org/presentationml/2006/main">
   <p:cSld>
     <p:spTree>
@@ -9378,105 +9827,6 @@
 </p:sld>
 </file>
 
-<file path=ppt/slides/slide22.xml><?xml version="1.0" encoding="utf-8"?>
-<p:sld xmlns:a="http://schemas.openxmlformats.org/drawingml/2006/main" xmlns:r="http://schemas.openxmlformats.org/officeDocument/2006/relationships" xmlns:p="http://schemas.openxmlformats.org/presentationml/2006/main">
-  <p:cSld>
-    <p:spTree>
-      <p:nvGrpSpPr>
-        <p:cNvPr id="1" name=""/>
-        <p:cNvGrpSpPr/>
-        <p:nvPr/>
-      </p:nvGrpSpPr>
-      <p:grpSpPr>
-        <a:xfrm>
-          <a:off x="0" y="0"/>
-          <a:ext cx="0" cy="0"/>
-          <a:chOff x="0" y="0"/>
-          <a:chExt cx="0" cy="0"/>
-        </a:xfrm>
-      </p:grpSpPr>
-      <p:sp>
-        <p:nvSpPr>
-          <p:cNvPr id="2" name="Title 1"/>
-          <p:cNvSpPr>
-            <a:spLocks noGrp="1"/>
-          </p:cNvSpPr>
-          <p:nvPr>
-            <p:ph type="title"/>
-          </p:nvPr>
-        </p:nvSpPr>
-        <p:spPr/>
-        <p:txBody>
-          <a:bodyPr/>
-          <a:lstStyle/>
-          <a:p>
-            <a:r>
-              <a:rPr lang="en-US" dirty="0"/>
-              <a:t>Advantages (Expected)</a:t>
-            </a:r>
-          </a:p>
-        </p:txBody>
-      </p:sp>
-      <p:sp>
-        <p:nvSpPr>
-          <p:cNvPr id="3" name="Content Placeholder 2"/>
-          <p:cNvSpPr>
-            <a:spLocks noGrp="1"/>
-          </p:cNvSpPr>
-          <p:nvPr>
-            <p:ph idx="1"/>
-          </p:nvPr>
-        </p:nvSpPr>
-        <p:spPr/>
-        <p:txBody>
-          <a:bodyPr/>
-          <a:lstStyle/>
-          <a:p>
-            <a:r>
-              <a:rPr lang="en-US" dirty="0"/>
-              <a:t>Ubiquitous language – start talking in the terms of events and commands. (Did not happen)</a:t>
-            </a:r>
-          </a:p>
-          <a:p>
-            <a:r>
-              <a:rPr lang="en-US" dirty="0"/>
-              <a:t>Components(commands) are decoupled</a:t>
-            </a:r>
-          </a:p>
-          <a:p>
-            <a:r>
-              <a:rPr lang="en-US" dirty="0"/>
-              <a:t>Easy to extend </a:t>
-            </a:r>
-          </a:p>
-          <a:p>
-            <a:r>
-              <a:rPr lang="en-US" dirty="0"/>
-              <a:t>Easy statistics/performance Logging</a:t>
-            </a:r>
-          </a:p>
-          <a:p>
-            <a:r>
-              <a:rPr lang="en-US" dirty="0"/>
-              <a:t>Good documentation</a:t>
-            </a:r>
-            <a:endParaRPr lang="en-US" dirty="0"/>
-          </a:p>
-        </p:txBody>
-      </p:sp>
-    </p:spTree>
-    <p:extLst>
-      <p:ext uri="{BB962C8B-B14F-4D97-AF65-F5344CB8AC3E}">
-        <p14:creationId xmlns:p14="http://schemas.microsoft.com/office/powerpoint/2010/main" val="563485568"/>
-      </p:ext>
-    </p:extLst>
-  </p:cSld>
-  <p:clrMapOvr>
-    <a:masterClrMapping/>
-  </p:clrMapOvr>
-</p:sld>
-</file>
-
 <file path=ppt/slides/slide23.xml><?xml version="1.0" encoding="utf-8"?>
 <p:sld xmlns:a="http://schemas.openxmlformats.org/drawingml/2006/main" xmlns:r="http://schemas.openxmlformats.org/officeDocument/2006/relationships" xmlns:p="http://schemas.openxmlformats.org/presentationml/2006/main">
   <p:cSld>
@@ -9511,6 +9861,382 @@
           <a:p>
             <a:r>
               <a:rPr lang="en-US" dirty="0"/>
+              <a:t>Advantages (Expected)</a:t>
+            </a:r>
+          </a:p>
+        </p:txBody>
+      </p:sp>
+      <p:sp>
+        <p:nvSpPr>
+          <p:cNvPr id="3" name="Content Placeholder 2"/>
+          <p:cNvSpPr>
+            <a:spLocks noGrp="1"/>
+          </p:cNvSpPr>
+          <p:nvPr>
+            <p:ph idx="1"/>
+          </p:nvPr>
+        </p:nvSpPr>
+        <p:spPr/>
+        <p:txBody>
+          <a:bodyPr/>
+          <a:lstStyle/>
+          <a:p>
+            <a:r>
+              <a:rPr lang="en-US" dirty="0"/>
+              <a:t>Ubiquitous language – start talking in the terms of events and commands. (Did not happen)</a:t>
+            </a:r>
+          </a:p>
+          <a:p>
+            <a:r>
+              <a:rPr lang="en-US" dirty="0"/>
+              <a:t>Components(commands) are decoupled</a:t>
+            </a:r>
+          </a:p>
+          <a:p>
+            <a:r>
+              <a:rPr lang="en-US" dirty="0"/>
+              <a:t>Easy to extend </a:t>
+            </a:r>
+          </a:p>
+          <a:p>
+            <a:r>
+              <a:rPr lang="en-US" dirty="0"/>
+              <a:t>Easy statistics/performance Logging</a:t>
+            </a:r>
+          </a:p>
+          <a:p>
+            <a:r>
+              <a:rPr lang="en-US" dirty="0"/>
+              <a:t>Good documentation</a:t>
+            </a:r>
+          </a:p>
+        </p:txBody>
+      </p:sp>
+    </p:spTree>
+    <p:extLst>
+      <p:ext uri="{BB962C8B-B14F-4D97-AF65-F5344CB8AC3E}">
+        <p14:creationId xmlns:p14="http://schemas.microsoft.com/office/powerpoint/2010/main" val="563485568"/>
+      </p:ext>
+    </p:extLst>
+  </p:cSld>
+  <p:clrMapOvr>
+    <a:masterClrMapping/>
+  </p:clrMapOvr>
+  <p:timing>
+    <p:tnLst>
+      <p:par>
+        <p:cTn id="1" dur="indefinite" restart="never" nodeType="tmRoot">
+          <p:childTnLst>
+            <p:seq concurrent="1" nextAc="seek">
+              <p:cTn id="2" dur="indefinite" nodeType="mainSeq">
+                <p:childTnLst>
+                  <p:par>
+                    <p:cTn id="3" fill="hold">
+                      <p:stCondLst>
+                        <p:cond delay="indefinite"/>
+                      </p:stCondLst>
+                      <p:childTnLst>
+                        <p:par>
+                          <p:cTn id="4" fill="hold">
+                            <p:stCondLst>
+                              <p:cond delay="0"/>
+                            </p:stCondLst>
+                            <p:childTnLst>
+                              <p:par>
+                                <p:cTn id="5" presetID="1" presetClass="entr" presetSubtype="0" fill="hold" grpId="0" nodeType="clickEffect">
+                                  <p:stCondLst>
+                                    <p:cond delay="0"/>
+                                  </p:stCondLst>
+                                  <p:childTnLst>
+                                    <p:set>
+                                      <p:cBhvr>
+                                        <p:cTn id="6" dur="1" fill="hold">
+                                          <p:stCondLst>
+                                            <p:cond delay="0"/>
+                                          </p:stCondLst>
+                                        </p:cTn>
+                                        <p:tgtEl>
+                                          <p:spTgt spid="3">
+                                            <p:txEl>
+                                              <p:pRg st="0" end="0"/>
+                                            </p:txEl>
+                                          </p:spTgt>
+                                        </p:tgtEl>
+                                        <p:attrNameLst>
+                                          <p:attrName>style.visibility</p:attrName>
+                                        </p:attrNameLst>
+                                      </p:cBhvr>
+                                      <p:to>
+                                        <p:strVal val="visible"/>
+                                      </p:to>
+                                    </p:set>
+                                  </p:childTnLst>
+                                </p:cTn>
+                              </p:par>
+                            </p:childTnLst>
+                          </p:cTn>
+                        </p:par>
+                      </p:childTnLst>
+                    </p:cTn>
+                  </p:par>
+                  <p:par>
+                    <p:cTn id="7" fill="hold">
+                      <p:stCondLst>
+                        <p:cond delay="indefinite"/>
+                      </p:stCondLst>
+                      <p:childTnLst>
+                        <p:par>
+                          <p:cTn id="8" fill="hold">
+                            <p:stCondLst>
+                              <p:cond delay="0"/>
+                            </p:stCondLst>
+                            <p:childTnLst>
+                              <p:par>
+                                <p:cTn id="9" presetID="1" presetClass="entr" presetSubtype="0" fill="hold" grpId="0" nodeType="clickEffect">
+                                  <p:stCondLst>
+                                    <p:cond delay="0"/>
+                                  </p:stCondLst>
+                                  <p:childTnLst>
+                                    <p:set>
+                                      <p:cBhvr>
+                                        <p:cTn id="10" dur="1" fill="hold">
+                                          <p:stCondLst>
+                                            <p:cond delay="0"/>
+                                          </p:stCondLst>
+                                        </p:cTn>
+                                        <p:tgtEl>
+                                          <p:spTgt spid="3">
+                                            <p:txEl>
+                                              <p:pRg st="1" end="1"/>
+                                            </p:txEl>
+                                          </p:spTgt>
+                                        </p:tgtEl>
+                                        <p:attrNameLst>
+                                          <p:attrName>style.visibility</p:attrName>
+                                        </p:attrNameLst>
+                                      </p:cBhvr>
+                                      <p:to>
+                                        <p:strVal val="visible"/>
+                                      </p:to>
+                                    </p:set>
+                                  </p:childTnLst>
+                                </p:cTn>
+                              </p:par>
+                            </p:childTnLst>
+                          </p:cTn>
+                        </p:par>
+                      </p:childTnLst>
+                    </p:cTn>
+                  </p:par>
+                  <p:par>
+                    <p:cTn id="11" fill="hold">
+                      <p:stCondLst>
+                        <p:cond delay="indefinite"/>
+                      </p:stCondLst>
+                      <p:childTnLst>
+                        <p:par>
+                          <p:cTn id="12" fill="hold">
+                            <p:stCondLst>
+                              <p:cond delay="0"/>
+                            </p:stCondLst>
+                            <p:childTnLst>
+                              <p:par>
+                                <p:cTn id="13" presetID="1" presetClass="entr" presetSubtype="0" fill="hold" grpId="0" nodeType="clickEffect">
+                                  <p:stCondLst>
+                                    <p:cond delay="0"/>
+                                  </p:stCondLst>
+                                  <p:childTnLst>
+                                    <p:set>
+                                      <p:cBhvr>
+                                        <p:cTn id="14" dur="1" fill="hold">
+                                          <p:stCondLst>
+                                            <p:cond delay="0"/>
+                                          </p:stCondLst>
+                                        </p:cTn>
+                                        <p:tgtEl>
+                                          <p:spTgt spid="3">
+                                            <p:txEl>
+                                              <p:pRg st="2" end="2"/>
+                                            </p:txEl>
+                                          </p:spTgt>
+                                        </p:tgtEl>
+                                        <p:attrNameLst>
+                                          <p:attrName>style.visibility</p:attrName>
+                                        </p:attrNameLst>
+                                      </p:cBhvr>
+                                      <p:to>
+                                        <p:strVal val="visible"/>
+                                      </p:to>
+                                    </p:set>
+                                  </p:childTnLst>
+                                </p:cTn>
+                              </p:par>
+                            </p:childTnLst>
+                          </p:cTn>
+                        </p:par>
+                      </p:childTnLst>
+                    </p:cTn>
+                  </p:par>
+                  <p:par>
+                    <p:cTn id="15" fill="hold">
+                      <p:stCondLst>
+                        <p:cond delay="indefinite"/>
+                      </p:stCondLst>
+                      <p:childTnLst>
+                        <p:par>
+                          <p:cTn id="16" fill="hold">
+                            <p:stCondLst>
+                              <p:cond delay="0"/>
+                            </p:stCondLst>
+                            <p:childTnLst>
+                              <p:par>
+                                <p:cTn id="17" presetID="1" presetClass="entr" presetSubtype="0" fill="hold" grpId="0" nodeType="clickEffect">
+                                  <p:stCondLst>
+                                    <p:cond delay="0"/>
+                                  </p:stCondLst>
+                                  <p:childTnLst>
+                                    <p:set>
+                                      <p:cBhvr>
+                                        <p:cTn id="18" dur="1" fill="hold">
+                                          <p:stCondLst>
+                                            <p:cond delay="0"/>
+                                          </p:stCondLst>
+                                        </p:cTn>
+                                        <p:tgtEl>
+                                          <p:spTgt spid="3">
+                                            <p:txEl>
+                                              <p:pRg st="3" end="3"/>
+                                            </p:txEl>
+                                          </p:spTgt>
+                                        </p:tgtEl>
+                                        <p:attrNameLst>
+                                          <p:attrName>style.visibility</p:attrName>
+                                        </p:attrNameLst>
+                                      </p:cBhvr>
+                                      <p:to>
+                                        <p:strVal val="visible"/>
+                                      </p:to>
+                                    </p:set>
+                                  </p:childTnLst>
+                                </p:cTn>
+                              </p:par>
+                            </p:childTnLst>
+                          </p:cTn>
+                        </p:par>
+                      </p:childTnLst>
+                    </p:cTn>
+                  </p:par>
+                  <p:par>
+                    <p:cTn id="19" fill="hold">
+                      <p:stCondLst>
+                        <p:cond delay="indefinite"/>
+                      </p:stCondLst>
+                      <p:childTnLst>
+                        <p:par>
+                          <p:cTn id="20" fill="hold">
+                            <p:stCondLst>
+                              <p:cond delay="0"/>
+                            </p:stCondLst>
+                            <p:childTnLst>
+                              <p:par>
+                                <p:cTn id="21" presetID="1" presetClass="entr" presetSubtype="0" fill="hold" grpId="0" nodeType="clickEffect">
+                                  <p:stCondLst>
+                                    <p:cond delay="0"/>
+                                  </p:stCondLst>
+                                  <p:childTnLst>
+                                    <p:set>
+                                      <p:cBhvr>
+                                        <p:cTn id="22" dur="1" fill="hold">
+                                          <p:stCondLst>
+                                            <p:cond delay="0"/>
+                                          </p:stCondLst>
+                                        </p:cTn>
+                                        <p:tgtEl>
+                                          <p:spTgt spid="3">
+                                            <p:txEl>
+                                              <p:pRg st="4" end="4"/>
+                                            </p:txEl>
+                                          </p:spTgt>
+                                        </p:tgtEl>
+                                        <p:attrNameLst>
+                                          <p:attrName>style.visibility</p:attrName>
+                                        </p:attrNameLst>
+                                      </p:cBhvr>
+                                      <p:to>
+                                        <p:strVal val="visible"/>
+                                      </p:to>
+                                    </p:set>
+                                  </p:childTnLst>
+                                </p:cTn>
+                              </p:par>
+                            </p:childTnLst>
+                          </p:cTn>
+                        </p:par>
+                      </p:childTnLst>
+                    </p:cTn>
+                  </p:par>
+                </p:childTnLst>
+              </p:cTn>
+              <p:prevCondLst>
+                <p:cond evt="onPrev" delay="0">
+                  <p:tgtEl>
+                    <p:sldTgt/>
+                  </p:tgtEl>
+                </p:cond>
+              </p:prevCondLst>
+              <p:nextCondLst>
+                <p:cond evt="onNext" delay="0">
+                  <p:tgtEl>
+                    <p:sldTgt/>
+                  </p:tgtEl>
+                </p:cond>
+              </p:nextCondLst>
+            </p:seq>
+          </p:childTnLst>
+        </p:cTn>
+      </p:par>
+    </p:tnLst>
+    <p:bldLst>
+      <p:bldP spid="3" grpId="0" build="p"/>
+    </p:bldLst>
+  </p:timing>
+</p:sld>
+</file>
+
+<file path=ppt/slides/slide24.xml><?xml version="1.0" encoding="utf-8"?>
+<p:sld xmlns:a="http://schemas.openxmlformats.org/drawingml/2006/main" xmlns:r="http://schemas.openxmlformats.org/officeDocument/2006/relationships" xmlns:p="http://schemas.openxmlformats.org/presentationml/2006/main">
+  <p:cSld>
+    <p:spTree>
+      <p:nvGrpSpPr>
+        <p:cNvPr id="1" name=""/>
+        <p:cNvGrpSpPr/>
+        <p:nvPr/>
+      </p:nvGrpSpPr>
+      <p:grpSpPr>
+        <a:xfrm>
+          <a:off x="0" y="0"/>
+          <a:ext cx="0" cy="0"/>
+          <a:chOff x="0" y="0"/>
+          <a:chExt cx="0" cy="0"/>
+        </a:xfrm>
+      </p:grpSpPr>
+      <p:sp>
+        <p:nvSpPr>
+          <p:cNvPr id="2" name="Title 1"/>
+          <p:cNvSpPr>
+            <a:spLocks noGrp="1"/>
+          </p:cNvSpPr>
+          <p:nvPr>
+            <p:ph type="title"/>
+          </p:nvPr>
+        </p:nvSpPr>
+        <p:spPr/>
+        <p:txBody>
+          <a:bodyPr/>
+          <a:lstStyle/>
+          <a:p>
+            <a:r>
+              <a:rPr lang="en-US" dirty="0"/>
               <a:t>Lets see code :D</a:t>
             </a:r>
           </a:p>
@@ -9548,7 +10274,7 @@
 </p:sld>
 </file>
 
-<file path=ppt/slides/slide24.xml><?xml version="1.0" encoding="utf-8"?>
+<file path=ppt/slides/slide25.xml><?xml version="1.0" encoding="utf-8"?>
 <p:sld xmlns:a="http://schemas.openxmlformats.org/drawingml/2006/main" xmlns:r="http://schemas.openxmlformats.org/officeDocument/2006/relationships" xmlns:p="http://schemas.openxmlformats.org/presentationml/2006/main">
   <p:cSld>
     <p:spTree>
@@ -9749,7 +10475,7 @@
 </p:sld>
 </file>
 
-<file path=ppt/slides/slide25.xml><?xml version="1.0" encoding="utf-8"?>
+<file path=ppt/slides/slide26.xml><?xml version="1.0" encoding="utf-8"?>
 <p:sld xmlns:a="http://schemas.openxmlformats.org/drawingml/2006/main" xmlns:r="http://schemas.openxmlformats.org/officeDocument/2006/relationships" xmlns:p="http://schemas.openxmlformats.org/presentationml/2006/main">
   <p:cSld>
     <p:spTree>
@@ -9827,7 +10553,7 @@
 </p:sld>
 </file>
 
-<file path=ppt/slides/slide26.xml><?xml version="1.0" encoding="utf-8"?>
+<file path=ppt/slides/slide27.xml><?xml version="1.0" encoding="utf-8"?>
 <p:sld xmlns:a="http://schemas.openxmlformats.org/drawingml/2006/main" xmlns:r="http://schemas.openxmlformats.org/officeDocument/2006/relationships" xmlns:p="http://schemas.openxmlformats.org/presentationml/2006/main">
   <p:cSld>
     <p:spTree>
@@ -9922,118 +10648,6 @@
 </p:sld>
 </file>
 
-<file path=ppt/slides/slide27.xml><?xml version="1.0" encoding="utf-8"?>
-<p:sld xmlns:a="http://schemas.openxmlformats.org/drawingml/2006/main" xmlns:r="http://schemas.openxmlformats.org/officeDocument/2006/relationships" xmlns:p="http://schemas.openxmlformats.org/presentationml/2006/main">
-  <p:cSld>
-    <p:spTree>
-      <p:nvGrpSpPr>
-        <p:cNvPr id="1" name=""/>
-        <p:cNvGrpSpPr/>
-        <p:nvPr/>
-      </p:nvGrpSpPr>
-      <p:grpSpPr>
-        <a:xfrm>
-          <a:off x="0" y="0"/>
-          <a:ext cx="0" cy="0"/>
-          <a:chOff x="0" y="0"/>
-          <a:chExt cx="0" cy="0"/>
-        </a:xfrm>
-      </p:grpSpPr>
-      <p:sp>
-        <p:nvSpPr>
-          <p:cNvPr id="2" name="Title 1"/>
-          <p:cNvSpPr>
-            <a:spLocks noGrp="1"/>
-          </p:cNvSpPr>
-          <p:nvPr>
-            <p:ph type="title"/>
-          </p:nvPr>
-        </p:nvSpPr>
-        <p:spPr/>
-        <p:txBody>
-          <a:bodyPr/>
-          <a:lstStyle/>
-          <a:p>
-            <a:r>
-              <a:rPr lang="en-US" dirty="0"/>
-              <a:t>Why bad?</a:t>
-            </a:r>
-          </a:p>
-        </p:txBody>
-      </p:sp>
-      <p:sp>
-        <p:nvSpPr>
-          <p:cNvPr id="3" name="Content Placeholder 2"/>
-          <p:cNvSpPr>
-            <a:spLocks noGrp="1"/>
-          </p:cNvSpPr>
-          <p:nvPr>
-            <p:ph idx="1"/>
-          </p:nvPr>
-        </p:nvSpPr>
-        <p:spPr/>
-        <p:txBody>
-          <a:bodyPr/>
-          <a:lstStyle/>
-          <a:p>
-            <a:r>
-              <a:rPr lang="en-US" dirty="0"/>
-              <a:t>We should return a promise/Task/</a:t>
-            </a:r>
-            <a:r>
-              <a:rPr lang="en-US" dirty="0" err="1"/>
-              <a:t>CompletableFuture</a:t>
-            </a:r>
-            <a:r>
-              <a:rPr lang="en-US" dirty="0"/>
-              <a:t> from the command so that we know the command finished</a:t>
-            </a:r>
-          </a:p>
-          <a:p>
-            <a:r>
-              <a:rPr lang="en-US" dirty="0"/>
-              <a:t>Hard to unit test</a:t>
-            </a:r>
-          </a:p>
-          <a:p>
-            <a:r>
-              <a:rPr lang="en-US" dirty="0" err="1"/>
-              <a:t>Nunit</a:t>
-            </a:r>
-            <a:r>
-              <a:rPr lang="en-US" dirty="0"/>
-              <a:t>/Junit are not happy with </a:t>
-            </a:r>
-            <a:r>
-              <a:rPr lang="en-US" dirty="0" err="1"/>
-              <a:t>async</a:t>
-            </a:r>
-            <a:r>
-              <a:rPr lang="en-US" dirty="0"/>
-              <a:t> tests</a:t>
-            </a:r>
-          </a:p>
-          <a:p>
-            <a:r>
-              <a:rPr lang="en-US" dirty="0"/>
-              <a:t>Always need to test also that we invoke it X number of times the dependency</a:t>
-            </a:r>
-          </a:p>
-        </p:txBody>
-      </p:sp>
-    </p:spTree>
-    <p:extLst>
-      <p:ext uri="{BB962C8B-B14F-4D97-AF65-F5344CB8AC3E}">
-        <p14:creationId xmlns:p14="http://schemas.microsoft.com/office/powerpoint/2010/main" val="391423647"/>
-      </p:ext>
-    </p:extLst>
-  </p:cSld>
-  <p:clrMapOvr>
-    <a:masterClrMapping/>
-  </p:clrMapOvr>
-</p:sld>
-</file>
-
 <file path=ppt/slides/slide28.xml><?xml version="1.0" encoding="utf-8"?>
 <p:sld xmlns:a="http://schemas.openxmlformats.org/drawingml/2006/main" xmlns:r="http://schemas.openxmlformats.org/officeDocument/2006/relationships" xmlns:p="http://schemas.openxmlformats.org/presentationml/2006/main">
   <p:cSld>
@@ -10063,61 +10677,72 @@
         </p:nvSpPr>
         <p:spPr/>
         <p:txBody>
-          <a:bodyPr>
-            <a:normAutofit/>
-          </a:bodyPr>
-          <a:lstStyle/>
-          <a:p>
-            <a:r>
-              <a:rPr lang="en-US" sz="4000" dirty="0"/>
-              <a:t>[Bad] Return an </a:t>
-            </a:r>
-            <a:r>
-              <a:rPr lang="en-US" sz="4000" dirty="0" err="1"/>
-              <a:t>Iterable</a:t>
-            </a:r>
-            <a:r>
-              <a:rPr lang="en-US" sz="4000" dirty="0"/>
-              <a:t>/Enumerable list of events</a:t>
-            </a:r>
-          </a:p>
-        </p:txBody>
-      </p:sp>
-      <p:sp>
-        <p:nvSpPr>
-          <p:cNvPr id="3" name="Content Placeholder 2"/>
-          <p:cNvSpPr>
-            <a:spLocks noGrp="1"/>
-          </p:cNvSpPr>
-          <p:nvPr>
-            <p:ph idx="1"/>
-          </p:nvPr>
-        </p:nvSpPr>
-        <p:spPr/>
-        <p:txBody>
           <a:bodyPr/>
           <a:lstStyle/>
           <a:p>
             <a:r>
               <a:rPr lang="en-US" dirty="0"/>
-              <a:t>You can see that an enumerable is done, only after you go through all of the records</a:t>
-            </a:r>
-          </a:p>
+              <a:t>Why bad?</a:t>
+            </a:r>
+          </a:p>
+        </p:txBody>
+      </p:sp>
+      <p:sp>
+        <p:nvSpPr>
+          <p:cNvPr id="3" name="Content Placeholder 2"/>
+          <p:cNvSpPr>
+            <a:spLocks noGrp="1"/>
+          </p:cNvSpPr>
+          <p:nvPr>
+            <p:ph idx="1"/>
+          </p:nvPr>
+        </p:nvSpPr>
+        <p:spPr/>
+        <p:txBody>
+          <a:bodyPr/>
+          <a:lstStyle/>
           <a:p>
             <a:r>
               <a:rPr lang="en-US" dirty="0"/>
-              <a:t>In case you add new data every X minutes, you will have a thread blocked for that period waiting in a </a:t>
+              <a:t>We should return a promise/Task/</a:t>
             </a:r>
             <a:r>
               <a:rPr lang="en-US" dirty="0" err="1"/>
-              <a:t>foreach</a:t>
-            </a:r>
-            <a:endParaRPr lang="en-US" dirty="0"/>
-          </a:p>
-          <a:p>
+              <a:t>CompletableFuture</a:t>
+            </a:r>
             <a:r>
               <a:rPr lang="en-US" dirty="0"/>
-              <a:t>Also hard to know when the command finished work</a:t>
+              <a:t> from the command so that we know the command finished</a:t>
+            </a:r>
+          </a:p>
+          <a:p>
+            <a:r>
+              <a:rPr lang="en-US" dirty="0"/>
+              <a:t>Hard to unit test</a:t>
+            </a:r>
+          </a:p>
+          <a:p>
+            <a:r>
+              <a:rPr lang="en-US" dirty="0" err="1"/>
+              <a:t>Nunit</a:t>
+            </a:r>
+            <a:r>
+              <a:rPr lang="en-US" dirty="0"/>
+              <a:t>/Junit are not happy with </a:t>
+            </a:r>
+            <a:r>
+              <a:rPr lang="en-US" dirty="0" err="1"/>
+              <a:t>async</a:t>
+            </a:r>
+            <a:r>
+              <a:rPr lang="en-US" dirty="0"/>
+              <a:t> tests</a:t>
+            </a:r>
+          </a:p>
+          <a:p>
+            <a:r>
+              <a:rPr lang="en-US" dirty="0"/>
+              <a:t>Always need to test also that we invoke it X number of times the dependency</a:t>
             </a:r>
           </a:p>
         </p:txBody>
@@ -10125,7 +10750,7 @@
     </p:spTree>
     <p:extLst>
       <p:ext uri="{BB962C8B-B14F-4D97-AF65-F5344CB8AC3E}">
-        <p14:creationId xmlns:p14="http://schemas.microsoft.com/office/powerpoint/2010/main" val="2482434516"/>
+        <p14:creationId xmlns:p14="http://schemas.microsoft.com/office/powerpoint/2010/main" val="391423647"/>
       </p:ext>
     </p:extLst>
   </p:cSld>
@@ -10164,6 +10789,308 @@
         </p:nvSpPr>
         <p:spPr/>
         <p:txBody>
+          <a:bodyPr>
+            <a:normAutofit/>
+          </a:bodyPr>
+          <a:lstStyle/>
+          <a:p>
+            <a:r>
+              <a:rPr lang="en-US" sz="4000" dirty="0"/>
+              <a:t>[Bad] Return an </a:t>
+            </a:r>
+            <a:r>
+              <a:rPr lang="en-US" sz="4000" dirty="0" err="1"/>
+              <a:t>Iterable</a:t>
+            </a:r>
+            <a:r>
+              <a:rPr lang="en-US" sz="4000" dirty="0"/>
+              <a:t>/Enumerable list of events</a:t>
+            </a:r>
+          </a:p>
+        </p:txBody>
+      </p:sp>
+      <p:sp>
+        <p:nvSpPr>
+          <p:cNvPr id="3" name="Content Placeholder 2"/>
+          <p:cNvSpPr>
+            <a:spLocks noGrp="1"/>
+          </p:cNvSpPr>
+          <p:nvPr>
+            <p:ph idx="1"/>
+          </p:nvPr>
+        </p:nvSpPr>
+        <p:spPr/>
+        <p:txBody>
+          <a:bodyPr/>
+          <a:lstStyle/>
+          <a:p>
+            <a:r>
+              <a:rPr lang="en-US" dirty="0"/>
+              <a:t>You can see that an enumerable is done, only after you go through all of the records</a:t>
+            </a:r>
+          </a:p>
+          <a:p>
+            <a:r>
+              <a:rPr lang="en-US" dirty="0"/>
+              <a:t>In case you add new data every X minutes, you will have a thread blocked for that period waiting in a </a:t>
+            </a:r>
+            <a:r>
+              <a:rPr lang="en-US" dirty="0" err="1"/>
+              <a:t>foreach</a:t>
+            </a:r>
+            <a:endParaRPr lang="en-US" dirty="0"/>
+          </a:p>
+          <a:p>
+            <a:r>
+              <a:rPr lang="en-US" dirty="0"/>
+              <a:t>Also hard to know when the command finished work</a:t>
+            </a:r>
+          </a:p>
+        </p:txBody>
+      </p:sp>
+    </p:spTree>
+    <p:extLst>
+      <p:ext uri="{BB962C8B-B14F-4D97-AF65-F5344CB8AC3E}">
+        <p14:creationId xmlns:p14="http://schemas.microsoft.com/office/powerpoint/2010/main" val="2482434516"/>
+      </p:ext>
+    </p:extLst>
+  </p:cSld>
+  <p:clrMapOvr>
+    <a:masterClrMapping/>
+  </p:clrMapOvr>
+</p:sld>
+</file>
+
+<file path=ppt/slides/slide3.xml><?xml version="1.0" encoding="utf-8"?>
+<p:sld xmlns:a="http://schemas.openxmlformats.org/drawingml/2006/main" xmlns:r="http://schemas.openxmlformats.org/officeDocument/2006/relationships" xmlns:p="http://schemas.openxmlformats.org/presentationml/2006/main">
+  <p:cSld>
+    <p:spTree>
+      <p:nvGrpSpPr>
+        <p:cNvPr id="1" name=""/>
+        <p:cNvGrpSpPr/>
+        <p:nvPr/>
+      </p:nvGrpSpPr>
+      <p:grpSpPr>
+        <a:xfrm>
+          <a:off x="0" y="0"/>
+          <a:ext cx="0" cy="0"/>
+          <a:chOff x="0" y="0"/>
+          <a:chExt cx="0" cy="0"/>
+        </a:xfrm>
+      </p:grpSpPr>
+      <p:sp>
+        <p:nvSpPr>
+          <p:cNvPr id="8" name="Rectangle 7"/>
+          <p:cNvSpPr>
+            <a:spLocks noGrp="1" noRot="1" noChangeAspect="1" noMove="1" noResize="1" noEditPoints="1" noAdjustHandles="1" noChangeArrowheads="1" noChangeShapeType="1" noTextEdit="1"/>
+          </p:cNvSpPr>
+          <p:nvPr>
+            <p:extLst>
+              <p:ext uri="{386F3935-93C4-4BCD-93E2-E3B085C9AB24}">
+                <p16:designElem xmlns:p16="http://schemas.microsoft.com/office/powerpoint/2015/main" val="1"/>
+              </p:ext>
+            </p:extLst>
+          </p:nvPr>
+        </p:nvSpPr>
+        <p:spPr>
+          <a:xfrm>
+            <a:off x="5315061" y="-2"/>
+            <a:ext cx="6876939" cy="6858002"/>
+          </a:xfrm>
+          <a:prstGeom prst="rect">
+            <a:avLst/>
+          </a:prstGeom>
+          <a:solidFill>
+            <a:schemeClr val="tx1">
+              <a:lumMod val="85000"/>
+              <a:lumOff val="15000"/>
+            </a:schemeClr>
+          </a:solidFill>
+          <a:ln>
+            <a:noFill/>
+          </a:ln>
+        </p:spPr>
+        <p:style>
+          <a:lnRef idx="2">
+            <a:schemeClr val="accent1">
+              <a:shade val="50000"/>
+            </a:schemeClr>
+          </a:lnRef>
+          <a:fillRef idx="1">
+            <a:schemeClr val="accent1"/>
+          </a:fillRef>
+          <a:effectRef idx="0">
+            <a:schemeClr val="accent1"/>
+          </a:effectRef>
+          <a:fontRef idx="minor">
+            <a:schemeClr val="lt1"/>
+          </a:fontRef>
+        </p:style>
+        <p:txBody>
+          <a:bodyPr rtlCol="0" anchor="ctr"/>
+          <a:lstStyle/>
+          <a:p>
+            <a:pPr algn="ctr"/>
+            <a:endParaRPr lang="en-US"/>
+          </a:p>
+        </p:txBody>
+      </p:sp>
+      <p:sp>
+        <p:nvSpPr>
+          <p:cNvPr id="2" name="Title 1"/>
+          <p:cNvSpPr>
+            <a:spLocks noGrp="1"/>
+          </p:cNvSpPr>
+          <p:nvPr>
+            <p:ph type="title"/>
+          </p:nvPr>
+        </p:nvSpPr>
+        <p:spPr>
+          <a:xfrm>
+            <a:off x="829781" y="2745736"/>
+            <a:ext cx="3698803" cy="1366528"/>
+          </a:xfrm>
+          <a:solidFill>
+            <a:schemeClr val="bg1">
+              <a:alpha val="50000"/>
+            </a:schemeClr>
+          </a:solidFill>
+          <a:ln w="25400" cap="sq">
+            <a:solidFill>
+              <a:schemeClr val="tx1"/>
+            </a:solidFill>
+            <a:miter lim="800000"/>
+          </a:ln>
+        </p:spPr>
+        <p:txBody>
+          <a:bodyPr>
+            <a:normAutofit/>
+          </a:bodyPr>
+          <a:lstStyle/>
+          <a:p>
+            <a:pPr algn="ctr"/>
+            <a:r>
+              <a:rPr lang="en-US" sz="3200"/>
+              <a:t>Presentation</a:t>
+            </a:r>
+          </a:p>
+        </p:txBody>
+      </p:sp>
+      <p:sp>
+        <p:nvSpPr>
+          <p:cNvPr id="3" name="Content Placeholder 2"/>
+          <p:cNvSpPr>
+            <a:spLocks noGrp="1"/>
+          </p:cNvSpPr>
+          <p:nvPr>
+            <p:ph idx="1"/>
+          </p:nvPr>
+        </p:nvSpPr>
+        <p:spPr>
+          <a:xfrm>
+            <a:off x="6049182" y="802638"/>
+            <a:ext cx="5408696" cy="5252722"/>
+          </a:xfrm>
+        </p:spPr>
+        <p:txBody>
+          <a:bodyPr anchor="ctr">
+            <a:normAutofit/>
+          </a:bodyPr>
+          <a:lstStyle/>
+          <a:p>
+            <a:r>
+              <a:rPr lang="en-US" sz="2400" b="1">
+                <a:solidFill>
+                  <a:schemeClr val="bg1"/>
+                </a:solidFill>
+              </a:rPr>
+              <a:t>What are reactive apps?</a:t>
+            </a:r>
+          </a:p>
+          <a:p>
+            <a:r>
+              <a:rPr lang="en-US" sz="2400">
+                <a:solidFill>
+                  <a:schemeClr val="bg1"/>
+                </a:solidFill>
+              </a:rPr>
+              <a:t>Motivation</a:t>
+            </a:r>
+          </a:p>
+          <a:p>
+            <a:r>
+              <a:rPr lang="en-US" sz="2400">
+                <a:solidFill>
+                  <a:schemeClr val="bg1"/>
+                </a:solidFill>
+              </a:rPr>
+              <a:t>Solution</a:t>
+            </a:r>
+          </a:p>
+          <a:p>
+            <a:r>
+              <a:rPr lang="en-US" sz="2400">
+                <a:solidFill>
+                  <a:schemeClr val="bg1"/>
+                </a:solidFill>
+              </a:rPr>
+              <a:t>Problems that we encountered</a:t>
+            </a:r>
+          </a:p>
+          <a:p>
+            <a:r>
+              <a:rPr lang="en-US" sz="2400">
+                <a:solidFill>
+                  <a:schemeClr val="bg1"/>
+                </a:solidFill>
+              </a:rPr>
+              <a:t>End advices</a:t>
+            </a:r>
+          </a:p>
+        </p:txBody>
+      </p:sp>
+    </p:spTree>
+    <p:extLst>
+      <p:ext uri="{BB962C8B-B14F-4D97-AF65-F5344CB8AC3E}">
+        <p14:creationId xmlns:p14="http://schemas.microsoft.com/office/powerpoint/2010/main" val="156357488"/>
+      </p:ext>
+    </p:extLst>
+  </p:cSld>
+  <p:clrMapOvr>
+    <a:masterClrMapping/>
+  </p:clrMapOvr>
+</p:sld>
+</file>
+
+<file path=ppt/slides/slide30.xml><?xml version="1.0" encoding="utf-8"?>
+<p:sld xmlns:a="http://schemas.openxmlformats.org/drawingml/2006/main" xmlns:r="http://schemas.openxmlformats.org/officeDocument/2006/relationships" xmlns:p="http://schemas.openxmlformats.org/presentationml/2006/main">
+  <p:cSld>
+    <p:spTree>
+      <p:nvGrpSpPr>
+        <p:cNvPr id="1" name=""/>
+        <p:cNvGrpSpPr/>
+        <p:nvPr/>
+      </p:nvGrpSpPr>
+      <p:grpSpPr>
+        <a:xfrm>
+          <a:off x="0" y="0"/>
+          <a:ext cx="0" cy="0"/>
+          <a:chOff x="0" y="0"/>
+          <a:chExt cx="0" cy="0"/>
+        </a:xfrm>
+      </p:grpSpPr>
+      <p:sp>
+        <p:nvSpPr>
+          <p:cNvPr id="2" name="Title 1"/>
+          <p:cNvSpPr>
+            <a:spLocks noGrp="1"/>
+          </p:cNvSpPr>
+          <p:nvPr>
+            <p:ph type="title"/>
+          </p:nvPr>
+        </p:nvSpPr>
+        <p:spPr/>
+        <p:txBody>
           <a:bodyPr/>
           <a:lstStyle/>
           <a:p>
@@ -10251,7 +11178,1255 @@
 </p:sld>
 </file>
 
-<file path=ppt/slides/slide3.xml><?xml version="1.0" encoding="utf-8"?>
+<file path=ppt/slides/slide31.xml><?xml version="1.0" encoding="utf-8"?>
+<p:sld xmlns:a="http://schemas.openxmlformats.org/drawingml/2006/main" xmlns:r="http://schemas.openxmlformats.org/officeDocument/2006/relationships" xmlns:p="http://schemas.openxmlformats.org/presentationml/2006/main">
+  <p:cSld>
+    <p:spTree>
+      <p:nvGrpSpPr>
+        <p:cNvPr id="1" name=""/>
+        <p:cNvGrpSpPr/>
+        <p:nvPr/>
+      </p:nvGrpSpPr>
+      <p:grpSpPr>
+        <a:xfrm>
+          <a:off x="0" y="0"/>
+          <a:ext cx="0" cy="0"/>
+          <a:chOff x="0" y="0"/>
+          <a:chExt cx="0" cy="0"/>
+        </a:xfrm>
+      </p:grpSpPr>
+      <p:sp>
+        <p:nvSpPr>
+          <p:cNvPr id="2" name="Title 1"/>
+          <p:cNvSpPr>
+            <a:spLocks noGrp="1"/>
+          </p:cNvSpPr>
+          <p:nvPr>
+            <p:ph type="title"/>
+          </p:nvPr>
+        </p:nvSpPr>
+        <p:spPr/>
+        <p:txBody>
+          <a:bodyPr/>
+          <a:lstStyle/>
+          <a:p>
+            <a:r>
+              <a:rPr lang="en-US" dirty="0"/>
+              <a:t>[Bad] Inject events in command constructor</a:t>
+            </a:r>
+          </a:p>
+        </p:txBody>
+      </p:sp>
+      <p:pic>
+        <p:nvPicPr>
+          <p:cNvPr id="3074" name="Picture 2" descr="Image result for demeter's law"/>
+          <p:cNvPicPr>
+            <a:picLocks noGrp="1" noChangeAspect="1" noChangeArrowheads="1"/>
+          </p:cNvPicPr>
+          <p:nvPr>
+            <p:ph idx="1"/>
+          </p:nvPr>
+        </p:nvPicPr>
+        <p:blipFill>
+          <a:blip r:embed="rId2">
+            <a:extLst>
+              <a:ext uri="{28A0092B-C50C-407E-A947-70E740481C1C}">
+                <a14:useLocalDpi xmlns:a14="http://schemas.microsoft.com/office/drawing/2010/main" val="0"/>
+              </a:ext>
+            </a:extLst>
+          </a:blip>
+          <a:srcRect/>
+          <a:stretch>
+            <a:fillRect/>
+          </a:stretch>
+        </p:blipFill>
+        <p:spPr bwMode="auto">
+          <a:xfrm>
+            <a:off x="3211630" y="1570183"/>
+            <a:ext cx="5884657" cy="4959926"/>
+          </a:xfrm>
+          <a:prstGeom prst="rect">
+            <a:avLst/>
+          </a:prstGeom>
+          <a:noFill/>
+          <a:extLst>
+            <a:ext uri="{909E8E84-426E-40DD-AFC4-6F175D3DCCD1}">
+              <a14:hiddenFill xmlns:a14="http://schemas.microsoft.com/office/drawing/2010/main">
+                <a:solidFill>
+                  <a:srgbClr val="FFFFFF"/>
+                </a:solidFill>
+              </a14:hiddenFill>
+            </a:ext>
+          </a:extLst>
+        </p:spPr>
+      </p:pic>
+    </p:spTree>
+    <p:extLst>
+      <p:ext uri="{BB962C8B-B14F-4D97-AF65-F5344CB8AC3E}">
+        <p14:creationId xmlns:p14="http://schemas.microsoft.com/office/powerpoint/2010/main" val="3659058797"/>
+      </p:ext>
+    </p:extLst>
+  </p:cSld>
+  <p:clrMapOvr>
+    <a:masterClrMapping/>
+  </p:clrMapOvr>
+</p:sld>
+</file>
+
+<file path=ppt/slides/slide32.xml><?xml version="1.0" encoding="utf-8"?>
+<p:sld xmlns:a="http://schemas.openxmlformats.org/drawingml/2006/main" xmlns:r="http://schemas.openxmlformats.org/officeDocument/2006/relationships" xmlns:p="http://schemas.openxmlformats.org/presentationml/2006/main">
+  <p:cSld>
+    <p:spTree>
+      <p:nvGrpSpPr>
+        <p:cNvPr id="1" name=""/>
+        <p:cNvGrpSpPr/>
+        <p:nvPr/>
+      </p:nvGrpSpPr>
+      <p:grpSpPr>
+        <a:xfrm>
+          <a:off x="0" y="0"/>
+          <a:ext cx="0" cy="0"/>
+          <a:chOff x="0" y="0"/>
+          <a:chExt cx="0" cy="0"/>
+        </a:xfrm>
+      </p:grpSpPr>
+      <p:sp>
+        <p:nvSpPr>
+          <p:cNvPr id="2" name="Title 1"/>
+          <p:cNvSpPr>
+            <a:spLocks noGrp="1"/>
+          </p:cNvSpPr>
+          <p:nvPr>
+            <p:ph type="title"/>
+          </p:nvPr>
+        </p:nvSpPr>
+        <p:spPr/>
+        <p:txBody>
+          <a:bodyPr/>
+          <a:lstStyle/>
+          <a:p>
+            <a:r>
+              <a:rPr lang="en-US" dirty="0"/>
+              <a:t>[Good] Make Helper Base commands</a:t>
+            </a:r>
+          </a:p>
+        </p:txBody>
+      </p:sp>
+      <p:pic>
+        <p:nvPicPr>
+          <p:cNvPr id="4" name="Content Placeholder 3"/>
+          <p:cNvPicPr>
+            <a:picLocks noGrp="1" noChangeAspect="1"/>
+          </p:cNvPicPr>
+          <p:nvPr>
+            <p:ph idx="1"/>
+          </p:nvPr>
+        </p:nvPicPr>
+        <p:blipFill>
+          <a:blip r:embed="rId2"/>
+          <a:stretch>
+            <a:fillRect/>
+          </a:stretch>
+        </p:blipFill>
+        <p:spPr>
+          <a:xfrm>
+            <a:off x="1459345" y="1716153"/>
+            <a:ext cx="8193493" cy="4038102"/>
+          </a:xfrm>
+          <a:prstGeom prst="rect">
+            <a:avLst/>
+          </a:prstGeom>
+        </p:spPr>
+      </p:pic>
+    </p:spTree>
+    <p:extLst>
+      <p:ext uri="{BB962C8B-B14F-4D97-AF65-F5344CB8AC3E}">
+        <p14:creationId xmlns:p14="http://schemas.microsoft.com/office/powerpoint/2010/main" val="809775188"/>
+      </p:ext>
+    </p:extLst>
+  </p:cSld>
+  <p:clrMapOvr>
+    <a:masterClrMapping/>
+  </p:clrMapOvr>
+</p:sld>
+</file>
+
+<file path=ppt/slides/slide33.xml><?xml version="1.0" encoding="utf-8"?>
+<p:sld xmlns:a="http://schemas.openxmlformats.org/drawingml/2006/main" xmlns:r="http://schemas.openxmlformats.org/officeDocument/2006/relationships" xmlns:p="http://schemas.openxmlformats.org/presentationml/2006/main">
+  <p:cSld>
+    <p:spTree>
+      <p:nvGrpSpPr>
+        <p:cNvPr id="1" name=""/>
+        <p:cNvGrpSpPr/>
+        <p:nvPr/>
+      </p:nvGrpSpPr>
+      <p:grpSpPr>
+        <a:xfrm>
+          <a:off x="0" y="0"/>
+          <a:ext cx="0" cy="0"/>
+          <a:chOff x="0" y="0"/>
+          <a:chExt cx="0" cy="0"/>
+        </a:xfrm>
+      </p:grpSpPr>
+      <p:sp>
+        <p:nvSpPr>
+          <p:cNvPr id="2" name="Title 1"/>
+          <p:cNvSpPr>
+            <a:spLocks noGrp="1"/>
+          </p:cNvSpPr>
+          <p:nvPr>
+            <p:ph type="title"/>
+          </p:nvPr>
+        </p:nvSpPr>
+        <p:spPr/>
+        <p:txBody>
+          <a:bodyPr/>
+          <a:lstStyle/>
+          <a:p>
+            <a:r>
+              <a:rPr lang="en-US" dirty="0"/>
+              <a:t>[Bad] Link only based on event’s class</a:t>
+            </a:r>
+          </a:p>
+        </p:txBody>
+      </p:sp>
+      <p:sp>
+        <p:nvSpPr>
+          <p:cNvPr id="3" name="Content Placeholder 2"/>
+          <p:cNvSpPr>
+            <a:spLocks noGrp="1"/>
+          </p:cNvSpPr>
+          <p:nvPr>
+            <p:ph idx="1"/>
+          </p:nvPr>
+        </p:nvSpPr>
+        <p:spPr/>
+        <p:txBody>
+          <a:bodyPr/>
+          <a:lstStyle/>
+          <a:p>
+            <a:r>
+              <a:rPr lang="en-US" dirty="0"/>
+              <a:t>You will never be able to use the command twice in the same flow</a:t>
+            </a:r>
+          </a:p>
+        </p:txBody>
+      </p:sp>
+    </p:spTree>
+    <p:extLst>
+      <p:ext uri="{BB962C8B-B14F-4D97-AF65-F5344CB8AC3E}">
+        <p14:creationId xmlns:p14="http://schemas.microsoft.com/office/powerpoint/2010/main" val="2662474700"/>
+      </p:ext>
+    </p:extLst>
+  </p:cSld>
+  <p:clrMapOvr>
+    <a:masterClrMapping/>
+  </p:clrMapOvr>
+</p:sld>
+</file>
+
+<file path=ppt/slides/slide34.xml><?xml version="1.0" encoding="utf-8"?>
+<p:sld xmlns:a="http://schemas.openxmlformats.org/drawingml/2006/main" xmlns:r="http://schemas.openxmlformats.org/officeDocument/2006/relationships" xmlns:p="http://schemas.openxmlformats.org/presentationml/2006/main">
+  <p:cSld>
+    <p:spTree>
+      <p:nvGrpSpPr>
+        <p:cNvPr id="1" name=""/>
+        <p:cNvGrpSpPr/>
+        <p:nvPr/>
+      </p:nvGrpSpPr>
+      <p:grpSpPr>
+        <a:xfrm>
+          <a:off x="0" y="0"/>
+          <a:ext cx="0" cy="0"/>
+          <a:chOff x="0" y="0"/>
+          <a:chExt cx="0" cy="0"/>
+        </a:xfrm>
+      </p:grpSpPr>
+      <p:sp>
+        <p:nvSpPr>
+          <p:cNvPr id="2" name="Title 1"/>
+          <p:cNvSpPr>
+            <a:spLocks noGrp="1"/>
+          </p:cNvSpPr>
+          <p:nvPr>
+            <p:ph type="title"/>
+          </p:nvPr>
+        </p:nvSpPr>
+        <p:spPr/>
+        <p:txBody>
+          <a:bodyPr/>
+          <a:lstStyle/>
+          <a:p>
+            <a:r>
+              <a:rPr lang="en-US" dirty="0"/>
+              <a:t>[Good] Have links based on class and name of event</a:t>
+            </a:r>
+          </a:p>
+        </p:txBody>
+      </p:sp>
+      <p:pic>
+        <p:nvPicPr>
+          <p:cNvPr id="4" name="Content Placeholder 3"/>
+          <p:cNvPicPr>
+            <a:picLocks noGrp="1" noChangeAspect="1"/>
+          </p:cNvPicPr>
+          <p:nvPr>
+            <p:ph idx="1"/>
+          </p:nvPr>
+        </p:nvPicPr>
+        <p:blipFill>
+          <a:blip r:embed="rId2"/>
+          <a:stretch>
+            <a:fillRect/>
+          </a:stretch>
+        </p:blipFill>
+        <p:spPr>
+          <a:xfrm>
+            <a:off x="265933" y="1690688"/>
+            <a:ext cx="11810304" cy="3804948"/>
+          </a:xfrm>
+          <a:prstGeom prst="rect">
+            <a:avLst/>
+          </a:prstGeom>
+        </p:spPr>
+      </p:pic>
+    </p:spTree>
+    <p:extLst>
+      <p:ext uri="{BB962C8B-B14F-4D97-AF65-F5344CB8AC3E}">
+        <p14:creationId xmlns:p14="http://schemas.microsoft.com/office/powerpoint/2010/main" val="2810069299"/>
+      </p:ext>
+    </p:extLst>
+  </p:cSld>
+  <p:clrMapOvr>
+    <a:masterClrMapping/>
+  </p:clrMapOvr>
+</p:sld>
+</file>
+
+<file path=ppt/slides/slide35.xml><?xml version="1.0" encoding="utf-8"?>
+<p:sld xmlns:a="http://schemas.openxmlformats.org/drawingml/2006/main" xmlns:r="http://schemas.openxmlformats.org/officeDocument/2006/relationships" xmlns:p="http://schemas.openxmlformats.org/presentationml/2006/main">
+  <p:cSld>
+    <p:spTree>
+      <p:nvGrpSpPr>
+        <p:cNvPr id="1" name=""/>
+        <p:cNvGrpSpPr/>
+        <p:nvPr/>
+      </p:nvGrpSpPr>
+      <p:grpSpPr>
+        <a:xfrm>
+          <a:off x="0" y="0"/>
+          <a:ext cx="0" cy="0"/>
+          <a:chOff x="0" y="0"/>
+          <a:chExt cx="0" cy="0"/>
+        </a:xfrm>
+      </p:grpSpPr>
+      <p:sp>
+        <p:nvSpPr>
+          <p:cNvPr id="2" name="Title 1"/>
+          <p:cNvSpPr>
+            <a:spLocks noGrp="1"/>
+          </p:cNvSpPr>
+          <p:nvPr>
+            <p:ph type="title"/>
+          </p:nvPr>
+        </p:nvSpPr>
+        <p:spPr/>
+        <p:txBody>
+          <a:bodyPr/>
+          <a:lstStyle/>
+          <a:p>
+            <a:r>
+              <a:rPr lang="en-US" dirty="0"/>
+              <a:t>[Bad] Copy paste links from a different flow</a:t>
+            </a:r>
+          </a:p>
+        </p:txBody>
+      </p:sp>
+      <p:sp>
+        <p:nvSpPr>
+          <p:cNvPr id="3" name="Content Placeholder 2"/>
+          <p:cNvSpPr>
+            <a:spLocks noGrp="1"/>
+          </p:cNvSpPr>
+          <p:nvPr>
+            <p:ph idx="1"/>
+          </p:nvPr>
+        </p:nvSpPr>
+        <p:spPr/>
+        <p:txBody>
+          <a:bodyPr/>
+          <a:lstStyle/>
+          <a:p>
+            <a:endParaRPr lang="en-US" dirty="0"/>
+          </a:p>
+        </p:txBody>
+      </p:sp>
+    </p:spTree>
+    <p:extLst>
+      <p:ext uri="{BB962C8B-B14F-4D97-AF65-F5344CB8AC3E}">
+        <p14:creationId xmlns:p14="http://schemas.microsoft.com/office/powerpoint/2010/main" val="3511268381"/>
+      </p:ext>
+    </p:extLst>
+  </p:cSld>
+  <p:clrMapOvr>
+    <a:masterClrMapping/>
+  </p:clrMapOvr>
+</p:sld>
+</file>
+
+<file path=ppt/slides/slide36.xml><?xml version="1.0" encoding="utf-8"?>
+<p:sld xmlns:a="http://schemas.openxmlformats.org/drawingml/2006/main" xmlns:r="http://schemas.openxmlformats.org/officeDocument/2006/relationships" xmlns:p="http://schemas.openxmlformats.org/presentationml/2006/main">
+  <p:cSld>
+    <p:spTree>
+      <p:nvGrpSpPr>
+        <p:cNvPr id="1" name=""/>
+        <p:cNvGrpSpPr/>
+        <p:nvPr/>
+      </p:nvGrpSpPr>
+      <p:grpSpPr>
+        <a:xfrm>
+          <a:off x="0" y="0"/>
+          <a:ext cx="0" cy="0"/>
+          <a:chOff x="0" y="0"/>
+          <a:chExt cx="0" cy="0"/>
+        </a:xfrm>
+      </p:grpSpPr>
+      <p:sp>
+        <p:nvSpPr>
+          <p:cNvPr id="2" name="Title 1"/>
+          <p:cNvSpPr>
+            <a:spLocks noGrp="1"/>
+          </p:cNvSpPr>
+          <p:nvPr>
+            <p:ph type="title"/>
+          </p:nvPr>
+        </p:nvSpPr>
+        <p:spPr/>
+        <p:txBody>
+          <a:bodyPr/>
+          <a:lstStyle/>
+          <a:p>
+            <a:r>
+              <a:rPr lang="en-US" dirty="0"/>
+              <a:t>[Good] Have aggregate commands</a:t>
+            </a:r>
+          </a:p>
+        </p:txBody>
+      </p:sp>
+      <p:sp>
+        <p:nvSpPr>
+          <p:cNvPr id="3" name="Content Placeholder 2"/>
+          <p:cNvSpPr>
+            <a:spLocks noGrp="1"/>
+          </p:cNvSpPr>
+          <p:nvPr>
+            <p:ph idx="1"/>
+          </p:nvPr>
+        </p:nvSpPr>
+        <p:spPr/>
+        <p:txBody>
+          <a:bodyPr/>
+          <a:lstStyle/>
+          <a:p>
+            <a:endParaRPr lang="en-US"/>
+          </a:p>
+        </p:txBody>
+      </p:sp>
+    </p:spTree>
+    <p:extLst>
+      <p:ext uri="{BB962C8B-B14F-4D97-AF65-F5344CB8AC3E}">
+        <p14:creationId xmlns:p14="http://schemas.microsoft.com/office/powerpoint/2010/main" val="3435437884"/>
+      </p:ext>
+    </p:extLst>
+  </p:cSld>
+  <p:clrMapOvr>
+    <a:masterClrMapping/>
+  </p:clrMapOvr>
+</p:sld>
+</file>
+
+<file path=ppt/slides/slide37.xml><?xml version="1.0" encoding="utf-8"?>
+<p:sld xmlns:a="http://schemas.openxmlformats.org/drawingml/2006/main" xmlns:r="http://schemas.openxmlformats.org/officeDocument/2006/relationships" xmlns:p="http://schemas.openxmlformats.org/presentationml/2006/main">
+  <p:cSld>
+    <p:spTree>
+      <p:nvGrpSpPr>
+        <p:cNvPr id="1" name=""/>
+        <p:cNvGrpSpPr/>
+        <p:nvPr/>
+      </p:nvGrpSpPr>
+      <p:grpSpPr>
+        <a:xfrm>
+          <a:off x="0" y="0"/>
+          <a:ext cx="0" cy="0"/>
+          <a:chOff x="0" y="0"/>
+          <a:chExt cx="0" cy="0"/>
+        </a:xfrm>
+      </p:grpSpPr>
+      <p:sp>
+        <p:nvSpPr>
+          <p:cNvPr id="8" name="Rectangle 7"/>
+          <p:cNvSpPr>
+            <a:spLocks noGrp="1" noRot="1" noChangeAspect="1" noMove="1" noResize="1" noEditPoints="1" noAdjustHandles="1" noChangeArrowheads="1" noChangeShapeType="1" noTextEdit="1"/>
+          </p:cNvSpPr>
+          <p:nvPr>
+            <p:extLst>
+              <p:ext uri="{386F3935-93C4-4BCD-93E2-E3B085C9AB24}">
+                <p16:designElem xmlns:p16="http://schemas.microsoft.com/office/powerpoint/2015/main" val="1"/>
+              </p:ext>
+            </p:extLst>
+          </p:nvPr>
+        </p:nvSpPr>
+        <p:spPr>
+          <a:xfrm>
+            <a:off x="5315061" y="-2"/>
+            <a:ext cx="6876939" cy="6858002"/>
+          </a:xfrm>
+          <a:prstGeom prst="rect">
+            <a:avLst/>
+          </a:prstGeom>
+          <a:solidFill>
+            <a:schemeClr val="tx1">
+              <a:lumMod val="85000"/>
+              <a:lumOff val="15000"/>
+            </a:schemeClr>
+          </a:solidFill>
+          <a:ln>
+            <a:noFill/>
+          </a:ln>
+        </p:spPr>
+        <p:style>
+          <a:lnRef idx="2">
+            <a:schemeClr val="accent1">
+              <a:shade val="50000"/>
+            </a:schemeClr>
+          </a:lnRef>
+          <a:fillRef idx="1">
+            <a:schemeClr val="accent1"/>
+          </a:fillRef>
+          <a:effectRef idx="0">
+            <a:schemeClr val="accent1"/>
+          </a:effectRef>
+          <a:fontRef idx="minor">
+            <a:schemeClr val="lt1"/>
+          </a:fontRef>
+        </p:style>
+        <p:txBody>
+          <a:bodyPr rtlCol="0" anchor="ctr"/>
+          <a:lstStyle/>
+          <a:p>
+            <a:pPr algn="ctr"/>
+            <a:endParaRPr lang="en-US"/>
+          </a:p>
+        </p:txBody>
+      </p:sp>
+      <p:sp>
+        <p:nvSpPr>
+          <p:cNvPr id="2" name="Title 1"/>
+          <p:cNvSpPr>
+            <a:spLocks noGrp="1"/>
+          </p:cNvSpPr>
+          <p:nvPr>
+            <p:ph type="title"/>
+          </p:nvPr>
+        </p:nvSpPr>
+        <p:spPr>
+          <a:xfrm>
+            <a:off x="829781" y="2745736"/>
+            <a:ext cx="3698803" cy="1366528"/>
+          </a:xfrm>
+          <a:solidFill>
+            <a:schemeClr val="bg1">
+              <a:alpha val="50000"/>
+            </a:schemeClr>
+          </a:solidFill>
+          <a:ln w="25400" cap="sq">
+            <a:solidFill>
+              <a:schemeClr val="tx1"/>
+            </a:solidFill>
+            <a:miter lim="800000"/>
+          </a:ln>
+        </p:spPr>
+        <p:txBody>
+          <a:bodyPr>
+            <a:normAutofit/>
+          </a:bodyPr>
+          <a:lstStyle/>
+          <a:p>
+            <a:pPr algn="ctr"/>
+            <a:r>
+              <a:rPr lang="en-US" sz="3200"/>
+              <a:t>Presentation</a:t>
+            </a:r>
+          </a:p>
+        </p:txBody>
+      </p:sp>
+      <p:sp>
+        <p:nvSpPr>
+          <p:cNvPr id="3" name="Content Placeholder 2"/>
+          <p:cNvSpPr>
+            <a:spLocks noGrp="1"/>
+          </p:cNvSpPr>
+          <p:nvPr>
+            <p:ph idx="1"/>
+          </p:nvPr>
+        </p:nvSpPr>
+        <p:spPr>
+          <a:xfrm>
+            <a:off x="6049182" y="802638"/>
+            <a:ext cx="5408696" cy="5252722"/>
+          </a:xfrm>
+        </p:spPr>
+        <p:txBody>
+          <a:bodyPr anchor="ctr">
+            <a:normAutofit/>
+          </a:bodyPr>
+          <a:lstStyle/>
+          <a:p>
+            <a:r>
+              <a:rPr lang="en-US" sz="2400">
+                <a:solidFill>
+                  <a:schemeClr val="bg1"/>
+                </a:solidFill>
+              </a:rPr>
+              <a:t>What are reactive apps?</a:t>
+            </a:r>
+          </a:p>
+          <a:p>
+            <a:r>
+              <a:rPr lang="en-US" sz="2400">
+                <a:solidFill>
+                  <a:schemeClr val="bg1"/>
+                </a:solidFill>
+              </a:rPr>
+              <a:t>Motivation</a:t>
+            </a:r>
+          </a:p>
+          <a:p>
+            <a:r>
+              <a:rPr lang="en-US" sz="2400">
+                <a:solidFill>
+                  <a:schemeClr val="bg1"/>
+                </a:solidFill>
+              </a:rPr>
+              <a:t>Solution</a:t>
+            </a:r>
+          </a:p>
+          <a:p>
+            <a:r>
+              <a:rPr lang="en-US" sz="2400">
+                <a:solidFill>
+                  <a:schemeClr val="bg1"/>
+                </a:solidFill>
+              </a:rPr>
+              <a:t>Problems that we encountered</a:t>
+            </a:r>
+          </a:p>
+          <a:p>
+            <a:r>
+              <a:rPr lang="en-US" sz="2400" b="1">
+                <a:solidFill>
+                  <a:schemeClr val="bg1"/>
+                </a:solidFill>
+              </a:rPr>
+              <a:t>End advices</a:t>
+            </a:r>
+          </a:p>
+        </p:txBody>
+      </p:sp>
+    </p:spTree>
+    <p:extLst>
+      <p:ext uri="{BB962C8B-B14F-4D97-AF65-F5344CB8AC3E}">
+        <p14:creationId xmlns:p14="http://schemas.microsoft.com/office/powerpoint/2010/main" val="1533761733"/>
+      </p:ext>
+    </p:extLst>
+  </p:cSld>
+  <p:clrMapOvr>
+    <a:masterClrMapping/>
+  </p:clrMapOvr>
+</p:sld>
+</file>
+
+<file path=ppt/slides/slide38.xml><?xml version="1.0" encoding="utf-8"?>
+<p:sld xmlns:a="http://schemas.openxmlformats.org/drawingml/2006/main" xmlns:r="http://schemas.openxmlformats.org/officeDocument/2006/relationships" xmlns:p="http://schemas.openxmlformats.org/presentationml/2006/main">
+  <p:cSld>
+    <p:spTree>
+      <p:nvGrpSpPr>
+        <p:cNvPr id="1" name=""/>
+        <p:cNvGrpSpPr/>
+        <p:nvPr/>
+      </p:nvGrpSpPr>
+      <p:grpSpPr>
+        <a:xfrm>
+          <a:off x="0" y="0"/>
+          <a:ext cx="0" cy="0"/>
+          <a:chOff x="0" y="0"/>
+          <a:chExt cx="0" cy="0"/>
+        </a:xfrm>
+      </p:grpSpPr>
+      <p:sp>
+        <p:nvSpPr>
+          <p:cNvPr id="26" name="Rectangle 25"/>
+          <p:cNvSpPr>
+            <a:spLocks noGrp="1" noRot="1" noChangeAspect="1" noMove="1" noResize="1" noEditPoints="1" noAdjustHandles="1" noChangeArrowheads="1" noChangeShapeType="1" noTextEdit="1"/>
+          </p:cNvSpPr>
+          <p:nvPr>
+            <p:extLst>
+              <p:ext uri="{386F3935-93C4-4BCD-93E2-E3B085C9AB24}">
+                <p16:designElem xmlns:p16="http://schemas.microsoft.com/office/powerpoint/2015/main" val="1"/>
+              </p:ext>
+            </p:extLst>
+          </p:nvPr>
+        </p:nvSpPr>
+        <p:spPr>
+          <a:xfrm>
+            <a:off x="-1" y="-4573"/>
+            <a:ext cx="12192000" cy="1855871"/>
+          </a:xfrm>
+          <a:prstGeom prst="rect">
+            <a:avLst/>
+          </a:prstGeom>
+          <a:solidFill>
+            <a:schemeClr val="tx1">
+              <a:lumMod val="85000"/>
+              <a:lumOff val="15000"/>
+            </a:schemeClr>
+          </a:solidFill>
+          <a:ln>
+            <a:noFill/>
+          </a:ln>
+        </p:spPr>
+        <p:style>
+          <a:lnRef idx="2">
+            <a:schemeClr val="accent1">
+              <a:shade val="50000"/>
+            </a:schemeClr>
+          </a:lnRef>
+          <a:fillRef idx="1">
+            <a:schemeClr val="accent1"/>
+          </a:fillRef>
+          <a:effectRef idx="0">
+            <a:schemeClr val="accent1"/>
+          </a:effectRef>
+          <a:fontRef idx="minor">
+            <a:schemeClr val="lt1"/>
+          </a:fontRef>
+        </p:style>
+        <p:txBody>
+          <a:bodyPr rtlCol="0" anchor="ctr"/>
+          <a:lstStyle/>
+          <a:p>
+            <a:pPr algn="ctr"/>
+            <a:endParaRPr lang="en-US"/>
+          </a:p>
+        </p:txBody>
+      </p:sp>
+      <p:sp>
+        <p:nvSpPr>
+          <p:cNvPr id="2" name="Title 1"/>
+          <p:cNvSpPr>
+            <a:spLocks noGrp="1"/>
+          </p:cNvSpPr>
+          <p:nvPr>
+            <p:ph type="title"/>
+          </p:nvPr>
+        </p:nvSpPr>
+        <p:spPr>
+          <a:xfrm>
+            <a:off x="838200" y="365125"/>
+            <a:ext cx="10515600" cy="1325563"/>
+          </a:xfrm>
+        </p:spPr>
+        <p:txBody>
+          <a:bodyPr>
+            <a:normAutofit/>
+          </a:bodyPr>
+          <a:lstStyle/>
+          <a:p>
+            <a:r>
+              <a:rPr lang="en-US">
+                <a:solidFill>
+                  <a:schemeClr val="bg1"/>
+                </a:solidFill>
+              </a:rPr>
+              <a:t>Advices</a:t>
+            </a:r>
+          </a:p>
+        </p:txBody>
+      </p:sp>
+      <p:graphicFrame>
+        <p:nvGraphicFramePr>
+          <p:cNvPr id="7" name="Content Placeholder 2"/>
+          <p:cNvGraphicFramePr>
+            <a:graphicFrameLocks noGrp="1"/>
+          </p:cNvGraphicFramePr>
+          <p:nvPr>
+            <p:ph idx="1"/>
+            <p:extLst>
+              <p:ext uri="{D42A27DB-BD31-4B8C-83A1-F6EECF244321}">
+                <p14:modId xmlns:p14="http://schemas.microsoft.com/office/powerpoint/2010/main" val="2696012821"/>
+              </p:ext>
+            </p:extLst>
+          </p:nvPr>
+        </p:nvGraphicFramePr>
+        <p:xfrm>
+          <a:off x="838200" y="2500291"/>
+          <a:ext cx="10515600" cy="3676671"/>
+        </p:xfrm>
+        <a:graphic>
+          <a:graphicData uri="http://schemas.openxmlformats.org/drawingml/2006/diagram">
+            <dgm:relIds xmlns:dgm="http://schemas.openxmlformats.org/drawingml/2006/diagram" xmlns:r="http://schemas.openxmlformats.org/officeDocument/2006/relationships" r:dm="rId2" r:lo="rId3" r:qs="rId4" r:cs="rId5"/>
+          </a:graphicData>
+        </a:graphic>
+      </p:graphicFrame>
+    </p:spTree>
+    <p:extLst>
+      <p:ext uri="{BB962C8B-B14F-4D97-AF65-F5344CB8AC3E}">
+        <p14:creationId xmlns:p14="http://schemas.microsoft.com/office/powerpoint/2010/main" val="3667821914"/>
+      </p:ext>
+    </p:extLst>
+  </p:cSld>
+  <p:clrMapOvr>
+    <a:overrideClrMapping bg1="dk1" tx1="lt1" bg2="dk2" tx2="lt2" accent1="accent1" accent2="accent2" accent3="accent3" accent4="accent4" accent5="accent5" accent6="accent6" hlink="hlink" folHlink="folHlink"/>
+  </p:clrMapOvr>
+</p:sld>
+</file>
+
+<file path=ppt/slides/slide39.xml><?xml version="1.0" encoding="utf-8"?>
+<p:sld xmlns:a="http://schemas.openxmlformats.org/drawingml/2006/main" xmlns:r="http://schemas.openxmlformats.org/officeDocument/2006/relationships" xmlns:p="http://schemas.openxmlformats.org/presentationml/2006/main">
+  <p:cSld>
+    <p:spTree>
+      <p:nvGrpSpPr>
+        <p:cNvPr id="1" name=""/>
+        <p:cNvGrpSpPr/>
+        <p:nvPr/>
+      </p:nvGrpSpPr>
+      <p:grpSpPr>
+        <a:xfrm>
+          <a:off x="0" y="0"/>
+          <a:ext cx="0" cy="0"/>
+          <a:chOff x="0" y="0"/>
+          <a:chExt cx="0" cy="0"/>
+        </a:xfrm>
+      </p:grpSpPr>
+      <p:sp>
+        <p:nvSpPr>
+          <p:cNvPr id="8" name="Rectangle 7"/>
+          <p:cNvSpPr>
+            <a:spLocks noGrp="1" noRot="1" noChangeAspect="1" noMove="1" noResize="1" noEditPoints="1" noAdjustHandles="1" noChangeArrowheads="1" noChangeShapeType="1" noTextEdit="1"/>
+          </p:cNvSpPr>
+          <p:nvPr>
+            <p:extLst>
+              <p:ext uri="{386F3935-93C4-4BCD-93E2-E3B085C9AB24}">
+                <p16:designElem xmlns:p16="http://schemas.microsoft.com/office/powerpoint/2015/main" val="1"/>
+              </p:ext>
+            </p:extLst>
+          </p:nvPr>
+        </p:nvSpPr>
+        <p:spPr>
+          <a:xfrm>
+            <a:off x="5315061" y="-2"/>
+            <a:ext cx="6876939" cy="6858002"/>
+          </a:xfrm>
+          <a:prstGeom prst="rect">
+            <a:avLst/>
+          </a:prstGeom>
+          <a:solidFill>
+            <a:schemeClr val="tx1">
+              <a:lumMod val="85000"/>
+              <a:lumOff val="15000"/>
+            </a:schemeClr>
+          </a:solidFill>
+          <a:ln>
+            <a:noFill/>
+          </a:ln>
+        </p:spPr>
+        <p:style>
+          <a:lnRef idx="2">
+            <a:schemeClr val="accent1">
+              <a:shade val="50000"/>
+            </a:schemeClr>
+          </a:lnRef>
+          <a:fillRef idx="1">
+            <a:schemeClr val="accent1"/>
+          </a:fillRef>
+          <a:effectRef idx="0">
+            <a:schemeClr val="accent1"/>
+          </a:effectRef>
+          <a:fontRef idx="minor">
+            <a:schemeClr val="lt1"/>
+          </a:fontRef>
+        </p:style>
+        <p:txBody>
+          <a:bodyPr rtlCol="0" anchor="ctr"/>
+          <a:lstStyle/>
+          <a:p>
+            <a:pPr algn="ctr"/>
+            <a:endParaRPr lang="en-US"/>
+          </a:p>
+        </p:txBody>
+      </p:sp>
+      <p:sp>
+        <p:nvSpPr>
+          <p:cNvPr id="2" name="Title 1"/>
+          <p:cNvSpPr>
+            <a:spLocks noGrp="1"/>
+          </p:cNvSpPr>
+          <p:nvPr>
+            <p:ph type="title"/>
+          </p:nvPr>
+        </p:nvSpPr>
+        <p:spPr>
+          <a:xfrm>
+            <a:off x="829781" y="2745736"/>
+            <a:ext cx="3698803" cy="1366528"/>
+          </a:xfrm>
+          <a:solidFill>
+            <a:schemeClr val="bg1">
+              <a:alpha val="50000"/>
+            </a:schemeClr>
+          </a:solidFill>
+          <a:ln w="25400" cap="sq">
+            <a:solidFill>
+              <a:schemeClr val="tx1"/>
+            </a:solidFill>
+            <a:miter lim="800000"/>
+          </a:ln>
+        </p:spPr>
+        <p:txBody>
+          <a:bodyPr>
+            <a:normAutofit/>
+          </a:bodyPr>
+          <a:lstStyle/>
+          <a:p>
+            <a:pPr algn="ctr"/>
+            <a:r>
+              <a:rPr lang="en-US" sz="3200"/>
+              <a:t>When is this useful:</a:t>
+            </a:r>
+          </a:p>
+        </p:txBody>
+      </p:sp>
+      <p:sp>
+        <p:nvSpPr>
+          <p:cNvPr id="3" name="Content Placeholder 2"/>
+          <p:cNvSpPr>
+            <a:spLocks noGrp="1"/>
+          </p:cNvSpPr>
+          <p:nvPr>
+            <p:ph idx="1"/>
+          </p:nvPr>
+        </p:nvSpPr>
+        <p:spPr>
+          <a:xfrm>
+            <a:off x="6049182" y="802638"/>
+            <a:ext cx="5408696" cy="5252722"/>
+          </a:xfrm>
+        </p:spPr>
+        <p:txBody>
+          <a:bodyPr anchor="ctr">
+            <a:normAutofit/>
+          </a:bodyPr>
+          <a:lstStyle/>
+          <a:p>
+            <a:r>
+              <a:rPr lang="en-US" sz="3000" dirty="0">
+                <a:solidFill>
+                  <a:schemeClr val="bg1"/>
+                </a:solidFill>
+              </a:rPr>
+              <a:t>Complex application</a:t>
+            </a:r>
+          </a:p>
+          <a:p>
+            <a:r>
+              <a:rPr lang="en-US" sz="3000" dirty="0">
+                <a:solidFill>
+                  <a:schemeClr val="bg1"/>
+                </a:solidFill>
+              </a:rPr>
+              <a:t>A little delay is acceptable</a:t>
+            </a:r>
+          </a:p>
+          <a:p>
+            <a:r>
+              <a:rPr lang="en-US" sz="3000" dirty="0" err="1">
+                <a:solidFill>
+                  <a:schemeClr val="bg1"/>
+                </a:solidFill>
+              </a:rPr>
+              <a:t>Async</a:t>
+            </a:r>
+            <a:r>
+              <a:rPr lang="en-US" sz="3000" dirty="0">
+                <a:solidFill>
+                  <a:schemeClr val="bg1"/>
+                </a:solidFill>
+              </a:rPr>
+              <a:t> applications</a:t>
+            </a:r>
+          </a:p>
+          <a:p>
+            <a:r>
+              <a:rPr lang="en-US" sz="3000" dirty="0">
+                <a:solidFill>
+                  <a:schemeClr val="bg1"/>
+                </a:solidFill>
+              </a:rPr>
+              <a:t>High test coverage needed</a:t>
+            </a:r>
+          </a:p>
+          <a:p>
+            <a:endParaRPr lang="en-US" sz="2400" dirty="0">
+              <a:solidFill>
+                <a:schemeClr val="bg1"/>
+              </a:solidFill>
+            </a:endParaRPr>
+          </a:p>
+        </p:txBody>
+      </p:sp>
+    </p:spTree>
+    <p:extLst>
+      <p:ext uri="{BB962C8B-B14F-4D97-AF65-F5344CB8AC3E}">
+        <p14:creationId xmlns:p14="http://schemas.microsoft.com/office/powerpoint/2010/main" val="1175363673"/>
+      </p:ext>
+    </p:extLst>
+  </p:cSld>
+  <p:clrMapOvr>
+    <a:masterClrMapping/>
+  </p:clrMapOvr>
+  <p:timing>
+    <p:tnLst>
+      <p:par>
+        <p:cTn id="1" dur="indefinite" restart="never" nodeType="tmRoot">
+          <p:childTnLst>
+            <p:seq concurrent="1" nextAc="seek">
+              <p:cTn id="2" dur="indefinite" nodeType="mainSeq">
+                <p:childTnLst>
+                  <p:par>
+                    <p:cTn id="3" fill="hold">
+                      <p:stCondLst>
+                        <p:cond delay="indefinite"/>
+                      </p:stCondLst>
+                      <p:childTnLst>
+                        <p:par>
+                          <p:cTn id="4" fill="hold">
+                            <p:stCondLst>
+                              <p:cond delay="0"/>
+                            </p:stCondLst>
+                            <p:childTnLst>
+                              <p:par>
+                                <p:cTn id="5" presetID="1" presetClass="entr" presetSubtype="0" fill="hold" grpId="0" nodeType="clickEffect">
+                                  <p:stCondLst>
+                                    <p:cond delay="0"/>
+                                  </p:stCondLst>
+                                  <p:childTnLst>
+                                    <p:set>
+                                      <p:cBhvr>
+                                        <p:cTn id="6" dur="1" fill="hold">
+                                          <p:stCondLst>
+                                            <p:cond delay="0"/>
+                                          </p:stCondLst>
+                                        </p:cTn>
+                                        <p:tgtEl>
+                                          <p:spTgt spid="3">
+                                            <p:txEl>
+                                              <p:pRg st="0" end="0"/>
+                                            </p:txEl>
+                                          </p:spTgt>
+                                        </p:tgtEl>
+                                        <p:attrNameLst>
+                                          <p:attrName>style.visibility</p:attrName>
+                                        </p:attrNameLst>
+                                      </p:cBhvr>
+                                      <p:to>
+                                        <p:strVal val="visible"/>
+                                      </p:to>
+                                    </p:set>
+                                  </p:childTnLst>
+                                </p:cTn>
+                              </p:par>
+                            </p:childTnLst>
+                          </p:cTn>
+                        </p:par>
+                      </p:childTnLst>
+                    </p:cTn>
+                  </p:par>
+                  <p:par>
+                    <p:cTn id="7" fill="hold">
+                      <p:stCondLst>
+                        <p:cond delay="indefinite"/>
+                      </p:stCondLst>
+                      <p:childTnLst>
+                        <p:par>
+                          <p:cTn id="8" fill="hold">
+                            <p:stCondLst>
+                              <p:cond delay="0"/>
+                            </p:stCondLst>
+                            <p:childTnLst>
+                              <p:par>
+                                <p:cTn id="9" presetID="1" presetClass="entr" presetSubtype="0" fill="hold" grpId="0" nodeType="clickEffect">
+                                  <p:stCondLst>
+                                    <p:cond delay="0"/>
+                                  </p:stCondLst>
+                                  <p:childTnLst>
+                                    <p:set>
+                                      <p:cBhvr>
+                                        <p:cTn id="10" dur="1" fill="hold">
+                                          <p:stCondLst>
+                                            <p:cond delay="0"/>
+                                          </p:stCondLst>
+                                        </p:cTn>
+                                        <p:tgtEl>
+                                          <p:spTgt spid="3">
+                                            <p:txEl>
+                                              <p:pRg st="1" end="1"/>
+                                            </p:txEl>
+                                          </p:spTgt>
+                                        </p:tgtEl>
+                                        <p:attrNameLst>
+                                          <p:attrName>style.visibility</p:attrName>
+                                        </p:attrNameLst>
+                                      </p:cBhvr>
+                                      <p:to>
+                                        <p:strVal val="visible"/>
+                                      </p:to>
+                                    </p:set>
+                                  </p:childTnLst>
+                                </p:cTn>
+                              </p:par>
+                            </p:childTnLst>
+                          </p:cTn>
+                        </p:par>
+                      </p:childTnLst>
+                    </p:cTn>
+                  </p:par>
+                  <p:par>
+                    <p:cTn id="11" fill="hold">
+                      <p:stCondLst>
+                        <p:cond delay="indefinite"/>
+                      </p:stCondLst>
+                      <p:childTnLst>
+                        <p:par>
+                          <p:cTn id="12" fill="hold">
+                            <p:stCondLst>
+                              <p:cond delay="0"/>
+                            </p:stCondLst>
+                            <p:childTnLst>
+                              <p:par>
+                                <p:cTn id="13" presetID="1" presetClass="entr" presetSubtype="0" fill="hold" grpId="0" nodeType="clickEffect">
+                                  <p:stCondLst>
+                                    <p:cond delay="0"/>
+                                  </p:stCondLst>
+                                  <p:childTnLst>
+                                    <p:set>
+                                      <p:cBhvr>
+                                        <p:cTn id="14" dur="1" fill="hold">
+                                          <p:stCondLst>
+                                            <p:cond delay="0"/>
+                                          </p:stCondLst>
+                                        </p:cTn>
+                                        <p:tgtEl>
+                                          <p:spTgt spid="3">
+                                            <p:txEl>
+                                              <p:pRg st="2" end="2"/>
+                                            </p:txEl>
+                                          </p:spTgt>
+                                        </p:tgtEl>
+                                        <p:attrNameLst>
+                                          <p:attrName>style.visibility</p:attrName>
+                                        </p:attrNameLst>
+                                      </p:cBhvr>
+                                      <p:to>
+                                        <p:strVal val="visible"/>
+                                      </p:to>
+                                    </p:set>
+                                  </p:childTnLst>
+                                </p:cTn>
+                              </p:par>
+                            </p:childTnLst>
+                          </p:cTn>
+                        </p:par>
+                      </p:childTnLst>
+                    </p:cTn>
+                  </p:par>
+                  <p:par>
+                    <p:cTn id="15" fill="hold">
+                      <p:stCondLst>
+                        <p:cond delay="indefinite"/>
+                      </p:stCondLst>
+                      <p:childTnLst>
+                        <p:par>
+                          <p:cTn id="16" fill="hold">
+                            <p:stCondLst>
+                              <p:cond delay="0"/>
+                            </p:stCondLst>
+                            <p:childTnLst>
+                              <p:par>
+                                <p:cTn id="17" presetID="1" presetClass="entr" presetSubtype="0" fill="hold" grpId="0" nodeType="clickEffect">
+                                  <p:stCondLst>
+                                    <p:cond delay="0"/>
+                                  </p:stCondLst>
+                                  <p:childTnLst>
+                                    <p:set>
+                                      <p:cBhvr>
+                                        <p:cTn id="18" dur="1" fill="hold">
+                                          <p:stCondLst>
+                                            <p:cond delay="0"/>
+                                          </p:stCondLst>
+                                        </p:cTn>
+                                        <p:tgtEl>
+                                          <p:spTgt spid="3">
+                                            <p:txEl>
+                                              <p:pRg st="3" end="3"/>
+                                            </p:txEl>
+                                          </p:spTgt>
+                                        </p:tgtEl>
+                                        <p:attrNameLst>
+                                          <p:attrName>style.visibility</p:attrName>
+                                        </p:attrNameLst>
+                                      </p:cBhvr>
+                                      <p:to>
+                                        <p:strVal val="visible"/>
+                                      </p:to>
+                                    </p:set>
+                                  </p:childTnLst>
+                                </p:cTn>
+                              </p:par>
+                            </p:childTnLst>
+                          </p:cTn>
+                        </p:par>
+                      </p:childTnLst>
+                    </p:cTn>
+                  </p:par>
+                </p:childTnLst>
+              </p:cTn>
+              <p:prevCondLst>
+                <p:cond evt="onPrev" delay="0">
+                  <p:tgtEl>
+                    <p:sldTgt/>
+                  </p:tgtEl>
+                </p:cond>
+              </p:prevCondLst>
+              <p:nextCondLst>
+                <p:cond evt="onNext" delay="0">
+                  <p:tgtEl>
+                    <p:sldTgt/>
+                  </p:tgtEl>
+                </p:cond>
+              </p:nextCondLst>
+            </p:seq>
+          </p:childTnLst>
+        </p:cTn>
+      </p:par>
+    </p:tnLst>
+    <p:bldLst>
+      <p:bldP spid="3" grpId="0" build="p"/>
+    </p:bldLst>
+  </p:timing>
+</p:sld>
+</file>
+
+<file path=ppt/slides/slide4.xml><?xml version="1.0" encoding="utf-8"?>
 <p:sld xmlns:a="http://schemas.openxmlformats.org/drawingml/2006/main" xmlns:r="http://schemas.openxmlformats.org/officeDocument/2006/relationships" xmlns:p="http://schemas.openxmlformats.org/presentationml/2006/main">
   <p:cSld>
     <p:spTree>
@@ -10663,7 +12838,7 @@
 </p:sld>
 </file>
 
-<file path=ppt/slides/slide30.xml><?xml version="1.0" encoding="utf-8"?>
+<file path=ppt/slides/slide40.xml><?xml version="1.0" encoding="utf-8"?>
 <p:sld xmlns:a="http://schemas.openxmlformats.org/drawingml/2006/main" xmlns:r="http://schemas.openxmlformats.org/officeDocument/2006/relationships" xmlns:p="http://schemas.openxmlformats.org/presentationml/2006/main">
   <p:cSld>
     <p:spTree>
@@ -10697,68 +12872,391 @@
           <a:p>
             <a:r>
               <a:rPr lang="en-US" dirty="0"/>
-              <a:t>[Bad] Inject events in command constructor</a:t>
-            </a:r>
-          </a:p>
-        </p:txBody>
-      </p:sp>
-      <p:pic>
-        <p:nvPicPr>
-          <p:cNvPr id="3074" name="Picture 2" descr="Image result for demeter's law"/>
-          <p:cNvPicPr>
-            <a:picLocks noGrp="1" noChangeAspect="1" noChangeArrowheads="1"/>
-          </p:cNvPicPr>
+              <a:t>Problems unsolved:</a:t>
+            </a:r>
+          </a:p>
+        </p:txBody>
+      </p:sp>
+      <p:sp>
+        <p:nvSpPr>
+          <p:cNvPr id="3" name="Content Placeholder 2"/>
+          <p:cNvSpPr>
+            <a:spLocks noGrp="1"/>
+          </p:cNvSpPr>
           <p:nvPr>
             <p:ph idx="1"/>
           </p:nvPr>
-        </p:nvPicPr>
-        <p:blipFill>
-          <a:blip r:embed="rId2">
-            <a:extLst>
-              <a:ext uri="{28A0092B-C50C-407E-A947-70E740481C1C}">
-                <a14:useLocalDpi xmlns:a14="http://schemas.microsoft.com/office/drawing/2010/main" val="0"/>
-              </a:ext>
-            </a:extLst>
-          </a:blip>
-          <a:srcRect/>
-          <a:stretch>
-            <a:fillRect/>
-          </a:stretch>
-        </p:blipFill>
-        <p:spPr bwMode="auto">
-          <a:xfrm>
-            <a:off x="3211630" y="1570183"/>
-            <a:ext cx="5884657" cy="4959926"/>
-          </a:xfrm>
-          <a:prstGeom prst="rect">
-            <a:avLst/>
-          </a:prstGeom>
-          <a:noFill/>
-          <a:extLst>
-            <a:ext uri="{909E8E84-426E-40DD-AFC4-6F175D3DCCD1}">
-              <a14:hiddenFill xmlns:a14="http://schemas.microsoft.com/office/drawing/2010/main">
-                <a:solidFill>
-                  <a:srgbClr val="FFFFFF"/>
-                </a:solidFill>
-              </a14:hiddenFill>
-            </a:ext>
-          </a:extLst>
-        </p:spPr>
-      </p:pic>
+        </p:nvSpPr>
+        <p:spPr/>
+        <p:txBody>
+          <a:bodyPr/>
+          <a:lstStyle/>
+          <a:p>
+            <a:r>
+              <a:rPr lang="en-US" dirty="0"/>
+              <a:t>Sync Loops</a:t>
+            </a:r>
+          </a:p>
+          <a:p>
+            <a:r>
+              <a:rPr lang="en-US" dirty="0"/>
+              <a:t>Restrict parallelism level</a:t>
+            </a:r>
+          </a:p>
+          <a:p>
+            <a:r>
+              <a:rPr lang="en-US" dirty="0"/>
+              <a:t>Min 4 code changes for every new command</a:t>
+            </a:r>
+          </a:p>
+          <a:p>
+            <a:pPr lvl="1"/>
+            <a:r>
+              <a:rPr lang="en-US" dirty="0"/>
+              <a:t>Create Command class</a:t>
+            </a:r>
+          </a:p>
+          <a:p>
+            <a:pPr lvl="1"/>
+            <a:r>
+              <a:rPr lang="en-US" dirty="0"/>
+              <a:t>Create event class (one or more)</a:t>
+            </a:r>
+          </a:p>
+          <a:p>
+            <a:pPr lvl="1"/>
+            <a:r>
+              <a:rPr lang="en-US" dirty="0"/>
+              <a:t>Create link between Event and Command</a:t>
+            </a:r>
+          </a:p>
+          <a:p>
+            <a:pPr lvl="1"/>
+            <a:r>
+              <a:rPr lang="en-US" dirty="0"/>
+              <a:t>Register command</a:t>
+            </a:r>
+          </a:p>
+        </p:txBody>
+      </p:sp>
     </p:spTree>
     <p:extLst>
       <p:ext uri="{BB962C8B-B14F-4D97-AF65-F5344CB8AC3E}">
-        <p14:creationId xmlns:p14="http://schemas.microsoft.com/office/powerpoint/2010/main" val="3659058797"/>
+        <p14:creationId xmlns:p14="http://schemas.microsoft.com/office/powerpoint/2010/main" val="250135916"/>
       </p:ext>
     </p:extLst>
   </p:cSld>
   <p:clrMapOvr>
     <a:masterClrMapping/>
   </p:clrMapOvr>
+  <p:timing>
+    <p:tnLst>
+      <p:par>
+        <p:cTn id="1" dur="indefinite" restart="never" nodeType="tmRoot">
+          <p:childTnLst>
+            <p:seq concurrent="1" nextAc="seek">
+              <p:cTn id="2" dur="indefinite" nodeType="mainSeq">
+                <p:childTnLst>
+                  <p:par>
+                    <p:cTn id="3" fill="hold">
+                      <p:stCondLst>
+                        <p:cond delay="indefinite"/>
+                      </p:stCondLst>
+                      <p:childTnLst>
+                        <p:par>
+                          <p:cTn id="4" fill="hold">
+                            <p:stCondLst>
+                              <p:cond delay="0"/>
+                            </p:stCondLst>
+                            <p:childTnLst>
+                              <p:par>
+                                <p:cTn id="5" presetID="1" presetClass="entr" presetSubtype="0" fill="hold" grpId="0" nodeType="clickEffect">
+                                  <p:stCondLst>
+                                    <p:cond delay="0"/>
+                                  </p:stCondLst>
+                                  <p:childTnLst>
+                                    <p:set>
+                                      <p:cBhvr>
+                                        <p:cTn id="6" dur="1" fill="hold">
+                                          <p:stCondLst>
+                                            <p:cond delay="0"/>
+                                          </p:stCondLst>
+                                        </p:cTn>
+                                        <p:tgtEl>
+                                          <p:spTgt spid="3">
+                                            <p:txEl>
+                                              <p:pRg st="0" end="0"/>
+                                            </p:txEl>
+                                          </p:spTgt>
+                                        </p:tgtEl>
+                                        <p:attrNameLst>
+                                          <p:attrName>style.visibility</p:attrName>
+                                        </p:attrNameLst>
+                                      </p:cBhvr>
+                                      <p:to>
+                                        <p:strVal val="visible"/>
+                                      </p:to>
+                                    </p:set>
+                                  </p:childTnLst>
+                                </p:cTn>
+                              </p:par>
+                            </p:childTnLst>
+                          </p:cTn>
+                        </p:par>
+                      </p:childTnLst>
+                    </p:cTn>
+                  </p:par>
+                  <p:par>
+                    <p:cTn id="7" fill="hold">
+                      <p:stCondLst>
+                        <p:cond delay="indefinite"/>
+                      </p:stCondLst>
+                      <p:childTnLst>
+                        <p:par>
+                          <p:cTn id="8" fill="hold">
+                            <p:stCondLst>
+                              <p:cond delay="0"/>
+                            </p:stCondLst>
+                            <p:childTnLst>
+                              <p:par>
+                                <p:cTn id="9" presetID="1" presetClass="entr" presetSubtype="0" fill="hold" grpId="0" nodeType="clickEffect">
+                                  <p:stCondLst>
+                                    <p:cond delay="0"/>
+                                  </p:stCondLst>
+                                  <p:childTnLst>
+                                    <p:set>
+                                      <p:cBhvr>
+                                        <p:cTn id="10" dur="1" fill="hold">
+                                          <p:stCondLst>
+                                            <p:cond delay="0"/>
+                                          </p:stCondLst>
+                                        </p:cTn>
+                                        <p:tgtEl>
+                                          <p:spTgt spid="3">
+                                            <p:txEl>
+                                              <p:pRg st="1" end="1"/>
+                                            </p:txEl>
+                                          </p:spTgt>
+                                        </p:tgtEl>
+                                        <p:attrNameLst>
+                                          <p:attrName>style.visibility</p:attrName>
+                                        </p:attrNameLst>
+                                      </p:cBhvr>
+                                      <p:to>
+                                        <p:strVal val="visible"/>
+                                      </p:to>
+                                    </p:set>
+                                  </p:childTnLst>
+                                </p:cTn>
+                              </p:par>
+                            </p:childTnLst>
+                          </p:cTn>
+                        </p:par>
+                      </p:childTnLst>
+                    </p:cTn>
+                  </p:par>
+                  <p:par>
+                    <p:cTn id="11" fill="hold">
+                      <p:stCondLst>
+                        <p:cond delay="indefinite"/>
+                      </p:stCondLst>
+                      <p:childTnLst>
+                        <p:par>
+                          <p:cTn id="12" fill="hold">
+                            <p:stCondLst>
+                              <p:cond delay="0"/>
+                            </p:stCondLst>
+                            <p:childTnLst>
+                              <p:par>
+                                <p:cTn id="13" presetID="1" presetClass="entr" presetSubtype="0" fill="hold" grpId="0" nodeType="clickEffect">
+                                  <p:stCondLst>
+                                    <p:cond delay="0"/>
+                                  </p:stCondLst>
+                                  <p:childTnLst>
+                                    <p:set>
+                                      <p:cBhvr>
+                                        <p:cTn id="14" dur="1" fill="hold">
+                                          <p:stCondLst>
+                                            <p:cond delay="0"/>
+                                          </p:stCondLst>
+                                        </p:cTn>
+                                        <p:tgtEl>
+                                          <p:spTgt spid="3">
+                                            <p:txEl>
+                                              <p:pRg st="2" end="2"/>
+                                            </p:txEl>
+                                          </p:spTgt>
+                                        </p:tgtEl>
+                                        <p:attrNameLst>
+                                          <p:attrName>style.visibility</p:attrName>
+                                        </p:attrNameLst>
+                                      </p:cBhvr>
+                                      <p:to>
+                                        <p:strVal val="visible"/>
+                                      </p:to>
+                                    </p:set>
+                                  </p:childTnLst>
+                                </p:cTn>
+                              </p:par>
+                              <p:par>
+                                <p:cTn id="15" presetID="1" presetClass="entr" presetSubtype="0" fill="hold" grpId="0" nodeType="withEffect">
+                                  <p:stCondLst>
+                                    <p:cond delay="0"/>
+                                  </p:stCondLst>
+                                  <p:childTnLst>
+                                    <p:set>
+                                      <p:cBhvr>
+                                        <p:cTn id="16" dur="1" fill="hold">
+                                          <p:stCondLst>
+                                            <p:cond delay="0"/>
+                                          </p:stCondLst>
+                                        </p:cTn>
+                                        <p:tgtEl>
+                                          <p:spTgt spid="3">
+                                            <p:txEl>
+                                              <p:pRg st="3" end="3"/>
+                                            </p:txEl>
+                                          </p:spTgt>
+                                        </p:tgtEl>
+                                        <p:attrNameLst>
+                                          <p:attrName>style.visibility</p:attrName>
+                                        </p:attrNameLst>
+                                      </p:cBhvr>
+                                      <p:to>
+                                        <p:strVal val="visible"/>
+                                      </p:to>
+                                    </p:set>
+                                  </p:childTnLst>
+                                </p:cTn>
+                              </p:par>
+                              <p:par>
+                                <p:cTn id="17" presetID="1" presetClass="entr" presetSubtype="0" fill="hold" grpId="0" nodeType="withEffect">
+                                  <p:stCondLst>
+                                    <p:cond delay="0"/>
+                                  </p:stCondLst>
+                                  <p:childTnLst>
+                                    <p:set>
+                                      <p:cBhvr>
+                                        <p:cTn id="18" dur="1" fill="hold">
+                                          <p:stCondLst>
+                                            <p:cond delay="0"/>
+                                          </p:stCondLst>
+                                        </p:cTn>
+                                        <p:tgtEl>
+                                          <p:spTgt spid="3">
+                                            <p:txEl>
+                                              <p:pRg st="4" end="4"/>
+                                            </p:txEl>
+                                          </p:spTgt>
+                                        </p:tgtEl>
+                                        <p:attrNameLst>
+                                          <p:attrName>style.visibility</p:attrName>
+                                        </p:attrNameLst>
+                                      </p:cBhvr>
+                                      <p:to>
+                                        <p:strVal val="visible"/>
+                                      </p:to>
+                                    </p:set>
+                                  </p:childTnLst>
+                                </p:cTn>
+                              </p:par>
+                              <p:par>
+                                <p:cTn id="19" presetID="1" presetClass="entr" presetSubtype="0" fill="hold" grpId="0" nodeType="withEffect">
+                                  <p:stCondLst>
+                                    <p:cond delay="0"/>
+                                  </p:stCondLst>
+                                  <p:childTnLst>
+                                    <p:set>
+                                      <p:cBhvr>
+                                        <p:cTn id="20" dur="1" fill="hold">
+                                          <p:stCondLst>
+                                            <p:cond delay="0"/>
+                                          </p:stCondLst>
+                                        </p:cTn>
+                                        <p:tgtEl>
+                                          <p:spTgt spid="3">
+                                            <p:txEl>
+                                              <p:pRg st="5" end="5"/>
+                                            </p:txEl>
+                                          </p:spTgt>
+                                        </p:tgtEl>
+                                        <p:attrNameLst>
+                                          <p:attrName>style.visibility</p:attrName>
+                                        </p:attrNameLst>
+                                      </p:cBhvr>
+                                      <p:to>
+                                        <p:strVal val="visible"/>
+                                      </p:to>
+                                    </p:set>
+                                  </p:childTnLst>
+                                </p:cTn>
+                              </p:par>
+                              <p:par>
+                                <p:cTn id="21" presetID="1" presetClass="entr" presetSubtype="0" fill="hold" grpId="0" nodeType="withEffect">
+                                  <p:stCondLst>
+                                    <p:cond delay="0"/>
+                                  </p:stCondLst>
+                                  <p:childTnLst>
+                                    <p:set>
+                                      <p:cBhvr>
+                                        <p:cTn id="22" dur="1" fill="hold">
+                                          <p:stCondLst>
+                                            <p:cond delay="0"/>
+                                          </p:stCondLst>
+                                        </p:cTn>
+                                        <p:tgtEl>
+                                          <p:spTgt spid="3">
+                                            <p:txEl>
+                                              <p:pRg st="6" end="6"/>
+                                            </p:txEl>
+                                          </p:spTgt>
+                                        </p:tgtEl>
+                                        <p:attrNameLst>
+                                          <p:attrName>style.visibility</p:attrName>
+                                        </p:attrNameLst>
+                                      </p:cBhvr>
+                                      <p:to>
+                                        <p:strVal val="visible"/>
+                                      </p:to>
+                                    </p:set>
+                                  </p:childTnLst>
+                                </p:cTn>
+                              </p:par>
+                            </p:childTnLst>
+                          </p:cTn>
+                        </p:par>
+                      </p:childTnLst>
+                    </p:cTn>
+                  </p:par>
+                </p:childTnLst>
+              </p:cTn>
+              <p:prevCondLst>
+                <p:cond evt="onPrev" delay="0">
+                  <p:tgtEl>
+                    <p:sldTgt/>
+                  </p:tgtEl>
+                </p:cond>
+              </p:prevCondLst>
+              <p:nextCondLst>
+                <p:cond evt="onNext" delay="0">
+                  <p:tgtEl>
+                    <p:sldTgt/>
+                  </p:tgtEl>
+                </p:cond>
+              </p:nextCondLst>
+            </p:seq>
+          </p:childTnLst>
+        </p:cTn>
+      </p:par>
+    </p:tnLst>
+    <p:bldLst>
+      <p:bldP spid="3" grpId="0" build="p"/>
+    </p:bldLst>
+  </p:timing>
 </p:sld>
 </file>
 
-<file path=ppt/slides/slide31.xml><?xml version="1.0" encoding="utf-8"?>
+<file path=ppt/slides/slide41.xml><?xml version="1.0" encoding="utf-8"?>
 <p:sld xmlns:a="http://schemas.openxmlformats.org/drawingml/2006/main" xmlns:r="http://schemas.openxmlformats.org/officeDocument/2006/relationships" xmlns:p="http://schemas.openxmlformats.org/presentationml/2006/main">
   <p:cSld>
     <p:spTree>
@@ -10792,41 +13290,34 @@
           <a:p>
             <a:r>
               <a:rPr lang="en-US" dirty="0"/>
-              <a:t>[Good] Make Helper Base commands</a:t>
-            </a:r>
-          </a:p>
-        </p:txBody>
-      </p:sp>
-      <p:pic>
-        <p:nvPicPr>
-          <p:cNvPr id="4" name="Content Placeholder 3"/>
-          <p:cNvPicPr>
-            <a:picLocks noGrp="1" noChangeAspect="1"/>
-          </p:cNvPicPr>
+              <a:t>Questions?</a:t>
+            </a:r>
+          </a:p>
+        </p:txBody>
+      </p:sp>
+      <p:sp>
+        <p:nvSpPr>
+          <p:cNvPr id="3" name="Content Placeholder 2"/>
+          <p:cNvSpPr>
+            <a:spLocks noGrp="1"/>
+          </p:cNvSpPr>
           <p:nvPr>
             <p:ph idx="1"/>
           </p:nvPr>
-        </p:nvPicPr>
-        <p:blipFill>
-          <a:blip r:embed="rId2"/>
-          <a:stretch>
-            <a:fillRect/>
-          </a:stretch>
-        </p:blipFill>
-        <p:spPr>
-          <a:xfrm>
-            <a:off x="1459345" y="1716153"/>
-            <a:ext cx="8193493" cy="4038102"/>
-          </a:xfrm>
-          <a:prstGeom prst="rect">
-            <a:avLst/>
-          </a:prstGeom>
-        </p:spPr>
-      </p:pic>
+        </p:nvSpPr>
+        <p:spPr/>
+        <p:txBody>
+          <a:bodyPr/>
+          <a:lstStyle/>
+          <a:p>
+            <a:endParaRPr lang="en-US"/>
+          </a:p>
+        </p:txBody>
+      </p:sp>
     </p:spTree>
     <p:extLst>
       <p:ext uri="{BB962C8B-B14F-4D97-AF65-F5344CB8AC3E}">
-        <p14:creationId xmlns:p14="http://schemas.microsoft.com/office/powerpoint/2010/main" val="809775188"/>
+        <p14:creationId xmlns:p14="http://schemas.microsoft.com/office/powerpoint/2010/main" val="2492929004"/>
       </p:ext>
     </p:extLst>
   </p:cSld>
@@ -10836,7 +13327,7 @@
 </p:sld>
 </file>
 
-<file path=ppt/slides/slide32.xml><?xml version="1.0" encoding="utf-8"?>
+<file path=ppt/slides/slide5.xml><?xml version="1.0" encoding="utf-8"?>
 <p:sld xmlns:a="http://schemas.openxmlformats.org/drawingml/2006/main" xmlns:r="http://schemas.openxmlformats.org/officeDocument/2006/relationships" xmlns:p="http://schemas.openxmlformats.org/presentationml/2006/main">
   <p:cSld>
     <p:spTree>
@@ -10855,301 +13346,7 @@
       </p:grpSpPr>
       <p:sp>
         <p:nvSpPr>
-          <p:cNvPr id="2" name="Title 1"/>
-          <p:cNvSpPr>
-            <a:spLocks noGrp="1"/>
-          </p:cNvSpPr>
-          <p:nvPr>
-            <p:ph type="title"/>
-          </p:nvPr>
-        </p:nvSpPr>
-        <p:spPr/>
-        <p:txBody>
-          <a:bodyPr/>
-          <a:lstStyle/>
-          <a:p>
-            <a:r>
-              <a:rPr lang="en-US" dirty="0"/>
-              <a:t>[Bad] Link only based on event’s class</a:t>
-            </a:r>
-          </a:p>
-        </p:txBody>
-      </p:sp>
-      <p:sp>
-        <p:nvSpPr>
-          <p:cNvPr id="3" name="Content Placeholder 2"/>
-          <p:cNvSpPr>
-            <a:spLocks noGrp="1"/>
-          </p:cNvSpPr>
-          <p:nvPr>
-            <p:ph idx="1"/>
-          </p:nvPr>
-        </p:nvSpPr>
-        <p:spPr/>
-        <p:txBody>
-          <a:bodyPr/>
-          <a:lstStyle/>
-          <a:p>
-            <a:r>
-              <a:rPr lang="en-US" dirty="0"/>
-              <a:t>You will never be able to use the command twice in the same flow</a:t>
-            </a:r>
-          </a:p>
-        </p:txBody>
-      </p:sp>
-    </p:spTree>
-    <p:extLst>
-      <p:ext uri="{BB962C8B-B14F-4D97-AF65-F5344CB8AC3E}">
-        <p14:creationId xmlns:p14="http://schemas.microsoft.com/office/powerpoint/2010/main" val="2662474700"/>
-      </p:ext>
-    </p:extLst>
-  </p:cSld>
-  <p:clrMapOvr>
-    <a:masterClrMapping/>
-  </p:clrMapOvr>
-</p:sld>
-</file>
-
-<file path=ppt/slides/slide33.xml><?xml version="1.0" encoding="utf-8"?>
-<p:sld xmlns:a="http://schemas.openxmlformats.org/drawingml/2006/main" xmlns:r="http://schemas.openxmlformats.org/officeDocument/2006/relationships" xmlns:p="http://schemas.openxmlformats.org/presentationml/2006/main">
-  <p:cSld>
-    <p:spTree>
-      <p:nvGrpSpPr>
-        <p:cNvPr id="1" name=""/>
-        <p:cNvGrpSpPr/>
-        <p:nvPr/>
-      </p:nvGrpSpPr>
-      <p:grpSpPr>
-        <a:xfrm>
-          <a:off x="0" y="0"/>
-          <a:ext cx="0" cy="0"/>
-          <a:chOff x="0" y="0"/>
-          <a:chExt cx="0" cy="0"/>
-        </a:xfrm>
-      </p:grpSpPr>
-      <p:sp>
-        <p:nvSpPr>
-          <p:cNvPr id="2" name="Title 1"/>
-          <p:cNvSpPr>
-            <a:spLocks noGrp="1"/>
-          </p:cNvSpPr>
-          <p:nvPr>
-            <p:ph type="title"/>
-          </p:nvPr>
-        </p:nvSpPr>
-        <p:spPr/>
-        <p:txBody>
-          <a:bodyPr/>
-          <a:lstStyle/>
-          <a:p>
-            <a:r>
-              <a:rPr lang="en-US" dirty="0"/>
-              <a:t>[Good] Have links based on class and name of event</a:t>
-            </a:r>
-          </a:p>
-        </p:txBody>
-      </p:sp>
-      <p:pic>
-        <p:nvPicPr>
-          <p:cNvPr id="4" name="Content Placeholder 3"/>
-          <p:cNvPicPr>
-            <a:picLocks noGrp="1" noChangeAspect="1"/>
-          </p:cNvPicPr>
-          <p:nvPr>
-            <p:ph idx="1"/>
-          </p:nvPr>
-        </p:nvPicPr>
-        <p:blipFill>
-          <a:blip r:embed="rId2"/>
-          <a:stretch>
-            <a:fillRect/>
-          </a:stretch>
-        </p:blipFill>
-        <p:spPr>
-          <a:xfrm>
-            <a:off x="265933" y="1690688"/>
-            <a:ext cx="11810304" cy="3804948"/>
-          </a:xfrm>
-          <a:prstGeom prst="rect">
-            <a:avLst/>
-          </a:prstGeom>
-        </p:spPr>
-      </p:pic>
-    </p:spTree>
-    <p:extLst>
-      <p:ext uri="{BB962C8B-B14F-4D97-AF65-F5344CB8AC3E}">
-        <p14:creationId xmlns:p14="http://schemas.microsoft.com/office/powerpoint/2010/main" val="2810069299"/>
-      </p:ext>
-    </p:extLst>
-  </p:cSld>
-  <p:clrMapOvr>
-    <a:masterClrMapping/>
-  </p:clrMapOvr>
-</p:sld>
-</file>
-
-<file path=ppt/slides/slide34.xml><?xml version="1.0" encoding="utf-8"?>
-<p:sld xmlns:a="http://schemas.openxmlformats.org/drawingml/2006/main" xmlns:r="http://schemas.openxmlformats.org/officeDocument/2006/relationships" xmlns:p="http://schemas.openxmlformats.org/presentationml/2006/main">
-  <p:cSld>
-    <p:spTree>
-      <p:nvGrpSpPr>
-        <p:cNvPr id="1" name=""/>
-        <p:cNvGrpSpPr/>
-        <p:nvPr/>
-      </p:nvGrpSpPr>
-      <p:grpSpPr>
-        <a:xfrm>
-          <a:off x="0" y="0"/>
-          <a:ext cx="0" cy="0"/>
-          <a:chOff x="0" y="0"/>
-          <a:chExt cx="0" cy="0"/>
-        </a:xfrm>
-      </p:grpSpPr>
-      <p:sp>
-        <p:nvSpPr>
-          <p:cNvPr id="2" name="Title 1"/>
-          <p:cNvSpPr>
-            <a:spLocks noGrp="1"/>
-          </p:cNvSpPr>
-          <p:nvPr>
-            <p:ph type="title"/>
-          </p:nvPr>
-        </p:nvSpPr>
-        <p:spPr/>
-        <p:txBody>
-          <a:bodyPr/>
-          <a:lstStyle/>
-          <a:p>
-            <a:r>
-              <a:rPr lang="en-US" dirty="0"/>
-              <a:t>[Bad] Copy paste links from a different flow</a:t>
-            </a:r>
-          </a:p>
-        </p:txBody>
-      </p:sp>
-      <p:sp>
-        <p:nvSpPr>
-          <p:cNvPr id="3" name="Content Placeholder 2"/>
-          <p:cNvSpPr>
-            <a:spLocks noGrp="1"/>
-          </p:cNvSpPr>
-          <p:nvPr>
-            <p:ph idx="1"/>
-          </p:nvPr>
-        </p:nvSpPr>
-        <p:spPr/>
-        <p:txBody>
-          <a:bodyPr/>
-          <a:lstStyle/>
-          <a:p>
-            <a:endParaRPr lang="en-US" dirty="0"/>
-          </a:p>
-        </p:txBody>
-      </p:sp>
-    </p:spTree>
-    <p:extLst>
-      <p:ext uri="{BB962C8B-B14F-4D97-AF65-F5344CB8AC3E}">
-        <p14:creationId xmlns:p14="http://schemas.microsoft.com/office/powerpoint/2010/main" val="3511268381"/>
-      </p:ext>
-    </p:extLst>
-  </p:cSld>
-  <p:clrMapOvr>
-    <a:masterClrMapping/>
-  </p:clrMapOvr>
-</p:sld>
-</file>
-
-<file path=ppt/slides/slide35.xml><?xml version="1.0" encoding="utf-8"?>
-<p:sld xmlns:a="http://schemas.openxmlformats.org/drawingml/2006/main" xmlns:r="http://schemas.openxmlformats.org/officeDocument/2006/relationships" xmlns:p="http://schemas.openxmlformats.org/presentationml/2006/main">
-  <p:cSld>
-    <p:spTree>
-      <p:nvGrpSpPr>
-        <p:cNvPr id="1" name=""/>
-        <p:cNvGrpSpPr/>
-        <p:nvPr/>
-      </p:nvGrpSpPr>
-      <p:grpSpPr>
-        <a:xfrm>
-          <a:off x="0" y="0"/>
-          <a:ext cx="0" cy="0"/>
-          <a:chOff x="0" y="0"/>
-          <a:chExt cx="0" cy="0"/>
-        </a:xfrm>
-      </p:grpSpPr>
-      <p:sp>
-        <p:nvSpPr>
-          <p:cNvPr id="2" name="Title 1"/>
-          <p:cNvSpPr>
-            <a:spLocks noGrp="1"/>
-          </p:cNvSpPr>
-          <p:nvPr>
-            <p:ph type="title"/>
-          </p:nvPr>
-        </p:nvSpPr>
-        <p:spPr/>
-        <p:txBody>
-          <a:bodyPr/>
-          <a:lstStyle/>
-          <a:p>
-            <a:r>
-              <a:rPr lang="en-US" dirty="0"/>
-              <a:t>[Good] Have aggregate commands</a:t>
-            </a:r>
-          </a:p>
-        </p:txBody>
-      </p:sp>
-      <p:sp>
-        <p:nvSpPr>
-          <p:cNvPr id="3" name="Content Placeholder 2"/>
-          <p:cNvSpPr>
-            <a:spLocks noGrp="1"/>
-          </p:cNvSpPr>
-          <p:nvPr>
-            <p:ph idx="1"/>
-          </p:nvPr>
-        </p:nvSpPr>
-        <p:spPr/>
-        <p:txBody>
-          <a:bodyPr/>
-          <a:lstStyle/>
-          <a:p>
-            <a:endParaRPr lang="en-US"/>
-          </a:p>
-        </p:txBody>
-      </p:sp>
-    </p:spTree>
-    <p:extLst>
-      <p:ext uri="{BB962C8B-B14F-4D97-AF65-F5344CB8AC3E}">
-        <p14:creationId xmlns:p14="http://schemas.microsoft.com/office/powerpoint/2010/main" val="3435437884"/>
-      </p:ext>
-    </p:extLst>
-  </p:cSld>
-  <p:clrMapOvr>
-    <a:masterClrMapping/>
-  </p:clrMapOvr>
-</p:sld>
-</file>
-
-<file path=ppt/slides/slide36.xml><?xml version="1.0" encoding="utf-8"?>
-<p:sld xmlns:a="http://schemas.openxmlformats.org/drawingml/2006/main" xmlns:r="http://schemas.openxmlformats.org/officeDocument/2006/relationships" xmlns:p="http://schemas.openxmlformats.org/presentationml/2006/main">
-  <p:cSld>
-    <p:spTree>
-      <p:nvGrpSpPr>
-        <p:cNvPr id="1" name=""/>
-        <p:cNvGrpSpPr/>
-        <p:nvPr/>
-      </p:nvGrpSpPr>
-      <p:grpSpPr>
-        <a:xfrm>
-          <a:off x="0" y="0"/>
-          <a:ext cx="0" cy="0"/>
-          <a:chOff x="0" y="0"/>
-          <a:chExt cx="0" cy="0"/>
-        </a:xfrm>
-      </p:grpSpPr>
-      <p:sp>
-        <p:nvSpPr>
-          <p:cNvPr id="8" name="Rectangle 7"/>
+          <p:cNvPr id="5" name="Rectangle 7"/>
           <p:cNvSpPr>
             <a:spLocks noGrp="1" noRot="1" noChangeAspect="1" noMove="1" noResize="1" noEditPoints="1" noAdjustHandles="1" noChangeArrowheads="1" noChangeShapeType="1" noTextEdit="1"/>
           </p:cNvSpPr>
@@ -11278,423 +13475,6 @@
           </a:p>
           <a:p>
             <a:r>
-              <a:rPr lang="en-US" sz="2400">
-                <a:solidFill>
-                  <a:schemeClr val="bg1"/>
-                </a:solidFill>
-              </a:rPr>
-              <a:t>Motivation</a:t>
-            </a:r>
-          </a:p>
-          <a:p>
-            <a:r>
-              <a:rPr lang="en-US" sz="2400">
-                <a:solidFill>
-                  <a:schemeClr val="bg1"/>
-                </a:solidFill>
-              </a:rPr>
-              <a:t>Solution</a:t>
-            </a:r>
-          </a:p>
-          <a:p>
-            <a:r>
-              <a:rPr lang="en-US" sz="2400">
-                <a:solidFill>
-                  <a:schemeClr val="bg1"/>
-                </a:solidFill>
-              </a:rPr>
-              <a:t>Problems that we encountered</a:t>
-            </a:r>
-          </a:p>
-          <a:p>
-            <a:r>
-              <a:rPr lang="en-US" sz="2400" b="1">
-                <a:solidFill>
-                  <a:schemeClr val="bg1"/>
-                </a:solidFill>
-              </a:rPr>
-              <a:t>End advices</a:t>
-            </a:r>
-          </a:p>
-        </p:txBody>
-      </p:sp>
-    </p:spTree>
-    <p:extLst>
-      <p:ext uri="{BB962C8B-B14F-4D97-AF65-F5344CB8AC3E}">
-        <p14:creationId xmlns:p14="http://schemas.microsoft.com/office/powerpoint/2010/main" val="1533761733"/>
-      </p:ext>
-    </p:extLst>
-  </p:cSld>
-  <p:clrMapOvr>
-    <a:masterClrMapping/>
-  </p:clrMapOvr>
-</p:sld>
-</file>
-
-<file path=ppt/slides/slide37.xml><?xml version="1.0" encoding="utf-8"?>
-<p:sld xmlns:a="http://schemas.openxmlformats.org/drawingml/2006/main" xmlns:r="http://schemas.openxmlformats.org/officeDocument/2006/relationships" xmlns:p="http://schemas.openxmlformats.org/presentationml/2006/main">
-  <p:cSld>
-    <p:spTree>
-      <p:nvGrpSpPr>
-        <p:cNvPr id="1" name=""/>
-        <p:cNvGrpSpPr/>
-        <p:nvPr/>
-      </p:nvGrpSpPr>
-      <p:grpSpPr>
-        <a:xfrm>
-          <a:off x="0" y="0"/>
-          <a:ext cx="0" cy="0"/>
-          <a:chOff x="0" y="0"/>
-          <a:chExt cx="0" cy="0"/>
-        </a:xfrm>
-      </p:grpSpPr>
-      <p:sp>
-        <p:nvSpPr>
-          <p:cNvPr id="26" name="Rectangle 25"/>
-          <p:cNvSpPr>
-            <a:spLocks noGrp="1" noRot="1" noChangeAspect="1" noMove="1" noResize="1" noEditPoints="1" noAdjustHandles="1" noChangeArrowheads="1" noChangeShapeType="1" noTextEdit="1"/>
-          </p:cNvSpPr>
-          <p:nvPr>
-            <p:extLst>
-              <p:ext uri="{386F3935-93C4-4BCD-93E2-E3B085C9AB24}">
-                <p16:designElem xmlns:p16="http://schemas.microsoft.com/office/powerpoint/2015/main" val="1"/>
-              </p:ext>
-            </p:extLst>
-          </p:nvPr>
-        </p:nvSpPr>
-        <p:spPr>
-          <a:xfrm>
-            <a:off x="-1" y="-4573"/>
-            <a:ext cx="12192000" cy="1855871"/>
-          </a:xfrm>
-          <a:prstGeom prst="rect">
-            <a:avLst/>
-          </a:prstGeom>
-          <a:solidFill>
-            <a:schemeClr val="tx1">
-              <a:lumMod val="85000"/>
-              <a:lumOff val="15000"/>
-            </a:schemeClr>
-          </a:solidFill>
-          <a:ln>
-            <a:noFill/>
-          </a:ln>
-        </p:spPr>
-        <p:style>
-          <a:lnRef idx="2">
-            <a:schemeClr val="accent1">
-              <a:shade val="50000"/>
-            </a:schemeClr>
-          </a:lnRef>
-          <a:fillRef idx="1">
-            <a:schemeClr val="accent1"/>
-          </a:fillRef>
-          <a:effectRef idx="0">
-            <a:schemeClr val="accent1"/>
-          </a:effectRef>
-          <a:fontRef idx="minor">
-            <a:schemeClr val="lt1"/>
-          </a:fontRef>
-        </p:style>
-        <p:txBody>
-          <a:bodyPr rtlCol="0" anchor="ctr"/>
-          <a:lstStyle/>
-          <a:p>
-            <a:pPr algn="ctr"/>
-            <a:endParaRPr lang="en-US"/>
-          </a:p>
-        </p:txBody>
-      </p:sp>
-      <p:sp>
-        <p:nvSpPr>
-          <p:cNvPr id="2" name="Title 1"/>
-          <p:cNvSpPr>
-            <a:spLocks noGrp="1"/>
-          </p:cNvSpPr>
-          <p:nvPr>
-            <p:ph type="title"/>
-          </p:nvPr>
-        </p:nvSpPr>
-        <p:spPr>
-          <a:xfrm>
-            <a:off x="838200" y="365125"/>
-            <a:ext cx="10515600" cy="1325563"/>
-          </a:xfrm>
-        </p:spPr>
-        <p:txBody>
-          <a:bodyPr>
-            <a:normAutofit/>
-          </a:bodyPr>
-          <a:lstStyle/>
-          <a:p>
-            <a:r>
-              <a:rPr lang="en-US">
-                <a:solidFill>
-                  <a:schemeClr val="bg1"/>
-                </a:solidFill>
-              </a:rPr>
-              <a:t>Advices</a:t>
-            </a:r>
-          </a:p>
-        </p:txBody>
-      </p:sp>
-      <p:graphicFrame>
-        <p:nvGraphicFramePr>
-          <p:cNvPr id="7" name="Content Placeholder 2"/>
-          <p:cNvGraphicFramePr>
-            <a:graphicFrameLocks noGrp="1"/>
-          </p:cNvGraphicFramePr>
-          <p:nvPr>
-            <p:ph idx="1"/>
-            <p:extLst>
-              <p:ext uri="{D42A27DB-BD31-4B8C-83A1-F6EECF244321}">
-                <p14:modId xmlns:p14="http://schemas.microsoft.com/office/powerpoint/2010/main" val="2696012821"/>
-              </p:ext>
-            </p:extLst>
-          </p:nvPr>
-        </p:nvGraphicFramePr>
-        <p:xfrm>
-          <a:off x="838200" y="2500291"/>
-          <a:ext cx="10515600" cy="3676671"/>
-        </p:xfrm>
-        <a:graphic>
-          <a:graphicData uri="http://schemas.openxmlformats.org/drawingml/2006/diagram">
-            <dgm:relIds xmlns:dgm="http://schemas.openxmlformats.org/drawingml/2006/diagram" xmlns:r="http://schemas.openxmlformats.org/officeDocument/2006/relationships" r:dm="rId2" r:lo="rId3" r:qs="rId4" r:cs="rId5"/>
-          </a:graphicData>
-        </a:graphic>
-      </p:graphicFrame>
-    </p:spTree>
-    <p:extLst>
-      <p:ext uri="{BB962C8B-B14F-4D97-AF65-F5344CB8AC3E}">
-        <p14:creationId xmlns:p14="http://schemas.microsoft.com/office/powerpoint/2010/main" val="3667821914"/>
-      </p:ext>
-    </p:extLst>
-  </p:cSld>
-  <p:clrMapOvr>
-    <a:overrideClrMapping bg1="dk1" tx1="lt1" bg2="dk2" tx2="lt2" accent1="accent1" accent2="accent2" accent3="accent3" accent4="accent4" accent5="accent5" accent6="accent6" hlink="hlink" folHlink="folHlink"/>
-  </p:clrMapOvr>
-</p:sld>
-</file>
-
-<file path=ppt/slides/slide38.xml><?xml version="1.0" encoding="utf-8"?>
-<p:sld xmlns:a="http://schemas.openxmlformats.org/drawingml/2006/main" xmlns:r="http://schemas.openxmlformats.org/officeDocument/2006/relationships" xmlns:p="http://schemas.openxmlformats.org/presentationml/2006/main">
-  <p:cSld>
-    <p:spTree>
-      <p:nvGrpSpPr>
-        <p:cNvPr id="1" name=""/>
-        <p:cNvGrpSpPr/>
-        <p:nvPr/>
-      </p:nvGrpSpPr>
-      <p:grpSpPr>
-        <a:xfrm>
-          <a:off x="0" y="0"/>
-          <a:ext cx="0" cy="0"/>
-          <a:chOff x="0" y="0"/>
-          <a:chExt cx="0" cy="0"/>
-        </a:xfrm>
-      </p:grpSpPr>
-      <p:sp>
-        <p:nvSpPr>
-          <p:cNvPr id="2" name="Title 1"/>
-          <p:cNvSpPr>
-            <a:spLocks noGrp="1"/>
-          </p:cNvSpPr>
-          <p:nvPr>
-            <p:ph type="title"/>
-          </p:nvPr>
-        </p:nvSpPr>
-        <p:spPr/>
-        <p:txBody>
-          <a:bodyPr/>
-          <a:lstStyle/>
-          <a:p>
-            <a:r>
-              <a:rPr lang="en-US" dirty="0"/>
-              <a:t>Questions?</a:t>
-            </a:r>
-          </a:p>
-        </p:txBody>
-      </p:sp>
-      <p:sp>
-        <p:nvSpPr>
-          <p:cNvPr id="3" name="Content Placeholder 2"/>
-          <p:cNvSpPr>
-            <a:spLocks noGrp="1"/>
-          </p:cNvSpPr>
-          <p:nvPr>
-            <p:ph idx="1"/>
-          </p:nvPr>
-        </p:nvSpPr>
-        <p:spPr/>
-        <p:txBody>
-          <a:bodyPr/>
-          <a:lstStyle/>
-          <a:p>
-            <a:endParaRPr lang="en-US"/>
-          </a:p>
-        </p:txBody>
-      </p:sp>
-    </p:spTree>
-    <p:extLst>
-      <p:ext uri="{BB962C8B-B14F-4D97-AF65-F5344CB8AC3E}">
-        <p14:creationId xmlns:p14="http://schemas.microsoft.com/office/powerpoint/2010/main" val="2492929004"/>
-      </p:ext>
-    </p:extLst>
-  </p:cSld>
-  <p:clrMapOvr>
-    <a:masterClrMapping/>
-  </p:clrMapOvr>
-</p:sld>
-</file>
-
-<file path=ppt/slides/slide4.xml><?xml version="1.0" encoding="utf-8"?>
-<p:sld xmlns:a="http://schemas.openxmlformats.org/drawingml/2006/main" xmlns:r="http://schemas.openxmlformats.org/officeDocument/2006/relationships" xmlns:p="http://schemas.openxmlformats.org/presentationml/2006/main">
-  <p:cSld>
-    <p:spTree>
-      <p:nvGrpSpPr>
-        <p:cNvPr id="1" name=""/>
-        <p:cNvGrpSpPr/>
-        <p:nvPr/>
-      </p:nvGrpSpPr>
-      <p:grpSpPr>
-        <a:xfrm>
-          <a:off x="0" y="0"/>
-          <a:ext cx="0" cy="0"/>
-          <a:chOff x="0" y="0"/>
-          <a:chExt cx="0" cy="0"/>
-        </a:xfrm>
-      </p:grpSpPr>
-      <p:sp>
-        <p:nvSpPr>
-          <p:cNvPr id="5" name="Rectangle 7"/>
-          <p:cNvSpPr>
-            <a:spLocks noGrp="1" noRot="1" noChangeAspect="1" noMove="1" noResize="1" noEditPoints="1" noAdjustHandles="1" noChangeArrowheads="1" noChangeShapeType="1" noTextEdit="1"/>
-          </p:cNvSpPr>
-          <p:nvPr>
-            <p:extLst>
-              <p:ext uri="{386F3935-93C4-4BCD-93E2-E3B085C9AB24}">
-                <p16:designElem xmlns:p16="http://schemas.microsoft.com/office/powerpoint/2015/main" val="1"/>
-              </p:ext>
-            </p:extLst>
-          </p:nvPr>
-        </p:nvSpPr>
-        <p:spPr>
-          <a:xfrm>
-            <a:off x="5315061" y="-2"/>
-            <a:ext cx="6876939" cy="6858002"/>
-          </a:xfrm>
-          <a:prstGeom prst="rect">
-            <a:avLst/>
-          </a:prstGeom>
-          <a:solidFill>
-            <a:schemeClr val="tx1">
-              <a:lumMod val="85000"/>
-              <a:lumOff val="15000"/>
-            </a:schemeClr>
-          </a:solidFill>
-          <a:ln>
-            <a:noFill/>
-          </a:ln>
-        </p:spPr>
-        <p:style>
-          <a:lnRef idx="2">
-            <a:schemeClr val="accent1">
-              <a:shade val="50000"/>
-            </a:schemeClr>
-          </a:lnRef>
-          <a:fillRef idx="1">
-            <a:schemeClr val="accent1"/>
-          </a:fillRef>
-          <a:effectRef idx="0">
-            <a:schemeClr val="accent1"/>
-          </a:effectRef>
-          <a:fontRef idx="minor">
-            <a:schemeClr val="lt1"/>
-          </a:fontRef>
-        </p:style>
-        <p:txBody>
-          <a:bodyPr rtlCol="0" anchor="ctr"/>
-          <a:lstStyle/>
-          <a:p>
-            <a:pPr algn="ctr"/>
-            <a:endParaRPr lang="en-US"/>
-          </a:p>
-        </p:txBody>
-      </p:sp>
-      <p:sp>
-        <p:nvSpPr>
-          <p:cNvPr id="2" name="Title 1"/>
-          <p:cNvSpPr>
-            <a:spLocks noGrp="1"/>
-          </p:cNvSpPr>
-          <p:nvPr>
-            <p:ph type="title"/>
-          </p:nvPr>
-        </p:nvSpPr>
-        <p:spPr>
-          <a:xfrm>
-            <a:off x="829781" y="2745736"/>
-            <a:ext cx="3698803" cy="1366528"/>
-          </a:xfrm>
-          <a:solidFill>
-            <a:schemeClr val="bg1">
-              <a:alpha val="50000"/>
-            </a:schemeClr>
-          </a:solidFill>
-          <a:ln w="25400" cap="sq">
-            <a:solidFill>
-              <a:schemeClr val="tx1"/>
-            </a:solidFill>
-            <a:miter lim="800000"/>
-          </a:ln>
-        </p:spPr>
-        <p:txBody>
-          <a:bodyPr>
-            <a:normAutofit/>
-          </a:bodyPr>
-          <a:lstStyle/>
-          <a:p>
-            <a:pPr algn="ctr"/>
-            <a:r>
-              <a:rPr lang="en-US" sz="3200"/>
-              <a:t>Presentation</a:t>
-            </a:r>
-          </a:p>
-        </p:txBody>
-      </p:sp>
-      <p:sp>
-        <p:nvSpPr>
-          <p:cNvPr id="3" name="Content Placeholder 2"/>
-          <p:cNvSpPr>
-            <a:spLocks noGrp="1"/>
-          </p:cNvSpPr>
-          <p:nvPr>
-            <p:ph idx="1"/>
-          </p:nvPr>
-        </p:nvSpPr>
-        <p:spPr>
-          <a:xfrm>
-            <a:off x="6049182" y="802638"/>
-            <a:ext cx="5408696" cy="5252722"/>
-          </a:xfrm>
-        </p:spPr>
-        <p:txBody>
-          <a:bodyPr anchor="ctr">
-            <a:normAutofit/>
-          </a:bodyPr>
-          <a:lstStyle/>
-          <a:p>
-            <a:r>
-              <a:rPr lang="en-US" sz="2400">
-                <a:solidFill>
-                  <a:schemeClr val="bg1"/>
-                </a:solidFill>
-              </a:rPr>
-              <a:t>What are reactive apps?</a:t>
-            </a:r>
-          </a:p>
-          <a:p>
-            <a:r>
               <a:rPr lang="en-US" sz="2400" b="1">
                 <a:solidFill>
                   <a:schemeClr val="bg1"/>
@@ -11748,7 +13528,7 @@
 </p:sld>
 </file>
 
-<file path=ppt/slides/slide5.xml><?xml version="1.0" encoding="utf-8"?>
+<file path=ppt/slides/slide6.xml><?xml version="1.0" encoding="utf-8"?>
 <p:sld xmlns:a="http://schemas.openxmlformats.org/drawingml/2006/main" xmlns:r="http://schemas.openxmlformats.org/officeDocument/2006/relationships" xmlns:p="http://schemas.openxmlformats.org/presentationml/2006/main">
   <p:cSld>
     <p:spTree>
@@ -12084,10 +13864,9 @@
           <a:lstStyle/>
           <a:p>
             <a:r>
-              <a:rPr lang="en-US"/>
+              <a:rPr lang="en-US" dirty="0"/>
               <a:t>What problem do we want to solve?</a:t>
             </a:r>
-            <a:endParaRPr lang="en-US" dirty="0"/>
           </a:p>
         </p:txBody>
       </p:sp>
@@ -12114,7 +13893,7 @@
           <a:lstStyle/>
           <a:p>
             <a:r>
-              <a:rPr lang="en-US" sz="3200" dirty="0">
+              <a:rPr lang="en-US" sz="3200">
                 <a:solidFill>
                   <a:schemeClr val="bg1"/>
                 </a:solidFill>
@@ -12125,7 +13904,7 @@
           <a:p>
             <a:pPr lvl="1"/>
             <a:r>
-              <a:rPr lang="en-US" sz="3200" dirty="0">
+              <a:rPr lang="en-US" sz="3200">
                 <a:solidFill>
                   <a:schemeClr val="bg1"/>
                 </a:solidFill>
@@ -12136,7 +13915,7 @@
           <a:p>
             <a:pPr lvl="1"/>
             <a:r>
-              <a:rPr lang="en-US" sz="3200" dirty="0">
+              <a:rPr lang="en-US" sz="3200">
                 <a:solidFill>
                   <a:schemeClr val="bg1"/>
                 </a:solidFill>
@@ -12147,7 +13926,7 @@
           <a:p>
             <a:pPr lvl="1"/>
             <a:r>
-              <a:rPr lang="en-US" sz="3200" dirty="0">
+              <a:rPr lang="en-US" sz="3200">
                 <a:solidFill>
                   <a:schemeClr val="bg1"/>
                 </a:solidFill>
@@ -12158,7 +13937,7 @@
           <a:p>
             <a:pPr lvl="1"/>
             <a:r>
-              <a:rPr lang="en-US" sz="3200" dirty="0">
+              <a:rPr lang="en-US" sz="3200">
                 <a:solidFill>
                   <a:schemeClr val="bg1"/>
                 </a:solidFill>
@@ -12193,10 +13972,281 @@
   <p:clrMapOvr>
     <a:masterClrMapping/>
   </p:clrMapOvr>
+  <p:timing>
+    <p:tnLst>
+      <p:par>
+        <p:cTn id="1" dur="indefinite" restart="never" nodeType="tmRoot">
+          <p:childTnLst>
+            <p:seq concurrent="1" nextAc="seek">
+              <p:cTn id="2" dur="indefinite" nodeType="mainSeq">
+                <p:childTnLst>
+                  <p:par>
+                    <p:cTn id="3" fill="hold">
+                      <p:stCondLst>
+                        <p:cond delay="indefinite"/>
+                      </p:stCondLst>
+                      <p:childTnLst>
+                        <p:par>
+                          <p:cTn id="4" fill="hold">
+                            <p:stCondLst>
+                              <p:cond delay="0"/>
+                            </p:stCondLst>
+                            <p:childTnLst>
+                              <p:par>
+                                <p:cTn id="5" presetID="1" presetClass="entr" presetSubtype="0" fill="hold" nodeType="clickEffect">
+                                  <p:stCondLst>
+                                    <p:cond delay="0"/>
+                                  </p:stCondLst>
+                                  <p:childTnLst>
+                                    <p:set>
+                                      <p:cBhvr>
+                                        <p:cTn id="6" dur="1" fill="hold">
+                                          <p:stCondLst>
+                                            <p:cond delay="0"/>
+                                          </p:stCondLst>
+                                        </p:cTn>
+                                        <p:tgtEl>
+                                          <p:spTgt spid="3">
+                                            <p:txEl>
+                                              <p:pRg st="1" end="1"/>
+                                            </p:txEl>
+                                          </p:spTgt>
+                                        </p:tgtEl>
+                                        <p:attrNameLst>
+                                          <p:attrName>style.visibility</p:attrName>
+                                        </p:attrNameLst>
+                                      </p:cBhvr>
+                                      <p:to>
+                                        <p:strVal val="visible"/>
+                                      </p:to>
+                                    </p:set>
+                                  </p:childTnLst>
+                                </p:cTn>
+                              </p:par>
+                            </p:childTnLst>
+                          </p:cTn>
+                        </p:par>
+                      </p:childTnLst>
+                    </p:cTn>
+                  </p:par>
+                  <p:par>
+                    <p:cTn id="7" fill="hold">
+                      <p:stCondLst>
+                        <p:cond delay="indefinite"/>
+                      </p:stCondLst>
+                      <p:childTnLst>
+                        <p:par>
+                          <p:cTn id="8" fill="hold">
+                            <p:stCondLst>
+                              <p:cond delay="0"/>
+                            </p:stCondLst>
+                            <p:childTnLst>
+                              <p:par>
+                                <p:cTn id="9" presetID="1" presetClass="entr" presetSubtype="0" fill="hold" nodeType="clickEffect">
+                                  <p:stCondLst>
+                                    <p:cond delay="0"/>
+                                  </p:stCondLst>
+                                  <p:childTnLst>
+                                    <p:set>
+                                      <p:cBhvr>
+                                        <p:cTn id="10" dur="1" fill="hold">
+                                          <p:stCondLst>
+                                            <p:cond delay="0"/>
+                                          </p:stCondLst>
+                                        </p:cTn>
+                                        <p:tgtEl>
+                                          <p:spTgt spid="3">
+                                            <p:txEl>
+                                              <p:pRg st="2" end="2"/>
+                                            </p:txEl>
+                                          </p:spTgt>
+                                        </p:tgtEl>
+                                        <p:attrNameLst>
+                                          <p:attrName>style.visibility</p:attrName>
+                                        </p:attrNameLst>
+                                      </p:cBhvr>
+                                      <p:to>
+                                        <p:strVal val="visible"/>
+                                      </p:to>
+                                    </p:set>
+                                  </p:childTnLst>
+                                </p:cTn>
+                              </p:par>
+                            </p:childTnLst>
+                          </p:cTn>
+                        </p:par>
+                      </p:childTnLst>
+                    </p:cTn>
+                  </p:par>
+                  <p:par>
+                    <p:cTn id="11" fill="hold">
+                      <p:stCondLst>
+                        <p:cond delay="indefinite"/>
+                      </p:stCondLst>
+                      <p:childTnLst>
+                        <p:par>
+                          <p:cTn id="12" fill="hold">
+                            <p:stCondLst>
+                              <p:cond delay="0"/>
+                            </p:stCondLst>
+                            <p:childTnLst>
+                              <p:par>
+                                <p:cTn id="13" presetID="1" presetClass="entr" presetSubtype="0" fill="hold" nodeType="clickEffect">
+                                  <p:stCondLst>
+                                    <p:cond delay="0"/>
+                                  </p:stCondLst>
+                                  <p:childTnLst>
+                                    <p:set>
+                                      <p:cBhvr>
+                                        <p:cTn id="14" dur="1" fill="hold">
+                                          <p:stCondLst>
+                                            <p:cond delay="0"/>
+                                          </p:stCondLst>
+                                        </p:cTn>
+                                        <p:tgtEl>
+                                          <p:spTgt spid="3">
+                                            <p:txEl>
+                                              <p:pRg st="3" end="3"/>
+                                            </p:txEl>
+                                          </p:spTgt>
+                                        </p:tgtEl>
+                                        <p:attrNameLst>
+                                          <p:attrName>style.visibility</p:attrName>
+                                        </p:attrNameLst>
+                                      </p:cBhvr>
+                                      <p:to>
+                                        <p:strVal val="visible"/>
+                                      </p:to>
+                                    </p:set>
+                                  </p:childTnLst>
+                                </p:cTn>
+                              </p:par>
+                            </p:childTnLst>
+                          </p:cTn>
+                        </p:par>
+                      </p:childTnLst>
+                    </p:cTn>
+                  </p:par>
+                  <p:par>
+                    <p:cTn id="15" fill="hold">
+                      <p:stCondLst>
+                        <p:cond delay="indefinite"/>
+                      </p:stCondLst>
+                      <p:childTnLst>
+                        <p:par>
+                          <p:cTn id="16" fill="hold">
+                            <p:stCondLst>
+                              <p:cond delay="0"/>
+                            </p:stCondLst>
+                            <p:childTnLst>
+                              <p:par>
+                                <p:cTn id="17" presetID="1" presetClass="entr" presetSubtype="0" fill="hold" nodeType="clickEffect">
+                                  <p:stCondLst>
+                                    <p:cond delay="0"/>
+                                  </p:stCondLst>
+                                  <p:childTnLst>
+                                    <p:set>
+                                      <p:cBhvr>
+                                        <p:cTn id="18" dur="1" fill="hold">
+                                          <p:stCondLst>
+                                            <p:cond delay="0"/>
+                                          </p:stCondLst>
+                                        </p:cTn>
+                                        <p:tgtEl>
+                                          <p:spTgt spid="3">
+                                            <p:txEl>
+                                              <p:pRg st="4" end="4"/>
+                                            </p:txEl>
+                                          </p:spTgt>
+                                        </p:tgtEl>
+                                        <p:attrNameLst>
+                                          <p:attrName>style.visibility</p:attrName>
+                                        </p:attrNameLst>
+                                      </p:cBhvr>
+                                      <p:to>
+                                        <p:strVal val="visible"/>
+                                      </p:to>
+                                    </p:set>
+                                  </p:childTnLst>
+                                </p:cTn>
+                              </p:par>
+                            </p:childTnLst>
+                          </p:cTn>
+                        </p:par>
+                      </p:childTnLst>
+                    </p:cTn>
+                  </p:par>
+                  <p:par>
+                    <p:cTn id="19" fill="hold">
+                      <p:stCondLst>
+                        <p:cond delay="indefinite"/>
+                      </p:stCondLst>
+                      <p:childTnLst>
+                        <p:par>
+                          <p:cTn id="20" fill="hold">
+                            <p:stCondLst>
+                              <p:cond delay="0"/>
+                            </p:stCondLst>
+                            <p:childTnLst>
+                              <p:par>
+                                <p:cTn id="21" presetID="1" presetClass="entr" presetSubtype="0" fill="hold" nodeType="clickEffect">
+                                  <p:stCondLst>
+                                    <p:cond delay="0"/>
+                                  </p:stCondLst>
+                                  <p:childTnLst>
+                                    <p:set>
+                                      <p:cBhvr>
+                                        <p:cTn id="22" dur="1" fill="hold">
+                                          <p:stCondLst>
+                                            <p:cond delay="0"/>
+                                          </p:stCondLst>
+                                        </p:cTn>
+                                        <p:tgtEl>
+                                          <p:spTgt spid="6146"/>
+                                        </p:tgtEl>
+                                        <p:attrNameLst>
+                                          <p:attrName>style.visibility</p:attrName>
+                                        </p:attrNameLst>
+                                      </p:cBhvr>
+                                      <p:to>
+                                        <p:strVal val="visible"/>
+                                      </p:to>
+                                    </p:set>
+                                  </p:childTnLst>
+                                </p:cTn>
+                              </p:par>
+                            </p:childTnLst>
+                          </p:cTn>
+                        </p:par>
+                      </p:childTnLst>
+                    </p:cTn>
+                  </p:par>
+                </p:childTnLst>
+              </p:cTn>
+              <p:prevCondLst>
+                <p:cond evt="onPrev" delay="0">
+                  <p:tgtEl>
+                    <p:sldTgt/>
+                  </p:tgtEl>
+                </p:cond>
+              </p:prevCondLst>
+              <p:nextCondLst>
+                <p:cond evt="onNext" delay="0">
+                  <p:tgtEl>
+                    <p:sldTgt/>
+                  </p:tgtEl>
+                </p:cond>
+              </p:nextCondLst>
+            </p:seq>
+          </p:childTnLst>
+        </p:cTn>
+      </p:par>
+    </p:tnLst>
+  </p:timing>
 </p:sld>
 </file>
 
-<file path=ppt/slides/slide6.xml><?xml version="1.0" encoding="utf-8"?>
+<file path=ppt/slides/slide7.xml><?xml version="1.0" encoding="utf-8"?>
 <p:sld xmlns:a="http://schemas.openxmlformats.org/drawingml/2006/main" xmlns:r="http://schemas.openxmlformats.org/officeDocument/2006/relationships" xmlns:p="http://schemas.openxmlformats.org/presentationml/2006/main">
   <p:cSld>
     <p:spTree>
@@ -12250,110 +14300,6 @@
 </p:sld>
 </file>
 
-<file path=ppt/slides/slide7.xml><?xml version="1.0" encoding="utf-8"?>
-<p:sld xmlns:a="http://schemas.openxmlformats.org/drawingml/2006/main" xmlns:r="http://schemas.openxmlformats.org/officeDocument/2006/relationships" xmlns:p="http://schemas.openxmlformats.org/presentationml/2006/main">
-  <p:cSld>
-    <p:spTree>
-      <p:nvGrpSpPr>
-        <p:cNvPr id="1" name=""/>
-        <p:cNvGrpSpPr/>
-        <p:nvPr/>
-      </p:nvGrpSpPr>
-      <p:grpSpPr>
-        <a:xfrm>
-          <a:off x="0" y="0"/>
-          <a:ext cx="0" cy="0"/>
-          <a:chOff x="0" y="0"/>
-          <a:chExt cx="0" cy="0"/>
-        </a:xfrm>
-      </p:grpSpPr>
-      <p:sp>
-        <p:nvSpPr>
-          <p:cNvPr id="2" name="Title 1"/>
-          <p:cNvSpPr>
-            <a:spLocks noGrp="1"/>
-          </p:cNvSpPr>
-          <p:nvPr>
-            <p:ph type="title"/>
-          </p:nvPr>
-        </p:nvSpPr>
-        <p:spPr/>
-        <p:txBody>
-          <a:bodyPr/>
-          <a:lstStyle/>
-          <a:p>
-            <a:r>
-              <a:rPr lang="en-US" dirty="0"/>
-              <a:t>Class length</a:t>
-            </a:r>
-          </a:p>
-        </p:txBody>
-      </p:sp>
-      <p:sp>
-        <p:nvSpPr>
-          <p:cNvPr id="3" name="Content Placeholder 2"/>
-          <p:cNvSpPr>
-            <a:spLocks noGrp="1"/>
-          </p:cNvSpPr>
-          <p:nvPr>
-            <p:ph idx="1"/>
-          </p:nvPr>
-        </p:nvSpPr>
-        <p:spPr/>
-        <p:txBody>
-          <a:bodyPr/>
-          <a:lstStyle/>
-          <a:p>
-            <a:r>
-              <a:rPr lang="en-US" dirty="0" err="1"/>
-              <a:t>SignInManager</a:t>
-            </a:r>
-            <a:r>
-              <a:rPr lang="en-US" dirty="0"/>
-              <a:t> – 800 </a:t>
-            </a:r>
-            <a:r>
-              <a:rPr lang="en-US" dirty="0"/>
-              <a:t>lines</a:t>
-            </a:r>
-            <a:endParaRPr lang="en-US" dirty="0"/>
-          </a:p>
-          <a:p>
-            <a:r>
-              <a:rPr lang="en-US" dirty="0" err="1"/>
-              <a:t>UserManager</a:t>
-            </a:r>
-            <a:r>
-              <a:rPr lang="en-US" dirty="0"/>
-              <a:t> – 2500 lines</a:t>
-            </a:r>
-          </a:p>
-          <a:p>
-            <a:r>
-              <a:rPr lang="en-US" dirty="0" err="1"/>
-              <a:t>UserStore</a:t>
-            </a:r>
-            <a:r>
-              <a:rPr lang="en-US" dirty="0"/>
-              <a:t> – 1500 lines</a:t>
-            </a:r>
-            <a:endParaRPr lang="en-US" dirty="0"/>
-          </a:p>
-        </p:txBody>
-      </p:sp>
-    </p:spTree>
-    <p:extLst>
-      <p:ext uri="{BB962C8B-B14F-4D97-AF65-F5344CB8AC3E}">
-        <p14:creationId xmlns:p14="http://schemas.microsoft.com/office/powerpoint/2010/main" val="3712767126"/>
-      </p:ext>
-    </p:extLst>
-  </p:cSld>
-  <p:clrMapOvr>
-    <a:masterClrMapping/>
-  </p:clrMapOvr>
-</p:sld>
-</file>
-
 <file path=ppt/slides/slide8.xml><?xml version="1.0" encoding="utf-8"?>
 <p:sld xmlns:a="http://schemas.openxmlformats.org/drawingml/2006/main" xmlns:r="http://schemas.openxmlformats.org/officeDocument/2006/relationships" xmlns:p="http://schemas.openxmlformats.org/presentationml/2006/main">
   <p:cSld>
@@ -12387,241 +14333,62 @@
           <a:lstStyle/>
           <a:p>
             <a:r>
+              <a:rPr lang="en-US" dirty="0"/>
+              <a:t>Class length</a:t>
+            </a:r>
+          </a:p>
+        </p:txBody>
+      </p:sp>
+      <p:sp>
+        <p:nvSpPr>
+          <p:cNvPr id="3" name="Content Placeholder 2"/>
+          <p:cNvSpPr>
+            <a:spLocks noGrp="1"/>
+          </p:cNvSpPr>
+          <p:nvPr>
+            <p:ph idx="1"/>
+          </p:nvPr>
+        </p:nvSpPr>
+        <p:spPr/>
+        <p:txBody>
+          <a:bodyPr/>
+          <a:lstStyle/>
+          <a:p>
+            <a:r>
+              <a:rPr lang="en-US" dirty="0" err="1"/>
+              <a:t>SignInManager</a:t>
+            </a:r>
+            <a:r>
+              <a:rPr lang="en-US" dirty="0"/>
+              <a:t> – 800 lines</a:t>
+            </a:r>
+          </a:p>
+          <a:p>
+            <a:r>
               <a:rPr lang="en-US" dirty="0" err="1"/>
               <a:t>UserManager</a:t>
             </a:r>
             <a:r>
               <a:rPr lang="en-US" dirty="0"/>
-              <a:t> Dependencies</a:t>
-            </a:r>
-          </a:p>
-        </p:txBody>
-      </p:sp>
-      <p:sp>
-        <p:nvSpPr>
-          <p:cNvPr id="6" name="Content Placeholder 5"/>
-          <p:cNvSpPr>
-            <a:spLocks noGrp="1"/>
-          </p:cNvSpPr>
-          <p:nvPr>
-            <p:ph idx="1"/>
-          </p:nvPr>
-        </p:nvSpPr>
-        <p:spPr/>
-        <p:txBody>
-          <a:bodyPr>
-            <a:normAutofit lnSpcReduction="10000"/>
-          </a:bodyPr>
-          <a:lstStyle/>
+              <a:t> – 2500 lines</a:t>
+            </a:r>
+          </a:p>
           <a:p>
             <a:r>
               <a:rPr lang="en-US" dirty="0" err="1"/>
-              <a:t>IUserStore</a:t>
+              <a:t>UserStore</a:t>
             </a:r>
             <a:r>
               <a:rPr lang="en-US" dirty="0"/>
-              <a:t>&lt;</a:t>
-            </a:r>
-            <a:r>
-              <a:rPr lang="en-US" dirty="0" err="1"/>
-              <a:t>TUser</a:t>
-            </a:r>
-            <a:r>
-              <a:rPr lang="en-US" dirty="0"/>
-              <a:t>&gt; store,</a:t>
-            </a:r>
-          </a:p>
-          <a:p>
-            <a:r>
-              <a:rPr lang="en-US" dirty="0" err="1"/>
-              <a:t>IOptions</a:t>
-            </a:r>
-            <a:r>
-              <a:rPr lang="en-US" dirty="0"/>
-              <a:t>&lt;</a:t>
-            </a:r>
-            <a:r>
-              <a:rPr lang="en-US" dirty="0" err="1"/>
-              <a:t>IdentityOptions</a:t>
-            </a:r>
-            <a:r>
-              <a:rPr lang="en-US" dirty="0"/>
-              <a:t>&gt; </a:t>
-            </a:r>
-            <a:r>
-              <a:rPr lang="en-US" dirty="0" err="1"/>
-              <a:t>optionsAccessor</a:t>
-            </a:r>
-            <a:r>
-              <a:rPr lang="en-US" dirty="0"/>
-              <a:t>,</a:t>
-            </a:r>
-          </a:p>
-          <a:p>
-            <a:r>
-              <a:rPr lang="en-US" dirty="0" err="1"/>
-              <a:t>IPasswordHasher</a:t>
-            </a:r>
-            <a:r>
-              <a:rPr lang="en-US" dirty="0"/>
-              <a:t>&lt;</a:t>
-            </a:r>
-            <a:r>
-              <a:rPr lang="en-US" dirty="0" err="1"/>
-              <a:t>TUser</a:t>
-            </a:r>
-            <a:r>
-              <a:rPr lang="en-US" dirty="0"/>
-              <a:t>&gt; </a:t>
-            </a:r>
-            <a:r>
-              <a:rPr lang="en-US" dirty="0" err="1"/>
-              <a:t>passwordHasher</a:t>
-            </a:r>
-            <a:r>
-              <a:rPr lang="en-US" dirty="0"/>
-              <a:t>,</a:t>
-            </a:r>
-          </a:p>
-          <a:p>
-            <a:r>
-              <a:rPr lang="en-US" dirty="0" err="1"/>
-              <a:t>IEnumerable</a:t>
-            </a:r>
-            <a:r>
-              <a:rPr lang="en-US" dirty="0"/>
-              <a:t>&lt;</a:t>
-            </a:r>
-            <a:r>
-              <a:rPr lang="en-US" dirty="0" err="1"/>
-              <a:t>IUserValidator</a:t>
-            </a:r>
-            <a:r>
-              <a:rPr lang="en-US" dirty="0"/>
-              <a:t>&lt;</a:t>
-            </a:r>
-            <a:r>
-              <a:rPr lang="en-US" dirty="0" err="1"/>
-              <a:t>TUser</a:t>
-            </a:r>
-            <a:r>
-              <a:rPr lang="en-US" dirty="0"/>
-              <a:t>&gt;&gt; </a:t>
-            </a:r>
-            <a:r>
-              <a:rPr lang="en-US" dirty="0" err="1"/>
-              <a:t>userValidators</a:t>
-            </a:r>
-            <a:r>
-              <a:rPr lang="en-US" dirty="0"/>
-              <a:t>,</a:t>
-            </a:r>
-          </a:p>
-          <a:p>
-            <a:r>
-              <a:rPr lang="en-US" dirty="0" err="1"/>
-              <a:t>IEnumerable</a:t>
-            </a:r>
-            <a:r>
-              <a:rPr lang="en-US" dirty="0"/>
-              <a:t>&lt;</a:t>
-            </a:r>
-            <a:r>
-              <a:rPr lang="en-US" dirty="0" err="1"/>
-              <a:t>IPasswordValidator</a:t>
-            </a:r>
-            <a:r>
-              <a:rPr lang="en-US" dirty="0"/>
-              <a:t>&lt;</a:t>
-            </a:r>
-            <a:r>
-              <a:rPr lang="en-US" dirty="0" err="1"/>
-              <a:t>TUser</a:t>
-            </a:r>
-            <a:r>
-              <a:rPr lang="en-US" dirty="0"/>
-              <a:t>&gt;&gt; </a:t>
-            </a:r>
-            <a:r>
-              <a:rPr lang="en-US" dirty="0" err="1"/>
-              <a:t>passwordValidators</a:t>
-            </a:r>
-            <a:r>
-              <a:rPr lang="en-US" dirty="0"/>
-              <a:t>,</a:t>
-            </a:r>
-          </a:p>
-          <a:p>
-            <a:r>
-              <a:rPr lang="en-US" dirty="0" err="1"/>
-              <a:t>ILookupNormalizer</a:t>
-            </a:r>
-            <a:r>
-              <a:rPr lang="en-US" dirty="0"/>
-              <a:t> </a:t>
-            </a:r>
-            <a:r>
-              <a:rPr lang="en-US" dirty="0" err="1"/>
-              <a:t>keyNormalizer</a:t>
-            </a:r>
-            <a:r>
-              <a:rPr lang="en-US" dirty="0"/>
-              <a:t>,</a:t>
-            </a:r>
-          </a:p>
-          <a:p>
-            <a:r>
-              <a:rPr lang="en-US" dirty="0" err="1"/>
-              <a:t>IdentityErrorDescriber</a:t>
-            </a:r>
-            <a:r>
-              <a:rPr lang="en-US" dirty="0"/>
-              <a:t> errors,</a:t>
-            </a:r>
-          </a:p>
-          <a:p>
-            <a:r>
-              <a:rPr lang="en-US" dirty="0" err="1"/>
-              <a:t>IServiceProvider</a:t>
-            </a:r>
-            <a:r>
-              <a:rPr lang="en-US" dirty="0"/>
-              <a:t> services,</a:t>
-            </a:r>
-          </a:p>
-          <a:p>
-            <a:r>
-              <a:rPr lang="en-US" dirty="0" err="1"/>
-              <a:t>ILogger</a:t>
-            </a:r>
-            <a:r>
-              <a:rPr lang="en-US" dirty="0"/>
-              <a:t>&lt;</a:t>
-            </a:r>
-            <a:r>
-              <a:rPr lang="en-US" dirty="0" err="1"/>
-              <a:t>UserManager</a:t>
-            </a:r>
-            <a:r>
-              <a:rPr lang="en-US" dirty="0"/>
-              <a:t>&lt;</a:t>
-            </a:r>
-            <a:r>
-              <a:rPr lang="en-US" dirty="0" err="1"/>
-              <a:t>TUser</a:t>
-            </a:r>
-            <a:r>
-              <a:rPr lang="en-US" dirty="0"/>
-              <a:t>&gt;&gt; logger</a:t>
-            </a:r>
-            <a:endParaRPr lang="en-US" dirty="0"/>
+              <a:t> – 1500 lines</a:t>
+            </a:r>
           </a:p>
         </p:txBody>
       </p:sp>
     </p:spTree>
     <p:extLst>
       <p:ext uri="{BB962C8B-B14F-4D97-AF65-F5344CB8AC3E}">
-        <p14:creationId xmlns:p14="http://schemas.microsoft.com/office/powerpoint/2010/main" val="2531465040"/>
+        <p14:creationId xmlns:p14="http://schemas.microsoft.com/office/powerpoint/2010/main" val="3712767126"/>
       </p:ext>
     </p:extLst>
   </p:cSld>
@@ -12658,27 +14425,25 @@
             <p:ph type="title"/>
           </p:nvPr>
         </p:nvSpPr>
-        <p:spPr>
-          <a:xfrm>
-            <a:off x="838200" y="365125"/>
-            <a:ext cx="10515600" cy="1325563"/>
-          </a:xfrm>
-        </p:spPr>
+        <p:spPr/>
         <p:txBody>
           <a:bodyPr/>
           <a:lstStyle/>
           <a:p>
             <a:r>
-              <a:rPr lang="en-US"/>
-              <a:t>Testing the application</a:t>
-            </a:r>
-            <a:endParaRPr lang="en-US" dirty="0"/>
-          </a:p>
-        </p:txBody>
-      </p:sp>
-      <p:sp>
-        <p:nvSpPr>
-          <p:cNvPr id="3" name="Content Placeholder 2"/>
+              <a:rPr lang="en-US" dirty="0" err="1"/>
+              <a:t>UserManager</a:t>
+            </a:r>
+            <a:r>
+              <a:rPr lang="en-US" dirty="0"/>
+              <a:t> Dependencies</a:t>
+            </a:r>
+          </a:p>
+        </p:txBody>
+      </p:sp>
+      <p:sp>
+        <p:nvSpPr>
+          <p:cNvPr id="6" name="Content Placeholder 5"/>
           <p:cNvSpPr>
             <a:spLocks noGrp="1"/>
           </p:cNvSpPr>
@@ -12686,56 +14451,220 @@
             <p:ph idx="1"/>
           </p:nvPr>
         </p:nvSpPr>
-        <p:spPr>
-          <a:xfrm>
-            <a:off x="838200" y="1825625"/>
-            <a:ext cx="10515600" cy="4351338"/>
-          </a:xfrm>
-        </p:spPr>
-        <p:txBody>
-          <a:bodyPr/>
+        <p:spPr/>
+        <p:txBody>
+          <a:bodyPr>
+            <a:normAutofit lnSpcReduction="10000"/>
+          </a:bodyPr>
           <a:lstStyle/>
           <a:p>
             <a:r>
-              <a:rPr lang="en-US" b="1"/>
-              <a:t>Unit Tests</a:t>
-            </a:r>
-          </a:p>
-          <a:p>
-            <a:pPr lvl="1"/>
-            <a:r>
-              <a:rPr lang="en-US"/>
-              <a:t>Tests on AccountController where you mock SignInManager</a:t>
-            </a:r>
-          </a:p>
-          <a:p>
-            <a:pPr lvl="1"/>
-            <a:r>
-              <a:rPr lang="en-US"/>
-              <a:t>Tests on SignInManager where you mock UserManager</a:t>
-            </a:r>
-          </a:p>
-          <a:p>
-            <a:pPr lvl="1"/>
-            <a:r>
-              <a:rPr lang="en-US"/>
-              <a:t>Tests on UserManager where you mock UserStore</a:t>
-            </a:r>
-          </a:p>
-          <a:p>
-            <a:pPr lvl="1"/>
-            <a:r>
-              <a:rPr lang="en-US"/>
-              <a:t>Tests on UserStore where you mock DbContext</a:t>
-            </a:r>
-            <a:endParaRPr lang="en-US" dirty="0"/>
+              <a:rPr lang="en-US" dirty="0" err="1"/>
+              <a:t>IUserStore</a:t>
+            </a:r>
+            <a:r>
+              <a:rPr lang="en-US" dirty="0"/>
+              <a:t>&lt;</a:t>
+            </a:r>
+            <a:r>
+              <a:rPr lang="en-US" dirty="0" err="1"/>
+              <a:t>TUser</a:t>
+            </a:r>
+            <a:r>
+              <a:rPr lang="en-US" dirty="0"/>
+              <a:t>&gt; store,</a:t>
+            </a:r>
+          </a:p>
+          <a:p>
+            <a:r>
+              <a:rPr lang="en-US" dirty="0" err="1"/>
+              <a:t>IOptions</a:t>
+            </a:r>
+            <a:r>
+              <a:rPr lang="en-US" dirty="0"/>
+              <a:t>&lt;</a:t>
+            </a:r>
+            <a:r>
+              <a:rPr lang="en-US" dirty="0" err="1"/>
+              <a:t>IdentityOptions</a:t>
+            </a:r>
+            <a:r>
+              <a:rPr lang="en-US" dirty="0"/>
+              <a:t>&gt; </a:t>
+            </a:r>
+            <a:r>
+              <a:rPr lang="en-US" dirty="0" err="1"/>
+              <a:t>optionsAccessor</a:t>
+            </a:r>
+            <a:r>
+              <a:rPr lang="en-US" dirty="0"/>
+              <a:t>,</a:t>
+            </a:r>
+          </a:p>
+          <a:p>
+            <a:r>
+              <a:rPr lang="en-US" dirty="0" err="1"/>
+              <a:t>IPasswordHasher</a:t>
+            </a:r>
+            <a:r>
+              <a:rPr lang="en-US" dirty="0"/>
+              <a:t>&lt;</a:t>
+            </a:r>
+            <a:r>
+              <a:rPr lang="en-US" dirty="0" err="1"/>
+              <a:t>TUser</a:t>
+            </a:r>
+            <a:r>
+              <a:rPr lang="en-US" dirty="0"/>
+              <a:t>&gt; </a:t>
+            </a:r>
+            <a:r>
+              <a:rPr lang="en-US" dirty="0" err="1"/>
+              <a:t>passwordHasher</a:t>
+            </a:r>
+            <a:r>
+              <a:rPr lang="en-US" dirty="0"/>
+              <a:t>,</a:t>
+            </a:r>
+          </a:p>
+          <a:p>
+            <a:r>
+              <a:rPr lang="en-US" dirty="0" err="1"/>
+              <a:t>IEnumerable</a:t>
+            </a:r>
+            <a:r>
+              <a:rPr lang="en-US" dirty="0"/>
+              <a:t>&lt;</a:t>
+            </a:r>
+            <a:r>
+              <a:rPr lang="en-US" dirty="0" err="1"/>
+              <a:t>IUserValidator</a:t>
+            </a:r>
+            <a:r>
+              <a:rPr lang="en-US" dirty="0"/>
+              <a:t>&lt;</a:t>
+            </a:r>
+            <a:r>
+              <a:rPr lang="en-US" dirty="0" err="1"/>
+              <a:t>TUser</a:t>
+            </a:r>
+            <a:r>
+              <a:rPr lang="en-US" dirty="0"/>
+              <a:t>&gt;&gt; </a:t>
+            </a:r>
+            <a:r>
+              <a:rPr lang="en-US" dirty="0" err="1"/>
+              <a:t>userValidators</a:t>
+            </a:r>
+            <a:r>
+              <a:rPr lang="en-US" dirty="0"/>
+              <a:t>,</a:t>
+            </a:r>
+          </a:p>
+          <a:p>
+            <a:r>
+              <a:rPr lang="en-US" dirty="0" err="1"/>
+              <a:t>IEnumerable</a:t>
+            </a:r>
+            <a:r>
+              <a:rPr lang="en-US" dirty="0"/>
+              <a:t>&lt;</a:t>
+            </a:r>
+            <a:r>
+              <a:rPr lang="en-US" dirty="0" err="1"/>
+              <a:t>IPasswordValidator</a:t>
+            </a:r>
+            <a:r>
+              <a:rPr lang="en-US" dirty="0"/>
+              <a:t>&lt;</a:t>
+            </a:r>
+            <a:r>
+              <a:rPr lang="en-US" dirty="0" err="1"/>
+              <a:t>TUser</a:t>
+            </a:r>
+            <a:r>
+              <a:rPr lang="en-US" dirty="0"/>
+              <a:t>&gt;&gt; </a:t>
+            </a:r>
+            <a:r>
+              <a:rPr lang="en-US" dirty="0" err="1"/>
+              <a:t>passwordValidators</a:t>
+            </a:r>
+            <a:r>
+              <a:rPr lang="en-US" dirty="0"/>
+              <a:t>,</a:t>
+            </a:r>
+          </a:p>
+          <a:p>
+            <a:r>
+              <a:rPr lang="en-US" dirty="0" err="1"/>
+              <a:t>ILookupNormalizer</a:t>
+            </a:r>
+            <a:r>
+              <a:rPr lang="en-US" dirty="0"/>
+              <a:t> </a:t>
+            </a:r>
+            <a:r>
+              <a:rPr lang="en-US" dirty="0" err="1"/>
+              <a:t>keyNormalizer</a:t>
+            </a:r>
+            <a:r>
+              <a:rPr lang="en-US" dirty="0"/>
+              <a:t>,</a:t>
+            </a:r>
+          </a:p>
+          <a:p>
+            <a:r>
+              <a:rPr lang="en-US" dirty="0" err="1"/>
+              <a:t>IdentityErrorDescriber</a:t>
+            </a:r>
+            <a:r>
+              <a:rPr lang="en-US" dirty="0"/>
+              <a:t> errors,</a:t>
+            </a:r>
+          </a:p>
+          <a:p>
+            <a:r>
+              <a:rPr lang="en-US" dirty="0" err="1"/>
+              <a:t>IServiceProvider</a:t>
+            </a:r>
+            <a:r>
+              <a:rPr lang="en-US" dirty="0"/>
+              <a:t> services,</a:t>
+            </a:r>
+          </a:p>
+          <a:p>
+            <a:r>
+              <a:rPr lang="en-US" dirty="0" err="1"/>
+              <a:t>ILogger</a:t>
+            </a:r>
+            <a:r>
+              <a:rPr lang="en-US" dirty="0"/>
+              <a:t>&lt;</a:t>
+            </a:r>
+            <a:r>
+              <a:rPr lang="en-US" dirty="0" err="1"/>
+              <a:t>UserManager</a:t>
+            </a:r>
+            <a:r>
+              <a:rPr lang="en-US" dirty="0"/>
+              <a:t>&lt;</a:t>
+            </a:r>
+            <a:r>
+              <a:rPr lang="en-US" dirty="0" err="1"/>
+              <a:t>TUser</a:t>
+            </a:r>
+            <a:r>
+              <a:rPr lang="en-US" dirty="0"/>
+              <a:t>&gt;&gt; logger</a:t>
+            </a:r>
           </a:p>
         </p:txBody>
       </p:sp>
     </p:spTree>
     <p:extLst>
       <p:ext uri="{BB962C8B-B14F-4D97-AF65-F5344CB8AC3E}">
-        <p14:creationId xmlns:p14="http://schemas.microsoft.com/office/powerpoint/2010/main" val="1764933248"/>
+        <p14:creationId xmlns:p14="http://schemas.microsoft.com/office/powerpoint/2010/main" val="2531465040"/>
       </p:ext>
     </p:extLst>
   </p:cSld>

--- a/Reactive programming.pptx
+++ b/Reactive programming.pptx
@@ -9403,6 +9403,47 @@
           </a:p>
         </p:txBody>
       </p:sp>
+      <p:pic>
+        <p:nvPicPr>
+          <p:cNvPr id="1026" name="Picture 2" descr="your Profile Photo, Image may contain: 1 person, sitting and closeup"/>
+          <p:cNvPicPr>
+            <a:picLocks noChangeAspect="1" noChangeArrowheads="1"/>
+          </p:cNvPicPr>
+          <p:nvPr/>
+        </p:nvPicPr>
+        <p:blipFill>
+          <a:blip r:embed="rId2">
+            <a:extLst>
+              <a:ext uri="{28A0092B-C50C-407E-A947-70E740481C1C}">
+                <a14:useLocalDpi xmlns:a14="http://schemas.microsoft.com/office/drawing/2010/main" val="0"/>
+              </a:ext>
+            </a:extLst>
+          </a:blip>
+          <a:srcRect/>
+          <a:stretch>
+            <a:fillRect/>
+          </a:stretch>
+        </p:blipFill>
+        <p:spPr bwMode="auto">
+          <a:xfrm>
+            <a:off x="10444325" y="168337"/>
+            <a:ext cx="1524000" cy="1524000"/>
+          </a:xfrm>
+          <a:prstGeom prst="rect">
+            <a:avLst/>
+          </a:prstGeom>
+          <a:noFill/>
+          <a:extLst>
+            <a:ext uri="{909E8E84-426E-40DD-AFC4-6F175D3DCCD1}">
+              <a14:hiddenFill xmlns:a14="http://schemas.microsoft.com/office/drawing/2010/main">
+                <a:solidFill>
+                  <a:srgbClr val="FFFFFF"/>
+                </a:solidFill>
+              </a14:hiddenFill>
+            </a:ext>
+          </a:extLst>
+        </p:spPr>
+      </p:pic>
     </p:spTree>
     <p:extLst>
       <p:ext uri="{BB962C8B-B14F-4D97-AF65-F5344CB8AC3E}">

--- a/Reactive programming.pptx
+++ b/Reactive programming.pptx
@@ -1393,6 +1393,13 @@
         </dgm:presLayoutVars>
       </dgm:prSet>
       <dgm:spPr/>
+      <dgm:t>
+        <a:bodyPr/>
+        <a:lstStyle/>
+        <a:p>
+          <a:endParaRPr lang="en-US"/>
+        </a:p>
+      </dgm:t>
     </dgm:pt>
     <dgm:pt modelId="{F2DF9B81-6307-4F0C-84BC-FC8107544B96}" type="pres">
       <dgm:prSet presAssocID="{C143C7B9-59FD-4DEC-BE35-8B93F8963E39}" presName="linNode" presStyleCnt="0"/>
@@ -1406,6 +1413,13 @@
         </dgm:presLayoutVars>
       </dgm:prSet>
       <dgm:spPr/>
+      <dgm:t>
+        <a:bodyPr/>
+        <a:lstStyle/>
+        <a:p>
+          <a:endParaRPr lang="en-US"/>
+        </a:p>
+      </dgm:t>
     </dgm:pt>
     <dgm:pt modelId="{DA89CC0B-1D25-45E1-B520-C00B43B1ED74}" type="pres">
       <dgm:prSet presAssocID="{C143C7B9-59FD-4DEC-BE35-8B93F8963E39}" presName="descendantText" presStyleLbl="alignNode1" presStyleIdx="0" presStyleCnt="6">
@@ -1414,6 +1428,13 @@
         </dgm:presLayoutVars>
       </dgm:prSet>
       <dgm:spPr/>
+      <dgm:t>
+        <a:bodyPr/>
+        <a:lstStyle/>
+        <a:p>
+          <a:endParaRPr lang="en-US"/>
+        </a:p>
+      </dgm:t>
     </dgm:pt>
     <dgm:pt modelId="{73346B38-6F51-4218-B0A1-88F6C9AB49C5}" type="pres">
       <dgm:prSet presAssocID="{92C80D99-384E-40B1-A3FD-FC45DD9D44FC}" presName="sp" presStyleCnt="0"/>
@@ -1431,6 +1452,13 @@
         </dgm:presLayoutVars>
       </dgm:prSet>
       <dgm:spPr/>
+      <dgm:t>
+        <a:bodyPr/>
+        <a:lstStyle/>
+        <a:p>
+          <a:endParaRPr lang="en-US"/>
+        </a:p>
+      </dgm:t>
     </dgm:pt>
     <dgm:pt modelId="{416FFB76-C555-4E4A-AE84-B2DEFA8F28F2}" type="pres">
       <dgm:prSet presAssocID="{0B5E576E-CC7B-484B-BF37-D47D30DF71BB}" presName="descendantText" presStyleLbl="alignNode1" presStyleIdx="1" presStyleCnt="6">
@@ -1439,6 +1467,13 @@
         </dgm:presLayoutVars>
       </dgm:prSet>
       <dgm:spPr/>
+      <dgm:t>
+        <a:bodyPr/>
+        <a:lstStyle/>
+        <a:p>
+          <a:endParaRPr lang="en-US"/>
+        </a:p>
+      </dgm:t>
     </dgm:pt>
     <dgm:pt modelId="{86F518A7-FAE1-49AD-BA2B-42EDBB5FEECB}" type="pres">
       <dgm:prSet presAssocID="{B5377B64-F019-42EC-A1CD-D1BE0078FF2F}" presName="sp" presStyleCnt="0"/>
@@ -1456,6 +1491,13 @@
         </dgm:presLayoutVars>
       </dgm:prSet>
       <dgm:spPr/>
+      <dgm:t>
+        <a:bodyPr/>
+        <a:lstStyle/>
+        <a:p>
+          <a:endParaRPr lang="en-US"/>
+        </a:p>
+      </dgm:t>
     </dgm:pt>
     <dgm:pt modelId="{0E5B2C0E-EB7D-49C6-B5E4-45B28F1B3AC7}" type="pres">
       <dgm:prSet presAssocID="{1A9B37D6-3EAB-43BE-8DC3-C5F05891FC9D}" presName="descendantText" presStyleLbl="alignNode1" presStyleIdx="2" presStyleCnt="6">
@@ -1464,6 +1506,13 @@
         </dgm:presLayoutVars>
       </dgm:prSet>
       <dgm:spPr/>
+      <dgm:t>
+        <a:bodyPr/>
+        <a:lstStyle/>
+        <a:p>
+          <a:endParaRPr lang="en-US"/>
+        </a:p>
+      </dgm:t>
     </dgm:pt>
     <dgm:pt modelId="{84E21F77-1058-45B1-9FE3-F3F8F3A813CA}" type="pres">
       <dgm:prSet presAssocID="{F9487867-EEC3-48A0-8669-49F8FDD1F576}" presName="sp" presStyleCnt="0"/>
@@ -1481,6 +1530,13 @@
         </dgm:presLayoutVars>
       </dgm:prSet>
       <dgm:spPr/>
+      <dgm:t>
+        <a:bodyPr/>
+        <a:lstStyle/>
+        <a:p>
+          <a:endParaRPr lang="en-US"/>
+        </a:p>
+      </dgm:t>
     </dgm:pt>
     <dgm:pt modelId="{AE95AAB3-EA95-4113-A3B6-B8F578E2299A}" type="pres">
       <dgm:prSet presAssocID="{5EEE759F-FDE3-4CC4-875A-22326E6F4A5D}" presName="descendantText" presStyleLbl="alignNode1" presStyleIdx="3" presStyleCnt="6">
@@ -1489,6 +1545,13 @@
         </dgm:presLayoutVars>
       </dgm:prSet>
       <dgm:spPr/>
+      <dgm:t>
+        <a:bodyPr/>
+        <a:lstStyle/>
+        <a:p>
+          <a:endParaRPr lang="en-US"/>
+        </a:p>
+      </dgm:t>
     </dgm:pt>
     <dgm:pt modelId="{164E31BD-4C45-4793-B1FC-75FBBEA389E5}" type="pres">
       <dgm:prSet presAssocID="{71B61CA1-E176-46CD-9AA2-D9A588DBF503}" presName="sp" presStyleCnt="0"/>
@@ -1506,6 +1569,13 @@
         </dgm:presLayoutVars>
       </dgm:prSet>
       <dgm:spPr/>
+      <dgm:t>
+        <a:bodyPr/>
+        <a:lstStyle/>
+        <a:p>
+          <a:endParaRPr lang="en-US"/>
+        </a:p>
+      </dgm:t>
     </dgm:pt>
     <dgm:pt modelId="{B155FC08-06C0-40DB-B6A7-CF5FCC896370}" type="pres">
       <dgm:prSet presAssocID="{2FC26169-369C-4960-9CCC-C09FA3009FF6}" presName="descendantText" presStyleLbl="alignNode1" presStyleIdx="4" presStyleCnt="6">
@@ -1514,6 +1584,13 @@
         </dgm:presLayoutVars>
       </dgm:prSet>
       <dgm:spPr/>
+      <dgm:t>
+        <a:bodyPr/>
+        <a:lstStyle/>
+        <a:p>
+          <a:endParaRPr lang="en-US"/>
+        </a:p>
+      </dgm:t>
     </dgm:pt>
     <dgm:pt modelId="{F8BB84E7-4F49-4285-87AB-D5B17D413D7A}" type="pres">
       <dgm:prSet presAssocID="{FF6D58DC-0D5E-42B3-BE84-2DFB97BB04BC}" presName="sp" presStyleCnt="0"/>
@@ -1531,6 +1608,13 @@
         </dgm:presLayoutVars>
       </dgm:prSet>
       <dgm:spPr/>
+      <dgm:t>
+        <a:bodyPr/>
+        <a:lstStyle/>
+        <a:p>
+          <a:endParaRPr lang="en-US"/>
+        </a:p>
+      </dgm:t>
     </dgm:pt>
     <dgm:pt modelId="{5C90F4B7-C419-476D-88A7-A45C4CC4A42E}" type="pres">
       <dgm:prSet presAssocID="{5ED0821A-49B8-4464-BE5C-A4CC20968701}" presName="descendantText" presStyleLbl="alignNode1" presStyleIdx="5" presStyleCnt="6">
@@ -1539,34 +1623,41 @@
         </dgm:presLayoutVars>
       </dgm:prSet>
       <dgm:spPr/>
+      <dgm:t>
+        <a:bodyPr/>
+        <a:lstStyle/>
+        <a:p>
+          <a:endParaRPr lang="en-US"/>
+        </a:p>
+      </dgm:t>
     </dgm:pt>
   </dgm:ptLst>
   <dgm:cxnLst>
+    <dgm:cxn modelId="{8D9CE9FC-240D-48B3-B0D6-E198F8BAC58B}" srcId="{111D0ADC-E6AD-482B-98BD-8FC27421AEB3}" destId="{C143C7B9-59FD-4DEC-BE35-8B93F8963E39}" srcOrd="0" destOrd="0" parTransId="{2F6B8077-4982-4C19-AFEA-40C90830E71F}" sibTransId="{92C80D99-384E-40B1-A3FD-FC45DD9D44FC}"/>
+    <dgm:cxn modelId="{56D4541F-663F-45C5-B6ED-E75AE22989FF}" type="presOf" srcId="{C58AD610-9008-409D-B070-DB73AC37964C}" destId="{416FFB76-C555-4E4A-AE84-B2DEFA8F28F2}" srcOrd="0" destOrd="0" presId="urn:microsoft.com/office/officeart/2016/7/layout/VerticalHollowActionList"/>
+    <dgm:cxn modelId="{5FCCFD48-D739-4DE0-BCCB-E5497403947E}" type="presOf" srcId="{1A9B37D6-3EAB-43BE-8DC3-C5F05891FC9D}" destId="{C3C60FA1-6B3F-471F-97B6-13DE0AABF6A5}" srcOrd="0" destOrd="0" presId="urn:microsoft.com/office/officeart/2016/7/layout/VerticalHollowActionList"/>
     <dgm:cxn modelId="{C2464D0B-6E06-45B2-B273-E8C4DB4BE4CF}" type="presOf" srcId="{6EA06D5A-F148-44CF-9EE4-2D854B566A68}" destId="{DA89CC0B-1D25-45E1-B520-C00B43B1ED74}" srcOrd="0" destOrd="0" presId="urn:microsoft.com/office/officeart/2016/7/layout/VerticalHollowActionList"/>
-    <dgm:cxn modelId="{5D5EA017-4E87-4DF4-9EA2-9DE6516A3EC7}" srcId="{5ED0821A-49B8-4464-BE5C-A4CC20968701}" destId="{9AE7EAA4-1F99-41B1-BE39-4C620E186F05}" srcOrd="0" destOrd="0" parTransId="{51C2CA6C-A21F-4DEC-A9E7-4197DBDC5A5B}" sibTransId="{F290FC2B-5026-4DA3-9ED4-7F5337A62239}"/>
-    <dgm:cxn modelId="{56D4541F-663F-45C5-B6ED-E75AE22989FF}" type="presOf" srcId="{C58AD610-9008-409D-B070-DB73AC37964C}" destId="{416FFB76-C555-4E4A-AE84-B2DEFA8F28F2}" srcOrd="0" destOrd="0" presId="urn:microsoft.com/office/officeart/2016/7/layout/VerticalHollowActionList"/>
     <dgm:cxn modelId="{46217621-F49E-4905-B403-C27E95CBBB6C}" srcId="{111D0ADC-E6AD-482B-98BD-8FC27421AEB3}" destId="{0B5E576E-CC7B-484B-BF37-D47D30DF71BB}" srcOrd="1" destOrd="0" parTransId="{969ED983-01F9-42C6-AE18-9F7CBEE24FDD}" sibTransId="{B5377B64-F019-42EC-A1CD-D1BE0078FF2F}"/>
+    <dgm:cxn modelId="{BDCDB7E9-BA4C-491B-A57F-D920C13BAF64}" srcId="{111D0ADC-E6AD-482B-98BD-8FC27421AEB3}" destId="{2FC26169-369C-4960-9CCC-C09FA3009FF6}" srcOrd="4" destOrd="0" parTransId="{6BD614F7-A90B-4A2A-B9D5-BCB81559D8C4}" sibTransId="{FF6D58DC-0D5E-42B3-BE84-2DFB97BB04BC}"/>
+    <dgm:cxn modelId="{D4D5033F-3C9A-4EA0-BBF7-1DB562749E6A}" srcId="{111D0ADC-E6AD-482B-98BD-8FC27421AEB3}" destId="{1A9B37D6-3EAB-43BE-8DC3-C5F05891FC9D}" srcOrd="2" destOrd="0" parTransId="{5E2B02A5-06E5-4189-948A-1E7E2C44B562}" sibTransId="{F9487867-EEC3-48A0-8669-49F8FDD1F576}"/>
+    <dgm:cxn modelId="{380A8E71-BC1B-4486-961F-37ADAFF9F18E}" type="presOf" srcId="{111D0ADC-E6AD-482B-98BD-8FC27421AEB3}" destId="{C792BD51-102A-47FD-BC1B-BB6275A9388E}" srcOrd="0" destOrd="0" presId="urn:microsoft.com/office/officeart/2016/7/layout/VerticalHollowActionList"/>
+    <dgm:cxn modelId="{59D20EF8-988C-42A9-BF82-FBB1D3FD9C77}" type="presOf" srcId="{576393ED-DDEB-4B25-8870-3DAA8231758F}" destId="{B155FC08-06C0-40DB-B6A7-CF5FCC896370}" srcOrd="0" destOrd="0" presId="urn:microsoft.com/office/officeart/2016/7/layout/VerticalHollowActionList"/>
+    <dgm:cxn modelId="{BED22893-27D2-4C3D-A45C-565BA9550FD4}" type="presOf" srcId="{C143C7B9-59FD-4DEC-BE35-8B93F8963E39}" destId="{1014B0E1-8BD5-489D-A26A-EC6D18CC6A79}" srcOrd="0" destOrd="0" presId="urn:microsoft.com/office/officeart/2016/7/layout/VerticalHollowActionList"/>
     <dgm:cxn modelId="{77535A33-A716-4B07-930C-4F2AC019E708}" srcId="{0B5E576E-CC7B-484B-BF37-D47D30DF71BB}" destId="{C58AD610-9008-409D-B070-DB73AC37964C}" srcOrd="0" destOrd="0" parTransId="{3384905D-B0D5-4347-A4B9-7B7ECFB44D0B}" sibTransId="{B361E462-7C34-4452-9617-B16D8F632C35}"/>
-    <dgm:cxn modelId="{D4D5033F-3C9A-4EA0-BBF7-1DB562749E6A}" srcId="{111D0ADC-E6AD-482B-98BD-8FC27421AEB3}" destId="{1A9B37D6-3EAB-43BE-8DC3-C5F05891FC9D}" srcOrd="2" destOrd="0" parTransId="{5E2B02A5-06E5-4189-948A-1E7E2C44B562}" sibTransId="{F9487867-EEC3-48A0-8669-49F8FDD1F576}"/>
+    <dgm:cxn modelId="{3C095EBF-E374-48A3-A852-C7FA8AACDC97}" srcId="{111D0ADC-E6AD-482B-98BD-8FC27421AEB3}" destId="{5EEE759F-FDE3-4CC4-875A-22326E6F4A5D}" srcOrd="3" destOrd="0" parTransId="{363552C2-E8FB-473B-8562-38B57621884A}" sibTransId="{71B61CA1-E176-46CD-9AA2-D9A588DBF503}"/>
+    <dgm:cxn modelId="{5D5DDC58-8701-42A0-9D9F-3AABC0811AE1}" srcId="{111D0ADC-E6AD-482B-98BD-8FC27421AEB3}" destId="{5ED0821A-49B8-4464-BE5C-A4CC20968701}" srcOrd="5" destOrd="0" parTransId="{FBB8921D-1F5B-49C0-9A0F-F65E9453FEC4}" sibTransId="{AA5A655F-E7BC-4D0A-8A3F-7ED30F32DBBC}"/>
+    <dgm:cxn modelId="{D9DD6F77-7C5F-4B82-97E1-15A3D928C72A}" type="presOf" srcId="{EB45E260-41E4-4E4A-B553-A0B39116893B}" destId="{0E5B2C0E-EB7D-49C6-B5E4-45B28F1B3AC7}" srcOrd="0" destOrd="0" presId="urn:microsoft.com/office/officeart/2016/7/layout/VerticalHollowActionList"/>
+    <dgm:cxn modelId="{1F102F88-1FFA-4EAB-8399-C6D2A2E3E26A}" srcId="{5EEE759F-FDE3-4CC4-875A-22326E6F4A5D}" destId="{000F3A0A-B270-4428-9A38-459760252E83}" srcOrd="0" destOrd="0" parTransId="{D18B1968-529A-459F-8461-E237B2505C4D}" sibTransId="{70328B0B-8493-471F-A857-DDEF4C9EE6CB}"/>
+    <dgm:cxn modelId="{A4DDC574-33DD-40D9-A939-272D04320688}" srcId="{2FC26169-369C-4960-9CCC-C09FA3009FF6}" destId="{576393ED-DDEB-4B25-8870-3DAA8231758F}" srcOrd="0" destOrd="0" parTransId="{C5636828-D1EA-4407-A730-16369EF807E3}" sibTransId="{9CC643F6-D82D-42AC-A48B-E12CF936B799}"/>
+    <dgm:cxn modelId="{1EBB1B9D-3D91-4D30-8422-377A1FE9069E}" type="presOf" srcId="{000F3A0A-B270-4428-9A38-459760252E83}" destId="{AE95AAB3-EA95-4113-A3B6-B8F578E2299A}" srcOrd="0" destOrd="0" presId="urn:microsoft.com/office/officeart/2016/7/layout/VerticalHollowActionList"/>
+    <dgm:cxn modelId="{540CD48A-622F-4DE0-9464-44EB704C8C57}" type="presOf" srcId="{0B5E576E-CC7B-484B-BF37-D47D30DF71BB}" destId="{89F76288-3793-4A34-AC29-A9AA8A267FDB}" srcOrd="0" destOrd="0" presId="urn:microsoft.com/office/officeart/2016/7/layout/VerticalHollowActionList"/>
+    <dgm:cxn modelId="{8EE37D76-CDFE-4B0A-AFD6-62EBEF8C671C}" srcId="{1A9B37D6-3EAB-43BE-8DC3-C5F05891FC9D}" destId="{EB45E260-41E4-4E4A-B553-A0B39116893B}" srcOrd="0" destOrd="0" parTransId="{4BD23A49-F0B3-4884-B8F1-FFFCA169049C}" sibTransId="{C1A1D035-4CD5-4FE2-AF8C-A8CB966CCD9C}"/>
     <dgm:cxn modelId="{E8DB425F-055B-4AC7-98B8-2B5E07616D9D}" type="presOf" srcId="{5ED0821A-49B8-4464-BE5C-A4CC20968701}" destId="{BBD63FE6-9F47-4663-880F-F785B03E4E26}" srcOrd="0" destOrd="0" presId="urn:microsoft.com/office/officeart/2016/7/layout/VerticalHollowActionList"/>
     <dgm:cxn modelId="{E2842F65-5302-40D8-9663-3E481B83281F}" type="presOf" srcId="{2FC26169-369C-4960-9CCC-C09FA3009FF6}" destId="{4A155D48-D66F-446E-A3EB-A371855C78DD}" srcOrd="0" destOrd="0" presId="urn:microsoft.com/office/officeart/2016/7/layout/VerticalHollowActionList"/>
-    <dgm:cxn modelId="{5FCCFD48-D739-4DE0-BCCB-E5497403947E}" type="presOf" srcId="{1A9B37D6-3EAB-43BE-8DC3-C5F05891FC9D}" destId="{C3C60FA1-6B3F-471F-97B6-13DE0AABF6A5}" srcOrd="0" destOrd="0" presId="urn:microsoft.com/office/officeart/2016/7/layout/VerticalHollowActionList"/>
-    <dgm:cxn modelId="{380A8E71-BC1B-4486-961F-37ADAFF9F18E}" type="presOf" srcId="{111D0ADC-E6AD-482B-98BD-8FC27421AEB3}" destId="{C792BD51-102A-47FD-BC1B-BB6275A9388E}" srcOrd="0" destOrd="0" presId="urn:microsoft.com/office/officeart/2016/7/layout/VerticalHollowActionList"/>
-    <dgm:cxn modelId="{A4DDC574-33DD-40D9-A939-272D04320688}" srcId="{2FC26169-369C-4960-9CCC-C09FA3009FF6}" destId="{576393ED-DDEB-4B25-8870-3DAA8231758F}" srcOrd="0" destOrd="0" parTransId="{C5636828-D1EA-4407-A730-16369EF807E3}" sibTransId="{9CC643F6-D82D-42AC-A48B-E12CF936B799}"/>
-    <dgm:cxn modelId="{8EE37D76-CDFE-4B0A-AFD6-62EBEF8C671C}" srcId="{1A9B37D6-3EAB-43BE-8DC3-C5F05891FC9D}" destId="{EB45E260-41E4-4E4A-B553-A0B39116893B}" srcOrd="0" destOrd="0" parTransId="{4BD23A49-F0B3-4884-B8F1-FFFCA169049C}" sibTransId="{C1A1D035-4CD5-4FE2-AF8C-A8CB966CCD9C}"/>
-    <dgm:cxn modelId="{D9DD6F77-7C5F-4B82-97E1-15A3D928C72A}" type="presOf" srcId="{EB45E260-41E4-4E4A-B553-A0B39116893B}" destId="{0E5B2C0E-EB7D-49C6-B5E4-45B28F1B3AC7}" srcOrd="0" destOrd="0" presId="urn:microsoft.com/office/officeart/2016/7/layout/VerticalHollowActionList"/>
-    <dgm:cxn modelId="{5D5DDC58-8701-42A0-9D9F-3AABC0811AE1}" srcId="{111D0ADC-E6AD-482B-98BD-8FC27421AEB3}" destId="{5ED0821A-49B8-4464-BE5C-A4CC20968701}" srcOrd="5" destOrd="0" parTransId="{FBB8921D-1F5B-49C0-9A0F-F65E9453FEC4}" sibTransId="{AA5A655F-E7BC-4D0A-8A3F-7ED30F32DBBC}"/>
-    <dgm:cxn modelId="{1F102F88-1FFA-4EAB-8399-C6D2A2E3E26A}" srcId="{5EEE759F-FDE3-4CC4-875A-22326E6F4A5D}" destId="{000F3A0A-B270-4428-9A38-459760252E83}" srcOrd="0" destOrd="0" parTransId="{D18B1968-529A-459F-8461-E237B2505C4D}" sibTransId="{70328B0B-8493-471F-A857-DDEF4C9EE6CB}"/>
-    <dgm:cxn modelId="{540CD48A-622F-4DE0-9464-44EB704C8C57}" type="presOf" srcId="{0B5E576E-CC7B-484B-BF37-D47D30DF71BB}" destId="{89F76288-3793-4A34-AC29-A9AA8A267FDB}" srcOrd="0" destOrd="0" presId="urn:microsoft.com/office/officeart/2016/7/layout/VerticalHollowActionList"/>
+    <dgm:cxn modelId="{23E4B0D9-9D94-4C63-9BE8-E3DC8029E2A5}" type="presOf" srcId="{9AE7EAA4-1F99-41B1-BE39-4C620E186F05}" destId="{5C90F4B7-C419-476D-88A7-A45C4CC4A42E}" srcOrd="0" destOrd="0" presId="urn:microsoft.com/office/officeart/2016/7/layout/VerticalHollowActionList"/>
+    <dgm:cxn modelId="{5D5EA017-4E87-4DF4-9EA2-9DE6516A3EC7}" srcId="{5ED0821A-49B8-4464-BE5C-A4CC20968701}" destId="{9AE7EAA4-1F99-41B1-BE39-4C620E186F05}" srcOrd="0" destOrd="0" parTransId="{51C2CA6C-A21F-4DEC-A9E7-4197DBDC5A5B}" sibTransId="{F290FC2B-5026-4DA3-9ED4-7F5337A62239}"/>
+    <dgm:cxn modelId="{EC618EB3-BC8D-44C7-AD22-F4CF6DA1A25C}" srcId="{C143C7B9-59FD-4DEC-BE35-8B93F8963E39}" destId="{6EA06D5A-F148-44CF-9EE4-2D854B566A68}" srcOrd="0" destOrd="0" parTransId="{60247C46-E728-4833-9AC4-086449109BFD}" sibTransId="{692917D1-A082-48E3-8462-4644C28ACF3E}"/>
     <dgm:cxn modelId="{2D477F92-E237-4409-8CF8-46A3F6F7F682}" type="presOf" srcId="{5EEE759F-FDE3-4CC4-875A-22326E6F4A5D}" destId="{52E4DF43-0BCF-4E2D-87A3-D5AED9C2DAED}" srcOrd="0" destOrd="0" presId="urn:microsoft.com/office/officeart/2016/7/layout/VerticalHollowActionList"/>
-    <dgm:cxn modelId="{BED22893-27D2-4C3D-A45C-565BA9550FD4}" type="presOf" srcId="{C143C7B9-59FD-4DEC-BE35-8B93F8963E39}" destId="{1014B0E1-8BD5-489D-A26A-EC6D18CC6A79}" srcOrd="0" destOrd="0" presId="urn:microsoft.com/office/officeart/2016/7/layout/VerticalHollowActionList"/>
-    <dgm:cxn modelId="{1EBB1B9D-3D91-4D30-8422-377A1FE9069E}" type="presOf" srcId="{000F3A0A-B270-4428-9A38-459760252E83}" destId="{AE95AAB3-EA95-4113-A3B6-B8F578E2299A}" srcOrd="0" destOrd="0" presId="urn:microsoft.com/office/officeart/2016/7/layout/VerticalHollowActionList"/>
-    <dgm:cxn modelId="{EC618EB3-BC8D-44C7-AD22-F4CF6DA1A25C}" srcId="{C143C7B9-59FD-4DEC-BE35-8B93F8963E39}" destId="{6EA06D5A-F148-44CF-9EE4-2D854B566A68}" srcOrd="0" destOrd="0" parTransId="{60247C46-E728-4833-9AC4-086449109BFD}" sibTransId="{692917D1-A082-48E3-8462-4644C28ACF3E}"/>
-    <dgm:cxn modelId="{3C095EBF-E374-48A3-A852-C7FA8AACDC97}" srcId="{111D0ADC-E6AD-482B-98BD-8FC27421AEB3}" destId="{5EEE759F-FDE3-4CC4-875A-22326E6F4A5D}" srcOrd="3" destOrd="0" parTransId="{363552C2-E8FB-473B-8562-38B57621884A}" sibTransId="{71B61CA1-E176-46CD-9AA2-D9A588DBF503}"/>
-    <dgm:cxn modelId="{23E4B0D9-9D94-4C63-9BE8-E3DC8029E2A5}" type="presOf" srcId="{9AE7EAA4-1F99-41B1-BE39-4C620E186F05}" destId="{5C90F4B7-C419-476D-88A7-A45C4CC4A42E}" srcOrd="0" destOrd="0" presId="urn:microsoft.com/office/officeart/2016/7/layout/VerticalHollowActionList"/>
-    <dgm:cxn modelId="{BDCDB7E9-BA4C-491B-A57F-D920C13BAF64}" srcId="{111D0ADC-E6AD-482B-98BD-8FC27421AEB3}" destId="{2FC26169-369C-4960-9CCC-C09FA3009FF6}" srcOrd="4" destOrd="0" parTransId="{6BD614F7-A90B-4A2A-B9D5-BCB81559D8C4}" sibTransId="{FF6D58DC-0D5E-42B3-BE84-2DFB97BB04BC}"/>
-    <dgm:cxn modelId="{59D20EF8-988C-42A9-BF82-FBB1D3FD9C77}" type="presOf" srcId="{576393ED-DDEB-4B25-8870-3DAA8231758F}" destId="{B155FC08-06C0-40DB-B6A7-CF5FCC896370}" srcOrd="0" destOrd="0" presId="urn:microsoft.com/office/officeart/2016/7/layout/VerticalHollowActionList"/>
-    <dgm:cxn modelId="{8D9CE9FC-240D-48B3-B0D6-E198F8BAC58B}" srcId="{111D0ADC-E6AD-482B-98BD-8FC27421AEB3}" destId="{C143C7B9-59FD-4DEC-BE35-8B93F8963E39}" srcOrd="0" destOrd="0" parTransId="{2F6B8077-4982-4C19-AFEA-40C90830E71F}" sibTransId="{92C80D99-384E-40B1-A3FD-FC45DD9D44FC}"/>
     <dgm:cxn modelId="{C180617B-E402-4E66-B9E0-F3CC6B75F429}" type="presParOf" srcId="{C792BD51-102A-47FD-BC1B-BB6275A9388E}" destId="{F2DF9B81-6307-4F0C-84BC-FC8107544B96}" srcOrd="0" destOrd="0" presId="urn:microsoft.com/office/officeart/2016/7/layout/VerticalHollowActionList"/>
     <dgm:cxn modelId="{A8423F65-2F46-4FD3-A6EC-8CBFB56A29DB}" type="presParOf" srcId="{F2DF9B81-6307-4F0C-84BC-FC8107544B96}" destId="{1014B0E1-8BD5-489D-A26A-EC6D18CC6A79}" srcOrd="0" destOrd="0" presId="urn:microsoft.com/office/officeart/2016/7/layout/VerticalHollowActionList"/>
     <dgm:cxn modelId="{81382FFC-5AB8-4824-B25E-38917714411D}" type="presParOf" srcId="{F2DF9B81-6307-4F0C-84BC-FC8107544B96}" destId="{DA89CC0B-1D25-45E1-B520-C00B43B1ED74}" srcOrd="1" destOrd="0" presId="urn:microsoft.com/office/officeart/2016/7/layout/VerticalHollowActionList"/>
@@ -1664,7 +1755,7 @@
         </a:bodyPr>
         <a:lstStyle/>
         <a:p>
-          <a:pPr marL="0" lvl="0" indent="0" algn="l" defTabSz="755650">
+          <a:pPr lvl="0" algn="l" defTabSz="755650">
             <a:lnSpc>
               <a:spcPct val="90000"/>
             </a:lnSpc>
@@ -1674,7 +1765,6 @@
             <a:spcAft>
               <a:spcPct val="35000"/>
             </a:spcAft>
-            <a:buNone/>
           </a:pPr>
           <a:r>
             <a:rPr lang="en-US" sz="1700" kern="1200"/>
@@ -1740,7 +1830,7 @@
         </a:bodyPr>
         <a:lstStyle/>
         <a:p>
-          <a:pPr marL="0" lvl="0" indent="0" algn="ctr" defTabSz="933450">
+          <a:pPr lvl="0" algn="ctr" defTabSz="933450">
             <a:lnSpc>
               <a:spcPct val="90000"/>
             </a:lnSpc>
@@ -1750,7 +1840,6 @@
             <a:spcAft>
               <a:spcPct val="35000"/>
             </a:spcAft>
-            <a:buNone/>
           </a:pPr>
           <a:r>
             <a:rPr lang="en-US" sz="2100" kern="1200"/>
@@ -1818,7 +1907,7 @@
         </a:bodyPr>
         <a:lstStyle/>
         <a:p>
-          <a:pPr marL="0" lvl="0" indent="0" algn="l" defTabSz="755650">
+          <a:pPr lvl="0" algn="l" defTabSz="755650">
             <a:lnSpc>
               <a:spcPct val="90000"/>
             </a:lnSpc>
@@ -1828,7 +1917,6 @@
             <a:spcAft>
               <a:spcPct val="35000"/>
             </a:spcAft>
-            <a:buNone/>
           </a:pPr>
           <a:r>
             <a:rPr lang="en-US" sz="1700" kern="1200" dirty="0"/>
@@ -1894,7 +1982,7 @@
         </a:bodyPr>
         <a:lstStyle/>
         <a:p>
-          <a:pPr marL="0" lvl="0" indent="0" algn="ctr" defTabSz="933450">
+          <a:pPr lvl="0" algn="ctr" defTabSz="933450">
             <a:lnSpc>
               <a:spcPct val="90000"/>
             </a:lnSpc>
@@ -1904,7 +1992,6 @@
             <a:spcAft>
               <a:spcPct val="35000"/>
             </a:spcAft>
-            <a:buNone/>
           </a:pPr>
           <a:r>
             <a:rPr lang="en-US" sz="2100" kern="1200"/>
@@ -1972,7 +2059,7 @@
         </a:bodyPr>
         <a:lstStyle/>
         <a:p>
-          <a:pPr marL="0" lvl="0" indent="0" algn="l" defTabSz="755650">
+          <a:pPr lvl="0" algn="l" defTabSz="755650">
             <a:lnSpc>
               <a:spcPct val="90000"/>
             </a:lnSpc>
@@ -1982,7 +2069,6 @@
             <a:spcAft>
               <a:spcPct val="35000"/>
             </a:spcAft>
-            <a:buNone/>
           </a:pPr>
           <a:r>
             <a:rPr lang="en-US" sz="1700" kern="1200" dirty="0"/>
@@ -2048,7 +2134,7 @@
         </a:bodyPr>
         <a:lstStyle/>
         <a:p>
-          <a:pPr marL="0" lvl="0" indent="0" algn="ctr" defTabSz="933450">
+          <a:pPr lvl="0" algn="ctr" defTabSz="933450">
             <a:lnSpc>
               <a:spcPct val="90000"/>
             </a:lnSpc>
@@ -2058,7 +2144,6 @@
             <a:spcAft>
               <a:spcPct val="35000"/>
             </a:spcAft>
-            <a:buNone/>
           </a:pPr>
           <a:r>
             <a:rPr lang="en-US" sz="2100" kern="1200"/>
@@ -2126,7 +2211,7 @@
         </a:bodyPr>
         <a:lstStyle/>
         <a:p>
-          <a:pPr marL="0" lvl="0" indent="0" algn="l" defTabSz="755650">
+          <a:pPr lvl="0" algn="l" defTabSz="755650">
             <a:lnSpc>
               <a:spcPct val="90000"/>
             </a:lnSpc>
@@ -2136,7 +2221,6 @@
             <a:spcAft>
               <a:spcPct val="35000"/>
             </a:spcAft>
-            <a:buNone/>
           </a:pPr>
           <a:r>
             <a:rPr lang="en-US" sz="1700" kern="1200"/>
@@ -2202,7 +2286,7 @@
         </a:bodyPr>
         <a:lstStyle/>
         <a:p>
-          <a:pPr marL="0" lvl="0" indent="0" algn="ctr" defTabSz="933450">
+          <a:pPr lvl="0" algn="ctr" defTabSz="933450">
             <a:lnSpc>
               <a:spcPct val="90000"/>
             </a:lnSpc>
@@ -2212,7 +2296,6 @@
             <a:spcAft>
               <a:spcPct val="35000"/>
             </a:spcAft>
-            <a:buNone/>
           </a:pPr>
           <a:r>
             <a:rPr lang="en-US" sz="2100" kern="1200"/>
@@ -2280,7 +2363,7 @@
         </a:bodyPr>
         <a:lstStyle/>
         <a:p>
-          <a:pPr marL="0" lvl="0" indent="0" algn="l" defTabSz="755650">
+          <a:pPr lvl="0" algn="l" defTabSz="755650">
             <a:lnSpc>
               <a:spcPct val="90000"/>
             </a:lnSpc>
@@ -2290,7 +2373,6 @@
             <a:spcAft>
               <a:spcPct val="35000"/>
             </a:spcAft>
-            <a:buNone/>
           </a:pPr>
           <a:r>
             <a:rPr lang="en-US" sz="1700" kern="1200"/>
@@ -2356,7 +2438,7 @@
         </a:bodyPr>
         <a:lstStyle/>
         <a:p>
-          <a:pPr marL="0" lvl="0" indent="0" algn="ctr" defTabSz="933450">
+          <a:pPr lvl="0" algn="ctr" defTabSz="933450">
             <a:lnSpc>
               <a:spcPct val="90000"/>
             </a:lnSpc>
@@ -2366,7 +2448,6 @@
             <a:spcAft>
               <a:spcPct val="35000"/>
             </a:spcAft>
-            <a:buNone/>
           </a:pPr>
           <a:r>
             <a:rPr lang="en-US" sz="2100" kern="1200"/>
@@ -2434,7 +2515,7 @@
         </a:bodyPr>
         <a:lstStyle/>
         <a:p>
-          <a:pPr marL="0" lvl="0" indent="0" algn="l" defTabSz="755650">
+          <a:pPr lvl="0" algn="l" defTabSz="755650">
             <a:lnSpc>
               <a:spcPct val="90000"/>
             </a:lnSpc>
@@ -2444,7 +2525,6 @@
             <a:spcAft>
               <a:spcPct val="35000"/>
             </a:spcAft>
-            <a:buNone/>
           </a:pPr>
           <a:r>
             <a:rPr lang="en-US" sz="1700" kern="1200"/>
@@ -2510,7 +2590,7 @@
         </a:bodyPr>
         <a:lstStyle/>
         <a:p>
-          <a:pPr marL="0" lvl="0" indent="0" algn="ctr" defTabSz="933450">
+          <a:pPr lvl="0" algn="ctr" defTabSz="933450">
             <a:lnSpc>
               <a:spcPct val="90000"/>
             </a:lnSpc>
@@ -2520,7 +2600,6 @@
             <a:spcAft>
               <a:spcPct val="35000"/>
             </a:spcAft>
-            <a:buNone/>
           </a:pPr>
           <a:r>
             <a:rPr lang="en-US" sz="2100" kern="1200"/>
@@ -6650,7 +6729,7 @@
           <p:nvPr>
             <p:extLst>
               <p:ext uri="{386F3935-93C4-4BCD-93E2-E3B085C9AB24}">
-                <p16:designElem xmlns:p16="http://schemas.microsoft.com/office/powerpoint/2015/main" val="1"/>
+                <p16:designElem xmlns:p16="http://schemas.microsoft.com/office/powerpoint/2015/main" xmlns="" val="1"/>
               </p:ext>
             </p:extLst>
           </p:nvPr>
@@ -6813,6 +6892,13 @@
   <p:clrMapOvr>
     <a:masterClrMapping/>
   </p:clrMapOvr>
+  <p:timing>
+    <p:tnLst>
+      <p:par>
+        <p:cTn id="1" dur="indefinite" restart="never" nodeType="tmRoot"/>
+      </p:par>
+    </p:tnLst>
+  </p:timing>
 </p:sld>
 </file>
 
@@ -6927,6 +7013,13 @@
   <p:clrMapOvr>
     <a:masterClrMapping/>
   </p:clrMapOvr>
+  <p:timing>
+    <p:tnLst>
+      <p:par>
+        <p:cTn id="1" dur="indefinite" restart="never" nodeType="tmRoot"/>
+      </p:par>
+    </p:tnLst>
+  </p:timing>
 </p:sld>
 </file>
 
@@ -6956,7 +7049,7 @@
           <p:nvPr>
             <p:extLst>
               <p:ext uri="{386F3935-93C4-4BCD-93E2-E3B085C9AB24}">
-                <p16:designElem xmlns:p16="http://schemas.microsoft.com/office/powerpoint/2015/main" val="1"/>
+                <p16:designElem xmlns:p16="http://schemas.microsoft.com/office/powerpoint/2015/main" xmlns="" val="1"/>
               </p:ext>
             </p:extLst>
           </p:nvPr>
@@ -7059,7 +7152,7 @@
           <p:nvPr>
             <p:extLst>
               <p:ext uri="{386F3935-93C4-4BCD-93E2-E3B085C9AB24}">
-                <p16:designElem xmlns:p16="http://schemas.microsoft.com/office/powerpoint/2015/main" val="1"/>
+                <p16:designElem xmlns:p16="http://schemas.microsoft.com/office/powerpoint/2015/main" xmlns="" val="1"/>
               </p:ext>
             </p:extLst>
           </p:nvPr>
@@ -7434,7 +7527,7 @@
           <p:nvPr>
             <p:extLst>
               <p:ext uri="{386F3935-93C4-4BCD-93E2-E3B085C9AB24}">
-                <p16:designElem xmlns:p16="http://schemas.microsoft.com/office/powerpoint/2015/main" val="1"/>
+                <p16:designElem xmlns:p16="http://schemas.microsoft.com/office/powerpoint/2015/main" xmlns="" val="1"/>
               </p:ext>
             </p:extLst>
           </p:nvPr>
@@ -7506,7 +7599,7 @@
           <p:nvPr>
             <p:extLst>
               <p:ext uri="{386F3935-93C4-4BCD-93E2-E3B085C9AB24}">
-                <p16:designElem xmlns:p16="http://schemas.microsoft.com/office/powerpoint/2015/main" val="1"/>
+                <p16:designElem xmlns:p16="http://schemas.microsoft.com/office/powerpoint/2015/main" xmlns="" val="1"/>
               </p:ext>
             </p:extLst>
           </p:nvPr>
@@ -7602,6 +7695,13 @@
   <p:clrMapOvr>
     <a:masterClrMapping/>
   </p:clrMapOvr>
+  <p:timing>
+    <p:tnLst>
+      <p:par>
+        <p:cTn id="1" dur="indefinite" restart="never" nodeType="tmRoot"/>
+      </p:par>
+    </p:tnLst>
+  </p:timing>
 </p:sld>
 </file>
 
@@ -7631,7 +7731,7 @@
           <p:nvPr>
             <p:extLst>
               <p:ext uri="{386F3935-93C4-4BCD-93E2-E3B085C9AB24}">
-                <p16:designElem xmlns:p16="http://schemas.microsoft.com/office/powerpoint/2015/main" val="1"/>
+                <p16:designElem xmlns:p16="http://schemas.microsoft.com/office/powerpoint/2015/main" xmlns="" val="1"/>
               </p:ext>
             </p:extLst>
           </p:nvPr>
@@ -7662,7 +7762,7 @@
           <p:nvPr>
             <p:extLst>
               <p:ext uri="{386F3935-93C4-4BCD-93E2-E3B085C9AB24}">
-                <p16:designElem xmlns:p16="http://schemas.microsoft.com/office/powerpoint/2015/main" val="1"/>
+                <p16:designElem xmlns:p16="http://schemas.microsoft.com/office/powerpoint/2015/main" xmlns="" val="1"/>
               </p:ext>
             </p:extLst>
           </p:nvPr>
@@ -7798,6 +7898,13 @@
   <p:clrMapOvr>
     <a:masterClrMapping/>
   </p:clrMapOvr>
+  <p:timing>
+    <p:tnLst>
+      <p:par>
+        <p:cTn id="1" dur="indefinite" restart="never" nodeType="tmRoot"/>
+      </p:par>
+    </p:tnLst>
+  </p:timing>
 </p:sld>
 </file>
 
@@ -7866,7 +7973,7 @@
           <p:nvPr>
             <p:extLst>
               <p:ext uri="{386F3935-93C4-4BCD-93E2-E3B085C9AB24}">
-                <p16:designElem xmlns:p16="http://schemas.microsoft.com/office/powerpoint/2015/main" val="1"/>
+                <p16:designElem xmlns:p16="http://schemas.microsoft.com/office/powerpoint/2015/main" xmlns="" val="1"/>
               </p:ext>
             </p:extLst>
           </p:nvPr>
@@ -7969,7 +8076,7 @@
           <p:nvPr>
             <p:extLst>
               <p:ext uri="{386F3935-93C4-4BCD-93E2-E3B085C9AB24}">
-                <p16:designElem xmlns:p16="http://schemas.microsoft.com/office/powerpoint/2015/main" val="1"/>
+                <p16:designElem xmlns:p16="http://schemas.microsoft.com/office/powerpoint/2015/main" xmlns="" val="1"/>
               </p:ext>
             </p:extLst>
           </p:nvPr>
@@ -8138,6 +8245,13 @@
   <p:clrMapOvr>
     <a:masterClrMapping/>
   </p:clrMapOvr>
+  <p:timing>
+    <p:tnLst>
+      <p:par>
+        <p:cTn id="1" dur="indefinite" restart="never" nodeType="tmRoot"/>
+      </p:par>
+    </p:tnLst>
+  </p:timing>
 </p:sld>
 </file>
 
@@ -8167,7 +8281,7 @@
           <p:nvPr>
             <p:extLst>
               <p:ext uri="{386F3935-93C4-4BCD-93E2-E3B085C9AB24}">
-                <p16:designElem xmlns:p16="http://schemas.microsoft.com/office/powerpoint/2015/main" val="1"/>
+                <p16:designElem xmlns:p16="http://schemas.microsoft.com/office/powerpoint/2015/main" xmlns="" val="1"/>
               </p:ext>
             </p:extLst>
           </p:nvPr>
@@ -8198,7 +8312,7 @@
           <p:nvPr>
             <p:extLst>
               <p:ext uri="{386F3935-93C4-4BCD-93E2-E3B085C9AB24}">
-                <p16:designElem xmlns:p16="http://schemas.microsoft.com/office/powerpoint/2015/main" val="1"/>
+                <p16:designElem xmlns:p16="http://schemas.microsoft.com/office/powerpoint/2015/main" xmlns="" val="1"/>
               </p:ext>
             </p:extLst>
           </p:nvPr>
@@ -8331,6 +8445,13 @@
   <p:clrMapOvr>
     <a:masterClrMapping/>
   </p:clrMapOvr>
+  <p:timing>
+    <p:tnLst>
+      <p:par>
+        <p:cTn id="1" dur="indefinite" restart="never" nodeType="tmRoot"/>
+      </p:par>
+    </p:tnLst>
+  </p:timing>
 </p:sld>
 </file>
 
@@ -8399,7 +8520,7 @@
           <p:nvPr>
             <p:extLst>
               <p:ext uri="{386F3935-93C4-4BCD-93E2-E3B085C9AB24}">
-                <p16:designElem xmlns:p16="http://schemas.microsoft.com/office/powerpoint/2015/main" val="1"/>
+                <p16:designElem xmlns:p16="http://schemas.microsoft.com/office/powerpoint/2015/main" xmlns="" val="1"/>
               </p:ext>
             </p:extLst>
           </p:nvPr>
@@ -8502,7 +8623,7 @@
           <p:nvPr>
             <p:extLst>
               <p:ext uri="{386F3935-93C4-4BCD-93E2-E3B085C9AB24}">
-                <p16:designElem xmlns:p16="http://schemas.microsoft.com/office/powerpoint/2015/main" val="1"/>
+                <p16:designElem xmlns:p16="http://schemas.microsoft.com/office/powerpoint/2015/main" xmlns="" val="1"/>
               </p:ext>
             </p:extLst>
           </p:nvPr>
@@ -8694,6 +8815,13 @@
   <p:clrMapOvr>
     <a:masterClrMapping/>
   </p:clrMapOvr>
+  <p:timing>
+    <p:tnLst>
+      <p:par>
+        <p:cTn id="1" dur="indefinite" restart="never" nodeType="tmRoot"/>
+      </p:par>
+    </p:tnLst>
+  </p:timing>
 </p:sld>
 </file>
 
@@ -8768,6 +8896,13 @@
   <p:clrMapOvr>
     <a:masterClrMapping/>
   </p:clrMapOvr>
+  <p:timing>
+    <p:tnLst>
+      <p:par>
+        <p:cTn id="1" dur="indefinite" restart="never" nodeType="tmRoot"/>
+      </p:par>
+    </p:tnLst>
+  </p:timing>
 </p:sld>
 </file>
 
@@ -8797,7 +8932,7 @@
           <p:nvPr>
             <p:extLst>
               <p:ext uri="{386F3935-93C4-4BCD-93E2-E3B085C9AB24}">
-                <p16:designElem xmlns:p16="http://schemas.microsoft.com/office/powerpoint/2015/main" val="1"/>
+                <p16:designElem xmlns:p16="http://schemas.microsoft.com/office/powerpoint/2015/main" xmlns="" val="1"/>
               </p:ext>
             </p:extLst>
           </p:nvPr>
@@ -8969,6 +9104,13 @@
   <p:clrMapOvr>
     <a:masterClrMapping/>
   </p:clrMapOvr>
+  <p:timing>
+    <p:tnLst>
+      <p:par>
+        <p:cTn id="1" dur="indefinite" restart="never" nodeType="tmRoot"/>
+      </p:par>
+    </p:tnLst>
+  </p:timing>
 </p:sld>
 </file>
 
@@ -9214,7 +9356,7 @@
           <p:nvPr>
             <p:extLst>
               <p:ext uri="{386F3935-93C4-4BCD-93E2-E3B085C9AB24}">
-                <p16:designElem xmlns:p16="http://schemas.microsoft.com/office/powerpoint/2015/main" val="1"/>
+                <p16:designElem xmlns:p16="http://schemas.microsoft.com/office/powerpoint/2015/main" xmlns="" val="1"/>
               </p:ext>
             </p:extLst>
           </p:nvPr>
@@ -9381,7 +9523,31 @@
                   <a:schemeClr val="bg1"/>
                 </a:solidFill>
               </a:rPr>
-              <a:t>Worked for a lot of clients</a:t>
+              <a:t>Worked for </a:t>
+            </a:r>
+            <a:r>
+              <a:rPr lang="en-US" sz="2400" dirty="0" smtClean="0">
+                <a:solidFill>
+                  <a:schemeClr val="bg1"/>
+                </a:solidFill>
+              </a:rPr>
+              <a:t>many</a:t>
+            </a:r>
+            <a:r>
+              <a:rPr lang="en-US" sz="2400" dirty="0" smtClean="0">
+                <a:solidFill>
+                  <a:schemeClr val="bg1"/>
+                </a:solidFill>
+              </a:rPr>
+              <a:t> </a:t>
+            </a:r>
+            <a:r>
+              <a:rPr lang="en-US" sz="2400" dirty="0">
+                <a:solidFill>
+                  <a:schemeClr val="bg1"/>
+                </a:solidFill>
+              </a:rPr>
+              <a:t>clients</a:t>
             </a:r>
           </a:p>
           <a:p>
@@ -9454,6 +9620,13 @@
   <p:clrMapOvr>
     <a:masterClrMapping/>
   </p:clrMapOvr>
+  <p:timing>
+    <p:tnLst>
+      <p:par>
+        <p:cTn id="1" dur="indefinite" restart="never" nodeType="tmRoot"/>
+      </p:par>
+    </p:tnLst>
+  </p:timing>
 </p:sld>
 </file>
 
@@ -9765,6 +9938,13 @@
   <p:clrMapOvr>
     <a:masterClrMapping/>
   </p:clrMapOvr>
+  <p:timing>
+    <p:tnLst>
+      <p:par>
+        <p:cTn id="1" dur="indefinite" restart="never" nodeType="tmRoot"/>
+      </p:par>
+    </p:tnLst>
+  </p:timing>
 </p:sld>
 </file>
 
@@ -9865,6 +10045,13 @@
   <p:clrMapOvr>
     <a:masterClrMapping/>
   </p:clrMapOvr>
+  <p:timing>
+    <p:tnLst>
+      <p:par>
+        <p:cTn id="1" dur="indefinite" restart="never" nodeType="tmRoot"/>
+      </p:par>
+    </p:tnLst>
+  </p:timing>
 </p:sld>
 </file>
 
@@ -10312,6 +10499,13 @@
   <p:clrMapOvr>
     <a:masterClrMapping/>
   </p:clrMapOvr>
+  <p:timing>
+    <p:tnLst>
+      <p:par>
+        <p:cTn id="1" dur="indefinite" restart="never" nodeType="tmRoot"/>
+      </p:par>
+    </p:tnLst>
+  </p:timing>
 </p:sld>
 </file>
 
@@ -10341,7 +10535,7 @@
           <p:nvPr>
             <p:extLst>
               <p:ext uri="{386F3935-93C4-4BCD-93E2-E3B085C9AB24}">
-                <p16:designElem xmlns:p16="http://schemas.microsoft.com/office/powerpoint/2015/main" val="1"/>
+                <p16:designElem xmlns:p16="http://schemas.microsoft.com/office/powerpoint/2015/main" xmlns="" val="1"/>
               </p:ext>
             </p:extLst>
           </p:nvPr>
@@ -10513,6 +10707,13 @@
   <p:clrMapOvr>
     <a:masterClrMapping/>
   </p:clrMapOvr>
+  <p:timing>
+    <p:tnLst>
+      <p:par>
+        <p:cTn id="1" dur="indefinite" restart="never" nodeType="tmRoot"/>
+      </p:par>
+    </p:tnLst>
+  </p:timing>
 </p:sld>
 </file>
 
@@ -10550,7 +10751,15 @@
           <a:p>
             <a:r>
               <a:rPr lang="en-US" dirty="0"/>
-              <a:t>[BAD]Dependency for raising events</a:t>
+              <a:t>[</a:t>
+            </a:r>
+            <a:r>
+              <a:rPr lang="en-US" dirty="0" smtClean="0"/>
+              <a:t>Bad] Dependency </a:t>
+            </a:r>
+            <a:r>
+              <a:rPr lang="en-US" dirty="0"/>
+              <a:t>for raising events</a:t>
             </a:r>
           </a:p>
         </p:txBody>
@@ -10591,6 +10800,13 @@
   <p:clrMapOvr>
     <a:masterClrMapping/>
   </p:clrMapOvr>
+  <p:timing>
+    <p:tnLst>
+      <p:par>
+        <p:cTn id="1" dur="indefinite" restart="never" nodeType="tmRoot"/>
+      </p:par>
+    </p:tnLst>
+  </p:timing>
 </p:sld>
 </file>
 
@@ -10686,6 +10902,13 @@
   <p:clrMapOvr>
     <a:masterClrMapping/>
   </p:clrMapOvr>
+  <p:timing>
+    <p:tnLst>
+      <p:par>
+        <p:cTn id="1" dur="indefinite" restart="never" nodeType="tmRoot"/>
+      </p:par>
+    </p:tnLst>
+  </p:timing>
 </p:sld>
 </file>
 
@@ -10783,8 +11006,19 @@
           <a:p>
             <a:r>
               <a:rPr lang="en-US" dirty="0"/>
-              <a:t>Always need to test also that we invoke it X number of times the dependency</a:t>
-            </a:r>
+              <a:t>Always need to test also that we invoke it X number of times the </a:t>
+            </a:r>
+            <a:r>
+              <a:rPr lang="en-US" dirty="0" smtClean="0"/>
+              <a:t>dependency</a:t>
+            </a:r>
+          </a:p>
+          <a:p>
+            <a:r>
+              <a:rPr lang="en-US" dirty="0" smtClean="0"/>
+              <a:t>Need to test also the data type of the event</a:t>
+            </a:r>
+            <a:endParaRPr lang="en-US" dirty="0"/>
           </a:p>
         </p:txBody>
       </p:sp>
@@ -10798,6 +11032,284 @@
   <p:clrMapOvr>
     <a:masterClrMapping/>
   </p:clrMapOvr>
+  <p:timing>
+    <p:tnLst>
+      <p:par>
+        <p:cTn id="1" dur="indefinite" restart="never" nodeType="tmRoot">
+          <p:childTnLst>
+            <p:seq concurrent="1" nextAc="seek">
+              <p:cTn id="2" dur="indefinite" nodeType="mainSeq">
+                <p:childTnLst>
+                  <p:par>
+                    <p:cTn id="3" fill="hold">
+                      <p:stCondLst>
+                        <p:cond delay="indefinite"/>
+                      </p:stCondLst>
+                      <p:childTnLst>
+                        <p:par>
+                          <p:cTn id="4" fill="hold">
+                            <p:stCondLst>
+                              <p:cond delay="0"/>
+                            </p:stCondLst>
+                            <p:childTnLst>
+                              <p:par>
+                                <p:cTn id="5" presetID="1" presetClass="entr" presetSubtype="0" fill="hold" grpId="0" nodeType="clickEffect">
+                                  <p:stCondLst>
+                                    <p:cond delay="0"/>
+                                  </p:stCondLst>
+                                  <p:childTnLst>
+                                    <p:set>
+                                      <p:cBhvr>
+                                        <p:cTn id="6" dur="1" fill="hold">
+                                          <p:stCondLst>
+                                            <p:cond delay="0"/>
+                                          </p:stCondLst>
+                                        </p:cTn>
+                                        <p:tgtEl>
+                                          <p:spTgt spid="3">
+                                            <p:txEl>
+                                              <p:pRg st="0" end="0"/>
+                                            </p:txEl>
+                                          </p:spTgt>
+                                        </p:tgtEl>
+                                        <p:attrNameLst>
+                                          <p:attrName>style.visibility</p:attrName>
+                                        </p:attrNameLst>
+                                      </p:cBhvr>
+                                      <p:to>
+                                        <p:strVal val="visible"/>
+                                      </p:to>
+                                    </p:set>
+                                  </p:childTnLst>
+                                </p:cTn>
+                              </p:par>
+                            </p:childTnLst>
+                          </p:cTn>
+                        </p:par>
+                      </p:childTnLst>
+                    </p:cTn>
+                  </p:par>
+                  <p:par>
+                    <p:cTn id="7" fill="hold">
+                      <p:stCondLst>
+                        <p:cond delay="indefinite"/>
+                      </p:stCondLst>
+                      <p:childTnLst>
+                        <p:par>
+                          <p:cTn id="8" fill="hold">
+                            <p:stCondLst>
+                              <p:cond delay="0"/>
+                            </p:stCondLst>
+                            <p:childTnLst>
+                              <p:par>
+                                <p:cTn id="9" presetID="1" presetClass="entr" presetSubtype="0" fill="hold" grpId="0" nodeType="clickEffect">
+                                  <p:stCondLst>
+                                    <p:cond delay="0"/>
+                                  </p:stCondLst>
+                                  <p:childTnLst>
+                                    <p:set>
+                                      <p:cBhvr>
+                                        <p:cTn id="10" dur="1" fill="hold">
+                                          <p:stCondLst>
+                                            <p:cond delay="0"/>
+                                          </p:stCondLst>
+                                        </p:cTn>
+                                        <p:tgtEl>
+                                          <p:spTgt spid="3">
+                                            <p:txEl>
+                                              <p:pRg st="1" end="1"/>
+                                            </p:txEl>
+                                          </p:spTgt>
+                                        </p:tgtEl>
+                                        <p:attrNameLst>
+                                          <p:attrName>style.visibility</p:attrName>
+                                        </p:attrNameLst>
+                                      </p:cBhvr>
+                                      <p:to>
+                                        <p:strVal val="visible"/>
+                                      </p:to>
+                                    </p:set>
+                                  </p:childTnLst>
+                                </p:cTn>
+                              </p:par>
+                            </p:childTnLst>
+                          </p:cTn>
+                        </p:par>
+                      </p:childTnLst>
+                    </p:cTn>
+                  </p:par>
+                  <p:par>
+                    <p:cTn id="11" fill="hold">
+                      <p:stCondLst>
+                        <p:cond delay="indefinite"/>
+                      </p:stCondLst>
+                      <p:childTnLst>
+                        <p:par>
+                          <p:cTn id="12" fill="hold">
+                            <p:stCondLst>
+                              <p:cond delay="0"/>
+                            </p:stCondLst>
+                            <p:childTnLst>
+                              <p:par>
+                                <p:cTn id="13" presetID="1" presetClass="entr" presetSubtype="0" fill="hold" grpId="0" nodeType="clickEffect">
+                                  <p:stCondLst>
+                                    <p:cond delay="0"/>
+                                  </p:stCondLst>
+                                  <p:childTnLst>
+                                    <p:set>
+                                      <p:cBhvr>
+                                        <p:cTn id="14" dur="1" fill="hold">
+                                          <p:stCondLst>
+                                            <p:cond delay="0"/>
+                                          </p:stCondLst>
+                                        </p:cTn>
+                                        <p:tgtEl>
+                                          <p:spTgt spid="3">
+                                            <p:txEl>
+                                              <p:pRg st="2" end="2"/>
+                                            </p:txEl>
+                                          </p:spTgt>
+                                        </p:tgtEl>
+                                        <p:attrNameLst>
+                                          <p:attrName>style.visibility</p:attrName>
+                                        </p:attrNameLst>
+                                      </p:cBhvr>
+                                      <p:to>
+                                        <p:strVal val="visible"/>
+                                      </p:to>
+                                    </p:set>
+                                  </p:childTnLst>
+                                </p:cTn>
+                              </p:par>
+                            </p:childTnLst>
+                          </p:cTn>
+                        </p:par>
+                      </p:childTnLst>
+                    </p:cTn>
+                  </p:par>
+                  <p:par>
+                    <p:cTn id="15" fill="hold">
+                      <p:stCondLst>
+                        <p:cond delay="indefinite"/>
+                      </p:stCondLst>
+                      <p:childTnLst>
+                        <p:par>
+                          <p:cTn id="16" fill="hold">
+                            <p:stCondLst>
+                              <p:cond delay="0"/>
+                            </p:stCondLst>
+                            <p:childTnLst>
+                              <p:par>
+                                <p:cTn id="17" presetID="1" presetClass="entr" presetSubtype="0" fill="hold" grpId="0" nodeType="clickEffect">
+                                  <p:stCondLst>
+                                    <p:cond delay="0"/>
+                                  </p:stCondLst>
+                                  <p:childTnLst>
+                                    <p:set>
+                                      <p:cBhvr>
+                                        <p:cTn id="18" dur="1" fill="hold">
+                                          <p:stCondLst>
+                                            <p:cond delay="0"/>
+                                          </p:stCondLst>
+                                        </p:cTn>
+                                        <p:tgtEl>
+                                          <p:spTgt spid="3">
+                                            <p:txEl>
+                                              <p:pRg st="3" end="3"/>
+                                            </p:txEl>
+                                          </p:spTgt>
+                                        </p:tgtEl>
+                                        <p:attrNameLst>
+                                          <p:attrName>style.visibility</p:attrName>
+                                        </p:attrNameLst>
+                                      </p:cBhvr>
+                                      <p:to>
+                                        <p:strVal val="visible"/>
+                                      </p:to>
+                                    </p:set>
+                                  </p:childTnLst>
+                                </p:cTn>
+                              </p:par>
+                            </p:childTnLst>
+                          </p:cTn>
+                        </p:par>
+                      </p:childTnLst>
+                    </p:cTn>
+                  </p:par>
+                  <p:par>
+                    <p:cTn id="19" fill="hold">
+                      <p:stCondLst>
+                        <p:cond delay="indefinite"/>
+                      </p:stCondLst>
+                      <p:childTnLst>
+                        <p:par>
+                          <p:cTn id="20" fill="hold">
+                            <p:stCondLst>
+                              <p:cond delay="0"/>
+                            </p:stCondLst>
+                            <p:childTnLst>
+                              <p:par>
+                                <p:cTn id="21" presetID="1" presetClass="entr" presetSubtype="0" fill="hold" grpId="0" nodeType="clickEffect">
+                                  <p:stCondLst>
+                                    <p:cond delay="0"/>
+                                  </p:stCondLst>
+                                  <p:childTnLst>
+                                    <p:set>
+                                      <p:cBhvr>
+                                        <p:cTn id="22" dur="1" fill="hold">
+                                          <p:stCondLst>
+                                            <p:cond delay="0"/>
+                                          </p:stCondLst>
+                                        </p:cTn>
+                                        <p:tgtEl>
+                                          <p:spTgt spid="3">
+                                            <p:txEl>
+                                              <p:pRg st="4" end="4"/>
+                                            </p:txEl>
+                                          </p:spTgt>
+                                        </p:tgtEl>
+                                        <p:attrNameLst>
+                                          <p:attrName>style.visibility</p:attrName>
+                                        </p:attrNameLst>
+                                      </p:cBhvr>
+                                      <p:to>
+                                        <p:strVal val="visible"/>
+                                      </p:to>
+                                    </p:set>
+                                  </p:childTnLst>
+                                </p:cTn>
+                              </p:par>
+                            </p:childTnLst>
+                          </p:cTn>
+                        </p:par>
+                      </p:childTnLst>
+                    </p:cTn>
+                  </p:par>
+                </p:childTnLst>
+              </p:cTn>
+              <p:prevCondLst>
+                <p:cond evt="onPrev" delay="0">
+                  <p:tgtEl>
+                    <p:sldTgt/>
+                  </p:tgtEl>
+                </p:cond>
+              </p:prevCondLst>
+              <p:nextCondLst>
+                <p:cond evt="onNext" delay="0">
+                  <p:tgtEl>
+                    <p:sldTgt/>
+                  </p:tgtEl>
+                </p:cond>
+              </p:nextCondLst>
+            </p:seq>
+          </p:childTnLst>
+        </p:cTn>
+      </p:par>
+    </p:tnLst>
+    <p:bldLst>
+      <p:bldP spid="3" grpId="0" build="p"/>
+    </p:bldLst>
+  </p:timing>
 </p:sld>
 </file>
 
@@ -10899,6 +11411,13 @@
   <p:clrMapOvr>
     <a:masterClrMapping/>
   </p:clrMapOvr>
+  <p:timing>
+    <p:tnLst>
+      <p:par>
+        <p:cTn id="1" dur="indefinite" restart="never" nodeType="tmRoot"/>
+      </p:par>
+    </p:tnLst>
+  </p:timing>
 </p:sld>
 </file>
 
@@ -10928,7 +11447,7 @@
           <p:nvPr>
             <p:extLst>
               <p:ext uri="{386F3935-93C4-4BCD-93E2-E3B085C9AB24}">
-                <p16:designElem xmlns:p16="http://schemas.microsoft.com/office/powerpoint/2015/main" val="1"/>
+                <p16:designElem xmlns:p16="http://schemas.microsoft.com/office/powerpoint/2015/main" xmlns="" val="1"/>
               </p:ext>
             </p:extLst>
           </p:nvPr>
@@ -11100,6 +11619,13 @@
   <p:clrMapOvr>
     <a:masterClrMapping/>
   </p:clrMapOvr>
+  <p:timing>
+    <p:tnLst>
+      <p:par>
+        <p:cTn id="1" dur="indefinite" restart="never" nodeType="tmRoot"/>
+      </p:par>
+    </p:tnLst>
+  </p:timing>
 </p:sld>
 </file>
 
@@ -11216,6 +11742,235 @@
   <p:clrMapOvr>
     <a:masterClrMapping/>
   </p:clrMapOvr>
+  <p:timing>
+    <p:tnLst>
+      <p:par>
+        <p:cTn id="1" dur="indefinite" restart="never" nodeType="tmRoot">
+          <p:childTnLst>
+            <p:seq concurrent="1" nextAc="seek">
+              <p:cTn id="2" dur="indefinite" nodeType="mainSeq">
+                <p:childTnLst>
+                  <p:par>
+                    <p:cTn id="3" fill="hold">
+                      <p:stCondLst>
+                        <p:cond delay="indefinite"/>
+                      </p:stCondLst>
+                      <p:childTnLst>
+                        <p:par>
+                          <p:cTn id="4" fill="hold">
+                            <p:stCondLst>
+                              <p:cond delay="0"/>
+                            </p:stCondLst>
+                            <p:childTnLst>
+                              <p:par>
+                                <p:cTn id="5" presetID="1" presetClass="entr" presetSubtype="0" fill="hold" grpId="0" nodeType="clickEffect">
+                                  <p:stCondLst>
+                                    <p:cond delay="0"/>
+                                  </p:stCondLst>
+                                  <p:childTnLst>
+                                    <p:set>
+                                      <p:cBhvr>
+                                        <p:cTn id="6" dur="1" fill="hold">
+                                          <p:stCondLst>
+                                            <p:cond delay="0"/>
+                                          </p:stCondLst>
+                                        </p:cTn>
+                                        <p:tgtEl>
+                                          <p:spTgt spid="3">
+                                            <p:txEl>
+                                              <p:pRg st="0" end="0"/>
+                                            </p:txEl>
+                                          </p:spTgt>
+                                        </p:tgtEl>
+                                        <p:attrNameLst>
+                                          <p:attrName>style.visibility</p:attrName>
+                                        </p:attrNameLst>
+                                      </p:cBhvr>
+                                      <p:to>
+                                        <p:strVal val="visible"/>
+                                      </p:to>
+                                    </p:set>
+                                  </p:childTnLst>
+                                </p:cTn>
+                              </p:par>
+                            </p:childTnLst>
+                          </p:cTn>
+                        </p:par>
+                      </p:childTnLst>
+                    </p:cTn>
+                  </p:par>
+                  <p:par>
+                    <p:cTn id="7" fill="hold">
+                      <p:stCondLst>
+                        <p:cond delay="indefinite"/>
+                      </p:stCondLst>
+                      <p:childTnLst>
+                        <p:par>
+                          <p:cTn id="8" fill="hold">
+                            <p:stCondLst>
+                              <p:cond delay="0"/>
+                            </p:stCondLst>
+                            <p:childTnLst>
+                              <p:par>
+                                <p:cTn id="9" presetID="1" presetClass="entr" presetSubtype="0" fill="hold" grpId="0" nodeType="clickEffect">
+                                  <p:stCondLst>
+                                    <p:cond delay="0"/>
+                                  </p:stCondLst>
+                                  <p:childTnLst>
+                                    <p:set>
+                                      <p:cBhvr>
+                                        <p:cTn id="10" dur="1" fill="hold">
+                                          <p:stCondLst>
+                                            <p:cond delay="0"/>
+                                          </p:stCondLst>
+                                        </p:cTn>
+                                        <p:tgtEl>
+                                          <p:spTgt spid="3">
+                                            <p:txEl>
+                                              <p:pRg st="1" end="1"/>
+                                            </p:txEl>
+                                          </p:spTgt>
+                                        </p:tgtEl>
+                                        <p:attrNameLst>
+                                          <p:attrName>style.visibility</p:attrName>
+                                        </p:attrNameLst>
+                                      </p:cBhvr>
+                                      <p:to>
+                                        <p:strVal val="visible"/>
+                                      </p:to>
+                                    </p:set>
+                                  </p:childTnLst>
+                                </p:cTn>
+                              </p:par>
+                            </p:childTnLst>
+                          </p:cTn>
+                        </p:par>
+                      </p:childTnLst>
+                    </p:cTn>
+                  </p:par>
+                  <p:par>
+                    <p:cTn id="11" fill="hold">
+                      <p:stCondLst>
+                        <p:cond delay="indefinite"/>
+                      </p:stCondLst>
+                      <p:childTnLst>
+                        <p:par>
+                          <p:cTn id="12" fill="hold">
+                            <p:stCondLst>
+                              <p:cond delay="0"/>
+                            </p:stCondLst>
+                            <p:childTnLst>
+                              <p:par>
+                                <p:cTn id="13" presetID="1" presetClass="entr" presetSubtype="0" fill="hold" grpId="0" nodeType="clickEffect">
+                                  <p:stCondLst>
+                                    <p:cond delay="0"/>
+                                  </p:stCondLst>
+                                  <p:childTnLst>
+                                    <p:set>
+                                      <p:cBhvr>
+                                        <p:cTn id="14" dur="1" fill="hold">
+                                          <p:stCondLst>
+                                            <p:cond delay="0"/>
+                                          </p:stCondLst>
+                                        </p:cTn>
+                                        <p:tgtEl>
+                                          <p:spTgt spid="3">
+                                            <p:txEl>
+                                              <p:pRg st="2" end="2"/>
+                                            </p:txEl>
+                                          </p:spTgt>
+                                        </p:tgtEl>
+                                        <p:attrNameLst>
+                                          <p:attrName>style.visibility</p:attrName>
+                                        </p:attrNameLst>
+                                      </p:cBhvr>
+                                      <p:to>
+                                        <p:strVal val="visible"/>
+                                      </p:to>
+                                    </p:set>
+                                  </p:childTnLst>
+                                </p:cTn>
+                              </p:par>
+                            </p:childTnLst>
+                          </p:cTn>
+                        </p:par>
+                      </p:childTnLst>
+                    </p:cTn>
+                  </p:par>
+                  <p:par>
+                    <p:cTn id="15" fill="hold">
+                      <p:stCondLst>
+                        <p:cond delay="indefinite"/>
+                      </p:stCondLst>
+                      <p:childTnLst>
+                        <p:par>
+                          <p:cTn id="16" fill="hold">
+                            <p:stCondLst>
+                              <p:cond delay="0"/>
+                            </p:stCondLst>
+                            <p:childTnLst>
+                              <p:par>
+                                <p:cTn id="17" presetID="1" presetClass="entr" presetSubtype="0" fill="hold" grpId="0" nodeType="clickEffect">
+                                  <p:stCondLst>
+                                    <p:cond delay="0"/>
+                                  </p:stCondLst>
+                                  <p:childTnLst>
+                                    <p:set>
+                                      <p:cBhvr>
+                                        <p:cTn id="18" dur="1" fill="hold">
+                                          <p:stCondLst>
+                                            <p:cond delay="0"/>
+                                          </p:stCondLst>
+                                        </p:cTn>
+                                        <p:tgtEl>
+                                          <p:spTgt spid="3">
+                                            <p:txEl>
+                                              <p:pRg st="3" end="3"/>
+                                            </p:txEl>
+                                          </p:spTgt>
+                                        </p:tgtEl>
+                                        <p:attrNameLst>
+                                          <p:attrName>style.visibility</p:attrName>
+                                        </p:attrNameLst>
+                                      </p:cBhvr>
+                                      <p:to>
+                                        <p:strVal val="visible"/>
+                                      </p:to>
+                                    </p:set>
+                                  </p:childTnLst>
+                                </p:cTn>
+                              </p:par>
+                            </p:childTnLst>
+                          </p:cTn>
+                        </p:par>
+                      </p:childTnLst>
+                    </p:cTn>
+                  </p:par>
+                </p:childTnLst>
+              </p:cTn>
+              <p:prevCondLst>
+                <p:cond evt="onPrev" delay="0">
+                  <p:tgtEl>
+                    <p:sldTgt/>
+                  </p:tgtEl>
+                </p:cond>
+              </p:prevCondLst>
+              <p:nextCondLst>
+                <p:cond evt="onNext" delay="0">
+                  <p:tgtEl>
+                    <p:sldTgt/>
+                  </p:tgtEl>
+                </p:cond>
+              </p:nextCondLst>
+            </p:seq>
+          </p:childTnLst>
+        </p:cTn>
+      </p:par>
+    </p:tnLst>
+    <p:bldLst>
+      <p:bldP spid="3" grpId="0" build="p"/>
+    </p:bldLst>
+  </p:timing>
 </p:sld>
 </file>
 
@@ -11311,6 +12066,13 @@
   <p:clrMapOvr>
     <a:masterClrMapping/>
   </p:clrMapOvr>
+  <p:timing>
+    <p:tnLst>
+      <p:par>
+        <p:cTn id="1" dur="indefinite" restart="never" nodeType="tmRoot"/>
+      </p:par>
+    </p:tnLst>
+  </p:timing>
 </p:sld>
 </file>
 
@@ -11389,6 +12151,13 @@
   <p:clrMapOvr>
     <a:masterClrMapping/>
   </p:clrMapOvr>
+  <p:timing>
+    <p:tnLst>
+      <p:par>
+        <p:cTn id="1" dur="indefinite" restart="never" nodeType="tmRoot"/>
+      </p:par>
+    </p:tnLst>
+  </p:timing>
 </p:sld>
 </file>
 
@@ -11463,6 +12232,13 @@
   <p:clrMapOvr>
     <a:masterClrMapping/>
   </p:clrMapOvr>
+  <p:timing>
+    <p:tnLst>
+      <p:par>
+        <p:cTn id="1" dur="indefinite" restart="never" nodeType="tmRoot"/>
+      </p:par>
+    </p:tnLst>
+  </p:timing>
 </p:sld>
 </file>
 
@@ -11541,6 +12317,13 @@
   <p:clrMapOvr>
     <a:masterClrMapping/>
   </p:clrMapOvr>
+  <p:timing>
+    <p:tnLst>
+      <p:par>
+        <p:cTn id="1" dur="indefinite" restart="never" nodeType="tmRoot"/>
+      </p:par>
+    </p:tnLst>
+  </p:timing>
 </p:sld>
 </file>
 
@@ -11612,6 +12395,13 @@
   <p:clrMapOvr>
     <a:masterClrMapping/>
   </p:clrMapOvr>
+  <p:timing>
+    <p:tnLst>
+      <p:par>
+        <p:cTn id="1" dur="indefinite" restart="never" nodeType="tmRoot"/>
+      </p:par>
+    </p:tnLst>
+  </p:timing>
 </p:sld>
 </file>
 
@@ -11683,6 +12473,13 @@
   <p:clrMapOvr>
     <a:masterClrMapping/>
   </p:clrMapOvr>
+  <p:timing>
+    <p:tnLst>
+      <p:par>
+        <p:cTn id="1" dur="indefinite" restart="never" nodeType="tmRoot"/>
+      </p:par>
+    </p:tnLst>
+  </p:timing>
 </p:sld>
 </file>
 
@@ -11712,7 +12509,7 @@
           <p:nvPr>
             <p:extLst>
               <p:ext uri="{386F3935-93C4-4BCD-93E2-E3B085C9AB24}">
-                <p16:designElem xmlns:p16="http://schemas.microsoft.com/office/powerpoint/2015/main" val="1"/>
+                <p16:designElem xmlns:p16="http://schemas.microsoft.com/office/powerpoint/2015/main" xmlns="" val="1"/>
               </p:ext>
             </p:extLst>
           </p:nvPr>
@@ -11884,6 +12681,13 @@
   <p:clrMapOvr>
     <a:masterClrMapping/>
   </p:clrMapOvr>
+  <p:timing>
+    <p:tnLst>
+      <p:par>
+        <p:cTn id="1" dur="indefinite" restart="never" nodeType="tmRoot"/>
+      </p:par>
+    </p:tnLst>
+  </p:timing>
 </p:sld>
 </file>
 
@@ -11913,7 +12717,7 @@
           <p:nvPr>
             <p:extLst>
               <p:ext uri="{386F3935-93C4-4BCD-93E2-E3B085C9AB24}">
-                <p16:designElem xmlns:p16="http://schemas.microsoft.com/office/powerpoint/2015/main" val="1"/>
+                <p16:designElem xmlns:p16="http://schemas.microsoft.com/office/powerpoint/2015/main" xmlns="" val="1"/>
               </p:ext>
             </p:extLst>
           </p:nvPr>
@@ -12029,6 +12833,13 @@
   <p:clrMapOvr>
     <a:overrideClrMapping bg1="dk1" tx1="lt1" bg2="dk2" tx2="lt2" accent1="accent1" accent2="accent2" accent3="accent3" accent4="accent4" accent5="accent5" accent6="accent6" hlink="hlink" folHlink="folHlink"/>
   </p:clrMapOvr>
+  <p:timing>
+    <p:tnLst>
+      <p:par>
+        <p:cTn id="1" dur="indefinite" restart="never" nodeType="tmRoot"/>
+      </p:par>
+    </p:tnLst>
+  </p:timing>
 </p:sld>
 </file>
 
@@ -12058,7 +12869,7 @@
           <p:nvPr>
             <p:extLst>
               <p:ext uri="{386F3935-93C4-4BCD-93E2-E3B085C9AB24}">
-                <p16:designElem xmlns:p16="http://schemas.microsoft.com/office/powerpoint/2015/main" val="1"/>
+                <p16:designElem xmlns:p16="http://schemas.microsoft.com/office/powerpoint/2015/main" xmlns="" val="1"/>
               </p:ext>
             </p:extLst>
           </p:nvPr>
@@ -12493,7 +13304,7 @@
           <p:nvPr>
             <p:extLst>
               <p:ext uri="{386F3935-93C4-4BCD-93E2-E3B085C9AB24}">
-                <p16:designElem xmlns:p16="http://schemas.microsoft.com/office/powerpoint/2015/main" val="1"/>
+                <p16:designElem xmlns:p16="http://schemas.microsoft.com/office/powerpoint/2015/main" xmlns="" val="1"/>
               </p:ext>
             </p:extLst>
           </p:nvPr>
@@ -12608,7 +13419,7 @@
           <p:nvPr>
             <p:extLst>
               <p:ext uri="{386F3935-93C4-4BCD-93E2-E3B085C9AB24}">
-                <p16:designElem xmlns:p16="http://schemas.microsoft.com/office/powerpoint/2015/main" val="1"/>
+                <p16:designElem xmlns:p16="http://schemas.microsoft.com/office/powerpoint/2015/main" xmlns="" val="1"/>
               </p:ext>
             </p:extLst>
           </p:nvPr>
@@ -12876,6 +13687,13 @@
   <p:clrMapOvr>
     <a:masterClrMapping/>
   </p:clrMapOvr>
+  <p:timing>
+    <p:tnLst>
+      <p:par>
+        <p:cTn id="1" dur="indefinite" restart="never" nodeType="tmRoot"/>
+      </p:par>
+    </p:tnLst>
+  </p:timing>
 </p:sld>
 </file>
 
@@ -13365,6 +14183,13 @@
   <p:clrMapOvr>
     <a:masterClrMapping/>
   </p:clrMapOvr>
+  <p:timing>
+    <p:tnLst>
+      <p:par>
+        <p:cTn id="1" dur="indefinite" restart="never" nodeType="tmRoot"/>
+      </p:par>
+    </p:tnLst>
+  </p:timing>
 </p:sld>
 </file>
 
@@ -13394,7 +14219,7 @@
           <p:nvPr>
             <p:extLst>
               <p:ext uri="{386F3935-93C4-4BCD-93E2-E3B085C9AB24}">
-                <p16:designElem xmlns:p16="http://schemas.microsoft.com/office/powerpoint/2015/main" val="1"/>
+                <p16:designElem xmlns:p16="http://schemas.microsoft.com/office/powerpoint/2015/main" xmlns="" val="1"/>
               </p:ext>
             </p:extLst>
           </p:nvPr>
@@ -13566,6 +14391,13 @@
   <p:clrMapOvr>
     <a:masterClrMapping/>
   </p:clrMapOvr>
+  <p:timing>
+    <p:tnLst>
+      <p:par>
+        <p:cTn id="1" dur="indefinite" restart="never" nodeType="tmRoot"/>
+      </p:par>
+    </p:tnLst>
+  </p:timing>
 </p:sld>
 </file>
 
@@ -13595,7 +14427,7 @@
           <p:nvPr>
             <p:extLst>
               <p:ext uri="{386F3935-93C4-4BCD-93E2-E3B085C9AB24}">
-                <p16:designElem xmlns:p16="http://schemas.microsoft.com/office/powerpoint/2015/main" val="1"/>
+                <p16:designElem xmlns:p16="http://schemas.microsoft.com/office/powerpoint/2015/main" xmlns="" val="1"/>
               </p:ext>
             </p:extLst>
           </p:nvPr>
@@ -13710,7 +14542,7 @@
           <p:nvPr>
             <p:extLst>
               <p:ext uri="{386F3935-93C4-4BCD-93E2-E3B085C9AB24}">
-                <p16:designElem xmlns:p16="http://schemas.microsoft.com/office/powerpoint/2015/main" val="1"/>
+                <p16:designElem xmlns:p16="http://schemas.microsoft.com/office/powerpoint/2015/main" xmlns="" val="1"/>
               </p:ext>
             </p:extLst>
           </p:nvPr>
@@ -14338,6 +15170,13 @@
   <p:clrMapOvr>
     <a:masterClrMapping/>
   </p:clrMapOvr>
+  <p:timing>
+    <p:tnLst>
+      <p:par>
+        <p:cTn id="1" dur="indefinite" restart="never" nodeType="tmRoot"/>
+      </p:par>
+    </p:tnLst>
+  </p:timing>
 </p:sld>
 </file>
 
@@ -14436,6 +15275,13 @@
   <p:clrMapOvr>
     <a:masterClrMapping/>
   </p:clrMapOvr>
+  <p:timing>
+    <p:tnLst>
+      <p:par>
+        <p:cTn id="1" dur="indefinite" restart="never" nodeType="tmRoot"/>
+      </p:par>
+    </p:tnLst>
+  </p:timing>
 </p:sld>
 </file>
 
@@ -14712,6 +15558,13 @@
   <p:clrMapOvr>
     <a:masterClrMapping/>
   </p:clrMapOvr>
+  <p:timing>
+    <p:tnLst>
+      <p:par>
+        <p:cTn id="1" dur="indefinite" restart="never" nodeType="tmRoot"/>
+      </p:par>
+    </p:tnLst>
+  </p:timing>
 </p:sld>
 </file>
 

--- a/Reactive programming.pptx
+++ b/Reactive programming.pptx
@@ -46,6 +46,7 @@
     <p:sldId id="297" r:id="rId40"/>
     <p:sldId id="298" r:id="rId41"/>
     <p:sldId id="288" r:id="rId42"/>
+    <p:sldId id="299" r:id="rId43"/>
   </p:sldIdLst>
   <p:sldSz cx="12192000" cy="6858000"/>
   <p:notesSz cx="6858000" cy="9144000"/>
@@ -14193,6 +14194,128 @@
 </p:sld>
 </file>
 
+<file path=ppt/slides/slide42.xml><?xml version="1.0" encoding="utf-8"?>
+<p:sld xmlns:a="http://schemas.openxmlformats.org/drawingml/2006/main" xmlns:r="http://schemas.openxmlformats.org/officeDocument/2006/relationships" xmlns:p="http://schemas.openxmlformats.org/presentationml/2006/main">
+  <p:cSld>
+    <p:spTree>
+      <p:nvGrpSpPr>
+        <p:cNvPr id="1" name=""/>
+        <p:cNvGrpSpPr/>
+        <p:nvPr/>
+      </p:nvGrpSpPr>
+      <p:grpSpPr>
+        <a:xfrm>
+          <a:off x="0" y="0"/>
+          <a:ext cx="0" cy="0"/>
+          <a:chOff x="0" y="0"/>
+          <a:chExt cx="0" cy="0"/>
+        </a:xfrm>
+      </p:grpSpPr>
+      <p:sp>
+        <p:nvSpPr>
+          <p:cNvPr id="2" name="Title 1"/>
+          <p:cNvSpPr>
+            <a:spLocks noGrp="1"/>
+          </p:cNvSpPr>
+          <p:nvPr>
+            <p:ph type="title"/>
+          </p:nvPr>
+        </p:nvSpPr>
+        <p:spPr/>
+        <p:txBody>
+          <a:bodyPr/>
+          <a:lstStyle/>
+          <a:p>
+            <a:r>
+              <a:rPr lang="en-US" dirty="0" smtClean="0"/>
+              <a:t>Want to help?</a:t>
+            </a:r>
+            <a:endParaRPr lang="en-US" dirty="0"/>
+          </a:p>
+        </p:txBody>
+      </p:sp>
+      <p:sp>
+        <p:nvSpPr>
+          <p:cNvPr id="3" name="Content Placeholder 2"/>
+          <p:cNvSpPr>
+            <a:spLocks noGrp="1"/>
+          </p:cNvSpPr>
+          <p:nvPr>
+            <p:ph idx="1"/>
+          </p:nvPr>
+        </p:nvSpPr>
+        <p:spPr/>
+        <p:txBody>
+          <a:bodyPr/>
+          <a:lstStyle/>
+          <a:p>
+            <a:r>
+              <a:rPr lang="en-US" dirty="0" smtClean="0"/>
+              <a:t>This open source framework still needs some work</a:t>
+            </a:r>
+          </a:p>
+          <a:p>
+            <a:r>
+              <a:rPr lang="en-US" dirty="0" smtClean="0"/>
+              <a:t>Email me at </a:t>
+            </a:r>
+            <a:r>
+              <a:rPr lang="en-US" dirty="0" smtClean="0">
+                <a:hlinkClick r:id="rId2"/>
+              </a:rPr>
+              <a:t>petrutiu.mihai@gmail.com</a:t>
+            </a:r>
+            <a:endParaRPr lang="en-US" dirty="0" smtClean="0"/>
+          </a:p>
+          <a:p>
+            <a:r>
+              <a:rPr lang="en-US" dirty="0" smtClean="0"/>
+              <a:t>Or on </a:t>
+            </a:r>
+            <a:r>
+              <a:rPr lang="en-US" dirty="0" err="1" smtClean="0"/>
+              <a:t>facebook</a:t>
+            </a:r>
+            <a:r>
+              <a:rPr lang="en-US" dirty="0" smtClean="0"/>
+              <a:t> </a:t>
+            </a:r>
+            <a:r>
+              <a:rPr lang="en-US" dirty="0" err="1" smtClean="0"/>
+              <a:t>petrutiu</a:t>
+            </a:r>
+            <a:r>
+              <a:rPr lang="en-US" dirty="0" smtClean="0"/>
+              <a:t> </a:t>
+            </a:r>
+            <a:r>
+              <a:rPr lang="en-US" smtClean="0"/>
+              <a:t>mihai</a:t>
+            </a:r>
+            <a:endParaRPr lang="en-US" dirty="0"/>
+          </a:p>
+        </p:txBody>
+      </p:sp>
+    </p:spTree>
+    <p:extLst>
+      <p:ext uri="{BB962C8B-B14F-4D97-AF65-F5344CB8AC3E}">
+        <p14:creationId xmlns:p14="http://schemas.microsoft.com/office/powerpoint/2010/main" val="857443260"/>
+      </p:ext>
+    </p:extLst>
+  </p:cSld>
+  <p:clrMapOvr>
+    <a:masterClrMapping/>
+  </p:clrMapOvr>
+  <p:timing>
+    <p:tnLst>
+      <p:par>
+        <p:cTn id="1" dur="indefinite" restart="never" nodeType="tmRoot"/>
+      </p:par>
+    </p:tnLst>
+  </p:timing>
+</p:sld>
+</file>
+
 <file path=ppt/slides/slide5.xml><?xml version="1.0" encoding="utf-8"?>
 <p:sld xmlns:a="http://schemas.openxmlformats.org/drawingml/2006/main" xmlns:r="http://schemas.openxmlformats.org/officeDocument/2006/relationships" xmlns:p="http://schemas.openxmlformats.org/presentationml/2006/main">
   <p:cSld>

--- a/Reactive programming.pptx
+++ b/Reactive programming.pptx
@@ -1394,13 +1394,6 @@
         </dgm:presLayoutVars>
       </dgm:prSet>
       <dgm:spPr/>
-      <dgm:t>
-        <a:bodyPr/>
-        <a:lstStyle/>
-        <a:p>
-          <a:endParaRPr lang="en-US"/>
-        </a:p>
-      </dgm:t>
     </dgm:pt>
     <dgm:pt modelId="{F2DF9B81-6307-4F0C-84BC-FC8107544B96}" type="pres">
       <dgm:prSet presAssocID="{C143C7B9-59FD-4DEC-BE35-8B93F8963E39}" presName="linNode" presStyleCnt="0"/>
@@ -1414,13 +1407,6 @@
         </dgm:presLayoutVars>
       </dgm:prSet>
       <dgm:spPr/>
-      <dgm:t>
-        <a:bodyPr/>
-        <a:lstStyle/>
-        <a:p>
-          <a:endParaRPr lang="en-US"/>
-        </a:p>
-      </dgm:t>
     </dgm:pt>
     <dgm:pt modelId="{DA89CC0B-1D25-45E1-B520-C00B43B1ED74}" type="pres">
       <dgm:prSet presAssocID="{C143C7B9-59FD-4DEC-BE35-8B93F8963E39}" presName="descendantText" presStyleLbl="alignNode1" presStyleIdx="0" presStyleCnt="6">
@@ -1429,13 +1415,6 @@
         </dgm:presLayoutVars>
       </dgm:prSet>
       <dgm:spPr/>
-      <dgm:t>
-        <a:bodyPr/>
-        <a:lstStyle/>
-        <a:p>
-          <a:endParaRPr lang="en-US"/>
-        </a:p>
-      </dgm:t>
     </dgm:pt>
     <dgm:pt modelId="{73346B38-6F51-4218-B0A1-88F6C9AB49C5}" type="pres">
       <dgm:prSet presAssocID="{92C80D99-384E-40B1-A3FD-FC45DD9D44FC}" presName="sp" presStyleCnt="0"/>
@@ -1453,13 +1432,6 @@
         </dgm:presLayoutVars>
       </dgm:prSet>
       <dgm:spPr/>
-      <dgm:t>
-        <a:bodyPr/>
-        <a:lstStyle/>
-        <a:p>
-          <a:endParaRPr lang="en-US"/>
-        </a:p>
-      </dgm:t>
     </dgm:pt>
     <dgm:pt modelId="{416FFB76-C555-4E4A-AE84-B2DEFA8F28F2}" type="pres">
       <dgm:prSet presAssocID="{0B5E576E-CC7B-484B-BF37-D47D30DF71BB}" presName="descendantText" presStyleLbl="alignNode1" presStyleIdx="1" presStyleCnt="6">
@@ -1468,13 +1440,6 @@
         </dgm:presLayoutVars>
       </dgm:prSet>
       <dgm:spPr/>
-      <dgm:t>
-        <a:bodyPr/>
-        <a:lstStyle/>
-        <a:p>
-          <a:endParaRPr lang="en-US"/>
-        </a:p>
-      </dgm:t>
     </dgm:pt>
     <dgm:pt modelId="{86F518A7-FAE1-49AD-BA2B-42EDBB5FEECB}" type="pres">
       <dgm:prSet presAssocID="{B5377B64-F019-42EC-A1CD-D1BE0078FF2F}" presName="sp" presStyleCnt="0"/>
@@ -1492,13 +1457,6 @@
         </dgm:presLayoutVars>
       </dgm:prSet>
       <dgm:spPr/>
-      <dgm:t>
-        <a:bodyPr/>
-        <a:lstStyle/>
-        <a:p>
-          <a:endParaRPr lang="en-US"/>
-        </a:p>
-      </dgm:t>
     </dgm:pt>
     <dgm:pt modelId="{0E5B2C0E-EB7D-49C6-B5E4-45B28F1B3AC7}" type="pres">
       <dgm:prSet presAssocID="{1A9B37D6-3EAB-43BE-8DC3-C5F05891FC9D}" presName="descendantText" presStyleLbl="alignNode1" presStyleIdx="2" presStyleCnt="6">
@@ -1507,13 +1465,6 @@
         </dgm:presLayoutVars>
       </dgm:prSet>
       <dgm:spPr/>
-      <dgm:t>
-        <a:bodyPr/>
-        <a:lstStyle/>
-        <a:p>
-          <a:endParaRPr lang="en-US"/>
-        </a:p>
-      </dgm:t>
     </dgm:pt>
     <dgm:pt modelId="{84E21F77-1058-45B1-9FE3-F3F8F3A813CA}" type="pres">
       <dgm:prSet presAssocID="{F9487867-EEC3-48A0-8669-49F8FDD1F576}" presName="sp" presStyleCnt="0"/>
@@ -1531,13 +1482,6 @@
         </dgm:presLayoutVars>
       </dgm:prSet>
       <dgm:spPr/>
-      <dgm:t>
-        <a:bodyPr/>
-        <a:lstStyle/>
-        <a:p>
-          <a:endParaRPr lang="en-US"/>
-        </a:p>
-      </dgm:t>
     </dgm:pt>
     <dgm:pt modelId="{AE95AAB3-EA95-4113-A3B6-B8F578E2299A}" type="pres">
       <dgm:prSet presAssocID="{5EEE759F-FDE3-4CC4-875A-22326E6F4A5D}" presName="descendantText" presStyleLbl="alignNode1" presStyleIdx="3" presStyleCnt="6">
@@ -1546,13 +1490,6 @@
         </dgm:presLayoutVars>
       </dgm:prSet>
       <dgm:spPr/>
-      <dgm:t>
-        <a:bodyPr/>
-        <a:lstStyle/>
-        <a:p>
-          <a:endParaRPr lang="en-US"/>
-        </a:p>
-      </dgm:t>
     </dgm:pt>
     <dgm:pt modelId="{164E31BD-4C45-4793-B1FC-75FBBEA389E5}" type="pres">
       <dgm:prSet presAssocID="{71B61CA1-E176-46CD-9AA2-D9A588DBF503}" presName="sp" presStyleCnt="0"/>
@@ -1570,13 +1507,6 @@
         </dgm:presLayoutVars>
       </dgm:prSet>
       <dgm:spPr/>
-      <dgm:t>
-        <a:bodyPr/>
-        <a:lstStyle/>
-        <a:p>
-          <a:endParaRPr lang="en-US"/>
-        </a:p>
-      </dgm:t>
     </dgm:pt>
     <dgm:pt modelId="{B155FC08-06C0-40DB-B6A7-CF5FCC896370}" type="pres">
       <dgm:prSet presAssocID="{2FC26169-369C-4960-9CCC-C09FA3009FF6}" presName="descendantText" presStyleLbl="alignNode1" presStyleIdx="4" presStyleCnt="6">
@@ -1585,13 +1515,6 @@
         </dgm:presLayoutVars>
       </dgm:prSet>
       <dgm:spPr/>
-      <dgm:t>
-        <a:bodyPr/>
-        <a:lstStyle/>
-        <a:p>
-          <a:endParaRPr lang="en-US"/>
-        </a:p>
-      </dgm:t>
     </dgm:pt>
     <dgm:pt modelId="{F8BB84E7-4F49-4285-87AB-D5B17D413D7A}" type="pres">
       <dgm:prSet presAssocID="{FF6D58DC-0D5E-42B3-BE84-2DFB97BB04BC}" presName="sp" presStyleCnt="0"/>
@@ -1609,13 +1532,6 @@
         </dgm:presLayoutVars>
       </dgm:prSet>
       <dgm:spPr/>
-      <dgm:t>
-        <a:bodyPr/>
-        <a:lstStyle/>
-        <a:p>
-          <a:endParaRPr lang="en-US"/>
-        </a:p>
-      </dgm:t>
     </dgm:pt>
     <dgm:pt modelId="{5C90F4B7-C419-476D-88A7-A45C4CC4A42E}" type="pres">
       <dgm:prSet presAssocID="{5ED0821A-49B8-4464-BE5C-A4CC20968701}" presName="descendantText" presStyleLbl="alignNode1" presStyleIdx="5" presStyleCnt="6">
@@ -1624,41 +1540,34 @@
         </dgm:presLayoutVars>
       </dgm:prSet>
       <dgm:spPr/>
-      <dgm:t>
-        <a:bodyPr/>
-        <a:lstStyle/>
-        <a:p>
-          <a:endParaRPr lang="en-US"/>
-        </a:p>
-      </dgm:t>
     </dgm:pt>
   </dgm:ptLst>
   <dgm:cxnLst>
-    <dgm:cxn modelId="{8D9CE9FC-240D-48B3-B0D6-E198F8BAC58B}" srcId="{111D0ADC-E6AD-482B-98BD-8FC27421AEB3}" destId="{C143C7B9-59FD-4DEC-BE35-8B93F8963E39}" srcOrd="0" destOrd="0" parTransId="{2F6B8077-4982-4C19-AFEA-40C90830E71F}" sibTransId="{92C80D99-384E-40B1-A3FD-FC45DD9D44FC}"/>
+    <dgm:cxn modelId="{C2464D0B-6E06-45B2-B273-E8C4DB4BE4CF}" type="presOf" srcId="{6EA06D5A-F148-44CF-9EE4-2D854B566A68}" destId="{DA89CC0B-1D25-45E1-B520-C00B43B1ED74}" srcOrd="0" destOrd="0" presId="urn:microsoft.com/office/officeart/2016/7/layout/VerticalHollowActionList"/>
+    <dgm:cxn modelId="{5D5EA017-4E87-4DF4-9EA2-9DE6516A3EC7}" srcId="{5ED0821A-49B8-4464-BE5C-A4CC20968701}" destId="{9AE7EAA4-1F99-41B1-BE39-4C620E186F05}" srcOrd="0" destOrd="0" parTransId="{51C2CA6C-A21F-4DEC-A9E7-4197DBDC5A5B}" sibTransId="{F290FC2B-5026-4DA3-9ED4-7F5337A62239}"/>
     <dgm:cxn modelId="{56D4541F-663F-45C5-B6ED-E75AE22989FF}" type="presOf" srcId="{C58AD610-9008-409D-B070-DB73AC37964C}" destId="{416FFB76-C555-4E4A-AE84-B2DEFA8F28F2}" srcOrd="0" destOrd="0" presId="urn:microsoft.com/office/officeart/2016/7/layout/VerticalHollowActionList"/>
-    <dgm:cxn modelId="{5FCCFD48-D739-4DE0-BCCB-E5497403947E}" type="presOf" srcId="{1A9B37D6-3EAB-43BE-8DC3-C5F05891FC9D}" destId="{C3C60FA1-6B3F-471F-97B6-13DE0AABF6A5}" srcOrd="0" destOrd="0" presId="urn:microsoft.com/office/officeart/2016/7/layout/VerticalHollowActionList"/>
-    <dgm:cxn modelId="{C2464D0B-6E06-45B2-B273-E8C4DB4BE4CF}" type="presOf" srcId="{6EA06D5A-F148-44CF-9EE4-2D854B566A68}" destId="{DA89CC0B-1D25-45E1-B520-C00B43B1ED74}" srcOrd="0" destOrd="0" presId="urn:microsoft.com/office/officeart/2016/7/layout/VerticalHollowActionList"/>
     <dgm:cxn modelId="{46217621-F49E-4905-B403-C27E95CBBB6C}" srcId="{111D0ADC-E6AD-482B-98BD-8FC27421AEB3}" destId="{0B5E576E-CC7B-484B-BF37-D47D30DF71BB}" srcOrd="1" destOrd="0" parTransId="{969ED983-01F9-42C6-AE18-9F7CBEE24FDD}" sibTransId="{B5377B64-F019-42EC-A1CD-D1BE0078FF2F}"/>
-    <dgm:cxn modelId="{BDCDB7E9-BA4C-491B-A57F-D920C13BAF64}" srcId="{111D0ADC-E6AD-482B-98BD-8FC27421AEB3}" destId="{2FC26169-369C-4960-9CCC-C09FA3009FF6}" srcOrd="4" destOrd="0" parTransId="{6BD614F7-A90B-4A2A-B9D5-BCB81559D8C4}" sibTransId="{FF6D58DC-0D5E-42B3-BE84-2DFB97BB04BC}"/>
+    <dgm:cxn modelId="{77535A33-A716-4B07-930C-4F2AC019E708}" srcId="{0B5E576E-CC7B-484B-BF37-D47D30DF71BB}" destId="{C58AD610-9008-409D-B070-DB73AC37964C}" srcOrd="0" destOrd="0" parTransId="{3384905D-B0D5-4347-A4B9-7B7ECFB44D0B}" sibTransId="{B361E462-7C34-4452-9617-B16D8F632C35}"/>
     <dgm:cxn modelId="{D4D5033F-3C9A-4EA0-BBF7-1DB562749E6A}" srcId="{111D0ADC-E6AD-482B-98BD-8FC27421AEB3}" destId="{1A9B37D6-3EAB-43BE-8DC3-C5F05891FC9D}" srcOrd="2" destOrd="0" parTransId="{5E2B02A5-06E5-4189-948A-1E7E2C44B562}" sibTransId="{F9487867-EEC3-48A0-8669-49F8FDD1F576}"/>
-    <dgm:cxn modelId="{380A8E71-BC1B-4486-961F-37ADAFF9F18E}" type="presOf" srcId="{111D0ADC-E6AD-482B-98BD-8FC27421AEB3}" destId="{C792BD51-102A-47FD-BC1B-BB6275A9388E}" srcOrd="0" destOrd="0" presId="urn:microsoft.com/office/officeart/2016/7/layout/VerticalHollowActionList"/>
-    <dgm:cxn modelId="{59D20EF8-988C-42A9-BF82-FBB1D3FD9C77}" type="presOf" srcId="{576393ED-DDEB-4B25-8870-3DAA8231758F}" destId="{B155FC08-06C0-40DB-B6A7-CF5FCC896370}" srcOrd="0" destOrd="0" presId="urn:microsoft.com/office/officeart/2016/7/layout/VerticalHollowActionList"/>
-    <dgm:cxn modelId="{BED22893-27D2-4C3D-A45C-565BA9550FD4}" type="presOf" srcId="{C143C7B9-59FD-4DEC-BE35-8B93F8963E39}" destId="{1014B0E1-8BD5-489D-A26A-EC6D18CC6A79}" srcOrd="0" destOrd="0" presId="urn:microsoft.com/office/officeart/2016/7/layout/VerticalHollowActionList"/>
-    <dgm:cxn modelId="{77535A33-A716-4B07-930C-4F2AC019E708}" srcId="{0B5E576E-CC7B-484B-BF37-D47D30DF71BB}" destId="{C58AD610-9008-409D-B070-DB73AC37964C}" srcOrd="0" destOrd="0" parTransId="{3384905D-B0D5-4347-A4B9-7B7ECFB44D0B}" sibTransId="{B361E462-7C34-4452-9617-B16D8F632C35}"/>
-    <dgm:cxn modelId="{3C095EBF-E374-48A3-A852-C7FA8AACDC97}" srcId="{111D0ADC-E6AD-482B-98BD-8FC27421AEB3}" destId="{5EEE759F-FDE3-4CC4-875A-22326E6F4A5D}" srcOrd="3" destOrd="0" parTransId="{363552C2-E8FB-473B-8562-38B57621884A}" sibTransId="{71B61CA1-E176-46CD-9AA2-D9A588DBF503}"/>
-    <dgm:cxn modelId="{5D5DDC58-8701-42A0-9D9F-3AABC0811AE1}" srcId="{111D0ADC-E6AD-482B-98BD-8FC27421AEB3}" destId="{5ED0821A-49B8-4464-BE5C-A4CC20968701}" srcOrd="5" destOrd="0" parTransId="{FBB8921D-1F5B-49C0-9A0F-F65E9453FEC4}" sibTransId="{AA5A655F-E7BC-4D0A-8A3F-7ED30F32DBBC}"/>
-    <dgm:cxn modelId="{D9DD6F77-7C5F-4B82-97E1-15A3D928C72A}" type="presOf" srcId="{EB45E260-41E4-4E4A-B553-A0B39116893B}" destId="{0E5B2C0E-EB7D-49C6-B5E4-45B28F1B3AC7}" srcOrd="0" destOrd="0" presId="urn:microsoft.com/office/officeart/2016/7/layout/VerticalHollowActionList"/>
-    <dgm:cxn modelId="{1F102F88-1FFA-4EAB-8399-C6D2A2E3E26A}" srcId="{5EEE759F-FDE3-4CC4-875A-22326E6F4A5D}" destId="{000F3A0A-B270-4428-9A38-459760252E83}" srcOrd="0" destOrd="0" parTransId="{D18B1968-529A-459F-8461-E237B2505C4D}" sibTransId="{70328B0B-8493-471F-A857-DDEF4C9EE6CB}"/>
-    <dgm:cxn modelId="{A4DDC574-33DD-40D9-A939-272D04320688}" srcId="{2FC26169-369C-4960-9CCC-C09FA3009FF6}" destId="{576393ED-DDEB-4B25-8870-3DAA8231758F}" srcOrd="0" destOrd="0" parTransId="{C5636828-D1EA-4407-A730-16369EF807E3}" sibTransId="{9CC643F6-D82D-42AC-A48B-E12CF936B799}"/>
-    <dgm:cxn modelId="{1EBB1B9D-3D91-4D30-8422-377A1FE9069E}" type="presOf" srcId="{000F3A0A-B270-4428-9A38-459760252E83}" destId="{AE95AAB3-EA95-4113-A3B6-B8F578E2299A}" srcOrd="0" destOrd="0" presId="urn:microsoft.com/office/officeart/2016/7/layout/VerticalHollowActionList"/>
-    <dgm:cxn modelId="{540CD48A-622F-4DE0-9464-44EB704C8C57}" type="presOf" srcId="{0B5E576E-CC7B-484B-BF37-D47D30DF71BB}" destId="{89F76288-3793-4A34-AC29-A9AA8A267FDB}" srcOrd="0" destOrd="0" presId="urn:microsoft.com/office/officeart/2016/7/layout/VerticalHollowActionList"/>
-    <dgm:cxn modelId="{8EE37D76-CDFE-4B0A-AFD6-62EBEF8C671C}" srcId="{1A9B37D6-3EAB-43BE-8DC3-C5F05891FC9D}" destId="{EB45E260-41E4-4E4A-B553-A0B39116893B}" srcOrd="0" destOrd="0" parTransId="{4BD23A49-F0B3-4884-B8F1-FFFCA169049C}" sibTransId="{C1A1D035-4CD5-4FE2-AF8C-A8CB966CCD9C}"/>
     <dgm:cxn modelId="{E8DB425F-055B-4AC7-98B8-2B5E07616D9D}" type="presOf" srcId="{5ED0821A-49B8-4464-BE5C-A4CC20968701}" destId="{BBD63FE6-9F47-4663-880F-F785B03E4E26}" srcOrd="0" destOrd="0" presId="urn:microsoft.com/office/officeart/2016/7/layout/VerticalHollowActionList"/>
     <dgm:cxn modelId="{E2842F65-5302-40D8-9663-3E481B83281F}" type="presOf" srcId="{2FC26169-369C-4960-9CCC-C09FA3009FF6}" destId="{4A155D48-D66F-446E-A3EB-A371855C78DD}" srcOrd="0" destOrd="0" presId="urn:microsoft.com/office/officeart/2016/7/layout/VerticalHollowActionList"/>
+    <dgm:cxn modelId="{5FCCFD48-D739-4DE0-BCCB-E5497403947E}" type="presOf" srcId="{1A9B37D6-3EAB-43BE-8DC3-C5F05891FC9D}" destId="{C3C60FA1-6B3F-471F-97B6-13DE0AABF6A5}" srcOrd="0" destOrd="0" presId="urn:microsoft.com/office/officeart/2016/7/layout/VerticalHollowActionList"/>
+    <dgm:cxn modelId="{380A8E71-BC1B-4486-961F-37ADAFF9F18E}" type="presOf" srcId="{111D0ADC-E6AD-482B-98BD-8FC27421AEB3}" destId="{C792BD51-102A-47FD-BC1B-BB6275A9388E}" srcOrd="0" destOrd="0" presId="urn:microsoft.com/office/officeart/2016/7/layout/VerticalHollowActionList"/>
+    <dgm:cxn modelId="{A4DDC574-33DD-40D9-A939-272D04320688}" srcId="{2FC26169-369C-4960-9CCC-C09FA3009FF6}" destId="{576393ED-DDEB-4B25-8870-3DAA8231758F}" srcOrd="0" destOrd="0" parTransId="{C5636828-D1EA-4407-A730-16369EF807E3}" sibTransId="{9CC643F6-D82D-42AC-A48B-E12CF936B799}"/>
+    <dgm:cxn modelId="{8EE37D76-CDFE-4B0A-AFD6-62EBEF8C671C}" srcId="{1A9B37D6-3EAB-43BE-8DC3-C5F05891FC9D}" destId="{EB45E260-41E4-4E4A-B553-A0B39116893B}" srcOrd="0" destOrd="0" parTransId="{4BD23A49-F0B3-4884-B8F1-FFFCA169049C}" sibTransId="{C1A1D035-4CD5-4FE2-AF8C-A8CB966CCD9C}"/>
+    <dgm:cxn modelId="{D9DD6F77-7C5F-4B82-97E1-15A3D928C72A}" type="presOf" srcId="{EB45E260-41E4-4E4A-B553-A0B39116893B}" destId="{0E5B2C0E-EB7D-49C6-B5E4-45B28F1B3AC7}" srcOrd="0" destOrd="0" presId="urn:microsoft.com/office/officeart/2016/7/layout/VerticalHollowActionList"/>
+    <dgm:cxn modelId="{5D5DDC58-8701-42A0-9D9F-3AABC0811AE1}" srcId="{111D0ADC-E6AD-482B-98BD-8FC27421AEB3}" destId="{5ED0821A-49B8-4464-BE5C-A4CC20968701}" srcOrd="5" destOrd="0" parTransId="{FBB8921D-1F5B-49C0-9A0F-F65E9453FEC4}" sibTransId="{AA5A655F-E7BC-4D0A-8A3F-7ED30F32DBBC}"/>
+    <dgm:cxn modelId="{1F102F88-1FFA-4EAB-8399-C6D2A2E3E26A}" srcId="{5EEE759F-FDE3-4CC4-875A-22326E6F4A5D}" destId="{000F3A0A-B270-4428-9A38-459760252E83}" srcOrd="0" destOrd="0" parTransId="{D18B1968-529A-459F-8461-E237B2505C4D}" sibTransId="{70328B0B-8493-471F-A857-DDEF4C9EE6CB}"/>
+    <dgm:cxn modelId="{540CD48A-622F-4DE0-9464-44EB704C8C57}" type="presOf" srcId="{0B5E576E-CC7B-484B-BF37-D47D30DF71BB}" destId="{89F76288-3793-4A34-AC29-A9AA8A267FDB}" srcOrd="0" destOrd="0" presId="urn:microsoft.com/office/officeart/2016/7/layout/VerticalHollowActionList"/>
+    <dgm:cxn modelId="{2D477F92-E237-4409-8CF8-46A3F6F7F682}" type="presOf" srcId="{5EEE759F-FDE3-4CC4-875A-22326E6F4A5D}" destId="{52E4DF43-0BCF-4E2D-87A3-D5AED9C2DAED}" srcOrd="0" destOrd="0" presId="urn:microsoft.com/office/officeart/2016/7/layout/VerticalHollowActionList"/>
+    <dgm:cxn modelId="{BED22893-27D2-4C3D-A45C-565BA9550FD4}" type="presOf" srcId="{C143C7B9-59FD-4DEC-BE35-8B93F8963E39}" destId="{1014B0E1-8BD5-489D-A26A-EC6D18CC6A79}" srcOrd="0" destOrd="0" presId="urn:microsoft.com/office/officeart/2016/7/layout/VerticalHollowActionList"/>
+    <dgm:cxn modelId="{1EBB1B9D-3D91-4D30-8422-377A1FE9069E}" type="presOf" srcId="{000F3A0A-B270-4428-9A38-459760252E83}" destId="{AE95AAB3-EA95-4113-A3B6-B8F578E2299A}" srcOrd="0" destOrd="0" presId="urn:microsoft.com/office/officeart/2016/7/layout/VerticalHollowActionList"/>
+    <dgm:cxn modelId="{EC618EB3-BC8D-44C7-AD22-F4CF6DA1A25C}" srcId="{C143C7B9-59FD-4DEC-BE35-8B93F8963E39}" destId="{6EA06D5A-F148-44CF-9EE4-2D854B566A68}" srcOrd="0" destOrd="0" parTransId="{60247C46-E728-4833-9AC4-086449109BFD}" sibTransId="{692917D1-A082-48E3-8462-4644C28ACF3E}"/>
+    <dgm:cxn modelId="{3C095EBF-E374-48A3-A852-C7FA8AACDC97}" srcId="{111D0ADC-E6AD-482B-98BD-8FC27421AEB3}" destId="{5EEE759F-FDE3-4CC4-875A-22326E6F4A5D}" srcOrd="3" destOrd="0" parTransId="{363552C2-E8FB-473B-8562-38B57621884A}" sibTransId="{71B61CA1-E176-46CD-9AA2-D9A588DBF503}"/>
     <dgm:cxn modelId="{23E4B0D9-9D94-4C63-9BE8-E3DC8029E2A5}" type="presOf" srcId="{9AE7EAA4-1F99-41B1-BE39-4C620E186F05}" destId="{5C90F4B7-C419-476D-88A7-A45C4CC4A42E}" srcOrd="0" destOrd="0" presId="urn:microsoft.com/office/officeart/2016/7/layout/VerticalHollowActionList"/>
-    <dgm:cxn modelId="{5D5EA017-4E87-4DF4-9EA2-9DE6516A3EC7}" srcId="{5ED0821A-49B8-4464-BE5C-A4CC20968701}" destId="{9AE7EAA4-1F99-41B1-BE39-4C620E186F05}" srcOrd="0" destOrd="0" parTransId="{51C2CA6C-A21F-4DEC-A9E7-4197DBDC5A5B}" sibTransId="{F290FC2B-5026-4DA3-9ED4-7F5337A62239}"/>
-    <dgm:cxn modelId="{EC618EB3-BC8D-44C7-AD22-F4CF6DA1A25C}" srcId="{C143C7B9-59FD-4DEC-BE35-8B93F8963E39}" destId="{6EA06D5A-F148-44CF-9EE4-2D854B566A68}" srcOrd="0" destOrd="0" parTransId="{60247C46-E728-4833-9AC4-086449109BFD}" sibTransId="{692917D1-A082-48E3-8462-4644C28ACF3E}"/>
-    <dgm:cxn modelId="{2D477F92-E237-4409-8CF8-46A3F6F7F682}" type="presOf" srcId="{5EEE759F-FDE3-4CC4-875A-22326E6F4A5D}" destId="{52E4DF43-0BCF-4E2D-87A3-D5AED9C2DAED}" srcOrd="0" destOrd="0" presId="urn:microsoft.com/office/officeart/2016/7/layout/VerticalHollowActionList"/>
+    <dgm:cxn modelId="{BDCDB7E9-BA4C-491B-A57F-D920C13BAF64}" srcId="{111D0ADC-E6AD-482B-98BD-8FC27421AEB3}" destId="{2FC26169-369C-4960-9CCC-C09FA3009FF6}" srcOrd="4" destOrd="0" parTransId="{6BD614F7-A90B-4A2A-B9D5-BCB81559D8C4}" sibTransId="{FF6D58DC-0D5E-42B3-BE84-2DFB97BB04BC}"/>
+    <dgm:cxn modelId="{59D20EF8-988C-42A9-BF82-FBB1D3FD9C77}" type="presOf" srcId="{576393ED-DDEB-4B25-8870-3DAA8231758F}" destId="{B155FC08-06C0-40DB-B6A7-CF5FCC896370}" srcOrd="0" destOrd="0" presId="urn:microsoft.com/office/officeart/2016/7/layout/VerticalHollowActionList"/>
+    <dgm:cxn modelId="{8D9CE9FC-240D-48B3-B0D6-E198F8BAC58B}" srcId="{111D0ADC-E6AD-482B-98BD-8FC27421AEB3}" destId="{C143C7B9-59FD-4DEC-BE35-8B93F8963E39}" srcOrd="0" destOrd="0" parTransId="{2F6B8077-4982-4C19-AFEA-40C90830E71F}" sibTransId="{92C80D99-384E-40B1-A3FD-FC45DD9D44FC}"/>
     <dgm:cxn modelId="{C180617B-E402-4E66-B9E0-F3CC6B75F429}" type="presParOf" srcId="{C792BD51-102A-47FD-BC1B-BB6275A9388E}" destId="{F2DF9B81-6307-4F0C-84BC-FC8107544B96}" srcOrd="0" destOrd="0" presId="urn:microsoft.com/office/officeart/2016/7/layout/VerticalHollowActionList"/>
     <dgm:cxn modelId="{A8423F65-2F46-4FD3-A6EC-8CBFB56A29DB}" type="presParOf" srcId="{F2DF9B81-6307-4F0C-84BC-FC8107544B96}" destId="{1014B0E1-8BD5-489D-A26A-EC6D18CC6A79}" srcOrd="0" destOrd="0" presId="urn:microsoft.com/office/officeart/2016/7/layout/VerticalHollowActionList"/>
     <dgm:cxn modelId="{81382FFC-5AB8-4824-B25E-38917714411D}" type="presParOf" srcId="{F2DF9B81-6307-4F0C-84BC-FC8107544B96}" destId="{DA89CC0B-1D25-45E1-B520-C00B43B1ED74}" srcOrd="1" destOrd="0" presId="urn:microsoft.com/office/officeart/2016/7/layout/VerticalHollowActionList"/>
@@ -1756,7 +1665,7 @@
         </a:bodyPr>
         <a:lstStyle/>
         <a:p>
-          <a:pPr lvl="0" algn="l" defTabSz="755650">
+          <a:pPr marL="0" lvl="0" indent="0" algn="l" defTabSz="755650">
             <a:lnSpc>
               <a:spcPct val="90000"/>
             </a:lnSpc>
@@ -1766,6 +1675,7 @@
             <a:spcAft>
               <a:spcPct val="35000"/>
             </a:spcAft>
+            <a:buNone/>
           </a:pPr>
           <a:r>
             <a:rPr lang="en-US" sz="1700" kern="1200"/>
@@ -1831,7 +1741,7 @@
         </a:bodyPr>
         <a:lstStyle/>
         <a:p>
-          <a:pPr lvl="0" algn="ctr" defTabSz="933450">
+          <a:pPr marL="0" lvl="0" indent="0" algn="ctr" defTabSz="933450">
             <a:lnSpc>
               <a:spcPct val="90000"/>
             </a:lnSpc>
@@ -1841,6 +1751,7 @@
             <a:spcAft>
               <a:spcPct val="35000"/>
             </a:spcAft>
+            <a:buNone/>
           </a:pPr>
           <a:r>
             <a:rPr lang="en-US" sz="2100" kern="1200"/>
@@ -1908,7 +1819,7 @@
         </a:bodyPr>
         <a:lstStyle/>
         <a:p>
-          <a:pPr lvl="0" algn="l" defTabSz="755650">
+          <a:pPr marL="0" lvl="0" indent="0" algn="l" defTabSz="755650">
             <a:lnSpc>
               <a:spcPct val="90000"/>
             </a:lnSpc>
@@ -1918,6 +1829,7 @@
             <a:spcAft>
               <a:spcPct val="35000"/>
             </a:spcAft>
+            <a:buNone/>
           </a:pPr>
           <a:r>
             <a:rPr lang="en-US" sz="1700" kern="1200" dirty="0"/>
@@ -1983,7 +1895,7 @@
         </a:bodyPr>
         <a:lstStyle/>
         <a:p>
-          <a:pPr lvl="0" algn="ctr" defTabSz="933450">
+          <a:pPr marL="0" lvl="0" indent="0" algn="ctr" defTabSz="933450">
             <a:lnSpc>
               <a:spcPct val="90000"/>
             </a:lnSpc>
@@ -1993,6 +1905,7 @@
             <a:spcAft>
               <a:spcPct val="35000"/>
             </a:spcAft>
+            <a:buNone/>
           </a:pPr>
           <a:r>
             <a:rPr lang="en-US" sz="2100" kern="1200"/>
@@ -2060,7 +1973,7 @@
         </a:bodyPr>
         <a:lstStyle/>
         <a:p>
-          <a:pPr lvl="0" algn="l" defTabSz="755650">
+          <a:pPr marL="0" lvl="0" indent="0" algn="l" defTabSz="755650">
             <a:lnSpc>
               <a:spcPct val="90000"/>
             </a:lnSpc>
@@ -2070,6 +1983,7 @@
             <a:spcAft>
               <a:spcPct val="35000"/>
             </a:spcAft>
+            <a:buNone/>
           </a:pPr>
           <a:r>
             <a:rPr lang="en-US" sz="1700" kern="1200" dirty="0"/>
@@ -2135,7 +2049,7 @@
         </a:bodyPr>
         <a:lstStyle/>
         <a:p>
-          <a:pPr lvl="0" algn="ctr" defTabSz="933450">
+          <a:pPr marL="0" lvl="0" indent="0" algn="ctr" defTabSz="933450">
             <a:lnSpc>
               <a:spcPct val="90000"/>
             </a:lnSpc>
@@ -2145,6 +2059,7 @@
             <a:spcAft>
               <a:spcPct val="35000"/>
             </a:spcAft>
+            <a:buNone/>
           </a:pPr>
           <a:r>
             <a:rPr lang="en-US" sz="2100" kern="1200"/>
@@ -2212,7 +2127,7 @@
         </a:bodyPr>
         <a:lstStyle/>
         <a:p>
-          <a:pPr lvl="0" algn="l" defTabSz="755650">
+          <a:pPr marL="0" lvl="0" indent="0" algn="l" defTabSz="755650">
             <a:lnSpc>
               <a:spcPct val="90000"/>
             </a:lnSpc>
@@ -2222,6 +2137,7 @@
             <a:spcAft>
               <a:spcPct val="35000"/>
             </a:spcAft>
+            <a:buNone/>
           </a:pPr>
           <a:r>
             <a:rPr lang="en-US" sz="1700" kern="1200"/>
@@ -2287,7 +2203,7 @@
         </a:bodyPr>
         <a:lstStyle/>
         <a:p>
-          <a:pPr lvl="0" algn="ctr" defTabSz="933450">
+          <a:pPr marL="0" lvl="0" indent="0" algn="ctr" defTabSz="933450">
             <a:lnSpc>
               <a:spcPct val="90000"/>
             </a:lnSpc>
@@ -2297,6 +2213,7 @@
             <a:spcAft>
               <a:spcPct val="35000"/>
             </a:spcAft>
+            <a:buNone/>
           </a:pPr>
           <a:r>
             <a:rPr lang="en-US" sz="2100" kern="1200"/>
@@ -2364,7 +2281,7 @@
         </a:bodyPr>
         <a:lstStyle/>
         <a:p>
-          <a:pPr lvl="0" algn="l" defTabSz="755650">
+          <a:pPr marL="0" lvl="0" indent="0" algn="l" defTabSz="755650">
             <a:lnSpc>
               <a:spcPct val="90000"/>
             </a:lnSpc>
@@ -2374,6 +2291,7 @@
             <a:spcAft>
               <a:spcPct val="35000"/>
             </a:spcAft>
+            <a:buNone/>
           </a:pPr>
           <a:r>
             <a:rPr lang="en-US" sz="1700" kern="1200"/>
@@ -2439,7 +2357,7 @@
         </a:bodyPr>
         <a:lstStyle/>
         <a:p>
-          <a:pPr lvl="0" algn="ctr" defTabSz="933450">
+          <a:pPr marL="0" lvl="0" indent="0" algn="ctr" defTabSz="933450">
             <a:lnSpc>
               <a:spcPct val="90000"/>
             </a:lnSpc>
@@ -2449,6 +2367,7 @@
             <a:spcAft>
               <a:spcPct val="35000"/>
             </a:spcAft>
+            <a:buNone/>
           </a:pPr>
           <a:r>
             <a:rPr lang="en-US" sz="2100" kern="1200"/>
@@ -2516,7 +2435,7 @@
         </a:bodyPr>
         <a:lstStyle/>
         <a:p>
-          <a:pPr lvl="0" algn="l" defTabSz="755650">
+          <a:pPr marL="0" lvl="0" indent="0" algn="l" defTabSz="755650">
             <a:lnSpc>
               <a:spcPct val="90000"/>
             </a:lnSpc>
@@ -2526,6 +2445,7 @@
             <a:spcAft>
               <a:spcPct val="35000"/>
             </a:spcAft>
+            <a:buNone/>
           </a:pPr>
           <a:r>
             <a:rPr lang="en-US" sz="1700" kern="1200"/>
@@ -2591,7 +2511,7 @@
         </a:bodyPr>
         <a:lstStyle/>
         <a:p>
-          <a:pPr lvl="0" algn="ctr" defTabSz="933450">
+          <a:pPr marL="0" lvl="0" indent="0" algn="ctr" defTabSz="933450">
             <a:lnSpc>
               <a:spcPct val="90000"/>
             </a:lnSpc>
@@ -2601,6 +2521,7 @@
             <a:spcAft>
               <a:spcPct val="35000"/>
             </a:spcAft>
+            <a:buNone/>
           </a:pPr>
           <a:r>
             <a:rPr lang="en-US" sz="2100" kern="1200"/>
@@ -6730,7 +6651,7 @@
           <p:nvPr>
             <p:extLst>
               <p:ext uri="{386F3935-93C4-4BCD-93E2-E3B085C9AB24}">
-                <p16:designElem xmlns:p16="http://schemas.microsoft.com/office/powerpoint/2015/main" xmlns="" val="1"/>
+                <p16:designElem xmlns:p16="http://schemas.microsoft.com/office/powerpoint/2015/main" val="1"/>
               </p:ext>
             </p:extLst>
           </p:nvPr>
@@ -6873,7 +6794,7 @@
           <a:lstStyle/>
           <a:p>
             <a:r>
-              <a:rPr lang="en-US">
+              <a:rPr lang="en-US" dirty="0">
                 <a:solidFill>
                   <a:schemeClr val="bg2"/>
                 </a:solidFill>
@@ -6893,13 +6814,6 @@
   <p:clrMapOvr>
     <a:masterClrMapping/>
   </p:clrMapOvr>
-  <p:timing>
-    <p:tnLst>
-      <p:par>
-        <p:cTn id="1" dur="indefinite" restart="never" nodeType="tmRoot"/>
-      </p:par>
-    </p:tnLst>
-  </p:timing>
 </p:sld>
 </file>
 
@@ -7014,13 +6928,6 @@
   <p:clrMapOvr>
     <a:masterClrMapping/>
   </p:clrMapOvr>
-  <p:timing>
-    <p:tnLst>
-      <p:par>
-        <p:cTn id="1" dur="indefinite" restart="never" nodeType="tmRoot"/>
-      </p:par>
-    </p:tnLst>
-  </p:timing>
 </p:sld>
 </file>
 
@@ -7050,7 +6957,7 @@
           <p:nvPr>
             <p:extLst>
               <p:ext uri="{386F3935-93C4-4BCD-93E2-E3B085C9AB24}">
-                <p16:designElem xmlns:p16="http://schemas.microsoft.com/office/powerpoint/2015/main" xmlns="" val="1"/>
+                <p16:designElem xmlns:p16="http://schemas.microsoft.com/office/powerpoint/2015/main" val="1"/>
               </p:ext>
             </p:extLst>
           </p:nvPr>
@@ -7153,7 +7060,7 @@
           <p:nvPr>
             <p:extLst>
               <p:ext uri="{386F3935-93C4-4BCD-93E2-E3B085C9AB24}">
-                <p16:designElem xmlns:p16="http://schemas.microsoft.com/office/powerpoint/2015/main" xmlns="" val="1"/>
+                <p16:designElem xmlns:p16="http://schemas.microsoft.com/office/powerpoint/2015/main" val="1"/>
               </p:ext>
             </p:extLst>
           </p:nvPr>
@@ -7528,7 +7435,7 @@
           <p:nvPr>
             <p:extLst>
               <p:ext uri="{386F3935-93C4-4BCD-93E2-E3B085C9AB24}">
-                <p16:designElem xmlns:p16="http://schemas.microsoft.com/office/powerpoint/2015/main" xmlns="" val="1"/>
+                <p16:designElem xmlns:p16="http://schemas.microsoft.com/office/powerpoint/2015/main" val="1"/>
               </p:ext>
             </p:extLst>
           </p:nvPr>
@@ -7600,7 +7507,7 @@
           <p:nvPr>
             <p:extLst>
               <p:ext uri="{386F3935-93C4-4BCD-93E2-E3B085C9AB24}">
-                <p16:designElem xmlns:p16="http://schemas.microsoft.com/office/powerpoint/2015/main" xmlns="" val="1"/>
+                <p16:designElem xmlns:p16="http://schemas.microsoft.com/office/powerpoint/2015/main" val="1"/>
               </p:ext>
             </p:extLst>
           </p:nvPr>
@@ -7696,13 +7603,6 @@
   <p:clrMapOvr>
     <a:masterClrMapping/>
   </p:clrMapOvr>
-  <p:timing>
-    <p:tnLst>
-      <p:par>
-        <p:cTn id="1" dur="indefinite" restart="never" nodeType="tmRoot"/>
-      </p:par>
-    </p:tnLst>
-  </p:timing>
 </p:sld>
 </file>
 
@@ -7732,7 +7632,7 @@
           <p:nvPr>
             <p:extLst>
               <p:ext uri="{386F3935-93C4-4BCD-93E2-E3B085C9AB24}">
-                <p16:designElem xmlns:p16="http://schemas.microsoft.com/office/powerpoint/2015/main" xmlns="" val="1"/>
+                <p16:designElem xmlns:p16="http://schemas.microsoft.com/office/powerpoint/2015/main" val="1"/>
               </p:ext>
             </p:extLst>
           </p:nvPr>
@@ -7763,7 +7663,7 @@
           <p:nvPr>
             <p:extLst>
               <p:ext uri="{386F3935-93C4-4BCD-93E2-E3B085C9AB24}">
-                <p16:designElem xmlns:p16="http://schemas.microsoft.com/office/powerpoint/2015/main" xmlns="" val="1"/>
+                <p16:designElem xmlns:p16="http://schemas.microsoft.com/office/powerpoint/2015/main" val="1"/>
               </p:ext>
             </p:extLst>
           </p:nvPr>
@@ -7899,13 +7799,6 @@
   <p:clrMapOvr>
     <a:masterClrMapping/>
   </p:clrMapOvr>
-  <p:timing>
-    <p:tnLst>
-      <p:par>
-        <p:cTn id="1" dur="indefinite" restart="never" nodeType="tmRoot"/>
-      </p:par>
-    </p:tnLst>
-  </p:timing>
 </p:sld>
 </file>
 
@@ -7974,7 +7867,7 @@
           <p:nvPr>
             <p:extLst>
               <p:ext uri="{386F3935-93C4-4BCD-93E2-E3B085C9AB24}">
-                <p16:designElem xmlns:p16="http://schemas.microsoft.com/office/powerpoint/2015/main" xmlns="" val="1"/>
+                <p16:designElem xmlns:p16="http://schemas.microsoft.com/office/powerpoint/2015/main" val="1"/>
               </p:ext>
             </p:extLst>
           </p:nvPr>
@@ -8077,7 +7970,7 @@
           <p:nvPr>
             <p:extLst>
               <p:ext uri="{386F3935-93C4-4BCD-93E2-E3B085C9AB24}">
-                <p16:designElem xmlns:p16="http://schemas.microsoft.com/office/powerpoint/2015/main" xmlns="" val="1"/>
+                <p16:designElem xmlns:p16="http://schemas.microsoft.com/office/powerpoint/2015/main" val="1"/>
               </p:ext>
             </p:extLst>
           </p:nvPr>
@@ -8246,13 +8139,6 @@
   <p:clrMapOvr>
     <a:masterClrMapping/>
   </p:clrMapOvr>
-  <p:timing>
-    <p:tnLst>
-      <p:par>
-        <p:cTn id="1" dur="indefinite" restart="never" nodeType="tmRoot"/>
-      </p:par>
-    </p:tnLst>
-  </p:timing>
 </p:sld>
 </file>
 
@@ -8282,7 +8168,7 @@
           <p:nvPr>
             <p:extLst>
               <p:ext uri="{386F3935-93C4-4BCD-93E2-E3B085C9AB24}">
-                <p16:designElem xmlns:p16="http://schemas.microsoft.com/office/powerpoint/2015/main" xmlns="" val="1"/>
+                <p16:designElem xmlns:p16="http://schemas.microsoft.com/office/powerpoint/2015/main" val="1"/>
               </p:ext>
             </p:extLst>
           </p:nvPr>
@@ -8313,7 +8199,7 @@
           <p:nvPr>
             <p:extLst>
               <p:ext uri="{386F3935-93C4-4BCD-93E2-E3B085C9AB24}">
-                <p16:designElem xmlns:p16="http://schemas.microsoft.com/office/powerpoint/2015/main" xmlns="" val="1"/>
+                <p16:designElem xmlns:p16="http://schemas.microsoft.com/office/powerpoint/2015/main" val="1"/>
               </p:ext>
             </p:extLst>
           </p:nvPr>
@@ -8446,13 +8332,6 @@
   <p:clrMapOvr>
     <a:masterClrMapping/>
   </p:clrMapOvr>
-  <p:timing>
-    <p:tnLst>
-      <p:par>
-        <p:cTn id="1" dur="indefinite" restart="never" nodeType="tmRoot"/>
-      </p:par>
-    </p:tnLst>
-  </p:timing>
 </p:sld>
 </file>
 
@@ -8521,7 +8400,7 @@
           <p:nvPr>
             <p:extLst>
               <p:ext uri="{386F3935-93C4-4BCD-93E2-E3B085C9AB24}">
-                <p16:designElem xmlns:p16="http://schemas.microsoft.com/office/powerpoint/2015/main" xmlns="" val="1"/>
+                <p16:designElem xmlns:p16="http://schemas.microsoft.com/office/powerpoint/2015/main" val="1"/>
               </p:ext>
             </p:extLst>
           </p:nvPr>
@@ -8624,7 +8503,7 @@
           <p:nvPr>
             <p:extLst>
               <p:ext uri="{386F3935-93C4-4BCD-93E2-E3B085C9AB24}">
-                <p16:designElem xmlns:p16="http://schemas.microsoft.com/office/powerpoint/2015/main" xmlns="" val="1"/>
+                <p16:designElem xmlns:p16="http://schemas.microsoft.com/office/powerpoint/2015/main" val="1"/>
               </p:ext>
             </p:extLst>
           </p:nvPr>
@@ -8816,13 +8695,6 @@
   <p:clrMapOvr>
     <a:masterClrMapping/>
   </p:clrMapOvr>
-  <p:timing>
-    <p:tnLst>
-      <p:par>
-        <p:cTn id="1" dur="indefinite" restart="never" nodeType="tmRoot"/>
-      </p:par>
-    </p:tnLst>
-  </p:timing>
 </p:sld>
 </file>
 
@@ -8897,13 +8769,6 @@
   <p:clrMapOvr>
     <a:masterClrMapping/>
   </p:clrMapOvr>
-  <p:timing>
-    <p:tnLst>
-      <p:par>
-        <p:cTn id="1" dur="indefinite" restart="never" nodeType="tmRoot"/>
-      </p:par>
-    </p:tnLst>
-  </p:timing>
 </p:sld>
 </file>
 
@@ -8933,7 +8798,7 @@
           <p:nvPr>
             <p:extLst>
               <p:ext uri="{386F3935-93C4-4BCD-93E2-E3B085C9AB24}">
-                <p16:designElem xmlns:p16="http://schemas.microsoft.com/office/powerpoint/2015/main" xmlns="" val="1"/>
+                <p16:designElem xmlns:p16="http://schemas.microsoft.com/office/powerpoint/2015/main" val="1"/>
               </p:ext>
             </p:extLst>
           </p:nvPr>
@@ -9105,13 +8970,6 @@
   <p:clrMapOvr>
     <a:masterClrMapping/>
   </p:clrMapOvr>
-  <p:timing>
-    <p:tnLst>
-      <p:par>
-        <p:cTn id="1" dur="indefinite" restart="never" nodeType="tmRoot"/>
-      </p:par>
-    </p:tnLst>
-  </p:timing>
 </p:sld>
 </file>
 
@@ -9357,7 +9215,7 @@
           <p:nvPr>
             <p:extLst>
               <p:ext uri="{386F3935-93C4-4BCD-93E2-E3B085C9AB24}">
-                <p16:designElem xmlns:p16="http://schemas.microsoft.com/office/powerpoint/2015/main" xmlns="" val="1"/>
+                <p16:designElem xmlns:p16="http://schemas.microsoft.com/office/powerpoint/2015/main" val="1"/>
               </p:ext>
             </p:extLst>
           </p:nvPr>
@@ -9524,31 +9382,7 @@
                   <a:schemeClr val="bg1"/>
                 </a:solidFill>
               </a:rPr>
-              <a:t>Worked for </a:t>
-            </a:r>
-            <a:r>
-              <a:rPr lang="en-US" sz="2400" dirty="0" smtClean="0">
-                <a:solidFill>
-                  <a:schemeClr val="bg1"/>
-                </a:solidFill>
-              </a:rPr>
-              <a:t>many</a:t>
-            </a:r>
-            <a:r>
-              <a:rPr lang="en-US" sz="2400" dirty="0" smtClean="0">
-                <a:solidFill>
-                  <a:schemeClr val="bg1"/>
-                </a:solidFill>
-              </a:rPr>
-              <a:t> </a:t>
-            </a:r>
-            <a:r>
-              <a:rPr lang="en-US" sz="2400" dirty="0">
-                <a:solidFill>
-                  <a:schemeClr val="bg1"/>
-                </a:solidFill>
-              </a:rPr>
-              <a:t>clients</a:t>
+              <a:t>Worked for many clients</a:t>
             </a:r>
           </a:p>
           <a:p>
@@ -9621,13 +9455,6 @@
   <p:clrMapOvr>
     <a:masterClrMapping/>
   </p:clrMapOvr>
-  <p:timing>
-    <p:tnLst>
-      <p:par>
-        <p:cTn id="1" dur="indefinite" restart="never" nodeType="tmRoot"/>
-      </p:par>
-    </p:tnLst>
-  </p:timing>
 </p:sld>
 </file>
 
@@ -9939,13 +9766,6 @@
   <p:clrMapOvr>
     <a:masterClrMapping/>
   </p:clrMapOvr>
-  <p:timing>
-    <p:tnLst>
-      <p:par>
-        <p:cTn id="1" dur="indefinite" restart="never" nodeType="tmRoot"/>
-      </p:par>
-    </p:tnLst>
-  </p:timing>
 </p:sld>
 </file>
 
@@ -10046,13 +9866,6 @@
   <p:clrMapOvr>
     <a:masterClrMapping/>
   </p:clrMapOvr>
-  <p:timing>
-    <p:tnLst>
-      <p:par>
-        <p:cTn id="1" dur="indefinite" restart="never" nodeType="tmRoot"/>
-      </p:par>
-    </p:tnLst>
-  </p:timing>
 </p:sld>
 </file>
 
@@ -10500,13 +10313,6 @@
   <p:clrMapOvr>
     <a:masterClrMapping/>
   </p:clrMapOvr>
-  <p:timing>
-    <p:tnLst>
-      <p:par>
-        <p:cTn id="1" dur="indefinite" restart="never" nodeType="tmRoot"/>
-      </p:par>
-    </p:tnLst>
-  </p:timing>
 </p:sld>
 </file>
 
@@ -10536,7 +10342,7 @@
           <p:nvPr>
             <p:extLst>
               <p:ext uri="{386F3935-93C4-4BCD-93E2-E3B085C9AB24}">
-                <p16:designElem xmlns:p16="http://schemas.microsoft.com/office/powerpoint/2015/main" xmlns="" val="1"/>
+                <p16:designElem xmlns:p16="http://schemas.microsoft.com/office/powerpoint/2015/main" val="1"/>
               </p:ext>
             </p:extLst>
           </p:nvPr>
@@ -10708,13 +10514,6 @@
   <p:clrMapOvr>
     <a:masterClrMapping/>
   </p:clrMapOvr>
-  <p:timing>
-    <p:tnLst>
-      <p:par>
-        <p:cTn id="1" dur="indefinite" restart="never" nodeType="tmRoot"/>
-      </p:par>
-    </p:tnLst>
-  </p:timing>
 </p:sld>
 </file>
 
@@ -10752,15 +10551,7 @@
           <a:p>
             <a:r>
               <a:rPr lang="en-US" dirty="0"/>
-              <a:t>[</a:t>
-            </a:r>
-            <a:r>
-              <a:rPr lang="en-US" dirty="0" smtClean="0"/>
-              <a:t>Bad] Dependency </a:t>
-            </a:r>
-            <a:r>
-              <a:rPr lang="en-US" dirty="0"/>
-              <a:t>for raising events</a:t>
+              <a:t>[Bad] Dependency for raising events</a:t>
             </a:r>
           </a:p>
         </p:txBody>
@@ -10801,13 +10592,6 @@
   <p:clrMapOvr>
     <a:masterClrMapping/>
   </p:clrMapOvr>
-  <p:timing>
-    <p:tnLst>
-      <p:par>
-        <p:cTn id="1" dur="indefinite" restart="never" nodeType="tmRoot"/>
-      </p:par>
-    </p:tnLst>
-  </p:timing>
 </p:sld>
 </file>
 
@@ -10903,13 +10687,6 @@
   <p:clrMapOvr>
     <a:masterClrMapping/>
   </p:clrMapOvr>
-  <p:timing>
-    <p:tnLst>
-      <p:par>
-        <p:cTn id="1" dur="indefinite" restart="never" nodeType="tmRoot"/>
-      </p:par>
-    </p:tnLst>
-  </p:timing>
 </p:sld>
 </file>
 
@@ -11007,19 +10784,14 @@
           <a:p>
             <a:r>
               <a:rPr lang="en-US" dirty="0"/>
-              <a:t>Always need to test also that we invoke it X number of times the </a:t>
-            </a:r>
-            <a:r>
-              <a:rPr lang="en-US" dirty="0" smtClean="0"/>
-              <a:t>dependency</a:t>
-            </a:r>
-          </a:p>
-          <a:p>
-            <a:r>
-              <a:rPr lang="en-US" dirty="0" smtClean="0"/>
+              <a:t>Always need to test also that we invoke it X number of times the dependency</a:t>
+            </a:r>
+          </a:p>
+          <a:p>
+            <a:r>
+              <a:rPr lang="en-US" dirty="0"/>
               <a:t>Need to test also the data type of the event</a:t>
             </a:r>
-            <a:endParaRPr lang="en-US" dirty="0"/>
           </a:p>
         </p:txBody>
       </p:sp>
@@ -11412,13 +11184,6 @@
   <p:clrMapOvr>
     <a:masterClrMapping/>
   </p:clrMapOvr>
-  <p:timing>
-    <p:tnLst>
-      <p:par>
-        <p:cTn id="1" dur="indefinite" restart="never" nodeType="tmRoot"/>
-      </p:par>
-    </p:tnLst>
-  </p:timing>
 </p:sld>
 </file>
 
@@ -11448,7 +11213,7 @@
           <p:nvPr>
             <p:extLst>
               <p:ext uri="{386F3935-93C4-4BCD-93E2-E3B085C9AB24}">
-                <p16:designElem xmlns:p16="http://schemas.microsoft.com/office/powerpoint/2015/main" xmlns="" val="1"/>
+                <p16:designElem xmlns:p16="http://schemas.microsoft.com/office/powerpoint/2015/main" val="1"/>
               </p:ext>
             </p:extLst>
           </p:nvPr>
@@ -11620,13 +11385,6 @@
   <p:clrMapOvr>
     <a:masterClrMapping/>
   </p:clrMapOvr>
-  <p:timing>
-    <p:tnLst>
-      <p:par>
-        <p:cTn id="1" dur="indefinite" restart="never" nodeType="tmRoot"/>
-      </p:par>
-    </p:tnLst>
-  </p:timing>
 </p:sld>
 </file>
 
@@ -12067,13 +11825,6 @@
   <p:clrMapOvr>
     <a:masterClrMapping/>
   </p:clrMapOvr>
-  <p:timing>
-    <p:tnLst>
-      <p:par>
-        <p:cTn id="1" dur="indefinite" restart="never" nodeType="tmRoot"/>
-      </p:par>
-    </p:tnLst>
-  </p:timing>
 </p:sld>
 </file>
 
@@ -12152,13 +11903,6 @@
   <p:clrMapOvr>
     <a:masterClrMapping/>
   </p:clrMapOvr>
-  <p:timing>
-    <p:tnLst>
-      <p:par>
-        <p:cTn id="1" dur="indefinite" restart="never" nodeType="tmRoot"/>
-      </p:par>
-    </p:tnLst>
-  </p:timing>
 </p:sld>
 </file>
 
@@ -12233,13 +11977,6 @@
   <p:clrMapOvr>
     <a:masterClrMapping/>
   </p:clrMapOvr>
-  <p:timing>
-    <p:tnLst>
-      <p:par>
-        <p:cTn id="1" dur="indefinite" restart="never" nodeType="tmRoot"/>
-      </p:par>
-    </p:tnLst>
-  </p:timing>
 </p:sld>
 </file>
 
@@ -12318,13 +12055,6 @@
   <p:clrMapOvr>
     <a:masterClrMapping/>
   </p:clrMapOvr>
-  <p:timing>
-    <p:tnLst>
-      <p:par>
-        <p:cTn id="1" dur="indefinite" restart="never" nodeType="tmRoot"/>
-      </p:par>
-    </p:tnLst>
-  </p:timing>
 </p:sld>
 </file>
 
@@ -12396,13 +12126,6 @@
   <p:clrMapOvr>
     <a:masterClrMapping/>
   </p:clrMapOvr>
-  <p:timing>
-    <p:tnLst>
-      <p:par>
-        <p:cTn id="1" dur="indefinite" restart="never" nodeType="tmRoot"/>
-      </p:par>
-    </p:tnLst>
-  </p:timing>
 </p:sld>
 </file>
 
@@ -12474,13 +12197,6 @@
   <p:clrMapOvr>
     <a:masterClrMapping/>
   </p:clrMapOvr>
-  <p:timing>
-    <p:tnLst>
-      <p:par>
-        <p:cTn id="1" dur="indefinite" restart="never" nodeType="tmRoot"/>
-      </p:par>
-    </p:tnLst>
-  </p:timing>
 </p:sld>
 </file>
 
@@ -12510,7 +12226,7 @@
           <p:nvPr>
             <p:extLst>
               <p:ext uri="{386F3935-93C4-4BCD-93E2-E3B085C9AB24}">
-                <p16:designElem xmlns:p16="http://schemas.microsoft.com/office/powerpoint/2015/main" xmlns="" val="1"/>
+                <p16:designElem xmlns:p16="http://schemas.microsoft.com/office/powerpoint/2015/main" val="1"/>
               </p:ext>
             </p:extLst>
           </p:nvPr>
@@ -12682,13 +12398,6 @@
   <p:clrMapOvr>
     <a:masterClrMapping/>
   </p:clrMapOvr>
-  <p:timing>
-    <p:tnLst>
-      <p:par>
-        <p:cTn id="1" dur="indefinite" restart="never" nodeType="tmRoot"/>
-      </p:par>
-    </p:tnLst>
-  </p:timing>
 </p:sld>
 </file>
 
@@ -12718,7 +12427,7 @@
           <p:nvPr>
             <p:extLst>
               <p:ext uri="{386F3935-93C4-4BCD-93E2-E3B085C9AB24}">
-                <p16:designElem xmlns:p16="http://schemas.microsoft.com/office/powerpoint/2015/main" xmlns="" val="1"/>
+                <p16:designElem xmlns:p16="http://schemas.microsoft.com/office/powerpoint/2015/main" val="1"/>
               </p:ext>
             </p:extLst>
           </p:nvPr>
@@ -12834,13 +12543,6 @@
   <p:clrMapOvr>
     <a:overrideClrMapping bg1="dk1" tx1="lt1" bg2="dk2" tx2="lt2" accent1="accent1" accent2="accent2" accent3="accent3" accent4="accent4" accent5="accent5" accent6="accent6" hlink="hlink" folHlink="folHlink"/>
   </p:clrMapOvr>
-  <p:timing>
-    <p:tnLst>
-      <p:par>
-        <p:cTn id="1" dur="indefinite" restart="never" nodeType="tmRoot"/>
-      </p:par>
-    </p:tnLst>
-  </p:timing>
 </p:sld>
 </file>
 
@@ -12870,7 +12572,7 @@
           <p:nvPr>
             <p:extLst>
               <p:ext uri="{386F3935-93C4-4BCD-93E2-E3B085C9AB24}">
-                <p16:designElem xmlns:p16="http://schemas.microsoft.com/office/powerpoint/2015/main" xmlns="" val="1"/>
+                <p16:designElem xmlns:p16="http://schemas.microsoft.com/office/powerpoint/2015/main" val="1"/>
               </p:ext>
             </p:extLst>
           </p:nvPr>
@@ -13305,7 +13007,7 @@
           <p:nvPr>
             <p:extLst>
               <p:ext uri="{386F3935-93C4-4BCD-93E2-E3B085C9AB24}">
-                <p16:designElem xmlns:p16="http://schemas.microsoft.com/office/powerpoint/2015/main" xmlns="" val="1"/>
+                <p16:designElem xmlns:p16="http://schemas.microsoft.com/office/powerpoint/2015/main" val="1"/>
               </p:ext>
             </p:extLst>
           </p:nvPr>
@@ -13420,7 +13122,7 @@
           <p:nvPr>
             <p:extLst>
               <p:ext uri="{386F3935-93C4-4BCD-93E2-E3B085C9AB24}">
-                <p16:designElem xmlns:p16="http://schemas.microsoft.com/office/powerpoint/2015/main" xmlns="" val="1"/>
+                <p16:designElem xmlns:p16="http://schemas.microsoft.com/office/powerpoint/2015/main" val="1"/>
               </p:ext>
             </p:extLst>
           </p:nvPr>
@@ -13688,13 +13390,6 @@
   <p:clrMapOvr>
     <a:masterClrMapping/>
   </p:clrMapOvr>
-  <p:timing>
-    <p:tnLst>
-      <p:par>
-        <p:cTn id="1" dur="indefinite" restart="never" nodeType="tmRoot"/>
-      </p:par>
-    </p:tnLst>
-  </p:timing>
 </p:sld>
 </file>
 
@@ -14184,13 +13879,6 @@
   <p:clrMapOvr>
     <a:masterClrMapping/>
   </p:clrMapOvr>
-  <p:timing>
-    <p:tnLst>
-      <p:par>
-        <p:cTn id="1" dur="indefinite" restart="never" nodeType="tmRoot"/>
-      </p:par>
-    </p:tnLst>
-  </p:timing>
 </p:sld>
 </file>
 
@@ -14213,136 +13901,14 @@
       </p:grpSpPr>
       <p:sp>
         <p:nvSpPr>
-          <p:cNvPr id="2" name="Title 1"/>
-          <p:cNvSpPr>
-            <a:spLocks noGrp="1"/>
-          </p:cNvSpPr>
-          <p:nvPr>
-            <p:ph type="title"/>
-          </p:nvPr>
-        </p:nvSpPr>
-        <p:spPr/>
-        <p:txBody>
-          <a:bodyPr/>
-          <a:lstStyle/>
-          <a:p>
-            <a:r>
-              <a:rPr lang="en-US" dirty="0" smtClean="0"/>
-              <a:t>Want to help?</a:t>
-            </a:r>
-            <a:endParaRPr lang="en-US" dirty="0"/>
-          </a:p>
-        </p:txBody>
-      </p:sp>
-      <p:sp>
-        <p:nvSpPr>
-          <p:cNvPr id="3" name="Content Placeholder 2"/>
-          <p:cNvSpPr>
-            <a:spLocks noGrp="1"/>
-          </p:cNvSpPr>
-          <p:nvPr>
-            <p:ph idx="1"/>
-          </p:nvPr>
-        </p:nvSpPr>
-        <p:spPr/>
-        <p:txBody>
-          <a:bodyPr/>
-          <a:lstStyle/>
-          <a:p>
-            <a:r>
-              <a:rPr lang="en-US" dirty="0" smtClean="0"/>
-              <a:t>This open source framework still needs some work</a:t>
-            </a:r>
-          </a:p>
-          <a:p>
-            <a:r>
-              <a:rPr lang="en-US" dirty="0" smtClean="0"/>
-              <a:t>Email me at </a:t>
-            </a:r>
-            <a:r>
-              <a:rPr lang="en-US" dirty="0" smtClean="0">
-                <a:hlinkClick r:id="rId2"/>
-              </a:rPr>
-              <a:t>petrutiu.mihai@gmail.com</a:t>
-            </a:r>
-            <a:endParaRPr lang="en-US" dirty="0" smtClean="0"/>
-          </a:p>
-          <a:p>
-            <a:r>
-              <a:rPr lang="en-US" dirty="0" smtClean="0"/>
-              <a:t>Or on </a:t>
-            </a:r>
-            <a:r>
-              <a:rPr lang="en-US" dirty="0" err="1" smtClean="0"/>
-              <a:t>facebook</a:t>
-            </a:r>
-            <a:r>
-              <a:rPr lang="en-US" dirty="0" smtClean="0"/>
-              <a:t> </a:t>
-            </a:r>
-            <a:r>
-              <a:rPr lang="en-US" dirty="0" err="1" smtClean="0"/>
-              <a:t>petrutiu</a:t>
-            </a:r>
-            <a:r>
-              <a:rPr lang="en-US" dirty="0" smtClean="0"/>
-              <a:t> </a:t>
-            </a:r>
-            <a:r>
-              <a:rPr lang="en-US" smtClean="0"/>
-              <a:t>mihai</a:t>
-            </a:r>
-            <a:endParaRPr lang="en-US" dirty="0"/>
-          </a:p>
-        </p:txBody>
-      </p:sp>
-    </p:spTree>
-    <p:extLst>
-      <p:ext uri="{BB962C8B-B14F-4D97-AF65-F5344CB8AC3E}">
-        <p14:creationId xmlns:p14="http://schemas.microsoft.com/office/powerpoint/2010/main" val="857443260"/>
-      </p:ext>
-    </p:extLst>
-  </p:cSld>
-  <p:clrMapOvr>
-    <a:masterClrMapping/>
-  </p:clrMapOvr>
-  <p:timing>
-    <p:tnLst>
-      <p:par>
-        <p:cTn id="1" dur="indefinite" restart="never" nodeType="tmRoot"/>
-      </p:par>
-    </p:tnLst>
-  </p:timing>
-</p:sld>
-</file>
-
-<file path=ppt/slides/slide5.xml><?xml version="1.0" encoding="utf-8"?>
-<p:sld xmlns:a="http://schemas.openxmlformats.org/drawingml/2006/main" xmlns:r="http://schemas.openxmlformats.org/officeDocument/2006/relationships" xmlns:p="http://schemas.openxmlformats.org/presentationml/2006/main">
-  <p:cSld>
-    <p:spTree>
-      <p:nvGrpSpPr>
-        <p:cNvPr id="1" name=""/>
-        <p:cNvGrpSpPr/>
-        <p:nvPr/>
-      </p:nvGrpSpPr>
-      <p:grpSpPr>
-        <a:xfrm>
-          <a:off x="0" y="0"/>
-          <a:ext cx="0" cy="0"/>
-          <a:chOff x="0" y="0"/>
-          <a:chExt cx="0" cy="0"/>
-        </a:xfrm>
-      </p:grpSpPr>
-      <p:sp>
-        <p:nvSpPr>
-          <p:cNvPr id="5" name="Rectangle 7"/>
+          <p:cNvPr id="8" name="Rectangle 7"/>
           <p:cNvSpPr>
             <a:spLocks noGrp="1" noRot="1" noChangeAspect="1" noMove="1" noResize="1" noEditPoints="1" noAdjustHandles="1" noChangeArrowheads="1" noChangeShapeType="1" noTextEdit="1"/>
           </p:cNvSpPr>
           <p:nvPr>
             <p:extLst>
               <p:ext uri="{386F3935-93C4-4BCD-93E2-E3B085C9AB24}">
-                <p16:designElem xmlns:p16="http://schemas.microsoft.com/office/powerpoint/2015/main" xmlns="" val="1"/>
+                <p16:designElem xmlns:p16="http://schemas.microsoft.com/office/powerpoint/2015/main" val="1"/>
               </p:ext>
             </p:extLst>
           </p:nvPr>
@@ -14426,6 +13992,234 @@
             <a:pPr algn="ctr"/>
             <a:r>
               <a:rPr lang="en-US" sz="3200"/>
+              <a:t>Want to help?</a:t>
+            </a:r>
+          </a:p>
+        </p:txBody>
+      </p:sp>
+      <p:sp>
+        <p:nvSpPr>
+          <p:cNvPr id="3" name="Content Placeholder 2"/>
+          <p:cNvSpPr>
+            <a:spLocks noGrp="1"/>
+          </p:cNvSpPr>
+          <p:nvPr>
+            <p:ph idx="1"/>
+          </p:nvPr>
+        </p:nvSpPr>
+        <p:spPr>
+          <a:xfrm>
+            <a:off x="5771626" y="802638"/>
+            <a:ext cx="5686252" cy="5252722"/>
+          </a:xfrm>
+        </p:spPr>
+        <p:txBody>
+          <a:bodyPr anchor="ctr">
+            <a:normAutofit/>
+          </a:bodyPr>
+          <a:lstStyle/>
+          <a:p>
+            <a:r>
+              <a:rPr lang="en-US" sz="2400" dirty="0">
+                <a:solidFill>
+                  <a:schemeClr val="bg1"/>
+                </a:solidFill>
+              </a:rPr>
+              <a:t>This open source framework still needs some work</a:t>
+            </a:r>
+          </a:p>
+          <a:p>
+            <a:r>
+              <a:rPr lang="en-US" sz="2400" dirty="0">
+                <a:solidFill>
+                  <a:schemeClr val="bg1"/>
+                </a:solidFill>
+              </a:rPr>
+              <a:t>Email me at </a:t>
+            </a:r>
+            <a:r>
+              <a:rPr lang="en-US" sz="2400" dirty="0">
+                <a:solidFill>
+                  <a:schemeClr val="bg1"/>
+                </a:solidFill>
+                <a:hlinkClick r:id="rId2"/>
+              </a:rPr>
+              <a:t>petrutiu.mihai@gmail.com</a:t>
+            </a:r>
+            <a:endParaRPr lang="en-US" sz="2400" dirty="0">
+              <a:solidFill>
+                <a:schemeClr val="bg1"/>
+              </a:solidFill>
+            </a:endParaRPr>
+          </a:p>
+          <a:p>
+            <a:r>
+              <a:rPr lang="en-US" sz="2400" dirty="0">
+                <a:solidFill>
+                  <a:schemeClr val="bg1"/>
+                </a:solidFill>
+              </a:rPr>
+              <a:t>On facebook Petrutiu Mihai</a:t>
+            </a:r>
+          </a:p>
+          <a:p>
+            <a:r>
+              <a:rPr lang="en-US" sz="2400" dirty="0">
+                <a:solidFill>
+                  <a:schemeClr val="bg1"/>
+                </a:solidFill>
+              </a:rPr>
+              <a:t>On GitHub MihaiTheCoder</a:t>
+            </a:r>
+          </a:p>
+          <a:p>
+            <a:r>
+              <a:rPr lang="en-US" sz="2400" dirty="0">
+                <a:solidFill>
+                  <a:schemeClr val="bg1"/>
+                </a:solidFill>
+              </a:rPr>
+              <a:t>Project url: </a:t>
+            </a:r>
+            <a:r>
+              <a:rPr lang="en-US" dirty="0">
+                <a:solidFill>
+                  <a:schemeClr val="accent1"/>
+                </a:solidFill>
+              </a:rPr>
+              <a:t>https://goo.gl/4D2Zkd</a:t>
+            </a:r>
+            <a:endParaRPr lang="en-US" sz="2400" dirty="0">
+              <a:solidFill>
+                <a:schemeClr val="accent1"/>
+              </a:solidFill>
+            </a:endParaRPr>
+          </a:p>
+        </p:txBody>
+      </p:sp>
+    </p:spTree>
+    <p:extLst>
+      <p:ext uri="{BB962C8B-B14F-4D97-AF65-F5344CB8AC3E}">
+        <p14:creationId xmlns:p14="http://schemas.microsoft.com/office/powerpoint/2010/main" val="857443260"/>
+      </p:ext>
+    </p:extLst>
+  </p:cSld>
+  <p:clrMapOvr>
+    <a:masterClrMapping/>
+  </p:clrMapOvr>
+</p:sld>
+</file>
+
+<file path=ppt/slides/slide5.xml><?xml version="1.0" encoding="utf-8"?>
+<p:sld xmlns:a="http://schemas.openxmlformats.org/drawingml/2006/main" xmlns:r="http://schemas.openxmlformats.org/officeDocument/2006/relationships" xmlns:p="http://schemas.openxmlformats.org/presentationml/2006/main">
+  <p:cSld>
+    <p:spTree>
+      <p:nvGrpSpPr>
+        <p:cNvPr id="1" name=""/>
+        <p:cNvGrpSpPr/>
+        <p:nvPr/>
+      </p:nvGrpSpPr>
+      <p:grpSpPr>
+        <a:xfrm>
+          <a:off x="0" y="0"/>
+          <a:ext cx="0" cy="0"/>
+          <a:chOff x="0" y="0"/>
+          <a:chExt cx="0" cy="0"/>
+        </a:xfrm>
+      </p:grpSpPr>
+      <p:sp>
+        <p:nvSpPr>
+          <p:cNvPr id="5" name="Rectangle 7"/>
+          <p:cNvSpPr>
+            <a:spLocks noGrp="1" noRot="1" noChangeAspect="1" noMove="1" noResize="1" noEditPoints="1" noAdjustHandles="1" noChangeArrowheads="1" noChangeShapeType="1" noTextEdit="1"/>
+          </p:cNvSpPr>
+          <p:nvPr>
+            <p:extLst>
+              <p:ext uri="{386F3935-93C4-4BCD-93E2-E3B085C9AB24}">
+                <p16:designElem xmlns:p16="http://schemas.microsoft.com/office/powerpoint/2015/main" val="1"/>
+              </p:ext>
+            </p:extLst>
+          </p:nvPr>
+        </p:nvSpPr>
+        <p:spPr>
+          <a:xfrm>
+            <a:off x="5315061" y="-2"/>
+            <a:ext cx="6876939" cy="6858002"/>
+          </a:xfrm>
+          <a:prstGeom prst="rect">
+            <a:avLst/>
+          </a:prstGeom>
+          <a:solidFill>
+            <a:schemeClr val="tx1">
+              <a:lumMod val="85000"/>
+              <a:lumOff val="15000"/>
+            </a:schemeClr>
+          </a:solidFill>
+          <a:ln>
+            <a:noFill/>
+          </a:ln>
+        </p:spPr>
+        <p:style>
+          <a:lnRef idx="2">
+            <a:schemeClr val="accent1">
+              <a:shade val="50000"/>
+            </a:schemeClr>
+          </a:lnRef>
+          <a:fillRef idx="1">
+            <a:schemeClr val="accent1"/>
+          </a:fillRef>
+          <a:effectRef idx="0">
+            <a:schemeClr val="accent1"/>
+          </a:effectRef>
+          <a:fontRef idx="minor">
+            <a:schemeClr val="lt1"/>
+          </a:fontRef>
+        </p:style>
+        <p:txBody>
+          <a:bodyPr rtlCol="0" anchor="ctr"/>
+          <a:lstStyle/>
+          <a:p>
+            <a:pPr algn="ctr"/>
+            <a:endParaRPr lang="en-US"/>
+          </a:p>
+        </p:txBody>
+      </p:sp>
+      <p:sp>
+        <p:nvSpPr>
+          <p:cNvPr id="2" name="Title 1"/>
+          <p:cNvSpPr>
+            <a:spLocks noGrp="1"/>
+          </p:cNvSpPr>
+          <p:nvPr>
+            <p:ph type="title"/>
+          </p:nvPr>
+        </p:nvSpPr>
+        <p:spPr>
+          <a:xfrm>
+            <a:off x="829781" y="2745736"/>
+            <a:ext cx="3698803" cy="1366528"/>
+          </a:xfrm>
+          <a:solidFill>
+            <a:schemeClr val="bg1">
+              <a:alpha val="50000"/>
+            </a:schemeClr>
+          </a:solidFill>
+          <a:ln w="25400" cap="sq">
+            <a:solidFill>
+              <a:schemeClr val="tx1"/>
+            </a:solidFill>
+            <a:miter lim="800000"/>
+          </a:ln>
+        </p:spPr>
+        <p:txBody>
+          <a:bodyPr>
+            <a:normAutofit/>
+          </a:bodyPr>
+          <a:lstStyle/>
+          <a:p>
+            <a:pPr algn="ctr"/>
+            <a:r>
+              <a:rPr lang="en-US" sz="3200"/>
               <a:t>Presentation</a:t>
             </a:r>
           </a:p>
@@ -14514,13 +14308,6 @@
   <p:clrMapOvr>
     <a:masterClrMapping/>
   </p:clrMapOvr>
-  <p:timing>
-    <p:tnLst>
-      <p:par>
-        <p:cTn id="1" dur="indefinite" restart="never" nodeType="tmRoot"/>
-      </p:par>
-    </p:tnLst>
-  </p:timing>
 </p:sld>
 </file>
 
@@ -14550,7 +14337,7 @@
           <p:nvPr>
             <p:extLst>
               <p:ext uri="{386F3935-93C4-4BCD-93E2-E3B085C9AB24}">
-                <p16:designElem xmlns:p16="http://schemas.microsoft.com/office/powerpoint/2015/main" xmlns="" val="1"/>
+                <p16:designElem xmlns:p16="http://schemas.microsoft.com/office/powerpoint/2015/main" val="1"/>
               </p:ext>
             </p:extLst>
           </p:nvPr>
@@ -14665,7 +14452,7 @@
           <p:nvPr>
             <p:extLst>
               <p:ext uri="{386F3935-93C4-4BCD-93E2-E3B085C9AB24}">
-                <p16:designElem xmlns:p16="http://schemas.microsoft.com/office/powerpoint/2015/main" xmlns="" val="1"/>
+                <p16:designElem xmlns:p16="http://schemas.microsoft.com/office/powerpoint/2015/main" val="1"/>
               </p:ext>
             </p:extLst>
           </p:nvPr>
@@ -15293,13 +15080,6 @@
   <p:clrMapOvr>
     <a:masterClrMapping/>
   </p:clrMapOvr>
-  <p:timing>
-    <p:tnLst>
-      <p:par>
-        <p:cTn id="1" dur="indefinite" restart="never" nodeType="tmRoot"/>
-      </p:par>
-    </p:tnLst>
-  </p:timing>
 </p:sld>
 </file>
 
@@ -15398,13 +15178,6 @@
   <p:clrMapOvr>
     <a:masterClrMapping/>
   </p:clrMapOvr>
-  <p:timing>
-    <p:tnLst>
-      <p:par>
-        <p:cTn id="1" dur="indefinite" restart="never" nodeType="tmRoot"/>
-      </p:par>
-    </p:tnLst>
-  </p:timing>
 </p:sld>
 </file>
 
@@ -15681,13 +15454,6 @@
   <p:clrMapOvr>
     <a:masterClrMapping/>
   </p:clrMapOvr>
-  <p:timing>
-    <p:tnLst>
-      <p:par>
-        <p:cTn id="1" dur="indefinite" restart="never" nodeType="tmRoot"/>
-      </p:par>
-    </p:tnLst>
-  </p:timing>
 </p:sld>
 </file>
 
